--- a/JAVA并发编程.pptx
+++ b/JAVA并发编程.pptx
@@ -7849,7 +7849,15 @@
           <a:p>
             <a:r>
               <a:rPr lang="zh-CN" altLang="en-US" dirty="0"/>
-              <a:t>安全类：安全指线程安全，各成员变量构成对象的状态，外部只能通过成员方法来修改对象状态，成员方法都是原子性地整体性的修改对象状态。</a:t>
+              <a:t>安全类：安全指线程安全，外部只能通过成员方法来修改对象</a:t>
+            </a:r>
+            <a:r>
+              <a:rPr lang="zh-CN" altLang="en-US"/>
+              <a:t>状态（各成员变量构成对象的状态），</a:t>
+            </a:r>
+            <a:r>
+              <a:rPr lang="zh-CN" altLang="en-US" dirty="0"/>
+              <a:t>成员方法都是原子性地整体性的修改对象状态。</a:t>
             </a:r>
             <a:endParaRPr lang="en-US" altLang="zh-CN" dirty="0"/>
           </a:p>
@@ -7864,6 +7872,24 @@
             <a:pPr marL="0" indent="0">
               <a:buNone/>
             </a:pPr>
+            <a:r>
+              <a:rPr lang="zh-CN" altLang="en-US" dirty="0"/>
+              <a:t>内置锁：</a:t>
+            </a:r>
+            <a:r>
+              <a:rPr lang="en-US" altLang="zh-CN" dirty="0" err="1"/>
+              <a:t>SafeHashSetBySync</a:t>
+            </a:r>
+            <a:endParaRPr lang="en-US" altLang="zh-CN" dirty="0"/>
+          </a:p>
+          <a:p>
+            <a:pPr marL="0" indent="0">
+              <a:buNone/>
+            </a:pPr>
+            <a:r>
+              <a:rPr lang="zh-CN" altLang="en-US" dirty="0"/>
+              <a:t>监视器模式：</a:t>
+            </a:r>
             <a:r>
               <a:rPr lang="en-US" altLang="zh-CN" dirty="0" err="1"/>
               <a:t>SafeCounterByMonitorPattern</a:t>
@@ -7875,15 +7901,9 @@
               <a:buNone/>
             </a:pPr>
             <a:r>
-              <a:rPr lang="en-US" altLang="zh-CN" dirty="0" err="1"/>
-              <a:t>SafeHashSetBySync</a:t>
-            </a:r>
-            <a:endParaRPr lang="en-US" altLang="zh-CN" dirty="0"/>
-          </a:p>
-          <a:p>
-            <a:pPr marL="0" indent="0">
-              <a:buNone/>
-            </a:pPr>
+              <a:rPr lang="zh-CN" altLang="en-US" dirty="0"/>
+              <a:t>不变性：</a:t>
+            </a:r>
             <a:r>
               <a:rPr lang="en-US" altLang="zh-CN" dirty="0" err="1"/>
               <a:t>SafeOneStatusByFinal</a:t>

--- a/JAVA并发编程.pptx
+++ b/JAVA并发编程.pptx
@@ -6,7 +6,7 @@
     <p:sldMasterId id="2147483819" r:id="rId2"/>
   </p:sldMasterIdLst>
   <p:notesMasterIdLst>
-    <p:notesMasterId r:id="rId25"/>
+    <p:notesMasterId r:id="rId26"/>
   </p:notesMasterIdLst>
   <p:sldIdLst>
     <p:sldId id="256" r:id="rId3"/>
@@ -28,9 +28,10 @@
     <p:sldId id="275" r:id="rId19"/>
     <p:sldId id="274" r:id="rId20"/>
     <p:sldId id="277" r:id="rId21"/>
-    <p:sldId id="279" r:id="rId22"/>
-    <p:sldId id="281" r:id="rId23"/>
-    <p:sldId id="280" r:id="rId24"/>
+    <p:sldId id="282" r:id="rId22"/>
+    <p:sldId id="279" r:id="rId23"/>
+    <p:sldId id="281" r:id="rId24"/>
+    <p:sldId id="280" r:id="rId25"/>
   </p:sldIdLst>
   <p:sldSz cx="12192000" cy="6858000"/>
   <p:notesSz cx="6858000" cy="9144000"/>
@@ -7842,106 +7843,20 @@
             <p:ph idx="1"/>
           </p:nvPr>
         </p:nvSpPr>
-        <p:spPr/>
+        <p:spPr>
+          <a:xfrm>
+            <a:off x="845127" y="1828800"/>
+            <a:ext cx="10515600" cy="4351337"/>
+          </a:xfrm>
+        </p:spPr>
         <p:txBody>
           <a:bodyPr/>
           <a:lstStyle/>
           <a:p>
             <a:r>
               <a:rPr lang="zh-CN" altLang="en-US" dirty="0"/>
-              <a:t>安全类：安全指线程安全，外部只能通过成员方法来修改对象</a:t>
-            </a:r>
-            <a:r>
-              <a:rPr lang="zh-CN" altLang="en-US"/>
-              <a:t>状态（各成员变量构成对象的状态），</a:t>
-            </a:r>
-            <a:r>
-              <a:rPr lang="zh-CN" altLang="en-US" dirty="0"/>
-              <a:t>成员方法都是原子性地整体性的修改对象状态。</a:t>
-            </a:r>
-            <a:endParaRPr lang="en-US" altLang="zh-CN" dirty="0"/>
-          </a:p>
-          <a:p>
-            <a:r>
-              <a:rPr lang="zh-CN" altLang="en-US" dirty="0"/>
-              <a:t>演示：</a:t>
-            </a:r>
-            <a:endParaRPr lang="en-US" altLang="zh-CN" dirty="0"/>
-          </a:p>
-          <a:p>
-            <a:pPr marL="0" indent="0">
-              <a:buNone/>
-            </a:pPr>
-            <a:r>
-              <a:rPr lang="zh-CN" altLang="en-US" dirty="0"/>
-              <a:t>内置锁：</a:t>
-            </a:r>
-            <a:r>
-              <a:rPr lang="en-US" altLang="zh-CN" dirty="0" err="1"/>
-              <a:t>SafeHashSetBySync</a:t>
-            </a:r>
-            <a:endParaRPr lang="en-US" altLang="zh-CN" dirty="0"/>
-          </a:p>
-          <a:p>
-            <a:pPr marL="0" indent="0">
-              <a:buNone/>
-            </a:pPr>
-            <a:r>
-              <a:rPr lang="zh-CN" altLang="en-US" dirty="0"/>
-              <a:t>监视器模式：</a:t>
-            </a:r>
-            <a:r>
-              <a:rPr lang="en-US" altLang="zh-CN" dirty="0" err="1"/>
-              <a:t>SafeCounterByMonitorPattern</a:t>
-            </a:r>
-            <a:endParaRPr lang="en-US" altLang="zh-CN" dirty="0"/>
-          </a:p>
-          <a:p>
-            <a:pPr marL="0" indent="0">
-              <a:buNone/>
-            </a:pPr>
-            <a:r>
-              <a:rPr lang="zh-CN" altLang="en-US" dirty="0"/>
-              <a:t>不变性：</a:t>
-            </a:r>
-            <a:r>
-              <a:rPr lang="en-US" altLang="zh-CN" dirty="0" err="1"/>
-              <a:t>SafeOneStatusByFinal</a:t>
-            </a:r>
-            <a:endParaRPr lang="en-US" altLang="zh-CN" dirty="0"/>
-          </a:p>
-          <a:p>
-            <a:pPr marL="0" indent="0">
-              <a:buNone/>
-            </a:pPr>
-            <a:r>
-              <a:rPr lang="en-US" altLang="zh-CN" dirty="0"/>
-              <a:t>copy: </a:t>
-            </a:r>
-            <a:r>
-              <a:rPr lang="en-US" altLang="zh-CN" dirty="0" err="1"/>
-              <a:t>java.util.concurrent.CopyOnWriteArrayList#add</a:t>
-            </a:r>
-            <a:r>
-              <a:rPr lang="en-US" altLang="zh-CN" dirty="0"/>
-              <a:t>(E)</a:t>
-            </a:r>
-          </a:p>
-          <a:p>
-            <a:pPr marL="0" indent="0">
-              <a:buNone/>
-            </a:pPr>
-            <a:r>
-              <a:rPr lang="en-US" altLang="zh-CN" dirty="0"/>
-              <a:t>CAS: </a:t>
-            </a:r>
-            <a:r>
-              <a:rPr lang="en-US" altLang="zh-CN" dirty="0" err="1"/>
-              <a:t>java.util.concurrent.atomic.AtomicInteger#incrementAndGet</a:t>
-            </a:r>
-            <a:endParaRPr lang="zh-CN" altLang="en-US" dirty="0"/>
-          </a:p>
-          <a:p>
+              <a:t>安全类：安全指线程安全，外部只能通过成员方法来修改对象状态（各成员变量构成对象的状态），成员方法都是原子性地整体性的修改对象状态。</a:t>
+            </a:r>
             <a:endParaRPr lang="en-US" altLang="zh-CN" dirty="0"/>
           </a:p>
         </p:txBody>
@@ -8036,75 +7951,260 @@
       </p:grpSpPr>
       <p:sp>
         <p:nvSpPr>
-          <p:cNvPr id="2" name="标题 1">
+          <p:cNvPr id="2" name="文本框 1">
             <a:extLst>
               <a:ext uri="{FF2B5EF4-FFF2-40B4-BE49-F238E27FC236}">
-                <a16:creationId xmlns:a16="http://schemas.microsoft.com/office/drawing/2014/main" id="{FCD323CB-FA43-4278-B3D4-4F02822E2206}"/>
+                <a16:creationId xmlns:a16="http://schemas.microsoft.com/office/drawing/2014/main" id="{2C096CE4-B4BA-443B-8C78-71C9D0124348}"/>
               </a:ext>
             </a:extLst>
           </p:cNvPr>
-          <p:cNvSpPr>
-            <a:spLocks noGrp="1"/>
-          </p:cNvSpPr>
-          <p:nvPr>
-            <p:ph type="title"/>
-          </p:nvPr>
-        </p:nvSpPr>
-        <p:spPr/>
-        <p:txBody>
-          <a:bodyPr/>
-          <a:lstStyle/>
-          <a:p>
-            <a:r>
-              <a:rPr lang="zh-CN" altLang="en-US" dirty="0"/>
-              <a:t>深安全类设计</a:t>
-            </a:r>
-          </a:p>
-        </p:txBody>
-      </p:sp>
-      <p:sp>
-        <p:nvSpPr>
-          <p:cNvPr id="3" name="内容占位符 2">
-            <a:extLst>
-              <a:ext uri="{FF2B5EF4-FFF2-40B4-BE49-F238E27FC236}">
-                <a16:creationId xmlns:a16="http://schemas.microsoft.com/office/drawing/2014/main" id="{4F5792FF-6D49-4B06-8986-3BBD9FB7DDDC}"/>
-              </a:ext>
-            </a:extLst>
-          </p:cNvPr>
-          <p:cNvSpPr>
-            <a:spLocks noGrp="1"/>
-          </p:cNvSpPr>
-          <p:nvPr>
-            <p:ph idx="1"/>
-          </p:nvPr>
-        </p:nvSpPr>
-        <p:spPr/>
-        <p:txBody>
-          <a:bodyPr/>
-          <a:lstStyle/>
-          <a:p>
-            <a:r>
-              <a:rPr lang="zh-CN" altLang="en-US" dirty="0"/>
-              <a:t>深安全类：安全类的引用型成员变量的类型也为安全类，递归下去</a:t>
-            </a:r>
-            <a:endParaRPr lang="en-US" altLang="zh-CN" dirty="0"/>
-          </a:p>
-          <a:p>
-            <a:r>
-              <a:rPr lang="zh-CN" altLang="en-US" dirty="0"/>
+          <p:cNvSpPr txBox="1"/>
+          <p:nvPr/>
+        </p:nvSpPr>
+        <p:spPr>
+          <a:xfrm>
+            <a:off x="904567" y="914400"/>
+            <a:ext cx="10196051" cy="3853363"/>
+          </a:xfrm>
+          <a:prstGeom prst="rect">
+            <a:avLst/>
+          </a:prstGeom>
+          <a:noFill/>
+        </p:spPr>
+        <p:txBody>
+          <a:bodyPr wrap="square" rtlCol="0">
+            <a:spAutoFit/>
+          </a:bodyPr>
+          <a:lstStyle/>
+          <a:p>
+            <a:pPr marL="228600" lvl="0" indent="-228600">
+              <a:lnSpc>
+                <a:spcPct val="90000"/>
+              </a:lnSpc>
+              <a:spcBef>
+                <a:spcPts val="1000"/>
+              </a:spcBef>
+              <a:buFont typeface="Wingdings 2" pitchFamily="18" charset="2"/>
+              <a:buChar char=""/>
+            </a:pPr>
+            <a:r>
+              <a:rPr lang="zh-CN" altLang="en-US" sz="2800" dirty="0">
+                <a:solidFill>
+                  <a:prstClr val="black"/>
+                </a:solidFill>
+              </a:rPr>
               <a:t>演示：</a:t>
             </a:r>
-            <a:endParaRPr lang="en-US" altLang="zh-CN" dirty="0"/>
-          </a:p>
-          <a:p>
-            <a:pPr marL="0" indent="0">
-              <a:buNone/>
+            <a:endParaRPr lang="en-US" altLang="zh-CN" sz="2800" dirty="0">
+              <a:solidFill>
+                <a:prstClr val="black"/>
+              </a:solidFill>
+            </a:endParaRPr>
+          </a:p>
+          <a:p>
+            <a:pPr lvl="0">
+              <a:lnSpc>
+                <a:spcPct val="90000"/>
+              </a:lnSpc>
+              <a:spcBef>
+                <a:spcPts val="1000"/>
+              </a:spcBef>
             </a:pPr>
             <a:r>
-              <a:rPr lang="en-US" altLang="zh-CN" dirty="0" err="1"/>
-              <a:t>DeepSafeStatus</a:t>
-            </a:r>
-            <a:endParaRPr lang="en-US" altLang="zh-CN" dirty="0"/>
+              <a:rPr lang="zh-CN" altLang="en-US" sz="2800" dirty="0">
+                <a:solidFill>
+                  <a:prstClr val="black"/>
+                </a:solidFill>
+              </a:rPr>
+              <a:t>内置锁：</a:t>
+            </a:r>
+            <a:r>
+              <a:rPr lang="en-US" altLang="zh-CN" sz="2800" dirty="0" err="1">
+                <a:solidFill>
+                  <a:prstClr val="black"/>
+                </a:solidFill>
+              </a:rPr>
+              <a:t>SafeHashSetBySync</a:t>
+            </a:r>
+            <a:r>
+              <a:rPr lang="zh-CN" altLang="en-US" sz="2800" dirty="0">
+                <a:solidFill>
+                  <a:prstClr val="black"/>
+                </a:solidFill>
+              </a:rPr>
+              <a:t>，</a:t>
+            </a:r>
+            <a:endParaRPr lang="en-US" altLang="zh-CN" sz="2800" dirty="0">
+              <a:solidFill>
+                <a:prstClr val="black"/>
+              </a:solidFill>
+            </a:endParaRPr>
+          </a:p>
+          <a:p>
+            <a:pPr lvl="0">
+              <a:lnSpc>
+                <a:spcPct val="90000"/>
+              </a:lnSpc>
+              <a:spcBef>
+                <a:spcPts val="1000"/>
+              </a:spcBef>
+            </a:pPr>
+            <a:r>
+              <a:rPr lang="en-US" altLang="zh-CN" sz="2800" dirty="0">
+                <a:solidFill>
+                  <a:prstClr val="black"/>
+                </a:solidFill>
+              </a:rPr>
+              <a:t>	</a:t>
+            </a:r>
+            <a:r>
+              <a:rPr lang="zh-CN" altLang="en-US" sz="2800" dirty="0">
+                <a:solidFill>
+                  <a:prstClr val="black"/>
+                </a:solidFill>
+              </a:rPr>
+              <a:t>监视器模式：</a:t>
+            </a:r>
+            <a:r>
+              <a:rPr lang="en-US" altLang="zh-CN" sz="2800" dirty="0" err="1">
+                <a:solidFill>
+                  <a:prstClr val="black"/>
+                </a:solidFill>
+              </a:rPr>
+              <a:t>SafeCounterByMonitorPattern</a:t>
+            </a:r>
+            <a:endParaRPr lang="en-US" altLang="zh-CN" sz="2800" dirty="0">
+              <a:solidFill>
+                <a:prstClr val="black"/>
+              </a:solidFill>
+            </a:endParaRPr>
+          </a:p>
+          <a:p>
+            <a:pPr lvl="0">
+              <a:lnSpc>
+                <a:spcPct val="90000"/>
+              </a:lnSpc>
+              <a:spcBef>
+                <a:spcPts val="1000"/>
+              </a:spcBef>
+            </a:pPr>
+            <a:r>
+              <a:rPr lang="zh-CN" altLang="en-US" sz="2800" dirty="0">
+                <a:solidFill>
+                  <a:prstClr val="black"/>
+                </a:solidFill>
+              </a:rPr>
+              <a:t>不变性：</a:t>
+            </a:r>
+            <a:r>
+              <a:rPr lang="en-US" altLang="zh-CN" sz="2800" dirty="0" err="1">
+                <a:solidFill>
+                  <a:prstClr val="black"/>
+                </a:solidFill>
+              </a:rPr>
+              <a:t>SafeOneStatusByFinal</a:t>
+            </a:r>
+            <a:endParaRPr lang="en-US" altLang="zh-CN" sz="2800" dirty="0">
+              <a:solidFill>
+                <a:prstClr val="black"/>
+              </a:solidFill>
+            </a:endParaRPr>
+          </a:p>
+          <a:p>
+            <a:pPr lvl="0">
+              <a:lnSpc>
+                <a:spcPct val="90000"/>
+              </a:lnSpc>
+              <a:spcBef>
+                <a:spcPts val="1000"/>
+              </a:spcBef>
+            </a:pPr>
+            <a:r>
+              <a:rPr lang="en-US" altLang="zh-CN" sz="2800" dirty="0">
+                <a:solidFill>
+                  <a:prstClr val="black"/>
+                </a:solidFill>
+              </a:rPr>
+              <a:t>copy: </a:t>
+            </a:r>
+            <a:r>
+              <a:rPr lang="en-US" altLang="zh-CN" sz="2800" dirty="0" err="1">
+                <a:solidFill>
+                  <a:prstClr val="black"/>
+                </a:solidFill>
+              </a:rPr>
+              <a:t>SafeMultiDimStatusByCopy</a:t>
+            </a:r>
+            <a:r>
+              <a:rPr lang="en-US" altLang="zh-CN" sz="2800" dirty="0">
+                <a:solidFill>
+                  <a:prstClr val="black"/>
+                </a:solidFill>
+              </a:rPr>
+              <a:t> </a:t>
+            </a:r>
+          </a:p>
+          <a:p>
+            <a:pPr lvl="0">
+              <a:lnSpc>
+                <a:spcPct val="90000"/>
+              </a:lnSpc>
+              <a:spcBef>
+                <a:spcPts val="1000"/>
+              </a:spcBef>
+            </a:pPr>
+            <a:r>
+              <a:rPr lang="en-US" altLang="zh-CN" sz="2800" dirty="0">
+                <a:solidFill>
+                  <a:prstClr val="black"/>
+                </a:solidFill>
+              </a:rPr>
+              <a:t>CAS: </a:t>
+            </a:r>
+            <a:r>
+              <a:rPr lang="en-US" altLang="zh-CN" sz="2800" dirty="0" err="1">
+                <a:solidFill>
+                  <a:prstClr val="black"/>
+                </a:solidFill>
+              </a:rPr>
+              <a:t>SafeCounterByCAS</a:t>
+            </a:r>
+            <a:endParaRPr lang="en-US" altLang="zh-CN" sz="2800" dirty="0">
+              <a:solidFill>
+                <a:prstClr val="black"/>
+              </a:solidFill>
+            </a:endParaRPr>
+          </a:p>
+          <a:p>
+            <a:pPr lvl="0">
+              <a:lnSpc>
+                <a:spcPct val="90000"/>
+              </a:lnSpc>
+              <a:spcBef>
+                <a:spcPts val="1000"/>
+              </a:spcBef>
+            </a:pPr>
+            <a:r>
+              <a:rPr lang="en-US" altLang="zh-CN" sz="2800" dirty="0">
+                <a:solidFill>
+                  <a:prstClr val="black"/>
+                </a:solidFill>
+              </a:rPr>
+              <a:t>AQS: </a:t>
+            </a:r>
+            <a:r>
+              <a:rPr lang="en-US" altLang="zh-CN" sz="2800" dirty="0" err="1">
+                <a:solidFill>
+                  <a:prstClr val="black"/>
+                </a:solidFill>
+              </a:rPr>
+              <a:t>SafeMultiDimStatusByAQS</a:t>
+            </a:r>
+            <a:endParaRPr lang="en-US" altLang="zh-CN" sz="2800" dirty="0">
+              <a:solidFill>
+                <a:prstClr val="black"/>
+              </a:solidFill>
+            </a:endParaRPr>
           </a:p>
           <a:p>
             <a:endParaRPr lang="zh-CN" altLang="en-US" dirty="0"/>
@@ -8114,7 +8214,7 @@
     </p:spTree>
     <p:extLst>
       <p:ext uri="{BB962C8B-B14F-4D97-AF65-F5344CB8AC3E}">
-        <p14:creationId xmlns:p14="http://schemas.microsoft.com/office/powerpoint/2010/main" val="3162420583"/>
+        <p14:creationId xmlns:p14="http://schemas.microsoft.com/office/powerpoint/2010/main" val="252498404"/>
       </p:ext>
     </p:extLst>
   </p:cSld>
@@ -8146,6 +8246,119 @@
           <p:cNvPr id="2" name="标题 1">
             <a:extLst>
               <a:ext uri="{FF2B5EF4-FFF2-40B4-BE49-F238E27FC236}">
+                <a16:creationId xmlns:a16="http://schemas.microsoft.com/office/drawing/2014/main" id="{FCD323CB-FA43-4278-B3D4-4F02822E2206}"/>
+              </a:ext>
+            </a:extLst>
+          </p:cNvPr>
+          <p:cNvSpPr>
+            <a:spLocks noGrp="1"/>
+          </p:cNvSpPr>
+          <p:nvPr>
+            <p:ph type="title"/>
+          </p:nvPr>
+        </p:nvSpPr>
+        <p:spPr/>
+        <p:txBody>
+          <a:bodyPr/>
+          <a:lstStyle/>
+          <a:p>
+            <a:r>
+              <a:rPr lang="zh-CN" altLang="en-US" dirty="0"/>
+              <a:t>深安全类设计</a:t>
+            </a:r>
+          </a:p>
+        </p:txBody>
+      </p:sp>
+      <p:sp>
+        <p:nvSpPr>
+          <p:cNvPr id="3" name="内容占位符 2">
+            <a:extLst>
+              <a:ext uri="{FF2B5EF4-FFF2-40B4-BE49-F238E27FC236}">
+                <a16:creationId xmlns:a16="http://schemas.microsoft.com/office/drawing/2014/main" id="{4F5792FF-6D49-4B06-8986-3BBD9FB7DDDC}"/>
+              </a:ext>
+            </a:extLst>
+          </p:cNvPr>
+          <p:cNvSpPr>
+            <a:spLocks noGrp="1"/>
+          </p:cNvSpPr>
+          <p:nvPr>
+            <p:ph idx="1"/>
+          </p:nvPr>
+        </p:nvSpPr>
+        <p:spPr/>
+        <p:txBody>
+          <a:bodyPr/>
+          <a:lstStyle/>
+          <a:p>
+            <a:r>
+              <a:rPr lang="zh-CN" altLang="en-US" dirty="0"/>
+              <a:t>深安全类：安全类的引用型成员变量的类型也为安全类，递归下去</a:t>
+            </a:r>
+            <a:endParaRPr lang="en-US" altLang="zh-CN" dirty="0"/>
+          </a:p>
+          <a:p>
+            <a:pPr marL="0" indent="0">
+              <a:buNone/>
+            </a:pPr>
+            <a:endParaRPr lang="en-US" altLang="zh-CN" dirty="0"/>
+          </a:p>
+          <a:p>
+            <a:r>
+              <a:rPr lang="zh-CN" altLang="en-US" dirty="0"/>
+              <a:t>演示：</a:t>
+            </a:r>
+            <a:endParaRPr lang="en-US" altLang="zh-CN" dirty="0"/>
+          </a:p>
+          <a:p>
+            <a:pPr marL="0" indent="0">
+              <a:buNone/>
+            </a:pPr>
+            <a:r>
+              <a:rPr lang="en-US" altLang="zh-CN" dirty="0" err="1"/>
+              <a:t>DeepSafeStatus</a:t>
+            </a:r>
+            <a:endParaRPr lang="en-US" altLang="zh-CN" dirty="0"/>
+          </a:p>
+          <a:p>
+            <a:endParaRPr lang="zh-CN" altLang="en-US" dirty="0"/>
+          </a:p>
+        </p:txBody>
+      </p:sp>
+    </p:spTree>
+    <p:extLst>
+      <p:ext uri="{BB962C8B-B14F-4D97-AF65-F5344CB8AC3E}">
+        <p14:creationId xmlns:p14="http://schemas.microsoft.com/office/powerpoint/2010/main" val="3162420583"/>
+      </p:ext>
+    </p:extLst>
+  </p:cSld>
+  <p:clrMapOvr>
+    <a:masterClrMapping/>
+  </p:clrMapOvr>
+</p:sld>
+</file>
+
+<file path=ppt/slides/slide22.xml><?xml version="1.0" encoding="utf-8"?>
+<p:sld xmlns:a="http://schemas.openxmlformats.org/drawingml/2006/main" xmlns:r="http://schemas.openxmlformats.org/officeDocument/2006/relationships" xmlns:p="http://schemas.openxmlformats.org/presentationml/2006/main">
+  <p:cSld>
+    <p:spTree>
+      <p:nvGrpSpPr>
+        <p:cNvPr id="1" name=""/>
+        <p:cNvGrpSpPr/>
+        <p:nvPr/>
+      </p:nvGrpSpPr>
+      <p:grpSpPr>
+        <a:xfrm>
+          <a:off x="0" y="0"/>
+          <a:ext cx="0" cy="0"/>
+          <a:chOff x="0" y="0"/>
+          <a:chExt cx="0" cy="0"/>
+        </a:xfrm>
+      </p:grpSpPr>
+      <p:sp>
+        <p:nvSpPr>
+          <p:cNvPr id="2" name="标题 1">
+            <a:extLst>
+              <a:ext uri="{FF2B5EF4-FFF2-40B4-BE49-F238E27FC236}">
                 <a16:creationId xmlns:a16="http://schemas.microsoft.com/office/drawing/2014/main" id="{9A3C2EE5-8AE5-4BDD-992D-848B36F17D57}"/>
               </a:ext>
             </a:extLst>
@@ -8251,7 +8464,7 @@
 </p:sld>
 </file>
 
-<file path=ppt/slides/slide22.xml><?xml version="1.0" encoding="utf-8"?>
+<file path=ppt/slides/slide23.xml><?xml version="1.0" encoding="utf-8"?>
 <p:sld xmlns:a="http://schemas.openxmlformats.org/drawingml/2006/main" xmlns:r="http://schemas.openxmlformats.org/officeDocument/2006/relationships" xmlns:p="http://schemas.openxmlformats.org/presentationml/2006/main">
   <p:cSld>
     <p:spTree>

--- a/JAVA并发编程.pptx
+++ b/JAVA并发编程.pptx
@@ -24,7 +24,7 @@
     <p:sldId id="270" r:id="rId15"/>
     <p:sldId id="271" r:id="rId16"/>
     <p:sldId id="272" r:id="rId17"/>
-    <p:sldId id="273" r:id="rId18"/>
+    <p:sldId id="283" r:id="rId18"/>
     <p:sldId id="275" r:id="rId19"/>
     <p:sldId id="274" r:id="rId20"/>
     <p:sldId id="277" r:id="rId21"/>
@@ -243,7 +243,7 @@
           <a:p>
             <a:fld id="{EA264B38-6F7B-44DA-9118-FA0766D896D2}" type="datetimeFigureOut">
               <a:rPr lang="zh-CN" altLang="en-US" smtClean="0"/>
-              <a:t>2018/8/5</a:t>
+              <a:t>2018/8/6</a:t>
             </a:fld>
             <a:endParaRPr lang="zh-CN" altLang="en-US"/>
           </a:p>
@@ -820,7 +820,7 @@
           <a:p>
             <a:fld id="{C7DE3245-AFA4-488B-9D03-49FA6ABE44D9}" type="datetimeFigureOut">
               <a:rPr lang="zh-CN" altLang="en-US" smtClean="0"/>
-              <a:t>2018/8/5</a:t>
+              <a:t>2018/8/6</a:t>
             </a:fld>
             <a:endParaRPr lang="zh-CN" altLang="en-US"/>
           </a:p>
@@ -990,7 +990,7 @@
           <a:p>
             <a:fld id="{C7DE3245-AFA4-488B-9D03-49FA6ABE44D9}" type="datetimeFigureOut">
               <a:rPr lang="zh-CN" altLang="en-US" smtClean="0"/>
-              <a:t>2018/8/5</a:t>
+              <a:t>2018/8/6</a:t>
             </a:fld>
             <a:endParaRPr lang="zh-CN" altLang="en-US"/>
           </a:p>
@@ -1170,7 +1170,7 @@
           <a:p>
             <a:fld id="{C7DE3245-AFA4-488B-9D03-49FA6ABE44D9}" type="datetimeFigureOut">
               <a:rPr lang="zh-CN" altLang="en-US" smtClean="0"/>
-              <a:t>2018/8/5</a:t>
+              <a:t>2018/8/6</a:t>
             </a:fld>
             <a:endParaRPr lang="zh-CN" altLang="en-US"/>
           </a:p>
@@ -1373,7 +1373,7 @@
           <a:p>
             <a:fld id="{C7DE3245-AFA4-488B-9D03-49FA6ABE44D9}" type="datetimeFigureOut">
               <a:rPr lang="zh-CN" altLang="en-US" smtClean="0"/>
-              <a:t>2018/8/5</a:t>
+              <a:t>2018/8/6</a:t>
             </a:fld>
             <a:endParaRPr lang="zh-CN" altLang="en-US"/>
           </a:p>
@@ -1543,7 +1543,7 @@
           <a:p>
             <a:fld id="{C7DE3245-AFA4-488B-9D03-49FA6ABE44D9}" type="datetimeFigureOut">
               <a:rPr lang="zh-CN" altLang="en-US" smtClean="0"/>
-              <a:t>2018/8/5</a:t>
+              <a:t>2018/8/6</a:t>
             </a:fld>
             <a:endParaRPr lang="zh-CN" altLang="en-US"/>
           </a:p>
@@ -1794,7 +1794,7 @@
           <a:p>
             <a:fld id="{C7DE3245-AFA4-488B-9D03-49FA6ABE44D9}" type="datetimeFigureOut">
               <a:rPr lang="zh-CN" altLang="en-US" smtClean="0"/>
-              <a:t>2018/8/5</a:t>
+              <a:t>2018/8/6</a:t>
             </a:fld>
             <a:endParaRPr lang="zh-CN" altLang="en-US"/>
           </a:p>
@@ -2026,7 +2026,7 @@
           <a:p>
             <a:fld id="{C7DE3245-AFA4-488B-9D03-49FA6ABE44D9}" type="datetimeFigureOut">
               <a:rPr lang="zh-CN" altLang="en-US" smtClean="0"/>
-              <a:t>2018/8/5</a:t>
+              <a:t>2018/8/6</a:t>
             </a:fld>
             <a:endParaRPr lang="zh-CN" altLang="en-US"/>
           </a:p>
@@ -2373,7 +2373,7 @@
           <a:p>
             <a:fld id="{C7DE3245-AFA4-488B-9D03-49FA6ABE44D9}" type="datetimeFigureOut">
               <a:rPr lang="zh-CN" altLang="en-US" smtClean="0"/>
-              <a:t>2018/8/5</a:t>
+              <a:t>2018/8/6</a:t>
             </a:fld>
             <a:endParaRPr lang="zh-CN" altLang="en-US"/>
           </a:p>
@@ -2491,7 +2491,7 @@
           <a:p>
             <a:fld id="{C7DE3245-AFA4-488B-9D03-49FA6ABE44D9}" type="datetimeFigureOut">
               <a:rPr lang="zh-CN" altLang="en-US" smtClean="0"/>
-              <a:t>2018/8/5</a:t>
+              <a:t>2018/8/6</a:t>
             </a:fld>
             <a:endParaRPr lang="zh-CN" altLang="en-US"/>
           </a:p>
@@ -2609,7 +2609,7 @@
           <a:p>
             <a:fld id="{C7DE3245-AFA4-488B-9D03-49FA6ABE44D9}" type="datetimeFigureOut">
               <a:rPr lang="zh-CN" altLang="en-US" smtClean="0"/>
-              <a:t>2018/8/5</a:t>
+              <a:t>2018/8/6</a:t>
             </a:fld>
             <a:endParaRPr lang="zh-CN" altLang="en-US"/>
           </a:p>
@@ -2893,7 +2893,7 @@
           <a:p>
             <a:fld id="{C7DE3245-AFA4-488B-9D03-49FA6ABE44D9}" type="datetimeFigureOut">
               <a:rPr lang="zh-CN" altLang="en-US" smtClean="0"/>
-              <a:t>2018/8/5</a:t>
+              <a:t>2018/8/6</a:t>
             </a:fld>
             <a:endParaRPr lang="zh-CN" altLang="en-US"/>
           </a:p>
@@ -3063,7 +3063,7 @@
           <a:p>
             <a:fld id="{C7DE3245-AFA4-488B-9D03-49FA6ABE44D9}" type="datetimeFigureOut">
               <a:rPr lang="zh-CN" altLang="en-US" smtClean="0"/>
-              <a:t>2018/8/5</a:t>
+              <a:t>2018/8/6</a:t>
             </a:fld>
             <a:endParaRPr lang="zh-CN" altLang="en-US"/>
           </a:p>
@@ -3327,7 +3327,7 @@
           <a:p>
             <a:fld id="{C7DE3245-AFA4-488B-9D03-49FA6ABE44D9}" type="datetimeFigureOut">
               <a:rPr lang="zh-CN" altLang="en-US" smtClean="0"/>
-              <a:t>2018/8/5</a:t>
+              <a:t>2018/8/6</a:t>
             </a:fld>
             <a:endParaRPr lang="zh-CN" altLang="en-US"/>
           </a:p>
@@ -3497,7 +3497,7 @@
           <a:p>
             <a:fld id="{C7DE3245-AFA4-488B-9D03-49FA6ABE44D9}" type="datetimeFigureOut">
               <a:rPr lang="zh-CN" altLang="en-US" smtClean="0"/>
-              <a:t>2018/8/5</a:t>
+              <a:t>2018/8/6</a:t>
             </a:fld>
             <a:endParaRPr lang="zh-CN" altLang="en-US"/>
           </a:p>
@@ -3677,7 +3677,7 @@
           <a:p>
             <a:fld id="{C7DE3245-AFA4-488B-9D03-49FA6ABE44D9}" type="datetimeFigureOut">
               <a:rPr lang="zh-CN" altLang="en-US" smtClean="0"/>
-              <a:t>2018/8/5</a:t>
+              <a:t>2018/8/6</a:t>
             </a:fld>
             <a:endParaRPr lang="zh-CN" altLang="en-US"/>
           </a:p>
@@ -3928,7 +3928,7 @@
           <a:p>
             <a:fld id="{C7DE3245-AFA4-488B-9D03-49FA6ABE44D9}" type="datetimeFigureOut">
               <a:rPr lang="zh-CN" altLang="en-US" smtClean="0"/>
-              <a:t>2018/8/5</a:t>
+              <a:t>2018/8/6</a:t>
             </a:fld>
             <a:endParaRPr lang="zh-CN" altLang="en-US"/>
           </a:p>
@@ -4160,7 +4160,7 @@
           <a:p>
             <a:fld id="{C7DE3245-AFA4-488B-9D03-49FA6ABE44D9}" type="datetimeFigureOut">
               <a:rPr lang="zh-CN" altLang="en-US" smtClean="0"/>
-              <a:t>2018/8/5</a:t>
+              <a:t>2018/8/6</a:t>
             </a:fld>
             <a:endParaRPr lang="zh-CN" altLang="en-US"/>
           </a:p>
@@ -4507,7 +4507,7 @@
           <a:p>
             <a:fld id="{C7DE3245-AFA4-488B-9D03-49FA6ABE44D9}" type="datetimeFigureOut">
               <a:rPr lang="zh-CN" altLang="en-US" smtClean="0"/>
-              <a:t>2018/8/5</a:t>
+              <a:t>2018/8/6</a:t>
             </a:fld>
             <a:endParaRPr lang="zh-CN" altLang="en-US"/>
           </a:p>
@@ -4625,7 +4625,7 @@
           <a:p>
             <a:fld id="{C7DE3245-AFA4-488B-9D03-49FA6ABE44D9}" type="datetimeFigureOut">
               <a:rPr lang="zh-CN" altLang="en-US" smtClean="0"/>
-              <a:t>2018/8/5</a:t>
+              <a:t>2018/8/6</a:t>
             </a:fld>
             <a:endParaRPr lang="zh-CN" altLang="en-US"/>
           </a:p>
@@ -4743,7 +4743,7 @@
           <a:p>
             <a:fld id="{C7DE3245-AFA4-488B-9D03-49FA6ABE44D9}" type="datetimeFigureOut">
               <a:rPr lang="zh-CN" altLang="en-US" smtClean="0"/>
-              <a:t>2018/8/5</a:t>
+              <a:t>2018/8/6</a:t>
             </a:fld>
             <a:endParaRPr lang="zh-CN" altLang="en-US"/>
           </a:p>
@@ -5027,7 +5027,7 @@
           <a:p>
             <a:fld id="{C7DE3245-AFA4-488B-9D03-49FA6ABE44D9}" type="datetimeFigureOut">
               <a:rPr lang="zh-CN" altLang="en-US" smtClean="0"/>
-              <a:t>2018/8/5</a:t>
+              <a:t>2018/8/6</a:t>
             </a:fld>
             <a:endParaRPr lang="zh-CN" altLang="en-US"/>
           </a:p>
@@ -5291,7 +5291,7 @@
           <a:p>
             <a:fld id="{C7DE3245-AFA4-488B-9D03-49FA6ABE44D9}" type="datetimeFigureOut">
               <a:rPr lang="zh-CN" altLang="en-US" smtClean="0"/>
-              <a:t>2018/8/5</a:t>
+              <a:t>2018/8/6</a:t>
             </a:fld>
             <a:endParaRPr lang="zh-CN" altLang="en-US"/>
           </a:p>
@@ -5505,7 +5505,7 @@
           <a:p>
             <a:fld id="{C7DE3245-AFA4-488B-9D03-49FA6ABE44D9}" type="datetimeFigureOut">
               <a:rPr lang="zh-CN" altLang="en-US" smtClean="0"/>
-              <a:t>2018/8/5</a:t>
+              <a:t>2018/8/6</a:t>
             </a:fld>
             <a:endParaRPr lang="zh-CN" altLang="en-US"/>
           </a:p>
@@ -6035,7 +6035,7 @@
           <a:p>
             <a:fld id="{C7DE3245-AFA4-488B-9D03-49FA6ABE44D9}" type="datetimeFigureOut">
               <a:rPr lang="zh-CN" altLang="en-US" smtClean="0"/>
-              <a:t>2018/8/5</a:t>
+              <a:t>2018/8/6</a:t>
             </a:fld>
             <a:endParaRPr lang="zh-CN" altLang="en-US"/>
           </a:p>
@@ -7451,72 +7451,95 @@
       </p:grpSpPr>
       <p:sp>
         <p:nvSpPr>
-          <p:cNvPr id="2" name="文本框 1">
+          <p:cNvPr id="2" name="标题 1">
             <a:extLst>
               <a:ext uri="{FF2B5EF4-FFF2-40B4-BE49-F238E27FC236}">
-                <a16:creationId xmlns:a16="http://schemas.microsoft.com/office/drawing/2014/main" id="{3AFF0E4E-AEE4-4778-870A-C4F7C0D813DD}"/>
+                <a16:creationId xmlns:a16="http://schemas.microsoft.com/office/drawing/2014/main" id="{ED8E4AA0-9D13-460A-B363-93F7240E58BA}"/>
               </a:ext>
             </a:extLst>
           </p:cNvPr>
-          <p:cNvSpPr txBox="1"/>
+          <p:cNvSpPr>
+            <a:spLocks noGrp="1"/>
+          </p:cNvSpPr>
+          <p:nvPr>
+            <p:ph type="title"/>
+          </p:nvPr>
+        </p:nvSpPr>
+        <p:spPr/>
+        <p:txBody>
+          <a:bodyPr/>
+          <a:lstStyle/>
+          <a:p>
+            <a:r>
+              <a:rPr lang="zh-CN" altLang="en-US" dirty="0"/>
+              <a:t>良好的编程习惯</a:t>
+            </a:r>
+          </a:p>
+        </p:txBody>
+      </p:sp>
+      <p:sp>
+        <p:nvSpPr>
+          <p:cNvPr id="5" name="矩形 4">
+            <a:extLst>
+              <a:ext uri="{FF2B5EF4-FFF2-40B4-BE49-F238E27FC236}">
+                <a16:creationId xmlns:a16="http://schemas.microsoft.com/office/drawing/2014/main" id="{F2C537D3-A129-43E1-9CA7-E857C0E956E2}"/>
+              </a:ext>
+            </a:extLst>
+          </p:cNvPr>
+          <p:cNvSpPr/>
           <p:nvPr/>
         </p:nvSpPr>
         <p:spPr>
           <a:xfrm>
-            <a:off x="1858617" y="1739348"/>
-            <a:ext cx="7951305" cy="1077218"/>
+            <a:off x="948361" y="2255065"/>
+            <a:ext cx="10120692" cy="769441"/>
           </a:xfrm>
           <a:prstGeom prst="rect">
             <a:avLst/>
           </a:prstGeom>
+          <a:noFill/>
         </p:spPr>
-        <p:style>
-          <a:lnRef idx="2">
-            <a:schemeClr val="accent1">
-              <a:shade val="50000"/>
-            </a:schemeClr>
-          </a:lnRef>
-          <a:fillRef idx="1">
-            <a:schemeClr val="accent1"/>
-          </a:fillRef>
-          <a:effectRef idx="0">
-            <a:schemeClr val="accent1"/>
-          </a:effectRef>
-          <a:fontRef idx="minor">
-            <a:schemeClr val="lt1"/>
-          </a:fontRef>
-        </p:style>
-        <p:txBody>
-          <a:bodyPr wrap="square" rtlCol="0">
+        <p:txBody>
+          <a:bodyPr wrap="square" lIns="91440" tIns="45720" rIns="91440" bIns="45720">
             <a:spAutoFit/>
+            <a:scene3d>
+              <a:camera prst="orthographicFront"/>
+              <a:lightRig rig="soft" dir="t">
+                <a:rot lat="0" lon="0" rev="15600000"/>
+              </a:lightRig>
+            </a:scene3d>
+            <a:sp3d extrusionH="57150" prstMaterial="softEdge">
+              <a:bevelT w="25400" h="38100"/>
+            </a:sp3d>
           </a:bodyPr>
           <a:lstStyle/>
           <a:p>
-            <a:r>
-              <a:rPr lang="zh-CN" altLang="en-US" dirty="0"/>
-              <a:t>良好的编程习惯：</a:t>
-            </a:r>
-            <a:endParaRPr lang="en-US" altLang="zh-CN" dirty="0"/>
-          </a:p>
-          <a:p>
-            <a:r>
-              <a:rPr lang="zh-CN" altLang="en-US" sz="2800" b="1" dirty="0"/>
+            <a:pPr algn="ctr"/>
+            <a:r>
+              <a:rPr lang="zh-CN" altLang="en-US" sz="4400" b="1" dirty="0">
+                <a:ln/>
+                <a:solidFill>
+                  <a:schemeClr val="accent4"/>
+                </a:solidFill>
+              </a:rPr>
               <a:t>除非需要可变，否则应将其声明为</a:t>
             </a:r>
             <a:r>
-              <a:rPr lang="en-US" altLang="zh-CN" sz="2800" b="1" dirty="0"/>
+              <a:rPr lang="en-US" altLang="zh-CN" sz="4400" b="1" dirty="0">
+                <a:ln/>
+                <a:solidFill>
+                  <a:schemeClr val="accent4"/>
+                </a:solidFill>
+              </a:rPr>
               <a:t>final</a:t>
             </a:r>
-          </a:p>
-          <a:p>
-            <a:endParaRPr lang="zh-CN" altLang="en-US" dirty="0"/>
           </a:p>
         </p:txBody>
       </p:sp>
     </p:spTree>
     <p:extLst>
       <p:ext uri="{BB962C8B-B14F-4D97-AF65-F5344CB8AC3E}">
-        <p14:creationId xmlns:p14="http://schemas.microsoft.com/office/powerpoint/2010/main" val="41414469"/>
+        <p14:creationId xmlns:p14="http://schemas.microsoft.com/office/powerpoint/2010/main" val="169986689"/>
       </p:ext>
     </p:extLst>
   </p:cSld>
@@ -7568,87 +7591,60 @@
         <p:txBody>
           <a:bodyPr wrap="square" rtlCol="0">
             <a:spAutoFit/>
+            <a:scene3d>
+              <a:camera prst="orthographicFront"/>
+              <a:lightRig rig="soft" dir="t">
+                <a:rot lat="0" lon="0" rev="15600000"/>
+              </a:lightRig>
+            </a:scene3d>
+            <a:sp3d extrusionH="57150" prstMaterial="softEdge">
+              <a:bevelT w="25400" h="38100"/>
+            </a:sp3d>
           </a:bodyPr>
           <a:lstStyle/>
           <a:p>
             <a:r>
               <a:rPr lang="zh-CN" altLang="en-US" sz="4400" dirty="0">
                 <a:ln w="0"/>
-                <a:gradFill>
-                  <a:gsLst>
-                    <a:gs pos="0">
-                      <a:schemeClr val="accent5">
-                        <a:lumMod val="50000"/>
-                      </a:schemeClr>
-                    </a:gs>
-                    <a:gs pos="50000">
-                      <a:schemeClr val="accent5"/>
-                    </a:gs>
-                    <a:gs pos="100000">
-                      <a:schemeClr val="accent5">
-                        <a:lumMod val="60000"/>
-                        <a:lumOff val="40000"/>
-                      </a:schemeClr>
-                    </a:gs>
-                  </a:gsLst>
-                  <a:lin ang="5400000"/>
-                </a:gradFill>
+                <a:solidFill>
+                  <a:schemeClr val="accent1"/>
+                </a:solidFill>
                 <a:effectLst>
-                  <a:reflection blurRad="6350" stA="53000" endA="300" endPos="35500" dir="5400000" sy="-90000" algn="bl" rotWithShape="0"/>
+                  <a:outerShdw blurRad="38100" dist="25400" dir="5400000" algn="ctr" rotWithShape="0">
+                    <a:srgbClr val="6E747A">
+                      <a:alpha val="43000"/>
+                    </a:srgbClr>
+                  </a:outerShdw>
                 </a:effectLst>
               </a:rPr>
               <a:t>前面所讲：局部，面向过程</a:t>
             </a:r>
             <a:endParaRPr lang="en-US" altLang="zh-CN" sz="4400" dirty="0">
               <a:ln w="0"/>
-              <a:gradFill>
-                <a:gsLst>
-                  <a:gs pos="0">
-                    <a:schemeClr val="accent5">
-                      <a:lumMod val="50000"/>
-                    </a:schemeClr>
-                  </a:gs>
-                  <a:gs pos="50000">
-                    <a:schemeClr val="accent5"/>
-                  </a:gs>
-                  <a:gs pos="100000">
-                    <a:schemeClr val="accent5">
-                      <a:lumMod val="60000"/>
-                      <a:lumOff val="40000"/>
-                    </a:schemeClr>
-                  </a:gs>
-                </a:gsLst>
-                <a:lin ang="5400000"/>
-              </a:gradFill>
+              <a:solidFill>
+                <a:schemeClr val="accent1"/>
+              </a:solidFill>
               <a:effectLst>
-                <a:reflection blurRad="6350" stA="53000" endA="300" endPos="35500" dir="5400000" sy="-90000" algn="bl" rotWithShape="0"/>
+                <a:outerShdw blurRad="38100" dist="25400" dir="5400000" algn="ctr" rotWithShape="0">
+                  <a:srgbClr val="6E747A">
+                    <a:alpha val="43000"/>
+                  </a:srgbClr>
+                </a:outerShdw>
               </a:effectLst>
             </a:endParaRPr>
           </a:p>
           <a:p>
             <a:endParaRPr lang="en-US" altLang="zh-CN" sz="4400" dirty="0">
               <a:ln w="0"/>
-              <a:gradFill>
-                <a:gsLst>
-                  <a:gs pos="0">
-                    <a:schemeClr val="accent5">
-                      <a:lumMod val="50000"/>
-                    </a:schemeClr>
-                  </a:gs>
-                  <a:gs pos="50000">
-                    <a:schemeClr val="accent5"/>
-                  </a:gs>
-                  <a:gs pos="100000">
-                    <a:schemeClr val="accent5">
-                      <a:lumMod val="60000"/>
-                      <a:lumOff val="40000"/>
-                    </a:schemeClr>
-                  </a:gs>
-                </a:gsLst>
-                <a:lin ang="5400000"/>
-              </a:gradFill>
+              <a:solidFill>
+                <a:schemeClr val="accent1"/>
+              </a:solidFill>
               <a:effectLst>
-                <a:reflection blurRad="6350" stA="53000" endA="300" endPos="35500" dir="5400000" sy="-90000" algn="bl" rotWithShape="0"/>
+                <a:outerShdw blurRad="38100" dist="25400" dir="5400000" algn="ctr" rotWithShape="0">
+                  <a:srgbClr val="6E747A">
+                    <a:alpha val="43000"/>
+                  </a:srgbClr>
+                </a:outerShdw>
               </a:effectLst>
             </a:endParaRPr>
           </a:p>
@@ -7656,57 +7652,26 @@
             <a:r>
               <a:rPr lang="zh-CN" altLang="en-US" sz="4400" dirty="0">
                 <a:ln w="0"/>
-                <a:gradFill>
-                  <a:gsLst>
-                    <a:gs pos="0">
-                      <a:schemeClr val="accent5">
-                        <a:lumMod val="50000"/>
-                      </a:schemeClr>
-                    </a:gs>
-                    <a:gs pos="50000">
-                      <a:schemeClr val="accent5"/>
-                    </a:gs>
-                    <a:gs pos="100000">
-                      <a:schemeClr val="accent5">
-                        <a:lumMod val="60000"/>
-                        <a:lumOff val="40000"/>
-                      </a:schemeClr>
-                    </a:gs>
-                  </a:gsLst>
-                  <a:lin ang="5400000"/>
-                </a:gradFill>
+                <a:solidFill>
+                  <a:schemeClr val="accent1"/>
+                </a:solidFill>
                 <a:effectLst>
-                  <a:reflection blurRad="6350" stA="53000" endA="300" endPos="35500" dir="5400000" sy="-90000" algn="bl" rotWithShape="0"/>
+                  <a:outerShdw blurRad="38100" dist="25400" dir="5400000" algn="ctr" rotWithShape="0">
+                    <a:srgbClr val="6E747A">
+                      <a:alpha val="43000"/>
+                    </a:srgbClr>
+                  </a:outerShdw>
                 </a:effectLst>
               </a:rPr>
               <a:t>问：面向对象，如何设计一个线程安全的类？</a:t>
             </a:r>
           </a:p>
           <a:p>
-            <a:endParaRPr lang="en-US" altLang="zh-CN" sz="4400" dirty="0">
-              <a:ln w="0"/>
-              <a:gradFill>
-                <a:gsLst>
-                  <a:gs pos="0">
-                    <a:schemeClr val="accent5">
-                      <a:lumMod val="50000"/>
-                    </a:schemeClr>
-                  </a:gs>
-                  <a:gs pos="50000">
-                    <a:schemeClr val="accent5"/>
-                  </a:gs>
-                  <a:gs pos="100000">
-                    <a:schemeClr val="accent5">
-                      <a:lumMod val="60000"/>
-                      <a:lumOff val="40000"/>
-                    </a:schemeClr>
-                  </a:gs>
-                </a:gsLst>
-                <a:lin ang="5400000"/>
-              </a:gradFill>
-              <a:effectLst>
-                <a:reflection blurRad="6350" stA="53000" endA="300" endPos="35500" dir="5400000" sy="-90000" algn="bl" rotWithShape="0"/>
-              </a:effectLst>
+            <a:endParaRPr lang="en-US" altLang="zh-CN" sz="4400" b="1" dirty="0">
+              <a:ln/>
+              <a:solidFill>
+                <a:schemeClr val="accent4"/>
+              </a:solidFill>
             </a:endParaRPr>
           </a:p>
         </p:txBody>
@@ -7764,7 +7729,7 @@
           <a:p>
             <a:r>
               <a:rPr lang="zh-CN" altLang="en-US" dirty="0"/>
-              <a:t>四、设计安全类</a:t>
+              <a:t>三、设计线程安全类</a:t>
             </a:r>
           </a:p>
         </p:txBody>
@@ -7988,14 +7953,14 @@
               <a:buChar char=""/>
             </a:pPr>
             <a:r>
-              <a:rPr lang="zh-CN" altLang="en-US" sz="2800" dirty="0">
+              <a:rPr lang="zh-CN" altLang="en-US" sz="2800" b="1" dirty="0">
                 <a:solidFill>
                   <a:prstClr val="black"/>
                 </a:solidFill>
               </a:rPr>
               <a:t>演示：</a:t>
             </a:r>
-            <a:endParaRPr lang="en-US" altLang="zh-CN" sz="2800" dirty="0">
+            <a:endParaRPr lang="en-US" altLang="zh-CN" sz="2800" b="1" dirty="0">
               <a:solidFill>
                 <a:prstClr val="black"/>
               </a:solidFill>

--- a/JAVA并发编程.pptx
+++ b/JAVA并发编程.pptx
@@ -6,7 +6,7 @@
     <p:sldMasterId id="2147483819" r:id="rId2"/>
   </p:sldMasterIdLst>
   <p:notesMasterIdLst>
-    <p:notesMasterId r:id="rId26"/>
+    <p:notesMasterId r:id="rId27"/>
   </p:notesMasterIdLst>
   <p:sldIdLst>
     <p:sldId id="256" r:id="rId3"/>
@@ -32,6 +32,7 @@
     <p:sldId id="279" r:id="rId23"/>
     <p:sldId id="281" r:id="rId24"/>
     <p:sldId id="280" r:id="rId25"/>
+    <p:sldId id="284" r:id="rId26"/>
   </p:sldIdLst>
   <p:sldSz cx="12192000" cy="6858000"/>
   <p:notesSz cx="6858000" cy="9144000"/>
@@ -8405,12 +8406,8 @@
               <a:t>MyVectorByComposing</a:t>
             </a:r>
             <a:r>
-              <a:rPr lang="en-US" altLang="zh-CN" dirty="0"/>
+              <a:rPr lang="en-US" altLang="zh-CN"/>
               <a:t> </a:t>
-            </a:r>
-            <a:r>
-              <a:rPr lang="zh-CN" altLang="en-US" dirty="0"/>
-              <a:t>：更好</a:t>
             </a:r>
             <a:endParaRPr lang="en-US" altLang="zh-CN" dirty="0"/>
           </a:p>
@@ -8526,6 +8523,64 @@
     <p:extLst>
       <p:ext uri="{BB962C8B-B14F-4D97-AF65-F5344CB8AC3E}">
         <p14:creationId xmlns:p14="http://schemas.microsoft.com/office/powerpoint/2010/main" val="1324002931"/>
+      </p:ext>
+    </p:extLst>
+  </p:cSld>
+  <p:clrMapOvr>
+    <a:masterClrMapping/>
+  </p:clrMapOvr>
+</p:sld>
+</file>
+
+<file path=ppt/slides/slide24.xml><?xml version="1.0" encoding="utf-8"?>
+<p:sld xmlns:a="http://schemas.openxmlformats.org/drawingml/2006/main" xmlns:r="http://schemas.openxmlformats.org/officeDocument/2006/relationships" xmlns:p="http://schemas.openxmlformats.org/presentationml/2006/main">
+  <p:cSld>
+    <p:spTree>
+      <p:nvGrpSpPr>
+        <p:cNvPr id="1" name=""/>
+        <p:cNvGrpSpPr/>
+        <p:nvPr/>
+      </p:nvGrpSpPr>
+      <p:grpSpPr>
+        <a:xfrm>
+          <a:off x="0" y="0"/>
+          <a:ext cx="0" cy="0"/>
+          <a:chOff x="0" y="0"/>
+          <a:chExt cx="0" cy="0"/>
+        </a:xfrm>
+      </p:grpSpPr>
+      <p:sp>
+        <p:nvSpPr>
+          <p:cNvPr id="2" name="标题 1">
+            <a:extLst>
+              <a:ext uri="{FF2B5EF4-FFF2-40B4-BE49-F238E27FC236}">
+                <a16:creationId xmlns:a16="http://schemas.microsoft.com/office/drawing/2014/main" id="{976D412D-DED7-4C59-98F7-5CC01AD68164}"/>
+              </a:ext>
+            </a:extLst>
+          </p:cNvPr>
+          <p:cNvSpPr>
+            <a:spLocks noGrp="1"/>
+          </p:cNvSpPr>
+          <p:nvPr>
+            <p:ph type="title"/>
+          </p:nvPr>
+        </p:nvSpPr>
+        <p:spPr/>
+        <p:txBody>
+          <a:bodyPr/>
+          <a:lstStyle/>
+          <a:p>
+            <a:r>
+              <a:rPr lang="zh-CN" altLang="en-US" dirty="0"/>
+              <a:t>四、基础构建模块</a:t>
+            </a:r>
+          </a:p>
+        </p:txBody>
+      </p:sp>
+    </p:spTree>
+    <p:extLst>
+      <p:ext uri="{BB962C8B-B14F-4D97-AF65-F5344CB8AC3E}">
+        <p14:creationId xmlns:p14="http://schemas.microsoft.com/office/powerpoint/2010/main" val="4205606506"/>
       </p:ext>
     </p:extLst>
   </p:cSld>

--- a/JAVA并发编程.pptx
+++ b/JAVA并发编程.pptx
@@ -6,7 +6,7 @@
     <p:sldMasterId id="2147483819" r:id="rId2"/>
   </p:sldMasterIdLst>
   <p:notesMasterIdLst>
-    <p:notesMasterId r:id="rId27"/>
+    <p:notesMasterId r:id="rId30"/>
   </p:notesMasterIdLst>
   <p:sldIdLst>
     <p:sldId id="256" r:id="rId3"/>
@@ -33,6 +33,9 @@
     <p:sldId id="281" r:id="rId24"/>
     <p:sldId id="280" r:id="rId25"/>
     <p:sldId id="284" r:id="rId26"/>
+    <p:sldId id="285" r:id="rId27"/>
+    <p:sldId id="287" r:id="rId28"/>
+    <p:sldId id="286" r:id="rId29"/>
   </p:sldIdLst>
   <p:sldSz cx="12192000" cy="6858000"/>
   <p:notesSz cx="6858000" cy="9144000"/>
@@ -8406,10 +8409,9 @@
               <a:t>MyVectorByComposing</a:t>
             </a:r>
             <a:r>
-              <a:rPr lang="en-US" altLang="zh-CN"/>
+              <a:rPr lang="en-US" altLang="zh-CN" dirty="0"/>
               <a:t> </a:t>
             </a:r>
-            <a:endParaRPr lang="en-US" altLang="zh-CN" dirty="0"/>
           </a:p>
         </p:txBody>
       </p:sp>
@@ -8581,6 +8583,332 @@
     <p:extLst>
       <p:ext uri="{BB962C8B-B14F-4D97-AF65-F5344CB8AC3E}">
         <p14:creationId xmlns:p14="http://schemas.microsoft.com/office/powerpoint/2010/main" val="4205606506"/>
+      </p:ext>
+    </p:extLst>
+  </p:cSld>
+  <p:clrMapOvr>
+    <a:masterClrMapping/>
+  </p:clrMapOvr>
+</p:sld>
+</file>
+
+<file path=ppt/slides/slide25.xml><?xml version="1.0" encoding="utf-8"?>
+<p:sld xmlns:a="http://schemas.openxmlformats.org/drawingml/2006/main" xmlns:r="http://schemas.openxmlformats.org/officeDocument/2006/relationships" xmlns:p="http://schemas.openxmlformats.org/presentationml/2006/main">
+  <p:cSld>
+    <p:spTree>
+      <p:nvGrpSpPr>
+        <p:cNvPr id="1" name=""/>
+        <p:cNvGrpSpPr/>
+        <p:nvPr/>
+      </p:nvGrpSpPr>
+      <p:grpSpPr>
+        <a:xfrm>
+          <a:off x="0" y="0"/>
+          <a:ext cx="0" cy="0"/>
+          <a:chOff x="0" y="0"/>
+          <a:chExt cx="0" cy="0"/>
+        </a:xfrm>
+      </p:grpSpPr>
+      <p:sp>
+        <p:nvSpPr>
+          <p:cNvPr id="2" name="标题 1">
+            <a:extLst>
+              <a:ext uri="{FF2B5EF4-FFF2-40B4-BE49-F238E27FC236}">
+                <a16:creationId xmlns:a16="http://schemas.microsoft.com/office/drawing/2014/main" id="{2ED01804-F336-4632-87C7-BE48E1AFCEBD}"/>
+              </a:ext>
+            </a:extLst>
+          </p:cNvPr>
+          <p:cNvSpPr>
+            <a:spLocks noGrp="1"/>
+          </p:cNvSpPr>
+          <p:nvPr>
+            <p:ph type="title"/>
+          </p:nvPr>
+        </p:nvSpPr>
+        <p:spPr/>
+        <p:txBody>
+          <a:bodyPr/>
+          <a:lstStyle/>
+          <a:p>
+            <a:r>
+              <a:rPr lang="zh-CN" altLang="en-US" dirty="0"/>
+              <a:t>同步容器</a:t>
+            </a:r>
+          </a:p>
+        </p:txBody>
+      </p:sp>
+      <p:sp>
+        <p:nvSpPr>
+          <p:cNvPr id="3" name="内容占位符 2">
+            <a:extLst>
+              <a:ext uri="{FF2B5EF4-FFF2-40B4-BE49-F238E27FC236}">
+                <a16:creationId xmlns:a16="http://schemas.microsoft.com/office/drawing/2014/main" id="{FABC3246-6234-4B89-92ED-E3070AF6BFDD}"/>
+              </a:ext>
+            </a:extLst>
+          </p:cNvPr>
+          <p:cNvSpPr>
+            <a:spLocks noGrp="1"/>
+          </p:cNvSpPr>
+          <p:nvPr>
+            <p:ph idx="1"/>
+          </p:nvPr>
+        </p:nvSpPr>
+        <p:spPr/>
+        <p:txBody>
+          <a:bodyPr/>
+          <a:lstStyle/>
+          <a:p>
+            <a:r>
+              <a:rPr lang="en-US" altLang="zh-CN" dirty="0"/>
+              <a:t>Vector</a:t>
+            </a:r>
+            <a:r>
+              <a:rPr lang="zh-CN" altLang="en-US" dirty="0"/>
+              <a:t>：实现</a:t>
+            </a:r>
+            <a:r>
+              <a:rPr lang="en-US" altLang="zh-CN" dirty="0"/>
+              <a:t>List</a:t>
+            </a:r>
+            <a:r>
+              <a:rPr lang="zh-CN" altLang="en-US" dirty="0"/>
+              <a:t>接口，用法如</a:t>
+            </a:r>
+            <a:r>
+              <a:rPr lang="en-US" altLang="zh-CN" dirty="0"/>
+              <a:t>List</a:t>
+            </a:r>
+          </a:p>
+          <a:p>
+            <a:r>
+              <a:rPr lang="en-US" altLang="zh-CN" dirty="0" err="1"/>
+              <a:t>HashTable</a:t>
+            </a:r>
+            <a:r>
+              <a:rPr lang="zh-CN" altLang="en-US" dirty="0"/>
+              <a:t>：实现</a:t>
+            </a:r>
+            <a:r>
+              <a:rPr lang="en-US" altLang="zh-CN" dirty="0"/>
+              <a:t>Map</a:t>
+            </a:r>
+            <a:r>
+              <a:rPr lang="zh-CN" altLang="en-US" dirty="0"/>
+              <a:t>接口</a:t>
+            </a:r>
+            <a:endParaRPr lang="en-US" altLang="zh-CN" dirty="0"/>
+          </a:p>
+          <a:p>
+            <a:r>
+              <a:rPr lang="en-US" altLang="zh-CN" dirty="0" err="1"/>
+              <a:t>Collections.synchronizedXxx</a:t>
+            </a:r>
+            <a:r>
+              <a:rPr lang="en-US" altLang="zh-CN" dirty="0"/>
+              <a:t>()</a:t>
+            </a:r>
+            <a:r>
+              <a:rPr lang="zh-CN" altLang="en-US" dirty="0"/>
+              <a:t>：实现</a:t>
+            </a:r>
+            <a:r>
+              <a:rPr lang="en-US" altLang="zh-CN" dirty="0"/>
+              <a:t>Xxx</a:t>
+            </a:r>
+            <a:r>
+              <a:rPr lang="zh-CN" altLang="en-US" dirty="0"/>
+              <a:t>接口，代理模式</a:t>
+            </a:r>
+            <a:endParaRPr lang="en-US" altLang="zh-CN" dirty="0"/>
+          </a:p>
+          <a:p>
+            <a:endParaRPr lang="en-US" altLang="zh-CN" dirty="0"/>
+          </a:p>
+          <a:p>
+            <a:r>
+              <a:rPr lang="zh-CN" altLang="en-US" dirty="0"/>
+              <a:t>特征：都使用内置锁，容器中每个方法都是同步方法，被认为线程安全</a:t>
+            </a:r>
+            <a:endParaRPr lang="en-US" altLang="zh-CN" dirty="0"/>
+          </a:p>
+          <a:p>
+            <a:endParaRPr lang="en-US" altLang="zh-CN" dirty="0"/>
+          </a:p>
+          <a:p>
+            <a:r>
+              <a:rPr lang="zh-CN" altLang="en-US" dirty="0"/>
+              <a:t>问：既然它们是线程安全的，我们使用它时就不需要考虑线程安全问题吗？</a:t>
+            </a:r>
+            <a:endParaRPr lang="en-US" altLang="zh-CN" dirty="0"/>
+          </a:p>
+        </p:txBody>
+      </p:sp>
+    </p:spTree>
+    <p:extLst>
+      <p:ext uri="{BB962C8B-B14F-4D97-AF65-F5344CB8AC3E}">
+        <p14:creationId xmlns:p14="http://schemas.microsoft.com/office/powerpoint/2010/main" val="675159733"/>
+      </p:ext>
+    </p:extLst>
+  </p:cSld>
+  <p:clrMapOvr>
+    <a:masterClrMapping/>
+  </p:clrMapOvr>
+</p:sld>
+</file>
+
+<file path=ppt/slides/slide26.xml><?xml version="1.0" encoding="utf-8"?>
+<p:sld xmlns:a="http://schemas.openxmlformats.org/drawingml/2006/main" xmlns:r="http://schemas.openxmlformats.org/officeDocument/2006/relationships" xmlns:p="http://schemas.openxmlformats.org/presentationml/2006/main">
+  <p:cSld>
+    <p:spTree>
+      <p:nvGrpSpPr>
+        <p:cNvPr id="1" name=""/>
+        <p:cNvGrpSpPr/>
+        <p:nvPr/>
+      </p:nvGrpSpPr>
+      <p:grpSpPr>
+        <a:xfrm>
+          <a:off x="0" y="0"/>
+          <a:ext cx="0" cy="0"/>
+          <a:chOff x="0" y="0"/>
+          <a:chExt cx="0" cy="0"/>
+        </a:xfrm>
+      </p:grpSpPr>
+      <p:sp>
+        <p:nvSpPr>
+          <p:cNvPr id="3" name="内容占位符 2">
+            <a:extLst>
+              <a:ext uri="{FF2B5EF4-FFF2-40B4-BE49-F238E27FC236}">
+                <a16:creationId xmlns:a16="http://schemas.microsoft.com/office/drawing/2014/main" id="{6C8D6579-CFF0-49AC-8120-A26572A8705A}"/>
+              </a:ext>
+            </a:extLst>
+          </p:cNvPr>
+          <p:cNvSpPr>
+            <a:spLocks noGrp="1"/>
+          </p:cNvSpPr>
+          <p:nvPr>
+            <p:ph idx="1"/>
+          </p:nvPr>
+        </p:nvSpPr>
+        <p:spPr>
+          <a:xfrm>
+            <a:off x="931755" y="1058779"/>
+            <a:ext cx="10515600" cy="4351337"/>
+          </a:xfrm>
+        </p:spPr>
+        <p:txBody>
+          <a:bodyPr/>
+          <a:lstStyle/>
+          <a:p>
+            <a:r>
+              <a:rPr lang="zh-CN" altLang="en-US" dirty="0"/>
+              <a:t>使用同步容器常见问题，以</a:t>
+            </a:r>
+            <a:r>
+              <a:rPr lang="en-US" altLang="zh-CN" dirty="0"/>
+              <a:t>vector</a:t>
+            </a:r>
+            <a:r>
+              <a:rPr lang="zh-CN" altLang="en-US" dirty="0"/>
+              <a:t>为例：</a:t>
+            </a:r>
+            <a:endParaRPr lang="en-US" altLang="zh-CN" dirty="0"/>
+          </a:p>
+          <a:p>
+            <a:pPr marL="0" indent="0">
+              <a:buNone/>
+            </a:pPr>
+            <a:r>
+              <a:rPr lang="zh-CN" altLang="en-US" dirty="0"/>
+              <a:t>复合操作：</a:t>
+            </a:r>
+            <a:r>
+              <a:rPr lang="en-US" altLang="zh-CN" dirty="0" err="1"/>
+              <a:t>VectorCompoundOptProblemDemo</a:t>
+            </a:r>
+            <a:endParaRPr lang="en-US" altLang="zh-CN" dirty="0"/>
+          </a:p>
+          <a:p>
+            <a:pPr marL="0" indent="0">
+              <a:buNone/>
+            </a:pPr>
+            <a:r>
+              <a:rPr lang="en-US" altLang="zh-CN" dirty="0"/>
+              <a:t>for</a:t>
+            </a:r>
+            <a:r>
+              <a:rPr lang="zh-CN" altLang="en-US" dirty="0"/>
+              <a:t>循环中竞态条件：</a:t>
+            </a:r>
+            <a:r>
+              <a:rPr lang="en-US" altLang="zh-CN" dirty="0" err="1"/>
+              <a:t>ProblemInForLoop</a:t>
+            </a:r>
+            <a:endParaRPr lang="en-US" altLang="zh-CN" dirty="0"/>
+          </a:p>
+          <a:p>
+            <a:pPr marL="0" indent="0">
+              <a:buNone/>
+            </a:pPr>
+            <a:r>
+              <a:rPr lang="zh-CN" altLang="en-US" dirty="0"/>
+              <a:t>迭代器时并发修改：</a:t>
+            </a:r>
+            <a:r>
+              <a:rPr lang="en-US" altLang="zh-CN" dirty="0" err="1"/>
+              <a:t>ConcurrentModificationExceptionProblemDemo</a:t>
+            </a:r>
+            <a:endParaRPr lang="en-US" altLang="zh-CN" dirty="0"/>
+          </a:p>
+          <a:p>
+            <a:pPr marL="0" indent="0">
+              <a:buNone/>
+            </a:pPr>
+            <a:r>
+              <a:rPr lang="zh-CN" altLang="en-US" dirty="0"/>
+              <a:t>隐含使用迭代器：</a:t>
+            </a:r>
+            <a:r>
+              <a:rPr lang="en-US" altLang="zh-CN"/>
+              <a:t>ImplicitUsingIteratorDemo</a:t>
+            </a:r>
+            <a:endParaRPr lang="zh-CN" altLang="en-US" dirty="0"/>
+          </a:p>
+        </p:txBody>
+      </p:sp>
+    </p:spTree>
+    <p:extLst>
+      <p:ext uri="{BB962C8B-B14F-4D97-AF65-F5344CB8AC3E}">
+        <p14:creationId xmlns:p14="http://schemas.microsoft.com/office/powerpoint/2010/main" val="1191919528"/>
+      </p:ext>
+    </p:extLst>
+  </p:cSld>
+  <p:clrMapOvr>
+    <a:masterClrMapping/>
+  </p:clrMapOvr>
+</p:sld>
+</file>
+
+<file path=ppt/slides/slide27.xml><?xml version="1.0" encoding="utf-8"?>
+<p:sld xmlns:a="http://schemas.openxmlformats.org/drawingml/2006/main" xmlns:r="http://schemas.openxmlformats.org/officeDocument/2006/relationships" xmlns:p="http://schemas.openxmlformats.org/presentationml/2006/main">
+  <p:cSld>
+    <p:spTree>
+      <p:nvGrpSpPr>
+        <p:cNvPr id="1" name=""/>
+        <p:cNvGrpSpPr/>
+        <p:nvPr/>
+      </p:nvGrpSpPr>
+      <p:grpSpPr>
+        <a:xfrm>
+          <a:off x="0" y="0"/>
+          <a:ext cx="0" cy="0"/>
+          <a:chOff x="0" y="0"/>
+          <a:chExt cx="0" cy="0"/>
+        </a:xfrm>
+      </p:grpSpPr>
+    </p:spTree>
+    <p:extLst>
+      <p:ext uri="{BB962C8B-B14F-4D97-AF65-F5344CB8AC3E}">
+        <p14:creationId xmlns:p14="http://schemas.microsoft.com/office/powerpoint/2010/main" val="2281220630"/>
       </p:ext>
     </p:extLst>
   </p:cSld>

--- a/JAVA并发编程.pptx
+++ b/JAVA并发编程.pptx
@@ -6,7 +6,7 @@
     <p:sldMasterId id="2147483819" r:id="rId2"/>
   </p:sldMasterIdLst>
   <p:notesMasterIdLst>
-    <p:notesMasterId r:id="rId30"/>
+    <p:notesMasterId r:id="rId33"/>
   </p:notesMasterIdLst>
   <p:sldIdLst>
     <p:sldId id="256" r:id="rId3"/>
@@ -35,7 +35,10 @@
     <p:sldId id="284" r:id="rId26"/>
     <p:sldId id="285" r:id="rId27"/>
     <p:sldId id="287" r:id="rId28"/>
-    <p:sldId id="286" r:id="rId29"/>
+    <p:sldId id="288" r:id="rId29"/>
+    <p:sldId id="289" r:id="rId30"/>
+    <p:sldId id="290" r:id="rId31"/>
+    <p:sldId id="291" r:id="rId32"/>
   </p:sldIdLst>
   <p:sldSz cx="12192000" cy="6858000"/>
   <p:notesSz cx="6858000" cy="9144000"/>
@@ -8865,11 +8868,11 @@
             </a:pPr>
             <a:r>
               <a:rPr lang="zh-CN" altLang="en-US" dirty="0"/>
-              <a:t>隐含使用迭代器：</a:t>
-            </a:r>
-            <a:r>
-              <a:rPr lang="en-US" altLang="zh-CN"/>
-              <a:t>ImplicitUsingIteratorDemo</a:t>
+              <a:t>隐藏使用迭代器：</a:t>
+            </a:r>
+            <a:r>
+              <a:rPr lang="en-US" altLang="zh-CN" dirty="0" err="1"/>
+              <a:t>HiddenIteratorDemo</a:t>
             </a:r>
             <a:endParaRPr lang="zh-CN" altLang="en-US" dirty="0"/>
           </a:p>
@@ -8905,10 +8908,317 @@
           <a:chExt cx="0" cy="0"/>
         </a:xfrm>
       </p:grpSpPr>
+      <p:sp>
+        <p:nvSpPr>
+          <p:cNvPr id="2" name="标题 1">
+            <a:extLst>
+              <a:ext uri="{FF2B5EF4-FFF2-40B4-BE49-F238E27FC236}">
+                <a16:creationId xmlns:a16="http://schemas.microsoft.com/office/drawing/2014/main" id="{17ECD078-8830-4A04-8FD1-9AFE3F73C44D}"/>
+              </a:ext>
+            </a:extLst>
+          </p:cNvPr>
+          <p:cNvSpPr>
+            <a:spLocks noGrp="1"/>
+          </p:cNvSpPr>
+          <p:nvPr>
+            <p:ph type="title"/>
+          </p:nvPr>
+        </p:nvSpPr>
+        <p:spPr/>
+        <p:txBody>
+          <a:bodyPr/>
+          <a:lstStyle/>
+          <a:p>
+            <a:r>
+              <a:rPr lang="zh-CN" altLang="en-US" dirty="0"/>
+              <a:t>并发容器</a:t>
+            </a:r>
+          </a:p>
+        </p:txBody>
+      </p:sp>
+      <p:sp>
+        <p:nvSpPr>
+          <p:cNvPr id="3" name="内容占位符 2">
+            <a:extLst>
+              <a:ext uri="{FF2B5EF4-FFF2-40B4-BE49-F238E27FC236}">
+                <a16:creationId xmlns:a16="http://schemas.microsoft.com/office/drawing/2014/main" id="{A04D797A-A026-40E7-87A9-3C2EA0FB33B5}"/>
+              </a:ext>
+            </a:extLst>
+          </p:cNvPr>
+          <p:cNvSpPr>
+            <a:spLocks noGrp="1"/>
+          </p:cNvSpPr>
+          <p:nvPr>
+            <p:ph idx="1"/>
+          </p:nvPr>
+        </p:nvSpPr>
+        <p:spPr/>
+        <p:txBody>
+          <a:bodyPr/>
+          <a:lstStyle/>
+          <a:p>
+            <a:r>
+              <a:rPr lang="en-US" altLang="zh-CN" dirty="0" err="1"/>
+              <a:t>ConcurrentHashMap</a:t>
+            </a:r>
+            <a:r>
+              <a:rPr lang="en-US" altLang="zh-CN" dirty="0"/>
+              <a:t>: </a:t>
+            </a:r>
+          </a:p>
+          <a:p>
+            <a:pPr marL="0" indent="0">
+              <a:buNone/>
+            </a:pPr>
+            <a:r>
+              <a:rPr lang="zh-CN" altLang="en-US" dirty="0"/>
+              <a:t>高并发：</a:t>
+            </a:r>
+            <a:r>
+              <a:rPr lang="en-US" altLang="zh-CN" dirty="0"/>
+              <a:t>put</a:t>
+            </a:r>
+            <a:r>
+              <a:rPr lang="zh-CN" altLang="en-US" dirty="0"/>
+              <a:t>和</a:t>
+            </a:r>
+            <a:r>
+              <a:rPr lang="en-US" altLang="zh-CN" dirty="0"/>
+              <a:t>get</a:t>
+            </a:r>
+            <a:r>
+              <a:rPr lang="zh-CN" altLang="en-US" dirty="0"/>
+              <a:t>等操作使用分段锁；迭代时使用快照，不会产生</a:t>
+            </a:r>
+            <a:r>
+              <a:rPr lang="en-US" altLang="zh-CN" dirty="0"/>
+              <a:t>	</a:t>
+            </a:r>
+            <a:r>
+              <a:rPr lang="en-US" altLang="zh-CN" dirty="0" err="1"/>
+              <a:t>ConcurrentModificationException</a:t>
+            </a:r>
+            <a:endParaRPr lang="en-US" altLang="zh-CN" dirty="0"/>
+          </a:p>
+          <a:p>
+            <a:pPr marL="0" indent="0">
+              <a:buNone/>
+            </a:pPr>
+            <a:r>
+              <a:rPr lang="zh-CN" altLang="en-US" dirty="0"/>
+              <a:t>弱一致性：由于使用快照，</a:t>
+            </a:r>
+            <a:r>
+              <a:rPr lang="en-US" altLang="zh-CN" dirty="0"/>
+              <a:t>size()</a:t>
+            </a:r>
+            <a:r>
+              <a:rPr lang="zh-CN" altLang="en-US" dirty="0"/>
+              <a:t>和</a:t>
+            </a:r>
+            <a:r>
+              <a:rPr lang="en-US" altLang="zh-CN" dirty="0"/>
+              <a:t>empty()</a:t>
+            </a:r>
+            <a:r>
+              <a:rPr lang="zh-CN" altLang="en-US" dirty="0"/>
+              <a:t>等结果时不实时</a:t>
+            </a:r>
+          </a:p>
+        </p:txBody>
+      </p:sp>
     </p:spTree>
     <p:extLst>
       <p:ext uri="{BB962C8B-B14F-4D97-AF65-F5344CB8AC3E}">
-        <p14:creationId xmlns:p14="http://schemas.microsoft.com/office/powerpoint/2010/main" val="2281220630"/>
+        <p14:creationId xmlns:p14="http://schemas.microsoft.com/office/powerpoint/2010/main" val="281312091"/>
+      </p:ext>
+    </p:extLst>
+  </p:cSld>
+  <p:clrMapOvr>
+    <a:masterClrMapping/>
+  </p:clrMapOvr>
+</p:sld>
+</file>
+
+<file path=ppt/slides/slide28.xml><?xml version="1.0" encoding="utf-8"?>
+<p:sld xmlns:a="http://schemas.openxmlformats.org/drawingml/2006/main" xmlns:r="http://schemas.openxmlformats.org/officeDocument/2006/relationships" xmlns:p="http://schemas.openxmlformats.org/presentationml/2006/main">
+  <p:cSld>
+    <p:spTree>
+      <p:nvGrpSpPr>
+        <p:cNvPr id="1" name=""/>
+        <p:cNvGrpSpPr/>
+        <p:nvPr/>
+      </p:nvGrpSpPr>
+      <p:grpSpPr>
+        <a:xfrm>
+          <a:off x="0" y="0"/>
+          <a:ext cx="0" cy="0"/>
+          <a:chOff x="0" y="0"/>
+          <a:chExt cx="0" cy="0"/>
+        </a:xfrm>
+      </p:grpSpPr>
+      <p:sp>
+        <p:nvSpPr>
+          <p:cNvPr id="2" name="标题 1">
+            <a:extLst>
+              <a:ext uri="{FF2B5EF4-FFF2-40B4-BE49-F238E27FC236}">
+                <a16:creationId xmlns:a16="http://schemas.microsoft.com/office/drawing/2014/main" id="{9CFFF5D4-68F5-4302-B104-21548B738013}"/>
+              </a:ext>
+            </a:extLst>
+          </p:cNvPr>
+          <p:cNvSpPr>
+            <a:spLocks noGrp="1"/>
+          </p:cNvSpPr>
+          <p:nvPr>
+            <p:ph type="title"/>
+          </p:nvPr>
+        </p:nvSpPr>
+        <p:spPr/>
+        <p:txBody>
+          <a:bodyPr/>
+          <a:lstStyle/>
+          <a:p>
+            <a:r>
+              <a:rPr lang="zh-CN" altLang="en-US" dirty="0"/>
+              <a:t>分段锁原理</a:t>
+            </a:r>
+          </a:p>
+        </p:txBody>
+      </p:sp>
+      <p:pic>
+        <p:nvPicPr>
+          <p:cNvPr id="4" name="内容占位符 3">
+            <a:extLst>
+              <a:ext uri="{FF2B5EF4-FFF2-40B4-BE49-F238E27FC236}">
+                <a16:creationId xmlns:a16="http://schemas.microsoft.com/office/drawing/2014/main" id="{79E1624F-F4F7-420F-AFB3-A3C002E91E39}"/>
+              </a:ext>
+            </a:extLst>
+          </p:cNvPr>
+          <p:cNvPicPr>
+            <a:picLocks noGrp="1" noChangeAspect="1"/>
+          </p:cNvPicPr>
+          <p:nvPr>
+            <p:ph idx="1"/>
+          </p:nvPr>
+        </p:nvPicPr>
+        <p:blipFill>
+          <a:blip r:embed="rId2"/>
+          <a:stretch>
+            <a:fillRect/>
+          </a:stretch>
+        </p:blipFill>
+        <p:spPr>
+          <a:xfrm>
+            <a:off x="1561823" y="1828800"/>
+            <a:ext cx="9081053" cy="4351338"/>
+          </a:xfrm>
+          <a:prstGeom prst="rect">
+            <a:avLst/>
+          </a:prstGeom>
+        </p:spPr>
+      </p:pic>
+    </p:spTree>
+    <p:extLst>
+      <p:ext uri="{BB962C8B-B14F-4D97-AF65-F5344CB8AC3E}">
+        <p14:creationId xmlns:p14="http://schemas.microsoft.com/office/powerpoint/2010/main" val="541666317"/>
+      </p:ext>
+    </p:extLst>
+  </p:cSld>
+  <p:clrMapOvr>
+    <a:masterClrMapping/>
+  </p:clrMapOvr>
+</p:sld>
+</file>
+
+<file path=ppt/slides/slide29.xml><?xml version="1.0" encoding="utf-8"?>
+<p:sld xmlns:a="http://schemas.openxmlformats.org/drawingml/2006/main" xmlns:r="http://schemas.openxmlformats.org/officeDocument/2006/relationships" xmlns:p="http://schemas.openxmlformats.org/presentationml/2006/main">
+  <p:cSld>
+    <p:spTree>
+      <p:nvGrpSpPr>
+        <p:cNvPr id="1" name=""/>
+        <p:cNvGrpSpPr/>
+        <p:nvPr/>
+      </p:nvGrpSpPr>
+      <p:grpSpPr>
+        <a:xfrm>
+          <a:off x="0" y="0"/>
+          <a:ext cx="0" cy="0"/>
+          <a:chOff x="0" y="0"/>
+          <a:chExt cx="0" cy="0"/>
+        </a:xfrm>
+      </p:grpSpPr>
+      <p:sp>
+        <p:nvSpPr>
+          <p:cNvPr id="3" name="内容占位符 2">
+            <a:extLst>
+              <a:ext uri="{FF2B5EF4-FFF2-40B4-BE49-F238E27FC236}">
+                <a16:creationId xmlns:a16="http://schemas.microsoft.com/office/drawing/2014/main" id="{4C205ECD-2DBE-4FA4-9EF1-D442722AE33C}"/>
+              </a:ext>
+            </a:extLst>
+          </p:cNvPr>
+          <p:cNvSpPr>
+            <a:spLocks noGrp="1"/>
+          </p:cNvSpPr>
+          <p:nvPr>
+            <p:ph idx="1"/>
+          </p:nvPr>
+        </p:nvSpPr>
+        <p:spPr>
+          <a:xfrm>
+            <a:off x="845127" y="741146"/>
+            <a:ext cx="10515600" cy="5438992"/>
+          </a:xfrm>
+        </p:spPr>
+        <p:txBody>
+          <a:bodyPr/>
+          <a:lstStyle/>
+          <a:p>
+            <a:r>
+              <a:rPr lang="en-US" altLang="zh-CN" dirty="0" err="1"/>
+              <a:t>CopyOnWriteList</a:t>
+            </a:r>
+            <a:r>
+              <a:rPr lang="zh-CN" altLang="en-US" dirty="0"/>
+              <a:t>：</a:t>
+            </a:r>
+            <a:endParaRPr lang="en-US" altLang="zh-CN" dirty="0"/>
+          </a:p>
+          <a:p>
+            <a:pPr marL="0" indent="0">
+              <a:buNone/>
+            </a:pPr>
+            <a:r>
+              <a:rPr lang="zh-CN" altLang="en-US"/>
+              <a:t>适合“读远大于写”</a:t>
+            </a:r>
+            <a:r>
+              <a:rPr lang="zh-CN" altLang="en-US" dirty="0"/>
+              <a:t>：使用</a:t>
+            </a:r>
+            <a:r>
+              <a:rPr lang="en-US" altLang="zh-CN" dirty="0"/>
+              <a:t>AQS</a:t>
+            </a:r>
+            <a:r>
+              <a:rPr lang="zh-CN" altLang="en-US" dirty="0"/>
+              <a:t>，并在写入时复制，不会有</a:t>
+            </a:r>
+            <a:r>
+              <a:rPr lang="en-US" altLang="zh-CN" dirty="0" err="1"/>
+              <a:t>ConcurrentModificationException</a:t>
+            </a:r>
+            <a:r>
+              <a:rPr lang="zh-CN" altLang="en-US" dirty="0"/>
+              <a:t>，容器多时复制开销大</a:t>
+            </a:r>
+            <a:endParaRPr lang="en-US" altLang="zh-CN" dirty="0"/>
+          </a:p>
+        </p:txBody>
+      </p:sp>
+    </p:spTree>
+    <p:extLst>
+      <p:ext uri="{BB962C8B-B14F-4D97-AF65-F5344CB8AC3E}">
+        <p14:creationId xmlns:p14="http://schemas.microsoft.com/office/powerpoint/2010/main" val="1523894816"/>
       </p:ext>
     </p:extLst>
   </p:cSld>
@@ -9076,6 +9386,89 @@
     <p:extLst>
       <p:ext uri="{BB962C8B-B14F-4D97-AF65-F5344CB8AC3E}">
         <p14:creationId xmlns:p14="http://schemas.microsoft.com/office/powerpoint/2010/main" val="2993929486"/>
+      </p:ext>
+    </p:extLst>
+  </p:cSld>
+  <p:clrMapOvr>
+    <a:masterClrMapping/>
+  </p:clrMapOvr>
+</p:sld>
+</file>
+
+<file path=ppt/slides/slide30.xml><?xml version="1.0" encoding="utf-8"?>
+<p:sld xmlns:a="http://schemas.openxmlformats.org/drawingml/2006/main" xmlns:r="http://schemas.openxmlformats.org/officeDocument/2006/relationships" xmlns:p="http://schemas.openxmlformats.org/presentationml/2006/main">
+  <p:cSld>
+    <p:spTree>
+      <p:nvGrpSpPr>
+        <p:cNvPr id="1" name=""/>
+        <p:cNvGrpSpPr/>
+        <p:nvPr/>
+      </p:nvGrpSpPr>
+      <p:grpSpPr>
+        <a:xfrm>
+          <a:off x="0" y="0"/>
+          <a:ext cx="0" cy="0"/>
+          <a:chOff x="0" y="0"/>
+          <a:chExt cx="0" cy="0"/>
+        </a:xfrm>
+      </p:grpSpPr>
+      <p:sp>
+        <p:nvSpPr>
+          <p:cNvPr id="2" name="标题 1">
+            <a:extLst>
+              <a:ext uri="{FF2B5EF4-FFF2-40B4-BE49-F238E27FC236}">
+                <a16:creationId xmlns:a16="http://schemas.microsoft.com/office/drawing/2014/main" id="{B44B5624-ABDA-423E-A81B-4F87424C0D93}"/>
+              </a:ext>
+            </a:extLst>
+          </p:cNvPr>
+          <p:cNvSpPr>
+            <a:spLocks noGrp="1"/>
+          </p:cNvSpPr>
+          <p:nvPr>
+            <p:ph type="title"/>
+          </p:nvPr>
+        </p:nvSpPr>
+        <p:spPr/>
+        <p:txBody>
+          <a:bodyPr/>
+          <a:lstStyle/>
+          <a:p>
+            <a:r>
+              <a:rPr lang="zh-CN" altLang="en-US" dirty="0"/>
+              <a:t>阻塞队列</a:t>
+            </a:r>
+          </a:p>
+        </p:txBody>
+      </p:sp>
+      <p:sp>
+        <p:nvSpPr>
+          <p:cNvPr id="3" name="内容占位符 2">
+            <a:extLst>
+              <a:ext uri="{FF2B5EF4-FFF2-40B4-BE49-F238E27FC236}">
+                <a16:creationId xmlns:a16="http://schemas.microsoft.com/office/drawing/2014/main" id="{269E27E6-0F91-4121-895E-578D80664193}"/>
+              </a:ext>
+            </a:extLst>
+          </p:cNvPr>
+          <p:cNvSpPr>
+            <a:spLocks noGrp="1"/>
+          </p:cNvSpPr>
+          <p:nvPr>
+            <p:ph idx="1"/>
+          </p:nvPr>
+        </p:nvSpPr>
+        <p:spPr/>
+        <p:txBody>
+          <a:bodyPr/>
+          <a:lstStyle/>
+          <a:p>
+            <a:endParaRPr lang="zh-CN" altLang="en-US"/>
+          </a:p>
+        </p:txBody>
+      </p:sp>
+    </p:spTree>
+    <p:extLst>
+      <p:ext uri="{BB962C8B-B14F-4D97-AF65-F5344CB8AC3E}">
+        <p14:creationId xmlns:p14="http://schemas.microsoft.com/office/powerpoint/2010/main" val="427415900"/>
       </p:ext>
     </p:extLst>
   </p:cSld>

--- a/JAVA并发编程.pptx
+++ b/JAVA并发编程.pptx
@@ -9188,12 +9188,8 @@
               <a:buNone/>
             </a:pPr>
             <a:r>
-              <a:rPr lang="zh-CN" altLang="en-US"/>
-              <a:t>适合“读远大于写”</a:t>
-            </a:r>
-            <a:r>
-              <a:rPr lang="zh-CN" altLang="en-US" dirty="0"/>
-              <a:t>：使用</a:t>
+              <a:rPr lang="zh-CN" altLang="en-US" dirty="0"/>
+              <a:t>适合“读远大于写”：使用</a:t>
             </a:r>
             <a:r>
               <a:rPr lang="en-US" altLang="zh-CN" dirty="0"/>

--- a/JAVA并发编程.pptx
+++ b/JAVA并发编程.pptx
@@ -6,7 +6,7 @@
     <p:sldMasterId id="2147483819" r:id="rId2"/>
   </p:sldMasterIdLst>
   <p:notesMasterIdLst>
-    <p:notesMasterId r:id="rId33"/>
+    <p:notesMasterId r:id="rId35"/>
   </p:notesMasterIdLst>
   <p:sldIdLst>
     <p:sldId id="256" r:id="rId3"/>
@@ -39,6 +39,8 @@
     <p:sldId id="289" r:id="rId30"/>
     <p:sldId id="290" r:id="rId31"/>
     <p:sldId id="291" r:id="rId32"/>
+    <p:sldId id="292" r:id="rId33"/>
+    <p:sldId id="293" r:id="rId34"/>
   </p:sldIdLst>
   <p:sldSz cx="12192000" cy="6858000"/>
   <p:notesSz cx="6858000" cy="9144000"/>
@@ -9024,6 +9026,31 @@
               <a:rPr lang="zh-CN" altLang="en-US" dirty="0"/>
               <a:t>等结果时不实时</a:t>
             </a:r>
+            <a:endParaRPr lang="en-US" altLang="zh-CN" dirty="0"/>
+          </a:p>
+          <a:p>
+            <a:pPr marL="0" indent="0">
+              <a:buNone/>
+            </a:pPr>
+            <a:endParaRPr lang="en-US" altLang="zh-CN" dirty="0"/>
+          </a:p>
+          <a:p>
+            <a:pPr marL="0" indent="0">
+              <a:buNone/>
+            </a:pPr>
+            <a:r>
+              <a:rPr lang="zh-CN" altLang="en-US" dirty="0"/>
+              <a:t>示例：</a:t>
+            </a:r>
+            <a:r>
+              <a:rPr lang="en-US" altLang="zh-CN" dirty="0"/>
+              <a:t> </a:t>
+            </a:r>
+            <a:r>
+              <a:rPr lang="en-US" altLang="zh-CN" dirty="0" err="1"/>
+              <a:t>ConcurrentHashMapExample</a:t>
+            </a:r>
+            <a:endParaRPr lang="zh-CN" altLang="en-US" dirty="0"/>
           </a:p>
         </p:txBody>
       </p:sp>
@@ -9209,6 +9236,30 @@
             </a:r>
             <a:endParaRPr lang="en-US" altLang="zh-CN" dirty="0"/>
           </a:p>
+          <a:p>
+            <a:pPr marL="0" indent="0">
+              <a:buNone/>
+            </a:pPr>
+            <a:endParaRPr lang="en-US" altLang="zh-CN" dirty="0"/>
+          </a:p>
+          <a:p>
+            <a:pPr marL="0" indent="0">
+              <a:buNone/>
+            </a:pPr>
+            <a:r>
+              <a:rPr lang="zh-CN" altLang="en-US" dirty="0"/>
+              <a:t>示例：</a:t>
+            </a:r>
+            <a:r>
+              <a:rPr lang="en-US" altLang="zh-CN" dirty="0"/>
+              <a:t> </a:t>
+            </a:r>
+            <a:r>
+              <a:rPr lang="en-US" altLang="zh-CN" dirty="0" err="1"/>
+              <a:t>ConcurrentListExample</a:t>
+            </a:r>
+            <a:endParaRPr lang="en-US" altLang="zh-CN" dirty="0"/>
+          </a:p>
         </p:txBody>
       </p:sp>
     </p:spTree>
@@ -9454,10 +9505,126 @@
         </p:nvSpPr>
         <p:spPr/>
         <p:txBody>
-          <a:bodyPr/>
-          <a:lstStyle/>
-          <a:p>
-            <a:endParaRPr lang="zh-CN" altLang="en-US"/>
+          <a:bodyPr>
+            <a:normAutofit lnSpcReduction="10000"/>
+          </a:bodyPr>
+          <a:lstStyle/>
+          <a:p>
+            <a:r>
+              <a:rPr lang="en-US" altLang="zh-CN" dirty="0" err="1"/>
+              <a:t>BlockingQueue</a:t>
+            </a:r>
+            <a:r>
+              <a:rPr lang="zh-CN" altLang="en-US" dirty="0"/>
+              <a:t>：生产者</a:t>
+            </a:r>
+            <a:r>
+              <a:rPr lang="en-US" altLang="zh-CN" dirty="0"/>
+              <a:t>-</a:t>
+            </a:r>
+            <a:r>
+              <a:rPr lang="zh-CN" altLang="en-US" dirty="0"/>
+              <a:t>消费者模式，只有</a:t>
+            </a:r>
+            <a:r>
+              <a:rPr lang="en-US" altLang="zh-CN" dirty="0"/>
+              <a:t>put</a:t>
+            </a:r>
+            <a:r>
+              <a:rPr lang="zh-CN" altLang="en-US" dirty="0"/>
+              <a:t>和</a:t>
+            </a:r>
+            <a:r>
+              <a:rPr lang="en-US" altLang="zh-CN" dirty="0"/>
+              <a:t>take</a:t>
+            </a:r>
+            <a:r>
+              <a:rPr lang="zh-CN" altLang="en-US" dirty="0"/>
+              <a:t>方法能阻塞</a:t>
+            </a:r>
+            <a:endParaRPr lang="en-US" altLang="zh-CN" dirty="0"/>
+          </a:p>
+          <a:p>
+            <a:pPr marL="0" indent="0">
+              <a:buNone/>
+            </a:pPr>
+            <a:r>
+              <a:rPr lang="en-US" altLang="zh-CN" dirty="0" err="1"/>
+              <a:t>ArrayBlockingQueue</a:t>
+            </a:r>
+            <a:r>
+              <a:rPr lang="zh-CN" altLang="en-US" dirty="0"/>
+              <a:t>：有界</a:t>
+            </a:r>
+            <a:endParaRPr lang="en-US" altLang="zh-CN" dirty="0"/>
+          </a:p>
+          <a:p>
+            <a:pPr marL="0" indent="0">
+              <a:buNone/>
+            </a:pPr>
+            <a:r>
+              <a:rPr lang="en-US" altLang="zh-CN" dirty="0" err="1"/>
+              <a:t>LinkedBlockingQueue</a:t>
+            </a:r>
+            <a:r>
+              <a:rPr lang="zh-CN" altLang="en-US" dirty="0"/>
+              <a:t>：无界</a:t>
+            </a:r>
+            <a:endParaRPr lang="en-US" altLang="zh-CN" dirty="0"/>
+          </a:p>
+          <a:p>
+            <a:pPr marL="0" indent="0">
+              <a:buNone/>
+            </a:pPr>
+            <a:r>
+              <a:rPr lang="en-US" altLang="zh-CN" dirty="0" err="1"/>
+              <a:t>PriorityBlockingQueue</a:t>
+            </a:r>
+            <a:r>
+              <a:rPr lang="zh-CN" altLang="en-US" dirty="0"/>
+              <a:t>：排序</a:t>
+            </a:r>
+            <a:endParaRPr lang="en-US" altLang="zh-CN" dirty="0"/>
+          </a:p>
+          <a:p>
+            <a:pPr marL="0" indent="0">
+              <a:buNone/>
+            </a:pPr>
+            <a:endParaRPr lang="en-US" altLang="zh-CN" dirty="0"/>
+          </a:p>
+          <a:p>
+            <a:pPr marL="0" indent="0">
+              <a:buNone/>
+            </a:pPr>
+            <a:r>
+              <a:rPr lang="zh-CN" altLang="en-US" dirty="0"/>
+              <a:t>恢复中断状态：</a:t>
+            </a:r>
+            <a:r>
+              <a:rPr lang="en-US" altLang="zh-CN" dirty="0" err="1"/>
+              <a:t>BlockingQueueRecoverInterceptedStatusDemo</a:t>
+            </a:r>
+            <a:endParaRPr lang="en-US" altLang="zh-CN" dirty="0"/>
+          </a:p>
+          <a:p>
+            <a:pPr marL="0" indent="0">
+              <a:buNone/>
+            </a:pPr>
+            <a:endParaRPr lang="en-US" altLang="zh-CN" dirty="0"/>
+          </a:p>
+          <a:p>
+            <a:pPr marL="0" indent="0">
+              <a:buNone/>
+            </a:pPr>
+            <a:r>
+              <a:rPr lang="zh-CN" altLang="en-US" dirty="0"/>
+              <a:t>线程池中的应用：</a:t>
+            </a:r>
+            <a:r>
+              <a:rPr lang="en-US" altLang="zh-CN" dirty="0" err="1"/>
+              <a:t>java.util.concurrent.ThreadPoolExecutor#workQueue</a:t>
+            </a:r>
+            <a:endParaRPr lang="zh-CN" altLang="en-US" dirty="0"/>
           </a:p>
         </p:txBody>
       </p:sp>
@@ -9465,6 +9632,752 @@
     <p:extLst>
       <p:ext uri="{BB962C8B-B14F-4D97-AF65-F5344CB8AC3E}">
         <p14:creationId xmlns:p14="http://schemas.microsoft.com/office/powerpoint/2010/main" val="427415900"/>
+      </p:ext>
+    </p:extLst>
+  </p:cSld>
+  <p:clrMapOvr>
+    <a:masterClrMapping/>
+  </p:clrMapOvr>
+</p:sld>
+</file>
+
+<file path=ppt/slides/slide31.xml><?xml version="1.0" encoding="utf-8"?>
+<p:sld xmlns:a="http://schemas.openxmlformats.org/drawingml/2006/main" xmlns:r="http://schemas.openxmlformats.org/officeDocument/2006/relationships" xmlns:p="http://schemas.openxmlformats.org/presentationml/2006/main">
+  <p:cSld>
+    <p:spTree>
+      <p:nvGrpSpPr>
+        <p:cNvPr id="1" name=""/>
+        <p:cNvGrpSpPr/>
+        <p:nvPr/>
+      </p:nvGrpSpPr>
+      <p:grpSpPr>
+        <a:xfrm>
+          <a:off x="0" y="0"/>
+          <a:ext cx="0" cy="0"/>
+          <a:chOff x="0" y="0"/>
+          <a:chExt cx="0" cy="0"/>
+        </a:xfrm>
+      </p:grpSpPr>
+      <p:graphicFrame>
+        <p:nvGraphicFramePr>
+          <p:cNvPr id="4" name="内容占位符 3">
+            <a:extLst>
+              <a:ext uri="{FF2B5EF4-FFF2-40B4-BE49-F238E27FC236}">
+                <a16:creationId xmlns:a16="http://schemas.microsoft.com/office/drawing/2014/main" id="{EDF635D5-01CA-4CD7-A1B2-AB59E9D73CCA}"/>
+              </a:ext>
+            </a:extLst>
+          </p:cNvPr>
+          <p:cNvGraphicFramePr>
+            <a:graphicFrameLocks noGrp="1"/>
+          </p:cNvGraphicFramePr>
+          <p:nvPr>
+            <p:ph idx="1"/>
+            <p:extLst>
+              <p:ext uri="{D42A27DB-BD31-4B8C-83A1-F6EECF244321}">
+                <p14:modId xmlns:p14="http://schemas.microsoft.com/office/powerpoint/2010/main" val="1815576142"/>
+              </p:ext>
+            </p:extLst>
+          </p:nvPr>
+        </p:nvGraphicFramePr>
+        <p:xfrm>
+          <a:off x="1405287" y="2355282"/>
+          <a:ext cx="8268100" cy="3362124"/>
+        </p:xfrm>
+        <a:graphic>
+          <a:graphicData uri="http://schemas.openxmlformats.org/drawingml/2006/table">
+            <a:tbl>
+              <a:tblPr>
+                <a:tableStyleId>{68D230F3-CF80-4859-8CE7-A43EE81993B5}</a:tableStyleId>
+              </a:tblPr>
+              <a:tblGrid>
+                <a:gridCol w="1653620">
+                  <a:extLst>
+                    <a:ext uri="{9D8B030D-6E8A-4147-A177-3AD203B41FA5}">
+                      <a16:colId xmlns:a16="http://schemas.microsoft.com/office/drawing/2014/main" val="1084826303"/>
+                    </a:ext>
+                  </a:extLst>
+                </a:gridCol>
+                <a:gridCol w="1653620">
+                  <a:extLst>
+                    <a:ext uri="{9D8B030D-6E8A-4147-A177-3AD203B41FA5}">
+                      <a16:colId xmlns:a16="http://schemas.microsoft.com/office/drawing/2014/main" val="3824287203"/>
+                    </a:ext>
+                  </a:extLst>
+                </a:gridCol>
+                <a:gridCol w="1653620">
+                  <a:extLst>
+                    <a:ext uri="{9D8B030D-6E8A-4147-A177-3AD203B41FA5}">
+                      <a16:colId xmlns:a16="http://schemas.microsoft.com/office/drawing/2014/main" val="1228392257"/>
+                    </a:ext>
+                  </a:extLst>
+                </a:gridCol>
+                <a:gridCol w="1653620">
+                  <a:extLst>
+                    <a:ext uri="{9D8B030D-6E8A-4147-A177-3AD203B41FA5}">
+                      <a16:colId xmlns:a16="http://schemas.microsoft.com/office/drawing/2014/main" val="1258373530"/>
+                    </a:ext>
+                  </a:extLst>
+                </a:gridCol>
+                <a:gridCol w="1653620">
+                  <a:extLst>
+                    <a:ext uri="{9D8B030D-6E8A-4147-A177-3AD203B41FA5}">
+                      <a16:colId xmlns:a16="http://schemas.microsoft.com/office/drawing/2014/main" val="143687129"/>
+                    </a:ext>
+                  </a:extLst>
+                </a:gridCol>
+              </a:tblGrid>
+              <a:tr h="638504">
+                <a:tc>
+                  <a:txBody>
+                    <a:bodyPr/>
+                    <a:lstStyle/>
+                    <a:p>
+                      <a:pPr algn="l" latinLnBrk="1"/>
+                      <a:r>
+                        <a:rPr lang="zh-CN" altLang="en-US">
+                          <a:effectLst/>
+                        </a:rPr>
+                        <a:t> </a:t>
+                      </a:r>
+                      <a:endParaRPr lang="zh-CN" altLang="en-US" b="0">
+                        <a:solidFill>
+                          <a:srgbClr val="4F4F4F"/>
+                        </a:solidFill>
+                        <a:effectLst/>
+                      </a:endParaRPr>
+                    </a:p>
+                  </a:txBody>
+                  <a:tcPr marL="50800" marR="50800" marT="50800" marB="50800" anchor="ctr"/>
+                </a:tc>
+                <a:tc>
+                  <a:txBody>
+                    <a:bodyPr/>
+                    <a:lstStyle/>
+                    <a:p>
+                      <a:pPr algn="l" latinLnBrk="1"/>
+                      <a:r>
+                        <a:rPr lang="zh-CN" altLang="en-US">
+                          <a:effectLst/>
+                        </a:rPr>
+                        <a:t>抛出异常</a:t>
+                      </a:r>
+                      <a:endParaRPr lang="zh-CN" altLang="en-US" b="0">
+                        <a:solidFill>
+                          <a:srgbClr val="4F4F4F"/>
+                        </a:solidFill>
+                        <a:effectLst/>
+                      </a:endParaRPr>
+                    </a:p>
+                  </a:txBody>
+                  <a:tcPr marL="50800" marR="50800" marT="50800" marB="50800" anchor="ctr"/>
+                </a:tc>
+                <a:tc>
+                  <a:txBody>
+                    <a:bodyPr/>
+                    <a:lstStyle/>
+                    <a:p>
+                      <a:pPr algn="l" latinLnBrk="1"/>
+                      <a:r>
+                        <a:rPr lang="zh-CN" altLang="en-US" dirty="0">
+                          <a:effectLst/>
+                        </a:rPr>
+                        <a:t>特殊值</a:t>
+                      </a:r>
+                      <a:endParaRPr lang="zh-CN" altLang="en-US" b="0" dirty="0">
+                        <a:solidFill>
+                          <a:srgbClr val="4F4F4F"/>
+                        </a:solidFill>
+                        <a:effectLst/>
+                      </a:endParaRPr>
+                    </a:p>
+                  </a:txBody>
+                  <a:tcPr marL="50800" marR="50800" marT="50800" marB="50800" anchor="ctr"/>
+                </a:tc>
+                <a:tc>
+                  <a:txBody>
+                    <a:bodyPr/>
+                    <a:lstStyle/>
+                    <a:p>
+                      <a:pPr algn="l" latinLnBrk="1"/>
+                      <a:r>
+                        <a:rPr lang="zh-CN" altLang="en-US" dirty="0">
+                          <a:effectLst/>
+                        </a:rPr>
+                        <a:t>阻塞</a:t>
+                      </a:r>
+                      <a:endParaRPr lang="zh-CN" altLang="en-US" b="0" dirty="0">
+                        <a:solidFill>
+                          <a:srgbClr val="4F4F4F"/>
+                        </a:solidFill>
+                        <a:effectLst/>
+                      </a:endParaRPr>
+                    </a:p>
+                  </a:txBody>
+                  <a:tcPr marL="50800" marR="50800" marT="50800" marB="50800" anchor="ctr"/>
+                </a:tc>
+                <a:tc>
+                  <a:txBody>
+                    <a:bodyPr/>
+                    <a:lstStyle/>
+                    <a:p>
+                      <a:pPr algn="l" latinLnBrk="1"/>
+                      <a:r>
+                        <a:rPr lang="zh-CN" altLang="en-US">
+                          <a:effectLst/>
+                        </a:rPr>
+                        <a:t>超时</a:t>
+                      </a:r>
+                      <a:endParaRPr lang="zh-CN" altLang="en-US" b="0">
+                        <a:solidFill>
+                          <a:srgbClr val="4F4F4F"/>
+                        </a:solidFill>
+                        <a:effectLst/>
+                      </a:endParaRPr>
+                    </a:p>
+                  </a:txBody>
+                  <a:tcPr marL="50800" marR="50800" marT="50800" marB="50800" anchor="ctr"/>
+                </a:tc>
+                <a:extLst>
+                  <a:ext uri="{0D108BD9-81ED-4DB2-BD59-A6C34878D82A}">
+                    <a16:rowId xmlns:a16="http://schemas.microsoft.com/office/drawing/2014/main" val="3465960117"/>
+                  </a:ext>
+                </a:extLst>
+              </a:tr>
+              <a:tr h="1177242">
+                <a:tc>
+                  <a:txBody>
+                    <a:bodyPr/>
+                    <a:lstStyle/>
+                    <a:p>
+                      <a:pPr algn="l" latinLnBrk="1"/>
+                      <a:r>
+                        <a:rPr lang="zh-CN" altLang="en-US">
+                          <a:effectLst/>
+                        </a:rPr>
+                        <a:t>插入</a:t>
+                      </a:r>
+                      <a:endParaRPr lang="zh-CN" altLang="en-US" b="0">
+                        <a:solidFill>
+                          <a:srgbClr val="4F4F4F"/>
+                        </a:solidFill>
+                        <a:effectLst/>
+                      </a:endParaRPr>
+                    </a:p>
+                  </a:txBody>
+                  <a:tcPr marL="50800" marR="50800" marT="50800" marB="50800" anchor="ctr"/>
+                </a:tc>
+                <a:tc>
+                  <a:txBody>
+                    <a:bodyPr/>
+                    <a:lstStyle/>
+                    <a:p>
+                      <a:pPr algn="l" latinLnBrk="1"/>
+                      <a:r>
+                        <a:rPr lang="en-US" u="none" strike="noStrike" dirty="0">
+                          <a:effectLst/>
+                          <a:hlinkClick r:id="rId2"/>
+                        </a:rPr>
+                        <a:t>add(e)</a:t>
+                      </a:r>
+                      <a:endParaRPr lang="en-US" b="0" dirty="0">
+                        <a:solidFill>
+                          <a:srgbClr val="4F4F4F"/>
+                        </a:solidFill>
+                        <a:effectLst/>
+                      </a:endParaRPr>
+                    </a:p>
+                  </a:txBody>
+                  <a:tcPr marL="50800" marR="50800" marT="50800" marB="50800" anchor="ctr"/>
+                </a:tc>
+                <a:tc>
+                  <a:txBody>
+                    <a:bodyPr/>
+                    <a:lstStyle/>
+                    <a:p>
+                      <a:pPr algn="l" latinLnBrk="1"/>
+                      <a:r>
+                        <a:rPr lang="en-US" u="none" strike="noStrike">
+                          <a:effectLst/>
+                          <a:hlinkClick r:id="rId2"/>
+                        </a:rPr>
+                        <a:t>offer(e)</a:t>
+                      </a:r>
+                      <a:endParaRPr lang="en-US" b="0">
+                        <a:solidFill>
+                          <a:srgbClr val="4F4F4F"/>
+                        </a:solidFill>
+                        <a:effectLst/>
+                      </a:endParaRPr>
+                    </a:p>
+                  </a:txBody>
+                  <a:tcPr marL="50800" marR="50800" marT="50800" marB="50800" anchor="ctr"/>
+                </a:tc>
+                <a:tc>
+                  <a:txBody>
+                    <a:bodyPr/>
+                    <a:lstStyle/>
+                    <a:p>
+                      <a:pPr algn="l" latinLnBrk="1"/>
+                      <a:r>
+                        <a:rPr lang="en-US" u="none" strike="noStrike">
+                          <a:effectLst/>
+                          <a:hlinkClick r:id="rId2"/>
+                        </a:rPr>
+                        <a:t>put(e)</a:t>
+                      </a:r>
+                      <a:endParaRPr lang="en-US" b="0">
+                        <a:solidFill>
+                          <a:srgbClr val="4F4F4F"/>
+                        </a:solidFill>
+                        <a:effectLst/>
+                      </a:endParaRPr>
+                    </a:p>
+                  </a:txBody>
+                  <a:tcPr marL="50800" marR="50800" marT="50800" marB="50800" anchor="ctr"/>
+                </a:tc>
+                <a:tc>
+                  <a:txBody>
+                    <a:bodyPr/>
+                    <a:lstStyle/>
+                    <a:p>
+                      <a:pPr algn="l" latinLnBrk="1"/>
+                      <a:r>
+                        <a:rPr lang="en-US" u="none" strike="noStrike">
+                          <a:effectLst/>
+                          <a:hlinkClick r:id="rId2"/>
+                        </a:rPr>
+                        <a:t>offer(e, time, unit)</a:t>
+                      </a:r>
+                      <a:endParaRPr lang="en-US" b="0">
+                        <a:solidFill>
+                          <a:srgbClr val="4F4F4F"/>
+                        </a:solidFill>
+                        <a:effectLst/>
+                      </a:endParaRPr>
+                    </a:p>
+                  </a:txBody>
+                  <a:tcPr marL="50800" marR="50800" marT="50800" marB="50800" anchor="ctr"/>
+                </a:tc>
+                <a:extLst>
+                  <a:ext uri="{0D108BD9-81ED-4DB2-BD59-A6C34878D82A}">
+                    <a16:rowId xmlns:a16="http://schemas.microsoft.com/office/drawing/2014/main" val="420879867"/>
+                  </a:ext>
+                </a:extLst>
+              </a:tr>
+              <a:tr h="907874">
+                <a:tc>
+                  <a:txBody>
+                    <a:bodyPr/>
+                    <a:lstStyle/>
+                    <a:p>
+                      <a:pPr algn="l" latinLnBrk="1"/>
+                      <a:r>
+                        <a:rPr lang="zh-CN" altLang="en-US" dirty="0">
+                          <a:effectLst/>
+                        </a:rPr>
+                        <a:t>移除</a:t>
+                      </a:r>
+                      <a:endParaRPr lang="zh-CN" altLang="en-US" b="0" dirty="0">
+                        <a:solidFill>
+                          <a:srgbClr val="4F4F4F"/>
+                        </a:solidFill>
+                        <a:effectLst/>
+                      </a:endParaRPr>
+                    </a:p>
+                  </a:txBody>
+                  <a:tcPr marL="50800" marR="50800" marT="50800" marB="50800" anchor="ctr"/>
+                </a:tc>
+                <a:tc>
+                  <a:txBody>
+                    <a:bodyPr/>
+                    <a:lstStyle/>
+                    <a:p>
+                      <a:pPr algn="l" latinLnBrk="1"/>
+                      <a:r>
+                        <a:rPr lang="en-US" u="none" strike="noStrike">
+                          <a:effectLst/>
+                          <a:hlinkClick r:id="rId2"/>
+                        </a:rPr>
+                        <a:t>remove()</a:t>
+                      </a:r>
+                      <a:endParaRPr lang="en-US" b="0">
+                        <a:solidFill>
+                          <a:srgbClr val="4F4F4F"/>
+                        </a:solidFill>
+                        <a:effectLst/>
+                      </a:endParaRPr>
+                    </a:p>
+                  </a:txBody>
+                  <a:tcPr marL="50800" marR="50800" marT="50800" marB="50800" anchor="ctr"/>
+                </a:tc>
+                <a:tc>
+                  <a:txBody>
+                    <a:bodyPr/>
+                    <a:lstStyle/>
+                    <a:p>
+                      <a:pPr algn="l" latinLnBrk="1"/>
+                      <a:r>
+                        <a:rPr lang="en-US" u="none" strike="noStrike">
+                          <a:effectLst/>
+                          <a:hlinkClick r:id="rId2"/>
+                        </a:rPr>
+                        <a:t>poll()</a:t>
+                      </a:r>
+                      <a:endParaRPr lang="en-US" b="0">
+                        <a:solidFill>
+                          <a:srgbClr val="4F4F4F"/>
+                        </a:solidFill>
+                        <a:effectLst/>
+                      </a:endParaRPr>
+                    </a:p>
+                  </a:txBody>
+                  <a:tcPr marL="50800" marR="50800" marT="50800" marB="50800" anchor="ctr"/>
+                </a:tc>
+                <a:tc>
+                  <a:txBody>
+                    <a:bodyPr/>
+                    <a:lstStyle/>
+                    <a:p>
+                      <a:pPr algn="l" latinLnBrk="1"/>
+                      <a:r>
+                        <a:rPr lang="en-US" u="none" strike="noStrike">
+                          <a:effectLst/>
+                          <a:hlinkClick r:id="rId2"/>
+                        </a:rPr>
+                        <a:t>take()</a:t>
+                      </a:r>
+                      <a:endParaRPr lang="en-US" b="0">
+                        <a:solidFill>
+                          <a:srgbClr val="4F4F4F"/>
+                        </a:solidFill>
+                        <a:effectLst/>
+                      </a:endParaRPr>
+                    </a:p>
+                  </a:txBody>
+                  <a:tcPr marL="50800" marR="50800" marT="50800" marB="50800" anchor="ctr"/>
+                </a:tc>
+                <a:tc>
+                  <a:txBody>
+                    <a:bodyPr/>
+                    <a:lstStyle/>
+                    <a:p>
+                      <a:pPr algn="l" latinLnBrk="1"/>
+                      <a:r>
+                        <a:rPr lang="en-US" u="none" strike="noStrike">
+                          <a:effectLst/>
+                          <a:hlinkClick r:id="rId2"/>
+                        </a:rPr>
+                        <a:t>poll(time, unit)</a:t>
+                      </a:r>
+                      <a:endParaRPr lang="en-US" b="0">
+                        <a:solidFill>
+                          <a:srgbClr val="4F4F4F"/>
+                        </a:solidFill>
+                        <a:effectLst/>
+                      </a:endParaRPr>
+                    </a:p>
+                  </a:txBody>
+                  <a:tcPr marL="50800" marR="50800" marT="50800" marB="50800" anchor="ctr"/>
+                </a:tc>
+                <a:extLst>
+                  <a:ext uri="{0D108BD9-81ED-4DB2-BD59-A6C34878D82A}">
+                    <a16:rowId xmlns:a16="http://schemas.microsoft.com/office/drawing/2014/main" val="190010152"/>
+                  </a:ext>
+                </a:extLst>
+              </a:tr>
+              <a:tr h="638504">
+                <a:tc>
+                  <a:txBody>
+                    <a:bodyPr/>
+                    <a:lstStyle/>
+                    <a:p>
+                      <a:pPr algn="l" latinLnBrk="1"/>
+                      <a:r>
+                        <a:rPr lang="zh-CN" altLang="en-US">
+                          <a:effectLst/>
+                        </a:rPr>
+                        <a:t>检查</a:t>
+                      </a:r>
+                      <a:endParaRPr lang="zh-CN" altLang="en-US" b="0">
+                        <a:solidFill>
+                          <a:srgbClr val="4F4F4F"/>
+                        </a:solidFill>
+                        <a:effectLst/>
+                      </a:endParaRPr>
+                    </a:p>
+                  </a:txBody>
+                  <a:tcPr marL="50800" marR="50800" marT="50800" marB="50800" anchor="ctr"/>
+                </a:tc>
+                <a:tc>
+                  <a:txBody>
+                    <a:bodyPr/>
+                    <a:lstStyle/>
+                    <a:p>
+                      <a:pPr algn="l" latinLnBrk="1"/>
+                      <a:r>
+                        <a:rPr lang="en-US" u="none" strike="noStrike">
+                          <a:effectLst/>
+                          <a:hlinkClick r:id="rId2"/>
+                        </a:rPr>
+                        <a:t>element()</a:t>
+                      </a:r>
+                      <a:endParaRPr lang="en-US" b="0">
+                        <a:solidFill>
+                          <a:srgbClr val="4F4F4F"/>
+                        </a:solidFill>
+                        <a:effectLst/>
+                      </a:endParaRPr>
+                    </a:p>
+                  </a:txBody>
+                  <a:tcPr marL="50800" marR="50800" marT="50800" marB="50800" anchor="ctr"/>
+                </a:tc>
+                <a:tc>
+                  <a:txBody>
+                    <a:bodyPr/>
+                    <a:lstStyle/>
+                    <a:p>
+                      <a:pPr algn="l" latinLnBrk="1"/>
+                      <a:r>
+                        <a:rPr lang="en-US" u="none" strike="noStrike">
+                          <a:effectLst/>
+                          <a:hlinkClick r:id="rId2"/>
+                        </a:rPr>
+                        <a:t>peek()</a:t>
+                      </a:r>
+                      <a:endParaRPr lang="en-US" b="0">
+                        <a:solidFill>
+                          <a:srgbClr val="4F4F4F"/>
+                        </a:solidFill>
+                        <a:effectLst/>
+                      </a:endParaRPr>
+                    </a:p>
+                  </a:txBody>
+                  <a:tcPr marL="50800" marR="50800" marT="50800" marB="50800" anchor="ctr"/>
+                </a:tc>
+                <a:tc>
+                  <a:txBody>
+                    <a:bodyPr/>
+                    <a:lstStyle/>
+                    <a:p>
+                      <a:pPr algn="l" latinLnBrk="1"/>
+                      <a:r>
+                        <a:rPr lang="zh-CN" altLang="en-US">
+                          <a:effectLst/>
+                        </a:rPr>
+                        <a:t>不可用</a:t>
+                      </a:r>
+                      <a:endParaRPr lang="zh-CN" altLang="en-US" b="0">
+                        <a:solidFill>
+                          <a:srgbClr val="4F4F4F"/>
+                        </a:solidFill>
+                        <a:effectLst/>
+                      </a:endParaRPr>
+                    </a:p>
+                  </a:txBody>
+                  <a:tcPr marL="50800" marR="50800" marT="50800" marB="50800" anchor="ctr"/>
+                </a:tc>
+                <a:tc>
+                  <a:txBody>
+                    <a:bodyPr/>
+                    <a:lstStyle/>
+                    <a:p>
+                      <a:pPr algn="l" latinLnBrk="1"/>
+                      <a:r>
+                        <a:rPr lang="zh-CN" altLang="en-US" dirty="0">
+                          <a:effectLst/>
+                        </a:rPr>
+                        <a:t>不可用</a:t>
+                      </a:r>
+                      <a:endParaRPr lang="zh-CN" altLang="en-US" b="0" dirty="0">
+                        <a:solidFill>
+                          <a:srgbClr val="4F4F4F"/>
+                        </a:solidFill>
+                        <a:effectLst/>
+                      </a:endParaRPr>
+                    </a:p>
+                  </a:txBody>
+                  <a:tcPr marL="50800" marR="50800" marT="50800" marB="50800" anchor="ctr"/>
+                </a:tc>
+                <a:extLst>
+                  <a:ext uri="{0D108BD9-81ED-4DB2-BD59-A6C34878D82A}">
+                    <a16:rowId xmlns:a16="http://schemas.microsoft.com/office/drawing/2014/main" val="1311434389"/>
+                  </a:ext>
+                </a:extLst>
+              </a:tr>
+            </a:tbl>
+          </a:graphicData>
+        </a:graphic>
+      </p:graphicFrame>
+      <p:sp>
+        <p:nvSpPr>
+          <p:cNvPr id="6" name="标题 1">
+            <a:extLst>
+              <a:ext uri="{FF2B5EF4-FFF2-40B4-BE49-F238E27FC236}">
+                <a16:creationId xmlns:a16="http://schemas.microsoft.com/office/drawing/2014/main" id="{69DC2B63-3BEA-42CC-8961-3ED29D2D80B4}"/>
+              </a:ext>
+            </a:extLst>
+          </p:cNvPr>
+          <p:cNvSpPr>
+            <a:spLocks noGrp="1"/>
+          </p:cNvSpPr>
+          <p:nvPr>
+            <p:ph type="title"/>
+          </p:nvPr>
+        </p:nvSpPr>
+        <p:spPr>
+          <a:xfrm>
+            <a:off x="989506" y="683393"/>
+            <a:ext cx="10515600" cy="1325562"/>
+          </a:xfrm>
+        </p:spPr>
+        <p:txBody>
+          <a:bodyPr/>
+          <a:lstStyle/>
+          <a:p>
+            <a:r>
+              <a:rPr lang="en-US" altLang="zh-CN" dirty="0" err="1"/>
+              <a:t>BlockingQueue</a:t>
+            </a:r>
+            <a:r>
+              <a:rPr lang="zh-CN" altLang="en-US" dirty="0"/>
+              <a:t>方法对比</a:t>
+            </a:r>
+          </a:p>
+        </p:txBody>
+      </p:sp>
+    </p:spTree>
+    <p:extLst>
+      <p:ext uri="{BB962C8B-B14F-4D97-AF65-F5344CB8AC3E}">
+        <p14:creationId xmlns:p14="http://schemas.microsoft.com/office/powerpoint/2010/main" val="423601319"/>
+      </p:ext>
+    </p:extLst>
+  </p:cSld>
+  <p:clrMapOvr>
+    <a:masterClrMapping/>
+  </p:clrMapOvr>
+</p:sld>
+</file>
+
+<file path=ppt/slides/slide32.xml><?xml version="1.0" encoding="utf-8"?>
+<p:sld xmlns:a="http://schemas.openxmlformats.org/drawingml/2006/main" xmlns:r="http://schemas.openxmlformats.org/officeDocument/2006/relationships" xmlns:p="http://schemas.openxmlformats.org/presentationml/2006/main">
+  <p:cSld>
+    <p:spTree>
+      <p:nvGrpSpPr>
+        <p:cNvPr id="1" name=""/>
+        <p:cNvGrpSpPr/>
+        <p:nvPr/>
+      </p:nvGrpSpPr>
+      <p:grpSpPr>
+        <a:xfrm>
+          <a:off x="0" y="0"/>
+          <a:ext cx="0" cy="0"/>
+          <a:chOff x="0" y="0"/>
+          <a:chExt cx="0" cy="0"/>
+        </a:xfrm>
+      </p:grpSpPr>
+      <p:sp>
+        <p:nvSpPr>
+          <p:cNvPr id="2" name="标题 1">
+            <a:extLst>
+              <a:ext uri="{FF2B5EF4-FFF2-40B4-BE49-F238E27FC236}">
+                <a16:creationId xmlns:a16="http://schemas.microsoft.com/office/drawing/2014/main" id="{F8F02A9A-0C9A-4D8D-A584-593BAD8E6E3D}"/>
+              </a:ext>
+            </a:extLst>
+          </p:cNvPr>
+          <p:cNvSpPr>
+            <a:spLocks noGrp="1"/>
+          </p:cNvSpPr>
+          <p:nvPr>
+            <p:ph type="title"/>
+          </p:nvPr>
+        </p:nvSpPr>
+        <p:spPr/>
+        <p:txBody>
+          <a:bodyPr/>
+          <a:lstStyle/>
+          <a:p>
+            <a:r>
+              <a:rPr lang="zh-CN" altLang="en-US" dirty="0"/>
+              <a:t>同步工具</a:t>
+            </a:r>
+          </a:p>
+        </p:txBody>
+      </p:sp>
+      <p:sp>
+        <p:nvSpPr>
+          <p:cNvPr id="3" name="内容占位符 2">
+            <a:extLst>
+              <a:ext uri="{FF2B5EF4-FFF2-40B4-BE49-F238E27FC236}">
+                <a16:creationId xmlns:a16="http://schemas.microsoft.com/office/drawing/2014/main" id="{A25AA25B-AD45-44E5-B557-DCF3E5C1E805}"/>
+              </a:ext>
+            </a:extLst>
+          </p:cNvPr>
+          <p:cNvSpPr>
+            <a:spLocks noGrp="1"/>
+          </p:cNvSpPr>
+          <p:nvPr>
+            <p:ph idx="1"/>
+          </p:nvPr>
+        </p:nvSpPr>
+        <p:spPr/>
+        <p:txBody>
+          <a:bodyPr/>
+          <a:lstStyle/>
+          <a:p>
+            <a:r>
+              <a:rPr lang="zh-CN" altLang="en-US" dirty="0"/>
+              <a:t>闭锁：</a:t>
+            </a:r>
+            <a:r>
+              <a:rPr lang="en-US" altLang="zh-CN" dirty="0"/>
+              <a:t> </a:t>
+            </a:r>
+            <a:r>
+              <a:rPr lang="en-US" altLang="zh-CN" dirty="0" err="1"/>
+              <a:t>CountDownLatch</a:t>
+            </a:r>
+            <a:r>
+              <a:rPr lang="en-US" altLang="zh-CN" dirty="0"/>
+              <a:t>: countdown, await</a:t>
+            </a:r>
+            <a:r>
+              <a:rPr lang="zh-CN" altLang="en-US" dirty="0"/>
+              <a:t>（不是</a:t>
+            </a:r>
+            <a:r>
+              <a:rPr lang="en-US" altLang="zh-CN" dirty="0"/>
+              <a:t>wait</a:t>
+            </a:r>
+            <a:r>
+              <a:rPr lang="zh-CN" altLang="en-US" dirty="0"/>
+              <a:t>）</a:t>
+            </a:r>
+            <a:endParaRPr lang="en-US" altLang="zh-CN" dirty="0"/>
+          </a:p>
+          <a:p>
+            <a:pPr marL="0" indent="0">
+              <a:buNone/>
+            </a:pPr>
+            <a:r>
+              <a:rPr lang="zh-CN" altLang="en-US" dirty="0"/>
+              <a:t>示例：</a:t>
+            </a:r>
+            <a:r>
+              <a:rPr lang="en-US" altLang="zh-CN" dirty="0"/>
+              <a:t> </a:t>
+            </a:r>
+            <a:r>
+              <a:rPr lang="en-US" altLang="zh-CN" dirty="0" err="1"/>
+              <a:t>CountDownLatchDemo</a:t>
+            </a:r>
+            <a:endParaRPr lang="zh-CN" altLang="en-US" dirty="0"/>
+          </a:p>
+        </p:txBody>
+      </p:sp>
+    </p:spTree>
+    <p:extLst>
+      <p:ext uri="{BB962C8B-B14F-4D97-AF65-F5344CB8AC3E}">
+        <p14:creationId xmlns:p14="http://schemas.microsoft.com/office/powerpoint/2010/main" val="2117826024"/>
       </p:ext>
     </p:extLst>
   </p:cSld>

--- a/JAVA并发编程.pptx
+++ b/JAVA并发编程.pptx
@@ -6,7 +6,7 @@
     <p:sldMasterId id="2147483819" r:id="rId2"/>
   </p:sldMasterIdLst>
   <p:notesMasterIdLst>
-    <p:notesMasterId r:id="rId35"/>
+    <p:notesMasterId r:id="rId36"/>
   </p:notesMasterIdLst>
   <p:sldIdLst>
     <p:sldId id="256" r:id="rId3"/>
@@ -41,6 +41,7 @@
     <p:sldId id="291" r:id="rId32"/>
     <p:sldId id="292" r:id="rId33"/>
     <p:sldId id="293" r:id="rId34"/>
+    <p:sldId id="294" r:id="rId35"/>
   </p:sldIdLst>
   <p:sldSz cx="12192000" cy="6858000"/>
   <p:notesSz cx="6858000" cy="9144000"/>
@@ -8990,7 +8991,7 @@
             </a:r>
             <a:r>
               <a:rPr lang="zh-CN" altLang="en-US" dirty="0"/>
-              <a:t>等操作使用分段锁；迭代时使用快照，不会产生</a:t>
+              <a:t>等操作使用分段锁；不会产生</a:t>
             </a:r>
             <a:r>
               <a:rPr lang="en-US" altLang="zh-CN" dirty="0"/>
@@ -9008,7 +9009,7 @@
             </a:pPr>
             <a:r>
               <a:rPr lang="zh-CN" altLang="en-US" dirty="0"/>
-              <a:t>弱一致性：由于使用快照，</a:t>
+              <a:t>弱一致性：</a:t>
             </a:r>
             <a:r>
               <a:rPr lang="en-US" altLang="zh-CN" dirty="0"/>
@@ -9024,7 +9025,31 @@
             </a:r>
             <a:r>
               <a:rPr lang="zh-CN" altLang="en-US" dirty="0"/>
-              <a:t>等结果时不实时</a:t>
+              <a:t>等不实时。</a:t>
+            </a:r>
+            <a:r>
+              <a:rPr lang="en-US" altLang="zh-CN" dirty="0"/>
+              <a:t>size</a:t>
+            </a:r>
+            <a:r>
+              <a:rPr lang="zh-CN" altLang="en-US" dirty="0"/>
+              <a:t>原因：按线程分散于</a:t>
+            </a:r>
+            <a:r>
+              <a:rPr lang="en-US" altLang="zh-CN" dirty="0" err="1"/>
+              <a:t>coutn</a:t>
+            </a:r>
+            <a:r>
+              <a:rPr lang="zh-CN" altLang="en-US" dirty="0"/>
+              <a:t>数组中，求</a:t>
+            </a:r>
+            <a:r>
+              <a:rPr lang="en-US" altLang="zh-CN" dirty="0"/>
+              <a:t>size</a:t>
+            </a:r>
+            <a:r>
+              <a:rPr lang="zh-CN" altLang="en-US" dirty="0"/>
+              <a:t>时累计数组元素</a:t>
             </a:r>
             <a:endParaRPr lang="en-US" altLang="zh-CN" dirty="0"/>
           </a:p>
@@ -10321,7 +10346,9 @@
         </p:nvSpPr>
         <p:spPr/>
         <p:txBody>
-          <a:bodyPr/>
+          <a:bodyPr>
+            <a:normAutofit/>
+          </a:bodyPr>
           <a:lstStyle/>
           <a:p>
             <a:r>
@@ -10338,6 +10365,19 @@
             </a:r>
             <a:r>
               <a:rPr lang="en-US" altLang="zh-CN" dirty="0"/>
+              <a:t>,</a:t>
+            </a:r>
+          </a:p>
+          <a:p>
+            <a:pPr marL="0" indent="0">
+              <a:buNone/>
+            </a:pPr>
+            <a:r>
+              <a:rPr lang="en-US" altLang="zh-CN" dirty="0" err="1"/>
+              <a:t>api</a:t>
+            </a:r>
+            <a:r>
+              <a:rPr lang="en-US" altLang="zh-CN" dirty="0"/>
               <a:t>: countdown, await</a:t>
             </a:r>
             <a:r>
@@ -10370,7 +10410,61 @@
               <a:rPr lang="en-US" altLang="zh-CN" dirty="0" err="1"/>
               <a:t>CountDownLatchDemo</a:t>
             </a:r>
-            <a:endParaRPr lang="zh-CN" altLang="en-US" dirty="0"/>
+            <a:endParaRPr lang="en-US" altLang="zh-CN" dirty="0"/>
+          </a:p>
+          <a:p>
+            <a:pPr marL="0" indent="0">
+              <a:buNone/>
+            </a:pPr>
+            <a:endParaRPr lang="en-US" altLang="zh-CN" dirty="0"/>
+          </a:p>
+          <a:p>
+            <a:r>
+              <a:rPr lang="zh-CN" altLang="en-US" dirty="0"/>
+              <a:t>未来任务：</a:t>
+            </a:r>
+            <a:r>
+              <a:rPr lang="en-US" altLang="zh-CN" dirty="0" err="1"/>
+              <a:t>FutureTask</a:t>
+            </a:r>
+            <a:endParaRPr lang="en-US" altLang="zh-CN" dirty="0"/>
+          </a:p>
+          <a:p>
+            <a:pPr marL="0" indent="0">
+              <a:buNone/>
+            </a:pPr>
+            <a:r>
+              <a:rPr lang="en-US" altLang="zh-CN" dirty="0" err="1"/>
+              <a:t>api</a:t>
+            </a:r>
+            <a:r>
+              <a:rPr lang="en-US" altLang="zh-CN" dirty="0"/>
+              <a:t>: constructor(Callable), get</a:t>
+            </a:r>
+          </a:p>
+          <a:p>
+            <a:pPr marL="0" indent="0">
+              <a:buNone/>
+            </a:pPr>
+            <a:r>
+              <a:rPr lang="zh-CN" altLang="en-US" dirty="0"/>
+              <a:t>示例：</a:t>
+            </a:r>
+            <a:r>
+              <a:rPr lang="en-US" altLang="zh-CN" dirty="0"/>
+              <a:t> </a:t>
+            </a:r>
+            <a:r>
+              <a:rPr lang="en-US" altLang="zh-CN" dirty="0" err="1"/>
+              <a:t>FutureTaskDemo</a:t>
+            </a:r>
+            <a:endParaRPr lang="en-US" altLang="zh-CN" dirty="0"/>
+          </a:p>
+          <a:p>
+            <a:pPr marL="0" indent="0">
+              <a:buNone/>
+            </a:pPr>
+            <a:endParaRPr lang="en-US" altLang="zh-CN" dirty="0"/>
           </a:p>
         </p:txBody>
       </p:sp>
@@ -10378,6 +10472,164 @@
     <p:extLst>
       <p:ext uri="{BB962C8B-B14F-4D97-AF65-F5344CB8AC3E}">
         <p14:creationId xmlns:p14="http://schemas.microsoft.com/office/powerpoint/2010/main" val="2117826024"/>
+      </p:ext>
+    </p:extLst>
+  </p:cSld>
+  <p:clrMapOvr>
+    <a:masterClrMapping/>
+  </p:clrMapOvr>
+</p:sld>
+</file>
+
+<file path=ppt/slides/slide33.xml><?xml version="1.0" encoding="utf-8"?>
+<p:sld xmlns:a="http://schemas.openxmlformats.org/drawingml/2006/main" xmlns:r="http://schemas.openxmlformats.org/officeDocument/2006/relationships" xmlns:p="http://schemas.openxmlformats.org/presentationml/2006/main">
+  <p:cSld>
+    <p:spTree>
+      <p:nvGrpSpPr>
+        <p:cNvPr id="1" name=""/>
+        <p:cNvGrpSpPr/>
+        <p:nvPr/>
+      </p:nvGrpSpPr>
+      <p:grpSpPr>
+        <a:xfrm>
+          <a:off x="0" y="0"/>
+          <a:ext cx="0" cy="0"/>
+          <a:chOff x="0" y="0"/>
+          <a:chExt cx="0" cy="0"/>
+        </a:xfrm>
+      </p:grpSpPr>
+      <p:sp>
+        <p:nvSpPr>
+          <p:cNvPr id="3" name="内容占位符 2">
+            <a:extLst>
+              <a:ext uri="{FF2B5EF4-FFF2-40B4-BE49-F238E27FC236}">
+                <a16:creationId xmlns:a16="http://schemas.microsoft.com/office/drawing/2014/main" id="{8B25E363-34AF-47E1-A332-A6D79349D725}"/>
+              </a:ext>
+            </a:extLst>
+          </p:cNvPr>
+          <p:cNvSpPr>
+            <a:spLocks noGrp="1"/>
+          </p:cNvSpPr>
+          <p:nvPr>
+            <p:ph idx="1"/>
+          </p:nvPr>
+        </p:nvSpPr>
+        <p:spPr>
+          <a:xfrm>
+            <a:off x="845127" y="808522"/>
+            <a:ext cx="10515600" cy="5371615"/>
+          </a:xfrm>
+        </p:spPr>
+        <p:txBody>
+          <a:bodyPr/>
+          <a:lstStyle/>
+          <a:p>
+            <a:r>
+              <a:rPr lang="zh-CN" altLang="en-US" dirty="0"/>
+              <a:t>信号量：</a:t>
+            </a:r>
+            <a:r>
+              <a:rPr lang="en-US" altLang="zh-CN" dirty="0"/>
+              <a:t>Semaphore: </a:t>
+            </a:r>
+            <a:r>
+              <a:rPr lang="zh-CN" altLang="en-US" dirty="0"/>
+              <a:t>许可证</a:t>
+            </a:r>
+            <a:endParaRPr lang="en-US" altLang="zh-CN" dirty="0"/>
+          </a:p>
+          <a:p>
+            <a:pPr marL="0" indent="0">
+              <a:buNone/>
+            </a:pPr>
+            <a:r>
+              <a:rPr lang="en-US" altLang="zh-CN" dirty="0" err="1"/>
+              <a:t>api</a:t>
+            </a:r>
+            <a:r>
+              <a:rPr lang="en-US" altLang="zh-CN" dirty="0"/>
+              <a:t>: </a:t>
+            </a:r>
+            <a:r>
+              <a:rPr lang="en-US" altLang="zh-CN" dirty="0" err="1"/>
+              <a:t>aquire</a:t>
+            </a:r>
+            <a:r>
+              <a:rPr lang="en-US" altLang="zh-CN" dirty="0"/>
+              <a:t>, release</a:t>
+            </a:r>
+          </a:p>
+          <a:p>
+            <a:pPr marL="0" indent="0">
+              <a:buNone/>
+            </a:pPr>
+            <a:r>
+              <a:rPr lang="zh-CN" altLang="en-US" dirty="0"/>
+              <a:t>示例：</a:t>
+            </a:r>
+            <a:r>
+              <a:rPr lang="en-US" altLang="zh-CN" dirty="0"/>
+              <a:t> </a:t>
+            </a:r>
+            <a:r>
+              <a:rPr lang="en-US" altLang="zh-CN" dirty="0" err="1"/>
+              <a:t>SemaphoreDemo</a:t>
+            </a:r>
+            <a:endParaRPr lang="en-US" altLang="zh-CN" dirty="0"/>
+          </a:p>
+          <a:p>
+            <a:pPr marL="0" indent="0">
+              <a:buNone/>
+            </a:pPr>
+            <a:endParaRPr lang="en-US" altLang="zh-CN" dirty="0"/>
+          </a:p>
+          <a:p>
+            <a:r>
+              <a:rPr lang="zh-CN" altLang="en-US" dirty="0"/>
+              <a:t>循环栅栏：</a:t>
+            </a:r>
+            <a:r>
+              <a:rPr lang="en-US" altLang="zh-CN" dirty="0" err="1"/>
+              <a:t>CyclicBarrier</a:t>
+            </a:r>
+            <a:endParaRPr lang="en-US" altLang="zh-CN" dirty="0"/>
+          </a:p>
+          <a:p>
+            <a:pPr marL="0" indent="0">
+              <a:buNone/>
+            </a:pPr>
+            <a:r>
+              <a:rPr lang="en-US" altLang="zh-CN" dirty="0" err="1"/>
+              <a:t>api</a:t>
+            </a:r>
+            <a:r>
+              <a:rPr lang="en-US" altLang="zh-CN" dirty="0"/>
+              <a:t>: await</a:t>
+            </a:r>
+          </a:p>
+          <a:p>
+            <a:pPr marL="0" indent="0">
+              <a:buNone/>
+            </a:pPr>
+            <a:r>
+              <a:rPr lang="zh-CN" altLang="en-US" dirty="0"/>
+              <a:t>示例：</a:t>
+            </a:r>
+            <a:r>
+              <a:rPr lang="en-US" altLang="zh-CN" dirty="0" err="1"/>
+              <a:t>SemaphoreDemo</a:t>
+            </a:r>
+            <a:endParaRPr lang="en-US" altLang="zh-CN" dirty="0"/>
+          </a:p>
+          <a:p>
+            <a:endParaRPr lang="zh-CN" altLang="en-US" dirty="0"/>
+          </a:p>
+        </p:txBody>
+      </p:sp>
+    </p:spTree>
+    <p:extLst>
+      <p:ext uri="{BB962C8B-B14F-4D97-AF65-F5344CB8AC3E}">
+        <p14:creationId xmlns:p14="http://schemas.microsoft.com/office/powerpoint/2010/main" val="3165687488"/>
       </p:ext>
     </p:extLst>
   </p:cSld>

--- a/JAVA并发编程.pptx
+++ b/JAVA并发编程.pptx
@@ -8992,10 +8992,6 @@
             <a:r>
               <a:rPr lang="zh-CN" altLang="en-US" dirty="0"/>
               <a:t>等操作使用分段锁；不会产生</a:t>
-            </a:r>
-            <a:r>
-              <a:rPr lang="en-US" altLang="zh-CN" dirty="0"/>
-              <a:t>	</a:t>
             </a:r>
             <a:r>
               <a:rPr lang="en-US" altLang="zh-CN" dirty="0" err="1"/>

--- a/JAVA并发编程.pptx
+++ b/JAVA并发编程.pptx
@@ -6,7 +6,7 @@
     <p:sldMasterId id="2147483819" r:id="rId2"/>
   </p:sldMasterIdLst>
   <p:notesMasterIdLst>
-    <p:notesMasterId r:id="rId36"/>
+    <p:notesMasterId r:id="rId37"/>
   </p:notesMasterIdLst>
   <p:sldIdLst>
     <p:sldId id="256" r:id="rId3"/>
@@ -42,6 +42,7 @@
     <p:sldId id="292" r:id="rId33"/>
     <p:sldId id="293" r:id="rId34"/>
     <p:sldId id="294" r:id="rId35"/>
+    <p:sldId id="295" r:id="rId36"/>
   </p:sldIdLst>
   <p:sldSz cx="12192000" cy="6858000"/>
   <p:notesSz cx="6858000" cy="9144000"/>
@@ -10626,6 +10627,113 @@
     <p:extLst>
       <p:ext uri="{BB962C8B-B14F-4D97-AF65-F5344CB8AC3E}">
         <p14:creationId xmlns:p14="http://schemas.microsoft.com/office/powerpoint/2010/main" val="3165687488"/>
+      </p:ext>
+    </p:extLst>
+  </p:cSld>
+  <p:clrMapOvr>
+    <a:masterClrMapping/>
+  </p:clrMapOvr>
+</p:sld>
+</file>
+
+<file path=ppt/slides/slide34.xml><?xml version="1.0" encoding="utf-8"?>
+<p:sld xmlns:a="http://schemas.openxmlformats.org/drawingml/2006/main" xmlns:r="http://schemas.openxmlformats.org/officeDocument/2006/relationships" xmlns:p="http://schemas.openxmlformats.org/presentationml/2006/main">
+  <p:cSld>
+    <p:spTree>
+      <p:nvGrpSpPr>
+        <p:cNvPr id="1" name=""/>
+        <p:cNvGrpSpPr/>
+        <p:nvPr/>
+      </p:nvGrpSpPr>
+      <p:grpSpPr>
+        <a:xfrm>
+          <a:off x="0" y="0"/>
+          <a:ext cx="0" cy="0"/>
+          <a:chOff x="0" y="0"/>
+          <a:chExt cx="0" cy="0"/>
+        </a:xfrm>
+      </p:grpSpPr>
+      <p:sp>
+        <p:nvSpPr>
+          <p:cNvPr id="2" name="标题 1">
+            <a:extLst>
+              <a:ext uri="{FF2B5EF4-FFF2-40B4-BE49-F238E27FC236}">
+                <a16:creationId xmlns:a16="http://schemas.microsoft.com/office/drawing/2014/main" id="{1220919B-FFB9-464D-993C-7B828467F814}"/>
+              </a:ext>
+            </a:extLst>
+          </p:cNvPr>
+          <p:cNvSpPr>
+            <a:spLocks noGrp="1"/>
+          </p:cNvSpPr>
+          <p:nvPr>
+            <p:ph type="title"/>
+          </p:nvPr>
+        </p:nvSpPr>
+        <p:spPr/>
+        <p:txBody>
+          <a:bodyPr/>
+          <a:lstStyle/>
+          <a:p>
+            <a:r>
+              <a:rPr lang="zh-CN" altLang="en-US" dirty="0"/>
+              <a:t>记忆器设计</a:t>
+            </a:r>
+          </a:p>
+        </p:txBody>
+      </p:sp>
+      <p:sp>
+        <p:nvSpPr>
+          <p:cNvPr id="3" name="内容占位符 2">
+            <a:extLst>
+              <a:ext uri="{FF2B5EF4-FFF2-40B4-BE49-F238E27FC236}">
+                <a16:creationId xmlns:a16="http://schemas.microsoft.com/office/drawing/2014/main" id="{F3F81063-F0D1-4078-9FF5-4A1F42FBD266}"/>
+              </a:ext>
+            </a:extLst>
+          </p:cNvPr>
+          <p:cNvSpPr>
+            <a:spLocks noGrp="1"/>
+          </p:cNvSpPr>
+          <p:nvPr>
+            <p:ph idx="1"/>
+          </p:nvPr>
+        </p:nvSpPr>
+        <p:spPr/>
+        <p:txBody>
+          <a:bodyPr/>
+          <a:lstStyle/>
+          <a:p>
+            <a:r>
+              <a:rPr lang="zh-CN" altLang="en-US" dirty="0"/>
+              <a:t>可作结果缓存</a:t>
+            </a:r>
+            <a:endParaRPr lang="en-US" altLang="zh-CN" dirty="0"/>
+          </a:p>
+          <a:p>
+            <a:pPr marL="0" indent="0">
+              <a:buNone/>
+            </a:pPr>
+            <a:r>
+              <a:rPr lang="zh-CN" altLang="en-US"/>
+              <a:t>设计过程：</a:t>
+            </a:r>
+            <a:r>
+              <a:rPr lang="en-US" altLang="zh-CN" dirty="0" err="1"/>
+              <a:t>MemoizerVx</a:t>
+            </a:r>
+            <a:endParaRPr lang="en-US" altLang="zh-CN" dirty="0"/>
+          </a:p>
+          <a:p>
+            <a:pPr marL="0" indent="0">
+              <a:buNone/>
+            </a:pPr>
+            <a:endParaRPr lang="zh-CN" altLang="en-US" dirty="0"/>
+          </a:p>
+        </p:txBody>
+      </p:sp>
+    </p:spTree>
+    <p:extLst>
+      <p:ext uri="{BB962C8B-B14F-4D97-AF65-F5344CB8AC3E}">
+        <p14:creationId xmlns:p14="http://schemas.microsoft.com/office/powerpoint/2010/main" val="730394264"/>
       </p:ext>
     </p:extLst>
   </p:cSld>

--- a/JAVA并发编程.pptx
+++ b/JAVA并发编程.pptx
@@ -10360,10 +10360,7 @@
               <a:rPr lang="en-US" altLang="zh-CN" dirty="0" err="1"/>
               <a:t>CountDownLatch</a:t>
             </a:r>
-            <a:r>
-              <a:rPr lang="en-US" altLang="zh-CN" dirty="0"/>
-              <a:t>,</a:t>
-            </a:r>
+            <a:endParaRPr lang="en-US" altLang="zh-CN" dirty="0"/>
           </a:p>
           <a:p>
             <a:pPr marL="0" indent="0">
@@ -10377,19 +10374,6 @@
               <a:rPr lang="en-US" altLang="zh-CN" dirty="0"/>
               <a:t>: countdown, await</a:t>
             </a:r>
-            <a:r>
-              <a:rPr lang="zh-CN" altLang="en-US" dirty="0"/>
-              <a:t>（不是</a:t>
-            </a:r>
-            <a:r>
-              <a:rPr lang="en-US" altLang="zh-CN" dirty="0"/>
-              <a:t>wait</a:t>
-            </a:r>
-            <a:r>
-              <a:rPr lang="zh-CN" altLang="en-US" dirty="0"/>
-              <a:t>）</a:t>
-            </a:r>
-            <a:endParaRPr lang="en-US" altLang="zh-CN" dirty="0"/>
           </a:p>
           <a:p>
             <a:pPr marL="0" indent="0">
@@ -10436,7 +10420,7 @@
             </a:r>
             <a:r>
               <a:rPr lang="en-US" altLang="zh-CN" dirty="0"/>
-              <a:t>: constructor(Callable), get</a:t>
+              <a:t>: constructor(Callable), get, run</a:t>
             </a:r>
           </a:p>
           <a:p>
@@ -10703,8 +10687,12 @@
           <a:lstStyle/>
           <a:p>
             <a:r>
-              <a:rPr lang="zh-CN" altLang="en-US" dirty="0"/>
-              <a:t>可作结果缓存</a:t>
+              <a:rPr lang="zh-CN" altLang="en-US"/>
+              <a:t>通过代理模式实现的一</a:t>
+            </a:r>
+            <a:r>
+              <a:rPr lang="zh-CN" altLang="en-US" dirty="0"/>
+              <a:t>种结果缓存</a:t>
             </a:r>
             <a:endParaRPr lang="en-US" altLang="zh-CN" dirty="0"/>
           </a:p>
@@ -10713,7 +10701,7 @@
               <a:buNone/>
             </a:pPr>
             <a:r>
-              <a:rPr lang="zh-CN" altLang="en-US"/>
+              <a:rPr lang="zh-CN" altLang="en-US" dirty="0"/>
               <a:t>设计过程：</a:t>
             </a:r>
             <a:r>

--- a/JAVA并发编程.pptx
+++ b/JAVA并发编程.pptx
@@ -6,7 +6,7 @@
     <p:sldMasterId id="2147483819" r:id="rId2"/>
   </p:sldMasterIdLst>
   <p:notesMasterIdLst>
-    <p:notesMasterId r:id="rId37"/>
+    <p:notesMasterId r:id="rId38"/>
   </p:notesMasterIdLst>
   <p:sldIdLst>
     <p:sldId id="256" r:id="rId3"/>
@@ -14,35 +14,36 @@
     <p:sldId id="257" r:id="rId5"/>
     <p:sldId id="262" r:id="rId6"/>
     <p:sldId id="258" r:id="rId7"/>
-    <p:sldId id="269" r:id="rId8"/>
-    <p:sldId id="263" r:id="rId9"/>
-    <p:sldId id="266" r:id="rId10"/>
-    <p:sldId id="264" r:id="rId11"/>
-    <p:sldId id="267" r:id="rId12"/>
-    <p:sldId id="268" r:id="rId13"/>
-    <p:sldId id="265" r:id="rId14"/>
-    <p:sldId id="270" r:id="rId15"/>
-    <p:sldId id="271" r:id="rId16"/>
-    <p:sldId id="272" r:id="rId17"/>
-    <p:sldId id="283" r:id="rId18"/>
-    <p:sldId id="275" r:id="rId19"/>
-    <p:sldId id="274" r:id="rId20"/>
-    <p:sldId id="277" r:id="rId21"/>
-    <p:sldId id="282" r:id="rId22"/>
-    <p:sldId id="279" r:id="rId23"/>
-    <p:sldId id="281" r:id="rId24"/>
-    <p:sldId id="280" r:id="rId25"/>
-    <p:sldId id="284" r:id="rId26"/>
-    <p:sldId id="285" r:id="rId27"/>
-    <p:sldId id="287" r:id="rId28"/>
-    <p:sldId id="288" r:id="rId29"/>
-    <p:sldId id="289" r:id="rId30"/>
-    <p:sldId id="290" r:id="rId31"/>
-    <p:sldId id="291" r:id="rId32"/>
-    <p:sldId id="292" r:id="rId33"/>
-    <p:sldId id="293" r:id="rId34"/>
-    <p:sldId id="294" r:id="rId35"/>
-    <p:sldId id="295" r:id="rId36"/>
+    <p:sldId id="297" r:id="rId8"/>
+    <p:sldId id="271" r:id="rId9"/>
+    <p:sldId id="272" r:id="rId10"/>
+    <p:sldId id="269" r:id="rId11"/>
+    <p:sldId id="283" r:id="rId12"/>
+    <p:sldId id="263" r:id="rId13"/>
+    <p:sldId id="266" r:id="rId14"/>
+    <p:sldId id="264" r:id="rId15"/>
+    <p:sldId id="267" r:id="rId16"/>
+    <p:sldId id="296" r:id="rId17"/>
+    <p:sldId id="268" r:id="rId18"/>
+    <p:sldId id="270" r:id="rId19"/>
+    <p:sldId id="275" r:id="rId20"/>
+    <p:sldId id="274" r:id="rId21"/>
+    <p:sldId id="277" r:id="rId22"/>
+    <p:sldId id="282" r:id="rId23"/>
+    <p:sldId id="279" r:id="rId24"/>
+    <p:sldId id="281" r:id="rId25"/>
+    <p:sldId id="280" r:id="rId26"/>
+    <p:sldId id="284" r:id="rId27"/>
+    <p:sldId id="285" r:id="rId28"/>
+    <p:sldId id="287" r:id="rId29"/>
+    <p:sldId id="288" r:id="rId30"/>
+    <p:sldId id="289" r:id="rId31"/>
+    <p:sldId id="290" r:id="rId32"/>
+    <p:sldId id="291" r:id="rId33"/>
+    <p:sldId id="292" r:id="rId34"/>
+    <p:sldId id="293" r:id="rId35"/>
+    <p:sldId id="294" r:id="rId36"/>
+    <p:sldId id="295" r:id="rId37"/>
   </p:sldIdLst>
   <p:sldSz cx="12192000" cy="6858000"/>
   <p:notesSz cx="6858000" cy="9144000"/>
@@ -670,7 +671,7 @@
           <a:p>
             <a:fld id="{6BF73E33-EE5A-4E4F-B480-BA03FA448F43}" type="slidenum">
               <a:rPr lang="zh-CN" altLang="en-US" smtClean="0"/>
-              <a:t>9</a:t>
+              <a:t>13</a:t>
             </a:fld>
             <a:endParaRPr lang="zh-CN" altLang="en-US"/>
           </a:p>
@@ -6507,7 +6508,7 @@
           <p:cNvPr id="2" name="标题 1">
             <a:extLst>
               <a:ext uri="{FF2B5EF4-FFF2-40B4-BE49-F238E27FC236}">
-                <a16:creationId xmlns:a16="http://schemas.microsoft.com/office/drawing/2014/main" id="{645EBF28-949C-48F7-97AF-0287E355EF83}"/>
+                <a16:creationId xmlns:a16="http://schemas.microsoft.com/office/drawing/2014/main" id="{ED8E4AA0-9D13-460A-B363-93F7240E58BA}"/>
               </a:ext>
             </a:extLst>
           </p:cNvPr>
@@ -6525,171 +6526,74 @@
           <a:p>
             <a:r>
               <a:rPr lang="zh-CN" altLang="en-US" dirty="0"/>
-              <a:t>线程什么时候</a:t>
-            </a:r>
-            <a:r>
-              <a:rPr lang="en-US" altLang="zh-CN" dirty="0"/>
-              <a:t>push</a:t>
-            </a:r>
-            <a:r>
-              <a:rPr lang="zh-CN" altLang="en-US" dirty="0"/>
-              <a:t>和</a:t>
-            </a:r>
-            <a:r>
-              <a:rPr lang="en-US" altLang="zh-CN" dirty="0"/>
-              <a:t>pull</a:t>
-            </a:r>
-            <a:endParaRPr lang="zh-CN" altLang="en-US" dirty="0"/>
-          </a:p>
-        </p:txBody>
-      </p:sp>
-      <p:sp>
-        <p:nvSpPr>
-          <p:cNvPr id="3" name="内容占位符 2">
+              <a:t>良好的编程习惯</a:t>
+            </a:r>
+          </a:p>
+        </p:txBody>
+      </p:sp>
+      <p:sp>
+        <p:nvSpPr>
+          <p:cNvPr id="5" name="矩形 4">
             <a:extLst>
               <a:ext uri="{FF2B5EF4-FFF2-40B4-BE49-F238E27FC236}">
-                <a16:creationId xmlns:a16="http://schemas.microsoft.com/office/drawing/2014/main" id="{72DB7F54-7A94-425D-A491-FC363F063AFE}"/>
+                <a16:creationId xmlns:a16="http://schemas.microsoft.com/office/drawing/2014/main" id="{F2C537D3-A129-43E1-9CA7-E857C0E956E2}"/>
               </a:ext>
             </a:extLst>
           </p:cNvPr>
-          <p:cNvSpPr>
-            <a:spLocks noGrp="1"/>
-          </p:cNvSpPr>
-          <p:nvPr>
-            <p:ph idx="1"/>
-          </p:nvPr>
-        </p:nvSpPr>
-        <p:spPr/>
-        <p:txBody>
-          <a:bodyPr>
-            <a:normAutofit/>
+          <p:cNvSpPr/>
+          <p:nvPr/>
+        </p:nvSpPr>
+        <p:spPr>
+          <a:xfrm>
+            <a:off x="948361" y="2255065"/>
+            <a:ext cx="10120692" cy="769441"/>
+          </a:xfrm>
+          <a:prstGeom prst="rect">
+            <a:avLst/>
+          </a:prstGeom>
+          <a:noFill/>
+        </p:spPr>
+        <p:txBody>
+          <a:bodyPr wrap="square" lIns="91440" tIns="45720" rIns="91440" bIns="45720">
+            <a:spAutoFit/>
+            <a:scene3d>
+              <a:camera prst="orthographicFront"/>
+              <a:lightRig rig="soft" dir="t">
+                <a:rot lat="0" lon="0" rev="15600000"/>
+              </a:lightRig>
+            </a:scene3d>
+            <a:sp3d extrusionH="57150" prstMaterial="softEdge">
+              <a:bevelT w="25400" h="38100"/>
+            </a:sp3d>
           </a:bodyPr>
           <a:lstStyle/>
           <a:p>
-            <a:r>
-              <a:rPr lang="zh-CN" altLang="en-US" dirty="0"/>
-              <a:t>时机：</a:t>
-            </a:r>
-            <a:endParaRPr lang="en-US" altLang="zh-CN" dirty="0"/>
-          </a:p>
-          <a:p>
-            <a:pPr marL="0" indent="0">
-              <a:buNone/>
-            </a:pPr>
-            <a:r>
-              <a:rPr lang="zh-CN" altLang="en-US" dirty="0"/>
-              <a:t>加锁时</a:t>
-            </a:r>
-            <a:r>
-              <a:rPr lang="en-US" altLang="zh-CN" dirty="0"/>
-              <a:t>pull, volatile</a:t>
-            </a:r>
-            <a:r>
-              <a:rPr lang="zh-CN" altLang="en-US" dirty="0"/>
-              <a:t>变量读时</a:t>
-            </a:r>
-            <a:r>
-              <a:rPr lang="en-US" altLang="zh-CN" dirty="0"/>
-              <a:t>pull</a:t>
-            </a:r>
-          </a:p>
-          <a:p>
-            <a:pPr marL="0" indent="0">
-              <a:buNone/>
-            </a:pPr>
-            <a:r>
-              <a:rPr lang="zh-CN" altLang="en-US" dirty="0"/>
-              <a:t>解锁时</a:t>
-            </a:r>
-            <a:r>
-              <a:rPr lang="en-US" altLang="zh-CN" dirty="0"/>
-              <a:t>push, volatile</a:t>
-            </a:r>
-            <a:r>
-              <a:rPr lang="zh-CN" altLang="en-US" dirty="0"/>
-              <a:t>变量写时</a:t>
-            </a:r>
-            <a:r>
-              <a:rPr lang="en-US" altLang="zh-CN" dirty="0"/>
-              <a:t>push</a:t>
-            </a:r>
-          </a:p>
-          <a:p>
-            <a:pPr marL="0" indent="0">
-              <a:buNone/>
-            </a:pPr>
-            <a:endParaRPr lang="en-US" altLang="zh-CN" dirty="0"/>
-          </a:p>
-          <a:p>
-            <a:r>
-              <a:rPr lang="zh-CN" altLang="en-US" dirty="0"/>
-              <a:t>推论：</a:t>
-            </a:r>
-            <a:endParaRPr lang="en-US" altLang="zh-CN" dirty="0"/>
-          </a:p>
-          <a:p>
-            <a:pPr marL="0" indent="0">
-              <a:buNone/>
-            </a:pPr>
-            <a:r>
-              <a:rPr lang="en-US" altLang="zh-CN" dirty="0"/>
-              <a:t>synchronized</a:t>
-            </a:r>
-            <a:r>
-              <a:rPr lang="zh-CN" altLang="en-US" dirty="0"/>
-              <a:t>、</a:t>
-            </a:r>
-            <a:r>
-              <a:rPr lang="en-US" altLang="zh-CN" dirty="0"/>
-              <a:t>volatile</a:t>
-            </a:r>
-            <a:r>
-              <a:rPr lang="zh-CN" altLang="en-US" dirty="0"/>
-              <a:t>能保证可见性</a:t>
-            </a:r>
-            <a:endParaRPr lang="en-US" altLang="zh-CN" dirty="0"/>
-          </a:p>
-          <a:p>
-            <a:pPr marL="0" indent="0">
-              <a:buNone/>
-            </a:pPr>
-            <a:endParaRPr lang="en-US" altLang="zh-CN" dirty="0"/>
-          </a:p>
-          <a:p>
-            <a:r>
-              <a:rPr lang="zh-CN" altLang="en-US" dirty="0"/>
-              <a:t>演示： </a:t>
-            </a:r>
-            <a:r>
-              <a:rPr lang="en-US" altLang="zh-CN" dirty="0" err="1"/>
-              <a:t>VisibilityBySyncDemo</a:t>
-            </a:r>
-            <a:r>
-              <a:rPr lang="zh-CN" altLang="en-US" dirty="0"/>
-              <a:t>，</a:t>
-            </a:r>
-            <a:r>
-              <a:rPr lang="en-US" altLang="zh-CN" dirty="0"/>
-              <a:t> </a:t>
-            </a:r>
-            <a:r>
-              <a:rPr lang="en-US" altLang="zh-CN" dirty="0" err="1"/>
-              <a:t>VisibilityByVolatileDemo</a:t>
-            </a:r>
-            <a:endParaRPr lang="en-US" altLang="zh-CN" dirty="0"/>
-          </a:p>
-          <a:p>
-            <a:pPr marL="0" indent="0">
-              <a:buNone/>
-            </a:pPr>
-            <a:endParaRPr lang="zh-CN" altLang="en-US" dirty="0"/>
+            <a:pPr algn="ctr"/>
+            <a:r>
+              <a:rPr lang="zh-CN" altLang="en-US" sz="4400" b="1" dirty="0">
+                <a:ln/>
+                <a:solidFill>
+                  <a:schemeClr val="accent4"/>
+                </a:solidFill>
+              </a:rPr>
+              <a:t>除非需要可变，否则应将其声明为</a:t>
+            </a:r>
+            <a:r>
+              <a:rPr lang="en-US" altLang="zh-CN" sz="4400" b="1" dirty="0">
+                <a:ln/>
+                <a:solidFill>
+                  <a:schemeClr val="accent4"/>
+                </a:solidFill>
+              </a:rPr>
+              <a:t>final</a:t>
+            </a:r>
           </a:p>
         </p:txBody>
       </p:sp>
     </p:spTree>
     <p:extLst>
       <p:ext uri="{BB962C8B-B14F-4D97-AF65-F5344CB8AC3E}">
-        <p14:creationId xmlns:p14="http://schemas.microsoft.com/office/powerpoint/2010/main" val="2296196705"/>
+        <p14:creationId xmlns:p14="http://schemas.microsoft.com/office/powerpoint/2010/main" val="1304624212"/>
       </p:ext>
     </p:extLst>
   </p:cSld>
@@ -6721,7 +6625,7 @@
           <p:cNvPr id="2" name="标题 1">
             <a:extLst>
               <a:ext uri="{FF2B5EF4-FFF2-40B4-BE49-F238E27FC236}">
-                <a16:creationId xmlns:a16="http://schemas.microsoft.com/office/drawing/2014/main" id="{C330FEF5-2FC0-4187-A790-D63A9381E8F3}"/>
+                <a16:creationId xmlns:a16="http://schemas.microsoft.com/office/drawing/2014/main" id="{FA4A5899-2A07-4AD2-9D07-F1A9AC483535}"/>
               </a:ext>
             </a:extLst>
           </p:cNvPr>
@@ -6738,91 +6642,8 @@
           <a:lstStyle/>
           <a:p>
             <a:r>
-              <a:rPr lang="en-US" altLang="zh-CN" dirty="0"/>
-              <a:t>JMM</a:t>
-            </a:r>
-            <a:r>
-              <a:rPr lang="zh-CN" altLang="en-US" dirty="0"/>
-              <a:t>与</a:t>
-            </a:r>
-            <a:r>
-              <a:rPr lang="en-US" altLang="zh-CN" dirty="0"/>
-              <a:t>JVM</a:t>
-            </a:r>
-            <a:r>
-              <a:rPr lang="zh-CN" altLang="en-US" dirty="0"/>
-              <a:t>内存区域的联系</a:t>
-            </a:r>
-          </a:p>
-        </p:txBody>
-      </p:sp>
-      <p:pic>
-        <p:nvPicPr>
-          <p:cNvPr id="4" name="内容占位符 3">
-            <a:extLst>
-              <a:ext uri="{FF2B5EF4-FFF2-40B4-BE49-F238E27FC236}">
-                <a16:creationId xmlns:a16="http://schemas.microsoft.com/office/drawing/2014/main" id="{31BFAA65-DAC5-4F3A-A8A9-A931DBCD456E}"/>
-              </a:ext>
-            </a:extLst>
-          </p:cNvPr>
-          <p:cNvPicPr>
-            <a:picLocks noGrp="1" noChangeAspect="1"/>
-          </p:cNvPicPr>
-          <p:nvPr>
-            <p:ph idx="1"/>
-          </p:nvPr>
-        </p:nvPicPr>
-        <p:blipFill>
-          <a:blip r:embed="rId2"/>
-          <a:stretch>
-            <a:fillRect/>
-          </a:stretch>
-        </p:blipFill>
-        <p:spPr>
-          <a:xfrm>
-            <a:off x="3787843" y="1997765"/>
-            <a:ext cx="5610225" cy="3362325"/>
-          </a:xfrm>
-          <a:prstGeom prst="rect">
-            <a:avLst/>
-          </a:prstGeom>
-        </p:spPr>
-      </p:pic>
-      <p:sp>
-        <p:nvSpPr>
-          <p:cNvPr id="5" name="文本框 4">
-            <a:extLst>
-              <a:ext uri="{FF2B5EF4-FFF2-40B4-BE49-F238E27FC236}">
-                <a16:creationId xmlns:a16="http://schemas.microsoft.com/office/drawing/2014/main" id="{14627A9B-FD57-4E32-B8DB-220F40FFB890}"/>
-              </a:ext>
-            </a:extLst>
-          </p:cNvPr>
-          <p:cNvSpPr txBox="1"/>
-          <p:nvPr/>
-        </p:nvSpPr>
-        <p:spPr>
-          <a:xfrm>
-            <a:off x="1043609" y="1997765"/>
-            <a:ext cx="1620078" cy="369332"/>
-          </a:xfrm>
-          <a:prstGeom prst="rect">
-            <a:avLst/>
-          </a:prstGeom>
-          <a:noFill/>
-        </p:spPr>
-        <p:txBody>
-          <a:bodyPr wrap="square" rtlCol="0">
-            <a:spAutoFit/>
-          </a:bodyPr>
-          <a:lstStyle/>
-          <a:p>
-            <a:r>
-              <a:rPr lang="en-US" altLang="zh-CN" dirty="0"/>
-              <a:t>JVM</a:t>
-            </a:r>
-            <a:r>
-              <a:rPr lang="zh-CN" altLang="en-US" dirty="0"/>
-              <a:t>内存区域</a:t>
+              <a:rPr lang="zh-CN" altLang="en-US" dirty="0"/>
+              <a:t>二、对象的共享</a:t>
             </a:r>
           </a:p>
         </p:txBody>
@@ -6830,7 +6651,7 @@
     </p:spTree>
     <p:extLst>
       <p:ext uri="{BB962C8B-B14F-4D97-AF65-F5344CB8AC3E}">
-        <p14:creationId xmlns:p14="http://schemas.microsoft.com/office/powerpoint/2010/main" val="1548609389"/>
+        <p14:creationId xmlns:p14="http://schemas.microsoft.com/office/powerpoint/2010/main" val="3910433703"/>
       </p:ext>
     </p:extLst>
   </p:cSld>
@@ -6857,87 +6678,112 @@
           <a:chExt cx="0" cy="0"/>
         </a:xfrm>
       </p:grpSpPr>
-      <p:pic>
-        <p:nvPicPr>
-          <p:cNvPr id="4" name="内容占位符 3">
+      <p:sp>
+        <p:nvSpPr>
+          <p:cNvPr id="2" name="标题 1">
             <a:extLst>
               <a:ext uri="{FF2B5EF4-FFF2-40B4-BE49-F238E27FC236}">
-                <a16:creationId xmlns:a16="http://schemas.microsoft.com/office/drawing/2014/main" id="{BCB65E8A-34AA-4CB4-AB9D-945A1639B79F}"/>
+                <a16:creationId xmlns:a16="http://schemas.microsoft.com/office/drawing/2014/main" id="{6D30BCF9-1661-422C-836C-182749F5F05A}"/>
               </a:ext>
             </a:extLst>
           </p:cNvPr>
-          <p:cNvPicPr>
-            <a:picLocks noGrp="1" noChangeAspect="1"/>
-          </p:cNvPicPr>
-          <p:nvPr>
-            <p:ph idx="1"/>
-          </p:nvPr>
-        </p:nvPicPr>
-        <p:blipFill>
-          <a:blip r:embed="rId2"/>
-          <a:stretch>
-            <a:fillRect/>
-          </a:stretch>
-        </p:blipFill>
-        <p:spPr>
-          <a:xfrm>
-            <a:off x="4849431" y="885618"/>
-            <a:ext cx="4580355" cy="4351338"/>
-          </a:xfrm>
-          <a:prstGeom prst="rect">
-            <a:avLst/>
-          </a:prstGeom>
-        </p:spPr>
-      </p:pic>
-      <p:sp>
-        <p:nvSpPr>
-          <p:cNvPr id="7" name="文本框 6">
+          <p:cNvSpPr>
+            <a:spLocks noGrp="1"/>
+          </p:cNvSpPr>
+          <p:nvPr>
+            <p:ph type="title"/>
+          </p:nvPr>
+        </p:nvSpPr>
+        <p:spPr/>
+        <p:txBody>
+          <a:bodyPr/>
+          <a:lstStyle/>
+          <a:p>
+            <a:r>
+              <a:rPr lang="zh-CN" altLang="en-US" dirty="0"/>
+              <a:t>可见性</a:t>
+            </a:r>
+          </a:p>
+        </p:txBody>
+      </p:sp>
+      <p:sp>
+        <p:nvSpPr>
+          <p:cNvPr id="3" name="内容占位符 2">
             <a:extLst>
               <a:ext uri="{FF2B5EF4-FFF2-40B4-BE49-F238E27FC236}">
-                <a16:creationId xmlns:a16="http://schemas.microsoft.com/office/drawing/2014/main" id="{E2BB7BD7-AB65-4F1F-8665-5AA591BBEA51}"/>
+                <a16:creationId xmlns:a16="http://schemas.microsoft.com/office/drawing/2014/main" id="{8570B324-D1E1-4A41-9276-6EFC3F8E2FFF}"/>
               </a:ext>
             </a:extLst>
           </p:cNvPr>
-          <p:cNvSpPr txBox="1"/>
-          <p:nvPr/>
-        </p:nvSpPr>
-        <p:spPr>
-          <a:xfrm>
-            <a:off x="1420431" y="1216177"/>
-            <a:ext cx="2087217" cy="1477328"/>
-          </a:xfrm>
-          <a:prstGeom prst="rect">
-            <a:avLst/>
-          </a:prstGeom>
-          <a:noFill/>
-        </p:spPr>
-        <p:txBody>
-          <a:bodyPr wrap="square" rtlCol="0">
-            <a:spAutoFit/>
-          </a:bodyPr>
-          <a:lstStyle/>
-          <a:p>
-            <a:r>
-              <a:rPr lang="zh-CN" altLang="en-US" dirty="0"/>
-              <a:t>堆、方法区等构成主内存</a:t>
+          <p:cNvSpPr>
+            <a:spLocks noGrp="1"/>
+          </p:cNvSpPr>
+          <p:nvPr>
+            <p:ph idx="1"/>
+          </p:nvPr>
+        </p:nvSpPr>
+        <p:spPr/>
+        <p:txBody>
+          <a:bodyPr/>
+          <a:lstStyle/>
+          <a:p>
+            <a:r>
+              <a:rPr lang="zh-CN" altLang="en-US" dirty="0"/>
+              <a:t>可见性指一条线程能够看到另一条线程的变量的新值</a:t>
             </a:r>
             <a:endParaRPr lang="en-US" altLang="zh-CN" dirty="0"/>
           </a:p>
           <a:p>
+            <a:pPr marL="0" indent="0">
+              <a:buNone/>
+            </a:pPr>
             <a:endParaRPr lang="en-US" altLang="zh-CN" dirty="0"/>
           </a:p>
           <a:p>
             <a:r>
               <a:rPr lang="zh-CN" altLang="en-US" dirty="0"/>
-              <a:t>寄存器、栈等构成工作内存</a:t>
-            </a:r>
+              <a:t>演示：</a:t>
+            </a:r>
+            <a:r>
+              <a:rPr lang="en-US" altLang="zh-CN" dirty="0"/>
+              <a:t> </a:t>
+            </a:r>
+            <a:r>
+              <a:rPr lang="en-US" altLang="zh-CN" dirty="0" err="1"/>
+              <a:t>NoVisibilityDemo</a:t>
+            </a:r>
+            <a:endParaRPr lang="en-US" altLang="zh-CN" dirty="0"/>
+          </a:p>
+          <a:p>
+            <a:endParaRPr lang="en-US" altLang="zh-CN" dirty="0"/>
+          </a:p>
+          <a:p>
+            <a:r>
+              <a:rPr lang="zh-CN" altLang="en-US" dirty="0"/>
+              <a:t>为什么有可见性这个问题？</a:t>
+            </a:r>
+            <a:endParaRPr lang="en-US" altLang="zh-CN" dirty="0"/>
+          </a:p>
+          <a:p>
+            <a:pPr marL="0" indent="0">
+              <a:buNone/>
+            </a:pPr>
+            <a:r>
+              <a:rPr lang="en-US" altLang="zh-CN" dirty="0"/>
+              <a:t>-&gt;Java</a:t>
+            </a:r>
+            <a:r>
+              <a:rPr lang="zh-CN" altLang="en-US" dirty="0"/>
+              <a:t>内存模型决定的</a:t>
+            </a:r>
+            <a:endParaRPr lang="en-US" altLang="zh-CN" dirty="0"/>
           </a:p>
         </p:txBody>
       </p:sp>
     </p:spTree>
     <p:extLst>
       <p:ext uri="{BB962C8B-B14F-4D97-AF65-F5344CB8AC3E}">
-        <p14:creationId xmlns:p14="http://schemas.microsoft.com/office/powerpoint/2010/main" val="3407996225"/>
+        <p14:creationId xmlns:p14="http://schemas.microsoft.com/office/powerpoint/2010/main" val="1690706940"/>
       </p:ext>
     </p:extLst>
   </p:cSld>
@@ -6969,7 +6815,7 @@
           <p:cNvPr id="2" name="标题 1">
             <a:extLst>
               <a:ext uri="{FF2B5EF4-FFF2-40B4-BE49-F238E27FC236}">
-                <a16:creationId xmlns:a16="http://schemas.microsoft.com/office/drawing/2014/main" id="{1C183E19-B016-4D1A-984F-42D966F9172A}"/>
+                <a16:creationId xmlns:a16="http://schemas.microsoft.com/office/drawing/2014/main" id="{1B055502-C736-4334-BEA0-B4A79C849B0C}"/>
               </a:ext>
             </a:extLst>
           </p:cNvPr>
@@ -6986,116 +6832,234 @@
           <a:lstStyle/>
           <a:p>
             <a:r>
-              <a:rPr lang="zh-CN" altLang="en-US" dirty="0"/>
-              <a:t>小结</a:t>
-            </a:r>
-          </a:p>
-        </p:txBody>
-      </p:sp>
-      <p:sp>
-        <p:nvSpPr>
-          <p:cNvPr id="3" name="内容占位符 2">
+              <a:rPr lang="en-US" altLang="zh-CN" dirty="0"/>
+              <a:t>Java</a:t>
+            </a:r>
+            <a:r>
+              <a:rPr lang="zh-CN" altLang="en-US" dirty="0"/>
+              <a:t>内存模型</a:t>
+            </a:r>
+          </a:p>
+        </p:txBody>
+      </p:sp>
+      <p:pic>
+        <p:nvPicPr>
+          <p:cNvPr id="13" name="内容占位符 12">
             <a:extLst>
               <a:ext uri="{FF2B5EF4-FFF2-40B4-BE49-F238E27FC236}">
-                <a16:creationId xmlns:a16="http://schemas.microsoft.com/office/drawing/2014/main" id="{1F31CB4A-073E-4647-9B1D-05E5F6B2956B}"/>
+                <a16:creationId xmlns:a16="http://schemas.microsoft.com/office/drawing/2014/main" id="{CD4B6CA4-2422-473B-A129-15E44D965C89}"/>
               </a:ext>
             </a:extLst>
           </p:cNvPr>
-          <p:cNvSpPr>
-            <a:spLocks noGrp="1"/>
-          </p:cNvSpPr>
+          <p:cNvPicPr>
+            <a:picLocks noGrp="1" noChangeAspect="1"/>
+          </p:cNvPicPr>
           <p:nvPr>
             <p:ph idx="1"/>
           </p:nvPr>
-        </p:nvSpPr>
-        <p:spPr/>
-        <p:txBody>
-          <a:bodyPr>
-            <a:normAutofit/>
+        </p:nvPicPr>
+        <p:blipFill>
+          <a:blip r:embed="rId3"/>
+          <a:stretch>
+            <a:fillRect/>
+          </a:stretch>
+        </p:blipFill>
+        <p:spPr>
+          <a:xfrm>
+            <a:off x="5255727" y="1528762"/>
+            <a:ext cx="5695950" cy="3800475"/>
+          </a:xfrm>
+          <a:prstGeom prst="rect">
+            <a:avLst/>
+          </a:prstGeom>
+        </p:spPr>
+      </p:pic>
+      <p:sp>
+        <p:nvSpPr>
+          <p:cNvPr id="8" name="文本框 7">
+            <a:extLst>
+              <a:ext uri="{FF2B5EF4-FFF2-40B4-BE49-F238E27FC236}">
+                <a16:creationId xmlns:a16="http://schemas.microsoft.com/office/drawing/2014/main" id="{F2B8B8BA-42A7-43A6-85B4-44546AE50811}"/>
+              </a:ext>
+            </a:extLst>
+          </p:cNvPr>
+          <p:cNvSpPr txBox="1"/>
+          <p:nvPr/>
+        </p:nvSpPr>
+        <p:spPr>
+          <a:xfrm>
+            <a:off x="964096" y="1580321"/>
+            <a:ext cx="3889509" cy="4524315"/>
+          </a:xfrm>
+          <a:prstGeom prst="rect">
+            <a:avLst/>
+          </a:prstGeom>
+          <a:noFill/>
+        </p:spPr>
+        <p:txBody>
+          <a:bodyPr wrap="square" rtlCol="0">
+            <a:spAutoFit/>
           </a:bodyPr>
           <a:lstStyle/>
           <a:p>
-            <a:pPr marL="0" indent="0">
-              <a:buNone/>
-            </a:pPr>
             <a:r>
               <a:rPr lang="en-US" altLang="zh-CN" dirty="0"/>
-              <a:t>synchronized</a:t>
-            </a:r>
-            <a:r>
-              <a:rPr lang="zh-CN" altLang="en-US" dirty="0"/>
-              <a:t>与</a:t>
+              <a:t>Java</a:t>
+            </a:r>
+            <a:r>
+              <a:rPr lang="zh-CN" altLang="en-US" dirty="0"/>
+              <a:t>内存抽象为两种：</a:t>
+            </a:r>
+            <a:endParaRPr lang="en-US" altLang="zh-CN" dirty="0"/>
+          </a:p>
+          <a:p>
+            <a:r>
+              <a:rPr lang="zh-CN" altLang="en-US" dirty="0"/>
+              <a:t>一种为工作内存，线程私有，每个线程只能跟自己的工作内存交互</a:t>
             </a:r>
             <a:r>
               <a:rPr lang="en-US" altLang="zh-CN" dirty="0"/>
-              <a:t>volatile</a:t>
-            </a:r>
-            <a:r>
-              <a:rPr lang="zh-CN" altLang="en-US" dirty="0"/>
-              <a:t>的区别：</a:t>
+              <a:t>;</a:t>
+            </a:r>
+            <a:r>
+              <a:rPr lang="zh-CN" altLang="en-US" dirty="0"/>
+              <a:t>相当于本地缓存。</a:t>
             </a:r>
             <a:endParaRPr lang="en-US" altLang="zh-CN" dirty="0"/>
           </a:p>
           <a:p>
+            <a:endParaRPr lang="en-US" altLang="zh-CN" dirty="0"/>
+          </a:p>
+          <a:p>
+            <a:r>
+              <a:rPr lang="zh-CN" altLang="en-US" dirty="0"/>
+              <a:t>一种为主内存，存放共享变量。工作内存只存放共享变量的副本。线程之间通过主内存共享变量。</a:t>
+            </a:r>
+            <a:endParaRPr lang="en-US" altLang="zh-CN" dirty="0"/>
+          </a:p>
+          <a:p>
+            <a:endParaRPr lang="en-US" altLang="zh-CN" dirty="0"/>
+          </a:p>
+          <a:p>
+            <a:r>
+              <a:rPr lang="zh-CN" altLang="en-US" dirty="0"/>
+              <a:t>当一条线程修改工作内存中的共享变量副本后，其他线程可能还是旧的，看不到前者工作内存的新值，于是产生可见性问题。</a:t>
+            </a:r>
+            <a:endParaRPr lang="en-US" altLang="zh-CN" dirty="0"/>
+          </a:p>
+          <a:p>
+            <a:endParaRPr lang="en-US" altLang="zh-CN" dirty="0"/>
+          </a:p>
+          <a:p>
+            <a:r>
+              <a:rPr lang="zh-CN" altLang="en-US" dirty="0"/>
+              <a:t>比喻： </a:t>
+            </a:r>
             <a:r>
               <a:rPr lang="en-US" altLang="zh-CN" dirty="0"/>
-              <a:t>volatile: </a:t>
-            </a:r>
-            <a:r>
-              <a:rPr lang="zh-CN" altLang="en-US" dirty="0"/>
-              <a:t>可见性</a:t>
+              <a:t>Git</a:t>
+            </a:r>
+            <a:r>
+              <a:rPr lang="zh-CN" altLang="en-US" dirty="0"/>
+              <a:t>版本下的协作开发</a:t>
             </a:r>
             <a:endParaRPr lang="en-US" altLang="zh-CN" dirty="0"/>
           </a:p>
           <a:p>
+            <a:endParaRPr lang="en-US" altLang="zh-CN" dirty="0"/>
+          </a:p>
+        </p:txBody>
+      </p:sp>
+      <p:sp>
+        <p:nvSpPr>
+          <p:cNvPr id="9" name="文本框 8">
+            <a:extLst>
+              <a:ext uri="{FF2B5EF4-FFF2-40B4-BE49-F238E27FC236}">
+                <a16:creationId xmlns:a16="http://schemas.microsoft.com/office/drawing/2014/main" id="{4AF67ABE-8186-42AC-80A1-9B83D0960831}"/>
+              </a:ext>
+            </a:extLst>
+          </p:cNvPr>
+          <p:cNvSpPr txBox="1"/>
+          <p:nvPr/>
+        </p:nvSpPr>
+        <p:spPr>
+          <a:xfrm>
+            <a:off x="964095" y="5843449"/>
+            <a:ext cx="8925340" cy="923330"/>
+          </a:xfrm>
+          <a:prstGeom prst="rect">
+            <a:avLst/>
+          </a:prstGeom>
+          <a:noFill/>
+        </p:spPr>
+        <p:txBody>
+          <a:bodyPr wrap="square" rtlCol="0">
+            <a:spAutoFit/>
+          </a:bodyPr>
+          <a:lstStyle/>
+          <a:p>
+            <a:r>
+              <a:rPr lang="zh-CN" altLang="en-US" dirty="0"/>
+              <a:t>推论：某线程</a:t>
+            </a:r>
             <a:r>
               <a:rPr lang="en-US" altLang="zh-CN" dirty="0"/>
-              <a:t>synchronized: </a:t>
-            </a:r>
-            <a:r>
-              <a:rPr lang="zh-CN" altLang="en-US" dirty="0"/>
-              <a:t>可见性，原子性</a:t>
-            </a:r>
-            <a:endParaRPr lang="en-US" altLang="zh-CN" dirty="0"/>
-          </a:p>
-          <a:p>
-            <a:endParaRPr lang="en-US" altLang="zh-CN" dirty="0"/>
-          </a:p>
-          <a:p>
-            <a:pPr marL="0" indent="0">
-              <a:buNone/>
-            </a:pPr>
-            <a:r>
-              <a:rPr lang="zh-CN" altLang="en-US" dirty="0"/>
-              <a:t>线程安全性的思考：</a:t>
-            </a:r>
-            <a:endParaRPr lang="en-US" altLang="zh-CN" dirty="0"/>
-          </a:p>
-          <a:p>
-            <a:pPr marL="0" indent="0">
-              <a:buNone/>
-            </a:pPr>
-            <a:r>
-              <a:rPr lang="zh-CN" altLang="en-US" dirty="0"/>
-              <a:t>源于窜改：线程不安全深层原因是有其他线程窜改数据，而保证原子性可以防止窜改。原子性只是防窜改的一种方法，那么还有其他方法吗？</a:t>
-            </a:r>
-            <a:endParaRPr lang="en-US" altLang="zh-CN" dirty="0"/>
-          </a:p>
-          <a:p>
-            <a:pPr marL="0" indent="0">
-              <a:buNone/>
-            </a:pPr>
-            <a:r>
-              <a:rPr lang="zh-CN" altLang="en-US" dirty="0"/>
-              <a:t>见下页</a:t>
-            </a:r>
+              <a:t>1</a:t>
+            </a:r>
+            <a:r>
+              <a:rPr lang="zh-CN" altLang="en-US" dirty="0"/>
+              <a:t>将共享变量</a:t>
+            </a:r>
+            <a:r>
+              <a:rPr lang="en-US" altLang="zh-CN" dirty="0"/>
+              <a:t>X</a:t>
+            </a:r>
+            <a:r>
+              <a:rPr lang="zh-CN" altLang="en-US" dirty="0"/>
+              <a:t>副本修改完，然后将新值</a:t>
+            </a:r>
+            <a:r>
+              <a:rPr lang="en-US" altLang="zh-CN" dirty="0"/>
+              <a:t>push</a:t>
+            </a:r>
+            <a:r>
+              <a:rPr lang="zh-CN" altLang="en-US" dirty="0"/>
+              <a:t>到主内存，另一条线程</a:t>
+            </a:r>
+            <a:r>
+              <a:rPr lang="en-US" altLang="zh-CN" dirty="0"/>
+              <a:t>2</a:t>
+            </a:r>
+            <a:r>
+              <a:rPr lang="zh-CN" altLang="en-US" dirty="0"/>
+              <a:t>在修改</a:t>
+            </a:r>
+            <a:r>
+              <a:rPr lang="en-US" altLang="zh-CN" dirty="0"/>
+              <a:t>X</a:t>
+            </a:r>
+            <a:r>
+              <a:rPr lang="zh-CN" altLang="en-US" dirty="0"/>
+              <a:t>时要先到主内存</a:t>
+            </a:r>
+            <a:r>
+              <a:rPr lang="en-US" altLang="zh-CN" dirty="0"/>
+              <a:t>pull X</a:t>
+            </a:r>
+            <a:r>
+              <a:rPr lang="zh-CN" altLang="en-US" dirty="0"/>
+              <a:t>的新值，才能保证正确性或实现可见性。</a:t>
+            </a:r>
+          </a:p>
+          <a:p>
+            <a:endParaRPr lang="zh-CN" altLang="en-US" dirty="0"/>
           </a:p>
         </p:txBody>
       </p:sp>
     </p:spTree>
     <p:extLst>
       <p:ext uri="{BB962C8B-B14F-4D97-AF65-F5344CB8AC3E}">
-        <p14:creationId xmlns:p14="http://schemas.microsoft.com/office/powerpoint/2010/main" val="2003684436"/>
+        <p14:creationId xmlns:p14="http://schemas.microsoft.com/office/powerpoint/2010/main" val="1620735717"/>
       </p:ext>
     </p:extLst>
   </p:cSld>
@@ -7127,7 +7091,7 @@
           <p:cNvPr id="2" name="标题 1">
             <a:extLst>
               <a:ext uri="{FF2B5EF4-FFF2-40B4-BE49-F238E27FC236}">
-                <a16:creationId xmlns:a16="http://schemas.microsoft.com/office/drawing/2014/main" id="{D08EB409-9660-43DB-B9AA-448FE13D9A83}"/>
+                <a16:creationId xmlns:a16="http://schemas.microsoft.com/office/drawing/2014/main" id="{645EBF28-949C-48F7-97AF-0287E355EF83}"/>
               </a:ext>
             </a:extLst>
           </p:cNvPr>
@@ -7145,8 +7109,21 @@
           <a:p>
             <a:r>
               <a:rPr lang="zh-CN" altLang="en-US" dirty="0"/>
-              <a:t>线程封闭</a:t>
-            </a:r>
+              <a:t>线程什么时候</a:t>
+            </a:r>
+            <a:r>
+              <a:rPr lang="en-US" altLang="zh-CN" dirty="0"/>
+              <a:t>push</a:t>
+            </a:r>
+            <a:r>
+              <a:rPr lang="zh-CN" altLang="en-US" dirty="0"/>
+              <a:t>和</a:t>
+            </a:r>
+            <a:r>
+              <a:rPr lang="en-US" altLang="zh-CN" dirty="0"/>
+              <a:t>pull</a:t>
+            </a:r>
+            <a:endParaRPr lang="zh-CN" altLang="en-US" dirty="0"/>
           </a:p>
         </p:txBody>
       </p:sp>
@@ -7155,7 +7132,7 @@
           <p:cNvPr id="3" name="内容占位符 2">
             <a:extLst>
               <a:ext uri="{FF2B5EF4-FFF2-40B4-BE49-F238E27FC236}">
-                <a16:creationId xmlns:a16="http://schemas.microsoft.com/office/drawing/2014/main" id="{E3A18B6A-B16E-4CAA-8EF9-8468C7420CA3}"/>
+                <a16:creationId xmlns:a16="http://schemas.microsoft.com/office/drawing/2014/main" id="{72DB7F54-7A94-425D-A491-FC363F063AFE}"/>
               </a:ext>
             </a:extLst>
           </p:cNvPr>
@@ -7173,19 +7150,64 @@
           </a:bodyPr>
           <a:lstStyle/>
           <a:p>
+            <a:r>
+              <a:rPr lang="zh-CN" altLang="en-US" dirty="0"/>
+              <a:t>时机：</a:t>
+            </a:r>
+            <a:endParaRPr lang="en-US" altLang="zh-CN" dirty="0"/>
+          </a:p>
+          <a:p>
             <a:pPr marL="0" indent="0">
               <a:buNone/>
             </a:pPr>
             <a:r>
               <a:rPr lang="zh-CN" altLang="en-US" dirty="0"/>
-              <a:t>线程封闭指变量只有所在线程访问到，相当于“封闭于”所在线程内部。可以防窜改。</a:t>
-            </a:r>
+              <a:t>加锁时</a:t>
+            </a:r>
+            <a:r>
+              <a:rPr lang="en-US" altLang="zh-CN" dirty="0"/>
+              <a:t>pull, volatile</a:t>
+            </a:r>
+            <a:r>
+              <a:rPr lang="zh-CN" altLang="en-US" dirty="0"/>
+              <a:t>变量读时</a:t>
+            </a:r>
+            <a:r>
+              <a:rPr lang="en-US" altLang="zh-CN" dirty="0"/>
+              <a:t>pull</a:t>
+            </a:r>
+          </a:p>
+          <a:p>
+            <a:pPr marL="0" indent="0">
+              <a:buNone/>
+            </a:pPr>
+            <a:r>
+              <a:rPr lang="zh-CN" altLang="en-US" dirty="0"/>
+              <a:t>解锁时</a:t>
+            </a:r>
+            <a:r>
+              <a:rPr lang="en-US" altLang="zh-CN" dirty="0"/>
+              <a:t>push, volatile</a:t>
+            </a:r>
+            <a:r>
+              <a:rPr lang="zh-CN" altLang="en-US" dirty="0"/>
+              <a:t>变量写时</a:t>
+            </a:r>
+            <a:r>
+              <a:rPr lang="en-US" altLang="zh-CN" dirty="0"/>
+              <a:t>push</a:t>
+            </a:r>
+          </a:p>
+          <a:p>
+            <a:pPr marL="0" indent="0">
+              <a:buNone/>
+            </a:pPr>
             <a:endParaRPr lang="en-US" altLang="zh-CN" dirty="0"/>
           </a:p>
           <a:p>
             <a:r>
               <a:rPr lang="zh-CN" altLang="en-US" dirty="0"/>
-              <a:t>局部变量</a:t>
+              <a:t>推论：</a:t>
             </a:r>
             <a:endParaRPr lang="en-US" altLang="zh-CN" dirty="0"/>
           </a:p>
@@ -7194,8 +7216,41 @@
               <a:buNone/>
             </a:pPr>
             <a:r>
-              <a:rPr lang="zh-CN" altLang="en-US" dirty="0"/>
-              <a:t>演示：</a:t>
+              <a:rPr lang="en-US" altLang="zh-CN" dirty="0"/>
+              <a:t>synchronized</a:t>
+            </a:r>
+            <a:r>
+              <a:rPr lang="zh-CN" altLang="en-US" dirty="0"/>
+              <a:t>、</a:t>
+            </a:r>
+            <a:r>
+              <a:rPr lang="en-US" altLang="zh-CN" dirty="0"/>
+              <a:t>volatile</a:t>
+            </a:r>
+            <a:r>
+              <a:rPr lang="zh-CN" altLang="en-US" dirty="0"/>
+              <a:t>能保证可见性</a:t>
+            </a:r>
+            <a:endParaRPr lang="en-US" altLang="zh-CN" dirty="0"/>
+          </a:p>
+          <a:p>
+            <a:pPr marL="0" indent="0">
+              <a:buNone/>
+            </a:pPr>
+            <a:endParaRPr lang="en-US" altLang="zh-CN" dirty="0"/>
+          </a:p>
+          <a:p>
+            <a:r>
+              <a:rPr lang="zh-CN" altLang="en-US" dirty="0"/>
+              <a:t>演示： </a:t>
+            </a:r>
+            <a:r>
+              <a:rPr lang="en-US" altLang="zh-CN" dirty="0" err="1"/>
+              <a:t>VisibilityBySyncDemo</a:t>
+            </a:r>
+            <a:r>
+              <a:rPr lang="zh-CN" altLang="en-US" dirty="0"/>
+              <a:t>，</a:t>
             </a:r>
             <a:r>
               <a:rPr lang="en-US" altLang="zh-CN" dirty="0"/>
@@ -7203,81 +7258,22 @@
             </a:r>
             <a:r>
               <a:rPr lang="en-US" altLang="zh-CN" dirty="0" err="1"/>
-              <a:t>LocalPrimitiveDemo</a:t>
+              <a:t>VisibilityByVolatileDemo</a:t>
             </a:r>
             <a:endParaRPr lang="en-US" altLang="zh-CN" dirty="0"/>
           </a:p>
           <a:p>
-            <a:r>
-              <a:rPr lang="zh-CN" altLang="en-US" dirty="0"/>
-              <a:t>线程本地技术 </a:t>
-            </a:r>
-            <a:r>
-              <a:rPr lang="en-US" altLang="zh-CN" dirty="0" err="1"/>
-              <a:t>ThreadLocal</a:t>
-            </a:r>
-            <a:r>
-              <a:rPr lang="zh-CN" altLang="en-US" dirty="0"/>
-              <a:t>（线程本地对象）</a:t>
-            </a:r>
-            <a:endParaRPr lang="en-US" altLang="zh-CN" dirty="0"/>
-          </a:p>
-          <a:p>
             <a:pPr marL="0" indent="0">
               <a:buNone/>
             </a:pPr>
-            <a:r>
-              <a:rPr lang="zh-CN" altLang="en-US" dirty="0"/>
-              <a:t>演示：</a:t>
-            </a:r>
-            <a:r>
-              <a:rPr lang="en-US" altLang="zh-CN" dirty="0"/>
-              <a:t> </a:t>
-            </a:r>
-            <a:r>
-              <a:rPr lang="en-US" altLang="zh-CN" dirty="0" err="1"/>
-              <a:t>ThreadLocalDemo</a:t>
-            </a:r>
-            <a:endParaRPr lang="en-US" altLang="zh-CN" dirty="0"/>
-          </a:p>
-          <a:p>
-            <a:pPr marL="0" indent="0">
-              <a:buNone/>
-            </a:pPr>
-            <a:r>
-              <a:rPr lang="zh-CN" altLang="en-US" dirty="0"/>
-              <a:t>原理演示：</a:t>
-            </a:r>
-            <a:r>
-              <a:rPr lang="en-US" altLang="zh-CN" dirty="0"/>
-              <a:t> </a:t>
-            </a:r>
-            <a:r>
-              <a:rPr lang="en-US" altLang="zh-CN" dirty="0" err="1"/>
-              <a:t>MyThreadLocal</a:t>
-            </a:r>
-            <a:r>
-              <a:rPr lang="zh-CN" altLang="en-US" dirty="0"/>
-              <a:t>，</a:t>
-            </a:r>
-            <a:r>
-              <a:rPr lang="en-US" altLang="zh-CN" dirty="0" err="1"/>
-              <a:t>MyThreadLocalDemo</a:t>
-            </a:r>
-            <a:endParaRPr lang="en-US" altLang="zh-CN" dirty="0"/>
-          </a:p>
-          <a:p>
-            <a:r>
-              <a:rPr lang="zh-CN" altLang="en-US" dirty="0"/>
-              <a:t>还有其他防窜改的方法吗？</a:t>
-            </a:r>
+            <a:endParaRPr lang="zh-CN" altLang="en-US" dirty="0"/>
           </a:p>
         </p:txBody>
       </p:sp>
     </p:spTree>
     <p:extLst>
       <p:ext uri="{BB962C8B-B14F-4D97-AF65-F5344CB8AC3E}">
-        <p14:creationId xmlns:p14="http://schemas.microsoft.com/office/powerpoint/2010/main" val="4290707656"/>
+        <p14:creationId xmlns:p14="http://schemas.microsoft.com/office/powerpoint/2010/main" val="2296196705"/>
       </p:ext>
     </p:extLst>
   </p:cSld>
@@ -7309,7 +7305,7 @@
           <p:cNvPr id="2" name="标题 1">
             <a:extLst>
               <a:ext uri="{FF2B5EF4-FFF2-40B4-BE49-F238E27FC236}">
-                <a16:creationId xmlns:a16="http://schemas.microsoft.com/office/drawing/2014/main" id="{86C8203E-85E0-4723-8D0D-838C9A42B886}"/>
+                <a16:creationId xmlns:a16="http://schemas.microsoft.com/office/drawing/2014/main" id="{6F26562C-CCD9-4519-A8EA-48472B99229D}"/>
               </a:ext>
             </a:extLst>
           </p:cNvPr>
@@ -7326,114 +7322,102 @@
           <a:lstStyle/>
           <a:p>
             <a:r>
-              <a:rPr lang="zh-CN" altLang="en-US" dirty="0"/>
-              <a:t>不变性</a:t>
-            </a:r>
-          </a:p>
-        </p:txBody>
-      </p:sp>
-      <p:sp>
-        <p:nvSpPr>
-          <p:cNvPr id="3" name="内容占位符 2">
+              <a:rPr lang="en-US" altLang="zh-CN" dirty="0"/>
+              <a:t>JVM</a:t>
+            </a:r>
+            <a:r>
+              <a:rPr lang="zh-CN" altLang="en-US" dirty="0"/>
+              <a:t>内存区域划分</a:t>
+            </a:r>
+          </a:p>
+        </p:txBody>
+      </p:sp>
+      <p:pic>
+        <p:nvPicPr>
+          <p:cNvPr id="4" name="内容占位符 3">
             <a:extLst>
               <a:ext uri="{FF2B5EF4-FFF2-40B4-BE49-F238E27FC236}">
-                <a16:creationId xmlns:a16="http://schemas.microsoft.com/office/drawing/2014/main" id="{B9ACAEAA-3D26-4A0B-91C4-F99F36A0BAB8}"/>
+                <a16:creationId xmlns:a16="http://schemas.microsoft.com/office/drawing/2014/main" id="{E1D627CA-ED54-422A-AE37-1E049460A91E}"/>
               </a:ext>
             </a:extLst>
           </p:cNvPr>
-          <p:cNvSpPr>
-            <a:spLocks noGrp="1"/>
-          </p:cNvSpPr>
+          <p:cNvPicPr>
+            <a:picLocks noGrp="1" noChangeAspect="1"/>
+          </p:cNvPicPr>
           <p:nvPr>
             <p:ph idx="1"/>
           </p:nvPr>
-        </p:nvSpPr>
-        <p:spPr/>
-        <p:txBody>
-          <a:bodyPr>
-            <a:normAutofit/>
+        </p:nvPicPr>
+        <p:blipFill>
+          <a:blip r:embed="rId2"/>
+          <a:stretch>
+            <a:fillRect/>
+          </a:stretch>
+        </p:blipFill>
+        <p:spPr>
+          <a:xfrm>
+            <a:off x="4712151" y="2024922"/>
+            <a:ext cx="5610225" cy="3362325"/>
+          </a:xfrm>
+          <a:prstGeom prst="rect">
+            <a:avLst/>
+          </a:prstGeom>
+        </p:spPr>
+      </p:pic>
+      <p:sp>
+        <p:nvSpPr>
+          <p:cNvPr id="5" name="文本框 4">
+            <a:extLst>
+              <a:ext uri="{FF2B5EF4-FFF2-40B4-BE49-F238E27FC236}">
+                <a16:creationId xmlns:a16="http://schemas.microsoft.com/office/drawing/2014/main" id="{7FBC87AD-0CFE-4350-820B-79EEBDB70D73}"/>
+              </a:ext>
+            </a:extLst>
+          </p:cNvPr>
+          <p:cNvSpPr txBox="1"/>
+          <p:nvPr/>
+        </p:nvSpPr>
+        <p:spPr>
+          <a:xfrm>
+            <a:off x="952901" y="2098307"/>
+            <a:ext cx="2156059" cy="923330"/>
+          </a:xfrm>
+          <a:prstGeom prst="rect">
+            <a:avLst/>
+          </a:prstGeom>
+          <a:noFill/>
+        </p:spPr>
+        <p:txBody>
+          <a:bodyPr wrap="square" rtlCol="0">
+            <a:spAutoFit/>
           </a:bodyPr>
           <a:lstStyle/>
           <a:p>
             <a:r>
               <a:rPr lang="zh-CN" altLang="en-US" dirty="0"/>
-              <a:t>不可变对象是线程安全的，因为其他线程无法窜改。</a:t>
+              <a:t>对象</a:t>
+            </a:r>
+            <a:r>
+              <a:rPr lang="en-US" altLang="zh-CN" dirty="0"/>
+              <a:t>new</a:t>
+            </a:r>
+            <a:r>
+              <a:rPr lang="zh-CN" altLang="en-US" dirty="0"/>
+              <a:t>在堆上，方法在栈中执行，</a:t>
             </a:r>
             <a:endParaRPr lang="en-US" altLang="zh-CN" dirty="0"/>
           </a:p>
           <a:p>
             <a:r>
               <a:rPr lang="zh-CN" altLang="en-US" dirty="0"/>
-              <a:t>演示：</a:t>
-            </a:r>
-            <a:endParaRPr lang="en-US" altLang="zh-CN" dirty="0"/>
-          </a:p>
-          <a:p>
-            <a:pPr marL="0" indent="0">
-              <a:buNone/>
-            </a:pPr>
-            <a:r>
-              <a:rPr lang="en-US" altLang="zh-CN" dirty="0" err="1"/>
-              <a:t>UnsafeMutableDemo</a:t>
-            </a:r>
-            <a:r>
-              <a:rPr lang="zh-CN" altLang="en-US" dirty="0"/>
-              <a:t>、</a:t>
-            </a:r>
-            <a:r>
-              <a:rPr lang="en-US" altLang="zh-CN" dirty="0" err="1"/>
-              <a:t>MutableDemo</a:t>
-            </a:r>
-            <a:r>
-              <a:rPr lang="zh-CN" altLang="en-US" dirty="0"/>
-              <a:t>、</a:t>
-            </a:r>
-            <a:r>
-              <a:rPr lang="en-US" altLang="zh-CN" dirty="0" err="1"/>
-              <a:t>ImmutableDemo</a:t>
-            </a:r>
-            <a:endParaRPr lang="en-US" altLang="zh-CN" dirty="0"/>
-          </a:p>
-          <a:p>
-            <a:pPr marL="0" indent="0">
-              <a:buNone/>
-            </a:pPr>
-            <a:endParaRPr lang="en-US" altLang="zh-CN" dirty="0"/>
-          </a:p>
-          <a:p>
-            <a:pPr marL="0" indent="0">
-              <a:buNone/>
-            </a:pPr>
-            <a:r>
-              <a:rPr lang="zh-CN" altLang="en-US" dirty="0"/>
-              <a:t>结论：</a:t>
-            </a:r>
-            <a:endParaRPr lang="en-US" altLang="zh-CN" dirty="0"/>
-          </a:p>
-          <a:p>
-            <a:pPr marL="0" indent="0">
-              <a:buNone/>
-            </a:pPr>
-            <a:r>
-              <a:rPr lang="zh-CN" altLang="en-US" dirty="0"/>
-              <a:t>借助</a:t>
-            </a:r>
-            <a:r>
-              <a:rPr lang="en-US" altLang="zh-CN" dirty="0"/>
-              <a:t>volatile</a:t>
-            </a:r>
-            <a:r>
-              <a:rPr lang="zh-CN" altLang="en-US" dirty="0"/>
-              <a:t>不变容器可实现无锁化</a:t>
-            </a:r>
-            <a:endParaRPr lang="en-US" altLang="zh-CN" dirty="0"/>
+              <a:t>堆为共享内存区域</a:t>
+            </a:r>
           </a:p>
         </p:txBody>
       </p:sp>
     </p:spTree>
     <p:extLst>
       <p:ext uri="{BB962C8B-B14F-4D97-AF65-F5344CB8AC3E}">
-        <p14:creationId xmlns:p14="http://schemas.microsoft.com/office/powerpoint/2010/main" val="1838545555"/>
+        <p14:creationId xmlns:p14="http://schemas.microsoft.com/office/powerpoint/2010/main" val="1758250124"/>
       </p:ext>
     </p:extLst>
   </p:cSld>
@@ -7465,7 +7449,7 @@
           <p:cNvPr id="2" name="标题 1">
             <a:extLst>
               <a:ext uri="{FF2B5EF4-FFF2-40B4-BE49-F238E27FC236}">
-                <a16:creationId xmlns:a16="http://schemas.microsoft.com/office/drawing/2014/main" id="{ED8E4AA0-9D13-460A-B363-93F7240E58BA}"/>
+                <a16:creationId xmlns:a16="http://schemas.microsoft.com/office/drawing/2014/main" id="{C330FEF5-2FC0-4187-A790-D63A9381E8F3}"/>
               </a:ext>
             </a:extLst>
           </p:cNvPr>
@@ -7482,28 +7466,72 @@
           <a:lstStyle/>
           <a:p>
             <a:r>
-              <a:rPr lang="zh-CN" altLang="en-US" dirty="0"/>
-              <a:t>良好的编程习惯</a:t>
-            </a:r>
-          </a:p>
-        </p:txBody>
-      </p:sp>
-      <p:sp>
-        <p:nvSpPr>
-          <p:cNvPr id="5" name="矩形 4">
+              <a:rPr lang="en-US" altLang="zh-CN" dirty="0"/>
+              <a:t>JMM</a:t>
+            </a:r>
+            <a:r>
+              <a:rPr lang="zh-CN" altLang="en-US" dirty="0"/>
+              <a:t>与</a:t>
+            </a:r>
+            <a:r>
+              <a:rPr lang="en-US" altLang="zh-CN" dirty="0"/>
+              <a:t>JVM</a:t>
+            </a:r>
+            <a:r>
+              <a:rPr lang="zh-CN" altLang="en-US" dirty="0"/>
+              <a:t>内存区域划分的联系</a:t>
+            </a:r>
+          </a:p>
+        </p:txBody>
+      </p:sp>
+      <p:pic>
+        <p:nvPicPr>
+          <p:cNvPr id="6" name="内容占位符 3">
             <a:extLst>
               <a:ext uri="{FF2B5EF4-FFF2-40B4-BE49-F238E27FC236}">
-                <a16:creationId xmlns:a16="http://schemas.microsoft.com/office/drawing/2014/main" id="{F2C537D3-A129-43E1-9CA7-E857C0E956E2}"/>
+                <a16:creationId xmlns:a16="http://schemas.microsoft.com/office/drawing/2014/main" id="{00815C9E-1291-48FC-801C-D9BD30366411}"/>
               </a:ext>
             </a:extLst>
           </p:cNvPr>
-          <p:cNvSpPr/>
-          <p:nvPr/>
-        </p:nvSpPr>
+          <p:cNvPicPr>
+            <a:picLocks noGrp="1" noChangeAspect="1"/>
+          </p:cNvPicPr>
+          <p:nvPr>
+            <p:ph idx="1"/>
+          </p:nvPr>
+        </p:nvPicPr>
+        <p:blipFill>
+          <a:blip r:embed="rId2"/>
+          <a:stretch>
+            <a:fillRect/>
+          </a:stretch>
+        </p:blipFill>
         <p:spPr>
           <a:xfrm>
-            <a:off x="948361" y="2255065"/>
-            <a:ext cx="10120692" cy="769441"/>
+            <a:off x="3687043" y="1691322"/>
+            <a:ext cx="4580355" cy="4351338"/>
+          </a:xfrm>
+          <a:prstGeom prst="rect">
+            <a:avLst/>
+          </a:prstGeom>
+        </p:spPr>
+      </p:pic>
+      <p:sp>
+        <p:nvSpPr>
+          <p:cNvPr id="7" name="文本框 6">
+            <a:extLst>
+              <a:ext uri="{FF2B5EF4-FFF2-40B4-BE49-F238E27FC236}">
+                <a16:creationId xmlns:a16="http://schemas.microsoft.com/office/drawing/2014/main" id="{63EAE4D0-5F4B-4730-840A-B218C320E064}"/>
+              </a:ext>
+            </a:extLst>
+          </p:cNvPr>
+          <p:cNvSpPr txBox="1"/>
+          <p:nvPr/>
+        </p:nvSpPr>
+        <p:spPr>
+          <a:xfrm>
+            <a:off x="1045046" y="2053575"/>
+            <a:ext cx="2400798" cy="1507772"/>
           </a:xfrm>
           <a:prstGeom prst="rect">
             <a:avLst/>
@@ -7511,38 +7539,32 @@
           <a:noFill/>
         </p:spPr>
         <p:txBody>
-          <a:bodyPr wrap="square" lIns="91440" tIns="45720" rIns="91440" bIns="45720">
+          <a:bodyPr wrap="square" rtlCol="0">
             <a:spAutoFit/>
-            <a:scene3d>
-              <a:camera prst="orthographicFront"/>
-              <a:lightRig rig="soft" dir="t">
-                <a:rot lat="0" lon="0" rev="15600000"/>
-              </a:lightRig>
-            </a:scene3d>
-            <a:sp3d extrusionH="57150" prstMaterial="softEdge">
-              <a:bevelT w="25400" h="38100"/>
-            </a:sp3d>
           </a:bodyPr>
           <a:lstStyle/>
           <a:p>
-            <a:pPr algn="ctr"/>
-            <a:r>
-              <a:rPr lang="zh-CN" altLang="en-US" sz="4400" b="1" dirty="0">
-                <a:ln/>
-                <a:solidFill>
-                  <a:schemeClr val="accent4"/>
-                </a:solidFill>
-              </a:rPr>
-              <a:t>除非需要可变，否则应将其声明为</a:t>
-            </a:r>
-            <a:r>
-              <a:rPr lang="en-US" altLang="zh-CN" sz="4400" b="1" dirty="0">
-                <a:ln/>
-                <a:solidFill>
-                  <a:schemeClr val="accent4"/>
-                </a:solidFill>
-              </a:rPr>
-              <a:t>final</a:t>
+            <a:pPr marL="285750" indent="-285750">
+              <a:buFont typeface="Arial" panose="020B0604020202020204" pitchFamily="34" charset="0"/>
+              <a:buChar char="•"/>
+            </a:pPr>
+            <a:r>
+              <a:rPr lang="zh-CN" altLang="en-US" dirty="0"/>
+              <a:t>堆、方法区等构成主内存</a:t>
+            </a:r>
+            <a:endParaRPr lang="en-US" altLang="zh-CN" dirty="0"/>
+          </a:p>
+          <a:p>
+            <a:endParaRPr lang="en-US" altLang="zh-CN" dirty="0"/>
+          </a:p>
+          <a:p>
+            <a:pPr marL="285750" indent="-285750">
+              <a:buFont typeface="Arial" panose="020B0604020202020204" pitchFamily="34" charset="0"/>
+              <a:buChar char="•"/>
+            </a:pPr>
+            <a:r>
+              <a:rPr lang="zh-CN" altLang="en-US" dirty="0"/>
+              <a:t>寄存器、栈等构成工作内存</a:t>
             </a:r>
           </a:p>
         </p:txBody>
@@ -7550,7 +7572,7 @@
     </p:spTree>
     <p:extLst>
       <p:ext uri="{BB962C8B-B14F-4D97-AF65-F5344CB8AC3E}">
-        <p14:creationId xmlns:p14="http://schemas.microsoft.com/office/powerpoint/2010/main" val="169986689"/>
+        <p14:creationId xmlns:p14="http://schemas.microsoft.com/office/powerpoint/2010/main" val="1548609389"/>
       </p:ext>
     </p:extLst>
   </p:cSld>
@@ -7579,118 +7601,104 @@
       </p:grpSpPr>
       <p:sp>
         <p:nvSpPr>
-          <p:cNvPr id="4" name="文本框 3">
+          <p:cNvPr id="2" name="标题 1">
             <a:extLst>
               <a:ext uri="{FF2B5EF4-FFF2-40B4-BE49-F238E27FC236}">
-                <a16:creationId xmlns:a16="http://schemas.microsoft.com/office/drawing/2014/main" id="{77C3BB61-4C1A-4BCA-B8EA-4288602A6361}"/>
+                <a16:creationId xmlns:a16="http://schemas.microsoft.com/office/drawing/2014/main" id="{1C183E19-B016-4D1A-984F-42D966F9172A}"/>
               </a:ext>
             </a:extLst>
           </p:cNvPr>
-          <p:cNvSpPr txBox="1"/>
-          <p:nvPr/>
-        </p:nvSpPr>
-        <p:spPr>
-          <a:xfrm>
-            <a:off x="2136911" y="1520686"/>
-            <a:ext cx="8736497" cy="3477875"/>
-          </a:xfrm>
-          <a:prstGeom prst="rect">
-            <a:avLst/>
-          </a:prstGeom>
-          <a:noFill/>
-        </p:spPr>
-        <p:txBody>
-          <a:bodyPr wrap="square" rtlCol="0">
-            <a:spAutoFit/>
-            <a:scene3d>
-              <a:camera prst="orthographicFront"/>
-              <a:lightRig rig="soft" dir="t">
-                <a:rot lat="0" lon="0" rev="15600000"/>
-              </a:lightRig>
-            </a:scene3d>
-            <a:sp3d extrusionH="57150" prstMaterial="softEdge">
-              <a:bevelT w="25400" h="38100"/>
-            </a:sp3d>
+          <p:cNvSpPr>
+            <a:spLocks noGrp="1"/>
+          </p:cNvSpPr>
+          <p:nvPr>
+            <p:ph type="title"/>
+          </p:nvPr>
+        </p:nvSpPr>
+        <p:spPr/>
+        <p:txBody>
+          <a:bodyPr/>
+          <a:lstStyle/>
+          <a:p>
+            <a:r>
+              <a:rPr lang="zh-CN" altLang="en-US" dirty="0"/>
+              <a:t>小结</a:t>
+            </a:r>
+          </a:p>
+        </p:txBody>
+      </p:sp>
+      <p:sp>
+        <p:nvSpPr>
+          <p:cNvPr id="3" name="内容占位符 2">
+            <a:extLst>
+              <a:ext uri="{FF2B5EF4-FFF2-40B4-BE49-F238E27FC236}">
+                <a16:creationId xmlns:a16="http://schemas.microsoft.com/office/drawing/2014/main" id="{1F31CB4A-073E-4647-9B1D-05E5F6B2956B}"/>
+              </a:ext>
+            </a:extLst>
+          </p:cNvPr>
+          <p:cNvSpPr>
+            <a:spLocks noGrp="1"/>
+          </p:cNvSpPr>
+          <p:nvPr>
+            <p:ph idx="1"/>
+          </p:nvPr>
+        </p:nvSpPr>
+        <p:spPr/>
+        <p:txBody>
+          <a:bodyPr>
+            <a:normAutofit/>
           </a:bodyPr>
           <a:lstStyle/>
           <a:p>
-            <a:r>
-              <a:rPr lang="zh-CN" altLang="en-US" sz="4400" dirty="0">
-                <a:ln w="0"/>
-                <a:solidFill>
-                  <a:schemeClr val="accent1"/>
-                </a:solidFill>
-                <a:effectLst>
-                  <a:outerShdw blurRad="38100" dist="25400" dir="5400000" algn="ctr" rotWithShape="0">
-                    <a:srgbClr val="6E747A">
-                      <a:alpha val="43000"/>
-                    </a:srgbClr>
-                  </a:outerShdw>
-                </a:effectLst>
-              </a:rPr>
-              <a:t>前面所讲：局部，面向过程</a:t>
-            </a:r>
-            <a:endParaRPr lang="en-US" altLang="zh-CN" sz="4400" dirty="0">
-              <a:ln w="0"/>
-              <a:solidFill>
-                <a:schemeClr val="accent1"/>
-              </a:solidFill>
-              <a:effectLst>
-                <a:outerShdw blurRad="38100" dist="25400" dir="5400000" algn="ctr" rotWithShape="0">
-                  <a:srgbClr val="6E747A">
-                    <a:alpha val="43000"/>
-                  </a:srgbClr>
-                </a:outerShdw>
-              </a:effectLst>
-            </a:endParaRPr>
-          </a:p>
-          <a:p>
-            <a:endParaRPr lang="en-US" altLang="zh-CN" sz="4400" dirty="0">
-              <a:ln w="0"/>
-              <a:solidFill>
-                <a:schemeClr val="accent1"/>
-              </a:solidFill>
-              <a:effectLst>
-                <a:outerShdw blurRad="38100" dist="25400" dir="5400000" algn="ctr" rotWithShape="0">
-                  <a:srgbClr val="6E747A">
-                    <a:alpha val="43000"/>
-                  </a:srgbClr>
-                </a:outerShdw>
-              </a:effectLst>
-            </a:endParaRPr>
-          </a:p>
-          <a:p>
-            <a:r>
-              <a:rPr lang="zh-CN" altLang="en-US" sz="4400" dirty="0">
-                <a:ln w="0"/>
-                <a:solidFill>
-                  <a:schemeClr val="accent1"/>
-                </a:solidFill>
-                <a:effectLst>
-                  <a:outerShdw blurRad="38100" dist="25400" dir="5400000" algn="ctr" rotWithShape="0">
-                    <a:srgbClr val="6E747A">
-                      <a:alpha val="43000"/>
-                    </a:srgbClr>
-                  </a:outerShdw>
-                </a:effectLst>
-              </a:rPr>
-              <a:t>问：面向对象，如何设计一个线程安全的类？</a:t>
-            </a:r>
-          </a:p>
-          <a:p>
-            <a:endParaRPr lang="en-US" altLang="zh-CN" sz="4400" b="1" dirty="0">
-              <a:ln/>
-              <a:solidFill>
-                <a:schemeClr val="accent4"/>
-              </a:solidFill>
-            </a:endParaRPr>
+            <a:pPr marL="0" indent="0">
+              <a:buNone/>
+            </a:pPr>
+            <a:r>
+              <a:rPr lang="en-US" altLang="zh-CN" dirty="0"/>
+              <a:t>synchronized</a:t>
+            </a:r>
+            <a:r>
+              <a:rPr lang="zh-CN" altLang="en-US" dirty="0"/>
+              <a:t>与</a:t>
+            </a:r>
+            <a:r>
+              <a:rPr lang="en-US" altLang="zh-CN" dirty="0"/>
+              <a:t>volatile</a:t>
+            </a:r>
+            <a:r>
+              <a:rPr lang="zh-CN" altLang="en-US" dirty="0"/>
+              <a:t>的区别：</a:t>
+            </a:r>
+            <a:endParaRPr lang="en-US" altLang="zh-CN" dirty="0"/>
+          </a:p>
+          <a:p>
+            <a:r>
+              <a:rPr lang="en-US" altLang="zh-CN" dirty="0"/>
+              <a:t>volatile: </a:t>
+            </a:r>
+            <a:r>
+              <a:rPr lang="zh-CN" altLang="en-US" dirty="0"/>
+              <a:t>可见性</a:t>
+            </a:r>
+            <a:endParaRPr lang="en-US" altLang="zh-CN" dirty="0"/>
+          </a:p>
+          <a:p>
+            <a:r>
+              <a:rPr lang="en-US" altLang="zh-CN" dirty="0"/>
+              <a:t>synchronized: </a:t>
+            </a:r>
+            <a:r>
+              <a:rPr lang="zh-CN" altLang="en-US" dirty="0"/>
+              <a:t>可见性，原子性</a:t>
+            </a:r>
+            <a:endParaRPr lang="en-US" altLang="zh-CN" dirty="0"/>
           </a:p>
         </p:txBody>
       </p:sp>
     </p:spTree>
     <p:extLst>
       <p:ext uri="{BB962C8B-B14F-4D97-AF65-F5344CB8AC3E}">
-        <p14:creationId xmlns:p14="http://schemas.microsoft.com/office/powerpoint/2010/main" val="445277244"/>
+        <p14:creationId xmlns:p14="http://schemas.microsoft.com/office/powerpoint/2010/main" val="2003684436"/>
       </p:ext>
     </p:extLst>
   </p:cSld>
@@ -7719,36 +7727,118 @@
       </p:grpSpPr>
       <p:sp>
         <p:nvSpPr>
-          <p:cNvPr id="2" name="标题 1">
+          <p:cNvPr id="4" name="文本框 3">
             <a:extLst>
               <a:ext uri="{FF2B5EF4-FFF2-40B4-BE49-F238E27FC236}">
-                <a16:creationId xmlns:a16="http://schemas.microsoft.com/office/drawing/2014/main" id="{036468BC-EB6B-4967-8B00-C7784E09020E}"/>
+                <a16:creationId xmlns:a16="http://schemas.microsoft.com/office/drawing/2014/main" id="{77C3BB61-4C1A-4BCA-B8EA-4288602A6361}"/>
               </a:ext>
             </a:extLst>
           </p:cNvPr>
-          <p:cNvSpPr>
-            <a:spLocks noGrp="1"/>
-          </p:cNvSpPr>
-          <p:nvPr>
-            <p:ph type="title"/>
-          </p:nvPr>
-        </p:nvSpPr>
-        <p:spPr/>
-        <p:txBody>
-          <a:bodyPr/>
-          <a:lstStyle/>
-          <a:p>
-            <a:r>
-              <a:rPr lang="zh-CN" altLang="en-US" dirty="0"/>
-              <a:t>三、设计线程安全类</a:t>
-            </a:r>
+          <p:cNvSpPr txBox="1"/>
+          <p:nvPr/>
+        </p:nvSpPr>
+        <p:spPr>
+          <a:xfrm>
+            <a:off x="2136911" y="1520686"/>
+            <a:ext cx="8736497" cy="3477875"/>
+          </a:xfrm>
+          <a:prstGeom prst="rect">
+            <a:avLst/>
+          </a:prstGeom>
+          <a:noFill/>
+        </p:spPr>
+        <p:txBody>
+          <a:bodyPr wrap="square" rtlCol="0">
+            <a:spAutoFit/>
+            <a:scene3d>
+              <a:camera prst="orthographicFront"/>
+              <a:lightRig rig="soft" dir="t">
+                <a:rot lat="0" lon="0" rev="15600000"/>
+              </a:lightRig>
+            </a:scene3d>
+            <a:sp3d extrusionH="57150" prstMaterial="softEdge">
+              <a:bevelT w="25400" h="38100"/>
+            </a:sp3d>
+          </a:bodyPr>
+          <a:lstStyle/>
+          <a:p>
+            <a:r>
+              <a:rPr lang="zh-CN" altLang="en-US" sz="4400" dirty="0">
+                <a:ln w="0"/>
+                <a:solidFill>
+                  <a:schemeClr val="accent1"/>
+                </a:solidFill>
+                <a:effectLst>
+                  <a:outerShdw blurRad="38100" dist="25400" dir="5400000" algn="ctr" rotWithShape="0">
+                    <a:srgbClr val="6E747A">
+                      <a:alpha val="43000"/>
+                    </a:srgbClr>
+                  </a:outerShdw>
+                </a:effectLst>
+              </a:rPr>
+              <a:t>前面所讲：局部，面向过程</a:t>
+            </a:r>
+            <a:endParaRPr lang="en-US" altLang="zh-CN" sz="4400" dirty="0">
+              <a:ln w="0"/>
+              <a:solidFill>
+                <a:schemeClr val="accent1"/>
+              </a:solidFill>
+              <a:effectLst>
+                <a:outerShdw blurRad="38100" dist="25400" dir="5400000" algn="ctr" rotWithShape="0">
+                  <a:srgbClr val="6E747A">
+                    <a:alpha val="43000"/>
+                  </a:srgbClr>
+                </a:outerShdw>
+              </a:effectLst>
+            </a:endParaRPr>
+          </a:p>
+          <a:p>
+            <a:endParaRPr lang="en-US" altLang="zh-CN" sz="4400" dirty="0">
+              <a:ln w="0"/>
+              <a:solidFill>
+                <a:schemeClr val="accent1"/>
+              </a:solidFill>
+              <a:effectLst>
+                <a:outerShdw blurRad="38100" dist="25400" dir="5400000" algn="ctr" rotWithShape="0">
+                  <a:srgbClr val="6E747A">
+                    <a:alpha val="43000"/>
+                  </a:srgbClr>
+                </a:outerShdw>
+              </a:effectLst>
+            </a:endParaRPr>
+          </a:p>
+          <a:p>
+            <a:r>
+              <a:rPr lang="zh-CN" altLang="en-US" sz="4400" dirty="0">
+                <a:ln w="0"/>
+                <a:solidFill>
+                  <a:schemeClr val="accent1"/>
+                </a:solidFill>
+                <a:effectLst>
+                  <a:outerShdw blurRad="38100" dist="25400" dir="5400000" algn="ctr" rotWithShape="0">
+                    <a:srgbClr val="6E747A">
+                      <a:alpha val="43000"/>
+                    </a:srgbClr>
+                  </a:outerShdw>
+                </a:effectLst>
+              </a:rPr>
+              <a:t>问：面向对象，如何设计一个线程安全的类？</a:t>
+            </a:r>
+          </a:p>
+          <a:p>
+            <a:endParaRPr lang="en-US" altLang="zh-CN" sz="4400" b="1" dirty="0">
+              <a:ln/>
+              <a:solidFill>
+                <a:schemeClr val="accent4"/>
+              </a:solidFill>
+            </a:endParaRPr>
           </a:p>
         </p:txBody>
       </p:sp>
     </p:spTree>
     <p:extLst>
       <p:ext uri="{BB962C8B-B14F-4D97-AF65-F5344CB8AC3E}">
-        <p14:creationId xmlns:p14="http://schemas.microsoft.com/office/powerpoint/2010/main" val="3061455566"/>
+        <p14:creationId xmlns:p14="http://schemas.microsoft.com/office/powerpoint/2010/main" val="445277244"/>
       </p:ext>
     </p:extLst>
   </p:cSld>
@@ -7780,7 +7870,7 @@
           <p:cNvPr id="2" name="标题 1">
             <a:extLst>
               <a:ext uri="{FF2B5EF4-FFF2-40B4-BE49-F238E27FC236}">
-                <a16:creationId xmlns:a16="http://schemas.microsoft.com/office/drawing/2014/main" id="{983DF41B-EF1B-4900-B15B-35CA4D6A7E69}"/>
+                <a16:creationId xmlns:a16="http://schemas.microsoft.com/office/drawing/2014/main" id="{036468BC-EB6B-4967-8B00-C7784E09020E}"/>
               </a:ext>
             </a:extLst>
           </p:cNvPr>
@@ -7798,49 +7888,15 @@
           <a:p>
             <a:r>
               <a:rPr lang="zh-CN" altLang="en-US" dirty="0"/>
-              <a:t>安全类设计</a:t>
-            </a:r>
-          </a:p>
-        </p:txBody>
-      </p:sp>
-      <p:sp>
-        <p:nvSpPr>
-          <p:cNvPr id="3" name="内容占位符 2">
-            <a:extLst>
-              <a:ext uri="{FF2B5EF4-FFF2-40B4-BE49-F238E27FC236}">
-                <a16:creationId xmlns:a16="http://schemas.microsoft.com/office/drawing/2014/main" id="{20DE328D-CCF0-41E5-AA00-F5E4CDD24993}"/>
-              </a:ext>
-            </a:extLst>
-          </p:cNvPr>
-          <p:cNvSpPr>
-            <a:spLocks noGrp="1"/>
-          </p:cNvSpPr>
-          <p:nvPr>
-            <p:ph idx="1"/>
-          </p:nvPr>
-        </p:nvSpPr>
-        <p:spPr>
-          <a:xfrm>
-            <a:off x="845127" y="1828800"/>
-            <a:ext cx="10515600" cy="4351337"/>
-          </a:xfrm>
-        </p:spPr>
-        <p:txBody>
-          <a:bodyPr/>
-          <a:lstStyle/>
-          <a:p>
-            <a:r>
-              <a:rPr lang="zh-CN" altLang="en-US" dirty="0"/>
-              <a:t>安全类：安全指线程安全，外部只能通过成员方法来修改对象状态（各成员变量构成对象的状态），成员方法都是原子性地整体性的修改对象状态。</a:t>
-            </a:r>
-            <a:endParaRPr lang="en-US" altLang="zh-CN" dirty="0"/>
+              <a:t>三、设计线程安全类</a:t>
+            </a:r>
           </a:p>
         </p:txBody>
       </p:sp>
     </p:spTree>
     <p:extLst>
       <p:ext uri="{BB962C8B-B14F-4D97-AF65-F5344CB8AC3E}">
-        <p14:creationId xmlns:p14="http://schemas.microsoft.com/office/powerpoint/2010/main" val="2937549950"/>
+        <p14:creationId xmlns:p14="http://schemas.microsoft.com/office/powerpoint/2010/main" val="3061455566"/>
       </p:ext>
     </p:extLst>
   </p:cSld>
@@ -7927,270 +7983,70 @@
       </p:grpSpPr>
       <p:sp>
         <p:nvSpPr>
-          <p:cNvPr id="2" name="文本框 1">
+          <p:cNvPr id="2" name="标题 1">
             <a:extLst>
               <a:ext uri="{FF2B5EF4-FFF2-40B4-BE49-F238E27FC236}">
-                <a16:creationId xmlns:a16="http://schemas.microsoft.com/office/drawing/2014/main" id="{2C096CE4-B4BA-443B-8C78-71C9D0124348}"/>
+                <a16:creationId xmlns:a16="http://schemas.microsoft.com/office/drawing/2014/main" id="{983DF41B-EF1B-4900-B15B-35CA4D6A7E69}"/>
               </a:ext>
             </a:extLst>
           </p:cNvPr>
-          <p:cNvSpPr txBox="1"/>
-          <p:nvPr/>
+          <p:cNvSpPr>
+            <a:spLocks noGrp="1"/>
+          </p:cNvSpPr>
+          <p:nvPr>
+            <p:ph type="title"/>
+          </p:nvPr>
+        </p:nvSpPr>
+        <p:spPr/>
+        <p:txBody>
+          <a:bodyPr/>
+          <a:lstStyle/>
+          <a:p>
+            <a:r>
+              <a:rPr lang="zh-CN" altLang="en-US" dirty="0"/>
+              <a:t>安全类设计</a:t>
+            </a:r>
+          </a:p>
+        </p:txBody>
+      </p:sp>
+      <p:sp>
+        <p:nvSpPr>
+          <p:cNvPr id="3" name="内容占位符 2">
+            <a:extLst>
+              <a:ext uri="{FF2B5EF4-FFF2-40B4-BE49-F238E27FC236}">
+                <a16:creationId xmlns:a16="http://schemas.microsoft.com/office/drawing/2014/main" id="{20DE328D-CCF0-41E5-AA00-F5E4CDD24993}"/>
+              </a:ext>
+            </a:extLst>
+          </p:cNvPr>
+          <p:cNvSpPr>
+            <a:spLocks noGrp="1"/>
+          </p:cNvSpPr>
+          <p:nvPr>
+            <p:ph idx="1"/>
+          </p:nvPr>
         </p:nvSpPr>
         <p:spPr>
           <a:xfrm>
-            <a:off x="904567" y="914400"/>
-            <a:ext cx="10196051" cy="3853363"/>
+            <a:off x="845127" y="1828800"/>
+            <a:ext cx="10515600" cy="4351337"/>
           </a:xfrm>
-          <a:prstGeom prst="rect">
-            <a:avLst/>
-          </a:prstGeom>
-          <a:noFill/>
         </p:spPr>
         <p:txBody>
-          <a:bodyPr wrap="square" rtlCol="0">
-            <a:spAutoFit/>
-          </a:bodyPr>
-          <a:lstStyle/>
-          <a:p>
-            <a:pPr marL="228600" lvl="0" indent="-228600">
-              <a:lnSpc>
-                <a:spcPct val="90000"/>
-              </a:lnSpc>
-              <a:spcBef>
-                <a:spcPts val="1000"/>
-              </a:spcBef>
-              <a:buFont typeface="Wingdings 2" pitchFamily="18" charset="2"/>
-              <a:buChar char=""/>
-            </a:pPr>
-            <a:r>
-              <a:rPr lang="zh-CN" altLang="en-US" sz="2800" b="1" dirty="0">
-                <a:solidFill>
-                  <a:prstClr val="black"/>
-                </a:solidFill>
-              </a:rPr>
-              <a:t>演示：</a:t>
-            </a:r>
-            <a:endParaRPr lang="en-US" altLang="zh-CN" sz="2800" b="1" dirty="0">
-              <a:solidFill>
-                <a:prstClr val="black"/>
-              </a:solidFill>
-            </a:endParaRPr>
-          </a:p>
-          <a:p>
-            <a:pPr lvl="0">
-              <a:lnSpc>
-                <a:spcPct val="90000"/>
-              </a:lnSpc>
-              <a:spcBef>
-                <a:spcPts val="1000"/>
-              </a:spcBef>
-            </a:pPr>
-            <a:r>
-              <a:rPr lang="zh-CN" altLang="en-US" sz="2800" dirty="0">
-                <a:solidFill>
-                  <a:prstClr val="black"/>
-                </a:solidFill>
-              </a:rPr>
-              <a:t>内置锁：</a:t>
-            </a:r>
-            <a:r>
-              <a:rPr lang="en-US" altLang="zh-CN" sz="2800" dirty="0" err="1">
-                <a:solidFill>
-                  <a:prstClr val="black"/>
-                </a:solidFill>
-              </a:rPr>
-              <a:t>SafeHashSetBySync</a:t>
-            </a:r>
-            <a:r>
-              <a:rPr lang="zh-CN" altLang="en-US" sz="2800" dirty="0">
-                <a:solidFill>
-                  <a:prstClr val="black"/>
-                </a:solidFill>
-              </a:rPr>
-              <a:t>，</a:t>
-            </a:r>
-            <a:endParaRPr lang="en-US" altLang="zh-CN" sz="2800" dirty="0">
-              <a:solidFill>
-                <a:prstClr val="black"/>
-              </a:solidFill>
-            </a:endParaRPr>
-          </a:p>
-          <a:p>
-            <a:pPr lvl="0">
-              <a:lnSpc>
-                <a:spcPct val="90000"/>
-              </a:lnSpc>
-              <a:spcBef>
-                <a:spcPts val="1000"/>
-              </a:spcBef>
-            </a:pPr>
-            <a:r>
-              <a:rPr lang="en-US" altLang="zh-CN" sz="2800" dirty="0">
-                <a:solidFill>
-                  <a:prstClr val="black"/>
-                </a:solidFill>
-              </a:rPr>
-              <a:t>	</a:t>
-            </a:r>
-            <a:r>
-              <a:rPr lang="zh-CN" altLang="en-US" sz="2800" dirty="0">
-                <a:solidFill>
-                  <a:prstClr val="black"/>
-                </a:solidFill>
-              </a:rPr>
-              <a:t>监视器模式：</a:t>
-            </a:r>
-            <a:r>
-              <a:rPr lang="en-US" altLang="zh-CN" sz="2800" dirty="0" err="1">
-                <a:solidFill>
-                  <a:prstClr val="black"/>
-                </a:solidFill>
-              </a:rPr>
-              <a:t>SafeCounterByMonitorPattern</a:t>
-            </a:r>
-            <a:endParaRPr lang="en-US" altLang="zh-CN" sz="2800" dirty="0">
-              <a:solidFill>
-                <a:prstClr val="black"/>
-              </a:solidFill>
-            </a:endParaRPr>
-          </a:p>
-          <a:p>
-            <a:pPr lvl="0">
-              <a:lnSpc>
-                <a:spcPct val="90000"/>
-              </a:lnSpc>
-              <a:spcBef>
-                <a:spcPts val="1000"/>
-              </a:spcBef>
-            </a:pPr>
-            <a:r>
-              <a:rPr lang="zh-CN" altLang="en-US" sz="2800" dirty="0">
-                <a:solidFill>
-                  <a:prstClr val="black"/>
-                </a:solidFill>
-              </a:rPr>
-              <a:t>不变性：</a:t>
-            </a:r>
-            <a:r>
-              <a:rPr lang="en-US" altLang="zh-CN" sz="2800" dirty="0" err="1">
-                <a:solidFill>
-                  <a:prstClr val="black"/>
-                </a:solidFill>
-              </a:rPr>
-              <a:t>SafeOneStatusByFinal</a:t>
-            </a:r>
-            <a:endParaRPr lang="en-US" altLang="zh-CN" sz="2800" dirty="0">
-              <a:solidFill>
-                <a:prstClr val="black"/>
-              </a:solidFill>
-            </a:endParaRPr>
-          </a:p>
-          <a:p>
-            <a:pPr lvl="0">
-              <a:lnSpc>
-                <a:spcPct val="90000"/>
-              </a:lnSpc>
-              <a:spcBef>
-                <a:spcPts val="1000"/>
-              </a:spcBef>
-            </a:pPr>
-            <a:r>
-              <a:rPr lang="en-US" altLang="zh-CN" sz="2800" dirty="0">
-                <a:solidFill>
-                  <a:prstClr val="black"/>
-                </a:solidFill>
-              </a:rPr>
-              <a:t>copy: </a:t>
-            </a:r>
-            <a:r>
-              <a:rPr lang="en-US" altLang="zh-CN" sz="2800" dirty="0" err="1">
-                <a:solidFill>
-                  <a:prstClr val="black"/>
-                </a:solidFill>
-              </a:rPr>
-              <a:t>SafeMultiDimStatusByCopy</a:t>
-            </a:r>
-            <a:r>
-              <a:rPr lang="en-US" altLang="zh-CN" sz="2800" dirty="0">
-                <a:solidFill>
-                  <a:prstClr val="black"/>
-                </a:solidFill>
-              </a:rPr>
-              <a:t> </a:t>
-            </a:r>
-          </a:p>
-          <a:p>
-            <a:pPr lvl="0">
-              <a:lnSpc>
-                <a:spcPct val="90000"/>
-              </a:lnSpc>
-              <a:spcBef>
-                <a:spcPts val="1000"/>
-              </a:spcBef>
-            </a:pPr>
-            <a:r>
-              <a:rPr lang="en-US" altLang="zh-CN" sz="2800" dirty="0">
-                <a:solidFill>
-                  <a:prstClr val="black"/>
-                </a:solidFill>
-              </a:rPr>
-              <a:t>CAS: </a:t>
-            </a:r>
-            <a:r>
-              <a:rPr lang="en-US" altLang="zh-CN" sz="2800" dirty="0" err="1">
-                <a:solidFill>
-                  <a:prstClr val="black"/>
-                </a:solidFill>
-              </a:rPr>
-              <a:t>SafeCounterByCAS</a:t>
-            </a:r>
-            <a:endParaRPr lang="en-US" altLang="zh-CN" sz="2800" dirty="0">
-              <a:solidFill>
-                <a:prstClr val="black"/>
-              </a:solidFill>
-            </a:endParaRPr>
-          </a:p>
-          <a:p>
-            <a:pPr lvl="0">
-              <a:lnSpc>
-                <a:spcPct val="90000"/>
-              </a:lnSpc>
-              <a:spcBef>
-                <a:spcPts val="1000"/>
-              </a:spcBef>
-            </a:pPr>
-            <a:r>
-              <a:rPr lang="en-US" altLang="zh-CN" sz="2800" dirty="0">
-                <a:solidFill>
-                  <a:prstClr val="black"/>
-                </a:solidFill>
-              </a:rPr>
-              <a:t>AQS: </a:t>
-            </a:r>
-            <a:r>
-              <a:rPr lang="en-US" altLang="zh-CN" sz="2800" dirty="0" err="1">
-                <a:solidFill>
-                  <a:prstClr val="black"/>
-                </a:solidFill>
-              </a:rPr>
-              <a:t>SafeMultiDimStatusByAQS</a:t>
-            </a:r>
-            <a:endParaRPr lang="en-US" altLang="zh-CN" sz="2800" dirty="0">
-              <a:solidFill>
-                <a:prstClr val="black"/>
-              </a:solidFill>
-            </a:endParaRPr>
-          </a:p>
-          <a:p>
-            <a:endParaRPr lang="zh-CN" altLang="en-US" dirty="0"/>
+          <a:bodyPr/>
+          <a:lstStyle/>
+          <a:p>
+            <a:r>
+              <a:rPr lang="zh-CN" altLang="en-US" dirty="0"/>
+              <a:t>安全类：安全指线程安全，外部只能通过成员方法来修改对象状态（各成员变量构成对象的状态），成员方法都是原子性地整体性的修改对象状态。</a:t>
+            </a:r>
+            <a:endParaRPr lang="en-US" altLang="zh-CN" dirty="0"/>
           </a:p>
         </p:txBody>
       </p:sp>
     </p:spTree>
     <p:extLst>
       <p:ext uri="{BB962C8B-B14F-4D97-AF65-F5344CB8AC3E}">
-        <p14:creationId xmlns:p14="http://schemas.microsoft.com/office/powerpoint/2010/main" val="252498404"/>
+        <p14:creationId xmlns:p14="http://schemas.microsoft.com/office/powerpoint/2010/main" val="2937549950"/>
       </p:ext>
     </p:extLst>
   </p:cSld>
@@ -8219,81 +8075,260 @@
       </p:grpSpPr>
       <p:sp>
         <p:nvSpPr>
-          <p:cNvPr id="2" name="标题 1">
+          <p:cNvPr id="2" name="文本框 1">
             <a:extLst>
               <a:ext uri="{FF2B5EF4-FFF2-40B4-BE49-F238E27FC236}">
-                <a16:creationId xmlns:a16="http://schemas.microsoft.com/office/drawing/2014/main" id="{FCD323CB-FA43-4278-B3D4-4F02822E2206}"/>
+                <a16:creationId xmlns:a16="http://schemas.microsoft.com/office/drawing/2014/main" id="{2C096CE4-B4BA-443B-8C78-71C9D0124348}"/>
               </a:ext>
             </a:extLst>
           </p:cNvPr>
-          <p:cNvSpPr>
-            <a:spLocks noGrp="1"/>
-          </p:cNvSpPr>
-          <p:nvPr>
-            <p:ph type="title"/>
-          </p:nvPr>
-        </p:nvSpPr>
-        <p:spPr/>
-        <p:txBody>
-          <a:bodyPr/>
-          <a:lstStyle/>
-          <a:p>
-            <a:r>
-              <a:rPr lang="zh-CN" altLang="en-US" dirty="0"/>
-              <a:t>深安全类设计</a:t>
-            </a:r>
-          </a:p>
-        </p:txBody>
-      </p:sp>
-      <p:sp>
-        <p:nvSpPr>
-          <p:cNvPr id="3" name="内容占位符 2">
-            <a:extLst>
-              <a:ext uri="{FF2B5EF4-FFF2-40B4-BE49-F238E27FC236}">
-                <a16:creationId xmlns:a16="http://schemas.microsoft.com/office/drawing/2014/main" id="{4F5792FF-6D49-4B06-8986-3BBD9FB7DDDC}"/>
-              </a:ext>
-            </a:extLst>
-          </p:cNvPr>
-          <p:cNvSpPr>
-            <a:spLocks noGrp="1"/>
-          </p:cNvSpPr>
-          <p:nvPr>
-            <p:ph idx="1"/>
-          </p:nvPr>
-        </p:nvSpPr>
-        <p:spPr/>
-        <p:txBody>
-          <a:bodyPr/>
-          <a:lstStyle/>
-          <a:p>
-            <a:r>
-              <a:rPr lang="zh-CN" altLang="en-US" dirty="0"/>
-              <a:t>深安全类：安全类的引用型成员变量的类型也为安全类，递归下去</a:t>
-            </a:r>
-            <a:endParaRPr lang="en-US" altLang="zh-CN" dirty="0"/>
-          </a:p>
-          <a:p>
-            <a:pPr marL="0" indent="0">
-              <a:buNone/>
+          <p:cNvSpPr txBox="1"/>
+          <p:nvPr/>
+        </p:nvSpPr>
+        <p:spPr>
+          <a:xfrm>
+            <a:off x="904567" y="914400"/>
+            <a:ext cx="10196051" cy="3853363"/>
+          </a:xfrm>
+          <a:prstGeom prst="rect">
+            <a:avLst/>
+          </a:prstGeom>
+          <a:noFill/>
+        </p:spPr>
+        <p:txBody>
+          <a:bodyPr wrap="square" rtlCol="0">
+            <a:spAutoFit/>
+          </a:bodyPr>
+          <a:lstStyle/>
+          <a:p>
+            <a:pPr marL="228600" lvl="0" indent="-228600">
+              <a:lnSpc>
+                <a:spcPct val="90000"/>
+              </a:lnSpc>
+              <a:spcBef>
+                <a:spcPts val="1000"/>
+              </a:spcBef>
+              <a:buFont typeface="Wingdings 2" pitchFamily="18" charset="2"/>
+              <a:buChar char=""/>
             </a:pPr>
-            <a:endParaRPr lang="en-US" altLang="zh-CN" dirty="0"/>
-          </a:p>
-          <a:p>
-            <a:r>
-              <a:rPr lang="zh-CN" altLang="en-US" dirty="0"/>
+            <a:r>
+              <a:rPr lang="zh-CN" altLang="en-US" sz="2800" b="1" dirty="0">
+                <a:solidFill>
+                  <a:prstClr val="black"/>
+                </a:solidFill>
+              </a:rPr>
               <a:t>演示：</a:t>
             </a:r>
-            <a:endParaRPr lang="en-US" altLang="zh-CN" dirty="0"/>
-          </a:p>
-          <a:p>
-            <a:pPr marL="0" indent="0">
-              <a:buNone/>
+            <a:endParaRPr lang="en-US" altLang="zh-CN" sz="2800" b="1" dirty="0">
+              <a:solidFill>
+                <a:prstClr val="black"/>
+              </a:solidFill>
+            </a:endParaRPr>
+          </a:p>
+          <a:p>
+            <a:pPr lvl="0">
+              <a:lnSpc>
+                <a:spcPct val="90000"/>
+              </a:lnSpc>
+              <a:spcBef>
+                <a:spcPts val="1000"/>
+              </a:spcBef>
             </a:pPr>
             <a:r>
-              <a:rPr lang="en-US" altLang="zh-CN" dirty="0" err="1"/>
-              <a:t>DeepSafeStatus</a:t>
-            </a:r>
-            <a:endParaRPr lang="en-US" altLang="zh-CN" dirty="0"/>
+              <a:rPr lang="zh-CN" altLang="en-US" sz="2800" dirty="0">
+                <a:solidFill>
+                  <a:prstClr val="black"/>
+                </a:solidFill>
+              </a:rPr>
+              <a:t>内置锁：</a:t>
+            </a:r>
+            <a:r>
+              <a:rPr lang="en-US" altLang="zh-CN" sz="2800" dirty="0" err="1">
+                <a:solidFill>
+                  <a:prstClr val="black"/>
+                </a:solidFill>
+              </a:rPr>
+              <a:t>SafeHashSetBySync</a:t>
+            </a:r>
+            <a:r>
+              <a:rPr lang="zh-CN" altLang="en-US" sz="2800" dirty="0">
+                <a:solidFill>
+                  <a:prstClr val="black"/>
+                </a:solidFill>
+              </a:rPr>
+              <a:t>，</a:t>
+            </a:r>
+            <a:endParaRPr lang="en-US" altLang="zh-CN" sz="2800" dirty="0">
+              <a:solidFill>
+                <a:prstClr val="black"/>
+              </a:solidFill>
+            </a:endParaRPr>
+          </a:p>
+          <a:p>
+            <a:pPr lvl="0">
+              <a:lnSpc>
+                <a:spcPct val="90000"/>
+              </a:lnSpc>
+              <a:spcBef>
+                <a:spcPts val="1000"/>
+              </a:spcBef>
+            </a:pPr>
+            <a:r>
+              <a:rPr lang="en-US" altLang="zh-CN" sz="2800" dirty="0">
+                <a:solidFill>
+                  <a:prstClr val="black"/>
+                </a:solidFill>
+              </a:rPr>
+              <a:t>	</a:t>
+            </a:r>
+            <a:r>
+              <a:rPr lang="zh-CN" altLang="en-US" sz="2800" dirty="0">
+                <a:solidFill>
+                  <a:prstClr val="black"/>
+                </a:solidFill>
+              </a:rPr>
+              <a:t>监视器模式：</a:t>
+            </a:r>
+            <a:r>
+              <a:rPr lang="en-US" altLang="zh-CN" sz="2800" dirty="0" err="1">
+                <a:solidFill>
+                  <a:prstClr val="black"/>
+                </a:solidFill>
+              </a:rPr>
+              <a:t>SafeCounterByMonitorPattern</a:t>
+            </a:r>
+            <a:endParaRPr lang="en-US" altLang="zh-CN" sz="2800" dirty="0">
+              <a:solidFill>
+                <a:prstClr val="black"/>
+              </a:solidFill>
+            </a:endParaRPr>
+          </a:p>
+          <a:p>
+            <a:pPr lvl="0">
+              <a:lnSpc>
+                <a:spcPct val="90000"/>
+              </a:lnSpc>
+              <a:spcBef>
+                <a:spcPts val="1000"/>
+              </a:spcBef>
+            </a:pPr>
+            <a:r>
+              <a:rPr lang="zh-CN" altLang="en-US" sz="2800" dirty="0">
+                <a:solidFill>
+                  <a:prstClr val="black"/>
+                </a:solidFill>
+              </a:rPr>
+              <a:t>不变性：</a:t>
+            </a:r>
+            <a:r>
+              <a:rPr lang="en-US" altLang="zh-CN" sz="2800" dirty="0" err="1">
+                <a:solidFill>
+                  <a:prstClr val="black"/>
+                </a:solidFill>
+              </a:rPr>
+              <a:t>SafeOneStatusByFinal</a:t>
+            </a:r>
+            <a:endParaRPr lang="en-US" altLang="zh-CN" sz="2800" dirty="0">
+              <a:solidFill>
+                <a:prstClr val="black"/>
+              </a:solidFill>
+            </a:endParaRPr>
+          </a:p>
+          <a:p>
+            <a:pPr lvl="0">
+              <a:lnSpc>
+                <a:spcPct val="90000"/>
+              </a:lnSpc>
+              <a:spcBef>
+                <a:spcPts val="1000"/>
+              </a:spcBef>
+            </a:pPr>
+            <a:r>
+              <a:rPr lang="en-US" altLang="zh-CN" sz="2800" dirty="0">
+                <a:solidFill>
+                  <a:prstClr val="black"/>
+                </a:solidFill>
+              </a:rPr>
+              <a:t>copy: </a:t>
+            </a:r>
+            <a:r>
+              <a:rPr lang="en-US" altLang="zh-CN" sz="2800" dirty="0" err="1">
+                <a:solidFill>
+                  <a:prstClr val="black"/>
+                </a:solidFill>
+              </a:rPr>
+              <a:t>SafeMultiDimStatusByCopy</a:t>
+            </a:r>
+            <a:r>
+              <a:rPr lang="en-US" altLang="zh-CN" sz="2800" dirty="0">
+                <a:solidFill>
+                  <a:prstClr val="black"/>
+                </a:solidFill>
+              </a:rPr>
+              <a:t> </a:t>
+            </a:r>
+          </a:p>
+          <a:p>
+            <a:pPr lvl="0">
+              <a:lnSpc>
+                <a:spcPct val="90000"/>
+              </a:lnSpc>
+              <a:spcBef>
+                <a:spcPts val="1000"/>
+              </a:spcBef>
+            </a:pPr>
+            <a:r>
+              <a:rPr lang="en-US" altLang="zh-CN" sz="2800" dirty="0">
+                <a:solidFill>
+                  <a:prstClr val="black"/>
+                </a:solidFill>
+              </a:rPr>
+              <a:t>CAS: </a:t>
+            </a:r>
+            <a:r>
+              <a:rPr lang="en-US" altLang="zh-CN" sz="2800" dirty="0" err="1">
+                <a:solidFill>
+                  <a:prstClr val="black"/>
+                </a:solidFill>
+              </a:rPr>
+              <a:t>SafeCounterByCAS</a:t>
+            </a:r>
+            <a:endParaRPr lang="en-US" altLang="zh-CN" sz="2800" dirty="0">
+              <a:solidFill>
+                <a:prstClr val="black"/>
+              </a:solidFill>
+            </a:endParaRPr>
+          </a:p>
+          <a:p>
+            <a:pPr lvl="0">
+              <a:lnSpc>
+                <a:spcPct val="90000"/>
+              </a:lnSpc>
+              <a:spcBef>
+                <a:spcPts val="1000"/>
+              </a:spcBef>
+            </a:pPr>
+            <a:r>
+              <a:rPr lang="en-US" altLang="zh-CN" sz="2800" dirty="0">
+                <a:solidFill>
+                  <a:prstClr val="black"/>
+                </a:solidFill>
+              </a:rPr>
+              <a:t>AQS: </a:t>
+            </a:r>
+            <a:r>
+              <a:rPr lang="en-US" altLang="zh-CN" sz="2800" dirty="0" err="1">
+                <a:solidFill>
+                  <a:prstClr val="black"/>
+                </a:solidFill>
+              </a:rPr>
+              <a:t>SafeMultiDimStatusByAQS</a:t>
+            </a:r>
+            <a:endParaRPr lang="en-US" altLang="zh-CN" sz="2800" dirty="0">
+              <a:solidFill>
+                <a:prstClr val="black"/>
+              </a:solidFill>
+            </a:endParaRPr>
           </a:p>
           <a:p>
             <a:endParaRPr lang="zh-CN" altLang="en-US" dirty="0"/>
@@ -8303,7 +8338,7 @@
     </p:spTree>
     <p:extLst>
       <p:ext uri="{BB962C8B-B14F-4D97-AF65-F5344CB8AC3E}">
-        <p14:creationId xmlns:p14="http://schemas.microsoft.com/office/powerpoint/2010/main" val="3162420583"/>
+        <p14:creationId xmlns:p14="http://schemas.microsoft.com/office/powerpoint/2010/main" val="252498404"/>
       </p:ext>
     </p:extLst>
   </p:cSld>
@@ -8335,7 +8370,7 @@
           <p:cNvPr id="2" name="标题 1">
             <a:extLst>
               <a:ext uri="{FF2B5EF4-FFF2-40B4-BE49-F238E27FC236}">
-                <a16:creationId xmlns:a16="http://schemas.microsoft.com/office/drawing/2014/main" id="{9A3C2EE5-8AE5-4BDD-992D-848B36F17D57}"/>
+                <a16:creationId xmlns:a16="http://schemas.microsoft.com/office/drawing/2014/main" id="{FCD323CB-FA43-4278-B3D4-4F02822E2206}"/>
               </a:ext>
             </a:extLst>
           </p:cNvPr>
@@ -8353,7 +8388,7 @@
           <a:p>
             <a:r>
               <a:rPr lang="zh-CN" altLang="en-US" dirty="0"/>
-              <a:t>扩展已有安全类</a:t>
+              <a:t>深安全类设计</a:t>
             </a:r>
           </a:p>
         </p:txBody>
@@ -8363,7 +8398,7 @@
           <p:cNvPr id="3" name="内容占位符 2">
             <a:extLst>
               <a:ext uri="{FF2B5EF4-FFF2-40B4-BE49-F238E27FC236}">
-                <a16:creationId xmlns:a16="http://schemas.microsoft.com/office/drawing/2014/main" id="{AE98A123-21CB-4C61-882F-CC0945FB061C}"/>
+                <a16:creationId xmlns:a16="http://schemas.microsoft.com/office/drawing/2014/main" id="{4F5792FF-6D49-4B06-8986-3BBD9FB7DDDC}"/>
               </a:ext>
             </a:extLst>
           </p:cNvPr>
@@ -8381,51 +8416,42 @@
           <a:p>
             <a:r>
               <a:rPr lang="zh-CN" altLang="en-US" dirty="0"/>
-              <a:t>案例：给</a:t>
-            </a:r>
-            <a:r>
-              <a:rPr lang="en-US" altLang="zh-CN" dirty="0"/>
-              <a:t>Vector</a:t>
-            </a:r>
-            <a:r>
-              <a:rPr lang="zh-CN" altLang="en-US" dirty="0"/>
-              <a:t>增加 </a:t>
-            </a:r>
+              <a:t>深安全类：安全类的引用型成员变量的类型也为安全类，递归下去</a:t>
+            </a:r>
+            <a:endParaRPr lang="en-US" altLang="zh-CN" dirty="0"/>
+          </a:p>
+          <a:p>
+            <a:pPr marL="0" indent="0">
+              <a:buNone/>
+            </a:pPr>
+            <a:endParaRPr lang="en-US" altLang="zh-CN" dirty="0"/>
+          </a:p>
+          <a:p>
+            <a:r>
+              <a:rPr lang="zh-CN" altLang="en-US" dirty="0"/>
+              <a:t>演示：</a:t>
+            </a:r>
+            <a:endParaRPr lang="en-US" altLang="zh-CN" dirty="0"/>
+          </a:p>
+          <a:p>
+            <a:pPr marL="0" indent="0">
+              <a:buNone/>
+            </a:pPr>
             <a:r>
               <a:rPr lang="en-US" altLang="zh-CN" dirty="0" err="1"/>
-              <a:t>addIfAbsent</a:t>
+              <a:t>DeepSafeStatus</a:t>
             </a:r>
             <a:endParaRPr lang="en-US" altLang="zh-CN" dirty="0"/>
           </a:p>
           <a:p>
-            <a:pPr marL="0" indent="0">
-              <a:buNone/>
-            </a:pPr>
-            <a:r>
-              <a:rPr lang="en-US" altLang="zh-CN" dirty="0" err="1"/>
-              <a:t>MyVectorByExtend</a:t>
-            </a:r>
-            <a:endParaRPr lang="en-US" altLang="zh-CN" dirty="0"/>
-          </a:p>
-          <a:p>
-            <a:pPr marL="0" indent="0">
-              <a:buNone/>
-            </a:pPr>
-            <a:r>
-              <a:rPr lang="en-US" altLang="zh-CN" dirty="0" err="1"/>
-              <a:t>MyVectorByComposing</a:t>
-            </a:r>
-            <a:r>
-              <a:rPr lang="en-US" altLang="zh-CN" dirty="0"/>
-              <a:t> </a:t>
-            </a:r>
+            <a:endParaRPr lang="zh-CN" altLang="en-US" dirty="0"/>
           </a:p>
         </p:txBody>
       </p:sp>
     </p:spTree>
     <p:extLst>
       <p:ext uri="{BB962C8B-B14F-4D97-AF65-F5344CB8AC3E}">
-        <p14:creationId xmlns:p14="http://schemas.microsoft.com/office/powerpoint/2010/main" val="3147640785"/>
+        <p14:creationId xmlns:p14="http://schemas.microsoft.com/office/powerpoint/2010/main" val="3162420583"/>
       </p:ext>
     </p:extLst>
   </p:cSld>
@@ -8457,7 +8483,7 @@
           <p:cNvPr id="2" name="标题 1">
             <a:extLst>
               <a:ext uri="{FF2B5EF4-FFF2-40B4-BE49-F238E27FC236}">
-                <a16:creationId xmlns:a16="http://schemas.microsoft.com/office/drawing/2014/main" id="{7167F7D3-E7BB-44C9-917C-4D3460A1D0A7}"/>
+                <a16:creationId xmlns:a16="http://schemas.microsoft.com/office/drawing/2014/main" id="{9A3C2EE5-8AE5-4BDD-992D-848B36F17D57}"/>
               </a:ext>
             </a:extLst>
           </p:cNvPr>
@@ -8475,7 +8501,7 @@
           <a:p>
             <a:r>
               <a:rPr lang="zh-CN" altLang="en-US" dirty="0"/>
-              <a:t>案例</a:t>
+              <a:t>扩展已有安全类</a:t>
             </a:r>
           </a:p>
         </p:txBody>
@@ -8485,7 +8511,7 @@
           <p:cNvPr id="3" name="内容占位符 2">
             <a:extLst>
               <a:ext uri="{FF2B5EF4-FFF2-40B4-BE49-F238E27FC236}">
-                <a16:creationId xmlns:a16="http://schemas.microsoft.com/office/drawing/2014/main" id="{6AE5DE7A-9546-43CA-8B43-78846D1C98FE}"/>
+                <a16:creationId xmlns:a16="http://schemas.microsoft.com/office/drawing/2014/main" id="{AE98A123-21CB-4C61-882F-CC0945FB061C}"/>
               </a:ext>
             </a:extLst>
           </p:cNvPr>
@@ -8503,7 +8529,19 @@
           <a:p>
             <a:r>
               <a:rPr lang="zh-CN" altLang="en-US" dirty="0"/>
-              <a:t>车辆追踪系统</a:t>
+              <a:t>案例：给</a:t>
+            </a:r>
+            <a:r>
+              <a:rPr lang="en-US" altLang="zh-CN" dirty="0"/>
+              <a:t>Vector</a:t>
+            </a:r>
+            <a:r>
+              <a:rPr lang="zh-CN" altLang="en-US" dirty="0"/>
+              <a:t>增加 </a:t>
+            </a:r>
+            <a:r>
+              <a:rPr lang="en-US" altLang="zh-CN" dirty="0" err="1"/>
+              <a:t>addIfAbsent</a:t>
             </a:r>
             <a:endParaRPr lang="en-US" altLang="zh-CN" dirty="0"/>
           </a:p>
@@ -8512,26 +8550,30 @@
               <a:buNone/>
             </a:pPr>
             <a:r>
-              <a:rPr lang="zh-CN" altLang="en-US" dirty="0"/>
-              <a:t>描述见</a:t>
+              <a:rPr lang="en-US" altLang="zh-CN" dirty="0" err="1"/>
+              <a:t>MyVectorByExtend</a:t>
+            </a:r>
+            <a:endParaRPr lang="en-US" altLang="zh-CN" dirty="0"/>
+          </a:p>
+          <a:p>
+            <a:pPr marL="0" indent="0">
+              <a:buNone/>
+            </a:pPr>
+            <a:r>
+              <a:rPr lang="en-US" altLang="zh-CN" dirty="0" err="1"/>
+              <a:t>MyVectorByComposing</a:t>
             </a:r>
             <a:r>
               <a:rPr lang="en-US" altLang="zh-CN" dirty="0"/>
-              <a:t>package-info.java</a:t>
-            </a:r>
-          </a:p>
-          <a:p>
-            <a:pPr marL="0" indent="0">
-              <a:buNone/>
-            </a:pPr>
-            <a:endParaRPr lang="en-US" altLang="zh-CN" dirty="0"/>
+              <a:t> </a:t>
+            </a:r>
           </a:p>
         </p:txBody>
       </p:sp>
     </p:spTree>
     <p:extLst>
       <p:ext uri="{BB962C8B-B14F-4D97-AF65-F5344CB8AC3E}">
-        <p14:creationId xmlns:p14="http://schemas.microsoft.com/office/powerpoint/2010/main" val="1324002931"/>
+        <p14:creationId xmlns:p14="http://schemas.microsoft.com/office/powerpoint/2010/main" val="3147640785"/>
       </p:ext>
     </p:extLst>
   </p:cSld>
@@ -8563,7 +8605,7 @@
           <p:cNvPr id="2" name="标题 1">
             <a:extLst>
               <a:ext uri="{FF2B5EF4-FFF2-40B4-BE49-F238E27FC236}">
-                <a16:creationId xmlns:a16="http://schemas.microsoft.com/office/drawing/2014/main" id="{976D412D-DED7-4C59-98F7-5CC01AD68164}"/>
+                <a16:creationId xmlns:a16="http://schemas.microsoft.com/office/drawing/2014/main" id="{7167F7D3-E7BB-44C9-917C-4D3460A1D0A7}"/>
               </a:ext>
             </a:extLst>
           </p:cNvPr>
@@ -8581,15 +8623,63 @@
           <a:p>
             <a:r>
               <a:rPr lang="zh-CN" altLang="en-US" dirty="0"/>
-              <a:t>四、基础构建模块</a:t>
-            </a:r>
+              <a:t>案例</a:t>
+            </a:r>
+          </a:p>
+        </p:txBody>
+      </p:sp>
+      <p:sp>
+        <p:nvSpPr>
+          <p:cNvPr id="3" name="内容占位符 2">
+            <a:extLst>
+              <a:ext uri="{FF2B5EF4-FFF2-40B4-BE49-F238E27FC236}">
+                <a16:creationId xmlns:a16="http://schemas.microsoft.com/office/drawing/2014/main" id="{6AE5DE7A-9546-43CA-8B43-78846D1C98FE}"/>
+              </a:ext>
+            </a:extLst>
+          </p:cNvPr>
+          <p:cNvSpPr>
+            <a:spLocks noGrp="1"/>
+          </p:cNvSpPr>
+          <p:nvPr>
+            <p:ph idx="1"/>
+          </p:nvPr>
+        </p:nvSpPr>
+        <p:spPr/>
+        <p:txBody>
+          <a:bodyPr/>
+          <a:lstStyle/>
+          <a:p>
+            <a:r>
+              <a:rPr lang="zh-CN" altLang="en-US" dirty="0"/>
+              <a:t>车辆追踪系统</a:t>
+            </a:r>
+            <a:endParaRPr lang="en-US" altLang="zh-CN" dirty="0"/>
+          </a:p>
+          <a:p>
+            <a:pPr marL="0" indent="0">
+              <a:buNone/>
+            </a:pPr>
+            <a:r>
+              <a:rPr lang="zh-CN" altLang="en-US" dirty="0"/>
+              <a:t>描述见</a:t>
+            </a:r>
+            <a:r>
+              <a:rPr lang="en-US" altLang="zh-CN" dirty="0"/>
+              <a:t>package-info.java</a:t>
+            </a:r>
+          </a:p>
+          <a:p>
+            <a:pPr marL="0" indent="0">
+              <a:buNone/>
+            </a:pPr>
+            <a:endParaRPr lang="en-US" altLang="zh-CN" dirty="0"/>
           </a:p>
         </p:txBody>
       </p:sp>
     </p:spTree>
     <p:extLst>
       <p:ext uri="{BB962C8B-B14F-4D97-AF65-F5344CB8AC3E}">
-        <p14:creationId xmlns:p14="http://schemas.microsoft.com/office/powerpoint/2010/main" val="4205606506"/>
+        <p14:creationId xmlns:p14="http://schemas.microsoft.com/office/powerpoint/2010/main" val="1324002931"/>
       </p:ext>
     </p:extLst>
   </p:cSld>
@@ -8621,7 +8711,7 @@
           <p:cNvPr id="2" name="标题 1">
             <a:extLst>
               <a:ext uri="{FF2B5EF4-FFF2-40B4-BE49-F238E27FC236}">
-                <a16:creationId xmlns:a16="http://schemas.microsoft.com/office/drawing/2014/main" id="{2ED01804-F336-4632-87C7-BE48E1AFCEBD}"/>
+                <a16:creationId xmlns:a16="http://schemas.microsoft.com/office/drawing/2014/main" id="{976D412D-DED7-4C59-98F7-5CC01AD68164}"/>
               </a:ext>
             </a:extLst>
           </p:cNvPr>
@@ -8639,121 +8729,15 @@
           <a:p>
             <a:r>
               <a:rPr lang="zh-CN" altLang="en-US" dirty="0"/>
-              <a:t>同步容器</a:t>
-            </a:r>
-          </a:p>
-        </p:txBody>
-      </p:sp>
-      <p:sp>
-        <p:nvSpPr>
-          <p:cNvPr id="3" name="内容占位符 2">
-            <a:extLst>
-              <a:ext uri="{FF2B5EF4-FFF2-40B4-BE49-F238E27FC236}">
-                <a16:creationId xmlns:a16="http://schemas.microsoft.com/office/drawing/2014/main" id="{FABC3246-6234-4B89-92ED-E3070AF6BFDD}"/>
-              </a:ext>
-            </a:extLst>
-          </p:cNvPr>
-          <p:cNvSpPr>
-            <a:spLocks noGrp="1"/>
-          </p:cNvSpPr>
-          <p:nvPr>
-            <p:ph idx="1"/>
-          </p:nvPr>
-        </p:nvSpPr>
-        <p:spPr/>
-        <p:txBody>
-          <a:bodyPr/>
-          <a:lstStyle/>
-          <a:p>
-            <a:r>
-              <a:rPr lang="en-US" altLang="zh-CN" dirty="0"/>
-              <a:t>Vector</a:t>
-            </a:r>
-            <a:r>
-              <a:rPr lang="zh-CN" altLang="en-US" dirty="0"/>
-              <a:t>：实现</a:t>
-            </a:r>
-            <a:r>
-              <a:rPr lang="en-US" altLang="zh-CN" dirty="0"/>
-              <a:t>List</a:t>
-            </a:r>
-            <a:r>
-              <a:rPr lang="zh-CN" altLang="en-US" dirty="0"/>
-              <a:t>接口，用法如</a:t>
-            </a:r>
-            <a:r>
-              <a:rPr lang="en-US" altLang="zh-CN" dirty="0"/>
-              <a:t>List</a:t>
-            </a:r>
-          </a:p>
-          <a:p>
-            <a:r>
-              <a:rPr lang="en-US" altLang="zh-CN" dirty="0" err="1"/>
-              <a:t>HashTable</a:t>
-            </a:r>
-            <a:r>
-              <a:rPr lang="zh-CN" altLang="en-US" dirty="0"/>
-              <a:t>：实现</a:t>
-            </a:r>
-            <a:r>
-              <a:rPr lang="en-US" altLang="zh-CN" dirty="0"/>
-              <a:t>Map</a:t>
-            </a:r>
-            <a:r>
-              <a:rPr lang="zh-CN" altLang="en-US" dirty="0"/>
-              <a:t>接口</a:t>
-            </a:r>
-            <a:endParaRPr lang="en-US" altLang="zh-CN" dirty="0"/>
-          </a:p>
-          <a:p>
-            <a:r>
-              <a:rPr lang="en-US" altLang="zh-CN" dirty="0" err="1"/>
-              <a:t>Collections.synchronizedXxx</a:t>
-            </a:r>
-            <a:r>
-              <a:rPr lang="en-US" altLang="zh-CN" dirty="0"/>
-              <a:t>()</a:t>
-            </a:r>
-            <a:r>
-              <a:rPr lang="zh-CN" altLang="en-US" dirty="0"/>
-              <a:t>：实现</a:t>
-            </a:r>
-            <a:r>
-              <a:rPr lang="en-US" altLang="zh-CN" dirty="0"/>
-              <a:t>Xxx</a:t>
-            </a:r>
-            <a:r>
-              <a:rPr lang="zh-CN" altLang="en-US" dirty="0"/>
-              <a:t>接口，代理模式</a:t>
-            </a:r>
-            <a:endParaRPr lang="en-US" altLang="zh-CN" dirty="0"/>
-          </a:p>
-          <a:p>
-            <a:endParaRPr lang="en-US" altLang="zh-CN" dirty="0"/>
-          </a:p>
-          <a:p>
-            <a:r>
-              <a:rPr lang="zh-CN" altLang="en-US" dirty="0"/>
-              <a:t>特征：都使用内置锁，容器中每个方法都是同步方法，被认为线程安全</a:t>
-            </a:r>
-            <a:endParaRPr lang="en-US" altLang="zh-CN" dirty="0"/>
-          </a:p>
-          <a:p>
-            <a:endParaRPr lang="en-US" altLang="zh-CN" dirty="0"/>
-          </a:p>
-          <a:p>
-            <a:r>
-              <a:rPr lang="zh-CN" altLang="en-US" dirty="0"/>
-              <a:t>问：既然它们是线程安全的，我们使用它时就不需要考虑线程安全问题吗？</a:t>
-            </a:r>
-            <a:endParaRPr lang="en-US" altLang="zh-CN" dirty="0"/>
+              <a:t>四、基础构建模块</a:t>
+            </a:r>
           </a:p>
         </p:txBody>
       </p:sp>
     </p:spTree>
     <p:extLst>
       <p:ext uri="{BB962C8B-B14F-4D97-AF65-F5344CB8AC3E}">
-        <p14:creationId xmlns:p14="http://schemas.microsoft.com/office/powerpoint/2010/main" val="675159733"/>
+        <p14:creationId xmlns:p14="http://schemas.microsoft.com/office/powerpoint/2010/main" val="4205606506"/>
       </p:ext>
     </p:extLst>
   </p:cSld>
@@ -8782,10 +8766,38 @@
       </p:grpSpPr>
       <p:sp>
         <p:nvSpPr>
+          <p:cNvPr id="2" name="标题 1">
+            <a:extLst>
+              <a:ext uri="{FF2B5EF4-FFF2-40B4-BE49-F238E27FC236}">
+                <a16:creationId xmlns:a16="http://schemas.microsoft.com/office/drawing/2014/main" id="{2ED01804-F336-4632-87C7-BE48E1AFCEBD}"/>
+              </a:ext>
+            </a:extLst>
+          </p:cNvPr>
+          <p:cNvSpPr>
+            <a:spLocks noGrp="1"/>
+          </p:cNvSpPr>
+          <p:nvPr>
+            <p:ph type="title"/>
+          </p:nvPr>
+        </p:nvSpPr>
+        <p:spPr/>
+        <p:txBody>
+          <a:bodyPr/>
+          <a:lstStyle/>
+          <a:p>
+            <a:r>
+              <a:rPr lang="zh-CN" altLang="en-US" dirty="0"/>
+              <a:t>同步容器</a:t>
+            </a:r>
+          </a:p>
+        </p:txBody>
+      </p:sp>
+      <p:sp>
+        <p:nvSpPr>
           <p:cNvPr id="3" name="内容占位符 2">
             <a:extLst>
               <a:ext uri="{FF2B5EF4-FFF2-40B4-BE49-F238E27FC236}">
-                <a16:creationId xmlns:a16="http://schemas.microsoft.com/office/drawing/2014/main" id="{6C8D6579-CFF0-49AC-8120-A26572A8705A}"/>
+                <a16:creationId xmlns:a16="http://schemas.microsoft.com/office/drawing/2014/main" id="{FABC3246-6234-4B89-92ED-E3070AF6BFDD}"/>
               </a:ext>
             </a:extLst>
           </p:cNvPr>
@@ -8796,96 +8808,100 @@
             <p:ph idx="1"/>
           </p:nvPr>
         </p:nvSpPr>
-        <p:spPr>
-          <a:xfrm>
-            <a:off x="931755" y="1058779"/>
-            <a:ext cx="10515600" cy="4351337"/>
-          </a:xfrm>
-        </p:spPr>
-        <p:txBody>
-          <a:bodyPr/>
-          <a:lstStyle/>
-          <a:p>
-            <a:r>
-              <a:rPr lang="zh-CN" altLang="en-US" dirty="0"/>
-              <a:t>使用同步容器常见问题，以</a:t>
-            </a:r>
+        <p:spPr/>
+        <p:txBody>
+          <a:bodyPr/>
+          <a:lstStyle/>
+          <a:p>
             <a:r>
               <a:rPr lang="en-US" altLang="zh-CN" dirty="0"/>
-              <a:t>vector</a:t>
-            </a:r>
-            <a:r>
-              <a:rPr lang="zh-CN" altLang="en-US" dirty="0"/>
-              <a:t>为例：</a:t>
+              <a:t>Vector</a:t>
+            </a:r>
+            <a:r>
+              <a:rPr lang="zh-CN" altLang="en-US" dirty="0"/>
+              <a:t>：实现</a:t>
+            </a:r>
+            <a:r>
+              <a:rPr lang="en-US" altLang="zh-CN" dirty="0"/>
+              <a:t>List</a:t>
+            </a:r>
+            <a:r>
+              <a:rPr lang="zh-CN" altLang="en-US" dirty="0"/>
+              <a:t>接口，用法如</a:t>
+            </a:r>
+            <a:r>
+              <a:rPr lang="en-US" altLang="zh-CN" dirty="0"/>
+              <a:t>List</a:t>
+            </a:r>
+          </a:p>
+          <a:p>
+            <a:r>
+              <a:rPr lang="en-US" altLang="zh-CN" dirty="0" err="1"/>
+              <a:t>HashTable</a:t>
+            </a:r>
+            <a:r>
+              <a:rPr lang="zh-CN" altLang="en-US" dirty="0"/>
+              <a:t>：实现</a:t>
+            </a:r>
+            <a:r>
+              <a:rPr lang="en-US" altLang="zh-CN" dirty="0"/>
+              <a:t>Map</a:t>
+            </a:r>
+            <a:r>
+              <a:rPr lang="zh-CN" altLang="en-US" dirty="0"/>
+              <a:t>接口</a:t>
             </a:r>
             <a:endParaRPr lang="en-US" altLang="zh-CN" dirty="0"/>
           </a:p>
           <a:p>
-            <a:pPr marL="0" indent="0">
-              <a:buNone/>
-            </a:pPr>
-            <a:r>
-              <a:rPr lang="zh-CN" altLang="en-US" dirty="0"/>
-              <a:t>复合操作：</a:t>
-            </a:r>
             <a:r>
               <a:rPr lang="en-US" altLang="zh-CN" dirty="0" err="1"/>
-              <a:t>VectorCompoundOptProblemDemo</a:t>
+              <a:t>Collections.synchronizedXxx</a:t>
+            </a:r>
+            <a:r>
+              <a:rPr lang="en-US" altLang="zh-CN" dirty="0"/>
+              <a:t>()</a:t>
+            </a:r>
+            <a:r>
+              <a:rPr lang="zh-CN" altLang="en-US" dirty="0"/>
+              <a:t>：实现</a:t>
+            </a:r>
+            <a:r>
+              <a:rPr lang="en-US" altLang="zh-CN" dirty="0"/>
+              <a:t>Xxx</a:t>
+            </a:r>
+            <a:r>
+              <a:rPr lang="zh-CN" altLang="en-US" dirty="0"/>
+              <a:t>接口，代理模式</a:t>
             </a:r>
             <a:endParaRPr lang="en-US" altLang="zh-CN" dirty="0"/>
           </a:p>
           <a:p>
-            <a:pPr marL="0" indent="0">
-              <a:buNone/>
-            </a:pPr>
-            <a:r>
-              <a:rPr lang="en-US" altLang="zh-CN" dirty="0"/>
-              <a:t>for</a:t>
-            </a:r>
-            <a:r>
-              <a:rPr lang="zh-CN" altLang="en-US" dirty="0"/>
-              <a:t>循环中竞态条件：</a:t>
-            </a:r>
-            <a:r>
-              <a:rPr lang="en-US" altLang="zh-CN" dirty="0" err="1"/>
-              <a:t>ProblemInForLoop</a:t>
-            </a:r>
             <a:endParaRPr lang="en-US" altLang="zh-CN" dirty="0"/>
           </a:p>
           <a:p>
-            <a:pPr marL="0" indent="0">
-              <a:buNone/>
-            </a:pPr>
-            <a:r>
-              <a:rPr lang="zh-CN" altLang="en-US" dirty="0"/>
-              <a:t>迭代器时并发修改：</a:t>
-            </a:r>
-            <a:r>
-              <a:rPr lang="en-US" altLang="zh-CN" dirty="0" err="1"/>
-              <a:t>ConcurrentModificationExceptionProblemDemo</a:t>
+            <a:r>
+              <a:rPr lang="zh-CN" altLang="en-US" dirty="0"/>
+              <a:t>特征：都使用内置锁，容器中每个方法都是同步方法，被认为线程安全</a:t>
             </a:r>
             <a:endParaRPr lang="en-US" altLang="zh-CN" dirty="0"/>
           </a:p>
           <a:p>
-            <a:pPr marL="0" indent="0">
-              <a:buNone/>
-            </a:pPr>
-            <a:r>
-              <a:rPr lang="zh-CN" altLang="en-US" dirty="0"/>
-              <a:t>隐藏使用迭代器：</a:t>
-            </a:r>
-            <a:r>
-              <a:rPr lang="en-US" altLang="zh-CN" dirty="0" err="1"/>
-              <a:t>HiddenIteratorDemo</a:t>
-            </a:r>
-            <a:endParaRPr lang="zh-CN" altLang="en-US" dirty="0"/>
+            <a:endParaRPr lang="en-US" altLang="zh-CN" dirty="0"/>
+          </a:p>
+          <a:p>
+            <a:r>
+              <a:rPr lang="zh-CN" altLang="en-US" dirty="0"/>
+              <a:t>问：既然它们是线程安全的，我们使用它时就不需要考虑线程安全问题吗？</a:t>
+            </a:r>
+            <a:endParaRPr lang="en-US" altLang="zh-CN" dirty="0"/>
           </a:p>
         </p:txBody>
       </p:sp>
     </p:spTree>
     <p:extLst>
       <p:ext uri="{BB962C8B-B14F-4D97-AF65-F5344CB8AC3E}">
-        <p14:creationId xmlns:p14="http://schemas.microsoft.com/office/powerpoint/2010/main" val="1191919528"/>
+        <p14:creationId xmlns:p14="http://schemas.microsoft.com/office/powerpoint/2010/main" val="675159733"/>
       </p:ext>
     </p:extLst>
   </p:cSld>
@@ -8914,6 +8930,138 @@
       </p:grpSpPr>
       <p:sp>
         <p:nvSpPr>
+          <p:cNvPr id="3" name="内容占位符 2">
+            <a:extLst>
+              <a:ext uri="{FF2B5EF4-FFF2-40B4-BE49-F238E27FC236}">
+                <a16:creationId xmlns:a16="http://schemas.microsoft.com/office/drawing/2014/main" id="{6C8D6579-CFF0-49AC-8120-A26572A8705A}"/>
+              </a:ext>
+            </a:extLst>
+          </p:cNvPr>
+          <p:cNvSpPr>
+            <a:spLocks noGrp="1"/>
+          </p:cNvSpPr>
+          <p:nvPr>
+            <p:ph idx="1"/>
+          </p:nvPr>
+        </p:nvSpPr>
+        <p:spPr>
+          <a:xfrm>
+            <a:off x="931755" y="1058779"/>
+            <a:ext cx="10515600" cy="4351337"/>
+          </a:xfrm>
+        </p:spPr>
+        <p:txBody>
+          <a:bodyPr/>
+          <a:lstStyle/>
+          <a:p>
+            <a:r>
+              <a:rPr lang="zh-CN" altLang="en-US" dirty="0"/>
+              <a:t>使用同步容器常见问题，以</a:t>
+            </a:r>
+            <a:r>
+              <a:rPr lang="en-US" altLang="zh-CN" dirty="0"/>
+              <a:t>vector</a:t>
+            </a:r>
+            <a:r>
+              <a:rPr lang="zh-CN" altLang="en-US" dirty="0"/>
+              <a:t>为例：</a:t>
+            </a:r>
+            <a:endParaRPr lang="en-US" altLang="zh-CN" dirty="0"/>
+          </a:p>
+          <a:p>
+            <a:pPr marL="0" indent="0">
+              <a:buNone/>
+            </a:pPr>
+            <a:r>
+              <a:rPr lang="zh-CN" altLang="en-US" dirty="0"/>
+              <a:t>复合操作：</a:t>
+            </a:r>
+            <a:r>
+              <a:rPr lang="en-US" altLang="zh-CN" dirty="0" err="1"/>
+              <a:t>VectorCompoundOptProblemDemo</a:t>
+            </a:r>
+            <a:endParaRPr lang="en-US" altLang="zh-CN" dirty="0"/>
+          </a:p>
+          <a:p>
+            <a:pPr marL="0" indent="0">
+              <a:buNone/>
+            </a:pPr>
+            <a:r>
+              <a:rPr lang="en-US" altLang="zh-CN" dirty="0"/>
+              <a:t>for</a:t>
+            </a:r>
+            <a:r>
+              <a:rPr lang="zh-CN" altLang="en-US" dirty="0"/>
+              <a:t>循环中竞态条件：</a:t>
+            </a:r>
+            <a:r>
+              <a:rPr lang="en-US" altLang="zh-CN" dirty="0" err="1"/>
+              <a:t>ProblemInForLoop</a:t>
+            </a:r>
+            <a:endParaRPr lang="en-US" altLang="zh-CN" dirty="0"/>
+          </a:p>
+          <a:p>
+            <a:pPr marL="0" indent="0">
+              <a:buNone/>
+            </a:pPr>
+            <a:r>
+              <a:rPr lang="zh-CN" altLang="en-US" dirty="0"/>
+              <a:t>迭代器时并发修改：</a:t>
+            </a:r>
+            <a:r>
+              <a:rPr lang="en-US" altLang="zh-CN" dirty="0" err="1"/>
+              <a:t>ConcurrentModificationExceptionProblemDemo</a:t>
+            </a:r>
+            <a:endParaRPr lang="en-US" altLang="zh-CN" dirty="0"/>
+          </a:p>
+          <a:p>
+            <a:pPr marL="0" indent="0">
+              <a:buNone/>
+            </a:pPr>
+            <a:r>
+              <a:rPr lang="zh-CN" altLang="en-US" dirty="0"/>
+              <a:t>隐藏使用迭代器：</a:t>
+            </a:r>
+            <a:r>
+              <a:rPr lang="en-US" altLang="zh-CN" dirty="0" err="1"/>
+              <a:t>HiddenIteratorDemo</a:t>
+            </a:r>
+            <a:endParaRPr lang="zh-CN" altLang="en-US" dirty="0"/>
+          </a:p>
+        </p:txBody>
+      </p:sp>
+    </p:spTree>
+    <p:extLst>
+      <p:ext uri="{BB962C8B-B14F-4D97-AF65-F5344CB8AC3E}">
+        <p14:creationId xmlns:p14="http://schemas.microsoft.com/office/powerpoint/2010/main" val="1191919528"/>
+      </p:ext>
+    </p:extLst>
+  </p:cSld>
+  <p:clrMapOvr>
+    <a:masterClrMapping/>
+  </p:clrMapOvr>
+</p:sld>
+</file>
+
+<file path=ppt/slides/slide28.xml><?xml version="1.0" encoding="utf-8"?>
+<p:sld xmlns:a="http://schemas.openxmlformats.org/drawingml/2006/main" xmlns:r="http://schemas.openxmlformats.org/officeDocument/2006/relationships" xmlns:p="http://schemas.openxmlformats.org/presentationml/2006/main">
+  <p:cSld>
+    <p:spTree>
+      <p:nvGrpSpPr>
+        <p:cNvPr id="1" name=""/>
+        <p:cNvGrpSpPr/>
+        <p:nvPr/>
+      </p:nvGrpSpPr>
+      <p:grpSpPr>
+        <a:xfrm>
+          <a:off x="0" y="0"/>
+          <a:ext cx="0" cy="0"/>
+          <a:chOff x="0" y="0"/>
+          <a:chExt cx="0" cy="0"/>
+        </a:xfrm>
+      </p:grpSpPr>
+      <p:sp>
+        <p:nvSpPr>
           <p:cNvPr id="2" name="标题 1">
             <a:extLst>
               <a:ext uri="{FF2B5EF4-FFF2-40B4-BE49-F238E27FC236}">
@@ -9089,7 +9237,7 @@
 </p:sld>
 </file>
 
-<file path=ppt/slides/slide28.xml><?xml version="1.0" encoding="utf-8"?>
+<file path=ppt/slides/slide29.xml><?xml version="1.0" encoding="utf-8"?>
 <p:sld xmlns:a="http://schemas.openxmlformats.org/drawingml/2006/main" xmlns:r="http://schemas.openxmlformats.org/officeDocument/2006/relationships" xmlns:p="http://schemas.openxmlformats.org/presentationml/2006/main">
   <p:cSld>
     <p:spTree>
@@ -9179,124 +9327,6 @@
 </p:sld>
 </file>
 
-<file path=ppt/slides/slide29.xml><?xml version="1.0" encoding="utf-8"?>
-<p:sld xmlns:a="http://schemas.openxmlformats.org/drawingml/2006/main" xmlns:r="http://schemas.openxmlformats.org/officeDocument/2006/relationships" xmlns:p="http://schemas.openxmlformats.org/presentationml/2006/main">
-  <p:cSld>
-    <p:spTree>
-      <p:nvGrpSpPr>
-        <p:cNvPr id="1" name=""/>
-        <p:cNvGrpSpPr/>
-        <p:nvPr/>
-      </p:nvGrpSpPr>
-      <p:grpSpPr>
-        <a:xfrm>
-          <a:off x="0" y="0"/>
-          <a:ext cx="0" cy="0"/>
-          <a:chOff x="0" y="0"/>
-          <a:chExt cx="0" cy="0"/>
-        </a:xfrm>
-      </p:grpSpPr>
-      <p:sp>
-        <p:nvSpPr>
-          <p:cNvPr id="3" name="内容占位符 2">
-            <a:extLst>
-              <a:ext uri="{FF2B5EF4-FFF2-40B4-BE49-F238E27FC236}">
-                <a16:creationId xmlns:a16="http://schemas.microsoft.com/office/drawing/2014/main" id="{4C205ECD-2DBE-4FA4-9EF1-D442722AE33C}"/>
-              </a:ext>
-            </a:extLst>
-          </p:cNvPr>
-          <p:cNvSpPr>
-            <a:spLocks noGrp="1"/>
-          </p:cNvSpPr>
-          <p:nvPr>
-            <p:ph idx="1"/>
-          </p:nvPr>
-        </p:nvSpPr>
-        <p:spPr>
-          <a:xfrm>
-            <a:off x="845127" y="741146"/>
-            <a:ext cx="10515600" cy="5438992"/>
-          </a:xfrm>
-        </p:spPr>
-        <p:txBody>
-          <a:bodyPr/>
-          <a:lstStyle/>
-          <a:p>
-            <a:r>
-              <a:rPr lang="en-US" altLang="zh-CN" dirty="0" err="1"/>
-              <a:t>CopyOnWriteList</a:t>
-            </a:r>
-            <a:r>
-              <a:rPr lang="zh-CN" altLang="en-US" dirty="0"/>
-              <a:t>：</a:t>
-            </a:r>
-            <a:endParaRPr lang="en-US" altLang="zh-CN" dirty="0"/>
-          </a:p>
-          <a:p>
-            <a:pPr marL="0" indent="0">
-              <a:buNone/>
-            </a:pPr>
-            <a:r>
-              <a:rPr lang="zh-CN" altLang="en-US" dirty="0"/>
-              <a:t>适合“读远大于写”：使用</a:t>
-            </a:r>
-            <a:r>
-              <a:rPr lang="en-US" altLang="zh-CN" dirty="0"/>
-              <a:t>AQS</a:t>
-            </a:r>
-            <a:r>
-              <a:rPr lang="zh-CN" altLang="en-US" dirty="0"/>
-              <a:t>，并在写入时复制，不会有</a:t>
-            </a:r>
-            <a:r>
-              <a:rPr lang="en-US" altLang="zh-CN" dirty="0" err="1"/>
-              <a:t>ConcurrentModificationException</a:t>
-            </a:r>
-            <a:r>
-              <a:rPr lang="zh-CN" altLang="en-US" dirty="0"/>
-              <a:t>，容器多时复制开销大</a:t>
-            </a:r>
-            <a:endParaRPr lang="en-US" altLang="zh-CN" dirty="0"/>
-          </a:p>
-          <a:p>
-            <a:pPr marL="0" indent="0">
-              <a:buNone/>
-            </a:pPr>
-            <a:endParaRPr lang="en-US" altLang="zh-CN" dirty="0"/>
-          </a:p>
-          <a:p>
-            <a:pPr marL="0" indent="0">
-              <a:buNone/>
-            </a:pPr>
-            <a:r>
-              <a:rPr lang="zh-CN" altLang="en-US" dirty="0"/>
-              <a:t>示例：</a:t>
-            </a:r>
-            <a:r>
-              <a:rPr lang="en-US" altLang="zh-CN" dirty="0"/>
-              <a:t> </a:t>
-            </a:r>
-            <a:r>
-              <a:rPr lang="en-US" altLang="zh-CN" dirty="0" err="1"/>
-              <a:t>ConcurrentListExample</a:t>
-            </a:r>
-            <a:endParaRPr lang="en-US" altLang="zh-CN" dirty="0"/>
-          </a:p>
-        </p:txBody>
-      </p:sp>
-    </p:spTree>
-    <p:extLst>
-      <p:ext uri="{BB962C8B-B14F-4D97-AF65-F5344CB8AC3E}">
-        <p14:creationId xmlns:p14="http://schemas.microsoft.com/office/powerpoint/2010/main" val="1523894816"/>
-      </p:ext>
-    </p:extLst>
-  </p:cSld>
-  <p:clrMapOvr>
-    <a:masterClrMapping/>
-  </p:clrMapOvr>
-</p:sld>
-</file>
-
 <file path=ppt/slides/slide3.xml><?xml version="1.0" encoding="utf-8"?>
 <p:sld xmlns:a="http://schemas.openxmlformats.org/drawingml/2006/main" xmlns:r="http://schemas.openxmlformats.org/officeDocument/2006/relationships" xmlns:p="http://schemas.openxmlformats.org/presentationml/2006/main">
   <p:cSld>
@@ -9367,13 +9397,6 @@
           <a:p>
             <a:r>
               <a:rPr lang="zh-CN" altLang="en-US" dirty="0"/>
-              <a:t>通俗的讲，多线程窜改变量值</a:t>
-            </a:r>
-            <a:endParaRPr lang="en-US" altLang="zh-CN" dirty="0"/>
-          </a:p>
-          <a:p>
-            <a:r>
-              <a:rPr lang="zh-CN" altLang="en-US" dirty="0"/>
               <a:t>演示：</a:t>
             </a:r>
             <a:r>
@@ -9391,32 +9414,53 @@
             <a:endParaRPr lang="en-US" altLang="zh-CN" dirty="0"/>
           </a:p>
           <a:p>
+            <a:r>
+              <a:rPr lang="zh-CN" altLang="en-US" dirty="0"/>
+              <a:t>结论：多线程下，对共享、可变的数据的非原子操作导致线程安全问题。</a:t>
+            </a:r>
             <a:endParaRPr lang="en-US" altLang="zh-CN" dirty="0"/>
           </a:p>
           <a:p>
             <a:r>
               <a:rPr lang="zh-CN" altLang="en-US" dirty="0"/>
-              <a:t>窜改结果表现为：</a:t>
+              <a:t>表现：共享数据在一个线程操作过程中，被另一个线程窜改</a:t>
             </a:r>
             <a:endParaRPr lang="en-US" altLang="zh-CN" dirty="0"/>
           </a:p>
           <a:p>
-            <a:pPr marL="0" indent="0">
-              <a:buNone/>
+            <a:r>
+              <a:rPr lang="zh-CN" altLang="en-US" dirty="0"/>
+              <a:t>窜改结果：</a:t>
+            </a:r>
+            <a:endParaRPr lang="en-US" altLang="zh-CN" dirty="0"/>
+          </a:p>
+          <a:p>
+            <a:pPr lvl="1">
+              <a:buFont typeface="Wingdings" panose="05000000000000000000" pitchFamily="2" charset="2"/>
+              <a:buChar char="Ø"/>
             </a:pPr>
             <a:r>
               <a:rPr lang="zh-CN" altLang="en-US" dirty="0"/>
-              <a:t>纵向看，数据前后不一致，体现在基本数据类型</a:t>
+              <a:t>时间上看，共享数据前后不一致，体现在基本数据类型。如</a:t>
+            </a:r>
+            <a:r>
+              <a:rPr lang="en-US" altLang="zh-CN" dirty="0"/>
+              <a:t> </a:t>
+            </a:r>
+            <a:r>
+              <a:rPr lang="en-US" altLang="zh-CN" dirty="0" err="1"/>
+              <a:t>UnsafeDemo</a:t>
             </a:r>
             <a:endParaRPr lang="en-US" altLang="zh-CN" dirty="0"/>
           </a:p>
           <a:p>
-            <a:pPr marL="0" indent="0">
-              <a:buNone/>
+            <a:pPr lvl="1">
+              <a:buFont typeface="Wingdings" panose="05000000000000000000" pitchFamily="2" charset="2"/>
+              <a:buChar char="Ø"/>
             </a:pPr>
             <a:r>
               <a:rPr lang="zh-CN" altLang="en-US" dirty="0"/>
-              <a:t>横向看，数据不同部分不一致，体现在引用数据类型，还有</a:t>
+              <a:t>空间上看，共享数据不同部分不一致，体现在对象，还有</a:t>
             </a:r>
             <a:r>
               <a:rPr lang="en-US" altLang="zh-CN" dirty="0"/>
@@ -9428,8 +9472,17 @@
             </a:r>
             <a:r>
               <a:rPr lang="en-US" altLang="zh-CN" dirty="0"/>
-              <a:t>float, double</a:t>
-            </a:r>
+              <a:t>long, double</a:t>
+            </a:r>
+            <a:r>
+              <a:rPr lang="zh-CN" altLang="en-US" dirty="0"/>
+              <a:t>。如</a:t>
+            </a:r>
+            <a:r>
+              <a:rPr lang="en-US" altLang="zh-CN" dirty="0" err="1"/>
+              <a:t>UnsafeCarPositionDemo</a:t>
+            </a:r>
+            <a:endParaRPr lang="en-US" altLang="zh-CN" dirty="0"/>
           </a:p>
           <a:p>
             <a:pPr marL="0" indent="0">
@@ -9483,6 +9536,124 @@
       </p:grpSpPr>
       <p:sp>
         <p:nvSpPr>
+          <p:cNvPr id="3" name="内容占位符 2">
+            <a:extLst>
+              <a:ext uri="{FF2B5EF4-FFF2-40B4-BE49-F238E27FC236}">
+                <a16:creationId xmlns:a16="http://schemas.microsoft.com/office/drawing/2014/main" id="{4C205ECD-2DBE-4FA4-9EF1-D442722AE33C}"/>
+              </a:ext>
+            </a:extLst>
+          </p:cNvPr>
+          <p:cNvSpPr>
+            <a:spLocks noGrp="1"/>
+          </p:cNvSpPr>
+          <p:nvPr>
+            <p:ph idx="1"/>
+          </p:nvPr>
+        </p:nvSpPr>
+        <p:spPr>
+          <a:xfrm>
+            <a:off x="845127" y="741146"/>
+            <a:ext cx="10515600" cy="5438992"/>
+          </a:xfrm>
+        </p:spPr>
+        <p:txBody>
+          <a:bodyPr/>
+          <a:lstStyle/>
+          <a:p>
+            <a:r>
+              <a:rPr lang="en-US" altLang="zh-CN" dirty="0" err="1"/>
+              <a:t>CopyOnWriteList</a:t>
+            </a:r>
+            <a:r>
+              <a:rPr lang="zh-CN" altLang="en-US" dirty="0"/>
+              <a:t>：</a:t>
+            </a:r>
+            <a:endParaRPr lang="en-US" altLang="zh-CN" dirty="0"/>
+          </a:p>
+          <a:p>
+            <a:pPr marL="0" indent="0">
+              <a:buNone/>
+            </a:pPr>
+            <a:r>
+              <a:rPr lang="zh-CN" altLang="en-US" dirty="0"/>
+              <a:t>适合“读远大于写”：使用</a:t>
+            </a:r>
+            <a:r>
+              <a:rPr lang="en-US" altLang="zh-CN" dirty="0"/>
+              <a:t>AQS</a:t>
+            </a:r>
+            <a:r>
+              <a:rPr lang="zh-CN" altLang="en-US" dirty="0"/>
+              <a:t>，并在写入时复制，不会有</a:t>
+            </a:r>
+            <a:r>
+              <a:rPr lang="en-US" altLang="zh-CN" dirty="0" err="1"/>
+              <a:t>ConcurrentModificationException</a:t>
+            </a:r>
+            <a:r>
+              <a:rPr lang="zh-CN" altLang="en-US" dirty="0"/>
+              <a:t>，容器多时复制开销大</a:t>
+            </a:r>
+            <a:endParaRPr lang="en-US" altLang="zh-CN" dirty="0"/>
+          </a:p>
+          <a:p>
+            <a:pPr marL="0" indent="0">
+              <a:buNone/>
+            </a:pPr>
+            <a:endParaRPr lang="en-US" altLang="zh-CN" dirty="0"/>
+          </a:p>
+          <a:p>
+            <a:pPr marL="0" indent="0">
+              <a:buNone/>
+            </a:pPr>
+            <a:r>
+              <a:rPr lang="zh-CN" altLang="en-US" dirty="0"/>
+              <a:t>示例：</a:t>
+            </a:r>
+            <a:r>
+              <a:rPr lang="en-US" altLang="zh-CN" dirty="0"/>
+              <a:t> </a:t>
+            </a:r>
+            <a:r>
+              <a:rPr lang="en-US" altLang="zh-CN" dirty="0" err="1"/>
+              <a:t>ConcurrentListExample</a:t>
+            </a:r>
+            <a:endParaRPr lang="en-US" altLang="zh-CN" dirty="0"/>
+          </a:p>
+        </p:txBody>
+      </p:sp>
+    </p:spTree>
+    <p:extLst>
+      <p:ext uri="{BB962C8B-B14F-4D97-AF65-F5344CB8AC3E}">
+        <p14:creationId xmlns:p14="http://schemas.microsoft.com/office/powerpoint/2010/main" val="1523894816"/>
+      </p:ext>
+    </p:extLst>
+  </p:cSld>
+  <p:clrMapOvr>
+    <a:masterClrMapping/>
+  </p:clrMapOvr>
+</p:sld>
+</file>
+
+<file path=ppt/slides/slide31.xml><?xml version="1.0" encoding="utf-8"?>
+<p:sld xmlns:a="http://schemas.openxmlformats.org/drawingml/2006/main" xmlns:r="http://schemas.openxmlformats.org/officeDocument/2006/relationships" xmlns:p="http://schemas.openxmlformats.org/presentationml/2006/main">
+  <p:cSld>
+    <p:spTree>
+      <p:nvGrpSpPr>
+        <p:cNvPr id="1" name=""/>
+        <p:cNvGrpSpPr/>
+        <p:nvPr/>
+      </p:nvGrpSpPr>
+      <p:grpSpPr>
+        <a:xfrm>
+          <a:off x="0" y="0"/>
+          <a:ext cx="0" cy="0"/>
+          <a:chOff x="0" y="0"/>
+          <a:chExt cx="0" cy="0"/>
+        </a:xfrm>
+      </p:grpSpPr>
+      <p:sp>
+        <p:nvSpPr>
           <p:cNvPr id="2" name="标题 1">
             <a:extLst>
               <a:ext uri="{FF2B5EF4-FFF2-40B4-BE49-F238E27FC236}">
@@ -9663,7 +9834,7 @@
 </p:sld>
 </file>
 
-<file path=ppt/slides/slide31.xml><?xml version="1.0" encoding="utf-8"?>
+<file path=ppt/slides/slide32.xml><?xml version="1.0" encoding="utf-8"?>
 <p:sld xmlns:a="http://schemas.openxmlformats.org/drawingml/2006/main" xmlns:r="http://schemas.openxmlformats.org/officeDocument/2006/relationships" xmlns:p="http://schemas.openxmlformats.org/presentationml/2006/main">
   <p:cSld>
     <p:spTree>
@@ -10280,188 +10451,6 @@
 </p:sld>
 </file>
 
-<file path=ppt/slides/slide32.xml><?xml version="1.0" encoding="utf-8"?>
-<p:sld xmlns:a="http://schemas.openxmlformats.org/drawingml/2006/main" xmlns:r="http://schemas.openxmlformats.org/officeDocument/2006/relationships" xmlns:p="http://schemas.openxmlformats.org/presentationml/2006/main">
-  <p:cSld>
-    <p:spTree>
-      <p:nvGrpSpPr>
-        <p:cNvPr id="1" name=""/>
-        <p:cNvGrpSpPr/>
-        <p:nvPr/>
-      </p:nvGrpSpPr>
-      <p:grpSpPr>
-        <a:xfrm>
-          <a:off x="0" y="0"/>
-          <a:ext cx="0" cy="0"/>
-          <a:chOff x="0" y="0"/>
-          <a:chExt cx="0" cy="0"/>
-        </a:xfrm>
-      </p:grpSpPr>
-      <p:sp>
-        <p:nvSpPr>
-          <p:cNvPr id="2" name="标题 1">
-            <a:extLst>
-              <a:ext uri="{FF2B5EF4-FFF2-40B4-BE49-F238E27FC236}">
-                <a16:creationId xmlns:a16="http://schemas.microsoft.com/office/drawing/2014/main" id="{F8F02A9A-0C9A-4D8D-A584-593BAD8E6E3D}"/>
-              </a:ext>
-            </a:extLst>
-          </p:cNvPr>
-          <p:cNvSpPr>
-            <a:spLocks noGrp="1"/>
-          </p:cNvSpPr>
-          <p:nvPr>
-            <p:ph type="title"/>
-          </p:nvPr>
-        </p:nvSpPr>
-        <p:spPr/>
-        <p:txBody>
-          <a:bodyPr/>
-          <a:lstStyle/>
-          <a:p>
-            <a:r>
-              <a:rPr lang="zh-CN" altLang="en-US" dirty="0"/>
-              <a:t>同步工具</a:t>
-            </a:r>
-          </a:p>
-        </p:txBody>
-      </p:sp>
-      <p:sp>
-        <p:nvSpPr>
-          <p:cNvPr id="3" name="内容占位符 2">
-            <a:extLst>
-              <a:ext uri="{FF2B5EF4-FFF2-40B4-BE49-F238E27FC236}">
-                <a16:creationId xmlns:a16="http://schemas.microsoft.com/office/drawing/2014/main" id="{A25AA25B-AD45-44E5-B557-DCF3E5C1E805}"/>
-              </a:ext>
-            </a:extLst>
-          </p:cNvPr>
-          <p:cNvSpPr>
-            <a:spLocks noGrp="1"/>
-          </p:cNvSpPr>
-          <p:nvPr>
-            <p:ph idx="1"/>
-          </p:nvPr>
-        </p:nvSpPr>
-        <p:spPr/>
-        <p:txBody>
-          <a:bodyPr>
-            <a:normAutofit/>
-          </a:bodyPr>
-          <a:lstStyle/>
-          <a:p>
-            <a:r>
-              <a:rPr lang="zh-CN" altLang="en-US" dirty="0"/>
-              <a:t>闭锁：</a:t>
-            </a:r>
-            <a:r>
-              <a:rPr lang="en-US" altLang="zh-CN" dirty="0"/>
-              <a:t> </a:t>
-            </a:r>
-            <a:r>
-              <a:rPr lang="en-US" altLang="zh-CN" dirty="0" err="1"/>
-              <a:t>CountDownLatch</a:t>
-            </a:r>
-            <a:endParaRPr lang="en-US" altLang="zh-CN" dirty="0"/>
-          </a:p>
-          <a:p>
-            <a:pPr marL="0" indent="0">
-              <a:buNone/>
-            </a:pPr>
-            <a:r>
-              <a:rPr lang="en-US" altLang="zh-CN" dirty="0" err="1"/>
-              <a:t>api</a:t>
-            </a:r>
-            <a:r>
-              <a:rPr lang="en-US" altLang="zh-CN" dirty="0"/>
-              <a:t>: countdown, await</a:t>
-            </a:r>
-          </a:p>
-          <a:p>
-            <a:pPr marL="0" indent="0">
-              <a:buNone/>
-            </a:pPr>
-            <a:r>
-              <a:rPr lang="zh-CN" altLang="en-US" dirty="0"/>
-              <a:t>示例：</a:t>
-            </a:r>
-            <a:r>
-              <a:rPr lang="en-US" altLang="zh-CN" dirty="0"/>
-              <a:t> </a:t>
-            </a:r>
-            <a:r>
-              <a:rPr lang="en-US" altLang="zh-CN" dirty="0" err="1"/>
-              <a:t>CountDownLatchDemo</a:t>
-            </a:r>
-            <a:endParaRPr lang="en-US" altLang="zh-CN" dirty="0"/>
-          </a:p>
-          <a:p>
-            <a:pPr marL="0" indent="0">
-              <a:buNone/>
-            </a:pPr>
-            <a:endParaRPr lang="en-US" altLang="zh-CN" dirty="0"/>
-          </a:p>
-          <a:p>
-            <a:r>
-              <a:rPr lang="zh-CN" altLang="en-US" dirty="0"/>
-              <a:t>未来任务：</a:t>
-            </a:r>
-            <a:r>
-              <a:rPr lang="en-US" altLang="zh-CN" dirty="0" err="1"/>
-              <a:t>FutureTask</a:t>
-            </a:r>
-            <a:endParaRPr lang="en-US" altLang="zh-CN" dirty="0"/>
-          </a:p>
-          <a:p>
-            <a:pPr marL="0" indent="0">
-              <a:buNone/>
-            </a:pPr>
-            <a:r>
-              <a:rPr lang="en-US" altLang="zh-CN" dirty="0" err="1"/>
-              <a:t>api</a:t>
-            </a:r>
-            <a:r>
-              <a:rPr lang="en-US" altLang="zh-CN" dirty="0"/>
-              <a:t>: constructor(Callable), get, run</a:t>
-            </a:r>
-          </a:p>
-          <a:p>
-            <a:pPr marL="0" indent="0">
-              <a:buNone/>
-            </a:pPr>
-            <a:r>
-              <a:rPr lang="zh-CN" altLang="en-US" dirty="0"/>
-              <a:t>示例：</a:t>
-            </a:r>
-            <a:r>
-              <a:rPr lang="en-US" altLang="zh-CN" dirty="0"/>
-              <a:t> </a:t>
-            </a:r>
-            <a:r>
-              <a:rPr lang="en-US" altLang="zh-CN" dirty="0" err="1"/>
-              <a:t>FutureTaskDemo</a:t>
-            </a:r>
-            <a:endParaRPr lang="en-US" altLang="zh-CN" dirty="0"/>
-          </a:p>
-          <a:p>
-            <a:pPr marL="0" indent="0">
-              <a:buNone/>
-            </a:pPr>
-            <a:endParaRPr lang="en-US" altLang="zh-CN" dirty="0"/>
-          </a:p>
-        </p:txBody>
-      </p:sp>
-    </p:spTree>
-    <p:extLst>
-      <p:ext uri="{BB962C8B-B14F-4D97-AF65-F5344CB8AC3E}">
-        <p14:creationId xmlns:p14="http://schemas.microsoft.com/office/powerpoint/2010/main" val="2117826024"/>
-      </p:ext>
-    </p:extLst>
-  </p:cSld>
-  <p:clrMapOvr>
-    <a:masterClrMapping/>
-  </p:clrMapOvr>
-</p:sld>
-</file>
-
 <file path=ppt/slides/slide33.xml><?xml version="1.0" encoding="utf-8"?>
 <p:sld xmlns:a="http://schemas.openxmlformats.org/drawingml/2006/main" xmlns:r="http://schemas.openxmlformats.org/officeDocument/2006/relationships" xmlns:p="http://schemas.openxmlformats.org/presentationml/2006/main">
   <p:cSld>
@@ -10481,10 +10470,38 @@
       </p:grpSpPr>
       <p:sp>
         <p:nvSpPr>
+          <p:cNvPr id="2" name="标题 1">
+            <a:extLst>
+              <a:ext uri="{FF2B5EF4-FFF2-40B4-BE49-F238E27FC236}">
+                <a16:creationId xmlns:a16="http://schemas.microsoft.com/office/drawing/2014/main" id="{F8F02A9A-0C9A-4D8D-A584-593BAD8E6E3D}"/>
+              </a:ext>
+            </a:extLst>
+          </p:cNvPr>
+          <p:cNvSpPr>
+            <a:spLocks noGrp="1"/>
+          </p:cNvSpPr>
+          <p:nvPr>
+            <p:ph type="title"/>
+          </p:nvPr>
+        </p:nvSpPr>
+        <p:spPr/>
+        <p:txBody>
+          <a:bodyPr/>
+          <a:lstStyle/>
+          <a:p>
+            <a:r>
+              <a:rPr lang="zh-CN" altLang="en-US" dirty="0"/>
+              <a:t>同步工具</a:t>
+            </a:r>
+          </a:p>
+        </p:txBody>
+      </p:sp>
+      <p:sp>
+        <p:nvSpPr>
           <p:cNvPr id="3" name="内容占位符 2">
             <a:extLst>
               <a:ext uri="{FF2B5EF4-FFF2-40B4-BE49-F238E27FC236}">
-                <a16:creationId xmlns:a16="http://schemas.microsoft.com/office/drawing/2014/main" id="{8B25E363-34AF-47E1-A332-A6D79349D725}"/>
+                <a16:creationId xmlns:a16="http://schemas.microsoft.com/office/drawing/2014/main" id="{A25AA25B-AD45-44E5-B557-DCF3E5C1E805}"/>
               </a:ext>
             </a:extLst>
           </p:cNvPr>
@@ -10495,27 +10512,24 @@
             <p:ph idx="1"/>
           </p:nvPr>
         </p:nvSpPr>
-        <p:spPr>
-          <a:xfrm>
-            <a:off x="845127" y="808522"/>
-            <a:ext cx="10515600" cy="5371615"/>
-          </a:xfrm>
-        </p:spPr>
-        <p:txBody>
-          <a:bodyPr/>
-          <a:lstStyle/>
-          <a:p>
-            <a:r>
-              <a:rPr lang="zh-CN" altLang="en-US" dirty="0"/>
-              <a:t>信号量：</a:t>
+        <p:spPr/>
+        <p:txBody>
+          <a:bodyPr>
+            <a:normAutofit/>
+          </a:bodyPr>
+          <a:lstStyle/>
+          <a:p>
+            <a:r>
+              <a:rPr lang="zh-CN" altLang="en-US" dirty="0"/>
+              <a:t>闭锁：</a:t>
             </a:r>
             <a:r>
               <a:rPr lang="en-US" altLang="zh-CN" dirty="0"/>
-              <a:t>Semaphore: </a:t>
-            </a:r>
-            <a:r>
-              <a:rPr lang="zh-CN" altLang="en-US" dirty="0"/>
-              <a:t>许可证</a:t>
+              <a:t> </a:t>
+            </a:r>
+            <a:r>
+              <a:rPr lang="en-US" altLang="zh-CN" dirty="0" err="1"/>
+              <a:t>CountDownLatch</a:t>
             </a:r>
             <a:endParaRPr lang="en-US" altLang="zh-CN" dirty="0"/>
           </a:p>
@@ -10529,15 +10543,7 @@
             </a:r>
             <a:r>
               <a:rPr lang="en-US" altLang="zh-CN" dirty="0"/>
-              <a:t>: </a:t>
-            </a:r>
-            <a:r>
-              <a:rPr lang="en-US" altLang="zh-CN" dirty="0" err="1"/>
-              <a:t>aquire</a:t>
-            </a:r>
-            <a:r>
-              <a:rPr lang="en-US" altLang="zh-CN" dirty="0"/>
-              <a:t>, release</a:t>
+              <a:t>: countdown, await</a:t>
             </a:r>
           </a:p>
           <a:p>
@@ -10554,7 +10560,7 @@
             </a:r>
             <a:r>
               <a:rPr lang="en-US" altLang="zh-CN" dirty="0" err="1"/>
-              <a:t>SemaphoreDemo</a:t>
+              <a:t>CountDownLatchDemo</a:t>
             </a:r>
             <a:endParaRPr lang="en-US" altLang="zh-CN" dirty="0"/>
           </a:p>
@@ -10567,11 +10573,11 @@
           <a:p>
             <a:r>
               <a:rPr lang="zh-CN" altLang="en-US" dirty="0"/>
-              <a:t>循环栅栏：</a:t>
+              <a:t>未来任务：</a:t>
             </a:r>
             <a:r>
               <a:rPr lang="en-US" altLang="zh-CN" dirty="0" err="1"/>
-              <a:t>CyclicBarrier</a:t>
+              <a:t>FutureTask</a:t>
             </a:r>
             <a:endParaRPr lang="en-US" altLang="zh-CN" dirty="0"/>
           </a:p>
@@ -10585,7 +10591,7 @@
             </a:r>
             <a:r>
               <a:rPr lang="en-US" altLang="zh-CN" dirty="0"/>
-              <a:t>: await</a:t>
+              <a:t>: constructor(Callable), get, run</a:t>
             </a:r>
           </a:p>
           <a:p>
@@ -10597,20 +10603,27 @@
               <a:t>示例：</a:t>
             </a:r>
             <a:r>
+              <a:rPr lang="en-US" altLang="zh-CN" dirty="0"/>
+              <a:t> </a:t>
+            </a:r>
+            <a:r>
               <a:rPr lang="en-US" altLang="zh-CN" dirty="0" err="1"/>
-              <a:t>SemaphoreDemo</a:t>
+              <a:t>FutureTaskDemo</a:t>
             </a:r>
             <a:endParaRPr lang="en-US" altLang="zh-CN" dirty="0"/>
           </a:p>
           <a:p>
-            <a:endParaRPr lang="zh-CN" altLang="en-US" dirty="0"/>
+            <a:pPr marL="0" indent="0">
+              <a:buNone/>
+            </a:pPr>
+            <a:endParaRPr lang="en-US" altLang="zh-CN" dirty="0"/>
           </a:p>
         </p:txBody>
       </p:sp>
     </p:spTree>
     <p:extLst>
       <p:ext uri="{BB962C8B-B14F-4D97-AF65-F5344CB8AC3E}">
-        <p14:creationId xmlns:p14="http://schemas.microsoft.com/office/powerpoint/2010/main" val="3165687488"/>
+        <p14:creationId xmlns:p14="http://schemas.microsoft.com/office/powerpoint/2010/main" val="2117826024"/>
       </p:ext>
     </p:extLst>
   </p:cSld>
@@ -10639,6 +10652,164 @@
       </p:grpSpPr>
       <p:sp>
         <p:nvSpPr>
+          <p:cNvPr id="3" name="内容占位符 2">
+            <a:extLst>
+              <a:ext uri="{FF2B5EF4-FFF2-40B4-BE49-F238E27FC236}">
+                <a16:creationId xmlns:a16="http://schemas.microsoft.com/office/drawing/2014/main" id="{8B25E363-34AF-47E1-A332-A6D79349D725}"/>
+              </a:ext>
+            </a:extLst>
+          </p:cNvPr>
+          <p:cNvSpPr>
+            <a:spLocks noGrp="1"/>
+          </p:cNvSpPr>
+          <p:nvPr>
+            <p:ph idx="1"/>
+          </p:nvPr>
+        </p:nvSpPr>
+        <p:spPr>
+          <a:xfrm>
+            <a:off x="845127" y="808522"/>
+            <a:ext cx="10515600" cy="5371615"/>
+          </a:xfrm>
+        </p:spPr>
+        <p:txBody>
+          <a:bodyPr/>
+          <a:lstStyle/>
+          <a:p>
+            <a:r>
+              <a:rPr lang="zh-CN" altLang="en-US" dirty="0"/>
+              <a:t>信号量：</a:t>
+            </a:r>
+            <a:r>
+              <a:rPr lang="en-US" altLang="zh-CN" dirty="0"/>
+              <a:t>Semaphore: </a:t>
+            </a:r>
+            <a:r>
+              <a:rPr lang="zh-CN" altLang="en-US" dirty="0"/>
+              <a:t>许可证</a:t>
+            </a:r>
+            <a:endParaRPr lang="en-US" altLang="zh-CN" dirty="0"/>
+          </a:p>
+          <a:p>
+            <a:pPr marL="0" indent="0">
+              <a:buNone/>
+            </a:pPr>
+            <a:r>
+              <a:rPr lang="en-US" altLang="zh-CN" dirty="0" err="1"/>
+              <a:t>api</a:t>
+            </a:r>
+            <a:r>
+              <a:rPr lang="en-US" altLang="zh-CN" dirty="0"/>
+              <a:t>: </a:t>
+            </a:r>
+            <a:r>
+              <a:rPr lang="en-US" altLang="zh-CN" dirty="0" err="1"/>
+              <a:t>aquire</a:t>
+            </a:r>
+            <a:r>
+              <a:rPr lang="en-US" altLang="zh-CN" dirty="0"/>
+              <a:t>, release</a:t>
+            </a:r>
+          </a:p>
+          <a:p>
+            <a:pPr marL="0" indent="0">
+              <a:buNone/>
+            </a:pPr>
+            <a:r>
+              <a:rPr lang="zh-CN" altLang="en-US" dirty="0"/>
+              <a:t>示例：</a:t>
+            </a:r>
+            <a:r>
+              <a:rPr lang="en-US" altLang="zh-CN" dirty="0"/>
+              <a:t> </a:t>
+            </a:r>
+            <a:r>
+              <a:rPr lang="en-US" altLang="zh-CN" dirty="0" err="1"/>
+              <a:t>SemaphoreDemo</a:t>
+            </a:r>
+            <a:endParaRPr lang="en-US" altLang="zh-CN" dirty="0"/>
+          </a:p>
+          <a:p>
+            <a:pPr marL="0" indent="0">
+              <a:buNone/>
+            </a:pPr>
+            <a:endParaRPr lang="en-US" altLang="zh-CN" dirty="0"/>
+          </a:p>
+          <a:p>
+            <a:r>
+              <a:rPr lang="zh-CN" altLang="en-US" dirty="0"/>
+              <a:t>循环栅栏：</a:t>
+            </a:r>
+            <a:r>
+              <a:rPr lang="en-US" altLang="zh-CN" dirty="0" err="1"/>
+              <a:t>CyclicBarrier</a:t>
+            </a:r>
+            <a:endParaRPr lang="en-US" altLang="zh-CN" dirty="0"/>
+          </a:p>
+          <a:p>
+            <a:pPr marL="0" indent="0">
+              <a:buNone/>
+            </a:pPr>
+            <a:r>
+              <a:rPr lang="en-US" altLang="zh-CN" dirty="0" err="1"/>
+              <a:t>api</a:t>
+            </a:r>
+            <a:r>
+              <a:rPr lang="en-US" altLang="zh-CN" dirty="0"/>
+              <a:t>: await</a:t>
+            </a:r>
+          </a:p>
+          <a:p>
+            <a:pPr marL="0" indent="0">
+              <a:buNone/>
+            </a:pPr>
+            <a:r>
+              <a:rPr lang="zh-CN" altLang="en-US" dirty="0"/>
+              <a:t>示例：</a:t>
+            </a:r>
+            <a:r>
+              <a:rPr lang="en-US" altLang="zh-CN" dirty="0" err="1"/>
+              <a:t>SemaphoreDemo</a:t>
+            </a:r>
+            <a:endParaRPr lang="en-US" altLang="zh-CN" dirty="0"/>
+          </a:p>
+          <a:p>
+            <a:endParaRPr lang="zh-CN" altLang="en-US" dirty="0"/>
+          </a:p>
+        </p:txBody>
+      </p:sp>
+    </p:spTree>
+    <p:extLst>
+      <p:ext uri="{BB962C8B-B14F-4D97-AF65-F5344CB8AC3E}">
+        <p14:creationId xmlns:p14="http://schemas.microsoft.com/office/powerpoint/2010/main" val="3165687488"/>
+      </p:ext>
+    </p:extLst>
+  </p:cSld>
+  <p:clrMapOvr>
+    <a:masterClrMapping/>
+  </p:clrMapOvr>
+</p:sld>
+</file>
+
+<file path=ppt/slides/slide35.xml><?xml version="1.0" encoding="utf-8"?>
+<p:sld xmlns:a="http://schemas.openxmlformats.org/drawingml/2006/main" xmlns:r="http://schemas.openxmlformats.org/officeDocument/2006/relationships" xmlns:p="http://schemas.openxmlformats.org/presentationml/2006/main">
+  <p:cSld>
+    <p:spTree>
+      <p:nvGrpSpPr>
+        <p:cNvPr id="1" name=""/>
+        <p:cNvGrpSpPr/>
+        <p:nvPr/>
+      </p:nvGrpSpPr>
+      <p:grpSpPr>
+        <a:xfrm>
+          <a:off x="0" y="0"/>
+          <a:ext cx="0" cy="0"/>
+          <a:chOff x="0" y="0"/>
+          <a:chExt cx="0" cy="0"/>
+        </a:xfrm>
+      </p:grpSpPr>
+      <p:sp>
+        <p:nvSpPr>
           <p:cNvPr id="2" name="标题 1">
             <a:extLst>
               <a:ext uri="{FF2B5EF4-FFF2-40B4-BE49-F238E27FC236}">
@@ -10687,12 +10858,8 @@
           <a:lstStyle/>
           <a:p>
             <a:r>
-              <a:rPr lang="zh-CN" altLang="en-US"/>
-              <a:t>通过代理模式实现的一</a:t>
-            </a:r>
-            <a:r>
-              <a:rPr lang="zh-CN" altLang="en-US" dirty="0"/>
-              <a:t>种结果缓存</a:t>
+              <a:rPr lang="zh-CN" altLang="en-US" dirty="0"/>
+              <a:t>通过代理模式实现的一种结果缓存</a:t>
             </a:r>
             <a:endParaRPr lang="en-US" altLang="zh-CN" dirty="0"/>
           </a:p>
@@ -10797,19 +10964,9 @@
           <a:bodyPr/>
           <a:lstStyle/>
           <a:p>
-            <a:pPr marL="0" indent="0">
-              <a:buNone/>
-            </a:pPr>
-            <a:r>
-              <a:rPr lang="zh-CN" altLang="en-US" dirty="0"/>
-              <a:t>通过实现原子操作来保证线程安全：</a:t>
-            </a:r>
-            <a:endParaRPr lang="en-US" altLang="zh-CN" dirty="0"/>
-          </a:p>
-          <a:p>
-            <a:r>
-              <a:rPr lang="zh-CN" altLang="en-US" dirty="0"/>
-              <a:t>加锁 </a:t>
+            <a:r>
+              <a:rPr lang="zh-CN" altLang="en-US" dirty="0"/>
+              <a:t>内置锁 </a:t>
             </a:r>
             <a:r>
               <a:rPr lang="en-US" altLang="zh-CN" dirty="0"/>
@@ -10821,38 +10978,40 @@
               <a:rPr lang="zh-CN" altLang="en-US" dirty="0"/>
               <a:t>原子类</a:t>
             </a:r>
+            <a:r>
+              <a:rPr lang="en-US" altLang="zh-CN" dirty="0" err="1"/>
+              <a:t>AtomicInteger</a:t>
+            </a:r>
             <a:endParaRPr lang="en-US" altLang="zh-CN" dirty="0"/>
           </a:p>
           <a:p>
-            <a:pPr marL="0" indent="0">
-              <a:buNone/>
-            </a:pPr>
-            <a:endParaRPr lang="en-US" altLang="zh-CN" dirty="0"/>
-          </a:p>
-          <a:p>
-            <a:pPr marL="0" indent="0">
-              <a:buNone/>
-            </a:pPr>
-            <a:r>
-              <a:rPr lang="zh-CN" altLang="en-US" dirty="0"/>
-              <a:t>对比：</a:t>
+            <a:r>
+              <a:rPr lang="zh-CN" altLang="en-US" dirty="0"/>
+              <a:t>线程封闭</a:t>
             </a:r>
             <a:r>
               <a:rPr lang="en-US" altLang="zh-CN" dirty="0" err="1"/>
-              <a:t>UnsafeCountDemo</a:t>
+              <a:t>ThreadLocal</a:t>
             </a:r>
             <a:r>
               <a:rPr lang="en-US" altLang="zh-CN" dirty="0"/>
               <a:t> </a:t>
             </a:r>
-            <a:r>
-              <a:rPr lang="zh-CN" altLang="en-US" dirty="0"/>
-              <a:t>和 </a:t>
-            </a:r>
-            <a:r>
-              <a:rPr lang="en-US" altLang="zh-CN" dirty="0" err="1"/>
-              <a:t>AtomicObjectCountDemo</a:t>
-            </a:r>
+          </a:p>
+          <a:p>
+            <a:r>
+              <a:rPr lang="zh-CN" altLang="en-US" dirty="0"/>
+              <a:t>不可变</a:t>
+            </a:r>
+            <a:r>
+              <a:rPr lang="en-US" altLang="zh-CN" dirty="0"/>
+              <a:t>final</a:t>
+            </a:r>
+          </a:p>
+          <a:p>
+            <a:pPr marL="0" indent="0">
+              <a:buNone/>
+            </a:pPr>
             <a:endParaRPr lang="en-US" altLang="zh-CN" dirty="0"/>
           </a:p>
           <a:p>
@@ -11057,7 +11216,7 @@
           <p:cNvPr id="2" name="标题 1">
             <a:extLst>
               <a:ext uri="{FF2B5EF4-FFF2-40B4-BE49-F238E27FC236}">
-                <a16:creationId xmlns:a16="http://schemas.microsoft.com/office/drawing/2014/main" id="{47DFBBB4-ED41-4D16-A134-7675B2394A41}"/>
+                <a16:creationId xmlns:a16="http://schemas.microsoft.com/office/drawing/2014/main" id="{3E856EEF-6D8D-4FA6-BFDC-1E48EEA3D2BE}"/>
               </a:ext>
             </a:extLst>
           </p:cNvPr>
@@ -11075,7 +11234,7 @@
           <a:p>
             <a:r>
               <a:rPr lang="zh-CN" altLang="en-US" dirty="0"/>
-              <a:t>判断题</a:t>
+              <a:t>原子类</a:t>
             </a:r>
           </a:p>
         </p:txBody>
@@ -11085,7 +11244,7 @@
           <p:cNvPr id="3" name="内容占位符 2">
             <a:extLst>
               <a:ext uri="{FF2B5EF4-FFF2-40B4-BE49-F238E27FC236}">
-                <a16:creationId xmlns:a16="http://schemas.microsoft.com/office/drawing/2014/main" id="{5809F030-9203-4212-B057-DEB29C8719EE}"/>
+                <a16:creationId xmlns:a16="http://schemas.microsoft.com/office/drawing/2014/main" id="{A5E2796D-5D5A-424B-90E5-D9CF57E135FC}"/>
               </a:ext>
             </a:extLst>
           </p:cNvPr>
@@ -11102,23 +11261,161 @@
           <a:lstStyle/>
           <a:p>
             <a:r>
+              <a:rPr lang="en-US" altLang="zh-CN" dirty="0"/>
+              <a:t>jdk5</a:t>
+            </a:r>
+            <a:r>
+              <a:rPr lang="zh-CN" altLang="en-US" dirty="0"/>
+              <a:t>开始提供的原子包：</a:t>
+            </a:r>
+            <a:r>
               <a:rPr lang="en-US" altLang="zh-CN" dirty="0" err="1"/>
-              <a:t>RaceConditionDemo</a:t>
+              <a:t>java.util.concurrent.atomic</a:t>
+            </a:r>
+            <a:r>
+              <a:rPr lang="zh-CN" altLang="en-US" dirty="0"/>
+              <a:t>，其中类中的成员方法都是原子的</a:t>
             </a:r>
             <a:endParaRPr lang="en-US" altLang="zh-CN" dirty="0"/>
           </a:p>
           <a:p>
+            <a:pPr marL="0" indent="0">
+              <a:buNone/>
+            </a:pPr>
+            <a:endParaRPr lang="en-US" altLang="zh-CN" dirty="0"/>
+          </a:p>
+          <a:p>
+            <a:r>
+              <a:rPr lang="zh-CN" altLang="en-US" dirty="0"/>
+              <a:t>演示：</a:t>
+            </a:r>
+            <a:r>
+              <a:rPr lang="en-US" altLang="zh-CN" dirty="0"/>
+              <a:t> </a:t>
+            </a:r>
+          </a:p>
+          <a:p>
+            <a:pPr marL="0" indent="0">
+              <a:buNone/>
+            </a:pPr>
             <a:r>
               <a:rPr lang="en-US" altLang="zh-CN" dirty="0" err="1"/>
-              <a:t>NarrowAtomicScopeDemo</a:t>
+              <a:t>AtomicInteger</a:t>
+            </a:r>
+            <a:r>
+              <a:rPr lang="zh-CN" altLang="en-US" dirty="0"/>
+              <a:t>：</a:t>
+            </a:r>
+            <a:r>
+              <a:rPr lang="en-US" altLang="zh-CN" dirty="0" err="1"/>
+              <a:t>SafeAtomicObjectCounterDemo</a:t>
+            </a:r>
+            <a:r>
+              <a:rPr lang="zh-CN" altLang="en-US" dirty="0"/>
+              <a:t>。原理：乐观锁</a:t>
+            </a:r>
+            <a:r>
+              <a:rPr lang="en-US" altLang="zh-CN" dirty="0"/>
+              <a:t>CAS</a:t>
+            </a:r>
+          </a:p>
+          <a:p>
+            <a:pPr marL="0" indent="0">
+              <a:buNone/>
+            </a:pPr>
+            <a:r>
+              <a:rPr lang="en-US" altLang="zh-CN" dirty="0" err="1"/>
+              <a:t>AtomicIntegerFieldUpdater</a:t>
+            </a:r>
+            <a:r>
+              <a:rPr lang="zh-CN" altLang="en-US" dirty="0"/>
+              <a:t>：</a:t>
+            </a:r>
+            <a:r>
+              <a:rPr lang="en-US" altLang="zh-CN" dirty="0" err="1"/>
+              <a:t>AtomicFieldUpdaterExample</a:t>
+            </a:r>
+            <a:r>
+              <a:rPr lang="zh-CN" altLang="en-US" dirty="0"/>
+              <a:t>。原理同上</a:t>
             </a:r>
             <a:endParaRPr lang="en-US" altLang="zh-CN" dirty="0"/>
           </a:p>
           <a:p>
+            <a:pPr marL="0" indent="0">
+              <a:buNone/>
+            </a:pPr>
             <a:r>
               <a:rPr lang="en-US" altLang="zh-CN" dirty="0" err="1"/>
-              <a:t>LocalPrimitiveDemo</a:t>
-            </a:r>
+              <a:t>LongAdder</a:t>
+            </a:r>
+            <a:r>
+              <a:rPr lang="zh-CN" altLang="en-US" dirty="0"/>
+              <a:t>：高并发胜过</a:t>
+            </a:r>
+            <a:r>
+              <a:rPr lang="en-US" altLang="zh-CN" dirty="0" err="1"/>
+              <a:t>AtomicLong</a:t>
+            </a:r>
+            <a:r>
+              <a:rPr lang="en-US" altLang="zh-CN" dirty="0"/>
+              <a:t>. </a:t>
+            </a:r>
+            <a:r>
+              <a:rPr lang="zh-CN" altLang="en-US" dirty="0"/>
+              <a:t>原理：</a:t>
+            </a:r>
+            <a:r>
+              <a:rPr lang="en-US" altLang="zh-CN" dirty="0"/>
+              <a:t>CAS+</a:t>
+            </a:r>
+            <a:r>
+              <a:rPr lang="zh-CN" altLang="en-US" dirty="0"/>
+              <a:t>分散存储</a:t>
+            </a:r>
+            <a:endParaRPr lang="en-US" altLang="zh-CN" dirty="0"/>
+          </a:p>
+          <a:p>
+            <a:pPr marL="0" indent="0">
+              <a:buNone/>
+            </a:pPr>
+            <a:r>
+              <a:rPr lang="en-US" altLang="zh-CN" dirty="0" err="1"/>
+              <a:t>LongAccumulator</a:t>
+            </a:r>
+            <a:r>
+              <a:rPr lang="en-US" altLang="zh-CN" dirty="0"/>
+              <a:t>: </a:t>
+            </a:r>
+            <a:r>
+              <a:rPr lang="zh-CN" altLang="en-US" dirty="0"/>
+              <a:t>类似</a:t>
+            </a:r>
+            <a:r>
+              <a:rPr lang="en-US" altLang="zh-CN" dirty="0" err="1"/>
+              <a:t>LongAdder</a:t>
+            </a:r>
+            <a:r>
+              <a:rPr lang="en-US" altLang="zh-CN" dirty="0"/>
+              <a:t>, </a:t>
+            </a:r>
+            <a:r>
+              <a:rPr lang="zh-CN" altLang="en-US" dirty="0"/>
+              <a:t>但可以</a:t>
+            </a:r>
+            <a:r>
+              <a:rPr lang="zh-CN" altLang="en-US"/>
+              <a:t>指定累计逻辑，适合无序累计。原理同上</a:t>
+            </a:r>
+            <a:endParaRPr lang="en-US" altLang="zh-CN" dirty="0"/>
+          </a:p>
+          <a:p>
+            <a:pPr marL="0" indent="0">
+              <a:buNone/>
+            </a:pPr>
+            <a:endParaRPr lang="en-US" altLang="zh-CN" dirty="0"/>
+          </a:p>
+          <a:p>
             <a:endParaRPr lang="zh-CN" altLang="en-US" dirty="0"/>
           </a:p>
         </p:txBody>
@@ -11126,7 +11423,7 @@
     </p:spTree>
     <p:extLst>
       <p:ext uri="{BB962C8B-B14F-4D97-AF65-F5344CB8AC3E}">
-        <p14:creationId xmlns:p14="http://schemas.microsoft.com/office/powerpoint/2010/main" val="4272837633"/>
+        <p14:creationId xmlns:p14="http://schemas.microsoft.com/office/powerpoint/2010/main" val="313331630"/>
       </p:ext>
     </p:extLst>
   </p:cSld>
@@ -11158,7 +11455,7 @@
           <p:cNvPr id="2" name="标题 1">
             <a:extLst>
               <a:ext uri="{FF2B5EF4-FFF2-40B4-BE49-F238E27FC236}">
-                <a16:creationId xmlns:a16="http://schemas.microsoft.com/office/drawing/2014/main" id="{FA4A5899-2A07-4AD2-9D07-F1A9AC483535}"/>
+                <a16:creationId xmlns:a16="http://schemas.microsoft.com/office/drawing/2014/main" id="{D08EB409-9660-43DB-B9AA-448FE13D9A83}"/>
               </a:ext>
             </a:extLst>
           </p:cNvPr>
@@ -11176,15 +11473,162 @@
           <a:p>
             <a:r>
               <a:rPr lang="zh-CN" altLang="en-US" dirty="0"/>
-              <a:t>二、对象的共享</a:t>
-            </a:r>
+              <a:t>线程封闭</a:t>
+            </a:r>
+          </a:p>
+        </p:txBody>
+      </p:sp>
+      <p:sp>
+        <p:nvSpPr>
+          <p:cNvPr id="3" name="内容占位符 2">
+            <a:extLst>
+              <a:ext uri="{FF2B5EF4-FFF2-40B4-BE49-F238E27FC236}">
+                <a16:creationId xmlns:a16="http://schemas.microsoft.com/office/drawing/2014/main" id="{E3A18B6A-B16E-4CAA-8EF9-8468C7420CA3}"/>
+              </a:ext>
+            </a:extLst>
+          </p:cNvPr>
+          <p:cNvSpPr>
+            <a:spLocks noGrp="1"/>
+          </p:cNvSpPr>
+          <p:nvPr>
+            <p:ph idx="1"/>
+          </p:nvPr>
+        </p:nvSpPr>
+        <p:spPr/>
+        <p:txBody>
+          <a:bodyPr>
+            <a:normAutofit/>
+          </a:bodyPr>
+          <a:lstStyle/>
+          <a:p>
+            <a:pPr marL="0" indent="0">
+              <a:buNone/>
+            </a:pPr>
+            <a:r>
+              <a:rPr lang="zh-CN" altLang="en-US" dirty="0"/>
+              <a:t>线程封闭指变量只有所在线程访问到，相当于“封闭于”所在线程内部。其他线程无法访问到。</a:t>
+            </a:r>
+            <a:endParaRPr lang="en-US" altLang="zh-CN" dirty="0"/>
+          </a:p>
+          <a:p>
+            <a:pPr>
+              <a:buFont typeface="Wingdings" panose="05000000000000000000" pitchFamily="2" charset="2"/>
+              <a:buChar char="Ø"/>
+            </a:pPr>
+            <a:r>
+              <a:rPr lang="zh-CN" altLang="en-US" dirty="0"/>
+              <a:t>局部变量</a:t>
+            </a:r>
+            <a:endParaRPr lang="en-US" altLang="zh-CN" dirty="0"/>
+          </a:p>
+          <a:p>
+            <a:pPr marL="0" indent="0">
+              <a:buNone/>
+            </a:pPr>
+            <a:r>
+              <a:rPr lang="zh-CN" altLang="en-US" dirty="0"/>
+              <a:t>演示：</a:t>
+            </a:r>
+            <a:r>
+              <a:rPr lang="en-US" altLang="zh-CN" dirty="0"/>
+              <a:t> </a:t>
+            </a:r>
+            <a:r>
+              <a:rPr lang="en-US" altLang="zh-CN" dirty="0" err="1"/>
+              <a:t>LocalPrimitiveDemo</a:t>
+            </a:r>
+            <a:endParaRPr lang="en-US" altLang="zh-CN" dirty="0"/>
+          </a:p>
+          <a:p>
+            <a:pPr>
+              <a:buFont typeface="Wingdings" panose="05000000000000000000" pitchFamily="2" charset="2"/>
+              <a:buChar char="Ø"/>
+            </a:pPr>
+            <a:r>
+              <a:rPr lang="zh-CN" altLang="en-US" dirty="0"/>
+              <a:t>线程本地技术 </a:t>
+            </a:r>
+            <a:r>
+              <a:rPr lang="en-US" altLang="zh-CN" dirty="0" err="1"/>
+              <a:t>ThreadLocal</a:t>
+            </a:r>
+            <a:r>
+              <a:rPr lang="zh-CN" altLang="en-US" dirty="0"/>
+              <a:t>（线程本地对象）</a:t>
+            </a:r>
+            <a:endParaRPr lang="en-US" altLang="zh-CN" dirty="0"/>
+          </a:p>
+          <a:p>
+            <a:pPr marL="0" indent="0">
+              <a:buNone/>
+            </a:pPr>
+            <a:r>
+              <a:rPr lang="zh-CN" altLang="en-US" dirty="0"/>
+              <a:t>演示：</a:t>
+            </a:r>
+            <a:r>
+              <a:rPr lang="en-US" altLang="zh-CN" dirty="0"/>
+              <a:t> </a:t>
+            </a:r>
+            <a:r>
+              <a:rPr lang="en-US" altLang="zh-CN" dirty="0" err="1"/>
+              <a:t>ThreadLocalDemo</a:t>
+            </a:r>
+            <a:endParaRPr lang="en-US" altLang="zh-CN" dirty="0"/>
+          </a:p>
+          <a:p>
+            <a:pPr marL="0" indent="0">
+              <a:buNone/>
+            </a:pPr>
+            <a:r>
+              <a:rPr lang="zh-CN" altLang="en-US" dirty="0"/>
+              <a:t>原理：</a:t>
+            </a:r>
+            <a:r>
+              <a:rPr lang="en-US" altLang="zh-CN" dirty="0"/>
+              <a:t>Map&lt;</a:t>
+            </a:r>
+            <a:r>
+              <a:rPr lang="en-US" altLang="zh-CN" dirty="0" err="1"/>
+              <a:t>Thread,Object</a:t>
+            </a:r>
+            <a:r>
+              <a:rPr lang="en-US" altLang="zh-CN" dirty="0"/>
+              <a:t>&gt; </a:t>
+            </a:r>
+          </a:p>
+          <a:p>
+            <a:pPr marL="0" indent="0">
+              <a:buNone/>
+            </a:pPr>
+            <a:r>
+              <a:rPr lang="zh-CN" altLang="en-US" dirty="0"/>
+              <a:t>近似模拟：</a:t>
+            </a:r>
+            <a:r>
+              <a:rPr lang="en-US" altLang="zh-CN" dirty="0"/>
+              <a:t> </a:t>
+            </a:r>
+            <a:r>
+              <a:rPr lang="en-US" altLang="zh-CN" dirty="0" err="1"/>
+              <a:t>MyThreadLocal</a:t>
+            </a:r>
+            <a:r>
+              <a:rPr lang="zh-CN" altLang="en-US" dirty="0"/>
+              <a:t>，</a:t>
+            </a:r>
+            <a:r>
+              <a:rPr lang="en-US" altLang="zh-CN" dirty="0" err="1"/>
+              <a:t>MyThreadLocalDemo</a:t>
+            </a:r>
+            <a:endParaRPr lang="en-US" altLang="zh-CN" dirty="0"/>
           </a:p>
         </p:txBody>
       </p:sp>
     </p:spTree>
     <p:extLst>
       <p:ext uri="{BB962C8B-B14F-4D97-AF65-F5344CB8AC3E}">
-        <p14:creationId xmlns:p14="http://schemas.microsoft.com/office/powerpoint/2010/main" val="3910433703"/>
+        <p14:creationId xmlns:p14="http://schemas.microsoft.com/office/powerpoint/2010/main" val="3528820548"/>
       </p:ext>
     </p:extLst>
   </p:cSld>
@@ -11216,7 +11660,7 @@
           <p:cNvPr id="2" name="标题 1">
             <a:extLst>
               <a:ext uri="{FF2B5EF4-FFF2-40B4-BE49-F238E27FC236}">
-                <a16:creationId xmlns:a16="http://schemas.microsoft.com/office/drawing/2014/main" id="{6D30BCF9-1661-422C-836C-182749F5F05A}"/>
+                <a16:creationId xmlns:a16="http://schemas.microsoft.com/office/drawing/2014/main" id="{86C8203E-85E0-4723-8D0D-838C9A42B886}"/>
               </a:ext>
             </a:extLst>
           </p:cNvPr>
@@ -11234,7 +11678,7 @@
           <a:p>
             <a:r>
               <a:rPr lang="zh-CN" altLang="en-US" dirty="0"/>
-              <a:t>可见性</a:t>
+              <a:t>不变性</a:t>
             </a:r>
           </a:p>
         </p:txBody>
@@ -11244,7 +11688,7 @@
           <p:cNvPr id="3" name="内容占位符 2">
             <a:extLst>
               <a:ext uri="{FF2B5EF4-FFF2-40B4-BE49-F238E27FC236}">
-                <a16:creationId xmlns:a16="http://schemas.microsoft.com/office/drawing/2014/main" id="{8570B324-D1E1-4A41-9276-6EFC3F8E2FFF}"/>
+                <a16:creationId xmlns:a16="http://schemas.microsoft.com/office/drawing/2014/main" id="{B9ACAEAA-3D26-4A0B-91C4-F99F36A0BAB8}"/>
               </a:ext>
             </a:extLst>
           </p:cNvPr>
@@ -11257,12 +11701,47 @@
         </p:nvSpPr>
         <p:spPr/>
         <p:txBody>
-          <a:bodyPr/>
-          <a:lstStyle/>
-          <a:p>
-            <a:r>
-              <a:rPr lang="zh-CN" altLang="en-US" dirty="0"/>
-              <a:t>可见性指一条线程能够看到另一条线程的变量的新值</a:t>
+          <a:bodyPr>
+            <a:normAutofit/>
+          </a:bodyPr>
+          <a:lstStyle/>
+          <a:p>
+            <a:r>
+              <a:rPr lang="zh-CN" altLang="en-US" dirty="0"/>
+              <a:t>不可变对象是线程安全的，因为其他线程无法窜改。</a:t>
+            </a:r>
+            <a:endParaRPr lang="en-US" altLang="zh-CN" dirty="0"/>
+          </a:p>
+          <a:p>
+            <a:r>
+              <a:rPr lang="zh-CN" altLang="en-US" dirty="0"/>
+              <a:t>演示：</a:t>
+            </a:r>
+            <a:endParaRPr lang="en-US" altLang="zh-CN" dirty="0"/>
+          </a:p>
+          <a:p>
+            <a:pPr marL="0" indent="0">
+              <a:buNone/>
+            </a:pPr>
+            <a:r>
+              <a:rPr lang="en-US" altLang="zh-CN" dirty="0" err="1"/>
+              <a:t>UnsafeMutableDemo</a:t>
+            </a:r>
+            <a:r>
+              <a:rPr lang="zh-CN" altLang="en-US" dirty="0"/>
+              <a:t>、</a:t>
+            </a:r>
+            <a:r>
+              <a:rPr lang="en-US" altLang="zh-CN" dirty="0" err="1"/>
+              <a:t>MutableDemo</a:t>
+            </a:r>
+            <a:r>
+              <a:rPr lang="zh-CN" altLang="en-US" dirty="0"/>
+              <a:t>、</a:t>
+            </a:r>
+            <a:r>
+              <a:rPr lang="en-US" altLang="zh-CN" dirty="0" err="1"/>
+              <a:t>ImmutableDemo</a:t>
             </a:r>
             <a:endParaRPr lang="en-US" altLang="zh-CN" dirty="0"/>
           </a:p>
@@ -11273,41 +11752,30 @@
             <a:endParaRPr lang="en-US" altLang="zh-CN" dirty="0"/>
           </a:p>
           <a:p>
-            <a:r>
-              <a:rPr lang="zh-CN" altLang="en-US" dirty="0"/>
-              <a:t>演示：</a:t>
+            <a:pPr marL="0" indent="0">
+              <a:buNone/>
+            </a:pPr>
+            <a:r>
+              <a:rPr lang="zh-CN" altLang="en-US" dirty="0"/>
+              <a:t>结论：</a:t>
+            </a:r>
+            <a:endParaRPr lang="en-US" altLang="zh-CN" dirty="0"/>
+          </a:p>
+          <a:p>
+            <a:pPr marL="0" indent="0">
+              <a:buNone/>
+            </a:pPr>
+            <a:r>
+              <a:rPr lang="zh-CN" altLang="en-US" dirty="0"/>
+              <a:t>借助</a:t>
             </a:r>
             <a:r>
               <a:rPr lang="en-US" altLang="zh-CN" dirty="0"/>
-              <a:t> </a:t>
-            </a:r>
-            <a:r>
-              <a:rPr lang="en-US" altLang="zh-CN" dirty="0" err="1"/>
-              <a:t>NoVisibilityDemo</a:t>
-            </a:r>
-            <a:endParaRPr lang="en-US" altLang="zh-CN" dirty="0"/>
-          </a:p>
-          <a:p>
-            <a:endParaRPr lang="en-US" altLang="zh-CN" dirty="0"/>
-          </a:p>
-          <a:p>
-            <a:r>
-              <a:rPr lang="zh-CN" altLang="en-US" dirty="0"/>
-              <a:t>为什么有可见性这个问题？</a:t>
-            </a:r>
-            <a:endParaRPr lang="en-US" altLang="zh-CN" dirty="0"/>
-          </a:p>
-          <a:p>
-            <a:pPr marL="0" indent="0">
-              <a:buNone/>
-            </a:pPr>
-            <a:r>
-              <a:rPr lang="en-US" altLang="zh-CN" dirty="0"/>
-              <a:t>-&gt;Java</a:t>
-            </a:r>
-            <a:r>
-              <a:rPr lang="zh-CN" altLang="en-US" dirty="0"/>
-              <a:t>内存模型决定的</a:t>
+              <a:t>volatile</a:t>
+            </a:r>
+            <a:r>
+              <a:rPr lang="zh-CN" altLang="en-US" dirty="0"/>
+              <a:t>不变容器可实现无锁化</a:t>
             </a:r>
             <a:endParaRPr lang="en-US" altLang="zh-CN" dirty="0"/>
           </a:p>
@@ -11316,7 +11784,7 @@
     </p:spTree>
     <p:extLst>
       <p:ext uri="{BB962C8B-B14F-4D97-AF65-F5344CB8AC3E}">
-        <p14:creationId xmlns:p14="http://schemas.microsoft.com/office/powerpoint/2010/main" val="1690706940"/>
+        <p14:creationId xmlns:p14="http://schemas.microsoft.com/office/powerpoint/2010/main" val="3617254777"/>
       </p:ext>
     </p:extLst>
   </p:cSld>
@@ -11348,7 +11816,7 @@
           <p:cNvPr id="2" name="标题 1">
             <a:extLst>
               <a:ext uri="{FF2B5EF4-FFF2-40B4-BE49-F238E27FC236}">
-                <a16:creationId xmlns:a16="http://schemas.microsoft.com/office/drawing/2014/main" id="{1B055502-C736-4334-BEA0-B4A79C849B0C}"/>
+                <a16:creationId xmlns:a16="http://schemas.microsoft.com/office/drawing/2014/main" id="{47DFBBB4-ED41-4D16-A134-7675B2394A41}"/>
               </a:ext>
             </a:extLst>
           </p:cNvPr>
@@ -11365,226 +11833,51 @@
           <a:lstStyle/>
           <a:p>
             <a:r>
-              <a:rPr lang="en-US" altLang="zh-CN" dirty="0"/>
-              <a:t>Java</a:t>
-            </a:r>
-            <a:r>
-              <a:rPr lang="zh-CN" altLang="en-US" dirty="0"/>
-              <a:t>内存模型</a:t>
-            </a:r>
-          </a:p>
-        </p:txBody>
-      </p:sp>
-      <p:pic>
-        <p:nvPicPr>
-          <p:cNvPr id="13" name="内容占位符 12">
+              <a:rPr lang="zh-CN" altLang="en-US" dirty="0"/>
+              <a:t>判断题</a:t>
+            </a:r>
+          </a:p>
+        </p:txBody>
+      </p:sp>
+      <p:sp>
+        <p:nvSpPr>
+          <p:cNvPr id="3" name="内容占位符 2">
             <a:extLst>
               <a:ext uri="{FF2B5EF4-FFF2-40B4-BE49-F238E27FC236}">
-                <a16:creationId xmlns:a16="http://schemas.microsoft.com/office/drawing/2014/main" id="{CD4B6CA4-2422-473B-A129-15E44D965C89}"/>
+                <a16:creationId xmlns:a16="http://schemas.microsoft.com/office/drawing/2014/main" id="{5809F030-9203-4212-B057-DEB29C8719EE}"/>
               </a:ext>
             </a:extLst>
           </p:cNvPr>
-          <p:cNvPicPr>
-            <a:picLocks noGrp="1" noChangeAspect="1"/>
-          </p:cNvPicPr>
+          <p:cNvSpPr>
+            <a:spLocks noGrp="1"/>
+          </p:cNvSpPr>
           <p:nvPr>
             <p:ph idx="1"/>
           </p:nvPr>
-        </p:nvPicPr>
-        <p:blipFill>
-          <a:blip r:embed="rId3"/>
-          <a:stretch>
-            <a:fillRect/>
-          </a:stretch>
-        </p:blipFill>
-        <p:spPr>
-          <a:xfrm>
-            <a:off x="5255727" y="1528762"/>
-            <a:ext cx="5695950" cy="3800475"/>
-          </a:xfrm>
-          <a:prstGeom prst="rect">
-            <a:avLst/>
-          </a:prstGeom>
-        </p:spPr>
-      </p:pic>
-      <p:sp>
-        <p:nvSpPr>
-          <p:cNvPr id="8" name="文本框 7">
-            <a:extLst>
-              <a:ext uri="{FF2B5EF4-FFF2-40B4-BE49-F238E27FC236}">
-                <a16:creationId xmlns:a16="http://schemas.microsoft.com/office/drawing/2014/main" id="{F2B8B8BA-42A7-43A6-85B4-44546AE50811}"/>
-              </a:ext>
-            </a:extLst>
-          </p:cNvPr>
-          <p:cNvSpPr txBox="1"/>
-          <p:nvPr/>
-        </p:nvSpPr>
-        <p:spPr>
-          <a:xfrm>
-            <a:off x="964096" y="1580321"/>
-            <a:ext cx="3889509" cy="4524315"/>
-          </a:xfrm>
-          <a:prstGeom prst="rect">
-            <a:avLst/>
-          </a:prstGeom>
-          <a:noFill/>
-        </p:spPr>
-        <p:txBody>
-          <a:bodyPr wrap="square" rtlCol="0">
-            <a:spAutoFit/>
-          </a:bodyPr>
-          <a:lstStyle/>
-          <a:p>
-            <a:r>
-              <a:rPr lang="en-US" altLang="zh-CN" dirty="0"/>
-              <a:t>Java</a:t>
-            </a:r>
-            <a:r>
-              <a:rPr lang="zh-CN" altLang="en-US" dirty="0"/>
-              <a:t>内存抽象为两种：</a:t>
+        </p:nvSpPr>
+        <p:spPr/>
+        <p:txBody>
+          <a:bodyPr/>
+          <a:lstStyle/>
+          <a:p>
+            <a:r>
+              <a:rPr lang="en-US" altLang="zh-CN" dirty="0" err="1"/>
+              <a:t>RaceConditionDemo</a:t>
             </a:r>
             <a:endParaRPr lang="en-US" altLang="zh-CN" dirty="0"/>
           </a:p>
           <a:p>
             <a:r>
-              <a:rPr lang="zh-CN" altLang="en-US" dirty="0"/>
-              <a:t>一种为工作内存，线程私有，每个线程只能跟自己的工作内存交互</a:t>
-            </a:r>
-            <a:r>
-              <a:rPr lang="en-US" altLang="zh-CN" dirty="0"/>
-              <a:t>;</a:t>
-            </a:r>
-            <a:r>
-              <a:rPr lang="zh-CN" altLang="en-US" dirty="0"/>
-              <a:t>相当于本地缓存。</a:t>
+              <a:rPr lang="en-US" altLang="zh-CN" dirty="0" err="1"/>
+              <a:t>NarrowAtomicScopeDemo</a:t>
             </a:r>
             <a:endParaRPr lang="en-US" altLang="zh-CN" dirty="0"/>
           </a:p>
           <a:p>
-            <a:endParaRPr lang="en-US" altLang="zh-CN" dirty="0"/>
-          </a:p>
-          <a:p>
-            <a:r>
-              <a:rPr lang="zh-CN" altLang="en-US" dirty="0"/>
-              <a:t>一种为主内存，存放共享变量。工作内存只存放共享变量的副本。线程之间通过主内存共享变量。</a:t>
-            </a:r>
-            <a:endParaRPr lang="en-US" altLang="zh-CN" dirty="0"/>
-          </a:p>
-          <a:p>
-            <a:endParaRPr lang="en-US" altLang="zh-CN" dirty="0"/>
-          </a:p>
-          <a:p>
-            <a:r>
-              <a:rPr lang="zh-CN" altLang="en-US" dirty="0"/>
-              <a:t>当一条线程修改工作内存中的共享变量副本后，其他线程可能还是旧的，看不到前者工作内存的新值，于是产生可见性问题。</a:t>
-            </a:r>
-            <a:endParaRPr lang="en-US" altLang="zh-CN" dirty="0"/>
-          </a:p>
-          <a:p>
-            <a:endParaRPr lang="en-US" altLang="zh-CN" dirty="0"/>
-          </a:p>
-          <a:p>
-            <a:r>
-              <a:rPr lang="zh-CN" altLang="en-US" dirty="0"/>
-              <a:t>比喻： </a:t>
-            </a:r>
-            <a:r>
-              <a:rPr lang="en-US" altLang="zh-CN" dirty="0"/>
-              <a:t>Git</a:t>
-            </a:r>
-            <a:r>
-              <a:rPr lang="zh-CN" altLang="en-US" dirty="0"/>
-              <a:t>版本下的协作开发</a:t>
-            </a:r>
-            <a:endParaRPr lang="en-US" altLang="zh-CN" dirty="0"/>
-          </a:p>
-          <a:p>
-            <a:endParaRPr lang="en-US" altLang="zh-CN" dirty="0"/>
-          </a:p>
-        </p:txBody>
-      </p:sp>
-      <p:sp>
-        <p:nvSpPr>
-          <p:cNvPr id="9" name="文本框 8">
-            <a:extLst>
-              <a:ext uri="{FF2B5EF4-FFF2-40B4-BE49-F238E27FC236}">
-                <a16:creationId xmlns:a16="http://schemas.microsoft.com/office/drawing/2014/main" id="{4AF67ABE-8186-42AC-80A1-9B83D0960831}"/>
-              </a:ext>
-            </a:extLst>
-          </p:cNvPr>
-          <p:cNvSpPr txBox="1"/>
-          <p:nvPr/>
-        </p:nvSpPr>
-        <p:spPr>
-          <a:xfrm>
-            <a:off x="964095" y="5843449"/>
-            <a:ext cx="8925340" cy="923330"/>
-          </a:xfrm>
-          <a:prstGeom prst="rect">
-            <a:avLst/>
-          </a:prstGeom>
-          <a:noFill/>
-        </p:spPr>
-        <p:txBody>
-          <a:bodyPr wrap="square" rtlCol="0">
-            <a:spAutoFit/>
-          </a:bodyPr>
-          <a:lstStyle/>
-          <a:p>
-            <a:r>
-              <a:rPr lang="zh-CN" altLang="en-US" dirty="0"/>
-              <a:t>推论：某线程</a:t>
-            </a:r>
-            <a:r>
-              <a:rPr lang="en-US" altLang="zh-CN" dirty="0"/>
-              <a:t>1</a:t>
-            </a:r>
-            <a:r>
-              <a:rPr lang="zh-CN" altLang="en-US" dirty="0"/>
-              <a:t>将共享变量</a:t>
-            </a:r>
-            <a:r>
-              <a:rPr lang="en-US" altLang="zh-CN" dirty="0"/>
-              <a:t>X</a:t>
-            </a:r>
-            <a:r>
-              <a:rPr lang="zh-CN" altLang="en-US" dirty="0"/>
-              <a:t>副本修改完，然后将新值</a:t>
-            </a:r>
-            <a:r>
-              <a:rPr lang="en-US" altLang="zh-CN" dirty="0"/>
-              <a:t>push</a:t>
-            </a:r>
-            <a:r>
-              <a:rPr lang="zh-CN" altLang="en-US" dirty="0"/>
-              <a:t>到主内存，另一条线程</a:t>
-            </a:r>
-            <a:r>
-              <a:rPr lang="en-US" altLang="zh-CN" dirty="0"/>
-              <a:t>2</a:t>
-            </a:r>
-            <a:r>
-              <a:rPr lang="zh-CN" altLang="en-US" dirty="0"/>
-              <a:t>在修改</a:t>
-            </a:r>
-            <a:r>
-              <a:rPr lang="en-US" altLang="zh-CN" dirty="0"/>
-              <a:t>X</a:t>
-            </a:r>
-            <a:r>
-              <a:rPr lang="zh-CN" altLang="en-US" dirty="0"/>
-              <a:t>时要先到主内存</a:t>
-            </a:r>
-            <a:r>
-              <a:rPr lang="en-US" altLang="zh-CN" dirty="0"/>
-              <a:t>pull X</a:t>
-            </a:r>
-            <a:r>
-              <a:rPr lang="zh-CN" altLang="en-US" dirty="0"/>
-              <a:t>的新值，才能保证正确性或实现可见性。</a:t>
-            </a:r>
-          </a:p>
-          <a:p>
+            <a:r>
+              <a:rPr lang="en-US" altLang="zh-CN" dirty="0" err="1"/>
+              <a:t>LocalPrimitiveDemo</a:t>
+            </a:r>
             <a:endParaRPr lang="zh-CN" altLang="en-US" dirty="0"/>
           </a:p>
         </p:txBody>
@@ -11592,7 +11885,7 @@
     </p:spTree>
     <p:extLst>
       <p:ext uri="{BB962C8B-B14F-4D97-AF65-F5344CB8AC3E}">
-        <p14:creationId xmlns:p14="http://schemas.microsoft.com/office/powerpoint/2010/main" val="1620735717"/>
+        <p14:creationId xmlns:p14="http://schemas.microsoft.com/office/powerpoint/2010/main" val="3135250068"/>
       </p:ext>
     </p:extLst>
   </p:cSld>

--- a/JAVA并发编程.pptx
+++ b/JAVA并发编程.pptx
@@ -29,7 +29,7 @@
     <p:sldId id="275" r:id="rId20"/>
     <p:sldId id="274" r:id="rId21"/>
     <p:sldId id="277" r:id="rId22"/>
-    <p:sldId id="282" r:id="rId23"/>
+    <p:sldId id="298" r:id="rId23"/>
     <p:sldId id="279" r:id="rId24"/>
     <p:sldId id="281" r:id="rId25"/>
     <p:sldId id="280" r:id="rId26"/>
@@ -7242,7 +7242,7 @@
           <a:p>
             <a:r>
               <a:rPr lang="zh-CN" altLang="en-US" dirty="0"/>
-              <a:t>演示： </a:t>
+              <a:t>验证： </a:t>
             </a:r>
             <a:r>
               <a:rPr lang="en-US" altLang="zh-CN" dirty="0" err="1"/>
@@ -7327,7 +7327,7 @@
             </a:r>
             <a:r>
               <a:rPr lang="zh-CN" altLang="en-US" dirty="0"/>
-              <a:t>内存区域划分</a:t>
+              <a:t>内存结构</a:t>
             </a:r>
           </a:p>
         </p:txBody>
@@ -7378,8 +7378,8 @@
         </p:nvSpPr>
         <p:spPr>
           <a:xfrm>
-            <a:off x="952901" y="2098307"/>
-            <a:ext cx="2156059" cy="923330"/>
+            <a:off x="952901" y="2098306"/>
+            <a:ext cx="3272590" cy="1754326"/>
           </a:xfrm>
           <a:prstGeom prst="rect">
             <a:avLst/>
@@ -7392,9 +7392,13 @@
           </a:bodyPr>
           <a:lstStyle/>
           <a:p>
-            <a:r>
-              <a:rPr lang="zh-CN" altLang="en-US" dirty="0"/>
-              <a:t>对象</a:t>
+            <a:pPr marL="285750" indent="-285750">
+              <a:buFont typeface="Arial" panose="020B0604020202020204" pitchFamily="34" charset="0"/>
+              <a:buChar char="•"/>
+            </a:pPr>
+            <a:r>
+              <a:rPr lang="zh-CN" altLang="en-US" dirty="0"/>
+              <a:t>堆为共享内存区域，对象</a:t>
             </a:r>
             <a:r>
               <a:rPr lang="en-US" altLang="zh-CN" dirty="0"/>
@@ -7402,15 +7406,23 @@
             </a:r>
             <a:r>
               <a:rPr lang="zh-CN" altLang="en-US" dirty="0"/>
-              <a:t>在堆上，方法在栈中执行，</a:t>
+              <a:t>在堆上</a:t>
             </a:r>
             <a:endParaRPr lang="en-US" altLang="zh-CN" dirty="0"/>
           </a:p>
           <a:p>
-            <a:r>
-              <a:rPr lang="zh-CN" altLang="en-US" dirty="0"/>
-              <a:t>堆为共享内存区域</a:t>
-            </a:r>
+            <a:endParaRPr lang="en-US" altLang="zh-CN" dirty="0"/>
+          </a:p>
+          <a:p>
+            <a:pPr marL="285750" indent="-285750">
+              <a:buFont typeface="Arial" panose="020B0604020202020204" pitchFamily="34" charset="0"/>
+              <a:buChar char="•"/>
+            </a:pPr>
+            <a:r>
+              <a:rPr lang="zh-CN" altLang="en-US" dirty="0"/>
+              <a:t>基本变量和局部变量分配置在栈上，每个线程对应一个栈，方法在栈中执行，</a:t>
+            </a:r>
+            <a:endParaRPr lang="en-US" altLang="zh-CN" dirty="0"/>
           </a:p>
         </p:txBody>
       </p:sp>
@@ -7508,7 +7520,7 @@
         </p:blipFill>
         <p:spPr>
           <a:xfrm>
-            <a:off x="3687043" y="1691322"/>
+            <a:off x="5044206" y="1691322"/>
             <a:ext cx="4580355" cy="4351338"/>
           </a:xfrm>
           <a:prstGeom prst="rect">
@@ -7531,7 +7543,7 @@
         <p:spPr>
           <a:xfrm>
             <a:off x="1045046" y="2053575"/>
-            <a:ext cx="2400798" cy="1507772"/>
+            <a:ext cx="2949438" cy="1507772"/>
           </a:xfrm>
           <a:prstGeom prst="rect">
             <a:avLst/>
@@ -7621,8 +7633,20 @@
           <a:lstStyle/>
           <a:p>
             <a:r>
-              <a:rPr lang="zh-CN" altLang="en-US" dirty="0"/>
-              <a:t>小结</a:t>
+              <a:rPr lang="en-US" altLang="zh-CN" dirty="0"/>
+              <a:t>synchronized</a:t>
+            </a:r>
+            <a:r>
+              <a:rPr lang="zh-CN" altLang="en-US" dirty="0"/>
+              <a:t>与</a:t>
+            </a:r>
+            <a:r>
+              <a:rPr lang="en-US" altLang="zh-CN" dirty="0"/>
+              <a:t>volatile</a:t>
+            </a:r>
+            <a:r>
+              <a:rPr lang="zh-CN" altLang="en-US" dirty="0"/>
+              <a:t>的区别</a:t>
             </a:r>
           </a:p>
         </p:txBody>
@@ -7650,35 +7674,13 @@
           </a:bodyPr>
           <a:lstStyle/>
           <a:p>
-            <a:pPr marL="0" indent="0">
-              <a:buNone/>
-            </a:pPr>
-            <a:r>
-              <a:rPr lang="en-US" altLang="zh-CN" dirty="0"/>
-              <a:t>synchronized</a:t>
-            </a:r>
-            <a:r>
-              <a:rPr lang="zh-CN" altLang="en-US" dirty="0"/>
-              <a:t>与</a:t>
-            </a:r>
-            <a:r>
-              <a:rPr lang="en-US" altLang="zh-CN" dirty="0"/>
-              <a:t>volatile</a:t>
-            </a:r>
-            <a:r>
-              <a:rPr lang="zh-CN" altLang="en-US" dirty="0"/>
-              <a:t>的区别：</a:t>
-            </a:r>
-            <a:endParaRPr lang="en-US" altLang="zh-CN" dirty="0"/>
-          </a:p>
-          <a:p>
             <a:r>
               <a:rPr lang="en-US" altLang="zh-CN" dirty="0"/>
               <a:t>volatile: </a:t>
             </a:r>
             <a:r>
               <a:rPr lang="zh-CN" altLang="en-US" dirty="0"/>
-              <a:t>可见性</a:t>
+              <a:t>仅能保证可见性</a:t>
             </a:r>
             <a:endParaRPr lang="en-US" altLang="zh-CN" dirty="0"/>
           </a:p>
@@ -8037,8 +8039,14 @@
           <a:p>
             <a:r>
               <a:rPr lang="zh-CN" altLang="en-US" dirty="0"/>
-              <a:t>安全类：安全指线程安全，外部只能通过成员方法来修改对象状态（各成员变量构成对象的状态），成员方法都是原子性地整体性的修改对象状态。</a:t>
-            </a:r>
+              <a:t>线程安全类：安全指线程安全，外部只能通过成员方法来修改对象状态，成员方法都是原子性的。</a:t>
+            </a:r>
+            <a:endParaRPr lang="en-US" altLang="zh-CN" dirty="0"/>
+          </a:p>
+          <a:p>
+            <a:endParaRPr lang="en-US" altLang="zh-CN" dirty="0"/>
+          </a:p>
+          <a:p>
             <a:endParaRPr lang="en-US" altLang="zh-CN" dirty="0"/>
           </a:p>
         </p:txBody>
@@ -8075,67 +8083,56 @@
       </p:grpSpPr>
       <p:sp>
         <p:nvSpPr>
-          <p:cNvPr id="2" name="文本框 1">
+          <p:cNvPr id="2" name="标题 1">
             <a:extLst>
               <a:ext uri="{FF2B5EF4-FFF2-40B4-BE49-F238E27FC236}">
-                <a16:creationId xmlns:a16="http://schemas.microsoft.com/office/drawing/2014/main" id="{2C096CE4-B4BA-443B-8C78-71C9D0124348}"/>
+                <a16:creationId xmlns:a16="http://schemas.microsoft.com/office/drawing/2014/main" id="{BD11D795-E63D-481D-B293-7F2ED4D08C00}"/>
               </a:ext>
             </a:extLst>
           </p:cNvPr>
-          <p:cNvSpPr txBox="1"/>
-          <p:nvPr/>
-        </p:nvSpPr>
-        <p:spPr>
-          <a:xfrm>
-            <a:off x="904567" y="914400"/>
-            <a:ext cx="10196051" cy="3853363"/>
-          </a:xfrm>
-          <a:prstGeom prst="rect">
-            <a:avLst/>
-          </a:prstGeom>
-          <a:noFill/>
-        </p:spPr>
-        <p:txBody>
-          <a:bodyPr wrap="square" rtlCol="0">
-            <a:spAutoFit/>
-          </a:bodyPr>
-          <a:lstStyle/>
-          <a:p>
-            <a:pPr marL="228600" lvl="0" indent="-228600">
-              <a:lnSpc>
-                <a:spcPct val="90000"/>
-              </a:lnSpc>
-              <a:spcBef>
-                <a:spcPts val="1000"/>
-              </a:spcBef>
-              <a:buFont typeface="Wingdings 2" pitchFamily="18" charset="2"/>
-              <a:buChar char=""/>
-            </a:pPr>
-            <a:r>
-              <a:rPr lang="zh-CN" altLang="en-US" sz="2800" b="1" dirty="0">
-                <a:solidFill>
-                  <a:prstClr val="black"/>
-                </a:solidFill>
-              </a:rPr>
-              <a:t>演示：</a:t>
-            </a:r>
-            <a:endParaRPr lang="en-US" altLang="zh-CN" sz="2800" b="1" dirty="0">
-              <a:solidFill>
-                <a:prstClr val="black"/>
-              </a:solidFill>
-            </a:endParaRPr>
-          </a:p>
-          <a:p>
-            <a:pPr lvl="0">
-              <a:lnSpc>
-                <a:spcPct val="90000"/>
-              </a:lnSpc>
-              <a:spcBef>
-                <a:spcPts val="1000"/>
-              </a:spcBef>
-            </a:pPr>
-            <a:r>
-              <a:rPr lang="zh-CN" altLang="en-US" sz="2800" dirty="0">
+          <p:cNvSpPr>
+            <a:spLocks noGrp="1"/>
+          </p:cNvSpPr>
+          <p:nvPr>
+            <p:ph type="title"/>
+          </p:nvPr>
+        </p:nvSpPr>
+        <p:spPr/>
+        <p:txBody>
+          <a:bodyPr/>
+          <a:lstStyle/>
+          <a:p>
+            <a:r>
+              <a:rPr lang="zh-CN" altLang="en-US" dirty="0"/>
+              <a:t>设计方法</a:t>
+            </a:r>
+          </a:p>
+        </p:txBody>
+      </p:sp>
+      <p:sp>
+        <p:nvSpPr>
+          <p:cNvPr id="3" name="内容占位符 2">
+            <a:extLst>
+              <a:ext uri="{FF2B5EF4-FFF2-40B4-BE49-F238E27FC236}">
+                <a16:creationId xmlns:a16="http://schemas.microsoft.com/office/drawing/2014/main" id="{16EA3338-DADC-4B68-8378-301346861034}"/>
+              </a:ext>
+            </a:extLst>
+          </p:cNvPr>
+          <p:cNvSpPr>
+            <a:spLocks noGrp="1"/>
+          </p:cNvSpPr>
+          <p:nvPr>
+            <p:ph idx="1"/>
+          </p:nvPr>
+        </p:nvSpPr>
+        <p:spPr/>
+        <p:txBody>
+          <a:bodyPr/>
+          <a:lstStyle/>
+          <a:p>
+            <a:pPr lvl="0"/>
+            <a:r>
+              <a:rPr lang="zh-CN" altLang="en-US" dirty="0">
                 <a:solidFill>
                   <a:prstClr val="black"/>
                 </a:solidFill>
@@ -8143,7 +8140,7 @@
               <a:t>内置锁：</a:t>
             </a:r>
             <a:r>
-              <a:rPr lang="en-US" altLang="zh-CN" sz="2800" dirty="0" err="1">
+              <a:rPr lang="en-US" altLang="zh-CN" dirty="0" err="1">
                 <a:solidFill>
                   <a:prstClr val="black"/>
                 </a:solidFill>
@@ -8151,69 +8148,39 @@
               <a:t>SafeHashSetBySync</a:t>
             </a:r>
             <a:r>
-              <a:rPr lang="zh-CN" altLang="en-US" sz="2800" dirty="0">
+              <a:rPr lang="zh-CN" altLang="en-US" dirty="0">
                 <a:solidFill>
                   <a:prstClr val="black"/>
                 </a:solidFill>
               </a:rPr>
               <a:t>，</a:t>
             </a:r>
-            <a:endParaRPr lang="en-US" altLang="zh-CN" sz="2800" dirty="0">
-              <a:solidFill>
-                <a:prstClr val="black"/>
-              </a:solidFill>
-            </a:endParaRPr>
-          </a:p>
-          <a:p>
-            <a:pPr lvl="0">
-              <a:lnSpc>
-                <a:spcPct val="90000"/>
-              </a:lnSpc>
-              <a:spcBef>
-                <a:spcPts val="1000"/>
-              </a:spcBef>
-            </a:pPr>
-            <a:r>
-              <a:rPr lang="en-US" altLang="zh-CN" sz="2800" dirty="0">
+            <a:r>
+              <a:rPr lang="en-US" altLang="zh-CN" dirty="0">
                 <a:solidFill>
                   <a:prstClr val="black"/>
                 </a:solidFill>
               </a:rPr>
-              <a:t>	</a:t>
-            </a:r>
-            <a:r>
-              <a:rPr lang="zh-CN" altLang="en-US" sz="2800" dirty="0">
-                <a:solidFill>
-                  <a:prstClr val="black"/>
-                </a:solidFill>
-              </a:rPr>
-              <a:t>监视器模式：</a:t>
-            </a:r>
-            <a:r>
-              <a:rPr lang="en-US" altLang="zh-CN" sz="2800" dirty="0" err="1">
+              <a:t> </a:t>
+            </a:r>
+            <a:r>
+              <a:rPr lang="en-US" altLang="zh-CN" dirty="0" err="1">
                 <a:solidFill>
                   <a:prstClr val="black"/>
                 </a:solidFill>
               </a:rPr>
               <a:t>SafeCounterByMonitorPattern</a:t>
             </a:r>
-            <a:endParaRPr lang="en-US" altLang="zh-CN" sz="2800" dirty="0">
+            <a:endParaRPr lang="en-US" altLang="zh-CN" dirty="0">
               <a:solidFill>
                 <a:prstClr val="black"/>
               </a:solidFill>
             </a:endParaRPr>
           </a:p>
           <a:p>
-            <a:pPr lvl="0">
-              <a:lnSpc>
-                <a:spcPct val="90000"/>
-              </a:lnSpc>
-              <a:spcBef>
-                <a:spcPts val="1000"/>
-              </a:spcBef>
-            </a:pPr>
-            <a:r>
-              <a:rPr lang="zh-CN" altLang="en-US" sz="2800" dirty="0">
+            <a:pPr lvl="0"/>
+            <a:r>
+              <a:rPr lang="zh-CN" altLang="en-US" dirty="0">
                 <a:solidFill>
                   <a:prstClr val="black"/>
                 </a:solidFill>
@@ -8221,30 +8188,23 @@
               <a:t>不变性：</a:t>
             </a:r>
             <a:r>
-              <a:rPr lang="en-US" altLang="zh-CN" sz="2800" dirty="0" err="1">
+              <a:rPr lang="en-US" altLang="zh-CN" dirty="0" err="1">
                 <a:solidFill>
                   <a:prstClr val="black"/>
                 </a:solidFill>
               </a:rPr>
               <a:t>SafeOneStatusByFinal</a:t>
             </a:r>
-            <a:endParaRPr lang="en-US" altLang="zh-CN" sz="2800" dirty="0">
+            <a:endParaRPr lang="en-US" altLang="zh-CN" dirty="0">
               <a:solidFill>
                 <a:prstClr val="black"/>
               </a:solidFill>
             </a:endParaRPr>
           </a:p>
           <a:p>
-            <a:pPr lvl="0">
-              <a:lnSpc>
-                <a:spcPct val="90000"/>
-              </a:lnSpc>
-              <a:spcBef>
-                <a:spcPts val="1000"/>
-              </a:spcBef>
-            </a:pPr>
-            <a:r>
-              <a:rPr lang="en-US" altLang="zh-CN" sz="2800" dirty="0">
+            <a:pPr lvl="0"/>
+            <a:r>
+              <a:rPr lang="en-US" altLang="zh-CN" dirty="0">
                 <a:solidFill>
                   <a:prstClr val="black"/>
                 </a:solidFill>
@@ -8252,7 +8212,7 @@
               <a:t>copy: </a:t>
             </a:r>
             <a:r>
-              <a:rPr lang="en-US" altLang="zh-CN" sz="2800" dirty="0" err="1">
+              <a:rPr lang="en-US" altLang="zh-CN" dirty="0" err="1">
                 <a:solidFill>
                   <a:prstClr val="black"/>
                 </a:solidFill>
@@ -8260,7 +8220,7 @@
               <a:t>SafeMultiDimStatusByCopy</a:t>
             </a:r>
             <a:r>
-              <a:rPr lang="en-US" altLang="zh-CN" sz="2800" dirty="0">
+              <a:rPr lang="en-US" altLang="zh-CN" dirty="0">
                 <a:solidFill>
                   <a:prstClr val="black"/>
                 </a:solidFill>
@@ -8269,16 +8229,9 @@
             </a:r>
           </a:p>
           <a:p>
-            <a:pPr lvl="0">
-              <a:lnSpc>
-                <a:spcPct val="90000"/>
-              </a:lnSpc>
-              <a:spcBef>
-                <a:spcPts val="1000"/>
-              </a:spcBef>
-            </a:pPr>
-            <a:r>
-              <a:rPr lang="en-US" altLang="zh-CN" sz="2800" dirty="0">
+            <a:pPr lvl="0"/>
+            <a:r>
+              <a:rPr lang="en-US" altLang="zh-CN" dirty="0">
                 <a:solidFill>
                   <a:prstClr val="black"/>
                 </a:solidFill>
@@ -8286,30 +8239,23 @@
               <a:t>CAS: </a:t>
             </a:r>
             <a:r>
-              <a:rPr lang="en-US" altLang="zh-CN" sz="2800" dirty="0" err="1">
+              <a:rPr lang="en-US" altLang="zh-CN" dirty="0" err="1">
                 <a:solidFill>
                   <a:prstClr val="black"/>
                 </a:solidFill>
               </a:rPr>
               <a:t>SafeCounterByCAS</a:t>
             </a:r>
-            <a:endParaRPr lang="en-US" altLang="zh-CN" sz="2800" dirty="0">
+            <a:endParaRPr lang="en-US" altLang="zh-CN" dirty="0">
               <a:solidFill>
                 <a:prstClr val="black"/>
               </a:solidFill>
             </a:endParaRPr>
           </a:p>
           <a:p>
-            <a:pPr lvl="0">
-              <a:lnSpc>
-                <a:spcPct val="90000"/>
-              </a:lnSpc>
-              <a:spcBef>
-                <a:spcPts val="1000"/>
-              </a:spcBef>
-            </a:pPr>
-            <a:r>
-              <a:rPr lang="en-US" altLang="zh-CN" sz="2800" dirty="0">
+            <a:pPr lvl="0"/>
+            <a:r>
+              <a:rPr lang="en-US" altLang="zh-CN" dirty="0">
                 <a:solidFill>
                   <a:prstClr val="black"/>
                 </a:solidFill>
@@ -8317,14 +8263,14 @@
               <a:t>AQS: </a:t>
             </a:r>
             <a:r>
-              <a:rPr lang="en-US" altLang="zh-CN" sz="2800" dirty="0" err="1">
+              <a:rPr lang="en-US" altLang="zh-CN" dirty="0" err="1">
                 <a:solidFill>
                   <a:prstClr val="black"/>
                 </a:solidFill>
               </a:rPr>
               <a:t>SafeMultiDimStatusByAQS</a:t>
             </a:r>
-            <a:endParaRPr lang="en-US" altLang="zh-CN" sz="2800" dirty="0">
+            <a:endParaRPr lang="en-US" altLang="zh-CN" dirty="0">
               <a:solidFill>
                 <a:prstClr val="black"/>
               </a:solidFill>
@@ -8338,7 +8284,7 @@
     </p:spTree>
     <p:extLst>
       <p:ext uri="{BB962C8B-B14F-4D97-AF65-F5344CB8AC3E}">
-        <p14:creationId xmlns:p14="http://schemas.microsoft.com/office/powerpoint/2010/main" val="252498404"/>
+        <p14:creationId xmlns:p14="http://schemas.microsoft.com/office/powerpoint/2010/main" val="1957161215"/>
       </p:ext>
     </p:extLst>
   </p:cSld>
@@ -8416,7 +8362,17 @@
           <a:p>
             <a:r>
               <a:rPr lang="zh-CN" altLang="en-US" dirty="0"/>
-              <a:t>深安全类：安全类的引用型成员变量的类型也为安全类，递归下去</a:t>
+              <a:t>深安全类：安全类中的引用型成员变量的类型也为安全类</a:t>
+            </a:r>
+            <a:endParaRPr lang="en-US" altLang="zh-CN" dirty="0"/>
+          </a:p>
+          <a:p>
+            <a:endParaRPr lang="en-US" altLang="zh-CN" dirty="0"/>
+          </a:p>
+          <a:p>
+            <a:r>
+              <a:rPr lang="zh-CN" altLang="en-US" dirty="0"/>
+              <a:t>方法：嵌套</a:t>
             </a:r>
             <a:endParaRPr lang="en-US" altLang="zh-CN" dirty="0"/>
           </a:p>
@@ -11105,7 +11061,7 @@
         <p:spPr/>
         <p:txBody>
           <a:bodyPr>
-            <a:normAutofit/>
+            <a:normAutofit fontScale="92500" lnSpcReduction="20000"/>
           </a:bodyPr>
           <a:lstStyle/>
           <a:p>
@@ -11122,24 +11078,6 @@
             </a:r>
           </a:p>
           <a:p>
-            <a:r>
-              <a:rPr lang="en-US" altLang="zh-CN" dirty="0"/>
-              <a:t>synchronized(obj)</a:t>
-            </a:r>
-          </a:p>
-          <a:p>
-            <a:r>
-              <a:rPr lang="en-US" altLang="zh-CN" dirty="0"/>
-              <a:t>synchronized(class)</a:t>
-            </a:r>
-          </a:p>
-          <a:p>
-            <a:r>
-              <a:rPr lang="en-US" altLang="zh-CN" dirty="0"/>
-              <a:t>synchronized &lt;method&gt;</a:t>
-            </a:r>
-          </a:p>
-          <a:p>
             <a:pPr marL="0" indent="0">
               <a:buNone/>
             </a:pPr>
@@ -11176,6 +11114,86 @@
             <a:r>
               <a:rPr lang="en-US" altLang="zh-CN" dirty="0" err="1"/>
               <a:t>SynchronizedUsageDemo</a:t>
+            </a:r>
+            <a:endParaRPr lang="en-US" altLang="zh-CN" dirty="0"/>
+          </a:p>
+          <a:p>
+            <a:pPr marL="0" indent="0">
+              <a:buNone/>
+            </a:pPr>
+            <a:endParaRPr lang="en-US" altLang="zh-CN" dirty="0"/>
+          </a:p>
+          <a:p>
+            <a:pPr marL="0" indent="0">
+              <a:buNone/>
+            </a:pPr>
+            <a:r>
+              <a:rPr lang="zh-CN" altLang="en-US" dirty="0"/>
+              <a:t>堆中对象多出两个字段：</a:t>
+            </a:r>
+            <a:endParaRPr lang="en-US" altLang="zh-CN" dirty="0"/>
+          </a:p>
+          <a:p>
+            <a:pPr marL="0" indent="0">
+              <a:buNone/>
+            </a:pPr>
+            <a:r>
+              <a:rPr lang="en-US" altLang="zh-CN" dirty="0"/>
+              <a:t>	</a:t>
+            </a:r>
+            <a:r>
+              <a:rPr lang="zh-CN" altLang="en-US" dirty="0"/>
+              <a:t>拥有锁的线程：</a:t>
+            </a:r>
+            <a:r>
+              <a:rPr lang="en-US" altLang="zh-CN" dirty="0"/>
+              <a:t>&lt;</a:t>
+            </a:r>
+            <a:r>
+              <a:rPr lang="zh-CN" altLang="en-US" dirty="0"/>
+              <a:t>线程</a:t>
+            </a:r>
+            <a:r>
+              <a:rPr lang="en-US" altLang="zh-CN" dirty="0"/>
+              <a:t>ID&gt;</a:t>
+            </a:r>
+          </a:p>
+          <a:p>
+            <a:pPr marL="0" indent="0">
+              <a:buNone/>
+            </a:pPr>
+            <a:r>
+              <a:rPr lang="en-US" altLang="zh-CN" dirty="0"/>
+              <a:t>	</a:t>
+            </a:r>
+            <a:r>
+              <a:rPr lang="zh-CN" altLang="en-US" dirty="0"/>
+              <a:t>拥有锁的线程重入次数：</a:t>
+            </a:r>
+            <a:r>
+              <a:rPr lang="en-US" altLang="zh-CN" dirty="0"/>
+              <a:t>&lt;</a:t>
+            </a:r>
+            <a:r>
+              <a:rPr lang="zh-CN" altLang="en-US" dirty="0"/>
+              <a:t>数字</a:t>
+            </a:r>
+            <a:r>
+              <a:rPr lang="en-US" altLang="zh-CN" dirty="0"/>
+              <a:t>&gt;</a:t>
+            </a:r>
+          </a:p>
+          <a:p>
+            <a:pPr marL="0" indent="0">
+              <a:buNone/>
+            </a:pPr>
+            <a:r>
+              <a:rPr lang="en-US" altLang="zh-CN" dirty="0"/>
+              <a:t>	</a:t>
+            </a:r>
+            <a:r>
+              <a:rPr lang="zh-CN" altLang="en-US" dirty="0"/>
+              <a:t>。。。</a:t>
             </a:r>
             <a:endParaRPr lang="en-US" altLang="zh-CN" dirty="0"/>
           </a:p>
@@ -11279,12 +11297,6 @@
             <a:endParaRPr lang="en-US" altLang="zh-CN" dirty="0"/>
           </a:p>
           <a:p>
-            <a:pPr marL="0" indent="0">
-              <a:buNone/>
-            </a:pPr>
-            <a:endParaRPr lang="en-US" altLang="zh-CN" dirty="0"/>
-          </a:p>
-          <a:p>
             <a:r>
               <a:rPr lang="zh-CN" altLang="en-US" dirty="0"/>
               <a:t>演示：</a:t>
@@ -11358,6 +11370,10 @@
               <a:t>AtomicLong</a:t>
             </a:r>
             <a:r>
+              <a:rPr lang="zh-CN" altLang="en-US" dirty="0"/>
+              <a:t>，仅累加</a:t>
+            </a:r>
+            <a:r>
               <a:rPr lang="en-US" altLang="zh-CN" dirty="0"/>
               <a:t>. </a:t>
             </a:r>
@@ -11401,11 +11417,7 @@
             </a:r>
             <a:r>
               <a:rPr lang="zh-CN" altLang="en-US" dirty="0"/>
-              <a:t>但可以</a:t>
-            </a:r>
-            <a:r>
-              <a:rPr lang="zh-CN" altLang="en-US"/>
-              <a:t>指定累计逻辑，适合无序累计。原理同上</a:t>
+              <a:t>但可以指定累计逻辑，适合无序累计（即满足交换律）。原理同上</a:t>
             </a:r>
             <a:endParaRPr lang="en-US" altLang="zh-CN" dirty="0"/>
           </a:p>
@@ -11506,7 +11518,7 @@
             </a:pPr>
             <a:r>
               <a:rPr lang="zh-CN" altLang="en-US" dirty="0"/>
-              <a:t>线程封闭指变量只有所在线程访问到，相当于“封闭于”所在线程内部。其他线程无法访问到。</a:t>
+              <a:t>线程封闭指变量只有所在线程能访问到，相当于“封闭于”所在线程内部。其他线程无法访问到。</a:t>
             </a:r>
             <a:endParaRPr lang="en-US" altLang="zh-CN" dirty="0"/>
           </a:p>
@@ -11582,7 +11594,7 @@
             </a:pPr>
             <a:r>
               <a:rPr lang="zh-CN" altLang="en-US" dirty="0"/>
-              <a:t>原理：</a:t>
+              <a:t>简易原理：</a:t>
             </a:r>
             <a:r>
               <a:rPr lang="en-US" altLang="zh-CN" dirty="0"/>
@@ -11603,7 +11615,7 @@
             </a:pPr>
             <a:r>
               <a:rPr lang="zh-CN" altLang="en-US" dirty="0"/>
-              <a:t>近似模拟：</a:t>
+              <a:t>简易模拟：</a:t>
             </a:r>
             <a:r>
               <a:rPr lang="en-US" altLang="zh-CN" dirty="0"/>
@@ -11859,6 +11871,16 @@
         <p:txBody>
           <a:bodyPr/>
           <a:lstStyle/>
+          <a:p>
+            <a:pPr marL="0" indent="0">
+              <a:buNone/>
+            </a:pPr>
+            <a:r>
+              <a:rPr lang="zh-CN" altLang="en-US" dirty="0"/>
+              <a:t>是否线程安全？</a:t>
+            </a:r>
+            <a:endParaRPr lang="en-US" altLang="zh-CN" dirty="0"/>
+          </a:p>
           <a:p>
             <a:r>
               <a:rPr lang="en-US" altLang="zh-CN" dirty="0" err="1"/>

--- a/JAVA并发编程.pptx
+++ b/JAVA并发编程.pptx
@@ -8506,6 +8506,10 @@
               <a:buNone/>
             </a:pPr>
             <a:r>
+              <a:rPr lang="zh-CN" altLang="en-US" dirty="0"/>
+              <a:t>继承：</a:t>
+            </a:r>
+            <a:r>
               <a:rPr lang="en-US" altLang="zh-CN" dirty="0" err="1"/>
               <a:t>MyVectorByExtend</a:t>
             </a:r>
@@ -8515,6 +8519,10 @@
             <a:pPr marL="0" indent="0">
               <a:buNone/>
             </a:pPr>
+            <a:r>
+              <a:rPr lang="zh-CN" altLang="en-US"/>
+              <a:t>组合：</a:t>
+            </a:r>
             <a:r>
               <a:rPr lang="en-US" altLang="zh-CN" dirty="0" err="1"/>
               <a:t>MyVectorByComposing</a:t>

--- a/JAVA并发编程.pptx
+++ b/JAVA并发编程.pptx
@@ -6952,18 +6952,18 @@
           </a:p>
           <a:p>
             <a:r>
-              <a:rPr lang="zh-CN" altLang="en-US" dirty="0"/>
+              <a:rPr lang="zh-CN" altLang="en-US" b="1" dirty="0"/>
               <a:t>比喻： </a:t>
             </a:r>
             <a:r>
-              <a:rPr lang="en-US" altLang="zh-CN" dirty="0"/>
+              <a:rPr lang="en-US" altLang="zh-CN" b="1" dirty="0"/>
               <a:t>Git</a:t>
             </a:r>
             <a:r>
-              <a:rPr lang="zh-CN" altLang="en-US" dirty="0"/>
+              <a:rPr lang="zh-CN" altLang="en-US" b="1" dirty="0"/>
               <a:t>版本下的协作开发</a:t>
             </a:r>
-            <a:endParaRPr lang="en-US" altLang="zh-CN" dirty="0"/>
+            <a:endParaRPr lang="en-US" altLang="zh-CN" b="1" dirty="0"/>
           </a:p>
           <a:p>
             <a:endParaRPr lang="en-US" altLang="zh-CN" dirty="0"/>
@@ -7048,7 +7048,7 @@
             </a:r>
             <a:r>
               <a:rPr lang="zh-CN" altLang="en-US" dirty="0"/>
-              <a:t>的新值，才能保证正确性或实现可见性。</a:t>
+              <a:t>的新值，才能实现可见性。</a:t>
             </a:r>
           </a:p>
           <a:p>
@@ -7379,7 +7379,7 @@
         <p:spPr>
           <a:xfrm>
             <a:off x="952901" y="2098306"/>
-            <a:ext cx="3272590" cy="1754326"/>
+            <a:ext cx="3272590" cy="2677656"/>
           </a:xfrm>
           <a:prstGeom prst="rect">
             <a:avLst/>
@@ -7397,21 +7397,21 @@
               <a:buChar char="•"/>
             </a:pPr>
             <a:r>
-              <a:rPr lang="zh-CN" altLang="en-US" dirty="0"/>
+              <a:rPr lang="zh-CN" altLang="en-US" sz="2400" dirty="0"/>
               <a:t>堆为共享内存区域，对象</a:t>
             </a:r>
             <a:r>
-              <a:rPr lang="en-US" altLang="zh-CN" dirty="0"/>
+              <a:rPr lang="en-US" altLang="zh-CN" sz="2400" dirty="0"/>
               <a:t>new</a:t>
             </a:r>
             <a:r>
-              <a:rPr lang="zh-CN" altLang="en-US" dirty="0"/>
+              <a:rPr lang="zh-CN" altLang="en-US" sz="2400" dirty="0"/>
               <a:t>在堆上</a:t>
             </a:r>
-            <a:endParaRPr lang="en-US" altLang="zh-CN" dirty="0"/>
-          </a:p>
-          <a:p>
-            <a:endParaRPr lang="en-US" altLang="zh-CN" dirty="0"/>
+            <a:endParaRPr lang="en-US" altLang="zh-CN" sz="2400" dirty="0"/>
+          </a:p>
+          <a:p>
+            <a:endParaRPr lang="en-US" altLang="zh-CN" sz="2400" dirty="0"/>
           </a:p>
           <a:p>
             <a:pPr marL="285750" indent="-285750">
@@ -7419,10 +7419,10 @@
               <a:buChar char="•"/>
             </a:pPr>
             <a:r>
-              <a:rPr lang="zh-CN" altLang="en-US" dirty="0"/>
+              <a:rPr lang="zh-CN" altLang="en-US" sz="2400" dirty="0"/>
               <a:t>基本变量和局部变量分配置在栈上，每个线程对应一个栈，方法在栈中执行，</a:t>
             </a:r>
-            <a:endParaRPr lang="en-US" altLang="zh-CN" dirty="0"/>
+            <a:endParaRPr lang="en-US" altLang="zh-CN" sz="2400" dirty="0"/>
           </a:p>
         </p:txBody>
       </p:sp>
@@ -7542,8 +7542,8 @@
         </p:nvSpPr>
         <p:spPr>
           <a:xfrm>
-            <a:off x="1045046" y="2053575"/>
-            <a:ext cx="2949438" cy="1507772"/>
+            <a:off x="1045046" y="1976573"/>
+            <a:ext cx="3469202" cy="2677656"/>
           </a:xfrm>
           <a:prstGeom prst="rect">
             <a:avLst/>
@@ -7561,13 +7561,14 @@
               <a:buChar char="•"/>
             </a:pPr>
             <a:r>
-              <a:rPr lang="zh-CN" altLang="en-US" dirty="0"/>
-              <a:t>堆、方法区等构成主内存</a:t>
-            </a:r>
-            <a:endParaRPr lang="en-US" altLang="zh-CN" dirty="0"/>
-          </a:p>
-          <a:p>
-            <a:endParaRPr lang="en-US" altLang="zh-CN" dirty="0"/>
+              <a:rPr lang="en-US" altLang="zh-CN" sz="2800" dirty="0"/>
+              <a:t>JMM</a:t>
+            </a:r>
+            <a:r>
+              <a:rPr lang="zh-CN" altLang="en-US" sz="2800" dirty="0"/>
+              <a:t>是抽象出来的，真实不存在</a:t>
+            </a:r>
+            <a:endParaRPr lang="en-US" altLang="zh-CN" sz="2800" dirty="0"/>
           </a:p>
           <a:p>
             <a:pPr marL="285750" indent="-285750">
@@ -7575,7 +7576,18 @@
               <a:buChar char="•"/>
             </a:pPr>
             <a:r>
-              <a:rPr lang="zh-CN" altLang="en-US" dirty="0"/>
+              <a:rPr lang="zh-CN" altLang="en-US" sz="2800" dirty="0"/>
+              <a:t>堆、方法区等构成主内存</a:t>
+            </a:r>
+            <a:endParaRPr lang="en-US" altLang="zh-CN" sz="2800" dirty="0"/>
+          </a:p>
+          <a:p>
+            <a:pPr marL="285750" indent="-285750">
+              <a:buFont typeface="Arial" panose="020B0604020202020204" pitchFamily="34" charset="0"/>
+              <a:buChar char="•"/>
+            </a:pPr>
+            <a:r>
+              <a:rPr lang="zh-CN" altLang="en-US" sz="2800" dirty="0"/>
               <a:t>寄存器、栈等构成工作内存</a:t>
             </a:r>
           </a:p>
@@ -8047,6 +8059,39 @@
             <a:endParaRPr lang="en-US" altLang="zh-CN" dirty="0"/>
           </a:p>
           <a:p>
+            <a:r>
+              <a:rPr lang="zh-CN" altLang="en-US" dirty="0"/>
+              <a:t>强一致：对象内部状态始终是一致</a:t>
+            </a:r>
+            <a:r>
+              <a:rPr lang="en-US" altLang="zh-CN" dirty="0"/>
+              <a:t>, </a:t>
+            </a:r>
+            <a:r>
+              <a:rPr lang="en-US" altLang="zh-CN" dirty="0" err="1"/>
+              <a:t>StrongConsistencyPosition</a:t>
+            </a:r>
+            <a:endParaRPr lang="en-US" altLang="zh-CN" dirty="0"/>
+          </a:p>
+          <a:p>
+            <a:r>
+              <a:rPr lang="zh-CN" altLang="en-US" dirty="0"/>
+              <a:t>弱一致：对象内部状态有时不一致</a:t>
+            </a:r>
+            <a:r>
+              <a:rPr lang="en-US" altLang="zh-CN" dirty="0"/>
+              <a:t>, </a:t>
+            </a:r>
+            <a:r>
+              <a:rPr lang="en-US" altLang="zh-CN" dirty="0" err="1"/>
+              <a:t>WeakConsistencyPosition</a:t>
+            </a:r>
+            <a:endParaRPr lang="en-US" altLang="zh-CN" dirty="0"/>
+          </a:p>
+          <a:p>
+            <a:endParaRPr lang="en-US" altLang="zh-CN" dirty="0"/>
+          </a:p>
+          <a:p>
             <a:endParaRPr lang="en-US" altLang="zh-CN" dirty="0"/>
           </a:p>
         </p:txBody>
@@ -8104,7 +8149,7 @@
           <a:p>
             <a:r>
               <a:rPr lang="zh-CN" altLang="en-US" dirty="0"/>
-              <a:t>设计方法</a:t>
+              <a:t>具体设计方法</a:t>
             </a:r>
           </a:p>
         </p:txBody>
@@ -8156,6 +8201,62 @@
               <a:t>，</a:t>
             </a:r>
             <a:r>
+              <a:rPr lang="en-US" altLang="zh-CN" dirty="0" err="1">
+                <a:solidFill>
+                  <a:prstClr val="black"/>
+                </a:solidFill>
+              </a:rPr>
+              <a:t>SafeCounterByMonitorPattern</a:t>
+            </a:r>
+            <a:endParaRPr lang="en-US" altLang="zh-CN" dirty="0">
+              <a:solidFill>
+                <a:prstClr val="black"/>
+              </a:solidFill>
+            </a:endParaRPr>
+          </a:p>
+          <a:p>
+            <a:pPr lvl="0"/>
+            <a:r>
+              <a:rPr lang="zh-CN" altLang="en-US" dirty="0">
+                <a:solidFill>
+                  <a:prstClr val="black"/>
+                </a:solidFill>
+              </a:rPr>
+              <a:t>不变性：</a:t>
+            </a:r>
+            <a:r>
+              <a:rPr lang="en-US" altLang="zh-CN" dirty="0" err="1">
+                <a:solidFill>
+                  <a:prstClr val="black"/>
+                </a:solidFill>
+              </a:rPr>
+              <a:t>SafeOneStatusByFinal</a:t>
+            </a:r>
+            <a:endParaRPr lang="en-US" altLang="zh-CN" dirty="0">
+              <a:solidFill>
+                <a:prstClr val="black"/>
+              </a:solidFill>
+            </a:endParaRPr>
+          </a:p>
+          <a:p>
+            <a:pPr lvl="0"/>
+            <a:r>
+              <a:rPr lang="en-US" altLang="zh-CN" dirty="0">
+                <a:solidFill>
+                  <a:prstClr val="black"/>
+                </a:solidFill>
+              </a:rPr>
+              <a:t>copy: </a:t>
+            </a:r>
+            <a:r>
+              <a:rPr lang="en-US" altLang="zh-CN" dirty="0" err="1">
+                <a:solidFill>
+                  <a:prstClr val="black"/>
+                </a:solidFill>
+              </a:rPr>
+              <a:t>SafeMultiDimStatusByCopy</a:t>
+            </a:r>
+            <a:r>
               <a:rPr lang="en-US" altLang="zh-CN" dirty="0">
                 <a:solidFill>
                   <a:prstClr val="black"/>
@@ -8163,70 +8264,6 @@
               </a:rPr>
               <a:t> </a:t>
             </a:r>
-            <a:r>
-              <a:rPr lang="en-US" altLang="zh-CN" dirty="0" err="1">
-                <a:solidFill>
-                  <a:prstClr val="black"/>
-                </a:solidFill>
-              </a:rPr>
-              <a:t>SafeCounterByMonitorPattern</a:t>
-            </a:r>
-            <a:endParaRPr lang="en-US" altLang="zh-CN" dirty="0">
-              <a:solidFill>
-                <a:prstClr val="black"/>
-              </a:solidFill>
-            </a:endParaRPr>
-          </a:p>
-          <a:p>
-            <a:pPr lvl="0"/>
-            <a:r>
-              <a:rPr lang="zh-CN" altLang="en-US" dirty="0">
-                <a:solidFill>
-                  <a:prstClr val="black"/>
-                </a:solidFill>
-              </a:rPr>
-              <a:t>不变性：</a:t>
-            </a:r>
-            <a:r>
-              <a:rPr lang="en-US" altLang="zh-CN" dirty="0" err="1">
-                <a:solidFill>
-                  <a:prstClr val="black"/>
-                </a:solidFill>
-              </a:rPr>
-              <a:t>SafeOneStatusByFinal</a:t>
-            </a:r>
-            <a:endParaRPr lang="en-US" altLang="zh-CN" dirty="0">
-              <a:solidFill>
-                <a:prstClr val="black"/>
-              </a:solidFill>
-            </a:endParaRPr>
-          </a:p>
-          <a:p>
-            <a:pPr lvl="0"/>
-            <a:r>
-              <a:rPr lang="en-US" altLang="zh-CN" dirty="0">
-                <a:solidFill>
-                  <a:prstClr val="black"/>
-                </a:solidFill>
-              </a:rPr>
-              <a:t>copy: </a:t>
-            </a:r>
-            <a:r>
-              <a:rPr lang="en-US" altLang="zh-CN" dirty="0" err="1">
-                <a:solidFill>
-                  <a:prstClr val="black"/>
-                </a:solidFill>
-              </a:rPr>
-              <a:t>SafeMultiDimStatusByCopy</a:t>
-            </a:r>
-            <a:r>
-              <a:rPr lang="en-US" altLang="zh-CN" dirty="0">
-                <a:solidFill>
-                  <a:prstClr val="black"/>
-                </a:solidFill>
-              </a:rPr>
-              <a:t> </a:t>
-            </a:r>
           </a:p>
           <a:p>
             <a:pPr lvl="0"/>
@@ -8269,6 +8306,22 @@
                 </a:solidFill>
               </a:rPr>
               <a:t>SafeMultiDimStatusByAQS</a:t>
+            </a:r>
+            <a:endParaRPr lang="en-US" altLang="zh-CN" dirty="0">
+              <a:solidFill>
+                <a:prstClr val="black"/>
+              </a:solidFill>
+            </a:endParaRPr>
+          </a:p>
+          <a:p>
+            <a:pPr lvl="0"/>
+            <a:r>
+              <a:rPr lang="zh-CN" altLang="en-US" dirty="0">
+                <a:solidFill>
+                  <a:prstClr val="black"/>
+                </a:solidFill>
+              </a:rPr>
+              <a:t>综合应用</a:t>
             </a:r>
             <a:endParaRPr lang="en-US" altLang="zh-CN" dirty="0">
               <a:solidFill>
@@ -8387,12 +8440,6 @@
               <a:rPr lang="zh-CN" altLang="en-US" dirty="0"/>
               <a:t>演示：</a:t>
             </a:r>
-            <a:endParaRPr lang="en-US" altLang="zh-CN" dirty="0"/>
-          </a:p>
-          <a:p>
-            <a:pPr marL="0" indent="0">
-              <a:buNone/>
-            </a:pPr>
             <a:r>
               <a:rPr lang="en-US" altLang="zh-CN" dirty="0" err="1"/>
               <a:t>DeepSafeStatus</a:t>
@@ -8520,7 +8567,7 @@
               <a:buNone/>
             </a:pPr>
             <a:r>
-              <a:rPr lang="zh-CN" altLang="en-US"/>
+              <a:rPr lang="zh-CN" altLang="en-US" dirty="0"/>
               <a:t>组合：</a:t>
             </a:r>
             <a:r>
@@ -11069,7 +11116,7 @@
         <p:spPr/>
         <p:txBody>
           <a:bodyPr>
-            <a:normAutofit fontScale="92500" lnSpcReduction="20000"/>
+            <a:normAutofit/>
           </a:bodyPr>
           <a:lstStyle/>
           <a:p>
@@ -11084,11 +11131,43 @@
               <a:rPr lang="en-US" altLang="zh-CN" dirty="0"/>
               <a:t>synchronized</a:t>
             </a:r>
+            <a:r>
+              <a:rPr lang="zh-CN" altLang="en-US" dirty="0"/>
+              <a:t>， 又叫监控器</a:t>
+            </a:r>
+            <a:r>
+              <a:rPr lang="en-US" altLang="zh-CN" dirty="0"/>
+              <a:t>monitor</a:t>
+            </a:r>
           </a:p>
           <a:p>
             <a:pPr marL="0" indent="0">
               <a:buNone/>
             </a:pPr>
+            <a:r>
+              <a:rPr lang="zh-CN" altLang="en-US" dirty="0"/>
+              <a:t>字节码指令：</a:t>
+            </a:r>
+            <a:r>
+              <a:rPr lang="en-US" altLang="zh-CN" dirty="0" err="1"/>
+              <a:t>monitorenter</a:t>
+            </a:r>
+            <a:r>
+              <a:rPr lang="en-US" altLang="zh-CN" dirty="0"/>
+              <a:t>, </a:t>
+            </a:r>
+            <a:r>
+              <a:rPr lang="en-US" altLang="zh-CN" dirty="0" err="1"/>
+              <a:t>monitorexit</a:t>
+            </a:r>
+            <a:r>
+              <a:rPr lang="en-US" altLang="zh-CN" dirty="0"/>
+              <a:t> : </a:t>
+            </a:r>
+            <a:r>
+              <a:rPr lang="en-US" altLang="zh-CN" dirty="0" err="1"/>
+              <a:t>SynchronizedForJavap</a:t>
+            </a:r>
             <a:endParaRPr lang="en-US" altLang="zh-CN" dirty="0"/>
           </a:p>
           <a:p>
@@ -11097,7 +11176,15 @@
             </a:pPr>
             <a:r>
               <a:rPr lang="zh-CN" altLang="en-US" dirty="0"/>
-              <a:t>内置锁可重入：</a:t>
+              <a:t>可重入：同一条线程可再次进入</a:t>
+            </a:r>
+            <a:r>
+              <a:rPr lang="en-US" altLang="zh-CN" dirty="0"/>
+              <a:t>:  </a:t>
+            </a:r>
+            <a:r>
+              <a:rPr lang="en-US" altLang="zh-CN" dirty="0" err="1"/>
+              <a:t>MonitorReenterDemo</a:t>
             </a:r>
             <a:endParaRPr lang="en-US" altLang="zh-CN" dirty="0"/>
           </a:p>
@@ -11107,7 +11194,7 @@
             </a:pPr>
             <a:r>
               <a:rPr lang="zh-CN" altLang="en-US" dirty="0"/>
-              <a:t>同一条线程可再次进入，如递归、调用同步的其他成员方法等</a:t>
+              <a:t>原理：</a:t>
             </a:r>
             <a:endParaRPr lang="en-US" altLang="zh-CN" dirty="0"/>
           </a:p>
@@ -11117,27 +11204,7 @@
             </a:pPr>
             <a:r>
               <a:rPr lang="zh-CN" altLang="en-US" dirty="0"/>
-              <a:t>演示： </a:t>
-            </a:r>
-            <a:r>
-              <a:rPr lang="en-US" altLang="zh-CN" dirty="0" err="1"/>
-              <a:t>SynchronizedUsageDemo</a:t>
-            </a:r>
-            <a:endParaRPr lang="en-US" altLang="zh-CN" dirty="0"/>
-          </a:p>
-          <a:p>
-            <a:pPr marL="0" indent="0">
-              <a:buNone/>
-            </a:pPr>
-            <a:endParaRPr lang="en-US" altLang="zh-CN" dirty="0"/>
-          </a:p>
-          <a:p>
-            <a:pPr marL="0" indent="0">
-              <a:buNone/>
-            </a:pPr>
-            <a:r>
-              <a:rPr lang="zh-CN" altLang="en-US" dirty="0"/>
-              <a:t>堆中对象多出两个字段：</a:t>
+              <a:t>堆中对象多出两个监视字段：</a:t>
             </a:r>
             <a:endParaRPr lang="en-US" altLang="zh-CN" dirty="0"/>
           </a:p>

--- a/JAVA并发编程.pptx
+++ b/JAVA并发编程.pptx
@@ -9189,15 +9189,7 @@
             </a:r>
             <a:r>
               <a:rPr lang="zh-CN" altLang="en-US" dirty="0"/>
-              <a:t>原因：按线程分散于</a:t>
-            </a:r>
-            <a:r>
-              <a:rPr lang="en-US" altLang="zh-CN" dirty="0" err="1"/>
-              <a:t>coutn</a:t>
-            </a:r>
-            <a:r>
-              <a:rPr lang="zh-CN" altLang="en-US" dirty="0"/>
-              <a:t>数组中，求</a:t>
+              <a:t>原因：</a:t>
             </a:r>
             <a:r>
               <a:rPr lang="en-US" altLang="zh-CN" dirty="0"/>
@@ -9205,14 +9197,24 @@
             </a:r>
             <a:r>
               <a:rPr lang="zh-CN" altLang="en-US" dirty="0"/>
-              <a:t>时累计数组元素</a:t>
-            </a:r>
-            <a:endParaRPr lang="en-US" altLang="zh-CN" dirty="0"/>
-          </a:p>
-          <a:p>
-            <a:pPr marL="0" indent="0">
-              <a:buNone/>
-            </a:pPr>
+              <a:t>按线程分散于子</a:t>
+            </a:r>
+            <a:r>
+              <a:rPr lang="en-US" altLang="zh-CN" dirty="0"/>
+              <a:t>size</a:t>
+            </a:r>
+            <a:r>
+              <a:rPr lang="zh-CN" altLang="en-US" dirty="0"/>
+              <a:t>数组中，求</a:t>
+            </a:r>
+            <a:r>
+              <a:rPr lang="en-US" altLang="zh-CN" dirty="0"/>
+              <a:t>size</a:t>
+            </a:r>
+            <a:r>
+              <a:rPr lang="zh-CN" altLang="en-US" dirty="0"/>
+              <a:t>时累计</a:t>
+            </a:r>
             <a:endParaRPr lang="en-US" altLang="zh-CN" dirty="0"/>
           </a:p>
           <a:p>

--- a/JAVA并发编程.pptx
+++ b/JAVA并发编程.pptx
@@ -8965,6 +8965,9 @@
           <a:bodyPr/>
           <a:lstStyle/>
           <a:p>
+            <a:pPr marL="0" indent="0">
+              <a:buNone/>
+            </a:pPr>
             <a:r>
               <a:rPr lang="zh-CN" altLang="en-US" dirty="0"/>
               <a:t>使用同步容器常见问题，以</a:t>
@@ -8980,12 +8983,13 @@
             <a:endParaRPr lang="en-US" altLang="zh-CN" dirty="0"/>
           </a:p>
           <a:p>
-            <a:pPr marL="0" indent="0">
-              <a:buNone/>
+            <a:pPr>
+              <a:buFont typeface="Wingdings" panose="05000000000000000000" pitchFamily="2" charset="2"/>
+              <a:buChar char="l"/>
             </a:pPr>
             <a:r>
               <a:rPr lang="zh-CN" altLang="en-US" dirty="0"/>
-              <a:t>复合操作：</a:t>
+              <a:t>复合操作非原子：</a:t>
             </a:r>
             <a:r>
               <a:rPr lang="en-US" altLang="zh-CN" dirty="0" err="1"/>
@@ -8994,8 +8998,9 @@
             <a:endParaRPr lang="en-US" altLang="zh-CN" dirty="0"/>
           </a:p>
           <a:p>
-            <a:pPr marL="0" indent="0">
-              <a:buNone/>
+            <a:pPr>
+              <a:buFont typeface="Wingdings" panose="05000000000000000000" pitchFamily="2" charset="2"/>
+              <a:buChar char="l"/>
             </a:pPr>
             <a:r>
               <a:rPr lang="en-US" altLang="zh-CN" dirty="0"/>
@@ -9003,7 +9008,7 @@
             </a:r>
             <a:r>
               <a:rPr lang="zh-CN" altLang="en-US" dirty="0"/>
-              <a:t>循环中竞态条件：</a:t>
+              <a:t>循环中竞态条件非原子：</a:t>
             </a:r>
             <a:r>
               <a:rPr lang="en-US" altLang="zh-CN" dirty="0" err="1"/>
@@ -9012,12 +9017,17 @@
             <a:endParaRPr lang="en-US" altLang="zh-CN" dirty="0"/>
           </a:p>
           <a:p>
-            <a:pPr marL="0" indent="0">
-              <a:buNone/>
+            <a:pPr>
+              <a:buFont typeface="Wingdings" panose="05000000000000000000" pitchFamily="2" charset="2"/>
+              <a:buChar char="l"/>
             </a:pPr>
             <a:r>
-              <a:rPr lang="zh-CN" altLang="en-US" dirty="0"/>
-              <a:t>迭代器时并发修改：</a:t>
+              <a:rPr lang="zh-CN" altLang="en-US"/>
+              <a:t>使用迭代器时并发</a:t>
+            </a:r>
+            <a:r>
+              <a:rPr lang="zh-CN" altLang="en-US" dirty="0"/>
+              <a:t>修改异常：</a:t>
             </a:r>
             <a:r>
               <a:rPr lang="en-US" altLang="zh-CN" dirty="0" err="1"/>
@@ -9026,12 +9036,13 @@
             <a:endParaRPr lang="en-US" altLang="zh-CN" dirty="0"/>
           </a:p>
           <a:p>
-            <a:pPr marL="0" indent="0">
-              <a:buNone/>
+            <a:pPr>
+              <a:buFont typeface="Wingdings" panose="05000000000000000000" pitchFamily="2" charset="2"/>
+              <a:buChar char="l"/>
             </a:pPr>
             <a:r>
               <a:rPr lang="zh-CN" altLang="en-US" dirty="0"/>
-              <a:t>隐藏使用迭代器：</a:t>
+              <a:t>隐藏迭代器并发修改异常：</a:t>
             </a:r>
             <a:r>
               <a:rPr lang="en-US" altLang="zh-CN" dirty="0" err="1"/>

--- a/JAVA并发编程.pptx
+++ b/JAVA并发编程.pptx
@@ -9011,8 +9011,12 @@
               <a:t>循环中竞态条件非原子：</a:t>
             </a:r>
             <a:r>
-              <a:rPr lang="en-US" altLang="zh-CN" dirty="0" err="1"/>
-              <a:t>ProblemInForLoop</a:t>
+              <a:rPr lang="en-US" altLang="zh-CN" dirty="0"/>
+              <a:t> </a:t>
+            </a:r>
+            <a:r>
+              <a:rPr lang="en-US" altLang="zh-CN"/>
+              <a:t>ProblemInForLoopDemo</a:t>
             </a:r>
             <a:endParaRPr lang="en-US" altLang="zh-CN" dirty="0"/>
           </a:p>
@@ -9022,12 +9026,8 @@
               <a:buChar char="l"/>
             </a:pPr>
             <a:r>
-              <a:rPr lang="zh-CN" altLang="en-US"/>
-              <a:t>使用迭代器时并发</a:t>
-            </a:r>
-            <a:r>
-              <a:rPr lang="zh-CN" altLang="en-US" dirty="0"/>
-              <a:t>修改异常：</a:t>
+              <a:rPr lang="zh-CN" altLang="en-US" dirty="0"/>
+              <a:t>使用迭代器时并发修改异常：</a:t>
             </a:r>
             <a:r>
               <a:rPr lang="en-US" altLang="zh-CN" dirty="0" err="1"/>

--- a/JAVA并发编程.pptx
+++ b/JAVA并发编程.pptx
@@ -4,46 +4,48 @@
   <p:sldMasterIdLst>
     <p:sldMasterId id="2147483789" r:id="rId1"/>
     <p:sldMasterId id="2147483819" r:id="rId2"/>
+    <p:sldMasterId id="2147483867" r:id="rId3"/>
   </p:sldMasterIdLst>
   <p:notesMasterIdLst>
-    <p:notesMasterId r:id="rId38"/>
+    <p:notesMasterId r:id="rId40"/>
   </p:notesMasterIdLst>
   <p:sldIdLst>
-    <p:sldId id="256" r:id="rId3"/>
-    <p:sldId id="261" r:id="rId4"/>
-    <p:sldId id="257" r:id="rId5"/>
-    <p:sldId id="262" r:id="rId6"/>
-    <p:sldId id="258" r:id="rId7"/>
-    <p:sldId id="297" r:id="rId8"/>
-    <p:sldId id="271" r:id="rId9"/>
-    <p:sldId id="272" r:id="rId10"/>
-    <p:sldId id="269" r:id="rId11"/>
-    <p:sldId id="283" r:id="rId12"/>
-    <p:sldId id="263" r:id="rId13"/>
-    <p:sldId id="266" r:id="rId14"/>
-    <p:sldId id="264" r:id="rId15"/>
-    <p:sldId id="267" r:id="rId16"/>
-    <p:sldId id="296" r:id="rId17"/>
-    <p:sldId id="268" r:id="rId18"/>
-    <p:sldId id="270" r:id="rId19"/>
-    <p:sldId id="275" r:id="rId20"/>
-    <p:sldId id="274" r:id="rId21"/>
-    <p:sldId id="277" r:id="rId22"/>
-    <p:sldId id="298" r:id="rId23"/>
-    <p:sldId id="279" r:id="rId24"/>
-    <p:sldId id="281" r:id="rId25"/>
-    <p:sldId id="280" r:id="rId26"/>
-    <p:sldId id="284" r:id="rId27"/>
-    <p:sldId id="285" r:id="rId28"/>
-    <p:sldId id="287" r:id="rId29"/>
-    <p:sldId id="288" r:id="rId30"/>
-    <p:sldId id="289" r:id="rId31"/>
-    <p:sldId id="290" r:id="rId32"/>
-    <p:sldId id="291" r:id="rId33"/>
-    <p:sldId id="292" r:id="rId34"/>
-    <p:sldId id="293" r:id="rId35"/>
-    <p:sldId id="294" r:id="rId36"/>
-    <p:sldId id="295" r:id="rId37"/>
+    <p:sldId id="256" r:id="rId4"/>
+    <p:sldId id="261" r:id="rId5"/>
+    <p:sldId id="257" r:id="rId6"/>
+    <p:sldId id="262" r:id="rId7"/>
+    <p:sldId id="258" r:id="rId8"/>
+    <p:sldId id="297" r:id="rId9"/>
+    <p:sldId id="271" r:id="rId10"/>
+    <p:sldId id="272" r:id="rId11"/>
+    <p:sldId id="269" r:id="rId12"/>
+    <p:sldId id="283" r:id="rId13"/>
+    <p:sldId id="263" r:id="rId14"/>
+    <p:sldId id="266" r:id="rId15"/>
+    <p:sldId id="264" r:id="rId16"/>
+    <p:sldId id="267" r:id="rId17"/>
+    <p:sldId id="296" r:id="rId18"/>
+    <p:sldId id="268" r:id="rId19"/>
+    <p:sldId id="270" r:id="rId20"/>
+    <p:sldId id="275" r:id="rId21"/>
+    <p:sldId id="274" r:id="rId22"/>
+    <p:sldId id="277" r:id="rId23"/>
+    <p:sldId id="300" r:id="rId24"/>
+    <p:sldId id="279" r:id="rId25"/>
+    <p:sldId id="281" r:id="rId26"/>
+    <p:sldId id="280" r:id="rId27"/>
+    <p:sldId id="284" r:id="rId28"/>
+    <p:sldId id="285" r:id="rId29"/>
+    <p:sldId id="287" r:id="rId30"/>
+    <p:sldId id="288" r:id="rId31"/>
+    <p:sldId id="289" r:id="rId32"/>
+    <p:sldId id="290" r:id="rId33"/>
+    <p:sldId id="299" r:id="rId34"/>
+    <p:sldId id="291" r:id="rId35"/>
+    <p:sldId id="292" r:id="rId36"/>
+    <p:sldId id="293" r:id="rId37"/>
+    <p:sldId id="294" r:id="rId38"/>
+    <p:sldId id="295" r:id="rId39"/>
   </p:sldIdLst>
   <p:sldSz cx="12192000" cy="6858000"/>
   <p:notesSz cx="6858000" cy="9144000"/>
@@ -3750,6 +3752,1540 @@
 </p:sldLayout>
 </file>
 
+<file path=ppt/slideLayouts/slideLayout23.xml><?xml version="1.0" encoding="utf-8"?>
+<p:sldLayout xmlns:a="http://schemas.openxmlformats.org/drawingml/2006/main" xmlns:r="http://schemas.openxmlformats.org/officeDocument/2006/relationships" xmlns:p="http://schemas.openxmlformats.org/presentationml/2006/main" type="title" preserve="1">
+  <p:cSld name="标题幻灯片">
+    <p:spTree>
+      <p:nvGrpSpPr>
+        <p:cNvPr id="1" name=""/>
+        <p:cNvGrpSpPr/>
+        <p:nvPr/>
+      </p:nvGrpSpPr>
+      <p:grpSpPr>
+        <a:xfrm>
+          <a:off x="0" y="0"/>
+          <a:ext cx="0" cy="0"/>
+          <a:chOff x="0" y="0"/>
+          <a:chExt cx="0" cy="0"/>
+        </a:xfrm>
+      </p:grpSpPr>
+      <p:pic>
+        <p:nvPicPr>
+          <p:cNvPr id="7" name="Picture 6" descr="C0-HD-BTM.png"/>
+          <p:cNvPicPr>
+            <a:picLocks noChangeAspect="1"/>
+          </p:cNvPicPr>
+          <p:nvPr/>
+        </p:nvPicPr>
+        <p:blipFill>
+          <a:blip r:embed="rId2">
+            <a:extLst>
+              <a:ext uri="{28A0092B-C50C-407E-A947-70E740481C1C}">
+                <a14:useLocalDpi xmlns:a14="http://schemas.microsoft.com/office/drawing/2010/main" val="0"/>
+              </a:ext>
+            </a:extLst>
+          </a:blip>
+          <a:stretch>
+            <a:fillRect/>
+          </a:stretch>
+        </p:blipFill>
+        <p:spPr>
+          <a:xfrm>
+            <a:off x="0" y="4375150"/>
+            <a:ext cx="12192000" cy="2482850"/>
+          </a:xfrm>
+          <a:prstGeom prst="rect">
+            <a:avLst/>
+          </a:prstGeom>
+        </p:spPr>
+      </p:pic>
+      <p:sp>
+        <p:nvSpPr>
+          <p:cNvPr id="2" name="Title 1"/>
+          <p:cNvSpPr>
+            <a:spLocks noGrp="1"/>
+          </p:cNvSpPr>
+          <p:nvPr>
+            <p:ph type="ctrTitle"/>
+          </p:nvPr>
+        </p:nvSpPr>
+        <p:spPr>
+          <a:xfrm>
+            <a:off x="1371600" y="1803405"/>
+            <a:ext cx="9448800" cy="1825096"/>
+          </a:xfrm>
+        </p:spPr>
+        <p:txBody>
+          <a:bodyPr anchor="b">
+            <a:normAutofit/>
+          </a:bodyPr>
+          <a:lstStyle>
+            <a:lvl1pPr algn="l">
+              <a:defRPr sz="6000"/>
+            </a:lvl1pPr>
+          </a:lstStyle>
+          <a:p>
+            <a:r>
+              <a:rPr lang="zh-CN" altLang="en-US"/>
+              <a:t>单击此处编辑母版标题样式</a:t>
+            </a:r>
+            <a:endParaRPr lang="en-US" dirty="0"/>
+          </a:p>
+        </p:txBody>
+      </p:sp>
+      <p:sp>
+        <p:nvSpPr>
+          <p:cNvPr id="3" name="Subtitle 2"/>
+          <p:cNvSpPr>
+            <a:spLocks noGrp="1"/>
+          </p:cNvSpPr>
+          <p:nvPr>
+            <p:ph type="subTitle" idx="1"/>
+          </p:nvPr>
+        </p:nvSpPr>
+        <p:spPr>
+          <a:xfrm>
+            <a:off x="1371600" y="3632201"/>
+            <a:ext cx="9448800" cy="685800"/>
+          </a:xfrm>
+        </p:spPr>
+        <p:txBody>
+          <a:bodyPr>
+            <a:normAutofit/>
+          </a:bodyPr>
+          <a:lstStyle>
+            <a:lvl1pPr marL="0" indent="0" algn="l">
+              <a:buNone/>
+              <a:defRPr sz="2000"/>
+            </a:lvl1pPr>
+            <a:lvl2pPr marL="457200" indent="0" algn="ctr">
+              <a:buNone/>
+              <a:defRPr sz="2000"/>
+            </a:lvl2pPr>
+            <a:lvl3pPr marL="914400" indent="0" algn="ctr">
+              <a:buNone/>
+              <a:defRPr sz="1800"/>
+            </a:lvl3pPr>
+            <a:lvl4pPr marL="1371600" indent="0" algn="ctr">
+              <a:buNone/>
+              <a:defRPr sz="1600"/>
+            </a:lvl4pPr>
+            <a:lvl5pPr marL="1828800" indent="0" algn="ctr">
+              <a:buNone/>
+              <a:defRPr sz="1600"/>
+            </a:lvl5pPr>
+            <a:lvl6pPr marL="2286000" indent="0" algn="ctr">
+              <a:buNone/>
+              <a:defRPr sz="1600"/>
+            </a:lvl6pPr>
+            <a:lvl7pPr marL="2743200" indent="0" algn="ctr">
+              <a:buNone/>
+              <a:defRPr sz="1600"/>
+            </a:lvl7pPr>
+            <a:lvl8pPr marL="3200400" indent="0" algn="ctr">
+              <a:buNone/>
+              <a:defRPr sz="1600"/>
+            </a:lvl8pPr>
+            <a:lvl9pPr marL="3657600" indent="0" algn="ctr">
+              <a:buNone/>
+              <a:defRPr sz="1600"/>
+            </a:lvl9pPr>
+          </a:lstStyle>
+          <a:p>
+            <a:r>
+              <a:rPr lang="zh-CN" altLang="en-US"/>
+              <a:t>单击此处编辑母版副标题样式</a:t>
+            </a:r>
+            <a:endParaRPr lang="en-US" dirty="0"/>
+          </a:p>
+        </p:txBody>
+      </p:sp>
+      <p:sp>
+        <p:nvSpPr>
+          <p:cNvPr id="4" name="Date Placeholder 3"/>
+          <p:cNvSpPr>
+            <a:spLocks noGrp="1"/>
+          </p:cNvSpPr>
+          <p:nvPr>
+            <p:ph type="dt" sz="half" idx="10"/>
+          </p:nvPr>
+        </p:nvSpPr>
+        <p:spPr>
+          <a:xfrm>
+            <a:off x="7909561" y="4314328"/>
+            <a:ext cx="2910840" cy="374642"/>
+          </a:xfrm>
+        </p:spPr>
+        <p:txBody>
+          <a:bodyPr/>
+          <a:lstStyle/>
+          <a:p>
+            <a:fld id="{C7DE3245-AFA4-488B-9D03-49FA6ABE44D9}" type="datetimeFigureOut">
+              <a:rPr lang="zh-CN" altLang="en-US" smtClean="0"/>
+              <a:t>2018/8/6</a:t>
+            </a:fld>
+            <a:endParaRPr lang="zh-CN" altLang="en-US"/>
+          </a:p>
+        </p:txBody>
+      </p:sp>
+      <p:sp>
+        <p:nvSpPr>
+          <p:cNvPr id="5" name="Footer Placeholder 4"/>
+          <p:cNvSpPr>
+            <a:spLocks noGrp="1"/>
+          </p:cNvSpPr>
+          <p:nvPr>
+            <p:ph type="ftr" sz="quarter" idx="11"/>
+          </p:nvPr>
+        </p:nvSpPr>
+        <p:spPr>
+          <a:xfrm>
+            <a:off x="1371600" y="4323845"/>
+            <a:ext cx="6400800" cy="365125"/>
+          </a:xfrm>
+        </p:spPr>
+        <p:txBody>
+          <a:bodyPr/>
+          <a:lstStyle/>
+          <a:p>
+            <a:endParaRPr lang="zh-CN" altLang="en-US"/>
+          </a:p>
+        </p:txBody>
+      </p:sp>
+      <p:sp>
+        <p:nvSpPr>
+          <p:cNvPr id="6" name="Slide Number Placeholder 5"/>
+          <p:cNvSpPr>
+            <a:spLocks noGrp="1"/>
+          </p:cNvSpPr>
+          <p:nvPr>
+            <p:ph type="sldNum" sz="quarter" idx="12"/>
+          </p:nvPr>
+        </p:nvSpPr>
+        <p:spPr>
+          <a:xfrm>
+            <a:off x="8077200" y="1430866"/>
+            <a:ext cx="2743200" cy="365125"/>
+          </a:xfrm>
+        </p:spPr>
+        <p:txBody>
+          <a:bodyPr/>
+          <a:lstStyle/>
+          <a:p>
+            <a:fld id="{65067B8F-3EF2-4C75-A2A5-8E8ACCC3870F}" type="slidenum">
+              <a:rPr lang="zh-CN" altLang="en-US" smtClean="0"/>
+              <a:t>‹#›</a:t>
+            </a:fld>
+            <a:endParaRPr lang="zh-CN" altLang="en-US"/>
+          </a:p>
+        </p:txBody>
+      </p:sp>
+    </p:spTree>
+    <p:extLst>
+      <p:ext uri="{BB962C8B-B14F-4D97-AF65-F5344CB8AC3E}">
+        <p14:creationId xmlns:p14="http://schemas.microsoft.com/office/powerpoint/2010/main" val="3964070625"/>
+      </p:ext>
+    </p:extLst>
+  </p:cSld>
+  <p:clrMapOvr>
+    <a:masterClrMapping/>
+  </p:clrMapOvr>
+</p:sldLayout>
+</file>
+
+<file path=ppt/slideLayouts/slideLayout24.xml><?xml version="1.0" encoding="utf-8"?>
+<p:sldLayout xmlns:a="http://schemas.openxmlformats.org/drawingml/2006/main" xmlns:r="http://schemas.openxmlformats.org/officeDocument/2006/relationships" xmlns:p="http://schemas.openxmlformats.org/presentationml/2006/main" type="obj" preserve="1">
+  <p:cSld name="标题和内容">
+    <p:spTree>
+      <p:nvGrpSpPr>
+        <p:cNvPr id="1" name=""/>
+        <p:cNvGrpSpPr/>
+        <p:nvPr/>
+      </p:nvGrpSpPr>
+      <p:grpSpPr>
+        <a:xfrm>
+          <a:off x="0" y="0"/>
+          <a:ext cx="0" cy="0"/>
+          <a:chOff x="0" y="0"/>
+          <a:chExt cx="0" cy="0"/>
+        </a:xfrm>
+      </p:grpSpPr>
+      <p:sp>
+        <p:nvSpPr>
+          <p:cNvPr id="2" name="Title 1"/>
+          <p:cNvSpPr>
+            <a:spLocks noGrp="1"/>
+          </p:cNvSpPr>
+          <p:nvPr>
+            <p:ph type="title"/>
+          </p:nvPr>
+        </p:nvSpPr>
+        <p:spPr/>
+        <p:txBody>
+          <a:bodyPr/>
+          <a:lstStyle/>
+          <a:p>
+            <a:r>
+              <a:rPr lang="zh-CN" altLang="en-US"/>
+              <a:t>单击此处编辑母版标题样式</a:t>
+            </a:r>
+            <a:endParaRPr lang="en-US" dirty="0"/>
+          </a:p>
+        </p:txBody>
+      </p:sp>
+      <p:sp>
+        <p:nvSpPr>
+          <p:cNvPr id="3" name="Content Placeholder 2"/>
+          <p:cNvSpPr>
+            <a:spLocks noGrp="1"/>
+          </p:cNvSpPr>
+          <p:nvPr>
+            <p:ph idx="1"/>
+          </p:nvPr>
+        </p:nvSpPr>
+        <p:spPr/>
+        <p:txBody>
+          <a:bodyPr/>
+          <a:lstStyle/>
+          <a:p>
+            <a:pPr lvl="0"/>
+            <a:r>
+              <a:rPr lang="zh-CN" altLang="en-US"/>
+              <a:t>编辑母版文本样式</a:t>
+            </a:r>
+          </a:p>
+          <a:p>
+            <a:pPr lvl="1"/>
+            <a:r>
+              <a:rPr lang="zh-CN" altLang="en-US"/>
+              <a:t>第二级</a:t>
+            </a:r>
+          </a:p>
+          <a:p>
+            <a:pPr lvl="2"/>
+            <a:r>
+              <a:rPr lang="zh-CN" altLang="en-US"/>
+              <a:t>第三级</a:t>
+            </a:r>
+          </a:p>
+          <a:p>
+            <a:pPr lvl="3"/>
+            <a:r>
+              <a:rPr lang="zh-CN" altLang="en-US"/>
+              <a:t>第四级</a:t>
+            </a:r>
+          </a:p>
+          <a:p>
+            <a:pPr lvl="4"/>
+            <a:r>
+              <a:rPr lang="zh-CN" altLang="en-US"/>
+              <a:t>第五级</a:t>
+            </a:r>
+            <a:endParaRPr lang="en-US" dirty="0"/>
+          </a:p>
+        </p:txBody>
+      </p:sp>
+      <p:sp>
+        <p:nvSpPr>
+          <p:cNvPr id="4" name="Date Placeholder 3"/>
+          <p:cNvSpPr>
+            <a:spLocks noGrp="1"/>
+          </p:cNvSpPr>
+          <p:nvPr>
+            <p:ph type="dt" sz="half" idx="10"/>
+          </p:nvPr>
+        </p:nvSpPr>
+        <p:spPr/>
+        <p:txBody>
+          <a:bodyPr/>
+          <a:lstStyle/>
+          <a:p>
+            <a:fld id="{C7DE3245-AFA4-488B-9D03-49FA6ABE44D9}" type="datetimeFigureOut">
+              <a:rPr lang="zh-CN" altLang="en-US" smtClean="0"/>
+              <a:t>2018/8/6</a:t>
+            </a:fld>
+            <a:endParaRPr lang="zh-CN" altLang="en-US"/>
+          </a:p>
+        </p:txBody>
+      </p:sp>
+      <p:sp>
+        <p:nvSpPr>
+          <p:cNvPr id="5" name="Footer Placeholder 4"/>
+          <p:cNvSpPr>
+            <a:spLocks noGrp="1"/>
+          </p:cNvSpPr>
+          <p:nvPr>
+            <p:ph type="ftr" sz="quarter" idx="11"/>
+          </p:nvPr>
+        </p:nvSpPr>
+        <p:spPr/>
+        <p:txBody>
+          <a:bodyPr/>
+          <a:lstStyle/>
+          <a:p>
+            <a:endParaRPr lang="zh-CN" altLang="en-US"/>
+          </a:p>
+        </p:txBody>
+      </p:sp>
+      <p:sp>
+        <p:nvSpPr>
+          <p:cNvPr id="6" name="Slide Number Placeholder 5"/>
+          <p:cNvSpPr>
+            <a:spLocks noGrp="1"/>
+          </p:cNvSpPr>
+          <p:nvPr>
+            <p:ph type="sldNum" sz="quarter" idx="12"/>
+          </p:nvPr>
+        </p:nvSpPr>
+        <p:spPr/>
+        <p:txBody>
+          <a:bodyPr/>
+          <a:lstStyle/>
+          <a:p>
+            <a:fld id="{65067B8F-3EF2-4C75-A2A5-8E8ACCC3870F}" type="slidenum">
+              <a:rPr lang="zh-CN" altLang="en-US" smtClean="0"/>
+              <a:t>‹#›</a:t>
+            </a:fld>
+            <a:endParaRPr lang="zh-CN" altLang="en-US"/>
+          </a:p>
+        </p:txBody>
+      </p:sp>
+    </p:spTree>
+    <p:extLst>
+      <p:ext uri="{BB962C8B-B14F-4D97-AF65-F5344CB8AC3E}">
+        <p14:creationId xmlns:p14="http://schemas.microsoft.com/office/powerpoint/2010/main" val="3697493692"/>
+      </p:ext>
+    </p:extLst>
+  </p:cSld>
+  <p:clrMapOvr>
+    <a:masterClrMapping/>
+  </p:clrMapOvr>
+</p:sldLayout>
+</file>
+
+<file path=ppt/slideLayouts/slideLayout25.xml><?xml version="1.0" encoding="utf-8"?>
+<p:sldLayout xmlns:a="http://schemas.openxmlformats.org/drawingml/2006/main" xmlns:r="http://schemas.openxmlformats.org/officeDocument/2006/relationships" xmlns:p="http://schemas.openxmlformats.org/presentationml/2006/main" showMasterSp="0" type="secHead" preserve="1">
+  <p:cSld name="节标题">
+    <p:spTree>
+      <p:nvGrpSpPr>
+        <p:cNvPr id="1" name=""/>
+        <p:cNvGrpSpPr/>
+        <p:nvPr/>
+      </p:nvGrpSpPr>
+      <p:grpSpPr>
+        <a:xfrm>
+          <a:off x="0" y="0"/>
+          <a:ext cx="0" cy="0"/>
+          <a:chOff x="0" y="0"/>
+          <a:chExt cx="0" cy="0"/>
+        </a:xfrm>
+      </p:grpSpPr>
+      <p:pic>
+        <p:nvPicPr>
+          <p:cNvPr id="9" name="Picture 8" descr="C0-HD-BTM.png"/>
+          <p:cNvPicPr>
+            <a:picLocks noChangeAspect="1"/>
+          </p:cNvPicPr>
+          <p:nvPr/>
+        </p:nvPicPr>
+        <p:blipFill>
+          <a:blip r:embed="rId2">
+            <a:extLst>
+              <a:ext uri="{28A0092B-C50C-407E-A947-70E740481C1C}">
+                <a14:useLocalDpi xmlns:a14="http://schemas.microsoft.com/office/drawing/2010/main" val="0"/>
+              </a:ext>
+            </a:extLst>
+          </a:blip>
+          <a:stretch>
+            <a:fillRect/>
+          </a:stretch>
+        </p:blipFill>
+        <p:spPr>
+          <a:xfrm>
+            <a:off x="0" y="4375150"/>
+            <a:ext cx="12192000" cy="2482850"/>
+          </a:xfrm>
+          <a:prstGeom prst="rect">
+            <a:avLst/>
+          </a:prstGeom>
+        </p:spPr>
+      </p:pic>
+      <p:sp>
+        <p:nvSpPr>
+          <p:cNvPr id="2" name="Title 1"/>
+          <p:cNvSpPr>
+            <a:spLocks noGrp="1"/>
+          </p:cNvSpPr>
+          <p:nvPr>
+            <p:ph type="title"/>
+          </p:nvPr>
+        </p:nvSpPr>
+        <p:spPr>
+          <a:xfrm>
+            <a:off x="685800" y="753533"/>
+            <a:ext cx="10820399" cy="2801935"/>
+          </a:xfrm>
+        </p:spPr>
+        <p:txBody>
+          <a:bodyPr anchor="b">
+            <a:normAutofit/>
+          </a:bodyPr>
+          <a:lstStyle>
+            <a:lvl1pPr algn="r">
+              <a:defRPr sz="4000"/>
+            </a:lvl1pPr>
+          </a:lstStyle>
+          <a:p>
+            <a:r>
+              <a:rPr lang="zh-CN" altLang="en-US"/>
+              <a:t>单击此处编辑母版标题样式</a:t>
+            </a:r>
+            <a:endParaRPr lang="en-US" dirty="0"/>
+          </a:p>
+        </p:txBody>
+      </p:sp>
+      <p:sp>
+        <p:nvSpPr>
+          <p:cNvPr id="3" name="Text Placeholder 2"/>
+          <p:cNvSpPr>
+            <a:spLocks noGrp="1"/>
+          </p:cNvSpPr>
+          <p:nvPr>
+            <p:ph type="body" idx="1"/>
+          </p:nvPr>
+        </p:nvSpPr>
+        <p:spPr>
+          <a:xfrm>
+            <a:off x="1024467" y="3641725"/>
+            <a:ext cx="10490200" cy="955675"/>
+          </a:xfrm>
+        </p:spPr>
+        <p:txBody>
+          <a:bodyPr>
+            <a:normAutofit/>
+          </a:bodyPr>
+          <a:lstStyle>
+            <a:lvl1pPr marL="0" indent="0" algn="r">
+              <a:buNone/>
+              <a:defRPr sz="2200">
+                <a:solidFill>
+                  <a:schemeClr val="tx1">
+                    <a:tint val="75000"/>
+                  </a:schemeClr>
+                </a:solidFill>
+              </a:defRPr>
+            </a:lvl1pPr>
+            <a:lvl2pPr marL="457200" indent="0">
+              <a:buNone/>
+              <a:defRPr sz="2000">
+                <a:solidFill>
+                  <a:schemeClr val="tx1">
+                    <a:tint val="75000"/>
+                  </a:schemeClr>
+                </a:solidFill>
+              </a:defRPr>
+            </a:lvl2pPr>
+            <a:lvl3pPr marL="914400" indent="0">
+              <a:buNone/>
+              <a:defRPr sz="1800">
+                <a:solidFill>
+                  <a:schemeClr val="tx1">
+                    <a:tint val="75000"/>
+                  </a:schemeClr>
+                </a:solidFill>
+              </a:defRPr>
+            </a:lvl3pPr>
+            <a:lvl4pPr marL="1371600" indent="0">
+              <a:buNone/>
+              <a:defRPr sz="1600">
+                <a:solidFill>
+                  <a:schemeClr val="tx1">
+                    <a:tint val="75000"/>
+                  </a:schemeClr>
+                </a:solidFill>
+              </a:defRPr>
+            </a:lvl4pPr>
+            <a:lvl5pPr marL="1828800" indent="0">
+              <a:buNone/>
+              <a:defRPr sz="1600">
+                <a:solidFill>
+                  <a:schemeClr val="tx1">
+                    <a:tint val="75000"/>
+                  </a:schemeClr>
+                </a:solidFill>
+              </a:defRPr>
+            </a:lvl5pPr>
+            <a:lvl6pPr marL="2286000" indent="0">
+              <a:buNone/>
+              <a:defRPr sz="1600">
+                <a:solidFill>
+                  <a:schemeClr val="tx1">
+                    <a:tint val="75000"/>
+                  </a:schemeClr>
+                </a:solidFill>
+              </a:defRPr>
+            </a:lvl6pPr>
+            <a:lvl7pPr marL="2743200" indent="0">
+              <a:buNone/>
+              <a:defRPr sz="1600">
+                <a:solidFill>
+                  <a:schemeClr val="tx1">
+                    <a:tint val="75000"/>
+                  </a:schemeClr>
+                </a:solidFill>
+              </a:defRPr>
+            </a:lvl7pPr>
+            <a:lvl8pPr marL="3200400" indent="0">
+              <a:buNone/>
+              <a:defRPr sz="1600">
+                <a:solidFill>
+                  <a:schemeClr val="tx1">
+                    <a:tint val="75000"/>
+                  </a:schemeClr>
+                </a:solidFill>
+              </a:defRPr>
+            </a:lvl8pPr>
+            <a:lvl9pPr marL="3657600" indent="0">
+              <a:buNone/>
+              <a:defRPr sz="1600">
+                <a:solidFill>
+                  <a:schemeClr val="tx1">
+                    <a:tint val="75000"/>
+                  </a:schemeClr>
+                </a:solidFill>
+              </a:defRPr>
+            </a:lvl9pPr>
+          </a:lstStyle>
+          <a:p>
+            <a:pPr lvl="0"/>
+            <a:r>
+              <a:rPr lang="zh-CN" altLang="en-US"/>
+              <a:t>编辑母版文本样式</a:t>
+            </a:r>
+          </a:p>
+        </p:txBody>
+      </p:sp>
+      <p:sp>
+        <p:nvSpPr>
+          <p:cNvPr id="4" name="Date Placeholder 3"/>
+          <p:cNvSpPr>
+            <a:spLocks noGrp="1"/>
+          </p:cNvSpPr>
+          <p:nvPr>
+            <p:ph type="dt" sz="half" idx="10"/>
+          </p:nvPr>
+        </p:nvSpPr>
+        <p:spPr>
+          <a:xfrm>
+            <a:off x="7814452" y="381000"/>
+            <a:ext cx="2910840" cy="365125"/>
+          </a:xfrm>
+        </p:spPr>
+        <p:txBody>
+          <a:bodyPr/>
+          <a:lstStyle>
+            <a:lvl1pPr algn="r">
+              <a:defRPr/>
+            </a:lvl1pPr>
+          </a:lstStyle>
+          <a:p>
+            <a:fld id="{C7DE3245-AFA4-488B-9D03-49FA6ABE44D9}" type="datetimeFigureOut">
+              <a:rPr lang="zh-CN" altLang="en-US" smtClean="0"/>
+              <a:t>2018/8/6</a:t>
+            </a:fld>
+            <a:endParaRPr lang="zh-CN" altLang="en-US"/>
+          </a:p>
+        </p:txBody>
+      </p:sp>
+      <p:sp>
+        <p:nvSpPr>
+          <p:cNvPr id="5" name="Footer Placeholder 4"/>
+          <p:cNvSpPr>
+            <a:spLocks noGrp="1"/>
+          </p:cNvSpPr>
+          <p:nvPr>
+            <p:ph type="ftr" sz="quarter" idx="11"/>
+          </p:nvPr>
+        </p:nvSpPr>
+        <p:spPr>
+          <a:xfrm>
+            <a:off x="685800" y="381001"/>
+            <a:ext cx="6991492" cy="364065"/>
+          </a:xfrm>
+        </p:spPr>
+        <p:txBody>
+          <a:bodyPr/>
+          <a:lstStyle/>
+          <a:p>
+            <a:endParaRPr lang="zh-CN" altLang="en-US"/>
+          </a:p>
+        </p:txBody>
+      </p:sp>
+      <p:sp>
+        <p:nvSpPr>
+          <p:cNvPr id="6" name="Slide Number Placeholder 5"/>
+          <p:cNvSpPr>
+            <a:spLocks noGrp="1"/>
+          </p:cNvSpPr>
+          <p:nvPr>
+            <p:ph type="sldNum" sz="quarter" idx="12"/>
+          </p:nvPr>
+        </p:nvSpPr>
+        <p:spPr>
+          <a:xfrm>
+            <a:off x="10862452" y="381000"/>
+            <a:ext cx="643748" cy="365125"/>
+          </a:xfrm>
+        </p:spPr>
+        <p:txBody>
+          <a:bodyPr/>
+          <a:lstStyle/>
+          <a:p>
+            <a:fld id="{65067B8F-3EF2-4C75-A2A5-8E8ACCC3870F}" type="slidenum">
+              <a:rPr lang="zh-CN" altLang="en-US" smtClean="0"/>
+              <a:t>‹#›</a:t>
+            </a:fld>
+            <a:endParaRPr lang="zh-CN" altLang="en-US"/>
+          </a:p>
+        </p:txBody>
+      </p:sp>
+    </p:spTree>
+    <p:extLst>
+      <p:ext uri="{BB962C8B-B14F-4D97-AF65-F5344CB8AC3E}">
+        <p14:creationId xmlns:p14="http://schemas.microsoft.com/office/powerpoint/2010/main" val="476105444"/>
+      </p:ext>
+    </p:extLst>
+  </p:cSld>
+  <p:clrMapOvr>
+    <a:masterClrMapping/>
+  </p:clrMapOvr>
+</p:sldLayout>
+</file>
+
+<file path=ppt/slideLayouts/slideLayout26.xml><?xml version="1.0" encoding="utf-8"?>
+<p:sldLayout xmlns:a="http://schemas.openxmlformats.org/drawingml/2006/main" xmlns:r="http://schemas.openxmlformats.org/officeDocument/2006/relationships" xmlns:p="http://schemas.openxmlformats.org/presentationml/2006/main" type="twoObj" preserve="1">
+  <p:cSld name="两栏内容">
+    <p:spTree>
+      <p:nvGrpSpPr>
+        <p:cNvPr id="1" name=""/>
+        <p:cNvGrpSpPr/>
+        <p:nvPr/>
+      </p:nvGrpSpPr>
+      <p:grpSpPr>
+        <a:xfrm>
+          <a:off x="0" y="0"/>
+          <a:ext cx="0" cy="0"/>
+          <a:chOff x="0" y="0"/>
+          <a:chExt cx="0" cy="0"/>
+        </a:xfrm>
+      </p:grpSpPr>
+      <p:sp>
+        <p:nvSpPr>
+          <p:cNvPr id="2" name="Title 1"/>
+          <p:cNvSpPr>
+            <a:spLocks noGrp="1"/>
+          </p:cNvSpPr>
+          <p:nvPr>
+            <p:ph type="title"/>
+          </p:nvPr>
+        </p:nvSpPr>
+        <p:spPr/>
+        <p:txBody>
+          <a:bodyPr/>
+          <a:lstStyle/>
+          <a:p>
+            <a:r>
+              <a:rPr lang="zh-CN" altLang="en-US"/>
+              <a:t>单击此处编辑母版标题样式</a:t>
+            </a:r>
+            <a:endParaRPr lang="en-US" dirty="0"/>
+          </a:p>
+        </p:txBody>
+      </p:sp>
+      <p:sp>
+        <p:nvSpPr>
+          <p:cNvPr id="3" name="Content Placeholder 2"/>
+          <p:cNvSpPr>
+            <a:spLocks noGrp="1"/>
+          </p:cNvSpPr>
+          <p:nvPr>
+            <p:ph sz="half" idx="1"/>
+          </p:nvPr>
+        </p:nvSpPr>
+        <p:spPr>
+          <a:xfrm>
+            <a:off x="685800" y="2194559"/>
+            <a:ext cx="5334000" cy="4024125"/>
+          </a:xfrm>
+        </p:spPr>
+        <p:txBody>
+          <a:bodyPr/>
+          <a:lstStyle/>
+          <a:p>
+            <a:pPr lvl="0"/>
+            <a:r>
+              <a:rPr lang="zh-CN" altLang="en-US"/>
+              <a:t>编辑母版文本样式</a:t>
+            </a:r>
+          </a:p>
+          <a:p>
+            <a:pPr lvl="1"/>
+            <a:r>
+              <a:rPr lang="zh-CN" altLang="en-US"/>
+              <a:t>第二级</a:t>
+            </a:r>
+          </a:p>
+          <a:p>
+            <a:pPr lvl="2"/>
+            <a:r>
+              <a:rPr lang="zh-CN" altLang="en-US"/>
+              <a:t>第三级</a:t>
+            </a:r>
+          </a:p>
+          <a:p>
+            <a:pPr lvl="3"/>
+            <a:r>
+              <a:rPr lang="zh-CN" altLang="en-US"/>
+              <a:t>第四级</a:t>
+            </a:r>
+          </a:p>
+          <a:p>
+            <a:pPr lvl="4"/>
+            <a:r>
+              <a:rPr lang="zh-CN" altLang="en-US"/>
+              <a:t>第五级</a:t>
+            </a:r>
+            <a:endParaRPr lang="en-US" dirty="0"/>
+          </a:p>
+        </p:txBody>
+      </p:sp>
+      <p:sp>
+        <p:nvSpPr>
+          <p:cNvPr id="4" name="Content Placeholder 3"/>
+          <p:cNvSpPr>
+            <a:spLocks noGrp="1"/>
+          </p:cNvSpPr>
+          <p:nvPr>
+            <p:ph sz="half" idx="2"/>
+          </p:nvPr>
+        </p:nvSpPr>
+        <p:spPr>
+          <a:xfrm>
+            <a:off x="6172200" y="2194559"/>
+            <a:ext cx="5334000" cy="4024125"/>
+          </a:xfrm>
+        </p:spPr>
+        <p:txBody>
+          <a:bodyPr/>
+          <a:lstStyle/>
+          <a:p>
+            <a:pPr lvl="0"/>
+            <a:r>
+              <a:rPr lang="zh-CN" altLang="en-US"/>
+              <a:t>编辑母版文本样式</a:t>
+            </a:r>
+          </a:p>
+          <a:p>
+            <a:pPr lvl="1"/>
+            <a:r>
+              <a:rPr lang="zh-CN" altLang="en-US"/>
+              <a:t>第二级</a:t>
+            </a:r>
+          </a:p>
+          <a:p>
+            <a:pPr lvl="2"/>
+            <a:r>
+              <a:rPr lang="zh-CN" altLang="en-US"/>
+              <a:t>第三级</a:t>
+            </a:r>
+          </a:p>
+          <a:p>
+            <a:pPr lvl="3"/>
+            <a:r>
+              <a:rPr lang="zh-CN" altLang="en-US"/>
+              <a:t>第四级</a:t>
+            </a:r>
+          </a:p>
+          <a:p>
+            <a:pPr lvl="4"/>
+            <a:r>
+              <a:rPr lang="zh-CN" altLang="en-US"/>
+              <a:t>第五级</a:t>
+            </a:r>
+            <a:endParaRPr lang="en-US" dirty="0"/>
+          </a:p>
+        </p:txBody>
+      </p:sp>
+      <p:sp>
+        <p:nvSpPr>
+          <p:cNvPr id="5" name="Date Placeholder 4"/>
+          <p:cNvSpPr>
+            <a:spLocks noGrp="1"/>
+          </p:cNvSpPr>
+          <p:nvPr>
+            <p:ph type="dt" sz="half" idx="10"/>
+          </p:nvPr>
+        </p:nvSpPr>
+        <p:spPr/>
+        <p:txBody>
+          <a:bodyPr/>
+          <a:lstStyle/>
+          <a:p>
+            <a:fld id="{C7DE3245-AFA4-488B-9D03-49FA6ABE44D9}" type="datetimeFigureOut">
+              <a:rPr lang="zh-CN" altLang="en-US" smtClean="0"/>
+              <a:t>2018/8/6</a:t>
+            </a:fld>
+            <a:endParaRPr lang="zh-CN" altLang="en-US"/>
+          </a:p>
+        </p:txBody>
+      </p:sp>
+      <p:sp>
+        <p:nvSpPr>
+          <p:cNvPr id="6" name="Footer Placeholder 5"/>
+          <p:cNvSpPr>
+            <a:spLocks noGrp="1"/>
+          </p:cNvSpPr>
+          <p:nvPr>
+            <p:ph type="ftr" sz="quarter" idx="11"/>
+          </p:nvPr>
+        </p:nvSpPr>
+        <p:spPr/>
+        <p:txBody>
+          <a:bodyPr/>
+          <a:lstStyle/>
+          <a:p>
+            <a:endParaRPr lang="zh-CN" altLang="en-US"/>
+          </a:p>
+        </p:txBody>
+      </p:sp>
+      <p:sp>
+        <p:nvSpPr>
+          <p:cNvPr id="7" name="Slide Number Placeholder 6"/>
+          <p:cNvSpPr>
+            <a:spLocks noGrp="1"/>
+          </p:cNvSpPr>
+          <p:nvPr>
+            <p:ph type="sldNum" sz="quarter" idx="12"/>
+          </p:nvPr>
+        </p:nvSpPr>
+        <p:spPr/>
+        <p:txBody>
+          <a:bodyPr/>
+          <a:lstStyle/>
+          <a:p>
+            <a:fld id="{65067B8F-3EF2-4C75-A2A5-8E8ACCC3870F}" type="slidenum">
+              <a:rPr lang="zh-CN" altLang="en-US" smtClean="0"/>
+              <a:t>‹#›</a:t>
+            </a:fld>
+            <a:endParaRPr lang="zh-CN" altLang="en-US"/>
+          </a:p>
+        </p:txBody>
+      </p:sp>
+    </p:spTree>
+    <p:extLst>
+      <p:ext uri="{BB962C8B-B14F-4D97-AF65-F5344CB8AC3E}">
+        <p14:creationId xmlns:p14="http://schemas.microsoft.com/office/powerpoint/2010/main" val="3339166763"/>
+      </p:ext>
+    </p:extLst>
+  </p:cSld>
+  <p:clrMapOvr>
+    <a:masterClrMapping/>
+  </p:clrMapOvr>
+</p:sldLayout>
+</file>
+
+<file path=ppt/slideLayouts/slideLayout27.xml><?xml version="1.0" encoding="utf-8"?>
+<p:sldLayout xmlns:a="http://schemas.openxmlformats.org/drawingml/2006/main" xmlns:r="http://schemas.openxmlformats.org/officeDocument/2006/relationships" xmlns:p="http://schemas.openxmlformats.org/presentationml/2006/main" type="twoTxTwoObj" preserve="1">
+  <p:cSld name="比较">
+    <p:spTree>
+      <p:nvGrpSpPr>
+        <p:cNvPr id="1" name=""/>
+        <p:cNvGrpSpPr/>
+        <p:nvPr/>
+      </p:nvGrpSpPr>
+      <p:grpSpPr>
+        <a:xfrm>
+          <a:off x="0" y="0"/>
+          <a:ext cx="0" cy="0"/>
+          <a:chOff x="0" y="0"/>
+          <a:chExt cx="0" cy="0"/>
+        </a:xfrm>
+      </p:grpSpPr>
+      <p:sp>
+        <p:nvSpPr>
+          <p:cNvPr id="2" name="Title 1"/>
+          <p:cNvSpPr>
+            <a:spLocks noGrp="1"/>
+          </p:cNvSpPr>
+          <p:nvPr>
+            <p:ph type="title"/>
+          </p:nvPr>
+        </p:nvSpPr>
+        <p:spPr>
+          <a:xfrm>
+            <a:off x="2895600" y="762000"/>
+            <a:ext cx="8610600" cy="1295400"/>
+          </a:xfrm>
+        </p:spPr>
+        <p:txBody>
+          <a:bodyPr/>
+          <a:lstStyle/>
+          <a:p>
+            <a:r>
+              <a:rPr lang="zh-CN" altLang="en-US"/>
+              <a:t>单击此处编辑母版标题样式</a:t>
+            </a:r>
+            <a:endParaRPr lang="en-US" dirty="0"/>
+          </a:p>
+        </p:txBody>
+      </p:sp>
+      <p:sp>
+        <p:nvSpPr>
+          <p:cNvPr id="3" name="Text Placeholder 2"/>
+          <p:cNvSpPr>
+            <a:spLocks noGrp="1"/>
+          </p:cNvSpPr>
+          <p:nvPr>
+            <p:ph type="body" idx="1"/>
+          </p:nvPr>
+        </p:nvSpPr>
+        <p:spPr>
+          <a:xfrm>
+            <a:off x="914409" y="2183802"/>
+            <a:ext cx="5079991" cy="823912"/>
+          </a:xfrm>
+        </p:spPr>
+        <p:txBody>
+          <a:bodyPr anchor="b">
+            <a:normAutofit/>
+          </a:bodyPr>
+          <a:lstStyle>
+            <a:lvl1pPr marL="0" indent="0">
+              <a:buNone/>
+              <a:defRPr sz="2800" b="0">
+                <a:solidFill>
+                  <a:schemeClr val="tx1"/>
+                </a:solidFill>
+              </a:defRPr>
+            </a:lvl1pPr>
+            <a:lvl2pPr marL="457200" indent="0">
+              <a:buNone/>
+              <a:defRPr sz="2000" b="1"/>
+            </a:lvl2pPr>
+            <a:lvl3pPr marL="914400" indent="0">
+              <a:buNone/>
+              <a:defRPr sz="1800" b="1"/>
+            </a:lvl3pPr>
+            <a:lvl4pPr marL="1371600" indent="0">
+              <a:buNone/>
+              <a:defRPr sz="1600" b="1"/>
+            </a:lvl4pPr>
+            <a:lvl5pPr marL="1828800" indent="0">
+              <a:buNone/>
+              <a:defRPr sz="1600" b="1"/>
+            </a:lvl5pPr>
+            <a:lvl6pPr marL="2286000" indent="0">
+              <a:buNone/>
+              <a:defRPr sz="1600" b="1"/>
+            </a:lvl6pPr>
+            <a:lvl7pPr marL="2743200" indent="0">
+              <a:buNone/>
+              <a:defRPr sz="1600" b="1"/>
+            </a:lvl7pPr>
+            <a:lvl8pPr marL="3200400" indent="0">
+              <a:buNone/>
+              <a:defRPr sz="1600" b="1"/>
+            </a:lvl8pPr>
+            <a:lvl9pPr marL="3657600" indent="0">
+              <a:buNone/>
+              <a:defRPr sz="1600" b="1"/>
+            </a:lvl9pPr>
+          </a:lstStyle>
+          <a:p>
+            <a:pPr lvl="0"/>
+            <a:r>
+              <a:rPr lang="zh-CN" altLang="en-US"/>
+              <a:t>编辑母版文本样式</a:t>
+            </a:r>
+          </a:p>
+        </p:txBody>
+      </p:sp>
+      <p:sp>
+        <p:nvSpPr>
+          <p:cNvPr id="4" name="Content Placeholder 3"/>
+          <p:cNvSpPr>
+            <a:spLocks noGrp="1"/>
+          </p:cNvSpPr>
+          <p:nvPr>
+            <p:ph sz="half" idx="2"/>
+          </p:nvPr>
+        </p:nvSpPr>
+        <p:spPr>
+          <a:xfrm>
+            <a:off x="685800" y="3132666"/>
+            <a:ext cx="5311775" cy="3086019"/>
+          </a:xfrm>
+        </p:spPr>
+        <p:txBody>
+          <a:bodyPr/>
+          <a:lstStyle/>
+          <a:p>
+            <a:pPr lvl="0"/>
+            <a:r>
+              <a:rPr lang="zh-CN" altLang="en-US"/>
+              <a:t>编辑母版文本样式</a:t>
+            </a:r>
+          </a:p>
+          <a:p>
+            <a:pPr lvl="1"/>
+            <a:r>
+              <a:rPr lang="zh-CN" altLang="en-US"/>
+              <a:t>第二级</a:t>
+            </a:r>
+          </a:p>
+          <a:p>
+            <a:pPr lvl="2"/>
+            <a:r>
+              <a:rPr lang="zh-CN" altLang="en-US"/>
+              <a:t>第三级</a:t>
+            </a:r>
+          </a:p>
+          <a:p>
+            <a:pPr lvl="3"/>
+            <a:r>
+              <a:rPr lang="zh-CN" altLang="en-US"/>
+              <a:t>第四级</a:t>
+            </a:r>
+          </a:p>
+          <a:p>
+            <a:pPr lvl="4"/>
+            <a:r>
+              <a:rPr lang="zh-CN" altLang="en-US"/>
+              <a:t>第五级</a:t>
+            </a:r>
+            <a:endParaRPr lang="en-US" dirty="0"/>
+          </a:p>
+        </p:txBody>
+      </p:sp>
+      <p:sp>
+        <p:nvSpPr>
+          <p:cNvPr id="5" name="Text Placeholder 4"/>
+          <p:cNvSpPr>
+            <a:spLocks noGrp="1"/>
+          </p:cNvSpPr>
+          <p:nvPr>
+            <p:ph type="body" sz="quarter" idx="3"/>
+          </p:nvPr>
+        </p:nvSpPr>
+        <p:spPr>
+          <a:xfrm>
+            <a:off x="6400800" y="2183802"/>
+            <a:ext cx="5105400" cy="823912"/>
+          </a:xfrm>
+        </p:spPr>
+        <p:txBody>
+          <a:bodyPr anchor="b">
+            <a:normAutofit/>
+          </a:bodyPr>
+          <a:lstStyle>
+            <a:lvl1pPr marL="0" indent="0">
+              <a:buNone/>
+              <a:defRPr sz="2800" b="0">
+                <a:solidFill>
+                  <a:schemeClr val="tx1"/>
+                </a:solidFill>
+              </a:defRPr>
+            </a:lvl1pPr>
+            <a:lvl2pPr marL="457200" indent="0">
+              <a:buNone/>
+              <a:defRPr sz="2000" b="1"/>
+            </a:lvl2pPr>
+            <a:lvl3pPr marL="914400" indent="0">
+              <a:buNone/>
+              <a:defRPr sz="1800" b="1"/>
+            </a:lvl3pPr>
+            <a:lvl4pPr marL="1371600" indent="0">
+              <a:buNone/>
+              <a:defRPr sz="1600" b="1"/>
+            </a:lvl4pPr>
+            <a:lvl5pPr marL="1828800" indent="0">
+              <a:buNone/>
+              <a:defRPr sz="1600" b="1"/>
+            </a:lvl5pPr>
+            <a:lvl6pPr marL="2286000" indent="0">
+              <a:buNone/>
+              <a:defRPr sz="1600" b="1"/>
+            </a:lvl6pPr>
+            <a:lvl7pPr marL="2743200" indent="0">
+              <a:buNone/>
+              <a:defRPr sz="1600" b="1"/>
+            </a:lvl7pPr>
+            <a:lvl8pPr marL="3200400" indent="0">
+              <a:buNone/>
+              <a:defRPr sz="1600" b="1"/>
+            </a:lvl8pPr>
+            <a:lvl9pPr marL="3657600" indent="0">
+              <a:buNone/>
+              <a:defRPr sz="1600" b="1"/>
+            </a:lvl9pPr>
+          </a:lstStyle>
+          <a:p>
+            <a:pPr lvl="0"/>
+            <a:r>
+              <a:rPr lang="zh-CN" altLang="en-US"/>
+              <a:t>编辑母版文本样式</a:t>
+            </a:r>
+          </a:p>
+        </p:txBody>
+      </p:sp>
+      <p:sp>
+        <p:nvSpPr>
+          <p:cNvPr id="6" name="Content Placeholder 5"/>
+          <p:cNvSpPr>
+            <a:spLocks noGrp="1"/>
+          </p:cNvSpPr>
+          <p:nvPr>
+            <p:ph sz="quarter" idx="4"/>
+          </p:nvPr>
+        </p:nvSpPr>
+        <p:spPr>
+          <a:xfrm>
+            <a:off x="6172200" y="3132666"/>
+            <a:ext cx="5334000" cy="3086019"/>
+          </a:xfrm>
+        </p:spPr>
+        <p:txBody>
+          <a:bodyPr/>
+          <a:lstStyle/>
+          <a:p>
+            <a:pPr lvl="0"/>
+            <a:r>
+              <a:rPr lang="zh-CN" altLang="en-US"/>
+              <a:t>编辑母版文本样式</a:t>
+            </a:r>
+          </a:p>
+          <a:p>
+            <a:pPr lvl="1"/>
+            <a:r>
+              <a:rPr lang="zh-CN" altLang="en-US"/>
+              <a:t>第二级</a:t>
+            </a:r>
+          </a:p>
+          <a:p>
+            <a:pPr lvl="2"/>
+            <a:r>
+              <a:rPr lang="zh-CN" altLang="en-US"/>
+              <a:t>第三级</a:t>
+            </a:r>
+          </a:p>
+          <a:p>
+            <a:pPr lvl="3"/>
+            <a:r>
+              <a:rPr lang="zh-CN" altLang="en-US"/>
+              <a:t>第四级</a:t>
+            </a:r>
+          </a:p>
+          <a:p>
+            <a:pPr lvl="4"/>
+            <a:r>
+              <a:rPr lang="zh-CN" altLang="en-US"/>
+              <a:t>第五级</a:t>
+            </a:r>
+            <a:endParaRPr lang="en-US" dirty="0"/>
+          </a:p>
+        </p:txBody>
+      </p:sp>
+      <p:sp>
+        <p:nvSpPr>
+          <p:cNvPr id="7" name="Date Placeholder 6"/>
+          <p:cNvSpPr>
+            <a:spLocks noGrp="1"/>
+          </p:cNvSpPr>
+          <p:nvPr>
+            <p:ph type="dt" sz="half" idx="10"/>
+          </p:nvPr>
+        </p:nvSpPr>
+        <p:spPr/>
+        <p:txBody>
+          <a:bodyPr/>
+          <a:lstStyle/>
+          <a:p>
+            <a:fld id="{C7DE3245-AFA4-488B-9D03-49FA6ABE44D9}" type="datetimeFigureOut">
+              <a:rPr lang="zh-CN" altLang="en-US" smtClean="0"/>
+              <a:t>2018/8/6</a:t>
+            </a:fld>
+            <a:endParaRPr lang="zh-CN" altLang="en-US"/>
+          </a:p>
+        </p:txBody>
+      </p:sp>
+      <p:sp>
+        <p:nvSpPr>
+          <p:cNvPr id="8" name="Footer Placeholder 7"/>
+          <p:cNvSpPr>
+            <a:spLocks noGrp="1"/>
+          </p:cNvSpPr>
+          <p:nvPr>
+            <p:ph type="ftr" sz="quarter" idx="11"/>
+          </p:nvPr>
+        </p:nvSpPr>
+        <p:spPr/>
+        <p:txBody>
+          <a:bodyPr/>
+          <a:lstStyle/>
+          <a:p>
+            <a:endParaRPr lang="zh-CN" altLang="en-US"/>
+          </a:p>
+        </p:txBody>
+      </p:sp>
+      <p:sp>
+        <p:nvSpPr>
+          <p:cNvPr id="9" name="Slide Number Placeholder 8"/>
+          <p:cNvSpPr>
+            <a:spLocks noGrp="1"/>
+          </p:cNvSpPr>
+          <p:nvPr>
+            <p:ph type="sldNum" sz="quarter" idx="12"/>
+          </p:nvPr>
+        </p:nvSpPr>
+        <p:spPr/>
+        <p:txBody>
+          <a:bodyPr/>
+          <a:lstStyle/>
+          <a:p>
+            <a:fld id="{65067B8F-3EF2-4C75-A2A5-8E8ACCC3870F}" type="slidenum">
+              <a:rPr lang="zh-CN" altLang="en-US" smtClean="0"/>
+              <a:t>‹#›</a:t>
+            </a:fld>
+            <a:endParaRPr lang="zh-CN" altLang="en-US"/>
+          </a:p>
+        </p:txBody>
+      </p:sp>
+    </p:spTree>
+    <p:extLst>
+      <p:ext uri="{BB962C8B-B14F-4D97-AF65-F5344CB8AC3E}">
+        <p14:creationId xmlns:p14="http://schemas.microsoft.com/office/powerpoint/2010/main" val="1665288372"/>
+      </p:ext>
+    </p:extLst>
+  </p:cSld>
+  <p:clrMapOvr>
+    <a:masterClrMapping/>
+  </p:clrMapOvr>
+</p:sldLayout>
+</file>
+
+<file path=ppt/slideLayouts/slideLayout28.xml><?xml version="1.0" encoding="utf-8"?>
+<p:sldLayout xmlns:a="http://schemas.openxmlformats.org/drawingml/2006/main" xmlns:r="http://schemas.openxmlformats.org/officeDocument/2006/relationships" xmlns:p="http://schemas.openxmlformats.org/presentationml/2006/main" type="titleOnly" preserve="1">
+  <p:cSld name="仅标题">
+    <p:spTree>
+      <p:nvGrpSpPr>
+        <p:cNvPr id="1" name=""/>
+        <p:cNvGrpSpPr/>
+        <p:nvPr/>
+      </p:nvGrpSpPr>
+      <p:grpSpPr>
+        <a:xfrm>
+          <a:off x="0" y="0"/>
+          <a:ext cx="0" cy="0"/>
+          <a:chOff x="0" y="0"/>
+          <a:chExt cx="0" cy="0"/>
+        </a:xfrm>
+      </p:grpSpPr>
+      <p:sp>
+        <p:nvSpPr>
+          <p:cNvPr id="2" name="Title 1"/>
+          <p:cNvSpPr>
+            <a:spLocks noGrp="1"/>
+          </p:cNvSpPr>
+          <p:nvPr>
+            <p:ph type="title"/>
+          </p:nvPr>
+        </p:nvSpPr>
+        <p:spPr/>
+        <p:txBody>
+          <a:bodyPr/>
+          <a:lstStyle/>
+          <a:p>
+            <a:r>
+              <a:rPr lang="zh-CN" altLang="en-US"/>
+              <a:t>单击此处编辑母版标题样式</a:t>
+            </a:r>
+            <a:endParaRPr lang="en-US" dirty="0"/>
+          </a:p>
+        </p:txBody>
+      </p:sp>
+      <p:sp>
+        <p:nvSpPr>
+          <p:cNvPr id="3" name="Date Placeholder 2"/>
+          <p:cNvSpPr>
+            <a:spLocks noGrp="1"/>
+          </p:cNvSpPr>
+          <p:nvPr>
+            <p:ph type="dt" sz="half" idx="10"/>
+          </p:nvPr>
+        </p:nvSpPr>
+        <p:spPr/>
+        <p:txBody>
+          <a:bodyPr/>
+          <a:lstStyle/>
+          <a:p>
+            <a:fld id="{C7DE3245-AFA4-488B-9D03-49FA6ABE44D9}" type="datetimeFigureOut">
+              <a:rPr lang="zh-CN" altLang="en-US" smtClean="0"/>
+              <a:t>2018/8/6</a:t>
+            </a:fld>
+            <a:endParaRPr lang="zh-CN" altLang="en-US"/>
+          </a:p>
+        </p:txBody>
+      </p:sp>
+      <p:sp>
+        <p:nvSpPr>
+          <p:cNvPr id="4" name="Footer Placeholder 3"/>
+          <p:cNvSpPr>
+            <a:spLocks noGrp="1"/>
+          </p:cNvSpPr>
+          <p:nvPr>
+            <p:ph type="ftr" sz="quarter" idx="11"/>
+          </p:nvPr>
+        </p:nvSpPr>
+        <p:spPr/>
+        <p:txBody>
+          <a:bodyPr/>
+          <a:lstStyle/>
+          <a:p>
+            <a:endParaRPr lang="zh-CN" altLang="en-US"/>
+          </a:p>
+        </p:txBody>
+      </p:sp>
+      <p:sp>
+        <p:nvSpPr>
+          <p:cNvPr id="5" name="Slide Number Placeholder 4"/>
+          <p:cNvSpPr>
+            <a:spLocks noGrp="1"/>
+          </p:cNvSpPr>
+          <p:nvPr>
+            <p:ph type="sldNum" sz="quarter" idx="12"/>
+          </p:nvPr>
+        </p:nvSpPr>
+        <p:spPr/>
+        <p:txBody>
+          <a:bodyPr/>
+          <a:lstStyle/>
+          <a:p>
+            <a:fld id="{65067B8F-3EF2-4C75-A2A5-8E8ACCC3870F}" type="slidenum">
+              <a:rPr lang="zh-CN" altLang="en-US" smtClean="0"/>
+              <a:t>‹#›</a:t>
+            </a:fld>
+            <a:endParaRPr lang="zh-CN" altLang="en-US"/>
+          </a:p>
+        </p:txBody>
+      </p:sp>
+    </p:spTree>
+    <p:extLst>
+      <p:ext uri="{BB962C8B-B14F-4D97-AF65-F5344CB8AC3E}">
+        <p14:creationId xmlns:p14="http://schemas.microsoft.com/office/powerpoint/2010/main" val="2893697218"/>
+      </p:ext>
+    </p:extLst>
+  </p:cSld>
+  <p:clrMapOvr>
+    <a:masterClrMapping/>
+  </p:clrMapOvr>
+</p:sldLayout>
+</file>
+
+<file path=ppt/slideLayouts/slideLayout29.xml><?xml version="1.0" encoding="utf-8"?>
+<p:sldLayout xmlns:a="http://schemas.openxmlformats.org/drawingml/2006/main" xmlns:r="http://schemas.openxmlformats.org/officeDocument/2006/relationships" xmlns:p="http://schemas.openxmlformats.org/presentationml/2006/main" type="blank" preserve="1">
+  <p:cSld name="空白">
+    <p:spTree>
+      <p:nvGrpSpPr>
+        <p:cNvPr id="1" name=""/>
+        <p:cNvGrpSpPr/>
+        <p:nvPr/>
+      </p:nvGrpSpPr>
+      <p:grpSpPr>
+        <a:xfrm>
+          <a:off x="0" y="0"/>
+          <a:ext cx="0" cy="0"/>
+          <a:chOff x="0" y="0"/>
+          <a:chExt cx="0" cy="0"/>
+        </a:xfrm>
+      </p:grpSpPr>
+      <p:sp>
+        <p:nvSpPr>
+          <p:cNvPr id="2" name="Date Placeholder 1"/>
+          <p:cNvSpPr>
+            <a:spLocks noGrp="1"/>
+          </p:cNvSpPr>
+          <p:nvPr>
+            <p:ph type="dt" sz="half" idx="10"/>
+          </p:nvPr>
+        </p:nvSpPr>
+        <p:spPr/>
+        <p:txBody>
+          <a:bodyPr/>
+          <a:lstStyle/>
+          <a:p>
+            <a:fld id="{C7DE3245-AFA4-488B-9D03-49FA6ABE44D9}" type="datetimeFigureOut">
+              <a:rPr lang="zh-CN" altLang="en-US" smtClean="0"/>
+              <a:t>2018/8/6</a:t>
+            </a:fld>
+            <a:endParaRPr lang="zh-CN" altLang="en-US"/>
+          </a:p>
+        </p:txBody>
+      </p:sp>
+      <p:sp>
+        <p:nvSpPr>
+          <p:cNvPr id="3" name="Footer Placeholder 2"/>
+          <p:cNvSpPr>
+            <a:spLocks noGrp="1"/>
+          </p:cNvSpPr>
+          <p:nvPr>
+            <p:ph type="ftr" sz="quarter" idx="11"/>
+          </p:nvPr>
+        </p:nvSpPr>
+        <p:spPr/>
+        <p:txBody>
+          <a:bodyPr/>
+          <a:lstStyle/>
+          <a:p>
+            <a:endParaRPr lang="zh-CN" altLang="en-US"/>
+          </a:p>
+        </p:txBody>
+      </p:sp>
+      <p:sp>
+        <p:nvSpPr>
+          <p:cNvPr id="4" name="Slide Number Placeholder 3"/>
+          <p:cNvSpPr>
+            <a:spLocks noGrp="1"/>
+          </p:cNvSpPr>
+          <p:nvPr>
+            <p:ph type="sldNum" sz="quarter" idx="12"/>
+          </p:nvPr>
+        </p:nvSpPr>
+        <p:spPr/>
+        <p:txBody>
+          <a:bodyPr/>
+          <a:lstStyle/>
+          <a:p>
+            <a:fld id="{65067B8F-3EF2-4C75-A2A5-8E8ACCC3870F}" type="slidenum">
+              <a:rPr lang="zh-CN" altLang="en-US" smtClean="0"/>
+              <a:t>‹#›</a:t>
+            </a:fld>
+            <a:endParaRPr lang="zh-CN" altLang="en-US"/>
+          </a:p>
+        </p:txBody>
+      </p:sp>
+    </p:spTree>
+    <p:extLst>
+      <p:ext uri="{BB962C8B-B14F-4D97-AF65-F5344CB8AC3E}">
+        <p14:creationId xmlns:p14="http://schemas.microsoft.com/office/powerpoint/2010/main" val="1871724490"/>
+      </p:ext>
+    </p:extLst>
+  </p:cSld>
+  <p:clrMapOvr>
+    <a:masterClrMapping/>
+  </p:clrMapOvr>
+</p:sldLayout>
+</file>
+
 <file path=ppt/slideLayouts/slideLayout3.xml><?xml version="1.0" encoding="utf-8"?>
 <p:sldLayout xmlns:a="http://schemas.openxmlformats.org/drawingml/2006/main" xmlns:r="http://schemas.openxmlformats.org/officeDocument/2006/relationships" xmlns:p="http://schemas.openxmlformats.org/presentationml/2006/main" type="secHead" preserve="1">
   <p:cSld name="节标题">
@@ -3992,6 +5528,3512 @@
     <p:extLst>
       <p:ext uri="{BB962C8B-B14F-4D97-AF65-F5344CB8AC3E}">
         <p14:creationId xmlns:p14="http://schemas.microsoft.com/office/powerpoint/2010/main" val="3003505602"/>
+      </p:ext>
+    </p:extLst>
+  </p:cSld>
+  <p:clrMapOvr>
+    <a:masterClrMapping/>
+  </p:clrMapOvr>
+</p:sldLayout>
+</file>
+
+<file path=ppt/slideLayouts/slideLayout30.xml><?xml version="1.0" encoding="utf-8"?>
+<p:sldLayout xmlns:a="http://schemas.openxmlformats.org/drawingml/2006/main" xmlns:r="http://schemas.openxmlformats.org/officeDocument/2006/relationships" xmlns:p="http://schemas.openxmlformats.org/presentationml/2006/main" type="objTx" preserve="1">
+  <p:cSld name="内容与标题">
+    <p:spTree>
+      <p:nvGrpSpPr>
+        <p:cNvPr id="1" name=""/>
+        <p:cNvGrpSpPr/>
+        <p:nvPr/>
+      </p:nvGrpSpPr>
+      <p:grpSpPr>
+        <a:xfrm>
+          <a:off x="0" y="0"/>
+          <a:ext cx="0" cy="0"/>
+          <a:chOff x="0" y="0"/>
+          <a:chExt cx="0" cy="0"/>
+        </a:xfrm>
+      </p:grpSpPr>
+      <p:sp>
+        <p:nvSpPr>
+          <p:cNvPr id="2" name="Title 1"/>
+          <p:cNvSpPr>
+            <a:spLocks noGrp="1"/>
+          </p:cNvSpPr>
+          <p:nvPr>
+            <p:ph type="title"/>
+          </p:nvPr>
+        </p:nvSpPr>
+        <p:spPr>
+          <a:xfrm>
+            <a:off x="685800" y="1524000"/>
+            <a:ext cx="4114800" cy="1600200"/>
+          </a:xfrm>
+        </p:spPr>
+        <p:txBody>
+          <a:bodyPr anchor="b"/>
+          <a:lstStyle>
+            <a:lvl1pPr algn="l">
+              <a:defRPr sz="3200"/>
+            </a:lvl1pPr>
+          </a:lstStyle>
+          <a:p>
+            <a:r>
+              <a:rPr lang="zh-CN" altLang="en-US"/>
+              <a:t>单击此处编辑母版标题样式</a:t>
+            </a:r>
+            <a:endParaRPr lang="en-US" dirty="0"/>
+          </a:p>
+        </p:txBody>
+      </p:sp>
+      <p:sp>
+        <p:nvSpPr>
+          <p:cNvPr id="3" name="Content Placeholder 2"/>
+          <p:cNvSpPr>
+            <a:spLocks noGrp="1"/>
+          </p:cNvSpPr>
+          <p:nvPr>
+            <p:ph idx="1"/>
+          </p:nvPr>
+        </p:nvSpPr>
+        <p:spPr>
+          <a:xfrm>
+            <a:off x="4995582" y="746759"/>
+            <a:ext cx="6510618" cy="5471925"/>
+          </a:xfrm>
+        </p:spPr>
+        <p:txBody>
+          <a:bodyPr anchor="ctr"/>
+          <a:lstStyle/>
+          <a:p>
+            <a:pPr lvl="0"/>
+            <a:r>
+              <a:rPr lang="zh-CN" altLang="en-US"/>
+              <a:t>编辑母版文本样式</a:t>
+            </a:r>
+          </a:p>
+          <a:p>
+            <a:pPr lvl="1"/>
+            <a:r>
+              <a:rPr lang="zh-CN" altLang="en-US"/>
+              <a:t>第二级</a:t>
+            </a:r>
+          </a:p>
+          <a:p>
+            <a:pPr lvl="2"/>
+            <a:r>
+              <a:rPr lang="zh-CN" altLang="en-US"/>
+              <a:t>第三级</a:t>
+            </a:r>
+          </a:p>
+          <a:p>
+            <a:pPr lvl="3"/>
+            <a:r>
+              <a:rPr lang="zh-CN" altLang="en-US"/>
+              <a:t>第四级</a:t>
+            </a:r>
+          </a:p>
+          <a:p>
+            <a:pPr lvl="4"/>
+            <a:r>
+              <a:rPr lang="zh-CN" altLang="en-US"/>
+              <a:t>第五级</a:t>
+            </a:r>
+            <a:endParaRPr lang="en-US" dirty="0"/>
+          </a:p>
+        </p:txBody>
+      </p:sp>
+      <p:sp>
+        <p:nvSpPr>
+          <p:cNvPr id="4" name="Text Placeholder 3"/>
+          <p:cNvSpPr>
+            <a:spLocks noGrp="1"/>
+          </p:cNvSpPr>
+          <p:nvPr>
+            <p:ph type="body" sz="half" idx="2"/>
+          </p:nvPr>
+        </p:nvSpPr>
+        <p:spPr>
+          <a:xfrm>
+            <a:off x="685800" y="3124199"/>
+            <a:ext cx="4114800" cy="3094485"/>
+          </a:xfrm>
+        </p:spPr>
+        <p:txBody>
+          <a:bodyPr/>
+          <a:lstStyle>
+            <a:lvl1pPr marL="0" indent="0">
+              <a:buNone/>
+              <a:defRPr sz="1600"/>
+            </a:lvl1pPr>
+            <a:lvl2pPr marL="457200" indent="0">
+              <a:buNone/>
+              <a:defRPr sz="1400"/>
+            </a:lvl2pPr>
+            <a:lvl3pPr marL="914400" indent="0">
+              <a:buNone/>
+              <a:defRPr sz="1200"/>
+            </a:lvl3pPr>
+            <a:lvl4pPr marL="1371600" indent="0">
+              <a:buNone/>
+              <a:defRPr sz="1000"/>
+            </a:lvl4pPr>
+            <a:lvl5pPr marL="1828800" indent="0">
+              <a:buNone/>
+              <a:defRPr sz="1000"/>
+            </a:lvl5pPr>
+            <a:lvl6pPr marL="2286000" indent="0">
+              <a:buNone/>
+              <a:defRPr sz="1000"/>
+            </a:lvl6pPr>
+            <a:lvl7pPr marL="2743200" indent="0">
+              <a:buNone/>
+              <a:defRPr sz="1000"/>
+            </a:lvl7pPr>
+            <a:lvl8pPr marL="3200400" indent="0">
+              <a:buNone/>
+              <a:defRPr sz="1000"/>
+            </a:lvl8pPr>
+            <a:lvl9pPr marL="3657600" indent="0">
+              <a:buNone/>
+              <a:defRPr sz="1000"/>
+            </a:lvl9pPr>
+          </a:lstStyle>
+          <a:p>
+            <a:pPr lvl="0"/>
+            <a:r>
+              <a:rPr lang="zh-CN" altLang="en-US"/>
+              <a:t>编辑母版文本样式</a:t>
+            </a:r>
+          </a:p>
+        </p:txBody>
+      </p:sp>
+      <p:sp>
+        <p:nvSpPr>
+          <p:cNvPr id="5" name="Date Placeholder 4"/>
+          <p:cNvSpPr>
+            <a:spLocks noGrp="1"/>
+          </p:cNvSpPr>
+          <p:nvPr>
+            <p:ph type="dt" sz="half" idx="10"/>
+          </p:nvPr>
+        </p:nvSpPr>
+        <p:spPr/>
+        <p:txBody>
+          <a:bodyPr/>
+          <a:lstStyle/>
+          <a:p>
+            <a:fld id="{C7DE3245-AFA4-488B-9D03-49FA6ABE44D9}" type="datetimeFigureOut">
+              <a:rPr lang="zh-CN" altLang="en-US" smtClean="0"/>
+              <a:t>2018/8/6</a:t>
+            </a:fld>
+            <a:endParaRPr lang="zh-CN" altLang="en-US"/>
+          </a:p>
+        </p:txBody>
+      </p:sp>
+      <p:sp>
+        <p:nvSpPr>
+          <p:cNvPr id="6" name="Footer Placeholder 5"/>
+          <p:cNvSpPr>
+            <a:spLocks noGrp="1"/>
+          </p:cNvSpPr>
+          <p:nvPr>
+            <p:ph type="ftr" sz="quarter" idx="11"/>
+          </p:nvPr>
+        </p:nvSpPr>
+        <p:spPr/>
+        <p:txBody>
+          <a:bodyPr/>
+          <a:lstStyle/>
+          <a:p>
+            <a:endParaRPr lang="zh-CN" altLang="en-US"/>
+          </a:p>
+        </p:txBody>
+      </p:sp>
+      <p:sp>
+        <p:nvSpPr>
+          <p:cNvPr id="7" name="Slide Number Placeholder 6"/>
+          <p:cNvSpPr>
+            <a:spLocks noGrp="1"/>
+          </p:cNvSpPr>
+          <p:nvPr>
+            <p:ph type="sldNum" sz="quarter" idx="12"/>
+          </p:nvPr>
+        </p:nvSpPr>
+        <p:spPr/>
+        <p:txBody>
+          <a:bodyPr/>
+          <a:lstStyle/>
+          <a:p>
+            <a:fld id="{65067B8F-3EF2-4C75-A2A5-8E8ACCC3870F}" type="slidenum">
+              <a:rPr lang="zh-CN" altLang="en-US" smtClean="0"/>
+              <a:t>‹#›</a:t>
+            </a:fld>
+            <a:endParaRPr lang="zh-CN" altLang="en-US"/>
+          </a:p>
+        </p:txBody>
+      </p:sp>
+    </p:spTree>
+    <p:extLst>
+      <p:ext uri="{BB962C8B-B14F-4D97-AF65-F5344CB8AC3E}">
+        <p14:creationId xmlns:p14="http://schemas.microsoft.com/office/powerpoint/2010/main" val="3135135291"/>
+      </p:ext>
+    </p:extLst>
+  </p:cSld>
+  <p:clrMapOvr>
+    <a:masterClrMapping/>
+  </p:clrMapOvr>
+</p:sldLayout>
+</file>
+
+<file path=ppt/slideLayouts/slideLayout31.xml><?xml version="1.0" encoding="utf-8"?>
+<p:sldLayout xmlns:a="http://schemas.openxmlformats.org/drawingml/2006/main" xmlns:r="http://schemas.openxmlformats.org/officeDocument/2006/relationships" xmlns:p="http://schemas.openxmlformats.org/presentationml/2006/main" type="picTx" preserve="1">
+  <p:cSld name="图片与标题">
+    <p:spTree>
+      <p:nvGrpSpPr>
+        <p:cNvPr id="1" name=""/>
+        <p:cNvGrpSpPr/>
+        <p:nvPr/>
+      </p:nvGrpSpPr>
+      <p:grpSpPr>
+        <a:xfrm>
+          <a:off x="0" y="0"/>
+          <a:ext cx="0" cy="0"/>
+          <a:chOff x="0" y="0"/>
+          <a:chExt cx="0" cy="0"/>
+        </a:xfrm>
+      </p:grpSpPr>
+      <p:sp>
+        <p:nvSpPr>
+          <p:cNvPr id="2" name="Title 1"/>
+          <p:cNvSpPr>
+            <a:spLocks noGrp="1"/>
+          </p:cNvSpPr>
+          <p:nvPr>
+            <p:ph type="title"/>
+          </p:nvPr>
+        </p:nvSpPr>
+        <p:spPr>
+          <a:xfrm>
+            <a:off x="685800" y="1524000"/>
+            <a:ext cx="6873240" cy="1600200"/>
+          </a:xfrm>
+        </p:spPr>
+        <p:txBody>
+          <a:bodyPr anchor="b"/>
+          <a:lstStyle>
+            <a:lvl1pPr algn="l">
+              <a:defRPr sz="3200"/>
+            </a:lvl1pPr>
+          </a:lstStyle>
+          <a:p>
+            <a:r>
+              <a:rPr lang="zh-CN" altLang="en-US"/>
+              <a:t>单击此处编辑母版标题样式</a:t>
+            </a:r>
+            <a:endParaRPr lang="en-US" dirty="0"/>
+          </a:p>
+        </p:txBody>
+      </p:sp>
+      <p:sp>
+        <p:nvSpPr>
+          <p:cNvPr id="3" name="Picture Placeholder 2"/>
+          <p:cNvSpPr>
+            <a:spLocks noGrp="1" noChangeAspect="1"/>
+          </p:cNvSpPr>
+          <p:nvPr>
+            <p:ph type="pic" idx="1"/>
+          </p:nvPr>
+        </p:nvSpPr>
+        <p:spPr>
+          <a:xfrm>
+            <a:off x="7861238" y="751241"/>
+            <a:ext cx="3644962" cy="5467443"/>
+          </a:xfrm>
+        </p:spPr>
+        <p:txBody>
+          <a:bodyPr anchor="t"/>
+          <a:lstStyle>
+            <a:lvl1pPr marL="0" indent="0">
+              <a:buNone/>
+              <a:defRPr sz="3200"/>
+            </a:lvl1pPr>
+            <a:lvl2pPr marL="457200" indent="0">
+              <a:buNone/>
+              <a:defRPr sz="2800"/>
+            </a:lvl2pPr>
+            <a:lvl3pPr marL="914400" indent="0">
+              <a:buNone/>
+              <a:defRPr sz="2400"/>
+            </a:lvl3pPr>
+            <a:lvl4pPr marL="1371600" indent="0">
+              <a:buNone/>
+              <a:defRPr sz="2000"/>
+            </a:lvl4pPr>
+            <a:lvl5pPr marL="1828800" indent="0">
+              <a:buNone/>
+              <a:defRPr sz="2000"/>
+            </a:lvl5pPr>
+            <a:lvl6pPr marL="2286000" indent="0">
+              <a:buNone/>
+              <a:defRPr sz="2000"/>
+            </a:lvl6pPr>
+            <a:lvl7pPr marL="2743200" indent="0">
+              <a:buNone/>
+              <a:defRPr sz="2000"/>
+            </a:lvl7pPr>
+            <a:lvl8pPr marL="3200400" indent="0">
+              <a:buNone/>
+              <a:defRPr sz="2000"/>
+            </a:lvl8pPr>
+            <a:lvl9pPr marL="3657600" indent="0">
+              <a:buNone/>
+              <a:defRPr sz="2000"/>
+            </a:lvl9pPr>
+          </a:lstStyle>
+          <a:p>
+            <a:r>
+              <a:rPr lang="zh-CN" altLang="en-US"/>
+              <a:t>单击图标添加图片</a:t>
+            </a:r>
+            <a:endParaRPr lang="en-US" dirty="0"/>
+          </a:p>
+        </p:txBody>
+      </p:sp>
+      <p:sp>
+        <p:nvSpPr>
+          <p:cNvPr id="4" name="Text Placeholder 3"/>
+          <p:cNvSpPr>
+            <a:spLocks noGrp="1"/>
+          </p:cNvSpPr>
+          <p:nvPr>
+            <p:ph type="body" sz="half" idx="2"/>
+          </p:nvPr>
+        </p:nvSpPr>
+        <p:spPr>
+          <a:xfrm>
+            <a:off x="685800" y="3124199"/>
+            <a:ext cx="6873240" cy="3094485"/>
+          </a:xfrm>
+        </p:spPr>
+        <p:txBody>
+          <a:bodyPr/>
+          <a:lstStyle>
+            <a:lvl1pPr marL="0" indent="0">
+              <a:buNone/>
+              <a:defRPr sz="1600"/>
+            </a:lvl1pPr>
+            <a:lvl2pPr marL="457200" indent="0">
+              <a:buNone/>
+              <a:defRPr sz="1400"/>
+            </a:lvl2pPr>
+            <a:lvl3pPr marL="914400" indent="0">
+              <a:buNone/>
+              <a:defRPr sz="1200"/>
+            </a:lvl3pPr>
+            <a:lvl4pPr marL="1371600" indent="0">
+              <a:buNone/>
+              <a:defRPr sz="1000"/>
+            </a:lvl4pPr>
+            <a:lvl5pPr marL="1828800" indent="0">
+              <a:buNone/>
+              <a:defRPr sz="1000"/>
+            </a:lvl5pPr>
+            <a:lvl6pPr marL="2286000" indent="0">
+              <a:buNone/>
+              <a:defRPr sz="1000"/>
+            </a:lvl6pPr>
+            <a:lvl7pPr marL="2743200" indent="0">
+              <a:buNone/>
+              <a:defRPr sz="1000"/>
+            </a:lvl7pPr>
+            <a:lvl8pPr marL="3200400" indent="0">
+              <a:buNone/>
+              <a:defRPr sz="1000"/>
+            </a:lvl8pPr>
+            <a:lvl9pPr marL="3657600" indent="0">
+              <a:buNone/>
+              <a:defRPr sz="1000"/>
+            </a:lvl9pPr>
+          </a:lstStyle>
+          <a:p>
+            <a:pPr lvl="0"/>
+            <a:r>
+              <a:rPr lang="zh-CN" altLang="en-US"/>
+              <a:t>编辑母版文本样式</a:t>
+            </a:r>
+          </a:p>
+        </p:txBody>
+      </p:sp>
+      <p:sp>
+        <p:nvSpPr>
+          <p:cNvPr id="5" name="Date Placeholder 4"/>
+          <p:cNvSpPr>
+            <a:spLocks noGrp="1"/>
+          </p:cNvSpPr>
+          <p:nvPr>
+            <p:ph type="dt" sz="half" idx="10"/>
+          </p:nvPr>
+        </p:nvSpPr>
+        <p:spPr/>
+        <p:txBody>
+          <a:bodyPr/>
+          <a:lstStyle/>
+          <a:p>
+            <a:fld id="{C7DE3245-AFA4-488B-9D03-49FA6ABE44D9}" type="datetimeFigureOut">
+              <a:rPr lang="zh-CN" altLang="en-US" smtClean="0"/>
+              <a:t>2018/8/6</a:t>
+            </a:fld>
+            <a:endParaRPr lang="zh-CN" altLang="en-US"/>
+          </a:p>
+        </p:txBody>
+      </p:sp>
+      <p:sp>
+        <p:nvSpPr>
+          <p:cNvPr id="6" name="Footer Placeholder 5"/>
+          <p:cNvSpPr>
+            <a:spLocks noGrp="1"/>
+          </p:cNvSpPr>
+          <p:nvPr>
+            <p:ph type="ftr" sz="quarter" idx="11"/>
+          </p:nvPr>
+        </p:nvSpPr>
+        <p:spPr/>
+        <p:txBody>
+          <a:bodyPr/>
+          <a:lstStyle/>
+          <a:p>
+            <a:endParaRPr lang="zh-CN" altLang="en-US"/>
+          </a:p>
+        </p:txBody>
+      </p:sp>
+      <p:sp>
+        <p:nvSpPr>
+          <p:cNvPr id="7" name="Slide Number Placeholder 6"/>
+          <p:cNvSpPr>
+            <a:spLocks noGrp="1"/>
+          </p:cNvSpPr>
+          <p:nvPr>
+            <p:ph type="sldNum" sz="quarter" idx="12"/>
+          </p:nvPr>
+        </p:nvSpPr>
+        <p:spPr/>
+        <p:txBody>
+          <a:bodyPr/>
+          <a:lstStyle/>
+          <a:p>
+            <a:fld id="{65067B8F-3EF2-4C75-A2A5-8E8ACCC3870F}" type="slidenum">
+              <a:rPr lang="zh-CN" altLang="en-US" smtClean="0"/>
+              <a:t>‹#›</a:t>
+            </a:fld>
+            <a:endParaRPr lang="zh-CN" altLang="en-US"/>
+          </a:p>
+        </p:txBody>
+      </p:sp>
+    </p:spTree>
+    <p:extLst>
+      <p:ext uri="{BB962C8B-B14F-4D97-AF65-F5344CB8AC3E}">
+        <p14:creationId xmlns:p14="http://schemas.microsoft.com/office/powerpoint/2010/main" val="3968635019"/>
+      </p:ext>
+    </p:extLst>
+  </p:cSld>
+  <p:clrMapOvr>
+    <a:masterClrMapping/>
+  </p:clrMapOvr>
+</p:sldLayout>
+</file>
+
+<file path=ppt/slideLayouts/slideLayout32.xml><?xml version="1.0" encoding="utf-8"?>
+<p:sldLayout xmlns:a="http://schemas.openxmlformats.org/drawingml/2006/main" xmlns:r="http://schemas.openxmlformats.org/officeDocument/2006/relationships" xmlns:p="http://schemas.openxmlformats.org/presentationml/2006/main" preserve="1">
+  <p:cSld name="带描述的全景图片">
+    <p:spTree>
+      <p:nvGrpSpPr>
+        <p:cNvPr id="1" name=""/>
+        <p:cNvGrpSpPr/>
+        <p:nvPr/>
+      </p:nvGrpSpPr>
+      <p:grpSpPr>
+        <a:xfrm>
+          <a:off x="0" y="0"/>
+          <a:ext cx="0" cy="0"/>
+          <a:chOff x="0" y="0"/>
+          <a:chExt cx="0" cy="0"/>
+        </a:xfrm>
+      </p:grpSpPr>
+      <p:sp>
+        <p:nvSpPr>
+          <p:cNvPr id="2" name="Title 1"/>
+          <p:cNvSpPr>
+            <a:spLocks noGrp="1"/>
+          </p:cNvSpPr>
+          <p:nvPr>
+            <p:ph type="title"/>
+          </p:nvPr>
+        </p:nvSpPr>
+        <p:spPr>
+          <a:xfrm>
+            <a:off x="685777" y="4697360"/>
+            <a:ext cx="10822034" cy="819355"/>
+          </a:xfrm>
+        </p:spPr>
+        <p:txBody>
+          <a:bodyPr anchor="b"/>
+          <a:lstStyle>
+            <a:lvl1pPr algn="l">
+              <a:defRPr sz="3200"/>
+            </a:lvl1pPr>
+          </a:lstStyle>
+          <a:p>
+            <a:r>
+              <a:rPr lang="zh-CN" altLang="en-US"/>
+              <a:t>单击此处编辑母版标题样式</a:t>
+            </a:r>
+            <a:endParaRPr lang="en-US" dirty="0"/>
+          </a:p>
+        </p:txBody>
+      </p:sp>
+      <p:sp>
+        <p:nvSpPr>
+          <p:cNvPr id="3" name="Picture Placeholder 2"/>
+          <p:cNvSpPr>
+            <a:spLocks noGrp="1" noChangeAspect="1"/>
+          </p:cNvSpPr>
+          <p:nvPr>
+            <p:ph type="pic" idx="1"/>
+          </p:nvPr>
+        </p:nvSpPr>
+        <p:spPr>
+          <a:xfrm>
+            <a:off x="681727" y="941439"/>
+            <a:ext cx="10821840" cy="3478161"/>
+          </a:xfrm>
+        </p:spPr>
+        <p:txBody>
+          <a:bodyPr anchor="t"/>
+          <a:lstStyle>
+            <a:lvl1pPr marL="0" indent="0">
+              <a:buNone/>
+              <a:defRPr sz="3200"/>
+            </a:lvl1pPr>
+            <a:lvl2pPr marL="457200" indent="0">
+              <a:buNone/>
+              <a:defRPr sz="2800"/>
+            </a:lvl2pPr>
+            <a:lvl3pPr marL="914400" indent="0">
+              <a:buNone/>
+              <a:defRPr sz="2400"/>
+            </a:lvl3pPr>
+            <a:lvl4pPr marL="1371600" indent="0">
+              <a:buNone/>
+              <a:defRPr sz="2000"/>
+            </a:lvl4pPr>
+            <a:lvl5pPr marL="1828800" indent="0">
+              <a:buNone/>
+              <a:defRPr sz="2000"/>
+            </a:lvl5pPr>
+            <a:lvl6pPr marL="2286000" indent="0">
+              <a:buNone/>
+              <a:defRPr sz="2000"/>
+            </a:lvl6pPr>
+            <a:lvl7pPr marL="2743200" indent="0">
+              <a:buNone/>
+              <a:defRPr sz="2000"/>
+            </a:lvl7pPr>
+            <a:lvl8pPr marL="3200400" indent="0">
+              <a:buNone/>
+              <a:defRPr sz="2000"/>
+            </a:lvl8pPr>
+            <a:lvl9pPr marL="3657600" indent="0">
+              <a:buNone/>
+              <a:defRPr sz="2000"/>
+            </a:lvl9pPr>
+          </a:lstStyle>
+          <a:p>
+            <a:r>
+              <a:rPr lang="zh-CN" altLang="en-US"/>
+              <a:t>单击图标添加图片</a:t>
+            </a:r>
+            <a:endParaRPr lang="en-US" dirty="0"/>
+          </a:p>
+        </p:txBody>
+      </p:sp>
+      <p:sp>
+        <p:nvSpPr>
+          <p:cNvPr id="4" name="Text Placeholder 3"/>
+          <p:cNvSpPr>
+            <a:spLocks noGrp="1"/>
+          </p:cNvSpPr>
+          <p:nvPr>
+            <p:ph type="body" sz="half" idx="2"/>
+          </p:nvPr>
+        </p:nvSpPr>
+        <p:spPr>
+          <a:xfrm>
+            <a:off x="685800" y="5516715"/>
+            <a:ext cx="10820400" cy="701969"/>
+          </a:xfrm>
+        </p:spPr>
+        <p:txBody>
+          <a:bodyPr/>
+          <a:lstStyle>
+            <a:lvl1pPr marL="0" indent="0" algn="l">
+              <a:buNone/>
+              <a:defRPr sz="1600"/>
+            </a:lvl1pPr>
+            <a:lvl2pPr marL="457200" indent="0">
+              <a:buNone/>
+              <a:defRPr sz="1400"/>
+            </a:lvl2pPr>
+            <a:lvl3pPr marL="914400" indent="0">
+              <a:buNone/>
+              <a:defRPr sz="1200"/>
+            </a:lvl3pPr>
+            <a:lvl4pPr marL="1371600" indent="0">
+              <a:buNone/>
+              <a:defRPr sz="1000"/>
+            </a:lvl4pPr>
+            <a:lvl5pPr marL="1828800" indent="0">
+              <a:buNone/>
+              <a:defRPr sz="1000"/>
+            </a:lvl5pPr>
+            <a:lvl6pPr marL="2286000" indent="0">
+              <a:buNone/>
+              <a:defRPr sz="1000"/>
+            </a:lvl6pPr>
+            <a:lvl7pPr marL="2743200" indent="0">
+              <a:buNone/>
+              <a:defRPr sz="1000"/>
+            </a:lvl7pPr>
+            <a:lvl8pPr marL="3200400" indent="0">
+              <a:buNone/>
+              <a:defRPr sz="1000"/>
+            </a:lvl8pPr>
+            <a:lvl9pPr marL="3657600" indent="0">
+              <a:buNone/>
+              <a:defRPr sz="1000"/>
+            </a:lvl9pPr>
+          </a:lstStyle>
+          <a:p>
+            <a:pPr lvl="0"/>
+            <a:r>
+              <a:rPr lang="zh-CN" altLang="en-US"/>
+              <a:t>编辑母版文本样式</a:t>
+            </a:r>
+          </a:p>
+        </p:txBody>
+      </p:sp>
+      <p:sp>
+        <p:nvSpPr>
+          <p:cNvPr id="5" name="Date Placeholder 4"/>
+          <p:cNvSpPr>
+            <a:spLocks noGrp="1"/>
+          </p:cNvSpPr>
+          <p:nvPr>
+            <p:ph type="dt" sz="half" idx="10"/>
+          </p:nvPr>
+        </p:nvSpPr>
+        <p:spPr/>
+        <p:txBody>
+          <a:bodyPr/>
+          <a:lstStyle/>
+          <a:p>
+            <a:fld id="{C7DE3245-AFA4-488B-9D03-49FA6ABE44D9}" type="datetimeFigureOut">
+              <a:rPr lang="zh-CN" altLang="en-US" smtClean="0"/>
+              <a:t>2018/8/6</a:t>
+            </a:fld>
+            <a:endParaRPr lang="zh-CN" altLang="en-US"/>
+          </a:p>
+        </p:txBody>
+      </p:sp>
+      <p:sp>
+        <p:nvSpPr>
+          <p:cNvPr id="6" name="Footer Placeholder 5"/>
+          <p:cNvSpPr>
+            <a:spLocks noGrp="1"/>
+          </p:cNvSpPr>
+          <p:nvPr>
+            <p:ph type="ftr" sz="quarter" idx="11"/>
+          </p:nvPr>
+        </p:nvSpPr>
+        <p:spPr/>
+        <p:txBody>
+          <a:bodyPr/>
+          <a:lstStyle/>
+          <a:p>
+            <a:endParaRPr lang="zh-CN" altLang="en-US"/>
+          </a:p>
+        </p:txBody>
+      </p:sp>
+      <p:sp>
+        <p:nvSpPr>
+          <p:cNvPr id="7" name="Slide Number Placeholder 6"/>
+          <p:cNvSpPr>
+            <a:spLocks noGrp="1"/>
+          </p:cNvSpPr>
+          <p:nvPr>
+            <p:ph type="sldNum" sz="quarter" idx="12"/>
+          </p:nvPr>
+        </p:nvSpPr>
+        <p:spPr/>
+        <p:txBody>
+          <a:bodyPr/>
+          <a:lstStyle/>
+          <a:p>
+            <a:fld id="{65067B8F-3EF2-4C75-A2A5-8E8ACCC3870F}" type="slidenum">
+              <a:rPr lang="zh-CN" altLang="en-US" smtClean="0"/>
+              <a:t>‹#›</a:t>
+            </a:fld>
+            <a:endParaRPr lang="zh-CN" altLang="en-US"/>
+          </a:p>
+        </p:txBody>
+      </p:sp>
+    </p:spTree>
+    <p:extLst>
+      <p:ext uri="{BB962C8B-B14F-4D97-AF65-F5344CB8AC3E}">
+        <p14:creationId xmlns:p14="http://schemas.microsoft.com/office/powerpoint/2010/main" val="206250368"/>
+      </p:ext>
+    </p:extLst>
+  </p:cSld>
+  <p:clrMapOvr>
+    <a:masterClrMapping/>
+  </p:clrMapOvr>
+</p:sldLayout>
+</file>
+
+<file path=ppt/slideLayouts/slideLayout33.xml><?xml version="1.0" encoding="utf-8"?>
+<p:sldLayout xmlns:a="http://schemas.openxmlformats.org/drawingml/2006/main" xmlns:r="http://schemas.openxmlformats.org/officeDocument/2006/relationships" xmlns:p="http://schemas.openxmlformats.org/presentationml/2006/main" showMasterSp="0" preserve="1">
+  <p:cSld name="标题和描述">
+    <p:spTree>
+      <p:nvGrpSpPr>
+        <p:cNvPr id="1" name=""/>
+        <p:cNvGrpSpPr/>
+        <p:nvPr/>
+      </p:nvGrpSpPr>
+      <p:grpSpPr>
+        <a:xfrm>
+          <a:off x="0" y="0"/>
+          <a:ext cx="0" cy="0"/>
+          <a:chOff x="0" y="0"/>
+          <a:chExt cx="0" cy="0"/>
+        </a:xfrm>
+      </p:grpSpPr>
+      <p:pic>
+        <p:nvPicPr>
+          <p:cNvPr id="8" name="Picture 7" descr="C0-HD-BTM.png"/>
+          <p:cNvPicPr>
+            <a:picLocks noChangeAspect="1"/>
+          </p:cNvPicPr>
+          <p:nvPr/>
+        </p:nvPicPr>
+        <p:blipFill>
+          <a:blip r:embed="rId2">
+            <a:extLst>
+              <a:ext uri="{28A0092B-C50C-407E-A947-70E740481C1C}">
+                <a14:useLocalDpi xmlns:a14="http://schemas.microsoft.com/office/drawing/2010/main" val="0"/>
+              </a:ext>
+            </a:extLst>
+          </a:blip>
+          <a:stretch>
+            <a:fillRect/>
+          </a:stretch>
+        </p:blipFill>
+        <p:spPr>
+          <a:xfrm>
+            <a:off x="0" y="4375150"/>
+            <a:ext cx="12192000" cy="2482850"/>
+          </a:xfrm>
+          <a:prstGeom prst="rect">
+            <a:avLst/>
+          </a:prstGeom>
+        </p:spPr>
+      </p:pic>
+      <p:sp>
+        <p:nvSpPr>
+          <p:cNvPr id="2" name="Title 1"/>
+          <p:cNvSpPr>
+            <a:spLocks noGrp="1"/>
+          </p:cNvSpPr>
+          <p:nvPr>
+            <p:ph type="title"/>
+          </p:nvPr>
+        </p:nvSpPr>
+        <p:spPr>
+          <a:xfrm>
+            <a:off x="685800" y="753532"/>
+            <a:ext cx="10820400" cy="2802467"/>
+          </a:xfrm>
+        </p:spPr>
+        <p:txBody>
+          <a:bodyPr anchor="ctr"/>
+          <a:lstStyle>
+            <a:lvl1pPr algn="l">
+              <a:defRPr sz="3200"/>
+            </a:lvl1pPr>
+          </a:lstStyle>
+          <a:p>
+            <a:r>
+              <a:rPr lang="zh-CN" altLang="en-US"/>
+              <a:t>单击此处编辑母版标题样式</a:t>
+            </a:r>
+            <a:endParaRPr lang="en-US" dirty="0"/>
+          </a:p>
+        </p:txBody>
+      </p:sp>
+      <p:sp>
+        <p:nvSpPr>
+          <p:cNvPr id="4" name="Text Placeholder 3"/>
+          <p:cNvSpPr>
+            <a:spLocks noGrp="1"/>
+          </p:cNvSpPr>
+          <p:nvPr>
+            <p:ph type="body" sz="half" idx="2"/>
+          </p:nvPr>
+        </p:nvSpPr>
+        <p:spPr>
+          <a:xfrm>
+            <a:off x="1024467" y="3649133"/>
+            <a:ext cx="10130516" cy="999067"/>
+          </a:xfrm>
+        </p:spPr>
+        <p:txBody>
+          <a:bodyPr anchor="ctr"/>
+          <a:lstStyle>
+            <a:lvl1pPr marL="0" indent="0">
+              <a:buNone/>
+              <a:defRPr sz="1600"/>
+            </a:lvl1pPr>
+            <a:lvl2pPr marL="457200" indent="0">
+              <a:buNone/>
+              <a:defRPr sz="1400"/>
+            </a:lvl2pPr>
+            <a:lvl3pPr marL="914400" indent="0">
+              <a:buNone/>
+              <a:defRPr sz="1200"/>
+            </a:lvl3pPr>
+            <a:lvl4pPr marL="1371600" indent="0">
+              <a:buNone/>
+              <a:defRPr sz="1000"/>
+            </a:lvl4pPr>
+            <a:lvl5pPr marL="1828800" indent="0">
+              <a:buNone/>
+              <a:defRPr sz="1000"/>
+            </a:lvl5pPr>
+            <a:lvl6pPr marL="2286000" indent="0">
+              <a:buNone/>
+              <a:defRPr sz="1000"/>
+            </a:lvl6pPr>
+            <a:lvl7pPr marL="2743200" indent="0">
+              <a:buNone/>
+              <a:defRPr sz="1000"/>
+            </a:lvl7pPr>
+            <a:lvl8pPr marL="3200400" indent="0">
+              <a:buNone/>
+              <a:defRPr sz="1000"/>
+            </a:lvl8pPr>
+            <a:lvl9pPr marL="3657600" indent="0">
+              <a:buNone/>
+              <a:defRPr sz="1000"/>
+            </a:lvl9pPr>
+          </a:lstStyle>
+          <a:p>
+            <a:pPr lvl="0"/>
+            <a:r>
+              <a:rPr lang="zh-CN" altLang="en-US"/>
+              <a:t>编辑母版文本样式</a:t>
+            </a:r>
+          </a:p>
+        </p:txBody>
+      </p:sp>
+      <p:sp>
+        <p:nvSpPr>
+          <p:cNvPr id="5" name="Date Placeholder 4"/>
+          <p:cNvSpPr>
+            <a:spLocks noGrp="1"/>
+          </p:cNvSpPr>
+          <p:nvPr>
+            <p:ph type="dt" sz="half" idx="10"/>
+          </p:nvPr>
+        </p:nvSpPr>
+        <p:spPr>
+          <a:xfrm>
+            <a:off x="7814452" y="381000"/>
+            <a:ext cx="2910840" cy="365125"/>
+          </a:xfrm>
+        </p:spPr>
+        <p:txBody>
+          <a:bodyPr/>
+          <a:lstStyle>
+            <a:lvl1pPr algn="r">
+              <a:defRPr/>
+            </a:lvl1pPr>
+          </a:lstStyle>
+          <a:p>
+            <a:fld id="{C7DE3245-AFA4-488B-9D03-49FA6ABE44D9}" type="datetimeFigureOut">
+              <a:rPr lang="zh-CN" altLang="en-US" smtClean="0"/>
+              <a:t>2018/8/6</a:t>
+            </a:fld>
+            <a:endParaRPr lang="zh-CN" altLang="en-US"/>
+          </a:p>
+        </p:txBody>
+      </p:sp>
+      <p:sp>
+        <p:nvSpPr>
+          <p:cNvPr id="6" name="Footer Placeholder 5"/>
+          <p:cNvSpPr>
+            <a:spLocks noGrp="1"/>
+          </p:cNvSpPr>
+          <p:nvPr>
+            <p:ph type="ftr" sz="quarter" idx="11"/>
+          </p:nvPr>
+        </p:nvSpPr>
+        <p:spPr>
+          <a:xfrm>
+            <a:off x="685800" y="379941"/>
+            <a:ext cx="6991492" cy="365125"/>
+          </a:xfrm>
+        </p:spPr>
+        <p:txBody>
+          <a:bodyPr/>
+          <a:lstStyle/>
+          <a:p>
+            <a:endParaRPr lang="zh-CN" altLang="en-US"/>
+          </a:p>
+        </p:txBody>
+      </p:sp>
+      <p:sp>
+        <p:nvSpPr>
+          <p:cNvPr id="7" name="Slide Number Placeholder 6"/>
+          <p:cNvSpPr>
+            <a:spLocks noGrp="1"/>
+          </p:cNvSpPr>
+          <p:nvPr>
+            <p:ph type="sldNum" sz="quarter" idx="12"/>
+          </p:nvPr>
+        </p:nvSpPr>
+        <p:spPr>
+          <a:xfrm>
+            <a:off x="10862452" y="381000"/>
+            <a:ext cx="643748" cy="365125"/>
+          </a:xfrm>
+        </p:spPr>
+        <p:txBody>
+          <a:bodyPr/>
+          <a:lstStyle/>
+          <a:p>
+            <a:fld id="{65067B8F-3EF2-4C75-A2A5-8E8ACCC3870F}" type="slidenum">
+              <a:rPr lang="zh-CN" altLang="en-US" smtClean="0"/>
+              <a:t>‹#›</a:t>
+            </a:fld>
+            <a:endParaRPr lang="zh-CN" altLang="en-US"/>
+          </a:p>
+        </p:txBody>
+      </p:sp>
+    </p:spTree>
+    <p:extLst>
+      <p:ext uri="{BB962C8B-B14F-4D97-AF65-F5344CB8AC3E}">
+        <p14:creationId xmlns:p14="http://schemas.microsoft.com/office/powerpoint/2010/main" val="199217697"/>
+      </p:ext>
+    </p:extLst>
+  </p:cSld>
+  <p:clrMapOvr>
+    <a:masterClrMapping/>
+  </p:clrMapOvr>
+</p:sldLayout>
+</file>
+
+<file path=ppt/slideLayouts/slideLayout34.xml><?xml version="1.0" encoding="utf-8"?>
+<p:sldLayout xmlns:a="http://schemas.openxmlformats.org/drawingml/2006/main" xmlns:r="http://schemas.openxmlformats.org/officeDocument/2006/relationships" xmlns:p="http://schemas.openxmlformats.org/presentationml/2006/main" showMasterSp="0" preserve="1">
+  <p:cSld name="带描述的引言">
+    <p:spTree>
+      <p:nvGrpSpPr>
+        <p:cNvPr id="1" name=""/>
+        <p:cNvGrpSpPr/>
+        <p:nvPr/>
+      </p:nvGrpSpPr>
+      <p:grpSpPr>
+        <a:xfrm>
+          <a:off x="0" y="0"/>
+          <a:ext cx="0" cy="0"/>
+          <a:chOff x="0" y="0"/>
+          <a:chExt cx="0" cy="0"/>
+        </a:xfrm>
+      </p:grpSpPr>
+      <p:pic>
+        <p:nvPicPr>
+          <p:cNvPr id="13" name="Picture 12" descr="C0-HD-BTM.png"/>
+          <p:cNvPicPr>
+            <a:picLocks noChangeAspect="1"/>
+          </p:cNvPicPr>
+          <p:nvPr/>
+        </p:nvPicPr>
+        <p:blipFill>
+          <a:blip r:embed="rId2">
+            <a:extLst>
+              <a:ext uri="{28A0092B-C50C-407E-A947-70E740481C1C}">
+                <a14:useLocalDpi xmlns:a14="http://schemas.microsoft.com/office/drawing/2010/main" val="0"/>
+              </a:ext>
+            </a:extLst>
+          </a:blip>
+          <a:stretch>
+            <a:fillRect/>
+          </a:stretch>
+        </p:blipFill>
+        <p:spPr>
+          <a:xfrm>
+            <a:off x="0" y="4375150"/>
+            <a:ext cx="12192000" cy="2482850"/>
+          </a:xfrm>
+          <a:prstGeom prst="rect">
+            <a:avLst/>
+          </a:prstGeom>
+        </p:spPr>
+      </p:pic>
+      <p:sp>
+        <p:nvSpPr>
+          <p:cNvPr id="2" name="Title 1"/>
+          <p:cNvSpPr>
+            <a:spLocks noGrp="1"/>
+          </p:cNvSpPr>
+          <p:nvPr>
+            <p:ph type="title"/>
+          </p:nvPr>
+        </p:nvSpPr>
+        <p:spPr>
+          <a:xfrm>
+            <a:off x="1024467" y="753533"/>
+            <a:ext cx="10151533" cy="2604495"/>
+          </a:xfrm>
+        </p:spPr>
+        <p:txBody>
+          <a:bodyPr anchor="ctr"/>
+          <a:lstStyle>
+            <a:lvl1pPr algn="l">
+              <a:defRPr sz="3200"/>
+            </a:lvl1pPr>
+          </a:lstStyle>
+          <a:p>
+            <a:r>
+              <a:rPr lang="zh-CN" altLang="en-US"/>
+              <a:t>单击此处编辑母版标题样式</a:t>
+            </a:r>
+            <a:endParaRPr lang="en-US" dirty="0"/>
+          </a:p>
+        </p:txBody>
+      </p:sp>
+      <p:sp>
+        <p:nvSpPr>
+          <p:cNvPr id="12" name="Text Placeholder 3"/>
+          <p:cNvSpPr>
+            <a:spLocks noGrp="1"/>
+          </p:cNvSpPr>
+          <p:nvPr>
+            <p:ph type="body" sz="half" idx="13"/>
+          </p:nvPr>
+        </p:nvSpPr>
+        <p:spPr>
+          <a:xfrm>
+            <a:off x="1303865" y="3365556"/>
+            <a:ext cx="9592736" cy="444443"/>
+          </a:xfrm>
+        </p:spPr>
+        <p:txBody>
+          <a:bodyPr anchor="t">
+            <a:normAutofit/>
+          </a:bodyPr>
+          <a:lstStyle>
+            <a:lvl1pPr marL="0" indent="0">
+              <a:buNone/>
+              <a:defRPr sz="1400"/>
+            </a:lvl1pPr>
+            <a:lvl2pPr marL="457200" indent="0">
+              <a:buNone/>
+              <a:defRPr sz="1400"/>
+            </a:lvl2pPr>
+            <a:lvl3pPr marL="914400" indent="0">
+              <a:buNone/>
+              <a:defRPr sz="1200"/>
+            </a:lvl3pPr>
+            <a:lvl4pPr marL="1371600" indent="0">
+              <a:buNone/>
+              <a:defRPr sz="1000"/>
+            </a:lvl4pPr>
+            <a:lvl5pPr marL="1828800" indent="0">
+              <a:buNone/>
+              <a:defRPr sz="1000"/>
+            </a:lvl5pPr>
+            <a:lvl6pPr marL="2286000" indent="0">
+              <a:buNone/>
+              <a:defRPr sz="1000"/>
+            </a:lvl6pPr>
+            <a:lvl7pPr marL="2743200" indent="0">
+              <a:buNone/>
+              <a:defRPr sz="1000"/>
+            </a:lvl7pPr>
+            <a:lvl8pPr marL="3200400" indent="0">
+              <a:buNone/>
+              <a:defRPr sz="1000"/>
+            </a:lvl8pPr>
+            <a:lvl9pPr marL="3657600" indent="0">
+              <a:buNone/>
+              <a:defRPr sz="1000"/>
+            </a:lvl9pPr>
+          </a:lstStyle>
+          <a:p>
+            <a:pPr lvl="0"/>
+            <a:r>
+              <a:rPr lang="zh-CN" altLang="en-US"/>
+              <a:t>编辑母版文本样式</a:t>
+            </a:r>
+          </a:p>
+        </p:txBody>
+      </p:sp>
+      <p:sp>
+        <p:nvSpPr>
+          <p:cNvPr id="4" name="Text Placeholder 3"/>
+          <p:cNvSpPr>
+            <a:spLocks noGrp="1"/>
+          </p:cNvSpPr>
+          <p:nvPr>
+            <p:ph type="body" sz="half" idx="2"/>
+          </p:nvPr>
+        </p:nvSpPr>
+        <p:spPr>
+          <a:xfrm>
+            <a:off x="1024467" y="3959862"/>
+            <a:ext cx="10151533" cy="679871"/>
+          </a:xfrm>
+        </p:spPr>
+        <p:txBody>
+          <a:bodyPr anchor="ctr">
+            <a:normAutofit/>
+          </a:bodyPr>
+          <a:lstStyle>
+            <a:lvl1pPr marL="0" indent="0">
+              <a:buNone/>
+              <a:defRPr sz="1600"/>
+            </a:lvl1pPr>
+            <a:lvl2pPr marL="457200" indent="0">
+              <a:buNone/>
+              <a:defRPr sz="1400"/>
+            </a:lvl2pPr>
+            <a:lvl3pPr marL="914400" indent="0">
+              <a:buNone/>
+              <a:defRPr sz="1200"/>
+            </a:lvl3pPr>
+            <a:lvl4pPr marL="1371600" indent="0">
+              <a:buNone/>
+              <a:defRPr sz="1000"/>
+            </a:lvl4pPr>
+            <a:lvl5pPr marL="1828800" indent="0">
+              <a:buNone/>
+              <a:defRPr sz="1000"/>
+            </a:lvl5pPr>
+            <a:lvl6pPr marL="2286000" indent="0">
+              <a:buNone/>
+              <a:defRPr sz="1000"/>
+            </a:lvl6pPr>
+            <a:lvl7pPr marL="2743200" indent="0">
+              <a:buNone/>
+              <a:defRPr sz="1000"/>
+            </a:lvl7pPr>
+            <a:lvl8pPr marL="3200400" indent="0">
+              <a:buNone/>
+              <a:defRPr sz="1000"/>
+            </a:lvl8pPr>
+            <a:lvl9pPr marL="3657600" indent="0">
+              <a:buNone/>
+              <a:defRPr sz="1000"/>
+            </a:lvl9pPr>
+          </a:lstStyle>
+          <a:p>
+            <a:pPr lvl="0"/>
+            <a:r>
+              <a:rPr lang="zh-CN" altLang="en-US"/>
+              <a:t>编辑母版文本样式</a:t>
+            </a:r>
+          </a:p>
+        </p:txBody>
+      </p:sp>
+      <p:sp>
+        <p:nvSpPr>
+          <p:cNvPr id="5" name="Date Placeholder 4"/>
+          <p:cNvSpPr>
+            <a:spLocks noGrp="1"/>
+          </p:cNvSpPr>
+          <p:nvPr>
+            <p:ph type="dt" sz="half" idx="10"/>
+          </p:nvPr>
+        </p:nvSpPr>
+        <p:spPr>
+          <a:xfrm>
+            <a:off x="7814452" y="381000"/>
+            <a:ext cx="2910840" cy="365125"/>
+          </a:xfrm>
+        </p:spPr>
+        <p:txBody>
+          <a:bodyPr/>
+          <a:lstStyle>
+            <a:lvl1pPr algn="r">
+              <a:defRPr/>
+            </a:lvl1pPr>
+          </a:lstStyle>
+          <a:p>
+            <a:fld id="{C7DE3245-AFA4-488B-9D03-49FA6ABE44D9}" type="datetimeFigureOut">
+              <a:rPr lang="zh-CN" altLang="en-US" smtClean="0"/>
+              <a:t>2018/8/6</a:t>
+            </a:fld>
+            <a:endParaRPr lang="zh-CN" altLang="en-US"/>
+          </a:p>
+        </p:txBody>
+      </p:sp>
+      <p:sp>
+        <p:nvSpPr>
+          <p:cNvPr id="6" name="Footer Placeholder 5"/>
+          <p:cNvSpPr>
+            <a:spLocks noGrp="1"/>
+          </p:cNvSpPr>
+          <p:nvPr>
+            <p:ph type="ftr" sz="quarter" idx="11"/>
+          </p:nvPr>
+        </p:nvSpPr>
+        <p:spPr>
+          <a:xfrm>
+            <a:off x="685800" y="379941"/>
+            <a:ext cx="6991492" cy="365125"/>
+          </a:xfrm>
+        </p:spPr>
+        <p:txBody>
+          <a:bodyPr/>
+          <a:lstStyle/>
+          <a:p>
+            <a:endParaRPr lang="zh-CN" altLang="en-US"/>
+          </a:p>
+        </p:txBody>
+      </p:sp>
+      <p:sp>
+        <p:nvSpPr>
+          <p:cNvPr id="7" name="Slide Number Placeholder 6"/>
+          <p:cNvSpPr>
+            <a:spLocks noGrp="1"/>
+          </p:cNvSpPr>
+          <p:nvPr>
+            <p:ph type="sldNum" sz="quarter" idx="12"/>
+          </p:nvPr>
+        </p:nvSpPr>
+        <p:spPr>
+          <a:xfrm>
+            <a:off x="10862452" y="381000"/>
+            <a:ext cx="643748" cy="365125"/>
+          </a:xfrm>
+        </p:spPr>
+        <p:txBody>
+          <a:bodyPr/>
+          <a:lstStyle/>
+          <a:p>
+            <a:fld id="{65067B8F-3EF2-4C75-A2A5-8E8ACCC3870F}" type="slidenum">
+              <a:rPr lang="zh-CN" altLang="en-US" smtClean="0"/>
+              <a:t>‹#›</a:t>
+            </a:fld>
+            <a:endParaRPr lang="zh-CN" altLang="en-US"/>
+          </a:p>
+        </p:txBody>
+      </p:sp>
+      <p:sp>
+        <p:nvSpPr>
+          <p:cNvPr id="9" name="TextBox 8"/>
+          <p:cNvSpPr txBox="1"/>
+          <p:nvPr/>
+        </p:nvSpPr>
+        <p:spPr>
+          <a:xfrm>
+            <a:off x="476250" y="933450"/>
+            <a:ext cx="609600" cy="584776"/>
+          </a:xfrm>
+          <a:prstGeom prst="rect">
+            <a:avLst/>
+          </a:prstGeom>
+        </p:spPr>
+        <p:txBody>
+          <a:bodyPr vert="horz" lIns="91440" tIns="45720" rIns="91440" bIns="45720" rtlCol="0" anchor="ctr">
+            <a:noAutofit/>
+          </a:bodyPr>
+          <a:lstStyle>
+            <a:lvl1pPr>
+              <a:spcBef>
+                <a:spcPct val="0"/>
+              </a:spcBef>
+              <a:buNone/>
+              <a:defRPr sz="3200" b="0" cap="all">
+                <a:ln w="3175" cmpd="sng">
+                  <a:noFill/>
+                </a:ln>
+                <a:effectLst>
+                  <a:glow rad="38100">
+                    <a:schemeClr val="bg1">
+                      <a:lumMod val="65000"/>
+                      <a:lumOff val="35000"/>
+                      <a:alpha val="40000"/>
+                    </a:schemeClr>
+                  </a:glow>
+                  <a:outerShdw blurRad="28575" dist="38100" dir="14040000" algn="tl" rotWithShape="0">
+                    <a:srgbClr val="000000">
+                      <a:alpha val="25000"/>
+                    </a:srgbClr>
+                  </a:outerShdw>
+                </a:effectLst>
+              </a:defRPr>
+            </a:lvl1pPr>
+            <a:lvl2pPr>
+              <a:defRPr>
+                <a:solidFill>
+                  <a:schemeClr val="tx2"/>
+                </a:solidFill>
+              </a:defRPr>
+            </a:lvl2pPr>
+            <a:lvl3pPr>
+              <a:defRPr>
+                <a:solidFill>
+                  <a:schemeClr val="tx2"/>
+                </a:solidFill>
+              </a:defRPr>
+            </a:lvl3pPr>
+            <a:lvl4pPr>
+              <a:defRPr>
+                <a:solidFill>
+                  <a:schemeClr val="tx2"/>
+                </a:solidFill>
+              </a:defRPr>
+            </a:lvl4pPr>
+            <a:lvl5pPr>
+              <a:defRPr>
+                <a:solidFill>
+                  <a:schemeClr val="tx2"/>
+                </a:solidFill>
+              </a:defRPr>
+            </a:lvl5pPr>
+            <a:lvl6pPr>
+              <a:defRPr>
+                <a:solidFill>
+                  <a:schemeClr val="tx2"/>
+                </a:solidFill>
+              </a:defRPr>
+            </a:lvl6pPr>
+            <a:lvl7pPr>
+              <a:defRPr>
+                <a:solidFill>
+                  <a:schemeClr val="tx2"/>
+                </a:solidFill>
+              </a:defRPr>
+            </a:lvl7pPr>
+            <a:lvl8pPr>
+              <a:defRPr>
+                <a:solidFill>
+                  <a:schemeClr val="tx2"/>
+                </a:solidFill>
+              </a:defRPr>
+            </a:lvl8pPr>
+            <a:lvl9pPr>
+              <a:defRPr>
+                <a:solidFill>
+                  <a:schemeClr val="tx2"/>
+                </a:solidFill>
+              </a:defRPr>
+            </a:lvl9pPr>
+          </a:lstStyle>
+          <a:p>
+            <a:pPr lvl="0"/>
+            <a:r>
+              <a:rPr lang="en-US" sz="8000" dirty="0">
+                <a:solidFill>
+                  <a:schemeClr val="tx1"/>
+                </a:solidFill>
+                <a:effectLst/>
+              </a:rPr>
+              <a:t>“</a:t>
+            </a:r>
+          </a:p>
+        </p:txBody>
+      </p:sp>
+      <p:sp>
+        <p:nvSpPr>
+          <p:cNvPr id="10" name="TextBox 9"/>
+          <p:cNvSpPr txBox="1"/>
+          <p:nvPr/>
+        </p:nvSpPr>
+        <p:spPr>
+          <a:xfrm>
+            <a:off x="10984230" y="2701290"/>
+            <a:ext cx="609600" cy="584776"/>
+          </a:xfrm>
+          <a:prstGeom prst="rect">
+            <a:avLst/>
+          </a:prstGeom>
+        </p:spPr>
+        <p:txBody>
+          <a:bodyPr vert="horz" lIns="91440" tIns="45720" rIns="91440" bIns="45720" rtlCol="0" anchor="ctr">
+            <a:noAutofit/>
+          </a:bodyPr>
+          <a:lstStyle>
+            <a:lvl1pPr>
+              <a:spcBef>
+                <a:spcPct val="0"/>
+              </a:spcBef>
+              <a:buNone/>
+              <a:defRPr sz="3200" b="0" cap="all">
+                <a:ln w="3175" cmpd="sng">
+                  <a:noFill/>
+                </a:ln>
+                <a:effectLst>
+                  <a:glow rad="38100">
+                    <a:schemeClr val="bg1">
+                      <a:lumMod val="65000"/>
+                      <a:lumOff val="35000"/>
+                      <a:alpha val="40000"/>
+                    </a:schemeClr>
+                  </a:glow>
+                  <a:outerShdw blurRad="28575" dist="38100" dir="14040000" algn="tl" rotWithShape="0">
+                    <a:srgbClr val="000000">
+                      <a:alpha val="25000"/>
+                    </a:srgbClr>
+                  </a:outerShdw>
+                </a:effectLst>
+              </a:defRPr>
+            </a:lvl1pPr>
+            <a:lvl2pPr>
+              <a:defRPr>
+                <a:solidFill>
+                  <a:schemeClr val="tx2"/>
+                </a:solidFill>
+              </a:defRPr>
+            </a:lvl2pPr>
+            <a:lvl3pPr>
+              <a:defRPr>
+                <a:solidFill>
+                  <a:schemeClr val="tx2"/>
+                </a:solidFill>
+              </a:defRPr>
+            </a:lvl3pPr>
+            <a:lvl4pPr>
+              <a:defRPr>
+                <a:solidFill>
+                  <a:schemeClr val="tx2"/>
+                </a:solidFill>
+              </a:defRPr>
+            </a:lvl4pPr>
+            <a:lvl5pPr>
+              <a:defRPr>
+                <a:solidFill>
+                  <a:schemeClr val="tx2"/>
+                </a:solidFill>
+              </a:defRPr>
+            </a:lvl5pPr>
+            <a:lvl6pPr>
+              <a:defRPr>
+                <a:solidFill>
+                  <a:schemeClr val="tx2"/>
+                </a:solidFill>
+              </a:defRPr>
+            </a:lvl6pPr>
+            <a:lvl7pPr>
+              <a:defRPr>
+                <a:solidFill>
+                  <a:schemeClr val="tx2"/>
+                </a:solidFill>
+              </a:defRPr>
+            </a:lvl7pPr>
+            <a:lvl8pPr>
+              <a:defRPr>
+                <a:solidFill>
+                  <a:schemeClr val="tx2"/>
+                </a:solidFill>
+              </a:defRPr>
+            </a:lvl8pPr>
+            <a:lvl9pPr>
+              <a:defRPr>
+                <a:solidFill>
+                  <a:schemeClr val="tx2"/>
+                </a:solidFill>
+              </a:defRPr>
+            </a:lvl9pPr>
+          </a:lstStyle>
+          <a:p>
+            <a:pPr lvl="0" algn="r"/>
+            <a:r>
+              <a:rPr lang="en-US" sz="8000" dirty="0">
+                <a:solidFill>
+                  <a:schemeClr val="tx1"/>
+                </a:solidFill>
+                <a:effectLst/>
+              </a:rPr>
+              <a:t>”</a:t>
+            </a:r>
+          </a:p>
+        </p:txBody>
+      </p:sp>
+    </p:spTree>
+    <p:extLst>
+      <p:ext uri="{BB962C8B-B14F-4D97-AF65-F5344CB8AC3E}">
+        <p14:creationId xmlns:p14="http://schemas.microsoft.com/office/powerpoint/2010/main" val="231936604"/>
+      </p:ext>
+    </p:extLst>
+  </p:cSld>
+  <p:clrMapOvr>
+    <a:masterClrMapping/>
+  </p:clrMapOvr>
+</p:sldLayout>
+</file>
+
+<file path=ppt/slideLayouts/slideLayout35.xml><?xml version="1.0" encoding="utf-8"?>
+<p:sldLayout xmlns:a="http://schemas.openxmlformats.org/drawingml/2006/main" xmlns:r="http://schemas.openxmlformats.org/officeDocument/2006/relationships" xmlns:p="http://schemas.openxmlformats.org/presentationml/2006/main" showMasterSp="0" preserve="1">
+  <p:cSld name="名片">
+    <p:spTree>
+      <p:nvGrpSpPr>
+        <p:cNvPr id="1" name=""/>
+        <p:cNvGrpSpPr/>
+        <p:nvPr/>
+      </p:nvGrpSpPr>
+      <p:grpSpPr>
+        <a:xfrm>
+          <a:off x="0" y="0"/>
+          <a:ext cx="0" cy="0"/>
+          <a:chOff x="0" y="0"/>
+          <a:chExt cx="0" cy="0"/>
+        </a:xfrm>
+      </p:grpSpPr>
+      <p:pic>
+        <p:nvPicPr>
+          <p:cNvPr id="9" name="Picture 8" descr="C0-HD-BTM.png"/>
+          <p:cNvPicPr>
+            <a:picLocks noChangeAspect="1"/>
+          </p:cNvPicPr>
+          <p:nvPr/>
+        </p:nvPicPr>
+        <p:blipFill>
+          <a:blip r:embed="rId2">
+            <a:extLst>
+              <a:ext uri="{28A0092B-C50C-407E-A947-70E740481C1C}">
+                <a14:useLocalDpi xmlns:a14="http://schemas.microsoft.com/office/drawing/2010/main" val="0"/>
+              </a:ext>
+            </a:extLst>
+          </a:blip>
+          <a:stretch>
+            <a:fillRect/>
+          </a:stretch>
+        </p:blipFill>
+        <p:spPr>
+          <a:xfrm>
+            <a:off x="0" y="4375150"/>
+            <a:ext cx="12192000" cy="2482850"/>
+          </a:xfrm>
+          <a:prstGeom prst="rect">
+            <a:avLst/>
+          </a:prstGeom>
+        </p:spPr>
+      </p:pic>
+      <p:sp>
+        <p:nvSpPr>
+          <p:cNvPr id="2" name="Title 1"/>
+          <p:cNvSpPr>
+            <a:spLocks noGrp="1"/>
+          </p:cNvSpPr>
+          <p:nvPr>
+            <p:ph type="title"/>
+          </p:nvPr>
+        </p:nvSpPr>
+        <p:spPr>
+          <a:xfrm>
+            <a:off x="1024495" y="1124701"/>
+            <a:ext cx="10146186" cy="2511835"/>
+          </a:xfrm>
+        </p:spPr>
+        <p:txBody>
+          <a:bodyPr anchor="b"/>
+          <a:lstStyle>
+            <a:lvl1pPr algn="l">
+              <a:defRPr sz="3200"/>
+            </a:lvl1pPr>
+          </a:lstStyle>
+          <a:p>
+            <a:r>
+              <a:rPr lang="zh-CN" altLang="en-US"/>
+              <a:t>单击此处编辑母版标题样式</a:t>
+            </a:r>
+            <a:endParaRPr lang="en-US" dirty="0"/>
+          </a:p>
+        </p:txBody>
+      </p:sp>
+      <p:sp>
+        <p:nvSpPr>
+          <p:cNvPr id="4" name="Text Placeholder 3"/>
+          <p:cNvSpPr>
+            <a:spLocks noGrp="1"/>
+          </p:cNvSpPr>
+          <p:nvPr>
+            <p:ph type="body" sz="half" idx="2"/>
+          </p:nvPr>
+        </p:nvSpPr>
+        <p:spPr>
+          <a:xfrm>
+            <a:off x="1024467" y="3648315"/>
+            <a:ext cx="10144654" cy="999885"/>
+          </a:xfrm>
+        </p:spPr>
+        <p:txBody>
+          <a:bodyPr anchor="t"/>
+          <a:lstStyle>
+            <a:lvl1pPr marL="0" indent="0">
+              <a:buNone/>
+              <a:defRPr sz="1600"/>
+            </a:lvl1pPr>
+            <a:lvl2pPr marL="457200" indent="0">
+              <a:buNone/>
+              <a:defRPr sz="1400"/>
+            </a:lvl2pPr>
+            <a:lvl3pPr marL="914400" indent="0">
+              <a:buNone/>
+              <a:defRPr sz="1200"/>
+            </a:lvl3pPr>
+            <a:lvl4pPr marL="1371600" indent="0">
+              <a:buNone/>
+              <a:defRPr sz="1000"/>
+            </a:lvl4pPr>
+            <a:lvl5pPr marL="1828800" indent="0">
+              <a:buNone/>
+              <a:defRPr sz="1000"/>
+            </a:lvl5pPr>
+            <a:lvl6pPr marL="2286000" indent="0">
+              <a:buNone/>
+              <a:defRPr sz="1000"/>
+            </a:lvl6pPr>
+            <a:lvl7pPr marL="2743200" indent="0">
+              <a:buNone/>
+              <a:defRPr sz="1000"/>
+            </a:lvl7pPr>
+            <a:lvl8pPr marL="3200400" indent="0">
+              <a:buNone/>
+              <a:defRPr sz="1000"/>
+            </a:lvl8pPr>
+            <a:lvl9pPr marL="3657600" indent="0">
+              <a:buNone/>
+              <a:defRPr sz="1000"/>
+            </a:lvl9pPr>
+          </a:lstStyle>
+          <a:p>
+            <a:pPr lvl="0"/>
+            <a:r>
+              <a:rPr lang="zh-CN" altLang="en-US"/>
+              <a:t>编辑母版文本样式</a:t>
+            </a:r>
+          </a:p>
+        </p:txBody>
+      </p:sp>
+      <p:sp>
+        <p:nvSpPr>
+          <p:cNvPr id="5" name="Date Placeholder 4"/>
+          <p:cNvSpPr>
+            <a:spLocks noGrp="1"/>
+          </p:cNvSpPr>
+          <p:nvPr>
+            <p:ph type="dt" sz="half" idx="10"/>
+          </p:nvPr>
+        </p:nvSpPr>
+        <p:spPr>
+          <a:xfrm>
+            <a:off x="7814452" y="378883"/>
+            <a:ext cx="2910840" cy="365125"/>
+          </a:xfrm>
+        </p:spPr>
+        <p:txBody>
+          <a:bodyPr/>
+          <a:lstStyle>
+            <a:lvl1pPr algn="r">
+              <a:defRPr/>
+            </a:lvl1pPr>
+          </a:lstStyle>
+          <a:p>
+            <a:fld id="{C7DE3245-AFA4-488B-9D03-49FA6ABE44D9}" type="datetimeFigureOut">
+              <a:rPr lang="zh-CN" altLang="en-US" smtClean="0"/>
+              <a:t>2018/8/6</a:t>
+            </a:fld>
+            <a:endParaRPr lang="zh-CN" altLang="en-US"/>
+          </a:p>
+        </p:txBody>
+      </p:sp>
+      <p:sp>
+        <p:nvSpPr>
+          <p:cNvPr id="6" name="Footer Placeholder 5"/>
+          <p:cNvSpPr>
+            <a:spLocks noGrp="1"/>
+          </p:cNvSpPr>
+          <p:nvPr>
+            <p:ph type="ftr" sz="quarter" idx="11"/>
+          </p:nvPr>
+        </p:nvSpPr>
+        <p:spPr>
+          <a:xfrm>
+            <a:off x="685800" y="378883"/>
+            <a:ext cx="6991492" cy="365125"/>
+          </a:xfrm>
+        </p:spPr>
+        <p:txBody>
+          <a:bodyPr/>
+          <a:lstStyle/>
+          <a:p>
+            <a:endParaRPr lang="zh-CN" altLang="en-US"/>
+          </a:p>
+        </p:txBody>
+      </p:sp>
+      <p:sp>
+        <p:nvSpPr>
+          <p:cNvPr id="7" name="Slide Number Placeholder 6"/>
+          <p:cNvSpPr>
+            <a:spLocks noGrp="1"/>
+          </p:cNvSpPr>
+          <p:nvPr>
+            <p:ph type="sldNum" sz="quarter" idx="12"/>
+          </p:nvPr>
+        </p:nvSpPr>
+        <p:spPr>
+          <a:xfrm>
+            <a:off x="10862452" y="381000"/>
+            <a:ext cx="643748" cy="365125"/>
+          </a:xfrm>
+        </p:spPr>
+        <p:txBody>
+          <a:bodyPr/>
+          <a:lstStyle/>
+          <a:p>
+            <a:fld id="{65067B8F-3EF2-4C75-A2A5-8E8ACCC3870F}" type="slidenum">
+              <a:rPr lang="zh-CN" altLang="en-US" smtClean="0"/>
+              <a:t>‹#›</a:t>
+            </a:fld>
+            <a:endParaRPr lang="zh-CN" altLang="en-US"/>
+          </a:p>
+        </p:txBody>
+      </p:sp>
+    </p:spTree>
+    <p:extLst>
+      <p:ext uri="{BB962C8B-B14F-4D97-AF65-F5344CB8AC3E}">
+        <p14:creationId xmlns:p14="http://schemas.microsoft.com/office/powerpoint/2010/main" val="1937739170"/>
+      </p:ext>
+    </p:extLst>
+  </p:cSld>
+  <p:clrMapOvr>
+    <a:masterClrMapping/>
+  </p:clrMapOvr>
+</p:sldLayout>
+</file>
+
+<file path=ppt/slideLayouts/slideLayout36.xml><?xml version="1.0" encoding="utf-8"?>
+<p:sldLayout xmlns:a="http://schemas.openxmlformats.org/drawingml/2006/main" xmlns:r="http://schemas.openxmlformats.org/officeDocument/2006/relationships" xmlns:p="http://schemas.openxmlformats.org/presentationml/2006/main" preserve="1">
+  <p:cSld name="3 栏">
+    <p:spTree>
+      <p:nvGrpSpPr>
+        <p:cNvPr id="1" name=""/>
+        <p:cNvGrpSpPr/>
+        <p:nvPr/>
+      </p:nvGrpSpPr>
+      <p:grpSpPr>
+        <a:xfrm>
+          <a:off x="0" y="0"/>
+          <a:ext cx="0" cy="0"/>
+          <a:chOff x="0" y="0"/>
+          <a:chExt cx="0" cy="0"/>
+        </a:xfrm>
+      </p:grpSpPr>
+      <p:sp>
+        <p:nvSpPr>
+          <p:cNvPr id="15" name="Title 1"/>
+          <p:cNvSpPr>
+            <a:spLocks noGrp="1"/>
+          </p:cNvSpPr>
+          <p:nvPr>
+            <p:ph type="title"/>
+          </p:nvPr>
+        </p:nvSpPr>
+        <p:spPr>
+          <a:xfrm>
+            <a:off x="2895600" y="761999"/>
+            <a:ext cx="8610599" cy="1303867"/>
+          </a:xfrm>
+        </p:spPr>
+        <p:txBody>
+          <a:bodyPr/>
+          <a:lstStyle/>
+          <a:p>
+            <a:r>
+              <a:rPr lang="zh-CN" altLang="en-US"/>
+              <a:t>单击此处编辑母版标题样式</a:t>
+            </a:r>
+            <a:endParaRPr lang="en-US" dirty="0"/>
+          </a:p>
+        </p:txBody>
+      </p:sp>
+      <p:sp>
+        <p:nvSpPr>
+          <p:cNvPr id="7" name="Text Placeholder 2"/>
+          <p:cNvSpPr>
+            <a:spLocks noGrp="1"/>
+          </p:cNvSpPr>
+          <p:nvPr>
+            <p:ph type="body" idx="1"/>
+          </p:nvPr>
+        </p:nvSpPr>
+        <p:spPr>
+          <a:xfrm>
+            <a:off x="685800" y="2202080"/>
+            <a:ext cx="3456432" cy="617320"/>
+          </a:xfrm>
+        </p:spPr>
+        <p:txBody>
+          <a:bodyPr anchor="b">
+            <a:noAutofit/>
+          </a:bodyPr>
+          <a:lstStyle>
+            <a:lvl1pPr marL="0" indent="0">
+              <a:buNone/>
+              <a:defRPr sz="2400" b="0">
+                <a:solidFill>
+                  <a:schemeClr val="tx1"/>
+                </a:solidFill>
+              </a:defRPr>
+            </a:lvl1pPr>
+            <a:lvl2pPr marL="457200" indent="0">
+              <a:buNone/>
+              <a:defRPr sz="2000" b="1"/>
+            </a:lvl2pPr>
+            <a:lvl3pPr marL="914400" indent="0">
+              <a:buNone/>
+              <a:defRPr sz="1800" b="1"/>
+            </a:lvl3pPr>
+            <a:lvl4pPr marL="1371600" indent="0">
+              <a:buNone/>
+              <a:defRPr sz="1600" b="1"/>
+            </a:lvl4pPr>
+            <a:lvl5pPr marL="1828800" indent="0">
+              <a:buNone/>
+              <a:defRPr sz="1600" b="1"/>
+            </a:lvl5pPr>
+            <a:lvl6pPr marL="2286000" indent="0">
+              <a:buNone/>
+              <a:defRPr sz="1600" b="1"/>
+            </a:lvl6pPr>
+            <a:lvl7pPr marL="2743200" indent="0">
+              <a:buNone/>
+              <a:defRPr sz="1600" b="1"/>
+            </a:lvl7pPr>
+            <a:lvl8pPr marL="3200400" indent="0">
+              <a:buNone/>
+              <a:defRPr sz="1600" b="1"/>
+            </a:lvl8pPr>
+            <a:lvl9pPr marL="3657600" indent="0">
+              <a:buNone/>
+              <a:defRPr sz="1600" b="1"/>
+            </a:lvl9pPr>
+          </a:lstStyle>
+          <a:p>
+            <a:pPr lvl="0"/>
+            <a:r>
+              <a:rPr lang="zh-CN" altLang="en-US"/>
+              <a:t>编辑母版文本样式</a:t>
+            </a:r>
+          </a:p>
+        </p:txBody>
+      </p:sp>
+      <p:sp>
+        <p:nvSpPr>
+          <p:cNvPr id="8" name="Text Placeholder 3"/>
+          <p:cNvSpPr>
+            <a:spLocks noGrp="1"/>
+          </p:cNvSpPr>
+          <p:nvPr>
+            <p:ph type="body" sz="half" idx="15"/>
+          </p:nvPr>
+        </p:nvSpPr>
+        <p:spPr>
+          <a:xfrm>
+            <a:off x="685799" y="2904565"/>
+            <a:ext cx="3456432" cy="3314132"/>
+          </a:xfrm>
+        </p:spPr>
+        <p:txBody>
+          <a:bodyPr anchor="t">
+            <a:normAutofit/>
+          </a:bodyPr>
+          <a:lstStyle>
+            <a:lvl1pPr marL="0" indent="0">
+              <a:buNone/>
+              <a:defRPr sz="1400"/>
+            </a:lvl1pPr>
+            <a:lvl2pPr marL="457200" indent="0">
+              <a:buNone/>
+              <a:defRPr sz="1200"/>
+            </a:lvl2pPr>
+            <a:lvl3pPr marL="914400" indent="0">
+              <a:buNone/>
+              <a:defRPr sz="1000"/>
+            </a:lvl3pPr>
+            <a:lvl4pPr marL="1371600" indent="0">
+              <a:buNone/>
+              <a:defRPr sz="900"/>
+            </a:lvl4pPr>
+            <a:lvl5pPr marL="1828800" indent="0">
+              <a:buNone/>
+              <a:defRPr sz="900"/>
+            </a:lvl5pPr>
+            <a:lvl6pPr marL="2286000" indent="0">
+              <a:buNone/>
+              <a:defRPr sz="900"/>
+            </a:lvl6pPr>
+            <a:lvl7pPr marL="2743200" indent="0">
+              <a:buNone/>
+              <a:defRPr sz="900"/>
+            </a:lvl7pPr>
+            <a:lvl8pPr marL="3200400" indent="0">
+              <a:buNone/>
+              <a:defRPr sz="900"/>
+            </a:lvl8pPr>
+            <a:lvl9pPr marL="3657600" indent="0">
+              <a:buNone/>
+              <a:defRPr sz="900"/>
+            </a:lvl9pPr>
+          </a:lstStyle>
+          <a:p>
+            <a:pPr lvl="0"/>
+            <a:r>
+              <a:rPr lang="zh-CN" altLang="en-US"/>
+              <a:t>编辑母版文本样式</a:t>
+            </a:r>
+          </a:p>
+        </p:txBody>
+      </p:sp>
+      <p:sp>
+        <p:nvSpPr>
+          <p:cNvPr id="9" name="Text Placeholder 4"/>
+          <p:cNvSpPr>
+            <a:spLocks noGrp="1"/>
+          </p:cNvSpPr>
+          <p:nvPr>
+            <p:ph type="body" sz="quarter" idx="3"/>
+          </p:nvPr>
+        </p:nvSpPr>
+        <p:spPr>
+          <a:xfrm>
+            <a:off x="4368800" y="2201333"/>
+            <a:ext cx="3456432" cy="626534"/>
+          </a:xfrm>
+        </p:spPr>
+        <p:txBody>
+          <a:bodyPr anchor="b">
+            <a:noAutofit/>
+          </a:bodyPr>
+          <a:lstStyle>
+            <a:lvl1pPr marL="0" indent="0">
+              <a:buNone/>
+              <a:defRPr sz="2400" b="0">
+                <a:solidFill>
+                  <a:schemeClr val="tx1"/>
+                </a:solidFill>
+              </a:defRPr>
+            </a:lvl1pPr>
+            <a:lvl2pPr marL="457200" indent="0">
+              <a:buNone/>
+              <a:defRPr sz="2000" b="1"/>
+            </a:lvl2pPr>
+            <a:lvl3pPr marL="914400" indent="0">
+              <a:buNone/>
+              <a:defRPr sz="1800" b="1"/>
+            </a:lvl3pPr>
+            <a:lvl4pPr marL="1371600" indent="0">
+              <a:buNone/>
+              <a:defRPr sz="1600" b="1"/>
+            </a:lvl4pPr>
+            <a:lvl5pPr marL="1828800" indent="0">
+              <a:buNone/>
+              <a:defRPr sz="1600" b="1"/>
+            </a:lvl5pPr>
+            <a:lvl6pPr marL="2286000" indent="0">
+              <a:buNone/>
+              <a:defRPr sz="1600" b="1"/>
+            </a:lvl6pPr>
+            <a:lvl7pPr marL="2743200" indent="0">
+              <a:buNone/>
+              <a:defRPr sz="1600" b="1"/>
+            </a:lvl7pPr>
+            <a:lvl8pPr marL="3200400" indent="0">
+              <a:buNone/>
+              <a:defRPr sz="1600" b="1"/>
+            </a:lvl8pPr>
+            <a:lvl9pPr marL="3657600" indent="0">
+              <a:buNone/>
+              <a:defRPr sz="1600" b="1"/>
+            </a:lvl9pPr>
+          </a:lstStyle>
+          <a:p>
+            <a:pPr lvl="0"/>
+            <a:r>
+              <a:rPr lang="zh-CN" altLang="en-US"/>
+              <a:t>编辑母版文本样式</a:t>
+            </a:r>
+          </a:p>
+        </p:txBody>
+      </p:sp>
+      <p:sp>
+        <p:nvSpPr>
+          <p:cNvPr id="10" name="Text Placeholder 3"/>
+          <p:cNvSpPr>
+            <a:spLocks noGrp="1"/>
+          </p:cNvSpPr>
+          <p:nvPr>
+            <p:ph type="body" sz="half" idx="16"/>
+          </p:nvPr>
+        </p:nvSpPr>
+        <p:spPr>
+          <a:xfrm>
+            <a:off x="4366858" y="2904067"/>
+            <a:ext cx="3456432" cy="3314618"/>
+          </a:xfrm>
+        </p:spPr>
+        <p:txBody>
+          <a:bodyPr anchor="t">
+            <a:normAutofit/>
+          </a:bodyPr>
+          <a:lstStyle>
+            <a:lvl1pPr marL="0" indent="0">
+              <a:buNone/>
+              <a:defRPr sz="1400"/>
+            </a:lvl1pPr>
+            <a:lvl2pPr marL="457200" indent="0">
+              <a:buNone/>
+              <a:defRPr sz="1200"/>
+            </a:lvl2pPr>
+            <a:lvl3pPr marL="914400" indent="0">
+              <a:buNone/>
+              <a:defRPr sz="1000"/>
+            </a:lvl3pPr>
+            <a:lvl4pPr marL="1371600" indent="0">
+              <a:buNone/>
+              <a:defRPr sz="900"/>
+            </a:lvl4pPr>
+            <a:lvl5pPr marL="1828800" indent="0">
+              <a:buNone/>
+              <a:defRPr sz="900"/>
+            </a:lvl5pPr>
+            <a:lvl6pPr marL="2286000" indent="0">
+              <a:buNone/>
+              <a:defRPr sz="900"/>
+            </a:lvl6pPr>
+            <a:lvl7pPr marL="2743200" indent="0">
+              <a:buNone/>
+              <a:defRPr sz="900"/>
+            </a:lvl7pPr>
+            <a:lvl8pPr marL="3200400" indent="0">
+              <a:buNone/>
+              <a:defRPr sz="900"/>
+            </a:lvl8pPr>
+            <a:lvl9pPr marL="3657600" indent="0">
+              <a:buNone/>
+              <a:defRPr sz="900"/>
+            </a:lvl9pPr>
+          </a:lstStyle>
+          <a:p>
+            <a:pPr lvl="0"/>
+            <a:r>
+              <a:rPr lang="zh-CN" altLang="en-US"/>
+              <a:t>编辑母版文本样式</a:t>
+            </a:r>
+          </a:p>
+        </p:txBody>
+      </p:sp>
+      <p:sp>
+        <p:nvSpPr>
+          <p:cNvPr id="11" name="Text Placeholder 4"/>
+          <p:cNvSpPr>
+            <a:spLocks noGrp="1"/>
+          </p:cNvSpPr>
+          <p:nvPr>
+            <p:ph type="body" sz="quarter" idx="13"/>
+          </p:nvPr>
+        </p:nvSpPr>
+        <p:spPr>
+          <a:xfrm>
+            <a:off x="8051800" y="2192866"/>
+            <a:ext cx="3456432" cy="626534"/>
+          </a:xfrm>
+        </p:spPr>
+        <p:txBody>
+          <a:bodyPr anchor="b">
+            <a:noAutofit/>
+          </a:bodyPr>
+          <a:lstStyle>
+            <a:lvl1pPr marL="0" indent="0">
+              <a:buNone/>
+              <a:defRPr sz="2400" b="0">
+                <a:solidFill>
+                  <a:schemeClr val="tx1"/>
+                </a:solidFill>
+              </a:defRPr>
+            </a:lvl1pPr>
+            <a:lvl2pPr marL="457200" indent="0">
+              <a:buNone/>
+              <a:defRPr sz="2000" b="1"/>
+            </a:lvl2pPr>
+            <a:lvl3pPr marL="914400" indent="0">
+              <a:buNone/>
+              <a:defRPr sz="1800" b="1"/>
+            </a:lvl3pPr>
+            <a:lvl4pPr marL="1371600" indent="0">
+              <a:buNone/>
+              <a:defRPr sz="1600" b="1"/>
+            </a:lvl4pPr>
+            <a:lvl5pPr marL="1828800" indent="0">
+              <a:buNone/>
+              <a:defRPr sz="1600" b="1"/>
+            </a:lvl5pPr>
+            <a:lvl6pPr marL="2286000" indent="0">
+              <a:buNone/>
+              <a:defRPr sz="1600" b="1"/>
+            </a:lvl6pPr>
+            <a:lvl7pPr marL="2743200" indent="0">
+              <a:buNone/>
+              <a:defRPr sz="1600" b="1"/>
+            </a:lvl7pPr>
+            <a:lvl8pPr marL="3200400" indent="0">
+              <a:buNone/>
+              <a:defRPr sz="1600" b="1"/>
+            </a:lvl8pPr>
+            <a:lvl9pPr marL="3657600" indent="0">
+              <a:buNone/>
+              <a:defRPr sz="1600" b="1"/>
+            </a:lvl9pPr>
+          </a:lstStyle>
+          <a:p>
+            <a:pPr lvl="0"/>
+            <a:r>
+              <a:rPr lang="zh-CN" altLang="en-US"/>
+              <a:t>编辑母版文本样式</a:t>
+            </a:r>
+          </a:p>
+        </p:txBody>
+      </p:sp>
+      <p:sp>
+        <p:nvSpPr>
+          <p:cNvPr id="12" name="Text Placeholder 3"/>
+          <p:cNvSpPr>
+            <a:spLocks noGrp="1"/>
+          </p:cNvSpPr>
+          <p:nvPr>
+            <p:ph type="body" sz="half" idx="17"/>
+          </p:nvPr>
+        </p:nvSpPr>
+        <p:spPr>
+          <a:xfrm>
+            <a:off x="8051801" y="2904565"/>
+            <a:ext cx="3456432" cy="3314132"/>
+          </a:xfrm>
+        </p:spPr>
+        <p:txBody>
+          <a:bodyPr anchor="t">
+            <a:normAutofit/>
+          </a:bodyPr>
+          <a:lstStyle>
+            <a:lvl1pPr marL="0" indent="0">
+              <a:buNone/>
+              <a:defRPr sz="1400"/>
+            </a:lvl1pPr>
+            <a:lvl2pPr marL="457200" indent="0">
+              <a:buNone/>
+              <a:defRPr sz="1200"/>
+            </a:lvl2pPr>
+            <a:lvl3pPr marL="914400" indent="0">
+              <a:buNone/>
+              <a:defRPr sz="1000"/>
+            </a:lvl3pPr>
+            <a:lvl4pPr marL="1371600" indent="0">
+              <a:buNone/>
+              <a:defRPr sz="900"/>
+            </a:lvl4pPr>
+            <a:lvl5pPr marL="1828800" indent="0">
+              <a:buNone/>
+              <a:defRPr sz="900"/>
+            </a:lvl5pPr>
+            <a:lvl6pPr marL="2286000" indent="0">
+              <a:buNone/>
+              <a:defRPr sz="900"/>
+            </a:lvl6pPr>
+            <a:lvl7pPr marL="2743200" indent="0">
+              <a:buNone/>
+              <a:defRPr sz="900"/>
+            </a:lvl7pPr>
+            <a:lvl8pPr marL="3200400" indent="0">
+              <a:buNone/>
+              <a:defRPr sz="900"/>
+            </a:lvl8pPr>
+            <a:lvl9pPr marL="3657600" indent="0">
+              <a:buNone/>
+              <a:defRPr sz="900"/>
+            </a:lvl9pPr>
+          </a:lstStyle>
+          <a:p>
+            <a:pPr lvl="0"/>
+            <a:r>
+              <a:rPr lang="zh-CN" altLang="en-US"/>
+              <a:t>编辑母版文本样式</a:t>
+            </a:r>
+          </a:p>
+        </p:txBody>
+      </p:sp>
+      <p:sp>
+        <p:nvSpPr>
+          <p:cNvPr id="3" name="Date Placeholder 2"/>
+          <p:cNvSpPr>
+            <a:spLocks noGrp="1"/>
+          </p:cNvSpPr>
+          <p:nvPr>
+            <p:ph type="dt" sz="half" idx="10"/>
+          </p:nvPr>
+        </p:nvSpPr>
+        <p:spPr/>
+        <p:txBody>
+          <a:bodyPr/>
+          <a:lstStyle/>
+          <a:p>
+            <a:fld id="{C7DE3245-AFA4-488B-9D03-49FA6ABE44D9}" type="datetimeFigureOut">
+              <a:rPr lang="zh-CN" altLang="en-US" smtClean="0"/>
+              <a:t>2018/8/6</a:t>
+            </a:fld>
+            <a:endParaRPr lang="zh-CN" altLang="en-US"/>
+          </a:p>
+        </p:txBody>
+      </p:sp>
+      <p:sp>
+        <p:nvSpPr>
+          <p:cNvPr id="4" name="Footer Placeholder 3"/>
+          <p:cNvSpPr>
+            <a:spLocks noGrp="1"/>
+          </p:cNvSpPr>
+          <p:nvPr>
+            <p:ph type="ftr" sz="quarter" idx="11"/>
+          </p:nvPr>
+        </p:nvSpPr>
+        <p:spPr/>
+        <p:txBody>
+          <a:bodyPr/>
+          <a:lstStyle/>
+          <a:p>
+            <a:endParaRPr lang="zh-CN" altLang="en-US"/>
+          </a:p>
+        </p:txBody>
+      </p:sp>
+      <p:sp>
+        <p:nvSpPr>
+          <p:cNvPr id="5" name="Slide Number Placeholder 4"/>
+          <p:cNvSpPr>
+            <a:spLocks noGrp="1"/>
+          </p:cNvSpPr>
+          <p:nvPr>
+            <p:ph type="sldNum" sz="quarter" idx="12"/>
+          </p:nvPr>
+        </p:nvSpPr>
+        <p:spPr/>
+        <p:txBody>
+          <a:bodyPr/>
+          <a:lstStyle/>
+          <a:p>
+            <a:fld id="{65067B8F-3EF2-4C75-A2A5-8E8ACCC3870F}" type="slidenum">
+              <a:rPr lang="zh-CN" altLang="en-US" smtClean="0"/>
+              <a:t>‹#›</a:t>
+            </a:fld>
+            <a:endParaRPr lang="zh-CN" altLang="en-US"/>
+          </a:p>
+        </p:txBody>
+      </p:sp>
+    </p:spTree>
+    <p:extLst>
+      <p:ext uri="{BB962C8B-B14F-4D97-AF65-F5344CB8AC3E}">
+        <p14:creationId xmlns:p14="http://schemas.microsoft.com/office/powerpoint/2010/main" val="3400830572"/>
+      </p:ext>
+    </p:extLst>
+  </p:cSld>
+  <p:clrMapOvr>
+    <a:masterClrMapping/>
+  </p:clrMapOvr>
+</p:sldLayout>
+</file>
+
+<file path=ppt/slideLayouts/slideLayout37.xml><?xml version="1.0" encoding="utf-8"?>
+<p:sldLayout xmlns:a="http://schemas.openxmlformats.org/drawingml/2006/main" xmlns:r="http://schemas.openxmlformats.org/officeDocument/2006/relationships" xmlns:p="http://schemas.openxmlformats.org/presentationml/2006/main" preserve="1">
+  <p:cSld name="3 图片栏">
+    <p:spTree>
+      <p:nvGrpSpPr>
+        <p:cNvPr id="1" name=""/>
+        <p:cNvGrpSpPr/>
+        <p:nvPr/>
+      </p:nvGrpSpPr>
+      <p:grpSpPr>
+        <a:xfrm>
+          <a:off x="0" y="0"/>
+          <a:ext cx="0" cy="0"/>
+          <a:chOff x="0" y="0"/>
+          <a:chExt cx="0" cy="0"/>
+        </a:xfrm>
+      </p:grpSpPr>
+      <p:sp>
+        <p:nvSpPr>
+          <p:cNvPr id="30" name="Title 1"/>
+          <p:cNvSpPr>
+            <a:spLocks noGrp="1"/>
+          </p:cNvSpPr>
+          <p:nvPr>
+            <p:ph type="title"/>
+          </p:nvPr>
+        </p:nvSpPr>
+        <p:spPr>
+          <a:xfrm>
+            <a:off x="2895600" y="762000"/>
+            <a:ext cx="8610599" cy="1295400"/>
+          </a:xfrm>
+        </p:spPr>
+        <p:txBody>
+          <a:bodyPr/>
+          <a:lstStyle/>
+          <a:p>
+            <a:r>
+              <a:rPr lang="zh-CN" altLang="en-US"/>
+              <a:t>单击此处编辑母版标题样式</a:t>
+            </a:r>
+            <a:endParaRPr lang="en-US" dirty="0"/>
+          </a:p>
+        </p:txBody>
+      </p:sp>
+      <p:sp>
+        <p:nvSpPr>
+          <p:cNvPr id="19" name="Text Placeholder 2"/>
+          <p:cNvSpPr>
+            <a:spLocks noGrp="1"/>
+          </p:cNvSpPr>
+          <p:nvPr>
+            <p:ph type="body" idx="1"/>
+          </p:nvPr>
+        </p:nvSpPr>
+        <p:spPr>
+          <a:xfrm>
+            <a:off x="688618" y="4191000"/>
+            <a:ext cx="3451582" cy="682765"/>
+          </a:xfrm>
+        </p:spPr>
+        <p:txBody>
+          <a:bodyPr anchor="b">
+            <a:noAutofit/>
+          </a:bodyPr>
+          <a:lstStyle>
+            <a:lvl1pPr marL="0" indent="0">
+              <a:buNone/>
+              <a:defRPr sz="2400" b="0">
+                <a:solidFill>
+                  <a:schemeClr val="tx1"/>
+                </a:solidFill>
+              </a:defRPr>
+            </a:lvl1pPr>
+            <a:lvl2pPr marL="457200" indent="0">
+              <a:buNone/>
+              <a:defRPr sz="2000" b="1"/>
+            </a:lvl2pPr>
+            <a:lvl3pPr marL="914400" indent="0">
+              <a:buNone/>
+              <a:defRPr sz="1800" b="1"/>
+            </a:lvl3pPr>
+            <a:lvl4pPr marL="1371600" indent="0">
+              <a:buNone/>
+              <a:defRPr sz="1600" b="1"/>
+            </a:lvl4pPr>
+            <a:lvl5pPr marL="1828800" indent="0">
+              <a:buNone/>
+              <a:defRPr sz="1600" b="1"/>
+            </a:lvl5pPr>
+            <a:lvl6pPr marL="2286000" indent="0">
+              <a:buNone/>
+              <a:defRPr sz="1600" b="1"/>
+            </a:lvl6pPr>
+            <a:lvl7pPr marL="2743200" indent="0">
+              <a:buNone/>
+              <a:defRPr sz="1600" b="1"/>
+            </a:lvl7pPr>
+            <a:lvl8pPr marL="3200400" indent="0">
+              <a:buNone/>
+              <a:defRPr sz="1600" b="1"/>
+            </a:lvl8pPr>
+            <a:lvl9pPr marL="3657600" indent="0">
+              <a:buNone/>
+              <a:defRPr sz="1600" b="1"/>
+            </a:lvl9pPr>
+          </a:lstStyle>
+          <a:p>
+            <a:pPr lvl="0"/>
+            <a:r>
+              <a:rPr lang="zh-CN" altLang="en-US"/>
+              <a:t>编辑母版文本样式</a:t>
+            </a:r>
+          </a:p>
+        </p:txBody>
+      </p:sp>
+      <p:sp>
+        <p:nvSpPr>
+          <p:cNvPr id="20" name="Picture Placeholder 2"/>
+          <p:cNvSpPr>
+            <a:spLocks noGrp="1" noChangeAspect="1"/>
+          </p:cNvSpPr>
+          <p:nvPr>
+            <p:ph type="pic" idx="15"/>
+          </p:nvPr>
+        </p:nvSpPr>
+        <p:spPr>
+          <a:xfrm>
+            <a:off x="688618" y="2362200"/>
+            <a:ext cx="3451582" cy="1524000"/>
+          </a:xfrm>
+          <a:prstGeom prst="roundRect">
+            <a:avLst>
+              <a:gd name="adj" fmla="val 0"/>
+            </a:avLst>
+          </a:prstGeom>
+          <a:effectLst>
+            <a:outerShdw blurRad="50800" dist="50800" dir="5400000" algn="tl" rotWithShape="0">
+              <a:srgbClr val="000000">
+                <a:alpha val="43000"/>
+              </a:srgbClr>
+            </a:outerShdw>
+          </a:effectLst>
+        </p:spPr>
+        <p:txBody>
+          <a:bodyPr anchor="t">
+            <a:normAutofit/>
+          </a:bodyPr>
+          <a:lstStyle>
+            <a:lvl1pPr marL="0" indent="0" algn="ctr">
+              <a:buNone/>
+              <a:defRPr sz="1600"/>
+            </a:lvl1pPr>
+            <a:lvl2pPr marL="457200" indent="0">
+              <a:buNone/>
+              <a:defRPr sz="1600"/>
+            </a:lvl2pPr>
+            <a:lvl3pPr marL="914400" indent="0">
+              <a:buNone/>
+              <a:defRPr sz="1600"/>
+            </a:lvl3pPr>
+            <a:lvl4pPr marL="1371600" indent="0">
+              <a:buNone/>
+              <a:defRPr sz="1600"/>
+            </a:lvl4pPr>
+            <a:lvl5pPr marL="1828800" indent="0">
+              <a:buNone/>
+              <a:defRPr sz="1600"/>
+            </a:lvl5pPr>
+            <a:lvl6pPr marL="2286000" indent="0">
+              <a:buNone/>
+              <a:defRPr sz="1600"/>
+            </a:lvl6pPr>
+            <a:lvl7pPr marL="2743200" indent="0">
+              <a:buNone/>
+              <a:defRPr sz="1600"/>
+            </a:lvl7pPr>
+            <a:lvl8pPr marL="3200400" indent="0">
+              <a:buNone/>
+              <a:defRPr sz="1600"/>
+            </a:lvl8pPr>
+            <a:lvl9pPr marL="3657600" indent="0">
+              <a:buNone/>
+              <a:defRPr sz="1600"/>
+            </a:lvl9pPr>
+          </a:lstStyle>
+          <a:p>
+            <a:r>
+              <a:rPr lang="zh-CN" altLang="en-US"/>
+              <a:t>单击图标添加图片</a:t>
+            </a:r>
+            <a:endParaRPr lang="en-US" dirty="0"/>
+          </a:p>
+        </p:txBody>
+      </p:sp>
+      <p:sp>
+        <p:nvSpPr>
+          <p:cNvPr id="21" name="Text Placeholder 3"/>
+          <p:cNvSpPr>
+            <a:spLocks noGrp="1"/>
+          </p:cNvSpPr>
+          <p:nvPr>
+            <p:ph type="body" sz="half" idx="18"/>
+          </p:nvPr>
+        </p:nvSpPr>
+        <p:spPr>
+          <a:xfrm>
+            <a:off x="688618" y="4873764"/>
+            <a:ext cx="3451582" cy="1344921"/>
+          </a:xfrm>
+        </p:spPr>
+        <p:txBody>
+          <a:bodyPr anchor="t">
+            <a:normAutofit/>
+          </a:bodyPr>
+          <a:lstStyle>
+            <a:lvl1pPr marL="0" indent="0">
+              <a:buNone/>
+              <a:defRPr sz="1400"/>
+            </a:lvl1pPr>
+            <a:lvl2pPr marL="457200" indent="0">
+              <a:buNone/>
+              <a:defRPr sz="1200"/>
+            </a:lvl2pPr>
+            <a:lvl3pPr marL="914400" indent="0">
+              <a:buNone/>
+              <a:defRPr sz="1000"/>
+            </a:lvl3pPr>
+            <a:lvl4pPr marL="1371600" indent="0">
+              <a:buNone/>
+              <a:defRPr sz="900"/>
+            </a:lvl4pPr>
+            <a:lvl5pPr marL="1828800" indent="0">
+              <a:buNone/>
+              <a:defRPr sz="900"/>
+            </a:lvl5pPr>
+            <a:lvl6pPr marL="2286000" indent="0">
+              <a:buNone/>
+              <a:defRPr sz="900"/>
+            </a:lvl6pPr>
+            <a:lvl7pPr marL="2743200" indent="0">
+              <a:buNone/>
+              <a:defRPr sz="900"/>
+            </a:lvl7pPr>
+            <a:lvl8pPr marL="3200400" indent="0">
+              <a:buNone/>
+              <a:defRPr sz="900"/>
+            </a:lvl8pPr>
+            <a:lvl9pPr marL="3657600" indent="0">
+              <a:buNone/>
+              <a:defRPr sz="900"/>
+            </a:lvl9pPr>
+          </a:lstStyle>
+          <a:p>
+            <a:pPr lvl="0"/>
+            <a:r>
+              <a:rPr lang="zh-CN" altLang="en-US"/>
+              <a:t>编辑母版文本样式</a:t>
+            </a:r>
+          </a:p>
+        </p:txBody>
+      </p:sp>
+      <p:sp>
+        <p:nvSpPr>
+          <p:cNvPr id="22" name="Text Placeholder 4"/>
+          <p:cNvSpPr>
+            <a:spLocks noGrp="1"/>
+          </p:cNvSpPr>
+          <p:nvPr>
+            <p:ph type="body" sz="quarter" idx="3"/>
+          </p:nvPr>
+        </p:nvSpPr>
+        <p:spPr>
+          <a:xfrm>
+            <a:off x="4374263" y="4191000"/>
+            <a:ext cx="3448935" cy="682765"/>
+          </a:xfrm>
+        </p:spPr>
+        <p:txBody>
+          <a:bodyPr anchor="b">
+            <a:noAutofit/>
+          </a:bodyPr>
+          <a:lstStyle>
+            <a:lvl1pPr marL="0" indent="0">
+              <a:buNone/>
+              <a:defRPr sz="2400" b="0">
+                <a:solidFill>
+                  <a:schemeClr val="tx1"/>
+                </a:solidFill>
+              </a:defRPr>
+            </a:lvl1pPr>
+            <a:lvl2pPr marL="457200" indent="0">
+              <a:buNone/>
+              <a:defRPr sz="2000" b="1"/>
+            </a:lvl2pPr>
+            <a:lvl3pPr marL="914400" indent="0">
+              <a:buNone/>
+              <a:defRPr sz="1800" b="1"/>
+            </a:lvl3pPr>
+            <a:lvl4pPr marL="1371600" indent="0">
+              <a:buNone/>
+              <a:defRPr sz="1600" b="1"/>
+            </a:lvl4pPr>
+            <a:lvl5pPr marL="1828800" indent="0">
+              <a:buNone/>
+              <a:defRPr sz="1600" b="1"/>
+            </a:lvl5pPr>
+            <a:lvl6pPr marL="2286000" indent="0">
+              <a:buNone/>
+              <a:defRPr sz="1600" b="1"/>
+            </a:lvl6pPr>
+            <a:lvl7pPr marL="2743200" indent="0">
+              <a:buNone/>
+              <a:defRPr sz="1600" b="1"/>
+            </a:lvl7pPr>
+            <a:lvl8pPr marL="3200400" indent="0">
+              <a:buNone/>
+              <a:defRPr sz="1600" b="1"/>
+            </a:lvl8pPr>
+            <a:lvl9pPr marL="3657600" indent="0">
+              <a:buNone/>
+              <a:defRPr sz="1600" b="1"/>
+            </a:lvl9pPr>
+          </a:lstStyle>
+          <a:p>
+            <a:pPr lvl="0"/>
+            <a:r>
+              <a:rPr lang="zh-CN" altLang="en-US"/>
+              <a:t>编辑母版文本样式</a:t>
+            </a:r>
+          </a:p>
+        </p:txBody>
+      </p:sp>
+      <p:sp>
+        <p:nvSpPr>
+          <p:cNvPr id="23" name="Picture Placeholder 2"/>
+          <p:cNvSpPr>
+            <a:spLocks noGrp="1" noChangeAspect="1"/>
+          </p:cNvSpPr>
+          <p:nvPr>
+            <p:ph type="pic" idx="21"/>
+          </p:nvPr>
+        </p:nvSpPr>
+        <p:spPr>
+          <a:xfrm>
+            <a:off x="4374263" y="2362200"/>
+            <a:ext cx="3448936" cy="1524000"/>
+          </a:xfrm>
+          <a:prstGeom prst="roundRect">
+            <a:avLst>
+              <a:gd name="adj" fmla="val 0"/>
+            </a:avLst>
+          </a:prstGeom>
+          <a:effectLst>
+            <a:outerShdw blurRad="50800" dist="50800" dir="5400000" algn="tl" rotWithShape="0">
+              <a:srgbClr val="000000">
+                <a:alpha val="43000"/>
+              </a:srgbClr>
+            </a:outerShdw>
+          </a:effectLst>
+        </p:spPr>
+        <p:txBody>
+          <a:bodyPr anchor="t">
+            <a:normAutofit/>
+          </a:bodyPr>
+          <a:lstStyle>
+            <a:lvl1pPr marL="0" indent="0" algn="ctr">
+              <a:buNone/>
+              <a:defRPr sz="1600"/>
+            </a:lvl1pPr>
+            <a:lvl2pPr marL="457200" indent="0">
+              <a:buNone/>
+              <a:defRPr sz="1600"/>
+            </a:lvl2pPr>
+            <a:lvl3pPr marL="914400" indent="0">
+              <a:buNone/>
+              <a:defRPr sz="1600"/>
+            </a:lvl3pPr>
+            <a:lvl4pPr marL="1371600" indent="0">
+              <a:buNone/>
+              <a:defRPr sz="1600"/>
+            </a:lvl4pPr>
+            <a:lvl5pPr marL="1828800" indent="0">
+              <a:buNone/>
+              <a:defRPr sz="1600"/>
+            </a:lvl5pPr>
+            <a:lvl6pPr marL="2286000" indent="0">
+              <a:buNone/>
+              <a:defRPr sz="1600"/>
+            </a:lvl6pPr>
+            <a:lvl7pPr marL="2743200" indent="0">
+              <a:buNone/>
+              <a:defRPr sz="1600"/>
+            </a:lvl7pPr>
+            <a:lvl8pPr marL="3200400" indent="0">
+              <a:buNone/>
+              <a:defRPr sz="1600"/>
+            </a:lvl8pPr>
+            <a:lvl9pPr marL="3657600" indent="0">
+              <a:buNone/>
+              <a:defRPr sz="1600"/>
+            </a:lvl9pPr>
+          </a:lstStyle>
+          <a:p>
+            <a:r>
+              <a:rPr lang="zh-CN" altLang="en-US"/>
+              <a:t>单击图标添加图片</a:t>
+            </a:r>
+            <a:endParaRPr lang="en-US" dirty="0"/>
+          </a:p>
+        </p:txBody>
+      </p:sp>
+      <p:sp>
+        <p:nvSpPr>
+          <p:cNvPr id="24" name="Text Placeholder 3"/>
+          <p:cNvSpPr>
+            <a:spLocks noGrp="1"/>
+          </p:cNvSpPr>
+          <p:nvPr>
+            <p:ph type="body" sz="half" idx="19"/>
+          </p:nvPr>
+        </p:nvSpPr>
+        <p:spPr>
+          <a:xfrm>
+            <a:off x="4374264" y="4873763"/>
+            <a:ext cx="3448935" cy="1344921"/>
+          </a:xfrm>
+        </p:spPr>
+        <p:txBody>
+          <a:bodyPr anchor="t">
+            <a:normAutofit/>
+          </a:bodyPr>
+          <a:lstStyle>
+            <a:lvl1pPr marL="0" indent="0">
+              <a:buNone/>
+              <a:defRPr sz="1400"/>
+            </a:lvl1pPr>
+            <a:lvl2pPr marL="457200" indent="0">
+              <a:buNone/>
+              <a:defRPr sz="1200"/>
+            </a:lvl2pPr>
+            <a:lvl3pPr marL="914400" indent="0">
+              <a:buNone/>
+              <a:defRPr sz="1000"/>
+            </a:lvl3pPr>
+            <a:lvl4pPr marL="1371600" indent="0">
+              <a:buNone/>
+              <a:defRPr sz="900"/>
+            </a:lvl4pPr>
+            <a:lvl5pPr marL="1828800" indent="0">
+              <a:buNone/>
+              <a:defRPr sz="900"/>
+            </a:lvl5pPr>
+            <a:lvl6pPr marL="2286000" indent="0">
+              <a:buNone/>
+              <a:defRPr sz="900"/>
+            </a:lvl6pPr>
+            <a:lvl7pPr marL="2743200" indent="0">
+              <a:buNone/>
+              <a:defRPr sz="900"/>
+            </a:lvl7pPr>
+            <a:lvl8pPr marL="3200400" indent="0">
+              <a:buNone/>
+              <a:defRPr sz="900"/>
+            </a:lvl8pPr>
+            <a:lvl9pPr marL="3657600" indent="0">
+              <a:buNone/>
+              <a:defRPr sz="900"/>
+            </a:lvl9pPr>
+          </a:lstStyle>
+          <a:p>
+            <a:pPr lvl="0"/>
+            <a:r>
+              <a:rPr lang="zh-CN" altLang="en-US"/>
+              <a:t>编辑母版文本样式</a:t>
+            </a:r>
+          </a:p>
+        </p:txBody>
+      </p:sp>
+      <p:sp>
+        <p:nvSpPr>
+          <p:cNvPr id="25" name="Text Placeholder 4"/>
+          <p:cNvSpPr>
+            <a:spLocks noGrp="1"/>
+          </p:cNvSpPr>
+          <p:nvPr>
+            <p:ph type="body" sz="quarter" idx="13"/>
+          </p:nvPr>
+        </p:nvSpPr>
+        <p:spPr>
+          <a:xfrm>
+            <a:off x="8049731" y="4191000"/>
+            <a:ext cx="3456469" cy="682765"/>
+          </a:xfrm>
+        </p:spPr>
+        <p:txBody>
+          <a:bodyPr anchor="b">
+            <a:noAutofit/>
+          </a:bodyPr>
+          <a:lstStyle>
+            <a:lvl1pPr marL="0" indent="0">
+              <a:buNone/>
+              <a:defRPr sz="2400" b="0">
+                <a:solidFill>
+                  <a:schemeClr val="tx1"/>
+                </a:solidFill>
+              </a:defRPr>
+            </a:lvl1pPr>
+            <a:lvl2pPr marL="457200" indent="0">
+              <a:buNone/>
+              <a:defRPr sz="2000" b="1"/>
+            </a:lvl2pPr>
+            <a:lvl3pPr marL="914400" indent="0">
+              <a:buNone/>
+              <a:defRPr sz="1800" b="1"/>
+            </a:lvl3pPr>
+            <a:lvl4pPr marL="1371600" indent="0">
+              <a:buNone/>
+              <a:defRPr sz="1600" b="1"/>
+            </a:lvl4pPr>
+            <a:lvl5pPr marL="1828800" indent="0">
+              <a:buNone/>
+              <a:defRPr sz="1600" b="1"/>
+            </a:lvl5pPr>
+            <a:lvl6pPr marL="2286000" indent="0">
+              <a:buNone/>
+              <a:defRPr sz="1600" b="1"/>
+            </a:lvl6pPr>
+            <a:lvl7pPr marL="2743200" indent="0">
+              <a:buNone/>
+              <a:defRPr sz="1600" b="1"/>
+            </a:lvl7pPr>
+            <a:lvl8pPr marL="3200400" indent="0">
+              <a:buNone/>
+              <a:defRPr sz="1600" b="1"/>
+            </a:lvl8pPr>
+            <a:lvl9pPr marL="3657600" indent="0">
+              <a:buNone/>
+              <a:defRPr sz="1600" b="1"/>
+            </a:lvl9pPr>
+          </a:lstStyle>
+          <a:p>
+            <a:pPr lvl="0"/>
+            <a:r>
+              <a:rPr lang="zh-CN" altLang="en-US"/>
+              <a:t>编辑母版文本样式</a:t>
+            </a:r>
+          </a:p>
+        </p:txBody>
+      </p:sp>
+      <p:sp>
+        <p:nvSpPr>
+          <p:cNvPr id="26" name="Picture Placeholder 2"/>
+          <p:cNvSpPr>
+            <a:spLocks noGrp="1" noChangeAspect="1"/>
+          </p:cNvSpPr>
+          <p:nvPr>
+            <p:ph type="pic" idx="22"/>
+          </p:nvPr>
+        </p:nvSpPr>
+        <p:spPr>
+          <a:xfrm>
+            <a:off x="8049855" y="2362200"/>
+            <a:ext cx="3447878" cy="1524000"/>
+          </a:xfrm>
+          <a:prstGeom prst="roundRect">
+            <a:avLst>
+              <a:gd name="adj" fmla="val 0"/>
+            </a:avLst>
+          </a:prstGeom>
+          <a:effectLst>
+            <a:outerShdw blurRad="50800" dist="50800" dir="5400000" algn="tl" rotWithShape="0">
+              <a:srgbClr val="000000">
+                <a:alpha val="43000"/>
+              </a:srgbClr>
+            </a:outerShdw>
+          </a:effectLst>
+        </p:spPr>
+        <p:txBody>
+          <a:bodyPr anchor="t">
+            <a:normAutofit/>
+          </a:bodyPr>
+          <a:lstStyle>
+            <a:lvl1pPr marL="0" indent="0" algn="ctr">
+              <a:buNone/>
+              <a:defRPr sz="1600"/>
+            </a:lvl1pPr>
+            <a:lvl2pPr marL="457200" indent="0">
+              <a:buNone/>
+              <a:defRPr sz="1600"/>
+            </a:lvl2pPr>
+            <a:lvl3pPr marL="914400" indent="0">
+              <a:buNone/>
+              <a:defRPr sz="1600"/>
+            </a:lvl3pPr>
+            <a:lvl4pPr marL="1371600" indent="0">
+              <a:buNone/>
+              <a:defRPr sz="1600"/>
+            </a:lvl4pPr>
+            <a:lvl5pPr marL="1828800" indent="0">
+              <a:buNone/>
+              <a:defRPr sz="1600"/>
+            </a:lvl5pPr>
+            <a:lvl6pPr marL="2286000" indent="0">
+              <a:buNone/>
+              <a:defRPr sz="1600"/>
+            </a:lvl6pPr>
+            <a:lvl7pPr marL="2743200" indent="0">
+              <a:buNone/>
+              <a:defRPr sz="1600"/>
+            </a:lvl7pPr>
+            <a:lvl8pPr marL="3200400" indent="0">
+              <a:buNone/>
+              <a:defRPr sz="1600"/>
+            </a:lvl8pPr>
+            <a:lvl9pPr marL="3657600" indent="0">
+              <a:buNone/>
+              <a:defRPr sz="1600"/>
+            </a:lvl9pPr>
+          </a:lstStyle>
+          <a:p>
+            <a:r>
+              <a:rPr lang="zh-CN" altLang="en-US"/>
+              <a:t>单击图标添加图片</a:t>
+            </a:r>
+            <a:endParaRPr lang="en-US" dirty="0"/>
+          </a:p>
+        </p:txBody>
+      </p:sp>
+      <p:sp>
+        <p:nvSpPr>
+          <p:cNvPr id="27" name="Text Placeholder 3"/>
+          <p:cNvSpPr>
+            <a:spLocks noGrp="1"/>
+          </p:cNvSpPr>
+          <p:nvPr>
+            <p:ph type="body" sz="half" idx="20"/>
+          </p:nvPr>
+        </p:nvSpPr>
+        <p:spPr>
+          <a:xfrm>
+            <a:off x="8049731" y="4873761"/>
+            <a:ext cx="3452445" cy="1344921"/>
+          </a:xfrm>
+        </p:spPr>
+        <p:txBody>
+          <a:bodyPr anchor="t">
+            <a:normAutofit/>
+          </a:bodyPr>
+          <a:lstStyle>
+            <a:lvl1pPr marL="0" indent="0">
+              <a:buNone/>
+              <a:defRPr sz="1400"/>
+            </a:lvl1pPr>
+            <a:lvl2pPr marL="457200" indent="0">
+              <a:buNone/>
+              <a:defRPr sz="1200"/>
+            </a:lvl2pPr>
+            <a:lvl3pPr marL="914400" indent="0">
+              <a:buNone/>
+              <a:defRPr sz="1000"/>
+            </a:lvl3pPr>
+            <a:lvl4pPr marL="1371600" indent="0">
+              <a:buNone/>
+              <a:defRPr sz="900"/>
+            </a:lvl4pPr>
+            <a:lvl5pPr marL="1828800" indent="0">
+              <a:buNone/>
+              <a:defRPr sz="900"/>
+            </a:lvl5pPr>
+            <a:lvl6pPr marL="2286000" indent="0">
+              <a:buNone/>
+              <a:defRPr sz="900"/>
+            </a:lvl6pPr>
+            <a:lvl7pPr marL="2743200" indent="0">
+              <a:buNone/>
+              <a:defRPr sz="900"/>
+            </a:lvl7pPr>
+            <a:lvl8pPr marL="3200400" indent="0">
+              <a:buNone/>
+              <a:defRPr sz="900"/>
+            </a:lvl8pPr>
+            <a:lvl9pPr marL="3657600" indent="0">
+              <a:buNone/>
+              <a:defRPr sz="900"/>
+            </a:lvl9pPr>
+          </a:lstStyle>
+          <a:p>
+            <a:pPr lvl="0"/>
+            <a:r>
+              <a:rPr lang="zh-CN" altLang="en-US"/>
+              <a:t>编辑母版文本样式</a:t>
+            </a:r>
+          </a:p>
+        </p:txBody>
+      </p:sp>
+      <p:sp>
+        <p:nvSpPr>
+          <p:cNvPr id="3" name="Date Placeholder 2"/>
+          <p:cNvSpPr>
+            <a:spLocks noGrp="1"/>
+          </p:cNvSpPr>
+          <p:nvPr>
+            <p:ph type="dt" sz="half" idx="10"/>
+          </p:nvPr>
+        </p:nvSpPr>
+        <p:spPr/>
+        <p:txBody>
+          <a:bodyPr/>
+          <a:lstStyle/>
+          <a:p>
+            <a:fld id="{C7DE3245-AFA4-488B-9D03-49FA6ABE44D9}" type="datetimeFigureOut">
+              <a:rPr lang="zh-CN" altLang="en-US" smtClean="0"/>
+              <a:t>2018/8/6</a:t>
+            </a:fld>
+            <a:endParaRPr lang="zh-CN" altLang="en-US"/>
+          </a:p>
+        </p:txBody>
+      </p:sp>
+      <p:sp>
+        <p:nvSpPr>
+          <p:cNvPr id="4" name="Footer Placeholder 3"/>
+          <p:cNvSpPr>
+            <a:spLocks noGrp="1"/>
+          </p:cNvSpPr>
+          <p:nvPr>
+            <p:ph type="ftr" sz="quarter" idx="11"/>
+          </p:nvPr>
+        </p:nvSpPr>
+        <p:spPr/>
+        <p:txBody>
+          <a:bodyPr/>
+          <a:lstStyle/>
+          <a:p>
+            <a:endParaRPr lang="zh-CN" altLang="en-US"/>
+          </a:p>
+        </p:txBody>
+      </p:sp>
+      <p:sp>
+        <p:nvSpPr>
+          <p:cNvPr id="5" name="Slide Number Placeholder 4"/>
+          <p:cNvSpPr>
+            <a:spLocks noGrp="1"/>
+          </p:cNvSpPr>
+          <p:nvPr>
+            <p:ph type="sldNum" sz="quarter" idx="12"/>
+          </p:nvPr>
+        </p:nvSpPr>
+        <p:spPr/>
+        <p:txBody>
+          <a:bodyPr/>
+          <a:lstStyle/>
+          <a:p>
+            <a:fld id="{65067B8F-3EF2-4C75-A2A5-8E8ACCC3870F}" type="slidenum">
+              <a:rPr lang="zh-CN" altLang="en-US" smtClean="0"/>
+              <a:t>‹#›</a:t>
+            </a:fld>
+            <a:endParaRPr lang="zh-CN" altLang="en-US"/>
+          </a:p>
+        </p:txBody>
+      </p:sp>
+    </p:spTree>
+    <p:extLst>
+      <p:ext uri="{BB962C8B-B14F-4D97-AF65-F5344CB8AC3E}">
+        <p14:creationId xmlns:p14="http://schemas.microsoft.com/office/powerpoint/2010/main" val="82051787"/>
+      </p:ext>
+    </p:extLst>
+  </p:cSld>
+  <p:clrMapOvr>
+    <a:masterClrMapping/>
+  </p:clrMapOvr>
+</p:sldLayout>
+</file>
+
+<file path=ppt/slideLayouts/slideLayout38.xml><?xml version="1.0" encoding="utf-8"?>
+<p:sldLayout xmlns:a="http://schemas.openxmlformats.org/drawingml/2006/main" xmlns:r="http://schemas.openxmlformats.org/officeDocument/2006/relationships" xmlns:p="http://schemas.openxmlformats.org/presentationml/2006/main" type="vertTx" preserve="1">
+  <p:cSld name="标题和竖排文字">
+    <p:spTree>
+      <p:nvGrpSpPr>
+        <p:cNvPr id="1" name=""/>
+        <p:cNvGrpSpPr/>
+        <p:nvPr/>
+      </p:nvGrpSpPr>
+      <p:grpSpPr>
+        <a:xfrm>
+          <a:off x="0" y="0"/>
+          <a:ext cx="0" cy="0"/>
+          <a:chOff x="0" y="0"/>
+          <a:chExt cx="0" cy="0"/>
+        </a:xfrm>
+      </p:grpSpPr>
+      <p:sp>
+        <p:nvSpPr>
+          <p:cNvPr id="2" name="Title 1"/>
+          <p:cNvSpPr>
+            <a:spLocks noGrp="1"/>
+          </p:cNvSpPr>
+          <p:nvPr>
+            <p:ph type="title"/>
+          </p:nvPr>
+        </p:nvSpPr>
+        <p:spPr/>
+        <p:txBody>
+          <a:bodyPr/>
+          <a:lstStyle/>
+          <a:p>
+            <a:r>
+              <a:rPr lang="zh-CN" altLang="en-US"/>
+              <a:t>单击此处编辑母版标题样式</a:t>
+            </a:r>
+            <a:endParaRPr lang="en-US" dirty="0"/>
+          </a:p>
+        </p:txBody>
+      </p:sp>
+      <p:sp>
+        <p:nvSpPr>
+          <p:cNvPr id="3" name="Vertical Text Placeholder 2"/>
+          <p:cNvSpPr>
+            <a:spLocks noGrp="1"/>
+          </p:cNvSpPr>
+          <p:nvPr>
+            <p:ph type="body" orient="vert" idx="1"/>
+          </p:nvPr>
+        </p:nvSpPr>
+        <p:spPr>
+          <a:xfrm>
+            <a:off x="685800" y="2194559"/>
+            <a:ext cx="10820400" cy="4024125"/>
+          </a:xfrm>
+        </p:spPr>
+        <p:txBody>
+          <a:bodyPr vert="eaVert"/>
+          <a:lstStyle/>
+          <a:p>
+            <a:pPr lvl="0"/>
+            <a:r>
+              <a:rPr lang="zh-CN" altLang="en-US"/>
+              <a:t>编辑母版文本样式</a:t>
+            </a:r>
+          </a:p>
+          <a:p>
+            <a:pPr lvl="1"/>
+            <a:r>
+              <a:rPr lang="zh-CN" altLang="en-US"/>
+              <a:t>第二级</a:t>
+            </a:r>
+          </a:p>
+          <a:p>
+            <a:pPr lvl="2"/>
+            <a:r>
+              <a:rPr lang="zh-CN" altLang="en-US"/>
+              <a:t>第三级</a:t>
+            </a:r>
+          </a:p>
+          <a:p>
+            <a:pPr lvl="3"/>
+            <a:r>
+              <a:rPr lang="zh-CN" altLang="en-US"/>
+              <a:t>第四级</a:t>
+            </a:r>
+          </a:p>
+          <a:p>
+            <a:pPr lvl="4"/>
+            <a:r>
+              <a:rPr lang="zh-CN" altLang="en-US"/>
+              <a:t>第五级</a:t>
+            </a:r>
+            <a:endParaRPr lang="en-US" dirty="0"/>
+          </a:p>
+        </p:txBody>
+      </p:sp>
+      <p:sp>
+        <p:nvSpPr>
+          <p:cNvPr id="4" name="Date Placeholder 3"/>
+          <p:cNvSpPr>
+            <a:spLocks noGrp="1"/>
+          </p:cNvSpPr>
+          <p:nvPr>
+            <p:ph type="dt" sz="half" idx="10"/>
+          </p:nvPr>
+        </p:nvSpPr>
+        <p:spPr/>
+        <p:txBody>
+          <a:bodyPr/>
+          <a:lstStyle/>
+          <a:p>
+            <a:fld id="{C7DE3245-AFA4-488B-9D03-49FA6ABE44D9}" type="datetimeFigureOut">
+              <a:rPr lang="zh-CN" altLang="en-US" smtClean="0"/>
+              <a:t>2018/8/6</a:t>
+            </a:fld>
+            <a:endParaRPr lang="zh-CN" altLang="en-US"/>
+          </a:p>
+        </p:txBody>
+      </p:sp>
+      <p:sp>
+        <p:nvSpPr>
+          <p:cNvPr id="5" name="Footer Placeholder 4"/>
+          <p:cNvSpPr>
+            <a:spLocks noGrp="1"/>
+          </p:cNvSpPr>
+          <p:nvPr>
+            <p:ph type="ftr" sz="quarter" idx="11"/>
+          </p:nvPr>
+        </p:nvSpPr>
+        <p:spPr/>
+        <p:txBody>
+          <a:bodyPr/>
+          <a:lstStyle/>
+          <a:p>
+            <a:endParaRPr lang="zh-CN" altLang="en-US"/>
+          </a:p>
+        </p:txBody>
+      </p:sp>
+      <p:sp>
+        <p:nvSpPr>
+          <p:cNvPr id="6" name="Slide Number Placeholder 5"/>
+          <p:cNvSpPr>
+            <a:spLocks noGrp="1"/>
+          </p:cNvSpPr>
+          <p:nvPr>
+            <p:ph type="sldNum" sz="quarter" idx="12"/>
+          </p:nvPr>
+        </p:nvSpPr>
+        <p:spPr/>
+        <p:txBody>
+          <a:bodyPr/>
+          <a:lstStyle/>
+          <a:p>
+            <a:fld id="{65067B8F-3EF2-4C75-A2A5-8E8ACCC3870F}" type="slidenum">
+              <a:rPr lang="zh-CN" altLang="en-US" smtClean="0"/>
+              <a:t>‹#›</a:t>
+            </a:fld>
+            <a:endParaRPr lang="zh-CN" altLang="en-US"/>
+          </a:p>
+        </p:txBody>
+      </p:sp>
+    </p:spTree>
+    <p:extLst>
+      <p:ext uri="{BB962C8B-B14F-4D97-AF65-F5344CB8AC3E}">
+        <p14:creationId xmlns:p14="http://schemas.microsoft.com/office/powerpoint/2010/main" val="4078233873"/>
+      </p:ext>
+    </p:extLst>
+  </p:cSld>
+  <p:clrMapOvr>
+    <a:masterClrMapping/>
+  </p:clrMapOvr>
+</p:sldLayout>
+</file>
+
+<file path=ppt/slideLayouts/slideLayout39.xml><?xml version="1.0" encoding="utf-8"?>
+<p:sldLayout xmlns:a="http://schemas.openxmlformats.org/drawingml/2006/main" xmlns:r="http://schemas.openxmlformats.org/officeDocument/2006/relationships" xmlns:p="http://schemas.openxmlformats.org/presentationml/2006/main" showMasterSp="0" type="vertTitleAndTx" preserve="1">
+  <p:cSld name="竖排标题与文本">
+    <p:spTree>
+      <p:nvGrpSpPr>
+        <p:cNvPr id="1" name=""/>
+        <p:cNvGrpSpPr/>
+        <p:nvPr/>
+      </p:nvGrpSpPr>
+      <p:grpSpPr>
+        <a:xfrm>
+          <a:off x="0" y="0"/>
+          <a:ext cx="0" cy="0"/>
+          <a:chOff x="0" y="0"/>
+          <a:chExt cx="0" cy="0"/>
+        </a:xfrm>
+      </p:grpSpPr>
+      <p:pic>
+        <p:nvPicPr>
+          <p:cNvPr id="8" name="Picture 7" descr="C0-HD-BTM.png"/>
+          <p:cNvPicPr>
+            <a:picLocks noChangeAspect="1"/>
+          </p:cNvPicPr>
+          <p:nvPr/>
+        </p:nvPicPr>
+        <p:blipFill>
+          <a:blip r:embed="rId2">
+            <a:extLst>
+              <a:ext uri="{28A0092B-C50C-407E-A947-70E740481C1C}">
+                <a14:useLocalDpi xmlns:a14="http://schemas.microsoft.com/office/drawing/2010/main" val="0"/>
+              </a:ext>
+            </a:extLst>
+          </a:blip>
+          <a:stretch>
+            <a:fillRect/>
+          </a:stretch>
+        </p:blipFill>
+        <p:spPr>
+          <a:xfrm>
+            <a:off x="0" y="4375150"/>
+            <a:ext cx="12192000" cy="2482850"/>
+          </a:xfrm>
+          <a:prstGeom prst="rect">
+            <a:avLst/>
+          </a:prstGeom>
+        </p:spPr>
+      </p:pic>
+      <p:sp>
+        <p:nvSpPr>
+          <p:cNvPr id="2" name="Vertical Title 1"/>
+          <p:cNvSpPr>
+            <a:spLocks noGrp="1"/>
+          </p:cNvSpPr>
+          <p:nvPr>
+            <p:ph type="title" orient="vert"/>
+          </p:nvPr>
+        </p:nvSpPr>
+        <p:spPr>
+          <a:xfrm>
+            <a:off x="9448800" y="745066"/>
+            <a:ext cx="2057400" cy="3903133"/>
+          </a:xfrm>
+        </p:spPr>
+        <p:txBody>
+          <a:bodyPr vert="eaVert"/>
+          <a:lstStyle>
+            <a:lvl1pPr algn="l">
+              <a:defRPr/>
+            </a:lvl1pPr>
+          </a:lstStyle>
+          <a:p>
+            <a:r>
+              <a:rPr lang="zh-CN" altLang="en-US"/>
+              <a:t>单击此处编辑母版标题样式</a:t>
+            </a:r>
+            <a:endParaRPr lang="en-US" dirty="0"/>
+          </a:p>
+        </p:txBody>
+      </p:sp>
+      <p:sp>
+        <p:nvSpPr>
+          <p:cNvPr id="3" name="Vertical Text Placeholder 2"/>
+          <p:cNvSpPr>
+            <a:spLocks noGrp="1"/>
+          </p:cNvSpPr>
+          <p:nvPr>
+            <p:ph type="body" orient="vert" idx="1"/>
+          </p:nvPr>
+        </p:nvSpPr>
+        <p:spPr>
+          <a:xfrm>
+            <a:off x="1024466" y="745067"/>
+            <a:ext cx="8204201" cy="3903133"/>
+          </a:xfrm>
+        </p:spPr>
+        <p:txBody>
+          <a:bodyPr vert="eaVert"/>
+          <a:lstStyle/>
+          <a:p>
+            <a:pPr lvl="0"/>
+            <a:r>
+              <a:rPr lang="zh-CN" altLang="en-US"/>
+              <a:t>编辑母版文本样式</a:t>
+            </a:r>
+          </a:p>
+          <a:p>
+            <a:pPr lvl="1"/>
+            <a:r>
+              <a:rPr lang="zh-CN" altLang="en-US"/>
+              <a:t>第二级</a:t>
+            </a:r>
+          </a:p>
+          <a:p>
+            <a:pPr lvl="2"/>
+            <a:r>
+              <a:rPr lang="zh-CN" altLang="en-US"/>
+              <a:t>第三级</a:t>
+            </a:r>
+          </a:p>
+          <a:p>
+            <a:pPr lvl="3"/>
+            <a:r>
+              <a:rPr lang="zh-CN" altLang="en-US"/>
+              <a:t>第四级</a:t>
+            </a:r>
+          </a:p>
+          <a:p>
+            <a:pPr lvl="4"/>
+            <a:r>
+              <a:rPr lang="zh-CN" altLang="en-US"/>
+              <a:t>第五级</a:t>
+            </a:r>
+            <a:endParaRPr lang="en-US" dirty="0"/>
+          </a:p>
+        </p:txBody>
+      </p:sp>
+      <p:sp>
+        <p:nvSpPr>
+          <p:cNvPr id="4" name="Date Placeholder 3"/>
+          <p:cNvSpPr>
+            <a:spLocks noGrp="1"/>
+          </p:cNvSpPr>
+          <p:nvPr>
+            <p:ph type="dt" sz="half" idx="10"/>
+          </p:nvPr>
+        </p:nvSpPr>
+        <p:spPr>
+          <a:xfrm>
+            <a:off x="7814452" y="379941"/>
+            <a:ext cx="2910840" cy="365125"/>
+          </a:xfrm>
+        </p:spPr>
+        <p:txBody>
+          <a:bodyPr/>
+          <a:lstStyle>
+            <a:lvl1pPr algn="r">
+              <a:defRPr/>
+            </a:lvl1pPr>
+          </a:lstStyle>
+          <a:p>
+            <a:fld id="{C7DE3245-AFA4-488B-9D03-49FA6ABE44D9}" type="datetimeFigureOut">
+              <a:rPr lang="zh-CN" altLang="en-US" smtClean="0"/>
+              <a:t>2018/8/6</a:t>
+            </a:fld>
+            <a:endParaRPr lang="zh-CN" altLang="en-US"/>
+          </a:p>
+        </p:txBody>
+      </p:sp>
+      <p:sp>
+        <p:nvSpPr>
+          <p:cNvPr id="5" name="Footer Placeholder 4"/>
+          <p:cNvSpPr>
+            <a:spLocks noGrp="1"/>
+          </p:cNvSpPr>
+          <p:nvPr>
+            <p:ph type="ftr" sz="quarter" idx="11"/>
+          </p:nvPr>
+        </p:nvSpPr>
+        <p:spPr>
+          <a:xfrm>
+            <a:off x="685800" y="381000"/>
+            <a:ext cx="6991492" cy="365125"/>
+          </a:xfrm>
+        </p:spPr>
+        <p:txBody>
+          <a:bodyPr/>
+          <a:lstStyle/>
+          <a:p>
+            <a:endParaRPr lang="zh-CN" altLang="en-US"/>
+          </a:p>
+        </p:txBody>
+      </p:sp>
+      <p:sp>
+        <p:nvSpPr>
+          <p:cNvPr id="6" name="Slide Number Placeholder 5"/>
+          <p:cNvSpPr>
+            <a:spLocks noGrp="1"/>
+          </p:cNvSpPr>
+          <p:nvPr>
+            <p:ph type="sldNum" sz="quarter" idx="12"/>
+          </p:nvPr>
+        </p:nvSpPr>
+        <p:spPr>
+          <a:xfrm>
+            <a:off x="10862452" y="381000"/>
+            <a:ext cx="643748" cy="365125"/>
+          </a:xfrm>
+        </p:spPr>
+        <p:txBody>
+          <a:bodyPr/>
+          <a:lstStyle/>
+          <a:p>
+            <a:fld id="{65067B8F-3EF2-4C75-A2A5-8E8ACCC3870F}" type="slidenum">
+              <a:rPr lang="zh-CN" altLang="en-US" smtClean="0"/>
+              <a:t>‹#›</a:t>
+            </a:fld>
+            <a:endParaRPr lang="zh-CN" altLang="en-US"/>
+          </a:p>
+        </p:txBody>
+      </p:sp>
+    </p:spTree>
+    <p:extLst>
+      <p:ext uri="{BB962C8B-B14F-4D97-AF65-F5344CB8AC3E}">
+        <p14:creationId xmlns:p14="http://schemas.microsoft.com/office/powerpoint/2010/main" val="3513838053"/>
       </p:ext>
     </p:extLst>
   </p:cSld>
@@ -6424,6 +11466,582 @@
 </p:sldMaster>
 </file>
 
+<file path=ppt/slideMasters/slideMaster3.xml><?xml version="1.0" encoding="utf-8"?>
+<p:sldMaster xmlns:a="http://schemas.openxmlformats.org/drawingml/2006/main" xmlns:r="http://schemas.openxmlformats.org/officeDocument/2006/relationships" xmlns:p="http://schemas.openxmlformats.org/presentationml/2006/main">
+  <p:cSld>
+    <p:bg>
+      <p:bgRef idx="1001">
+        <a:schemeClr val="bg1"/>
+      </p:bgRef>
+    </p:bg>
+    <p:spTree>
+      <p:nvGrpSpPr>
+        <p:cNvPr id="1" name=""/>
+        <p:cNvGrpSpPr/>
+        <p:nvPr/>
+      </p:nvGrpSpPr>
+      <p:grpSpPr>
+        <a:xfrm>
+          <a:off x="0" y="0"/>
+          <a:ext cx="0" cy="0"/>
+          <a:chOff x="0" y="0"/>
+          <a:chExt cx="0" cy="0"/>
+        </a:xfrm>
+      </p:grpSpPr>
+      <p:pic>
+        <p:nvPicPr>
+          <p:cNvPr id="7" name="Picture 6" descr="C0-HD-TOP.png"/>
+          <p:cNvPicPr>
+            <a:picLocks noChangeAspect="1"/>
+          </p:cNvPicPr>
+          <p:nvPr/>
+        </p:nvPicPr>
+        <p:blipFill>
+          <a:blip r:embed="rId19">
+            <a:extLst>
+              <a:ext uri="{28A0092B-C50C-407E-A947-70E740481C1C}">
+                <a14:useLocalDpi xmlns:a14="http://schemas.microsoft.com/office/drawing/2010/main" val="0"/>
+              </a:ext>
+            </a:extLst>
+          </a:blip>
+          <a:stretch>
+            <a:fillRect/>
+          </a:stretch>
+        </p:blipFill>
+        <p:spPr>
+          <a:xfrm>
+            <a:off x="0" y="0"/>
+            <a:ext cx="12192000" cy="1441450"/>
+          </a:xfrm>
+          <a:prstGeom prst="rect">
+            <a:avLst/>
+          </a:prstGeom>
+        </p:spPr>
+      </p:pic>
+      <p:sp>
+        <p:nvSpPr>
+          <p:cNvPr id="2" name="Title Placeholder 1"/>
+          <p:cNvSpPr>
+            <a:spLocks noGrp="1"/>
+          </p:cNvSpPr>
+          <p:nvPr>
+            <p:ph type="title"/>
+          </p:nvPr>
+        </p:nvSpPr>
+        <p:spPr>
+          <a:xfrm>
+            <a:off x="2895600" y="764373"/>
+            <a:ext cx="8610600" cy="1293028"/>
+          </a:xfrm>
+          <a:prstGeom prst="rect">
+            <a:avLst/>
+          </a:prstGeom>
+        </p:spPr>
+        <p:txBody>
+          <a:bodyPr vert="horz" lIns="91440" tIns="45720" rIns="91440" bIns="45720" rtlCol="0" anchor="ctr">
+            <a:normAutofit/>
+          </a:bodyPr>
+          <a:lstStyle/>
+          <a:p>
+            <a:r>
+              <a:rPr lang="zh-CN" altLang="en-US"/>
+              <a:t>单击此处编辑母版标题样式</a:t>
+            </a:r>
+            <a:endParaRPr lang="en-US" dirty="0"/>
+          </a:p>
+        </p:txBody>
+      </p:sp>
+      <p:sp>
+        <p:nvSpPr>
+          <p:cNvPr id="3" name="Text Placeholder 2"/>
+          <p:cNvSpPr>
+            <a:spLocks noGrp="1"/>
+          </p:cNvSpPr>
+          <p:nvPr>
+            <p:ph type="body" idx="1"/>
+          </p:nvPr>
+        </p:nvSpPr>
+        <p:spPr>
+          <a:xfrm>
+            <a:off x="685800" y="2194560"/>
+            <a:ext cx="10820400" cy="4024125"/>
+          </a:xfrm>
+          <a:prstGeom prst="rect">
+            <a:avLst/>
+          </a:prstGeom>
+        </p:spPr>
+        <p:txBody>
+          <a:bodyPr vert="horz" lIns="91440" tIns="45720" rIns="91440" bIns="45720" rtlCol="0">
+            <a:normAutofit/>
+          </a:bodyPr>
+          <a:lstStyle/>
+          <a:p>
+            <a:pPr lvl="0"/>
+            <a:r>
+              <a:rPr lang="zh-CN" altLang="en-US"/>
+              <a:t>编辑母版文本样式</a:t>
+            </a:r>
+          </a:p>
+          <a:p>
+            <a:pPr lvl="1"/>
+            <a:r>
+              <a:rPr lang="zh-CN" altLang="en-US"/>
+              <a:t>第二级</a:t>
+            </a:r>
+          </a:p>
+          <a:p>
+            <a:pPr lvl="2"/>
+            <a:r>
+              <a:rPr lang="zh-CN" altLang="en-US"/>
+              <a:t>第三级</a:t>
+            </a:r>
+          </a:p>
+          <a:p>
+            <a:pPr lvl="3"/>
+            <a:r>
+              <a:rPr lang="zh-CN" altLang="en-US"/>
+              <a:t>第四级</a:t>
+            </a:r>
+          </a:p>
+          <a:p>
+            <a:pPr lvl="4"/>
+            <a:r>
+              <a:rPr lang="zh-CN" altLang="en-US"/>
+              <a:t>第五级</a:t>
+            </a:r>
+            <a:endParaRPr lang="en-US" dirty="0"/>
+          </a:p>
+        </p:txBody>
+      </p:sp>
+      <p:sp>
+        <p:nvSpPr>
+          <p:cNvPr id="4" name="Date Placeholder 3"/>
+          <p:cNvSpPr>
+            <a:spLocks noGrp="1"/>
+          </p:cNvSpPr>
+          <p:nvPr>
+            <p:ph type="dt" sz="half" idx="2"/>
+          </p:nvPr>
+        </p:nvSpPr>
+        <p:spPr>
+          <a:xfrm>
+            <a:off x="8595360" y="6356350"/>
+            <a:ext cx="2910840" cy="365125"/>
+          </a:xfrm>
+          <a:prstGeom prst="rect">
+            <a:avLst/>
+          </a:prstGeom>
+        </p:spPr>
+        <p:txBody>
+          <a:bodyPr vert="horz" lIns="91440" tIns="45720" rIns="91440" bIns="45720" rtlCol="0" anchor="ctr"/>
+          <a:lstStyle>
+            <a:lvl1pPr algn="r">
+              <a:defRPr sz="1050">
+                <a:solidFill>
+                  <a:schemeClr val="tx1">
+                    <a:tint val="75000"/>
+                  </a:schemeClr>
+                </a:solidFill>
+              </a:defRPr>
+            </a:lvl1pPr>
+          </a:lstStyle>
+          <a:p>
+            <a:fld id="{C7DE3245-AFA4-488B-9D03-49FA6ABE44D9}" type="datetimeFigureOut">
+              <a:rPr lang="zh-CN" altLang="en-US" smtClean="0"/>
+              <a:t>2018/8/6</a:t>
+            </a:fld>
+            <a:endParaRPr lang="zh-CN" altLang="en-US"/>
+          </a:p>
+        </p:txBody>
+      </p:sp>
+      <p:sp>
+        <p:nvSpPr>
+          <p:cNvPr id="5" name="Footer Placeholder 4"/>
+          <p:cNvSpPr>
+            <a:spLocks noGrp="1"/>
+          </p:cNvSpPr>
+          <p:nvPr>
+            <p:ph type="ftr" sz="quarter" idx="3"/>
+          </p:nvPr>
+        </p:nvSpPr>
+        <p:spPr>
+          <a:xfrm>
+            <a:off x="685800" y="6355845"/>
+            <a:ext cx="7772400" cy="365125"/>
+          </a:xfrm>
+          <a:prstGeom prst="rect">
+            <a:avLst/>
+          </a:prstGeom>
+        </p:spPr>
+        <p:txBody>
+          <a:bodyPr vert="horz" lIns="91440" tIns="45720" rIns="91440" bIns="45720" rtlCol="0" anchor="ctr"/>
+          <a:lstStyle>
+            <a:lvl1pPr algn="l">
+              <a:defRPr sz="1050">
+                <a:solidFill>
+                  <a:schemeClr val="tx1">
+                    <a:tint val="75000"/>
+                  </a:schemeClr>
+                </a:solidFill>
+              </a:defRPr>
+            </a:lvl1pPr>
+          </a:lstStyle>
+          <a:p>
+            <a:endParaRPr lang="zh-CN" altLang="en-US"/>
+          </a:p>
+        </p:txBody>
+      </p:sp>
+      <p:sp>
+        <p:nvSpPr>
+          <p:cNvPr id="6" name="Slide Number Placeholder 5"/>
+          <p:cNvSpPr>
+            <a:spLocks noGrp="1"/>
+          </p:cNvSpPr>
+          <p:nvPr>
+            <p:ph type="sldNum" sz="quarter" idx="4"/>
+          </p:nvPr>
+        </p:nvSpPr>
+        <p:spPr>
+          <a:xfrm>
+            <a:off x="8763000" y="381000"/>
+            <a:ext cx="2743200" cy="365125"/>
+          </a:xfrm>
+          <a:prstGeom prst="rect">
+            <a:avLst/>
+          </a:prstGeom>
+        </p:spPr>
+        <p:txBody>
+          <a:bodyPr vert="horz" lIns="91440" tIns="45720" rIns="91440" bIns="45720" rtlCol="0" anchor="ctr"/>
+          <a:lstStyle>
+            <a:lvl1pPr algn="r">
+              <a:defRPr sz="1050">
+                <a:solidFill>
+                  <a:schemeClr val="tx1">
+                    <a:tint val="75000"/>
+                  </a:schemeClr>
+                </a:solidFill>
+              </a:defRPr>
+            </a:lvl1pPr>
+          </a:lstStyle>
+          <a:p>
+            <a:fld id="{65067B8F-3EF2-4C75-A2A5-8E8ACCC3870F}" type="slidenum">
+              <a:rPr lang="zh-CN" altLang="en-US" smtClean="0"/>
+              <a:t>‹#›</a:t>
+            </a:fld>
+            <a:endParaRPr lang="zh-CN" altLang="en-US"/>
+          </a:p>
+        </p:txBody>
+      </p:sp>
+    </p:spTree>
+    <p:extLst>
+      <p:ext uri="{BB962C8B-B14F-4D97-AF65-F5344CB8AC3E}">
+        <p14:creationId xmlns:p14="http://schemas.microsoft.com/office/powerpoint/2010/main" val="2387077425"/>
+      </p:ext>
+    </p:extLst>
+  </p:cSld>
+  <p:clrMap bg1="dk1" tx1="lt1" bg2="dk2" tx2="lt2" accent1="accent1" accent2="accent2" accent3="accent3" accent4="accent4" accent5="accent5" accent6="accent6" hlink="hlink" folHlink="folHlink"/>
+  <p:sldLayoutIdLst>
+    <p:sldLayoutId id="2147483868" r:id="rId1"/>
+    <p:sldLayoutId id="2147483869" r:id="rId2"/>
+    <p:sldLayoutId id="2147483870" r:id="rId3"/>
+    <p:sldLayoutId id="2147483871" r:id="rId4"/>
+    <p:sldLayoutId id="2147483872" r:id="rId5"/>
+    <p:sldLayoutId id="2147483873" r:id="rId6"/>
+    <p:sldLayoutId id="2147483874" r:id="rId7"/>
+    <p:sldLayoutId id="2147483875" r:id="rId8"/>
+    <p:sldLayoutId id="2147483876" r:id="rId9"/>
+    <p:sldLayoutId id="2147483877" r:id="rId10"/>
+    <p:sldLayoutId id="2147483878" r:id="rId11"/>
+    <p:sldLayoutId id="2147483879" r:id="rId12"/>
+    <p:sldLayoutId id="2147483880" r:id="rId13"/>
+    <p:sldLayoutId id="2147483881" r:id="rId14"/>
+    <p:sldLayoutId id="2147483882" r:id="rId15"/>
+    <p:sldLayoutId id="2147483883" r:id="rId16"/>
+    <p:sldLayoutId id="2147483884" r:id="rId17"/>
+  </p:sldLayoutIdLst>
+  <p:txStyles>
+    <p:titleStyle>
+      <a:lvl1pPr algn="r" defTabSz="914400" rtl="0" eaLnBrk="1" latinLnBrk="0" hangingPunct="1">
+        <a:lnSpc>
+          <a:spcPct val="90000"/>
+        </a:lnSpc>
+        <a:spcBef>
+          <a:spcPct val="0"/>
+        </a:spcBef>
+        <a:buNone/>
+        <a:defRPr sz="4000" kern="1200" cap="all" baseline="0">
+          <a:solidFill>
+            <a:schemeClr val="tx1"/>
+          </a:solidFill>
+          <a:latin typeface="+mj-lt"/>
+          <a:ea typeface="+mj-ea"/>
+          <a:cs typeface="+mj-cs"/>
+        </a:defRPr>
+      </a:lvl1pPr>
+    </p:titleStyle>
+    <p:bodyStyle>
+      <a:lvl1pPr marL="228600" indent="-228600" algn="l" defTabSz="914400" rtl="0" eaLnBrk="1" latinLnBrk="0" hangingPunct="1">
+        <a:lnSpc>
+          <a:spcPct val="90000"/>
+        </a:lnSpc>
+        <a:spcBef>
+          <a:spcPts val="1000"/>
+        </a:spcBef>
+        <a:buFont typeface="Arial" panose="020B0604020202020204" pitchFamily="34" charset="0"/>
+        <a:buChar char="•"/>
+        <a:defRPr sz="2200" kern="1200">
+          <a:solidFill>
+            <a:schemeClr val="tx1"/>
+          </a:solidFill>
+          <a:latin typeface="+mn-lt"/>
+          <a:ea typeface="+mn-ea"/>
+          <a:cs typeface="+mn-cs"/>
+        </a:defRPr>
+      </a:lvl1pPr>
+      <a:lvl2pPr marL="685800" indent="-228600" algn="l" defTabSz="914400" rtl="0" eaLnBrk="1" latinLnBrk="0" hangingPunct="1">
+        <a:lnSpc>
+          <a:spcPct val="90000"/>
+        </a:lnSpc>
+        <a:spcBef>
+          <a:spcPts val="500"/>
+        </a:spcBef>
+        <a:buFont typeface="Arial" panose="020B0604020202020204" pitchFamily="34" charset="0"/>
+        <a:buChar char="•"/>
+        <a:defRPr sz="2000" kern="1200">
+          <a:solidFill>
+            <a:schemeClr val="tx1"/>
+          </a:solidFill>
+          <a:latin typeface="+mn-lt"/>
+          <a:ea typeface="+mn-ea"/>
+          <a:cs typeface="+mn-cs"/>
+        </a:defRPr>
+      </a:lvl2pPr>
+      <a:lvl3pPr marL="1143000" indent="-228600" algn="l" defTabSz="914400" rtl="0" eaLnBrk="1" latinLnBrk="0" hangingPunct="1">
+        <a:lnSpc>
+          <a:spcPct val="90000"/>
+        </a:lnSpc>
+        <a:spcBef>
+          <a:spcPts val="500"/>
+        </a:spcBef>
+        <a:buFont typeface="Arial" panose="020B0604020202020204" pitchFamily="34" charset="0"/>
+        <a:buChar char="•"/>
+        <a:defRPr sz="1800" kern="1200">
+          <a:solidFill>
+            <a:schemeClr val="tx1"/>
+          </a:solidFill>
+          <a:latin typeface="+mn-lt"/>
+          <a:ea typeface="+mn-ea"/>
+          <a:cs typeface="+mn-cs"/>
+        </a:defRPr>
+      </a:lvl3pPr>
+      <a:lvl4pPr marL="1600200" indent="-228600" algn="l" defTabSz="914400" rtl="0" eaLnBrk="1" latinLnBrk="0" hangingPunct="1">
+        <a:lnSpc>
+          <a:spcPct val="90000"/>
+        </a:lnSpc>
+        <a:spcBef>
+          <a:spcPts val="500"/>
+        </a:spcBef>
+        <a:buFont typeface="Arial" panose="020B0604020202020204" pitchFamily="34" charset="0"/>
+        <a:buChar char="•"/>
+        <a:defRPr sz="1600" kern="1200">
+          <a:solidFill>
+            <a:schemeClr val="tx1"/>
+          </a:solidFill>
+          <a:latin typeface="+mn-lt"/>
+          <a:ea typeface="+mn-ea"/>
+          <a:cs typeface="+mn-cs"/>
+        </a:defRPr>
+      </a:lvl4pPr>
+      <a:lvl5pPr marL="2057400" indent="-228600" algn="l" defTabSz="914400" rtl="0" eaLnBrk="1" latinLnBrk="0" hangingPunct="1">
+        <a:lnSpc>
+          <a:spcPct val="90000"/>
+        </a:lnSpc>
+        <a:spcBef>
+          <a:spcPts val="500"/>
+        </a:spcBef>
+        <a:buFont typeface="Arial" panose="020B0604020202020204" pitchFamily="34" charset="0"/>
+        <a:buChar char="•"/>
+        <a:defRPr sz="1600" kern="1200">
+          <a:solidFill>
+            <a:schemeClr val="tx1"/>
+          </a:solidFill>
+          <a:latin typeface="+mn-lt"/>
+          <a:ea typeface="+mn-ea"/>
+          <a:cs typeface="+mn-cs"/>
+        </a:defRPr>
+      </a:lvl5pPr>
+      <a:lvl6pPr marL="2514600" indent="-228600" algn="l" defTabSz="914400" rtl="0" eaLnBrk="1" latinLnBrk="0" hangingPunct="1">
+        <a:lnSpc>
+          <a:spcPct val="90000"/>
+        </a:lnSpc>
+        <a:spcBef>
+          <a:spcPts val="500"/>
+        </a:spcBef>
+        <a:buFont typeface="Arial" panose="020B0604020202020204" pitchFamily="34" charset="0"/>
+        <a:buChar char="•"/>
+        <a:defRPr sz="1600" kern="1200">
+          <a:solidFill>
+            <a:schemeClr val="tx1"/>
+          </a:solidFill>
+          <a:latin typeface="+mn-lt"/>
+          <a:ea typeface="+mn-ea"/>
+          <a:cs typeface="+mn-cs"/>
+        </a:defRPr>
+      </a:lvl6pPr>
+      <a:lvl7pPr marL="2971800" indent="-228600" algn="l" defTabSz="914400" rtl="0" eaLnBrk="1" latinLnBrk="0" hangingPunct="1">
+        <a:lnSpc>
+          <a:spcPct val="90000"/>
+        </a:lnSpc>
+        <a:spcBef>
+          <a:spcPts val="500"/>
+        </a:spcBef>
+        <a:buFont typeface="Arial" panose="020B0604020202020204" pitchFamily="34" charset="0"/>
+        <a:buChar char="•"/>
+        <a:defRPr sz="1600" kern="1200">
+          <a:solidFill>
+            <a:schemeClr val="tx1"/>
+          </a:solidFill>
+          <a:latin typeface="+mn-lt"/>
+          <a:ea typeface="+mn-ea"/>
+          <a:cs typeface="+mn-cs"/>
+        </a:defRPr>
+      </a:lvl7pPr>
+      <a:lvl8pPr marL="3429000" indent="-228600" algn="l" defTabSz="914400" rtl="0" eaLnBrk="1" latinLnBrk="0" hangingPunct="1">
+        <a:lnSpc>
+          <a:spcPct val="90000"/>
+        </a:lnSpc>
+        <a:spcBef>
+          <a:spcPts val="500"/>
+        </a:spcBef>
+        <a:buFont typeface="Arial" panose="020B0604020202020204" pitchFamily="34" charset="0"/>
+        <a:buChar char="•"/>
+        <a:defRPr sz="1600" kern="1200">
+          <a:solidFill>
+            <a:schemeClr val="tx1"/>
+          </a:solidFill>
+          <a:latin typeface="+mn-lt"/>
+          <a:ea typeface="+mn-ea"/>
+          <a:cs typeface="+mn-cs"/>
+        </a:defRPr>
+      </a:lvl8pPr>
+      <a:lvl9pPr marL="3886200" indent="-228600" algn="l" defTabSz="914400" rtl="0" eaLnBrk="1" latinLnBrk="0" hangingPunct="1">
+        <a:lnSpc>
+          <a:spcPct val="90000"/>
+        </a:lnSpc>
+        <a:spcBef>
+          <a:spcPts val="500"/>
+        </a:spcBef>
+        <a:buFont typeface="Arial" panose="020B0604020202020204" pitchFamily="34" charset="0"/>
+        <a:buChar char="•"/>
+        <a:defRPr sz="1600" kern="1200">
+          <a:solidFill>
+            <a:schemeClr val="tx1"/>
+          </a:solidFill>
+          <a:latin typeface="+mn-lt"/>
+          <a:ea typeface="+mn-ea"/>
+          <a:cs typeface="+mn-cs"/>
+        </a:defRPr>
+      </a:lvl9pPr>
+    </p:bodyStyle>
+    <p:otherStyle>
+      <a:defPPr>
+        <a:defRPr lang="en-US"/>
+      </a:defPPr>
+      <a:lvl1pPr marL="0" algn="l" defTabSz="914400" rtl="0" eaLnBrk="1" latinLnBrk="0" hangingPunct="1">
+        <a:defRPr sz="1800" kern="1200">
+          <a:solidFill>
+            <a:schemeClr val="tx1"/>
+          </a:solidFill>
+          <a:latin typeface="+mn-lt"/>
+          <a:ea typeface="+mn-ea"/>
+          <a:cs typeface="+mn-cs"/>
+        </a:defRPr>
+      </a:lvl1pPr>
+      <a:lvl2pPr marL="457200" algn="l" defTabSz="914400" rtl="0" eaLnBrk="1" latinLnBrk="0" hangingPunct="1">
+        <a:defRPr sz="1800" kern="1200">
+          <a:solidFill>
+            <a:schemeClr val="tx1"/>
+          </a:solidFill>
+          <a:latin typeface="+mn-lt"/>
+          <a:ea typeface="+mn-ea"/>
+          <a:cs typeface="+mn-cs"/>
+        </a:defRPr>
+      </a:lvl2pPr>
+      <a:lvl3pPr marL="914400" algn="l" defTabSz="914400" rtl="0" eaLnBrk="1" latinLnBrk="0" hangingPunct="1">
+        <a:defRPr sz="1800" kern="1200">
+          <a:solidFill>
+            <a:schemeClr val="tx1"/>
+          </a:solidFill>
+          <a:latin typeface="+mn-lt"/>
+          <a:ea typeface="+mn-ea"/>
+          <a:cs typeface="+mn-cs"/>
+        </a:defRPr>
+      </a:lvl3pPr>
+      <a:lvl4pPr marL="1371600" algn="l" defTabSz="914400" rtl="0" eaLnBrk="1" latinLnBrk="0" hangingPunct="1">
+        <a:defRPr sz="1800" kern="1200">
+          <a:solidFill>
+            <a:schemeClr val="tx1"/>
+          </a:solidFill>
+          <a:latin typeface="+mn-lt"/>
+          <a:ea typeface="+mn-ea"/>
+          <a:cs typeface="+mn-cs"/>
+        </a:defRPr>
+      </a:lvl4pPr>
+      <a:lvl5pPr marL="1828800" algn="l" defTabSz="914400" rtl="0" eaLnBrk="1" latinLnBrk="0" hangingPunct="1">
+        <a:defRPr sz="1800" kern="1200">
+          <a:solidFill>
+            <a:schemeClr val="tx1"/>
+          </a:solidFill>
+          <a:latin typeface="+mn-lt"/>
+          <a:ea typeface="+mn-ea"/>
+          <a:cs typeface="+mn-cs"/>
+        </a:defRPr>
+      </a:lvl5pPr>
+      <a:lvl6pPr marL="2286000" algn="l" defTabSz="914400" rtl="0" eaLnBrk="1" latinLnBrk="0" hangingPunct="1">
+        <a:defRPr sz="1800" kern="1200">
+          <a:solidFill>
+            <a:schemeClr val="tx1"/>
+          </a:solidFill>
+          <a:latin typeface="+mn-lt"/>
+          <a:ea typeface="+mn-ea"/>
+          <a:cs typeface="+mn-cs"/>
+        </a:defRPr>
+      </a:lvl6pPr>
+      <a:lvl7pPr marL="2743200" algn="l" defTabSz="914400" rtl="0" eaLnBrk="1" latinLnBrk="0" hangingPunct="1">
+        <a:defRPr sz="1800" kern="1200">
+          <a:solidFill>
+            <a:schemeClr val="tx1"/>
+          </a:solidFill>
+          <a:latin typeface="+mn-lt"/>
+          <a:ea typeface="+mn-ea"/>
+          <a:cs typeface="+mn-cs"/>
+        </a:defRPr>
+      </a:lvl7pPr>
+      <a:lvl8pPr marL="3200400" algn="l" defTabSz="914400" rtl="0" eaLnBrk="1" latinLnBrk="0" hangingPunct="1">
+        <a:defRPr sz="1800" kern="1200">
+          <a:solidFill>
+            <a:schemeClr val="tx1"/>
+          </a:solidFill>
+          <a:latin typeface="+mn-lt"/>
+          <a:ea typeface="+mn-ea"/>
+          <a:cs typeface="+mn-cs"/>
+        </a:defRPr>
+      </a:lvl8pPr>
+      <a:lvl9pPr marL="3657600" algn="l" defTabSz="914400" rtl="0" eaLnBrk="1" latinLnBrk="0" hangingPunct="1">
+        <a:defRPr sz="1800" kern="1200">
+          <a:solidFill>
+            <a:schemeClr val="tx1"/>
+          </a:solidFill>
+          <a:latin typeface="+mn-lt"/>
+          <a:ea typeface="+mn-ea"/>
+          <a:cs typeface="+mn-cs"/>
+        </a:defRPr>
+      </a:lvl9pPr>
+    </p:otherStyle>
+  </p:txStyles>
+</p:sldMaster>
+</file>
+
 <file path=ppt/slides/slide1.xml><?xml version="1.0" encoding="utf-8"?>
 <p:sld xmlns:a="http://schemas.openxmlformats.org/drawingml/2006/main" xmlns:r="http://schemas.openxmlformats.org/officeDocument/2006/relationships" xmlns:p="http://schemas.openxmlformats.org/presentationml/2006/main">
   <p:cSld>
@@ -8039,12 +13657,7 @@
             <p:ph idx="1"/>
           </p:nvPr>
         </p:nvSpPr>
-        <p:spPr>
-          <a:xfrm>
-            <a:off x="845127" y="1828800"/>
-            <a:ext cx="10515600" cy="4351337"/>
-          </a:xfrm>
-        </p:spPr>
+        <p:spPr/>
         <p:txBody>
           <a:bodyPr/>
           <a:lstStyle/>
@@ -8131,7 +13744,7 @@
           <p:cNvPr id="2" name="标题 1">
             <a:extLst>
               <a:ext uri="{FF2B5EF4-FFF2-40B4-BE49-F238E27FC236}">
-                <a16:creationId xmlns:a16="http://schemas.microsoft.com/office/drawing/2014/main" id="{BD11D795-E63D-481D-B293-7F2ED4D08C00}"/>
+                <a16:creationId xmlns:a16="http://schemas.microsoft.com/office/drawing/2014/main" id="{4E990C44-3F0C-4D38-9714-A3C5E386361B}"/>
               </a:ext>
             </a:extLst>
           </p:cNvPr>
@@ -8159,7 +13772,7 @@
           <p:cNvPr id="3" name="内容占位符 2">
             <a:extLst>
               <a:ext uri="{FF2B5EF4-FFF2-40B4-BE49-F238E27FC236}">
-                <a16:creationId xmlns:a16="http://schemas.microsoft.com/office/drawing/2014/main" id="{16EA3338-DADC-4B68-8378-301346861034}"/>
+                <a16:creationId xmlns:a16="http://schemas.microsoft.com/office/drawing/2014/main" id="{8CDE4E5E-2F4C-43D4-A384-AAB21C7DC013}"/>
               </a:ext>
             </a:extLst>
           </p:cNvPr>
@@ -8175,161 +13788,69 @@
           <a:bodyPr/>
           <a:lstStyle/>
           <a:p>
-            <a:pPr lvl="0"/>
-            <a:r>
-              <a:rPr lang="zh-CN" altLang="en-US" dirty="0">
-                <a:solidFill>
-                  <a:prstClr val="black"/>
-                </a:solidFill>
-              </a:rPr>
+            <a:r>
+              <a:rPr lang="zh-CN" altLang="en-US" dirty="0"/>
               <a:t>内置锁：</a:t>
             </a:r>
             <a:r>
-              <a:rPr lang="en-US" altLang="zh-CN" dirty="0" err="1">
-                <a:solidFill>
-                  <a:prstClr val="black"/>
-                </a:solidFill>
-              </a:rPr>
+              <a:rPr lang="en-US" altLang="zh-CN" dirty="0" err="1"/>
               <a:t>SafeHashSetBySync</a:t>
             </a:r>
             <a:r>
-              <a:rPr lang="zh-CN" altLang="en-US" dirty="0">
-                <a:solidFill>
-                  <a:prstClr val="black"/>
-                </a:solidFill>
-              </a:rPr>
+              <a:rPr lang="zh-CN" altLang="en-US" dirty="0"/>
               <a:t>，</a:t>
             </a:r>
             <a:r>
-              <a:rPr lang="en-US" altLang="zh-CN" dirty="0" err="1">
-                <a:solidFill>
-                  <a:prstClr val="black"/>
-                </a:solidFill>
-              </a:rPr>
+              <a:rPr lang="en-US" altLang="zh-CN" dirty="0" err="1"/>
               <a:t>SafeCounterByMonitorPattern</a:t>
             </a:r>
-            <a:endParaRPr lang="en-US" altLang="zh-CN" dirty="0">
-              <a:solidFill>
-                <a:prstClr val="black"/>
-              </a:solidFill>
-            </a:endParaRPr>
-          </a:p>
-          <a:p>
-            <a:pPr lvl="0"/>
-            <a:r>
-              <a:rPr lang="zh-CN" altLang="en-US" dirty="0">
-                <a:solidFill>
-                  <a:prstClr val="black"/>
-                </a:solidFill>
-              </a:rPr>
+            <a:endParaRPr lang="en-US" altLang="zh-CN" dirty="0"/>
+          </a:p>
+          <a:p>
+            <a:r>
+              <a:rPr lang="zh-CN" altLang="en-US" dirty="0"/>
               <a:t>不变性：</a:t>
             </a:r>
             <a:r>
-              <a:rPr lang="en-US" altLang="zh-CN" dirty="0" err="1">
-                <a:solidFill>
-                  <a:prstClr val="black"/>
-                </a:solidFill>
-              </a:rPr>
+              <a:rPr lang="en-US" altLang="zh-CN" dirty="0" err="1"/>
               <a:t>SafeOneStatusByFinal</a:t>
             </a:r>
-            <a:endParaRPr lang="en-US" altLang="zh-CN" dirty="0">
-              <a:solidFill>
-                <a:prstClr val="black"/>
-              </a:solidFill>
-            </a:endParaRPr>
-          </a:p>
-          <a:p>
-            <a:pPr lvl="0"/>
-            <a:r>
-              <a:rPr lang="en-US" altLang="zh-CN" dirty="0">
-                <a:solidFill>
-                  <a:prstClr val="black"/>
-                </a:solidFill>
-              </a:rPr>
+            <a:endParaRPr lang="en-US" altLang="zh-CN" dirty="0"/>
+          </a:p>
+          <a:p>
+            <a:r>
+              <a:rPr lang="en-US" altLang="zh-CN" dirty="0"/>
               <a:t>copy: </a:t>
             </a:r>
             <a:r>
-              <a:rPr lang="en-US" altLang="zh-CN" dirty="0" err="1">
-                <a:solidFill>
-                  <a:prstClr val="black"/>
-                </a:solidFill>
-              </a:rPr>
+              <a:rPr lang="en-US" altLang="zh-CN" dirty="0" err="1"/>
               <a:t>SafeMultiDimStatusByCopy</a:t>
             </a:r>
             <a:r>
-              <a:rPr lang="en-US" altLang="zh-CN" dirty="0">
-                <a:solidFill>
-                  <a:prstClr val="black"/>
-                </a:solidFill>
-              </a:rPr>
+              <a:rPr lang="en-US" altLang="zh-CN" dirty="0"/>
               <a:t> </a:t>
             </a:r>
           </a:p>
           <a:p>
-            <a:pPr lvl="0"/>
-            <a:r>
-              <a:rPr lang="en-US" altLang="zh-CN" dirty="0">
-                <a:solidFill>
-                  <a:prstClr val="black"/>
-                </a:solidFill>
-              </a:rPr>
+            <a:r>
+              <a:rPr lang="en-US" altLang="zh-CN" dirty="0"/>
               <a:t>CAS: </a:t>
             </a:r>
             <a:r>
-              <a:rPr lang="en-US" altLang="zh-CN" dirty="0" err="1">
-                <a:solidFill>
-                  <a:prstClr val="black"/>
-                </a:solidFill>
-              </a:rPr>
+              <a:rPr lang="en-US" altLang="zh-CN" dirty="0" err="1"/>
               <a:t>SafeCounterByCAS</a:t>
             </a:r>
-            <a:endParaRPr lang="en-US" altLang="zh-CN" dirty="0">
-              <a:solidFill>
-                <a:prstClr val="black"/>
-              </a:solidFill>
-            </a:endParaRPr>
-          </a:p>
-          <a:p>
-            <a:pPr lvl="0"/>
-            <a:r>
-              <a:rPr lang="en-US" altLang="zh-CN" dirty="0">
-                <a:solidFill>
-                  <a:prstClr val="black"/>
-                </a:solidFill>
-              </a:rPr>
+            <a:endParaRPr lang="en-US" altLang="zh-CN" dirty="0"/>
+          </a:p>
+          <a:p>
+            <a:r>
+              <a:rPr lang="en-US" altLang="zh-CN" dirty="0"/>
               <a:t>AQS: </a:t>
             </a:r>
             <a:r>
-              <a:rPr lang="en-US" altLang="zh-CN" dirty="0" err="1">
-                <a:solidFill>
-                  <a:prstClr val="black"/>
-                </a:solidFill>
-              </a:rPr>
+              <a:rPr lang="en-US" altLang="zh-CN" dirty="0" err="1"/>
               <a:t>SafeMultiDimStatusByAQS</a:t>
             </a:r>
-            <a:endParaRPr lang="en-US" altLang="zh-CN" dirty="0">
-              <a:solidFill>
-                <a:prstClr val="black"/>
-              </a:solidFill>
-            </a:endParaRPr>
-          </a:p>
-          <a:p>
-            <a:pPr lvl="0"/>
-            <a:r>
-              <a:rPr lang="zh-CN" altLang="en-US" dirty="0">
-                <a:solidFill>
-                  <a:prstClr val="black"/>
-                </a:solidFill>
-              </a:rPr>
-              <a:t>综合应用</a:t>
-            </a:r>
-            <a:endParaRPr lang="en-US" altLang="zh-CN" dirty="0">
-              <a:solidFill>
-                <a:prstClr val="black"/>
-              </a:solidFill>
-            </a:endParaRPr>
-          </a:p>
-          <a:p>
             <a:endParaRPr lang="zh-CN" altLang="en-US" dirty="0"/>
           </a:p>
         </p:txBody>
@@ -8337,7 +13858,7 @@
     </p:spTree>
     <p:extLst>
       <p:ext uri="{BB962C8B-B14F-4D97-AF65-F5344CB8AC3E}">
-        <p14:creationId xmlns:p14="http://schemas.microsoft.com/office/powerpoint/2010/main" val="1957161215"/>
+        <p14:creationId xmlns:p14="http://schemas.microsoft.com/office/powerpoint/2010/main" val="2030900263"/>
       </p:ext>
     </p:extLst>
   </p:cSld>
@@ -9015,7 +14536,7 @@
               <a:t> </a:t>
             </a:r>
             <a:r>
-              <a:rPr lang="en-US" altLang="zh-CN"/>
+              <a:rPr lang="en-US" altLang="zh-CN" dirty="0" err="1"/>
               <a:t>ProblemInForLoopDemo</a:t>
             </a:r>
             <a:endParaRPr lang="en-US" altLang="zh-CN" dirty="0"/>
@@ -9330,8 +14851,8 @@
         </p:blipFill>
         <p:spPr>
           <a:xfrm>
-            <a:off x="1561823" y="1828800"/>
-            <a:ext cx="9081053" cy="4351338"/>
+            <a:off x="1896717" y="2193925"/>
+            <a:ext cx="8398566" cy="4024313"/>
           </a:xfrm>
           <a:prstGeom prst="rect">
             <a:avLst/>
@@ -9681,7 +15202,7 @@
           <p:cNvPr id="2" name="标题 1">
             <a:extLst>
               <a:ext uri="{FF2B5EF4-FFF2-40B4-BE49-F238E27FC236}">
-                <a16:creationId xmlns:a16="http://schemas.microsoft.com/office/drawing/2014/main" id="{B44B5624-ABDA-423E-A81B-4F87424C0D93}"/>
+                <a16:creationId xmlns:a16="http://schemas.microsoft.com/office/drawing/2014/main" id="{4B292D5A-1D30-4B32-B968-9D9CC5BF4B4F}"/>
               </a:ext>
             </a:extLst>
           </p:cNvPr>
@@ -9699,156 +15220,884 @@
           <a:p>
             <a:r>
               <a:rPr lang="zh-CN" altLang="en-US" dirty="0"/>
-              <a:t>阻塞队列</a:t>
-            </a:r>
-          </a:p>
-        </p:txBody>
-      </p:sp>
-      <p:sp>
-        <p:nvSpPr>
-          <p:cNvPr id="3" name="内容占位符 2">
+              <a:t>集合线程安全对比</a:t>
+            </a:r>
+          </a:p>
+        </p:txBody>
+      </p:sp>
+      <p:graphicFrame>
+        <p:nvGraphicFramePr>
+          <p:cNvPr id="4" name="内容占位符 3">
             <a:extLst>
               <a:ext uri="{FF2B5EF4-FFF2-40B4-BE49-F238E27FC236}">
-                <a16:creationId xmlns:a16="http://schemas.microsoft.com/office/drawing/2014/main" id="{269E27E6-0F91-4121-895E-578D80664193}"/>
+                <a16:creationId xmlns:a16="http://schemas.microsoft.com/office/drawing/2014/main" id="{32503172-83C4-450E-B08A-8256C63A2F3F}"/>
               </a:ext>
             </a:extLst>
           </p:cNvPr>
-          <p:cNvSpPr>
-            <a:spLocks noGrp="1"/>
-          </p:cNvSpPr>
+          <p:cNvGraphicFramePr>
+            <a:graphicFrameLocks noGrp="1"/>
+          </p:cNvGraphicFramePr>
           <p:nvPr>
             <p:ph idx="1"/>
-          </p:nvPr>
-        </p:nvSpPr>
-        <p:spPr/>
-        <p:txBody>
-          <a:bodyPr>
-            <a:normAutofit lnSpcReduction="10000"/>
-          </a:bodyPr>
-          <a:lstStyle/>
-          <a:p>
-            <a:r>
-              <a:rPr lang="en-US" altLang="zh-CN" dirty="0" err="1"/>
-              <a:t>BlockingQueue</a:t>
-            </a:r>
-            <a:r>
-              <a:rPr lang="zh-CN" altLang="en-US" dirty="0"/>
-              <a:t>：生产者</a:t>
-            </a:r>
-            <a:r>
-              <a:rPr lang="en-US" altLang="zh-CN" dirty="0"/>
-              <a:t>-</a:t>
-            </a:r>
-            <a:r>
-              <a:rPr lang="zh-CN" altLang="en-US" dirty="0"/>
-              <a:t>消费者模式，只有</a:t>
-            </a:r>
-            <a:r>
-              <a:rPr lang="en-US" altLang="zh-CN" dirty="0"/>
-              <a:t>put</a:t>
-            </a:r>
-            <a:r>
-              <a:rPr lang="zh-CN" altLang="en-US" dirty="0"/>
-              <a:t>和</a:t>
-            </a:r>
-            <a:r>
-              <a:rPr lang="en-US" altLang="zh-CN" dirty="0"/>
-              <a:t>take</a:t>
-            </a:r>
-            <a:r>
-              <a:rPr lang="zh-CN" altLang="en-US" dirty="0"/>
-              <a:t>方法能阻塞</a:t>
-            </a:r>
-            <a:endParaRPr lang="en-US" altLang="zh-CN" dirty="0"/>
-          </a:p>
-          <a:p>
-            <a:pPr marL="0" indent="0">
-              <a:buNone/>
-            </a:pPr>
-            <a:r>
-              <a:rPr lang="en-US" altLang="zh-CN" dirty="0" err="1"/>
-              <a:t>ArrayBlockingQueue</a:t>
-            </a:r>
-            <a:r>
-              <a:rPr lang="zh-CN" altLang="en-US" dirty="0"/>
-              <a:t>：有界</a:t>
-            </a:r>
-            <a:endParaRPr lang="en-US" altLang="zh-CN" dirty="0"/>
-          </a:p>
-          <a:p>
-            <a:pPr marL="0" indent="0">
-              <a:buNone/>
-            </a:pPr>
-            <a:r>
-              <a:rPr lang="en-US" altLang="zh-CN" dirty="0" err="1"/>
-              <a:t>LinkedBlockingQueue</a:t>
-            </a:r>
-            <a:r>
-              <a:rPr lang="zh-CN" altLang="en-US" dirty="0"/>
-              <a:t>：无界</a:t>
-            </a:r>
-            <a:endParaRPr lang="en-US" altLang="zh-CN" dirty="0"/>
-          </a:p>
-          <a:p>
-            <a:pPr marL="0" indent="0">
-              <a:buNone/>
-            </a:pPr>
-            <a:r>
-              <a:rPr lang="en-US" altLang="zh-CN" dirty="0" err="1"/>
-              <a:t>PriorityBlockingQueue</a:t>
-            </a:r>
-            <a:r>
-              <a:rPr lang="zh-CN" altLang="en-US" dirty="0"/>
-              <a:t>：排序</a:t>
-            </a:r>
-            <a:endParaRPr lang="en-US" altLang="zh-CN" dirty="0"/>
-          </a:p>
-          <a:p>
-            <a:pPr marL="0" indent="0">
-              <a:buNone/>
-            </a:pPr>
-            <a:endParaRPr lang="en-US" altLang="zh-CN" dirty="0"/>
-          </a:p>
-          <a:p>
-            <a:pPr marL="0" indent="0">
-              <a:buNone/>
-            </a:pPr>
-            <a:r>
-              <a:rPr lang="zh-CN" altLang="en-US" dirty="0"/>
-              <a:t>恢复中断状态：</a:t>
-            </a:r>
-            <a:r>
-              <a:rPr lang="en-US" altLang="zh-CN" dirty="0" err="1"/>
-              <a:t>BlockingQueueRecoverInterceptedStatusDemo</a:t>
-            </a:r>
-            <a:endParaRPr lang="en-US" altLang="zh-CN" dirty="0"/>
-          </a:p>
-          <a:p>
-            <a:pPr marL="0" indent="0">
-              <a:buNone/>
-            </a:pPr>
-            <a:endParaRPr lang="en-US" altLang="zh-CN" dirty="0"/>
-          </a:p>
-          <a:p>
-            <a:pPr marL="0" indent="0">
-              <a:buNone/>
-            </a:pPr>
-            <a:r>
-              <a:rPr lang="zh-CN" altLang="en-US" dirty="0"/>
-              <a:t>线程池中的应用：</a:t>
-            </a:r>
-            <a:r>
-              <a:rPr lang="en-US" altLang="zh-CN" dirty="0" err="1"/>
-              <a:t>java.util.concurrent.ThreadPoolExecutor#workQueue</a:t>
-            </a:r>
-            <a:endParaRPr lang="zh-CN" altLang="en-US" dirty="0"/>
-          </a:p>
-        </p:txBody>
-      </p:sp>
+            <p:extLst>
+              <p:ext uri="{D42A27DB-BD31-4B8C-83A1-F6EECF244321}">
+                <p14:modId xmlns:p14="http://schemas.microsoft.com/office/powerpoint/2010/main" val="4172273063"/>
+              </p:ext>
+            </p:extLst>
+          </p:nvPr>
+        </p:nvGraphicFramePr>
+        <p:xfrm>
+          <a:off x="1232030" y="2057401"/>
+          <a:ext cx="10472289" cy="3359218"/>
+        </p:xfrm>
+        <a:graphic>
+          <a:graphicData uri="http://schemas.openxmlformats.org/drawingml/2006/table">
+            <a:tbl>
+              <a:tblPr>
+                <a:tableStyleId>{BDBED569-4797-4DF1-A0F4-6AAB3CD982D8}</a:tableStyleId>
+              </a:tblPr>
+              <a:tblGrid>
+                <a:gridCol w="1215533">
+                  <a:extLst>
+                    <a:ext uri="{9D8B030D-6E8A-4147-A177-3AD203B41FA5}">
+                      <a16:colId xmlns:a16="http://schemas.microsoft.com/office/drawing/2014/main" val="42496579"/>
+                    </a:ext>
+                  </a:extLst>
+                </a:gridCol>
+                <a:gridCol w="1575797">
+                  <a:extLst>
+                    <a:ext uri="{9D8B030D-6E8A-4147-A177-3AD203B41FA5}">
+                      <a16:colId xmlns:a16="http://schemas.microsoft.com/office/drawing/2014/main" val="3649918613"/>
+                    </a:ext>
+                  </a:extLst>
+                </a:gridCol>
+                <a:gridCol w="1260909">
+                  <a:extLst>
+                    <a:ext uri="{9D8B030D-6E8A-4147-A177-3AD203B41FA5}">
+                      <a16:colId xmlns:a16="http://schemas.microsoft.com/office/drawing/2014/main" val="2235850610"/>
+                    </a:ext>
+                  </a:extLst>
+                </a:gridCol>
+                <a:gridCol w="4013735">
+                  <a:extLst>
+                    <a:ext uri="{9D8B030D-6E8A-4147-A177-3AD203B41FA5}">
+                      <a16:colId xmlns:a16="http://schemas.microsoft.com/office/drawing/2014/main" val="2624454102"/>
+                    </a:ext>
+                  </a:extLst>
+                </a:gridCol>
+                <a:gridCol w="2406315">
+                  <a:extLst>
+                    <a:ext uri="{9D8B030D-6E8A-4147-A177-3AD203B41FA5}">
+                      <a16:colId xmlns:a16="http://schemas.microsoft.com/office/drawing/2014/main" val="754410776"/>
+                    </a:ext>
+                  </a:extLst>
+                </a:gridCol>
+              </a:tblGrid>
+              <a:tr h="562248">
+                <a:tc>
+                  <a:txBody>
+                    <a:bodyPr/>
+                    <a:lstStyle/>
+                    <a:p>
+                      <a:pPr algn="l" fontAlgn="ctr"/>
+                      <a:r>
+                        <a:rPr lang="zh-CN" altLang="en-US" sz="1600" u="none" strike="noStrike" dirty="0">
+                          <a:effectLst/>
+                        </a:rPr>
+                        <a:t>集合接口</a:t>
+                      </a:r>
+                      <a:endParaRPr lang="zh-CN" altLang="en-US" sz="1600" b="0" i="0" u="none" strike="noStrike" dirty="0">
+                        <a:solidFill>
+                          <a:srgbClr val="000000"/>
+                        </a:solidFill>
+                        <a:effectLst/>
+                        <a:latin typeface="等线" panose="02010600030101010101" pitchFamily="2" charset="-122"/>
+                        <a:ea typeface="等线" panose="02010600030101010101" pitchFamily="2" charset="-122"/>
+                      </a:endParaRPr>
+                    </a:p>
+                  </a:txBody>
+                  <a:tcPr marL="6350" marR="6350" marT="6350" marB="0" anchor="ctr">
+                    <a:solidFill>
+                      <a:schemeClr val="accent1">
+                        <a:lumMod val="60000"/>
+                        <a:lumOff val="40000"/>
+                      </a:schemeClr>
+                    </a:solidFill>
+                  </a:tcPr>
+                </a:tc>
+                <a:tc>
+                  <a:txBody>
+                    <a:bodyPr/>
+                    <a:lstStyle/>
+                    <a:p>
+                      <a:pPr algn="l" fontAlgn="ctr"/>
+                      <a:r>
+                        <a:rPr lang="zh-CN" altLang="en-US" sz="1600" u="none" strike="noStrike" dirty="0">
+                          <a:effectLst/>
+                        </a:rPr>
+                        <a:t>线程不安全</a:t>
+                      </a:r>
+                      <a:endParaRPr lang="zh-CN" altLang="en-US" sz="1600" b="0" i="0" u="none" strike="noStrike" dirty="0">
+                        <a:solidFill>
+                          <a:srgbClr val="000000"/>
+                        </a:solidFill>
+                        <a:effectLst/>
+                        <a:latin typeface="等线" panose="02010600030101010101" pitchFamily="2" charset="-122"/>
+                        <a:ea typeface="等线" panose="02010600030101010101" pitchFamily="2" charset="-122"/>
+                      </a:endParaRPr>
+                    </a:p>
+                  </a:txBody>
+                  <a:tcPr marL="6350" marR="6350" marT="6350" marB="0" anchor="ctr">
+                    <a:solidFill>
+                      <a:schemeClr val="accent1">
+                        <a:lumMod val="60000"/>
+                        <a:lumOff val="40000"/>
+                      </a:schemeClr>
+                    </a:solidFill>
+                  </a:tcPr>
+                </a:tc>
+                <a:tc>
+                  <a:txBody>
+                    <a:bodyPr/>
+                    <a:lstStyle/>
+                    <a:p>
+                      <a:pPr algn="l" fontAlgn="ctr"/>
+                      <a:r>
+                        <a:rPr lang="zh-CN" altLang="en-US" sz="1600" u="none" strike="noStrike" dirty="0">
+                          <a:effectLst/>
+                        </a:rPr>
+                        <a:t>同步容器</a:t>
+                      </a:r>
+                      <a:endParaRPr lang="zh-CN" altLang="en-US" sz="1600" b="0" i="0" u="none" strike="noStrike" dirty="0">
+                        <a:solidFill>
+                          <a:srgbClr val="000000"/>
+                        </a:solidFill>
+                        <a:effectLst/>
+                        <a:latin typeface="等线" panose="02010600030101010101" pitchFamily="2" charset="-122"/>
+                        <a:ea typeface="等线" panose="02010600030101010101" pitchFamily="2" charset="-122"/>
+                      </a:endParaRPr>
+                    </a:p>
+                  </a:txBody>
+                  <a:tcPr marL="6350" marR="6350" marT="6350" marB="0" anchor="ctr">
+                    <a:solidFill>
+                      <a:schemeClr val="accent1">
+                        <a:lumMod val="60000"/>
+                        <a:lumOff val="40000"/>
+                      </a:schemeClr>
+                    </a:solidFill>
+                  </a:tcPr>
+                </a:tc>
+                <a:tc>
+                  <a:txBody>
+                    <a:bodyPr/>
+                    <a:lstStyle/>
+                    <a:p>
+                      <a:pPr algn="l" fontAlgn="ctr"/>
+                      <a:r>
+                        <a:rPr lang="zh-CN" altLang="en-US" sz="1600" u="none" strike="noStrike" dirty="0">
+                          <a:effectLst/>
+                        </a:rPr>
+                        <a:t>同步容器（</a:t>
+                      </a:r>
+                      <a:r>
+                        <a:rPr lang="en-US" altLang="zh-CN" sz="1600" u="none" strike="noStrike" dirty="0" err="1">
+                          <a:effectLst/>
+                        </a:rPr>
+                        <a:t>Collections.synchronizedXxx</a:t>
+                      </a:r>
+                      <a:r>
+                        <a:rPr lang="zh-CN" altLang="en-US" sz="1600" u="none" strike="noStrike" dirty="0">
+                          <a:effectLst/>
+                        </a:rPr>
+                        <a:t>）</a:t>
+                      </a:r>
+                      <a:endParaRPr lang="en-US" sz="1600" b="0" i="0" u="none" strike="noStrike" dirty="0">
+                        <a:solidFill>
+                          <a:srgbClr val="000000"/>
+                        </a:solidFill>
+                        <a:effectLst/>
+                        <a:latin typeface="等线" panose="02010600030101010101" pitchFamily="2" charset="-122"/>
+                        <a:ea typeface="等线" panose="02010600030101010101" pitchFamily="2" charset="-122"/>
+                      </a:endParaRPr>
+                    </a:p>
+                  </a:txBody>
+                  <a:tcPr marL="6350" marR="6350" marT="6350" marB="0" anchor="ctr">
+                    <a:solidFill>
+                      <a:schemeClr val="accent1">
+                        <a:lumMod val="60000"/>
+                        <a:lumOff val="40000"/>
+                      </a:schemeClr>
+                    </a:solidFill>
+                  </a:tcPr>
+                </a:tc>
+                <a:tc>
+                  <a:txBody>
+                    <a:bodyPr/>
+                    <a:lstStyle/>
+                    <a:p>
+                      <a:pPr algn="l" fontAlgn="ctr"/>
+                      <a:r>
+                        <a:rPr lang="zh-CN" altLang="en-US" sz="1600" u="none" strike="noStrike" dirty="0">
+                          <a:effectLst/>
+                        </a:rPr>
+                        <a:t>并发容器</a:t>
+                      </a:r>
+                      <a:endParaRPr lang="zh-CN" altLang="en-US" sz="1600" b="0" i="0" u="none" strike="noStrike" dirty="0">
+                        <a:solidFill>
+                          <a:srgbClr val="000000"/>
+                        </a:solidFill>
+                        <a:effectLst/>
+                        <a:latin typeface="等线" panose="02010600030101010101" pitchFamily="2" charset="-122"/>
+                        <a:ea typeface="等线" panose="02010600030101010101" pitchFamily="2" charset="-122"/>
+                      </a:endParaRPr>
+                    </a:p>
+                  </a:txBody>
+                  <a:tcPr marL="6350" marR="6350" marT="6350" marB="0" anchor="ctr">
+                    <a:solidFill>
+                      <a:schemeClr val="accent1">
+                        <a:lumMod val="60000"/>
+                        <a:lumOff val="40000"/>
+                      </a:schemeClr>
+                    </a:solidFill>
+                  </a:tcPr>
+                </a:tc>
+                <a:extLst>
+                  <a:ext uri="{0D108BD9-81ED-4DB2-BD59-A6C34878D82A}">
+                    <a16:rowId xmlns:a16="http://schemas.microsoft.com/office/drawing/2014/main" val="2313427115"/>
+                  </a:ext>
+                </a:extLst>
+              </a:tr>
+              <a:tr h="554957">
+                <a:tc>
+                  <a:txBody>
+                    <a:bodyPr/>
+                    <a:lstStyle/>
+                    <a:p>
+                      <a:pPr algn="l" fontAlgn="ctr"/>
+                      <a:r>
+                        <a:rPr lang="en-US" sz="1600" u="none" strike="noStrike" dirty="0">
+                          <a:effectLst/>
+                        </a:rPr>
+                        <a:t>List</a:t>
+                      </a:r>
+                      <a:endParaRPr lang="en-US" sz="1600" b="0" i="0" u="none" strike="noStrike" dirty="0">
+                        <a:solidFill>
+                          <a:srgbClr val="000000"/>
+                        </a:solidFill>
+                        <a:effectLst/>
+                        <a:latin typeface="等线" panose="02010600030101010101" pitchFamily="2" charset="-122"/>
+                        <a:ea typeface="等线" panose="02010600030101010101" pitchFamily="2" charset="-122"/>
+                      </a:endParaRPr>
+                    </a:p>
+                  </a:txBody>
+                  <a:tcPr marL="6350" marR="6350" marT="6350" marB="0" anchor="ctr"/>
+                </a:tc>
+                <a:tc>
+                  <a:txBody>
+                    <a:bodyPr/>
+                    <a:lstStyle/>
+                    <a:p>
+                      <a:pPr algn="l" fontAlgn="ctr"/>
+                      <a:r>
+                        <a:rPr lang="en-US" sz="1600" u="none" strike="noStrike" dirty="0" err="1">
+                          <a:effectLst/>
+                        </a:rPr>
+                        <a:t>ArrayList</a:t>
+                      </a:r>
+                      <a:endParaRPr lang="en-US" sz="1600" b="0" i="0" u="none" strike="noStrike" dirty="0">
+                        <a:solidFill>
+                          <a:srgbClr val="000000"/>
+                        </a:solidFill>
+                        <a:effectLst/>
+                        <a:latin typeface="等线" panose="02010600030101010101" pitchFamily="2" charset="-122"/>
+                        <a:ea typeface="等线" panose="02010600030101010101" pitchFamily="2" charset="-122"/>
+                      </a:endParaRPr>
+                    </a:p>
+                  </a:txBody>
+                  <a:tcPr marL="6350" marR="6350" marT="6350" marB="0" anchor="ctr"/>
+                </a:tc>
+                <a:tc>
+                  <a:txBody>
+                    <a:bodyPr/>
+                    <a:lstStyle/>
+                    <a:p>
+                      <a:pPr algn="l" fontAlgn="ctr"/>
+                      <a:r>
+                        <a:rPr lang="en-US" sz="1600" u="none" strike="noStrike">
+                          <a:effectLst/>
+                        </a:rPr>
+                        <a:t>Vector</a:t>
+                      </a:r>
+                      <a:endParaRPr lang="en-US" sz="1600" b="0" i="0" u="none" strike="noStrike">
+                        <a:solidFill>
+                          <a:srgbClr val="000000"/>
+                        </a:solidFill>
+                        <a:effectLst/>
+                        <a:latin typeface="等线" panose="02010600030101010101" pitchFamily="2" charset="-122"/>
+                        <a:ea typeface="等线" panose="02010600030101010101" pitchFamily="2" charset="-122"/>
+                      </a:endParaRPr>
+                    </a:p>
+                  </a:txBody>
+                  <a:tcPr marL="6350" marR="6350" marT="6350" marB="0" anchor="ctr"/>
+                </a:tc>
+                <a:tc>
+                  <a:txBody>
+                    <a:bodyPr/>
+                    <a:lstStyle/>
+                    <a:p>
+                      <a:pPr algn="l" fontAlgn="ctr"/>
+                      <a:r>
+                        <a:rPr lang="en-US" sz="1600" u="none" strike="noStrike" dirty="0" err="1">
+                          <a:effectLst/>
+                        </a:rPr>
+                        <a:t>Collections.synchronizedList</a:t>
+                      </a:r>
+                      <a:endParaRPr lang="en-US" sz="1600" b="0" i="0" u="none" strike="noStrike" dirty="0">
+                        <a:solidFill>
+                          <a:srgbClr val="000000"/>
+                        </a:solidFill>
+                        <a:effectLst/>
+                        <a:latin typeface="等线" panose="02010600030101010101" pitchFamily="2" charset="-122"/>
+                        <a:ea typeface="等线" panose="02010600030101010101" pitchFamily="2" charset="-122"/>
+                      </a:endParaRPr>
+                    </a:p>
+                  </a:txBody>
+                  <a:tcPr marL="6350" marR="6350" marT="6350" marB="0" anchor="ctr"/>
+                </a:tc>
+                <a:tc>
+                  <a:txBody>
+                    <a:bodyPr/>
+                    <a:lstStyle/>
+                    <a:p>
+                      <a:pPr algn="l" fontAlgn="ctr"/>
+                      <a:r>
+                        <a:rPr lang="en-US" sz="1600" u="none" strike="noStrike" dirty="0" err="1">
+                          <a:effectLst/>
+                        </a:rPr>
+                        <a:t>CopyOnWriteArrayList</a:t>
+                      </a:r>
+                      <a:endParaRPr lang="en-US" sz="1600" b="0" i="0" u="none" strike="noStrike" dirty="0">
+                        <a:solidFill>
+                          <a:srgbClr val="000000"/>
+                        </a:solidFill>
+                        <a:effectLst/>
+                        <a:latin typeface="等线" panose="02010600030101010101" pitchFamily="2" charset="-122"/>
+                        <a:ea typeface="等线" panose="02010600030101010101" pitchFamily="2" charset="-122"/>
+                      </a:endParaRPr>
+                    </a:p>
+                  </a:txBody>
+                  <a:tcPr marL="6350" marR="6350" marT="6350" marB="0" anchor="ctr"/>
+                </a:tc>
+                <a:extLst>
+                  <a:ext uri="{0D108BD9-81ED-4DB2-BD59-A6C34878D82A}">
+                    <a16:rowId xmlns:a16="http://schemas.microsoft.com/office/drawing/2014/main" val="3752648902"/>
+                  </a:ext>
+                </a:extLst>
+              </a:tr>
+              <a:tr h="553334">
+                <a:tc>
+                  <a:txBody>
+                    <a:bodyPr/>
+                    <a:lstStyle/>
+                    <a:p>
+                      <a:pPr algn="l" fontAlgn="ctr"/>
+                      <a:r>
+                        <a:rPr lang="en-US" sz="1600" u="none" strike="noStrike">
+                          <a:effectLst/>
+                        </a:rPr>
+                        <a:t>Map</a:t>
+                      </a:r>
+                      <a:endParaRPr lang="en-US" sz="1600" b="0" i="0" u="none" strike="noStrike">
+                        <a:solidFill>
+                          <a:srgbClr val="000000"/>
+                        </a:solidFill>
+                        <a:effectLst/>
+                        <a:latin typeface="等线" panose="02010600030101010101" pitchFamily="2" charset="-122"/>
+                        <a:ea typeface="等线" panose="02010600030101010101" pitchFamily="2" charset="-122"/>
+                      </a:endParaRPr>
+                    </a:p>
+                  </a:txBody>
+                  <a:tcPr marL="6350" marR="6350" marT="6350" marB="0" anchor="ctr"/>
+                </a:tc>
+                <a:tc>
+                  <a:txBody>
+                    <a:bodyPr/>
+                    <a:lstStyle/>
+                    <a:p>
+                      <a:pPr algn="l" fontAlgn="ctr"/>
+                      <a:r>
+                        <a:rPr lang="en-US" sz="1600" u="none" strike="noStrike" dirty="0">
+                          <a:effectLst/>
+                        </a:rPr>
+                        <a:t>HashMap</a:t>
+                      </a:r>
+                      <a:endParaRPr lang="en-US" sz="1600" b="0" i="0" u="none" strike="noStrike" dirty="0">
+                        <a:solidFill>
+                          <a:srgbClr val="000000"/>
+                        </a:solidFill>
+                        <a:effectLst/>
+                        <a:latin typeface="等线" panose="02010600030101010101" pitchFamily="2" charset="-122"/>
+                        <a:ea typeface="等线" panose="02010600030101010101" pitchFamily="2" charset="-122"/>
+                      </a:endParaRPr>
+                    </a:p>
+                  </a:txBody>
+                  <a:tcPr marL="6350" marR="6350" marT="6350" marB="0" anchor="ctr"/>
+                </a:tc>
+                <a:tc>
+                  <a:txBody>
+                    <a:bodyPr/>
+                    <a:lstStyle/>
+                    <a:p>
+                      <a:pPr algn="l" fontAlgn="ctr"/>
+                      <a:r>
+                        <a:rPr lang="en-US" sz="1600" u="none" strike="noStrike" dirty="0" err="1">
+                          <a:effectLst/>
+                        </a:rPr>
+                        <a:t>HashTable</a:t>
+                      </a:r>
+                      <a:endParaRPr lang="en-US" sz="1600" b="0" i="0" u="none" strike="noStrike" dirty="0">
+                        <a:solidFill>
+                          <a:srgbClr val="000000"/>
+                        </a:solidFill>
+                        <a:effectLst/>
+                        <a:latin typeface="等线" panose="02010600030101010101" pitchFamily="2" charset="-122"/>
+                        <a:ea typeface="等线" panose="02010600030101010101" pitchFamily="2" charset="-122"/>
+                      </a:endParaRPr>
+                    </a:p>
+                  </a:txBody>
+                  <a:tcPr marL="6350" marR="6350" marT="6350" marB="0" anchor="ctr"/>
+                </a:tc>
+                <a:tc>
+                  <a:txBody>
+                    <a:bodyPr/>
+                    <a:lstStyle/>
+                    <a:p>
+                      <a:pPr algn="l" fontAlgn="ctr"/>
+                      <a:r>
+                        <a:rPr lang="en-US" sz="1600" u="none" strike="noStrike">
+                          <a:effectLst/>
+                        </a:rPr>
+                        <a:t>Collections.sychronizedMap</a:t>
+                      </a:r>
+                      <a:endParaRPr lang="en-US" sz="1600" b="0" i="0" u="none" strike="noStrike">
+                        <a:solidFill>
+                          <a:srgbClr val="000000"/>
+                        </a:solidFill>
+                        <a:effectLst/>
+                        <a:latin typeface="等线" panose="02010600030101010101" pitchFamily="2" charset="-122"/>
+                        <a:ea typeface="等线" panose="02010600030101010101" pitchFamily="2" charset="-122"/>
+                      </a:endParaRPr>
+                    </a:p>
+                  </a:txBody>
+                  <a:tcPr marL="6350" marR="6350" marT="6350" marB="0" anchor="ctr"/>
+                </a:tc>
+                <a:tc>
+                  <a:txBody>
+                    <a:bodyPr/>
+                    <a:lstStyle/>
+                    <a:p>
+                      <a:pPr algn="l" fontAlgn="ctr"/>
+                      <a:r>
+                        <a:rPr lang="en-US" sz="1600" u="none" strike="noStrike" dirty="0" err="1">
+                          <a:effectLst/>
+                        </a:rPr>
+                        <a:t>ConcurrentHashMap</a:t>
+                      </a:r>
+                      <a:endParaRPr lang="en-US" sz="1600" b="0" i="0" u="none" strike="noStrike" dirty="0">
+                        <a:solidFill>
+                          <a:srgbClr val="000000"/>
+                        </a:solidFill>
+                        <a:effectLst/>
+                        <a:latin typeface="等线" panose="02010600030101010101" pitchFamily="2" charset="-122"/>
+                        <a:ea typeface="等线" panose="02010600030101010101" pitchFamily="2" charset="-122"/>
+                      </a:endParaRPr>
+                    </a:p>
+                  </a:txBody>
+                  <a:tcPr marL="6350" marR="6350" marT="6350" marB="0" anchor="ctr"/>
+                </a:tc>
+                <a:extLst>
+                  <a:ext uri="{0D108BD9-81ED-4DB2-BD59-A6C34878D82A}">
+                    <a16:rowId xmlns:a16="http://schemas.microsoft.com/office/drawing/2014/main" val="2259624645"/>
+                  </a:ext>
+                </a:extLst>
+              </a:tr>
+              <a:tr h="553334">
+                <a:tc>
+                  <a:txBody>
+                    <a:bodyPr/>
+                    <a:lstStyle/>
+                    <a:p>
+                      <a:pPr algn="l" fontAlgn="ctr"/>
+                      <a:r>
+                        <a:rPr lang="en-US" sz="1600" u="none" strike="noStrike">
+                          <a:effectLst/>
+                        </a:rPr>
+                        <a:t>Set</a:t>
+                      </a:r>
+                      <a:endParaRPr lang="en-US" sz="1600" b="0" i="0" u="none" strike="noStrike">
+                        <a:solidFill>
+                          <a:srgbClr val="000000"/>
+                        </a:solidFill>
+                        <a:effectLst/>
+                        <a:latin typeface="等线" panose="02010600030101010101" pitchFamily="2" charset="-122"/>
+                        <a:ea typeface="等线" panose="02010600030101010101" pitchFamily="2" charset="-122"/>
+                      </a:endParaRPr>
+                    </a:p>
+                  </a:txBody>
+                  <a:tcPr marL="6350" marR="6350" marT="6350" marB="0" anchor="ctr"/>
+                </a:tc>
+                <a:tc>
+                  <a:txBody>
+                    <a:bodyPr/>
+                    <a:lstStyle/>
+                    <a:p>
+                      <a:pPr algn="l" fontAlgn="ctr"/>
+                      <a:r>
+                        <a:rPr lang="en-US" sz="1600" u="none" strike="noStrike" dirty="0" err="1">
+                          <a:effectLst/>
+                        </a:rPr>
+                        <a:t>ArraySet</a:t>
+                      </a:r>
+                      <a:endParaRPr lang="en-US" sz="1600" b="0" i="0" u="none" strike="noStrike" dirty="0">
+                        <a:solidFill>
+                          <a:srgbClr val="000000"/>
+                        </a:solidFill>
+                        <a:effectLst/>
+                        <a:latin typeface="等线" panose="02010600030101010101" pitchFamily="2" charset="-122"/>
+                        <a:ea typeface="等线" panose="02010600030101010101" pitchFamily="2" charset="-122"/>
+                      </a:endParaRPr>
+                    </a:p>
+                  </a:txBody>
+                  <a:tcPr marL="6350" marR="6350" marT="6350" marB="0" anchor="ctr"/>
+                </a:tc>
+                <a:tc>
+                  <a:txBody>
+                    <a:bodyPr/>
+                    <a:lstStyle/>
+                    <a:p>
+                      <a:pPr algn="l" fontAlgn="ctr"/>
+                      <a:endParaRPr lang="zh-CN" altLang="en-US" sz="1600" b="0" i="0" u="none" strike="noStrike" dirty="0">
+                        <a:solidFill>
+                          <a:srgbClr val="000000"/>
+                        </a:solidFill>
+                        <a:effectLst/>
+                        <a:latin typeface="等线" panose="02010600030101010101" pitchFamily="2" charset="-122"/>
+                        <a:ea typeface="等线" panose="02010600030101010101" pitchFamily="2" charset="-122"/>
+                      </a:endParaRPr>
+                    </a:p>
+                  </a:txBody>
+                  <a:tcPr marL="6350" marR="6350" marT="6350" marB="0" anchor="ctr"/>
+                </a:tc>
+                <a:tc>
+                  <a:txBody>
+                    <a:bodyPr/>
+                    <a:lstStyle/>
+                    <a:p>
+                      <a:pPr algn="l" fontAlgn="ctr"/>
+                      <a:r>
+                        <a:rPr lang="en-US" sz="1600" u="none" strike="noStrike" dirty="0" err="1">
+                          <a:effectLst/>
+                        </a:rPr>
+                        <a:t>Collections.synchronizedSet</a:t>
+                      </a:r>
+                      <a:endParaRPr lang="en-US" sz="1600" b="0" i="0" u="none" strike="noStrike" dirty="0">
+                        <a:solidFill>
+                          <a:srgbClr val="000000"/>
+                        </a:solidFill>
+                        <a:effectLst/>
+                        <a:latin typeface="等线" panose="02010600030101010101" pitchFamily="2" charset="-122"/>
+                        <a:ea typeface="等线" panose="02010600030101010101" pitchFamily="2" charset="-122"/>
+                      </a:endParaRPr>
+                    </a:p>
+                  </a:txBody>
+                  <a:tcPr marL="6350" marR="6350" marT="6350" marB="0" anchor="ctr"/>
+                </a:tc>
+                <a:tc>
+                  <a:txBody>
+                    <a:bodyPr/>
+                    <a:lstStyle/>
+                    <a:p>
+                      <a:pPr algn="l" fontAlgn="ctr"/>
+                      <a:r>
+                        <a:rPr lang="en-US" sz="1600" u="none" strike="noStrike">
+                          <a:effectLst/>
+                        </a:rPr>
+                        <a:t>CopyOnWriteArraySet</a:t>
+                      </a:r>
+                      <a:endParaRPr lang="en-US" sz="1600" b="0" i="0" u="none" strike="noStrike">
+                        <a:solidFill>
+                          <a:srgbClr val="000000"/>
+                        </a:solidFill>
+                        <a:effectLst/>
+                        <a:latin typeface="等线" panose="02010600030101010101" pitchFamily="2" charset="-122"/>
+                        <a:ea typeface="等线" panose="02010600030101010101" pitchFamily="2" charset="-122"/>
+                      </a:endParaRPr>
+                    </a:p>
+                  </a:txBody>
+                  <a:tcPr marL="6350" marR="6350" marT="6350" marB="0" anchor="ctr"/>
+                </a:tc>
+                <a:extLst>
+                  <a:ext uri="{0D108BD9-81ED-4DB2-BD59-A6C34878D82A}">
+                    <a16:rowId xmlns:a16="http://schemas.microsoft.com/office/drawing/2014/main" val="2985411673"/>
+                  </a:ext>
+                </a:extLst>
+              </a:tr>
+              <a:tr h="562248">
+                <a:tc>
+                  <a:txBody>
+                    <a:bodyPr/>
+                    <a:lstStyle/>
+                    <a:p>
+                      <a:pPr algn="l" fontAlgn="ctr"/>
+                      <a:r>
+                        <a:rPr lang="en-US" sz="1600" u="none" strike="noStrike">
+                          <a:effectLst/>
+                        </a:rPr>
+                        <a:t>SortedMap</a:t>
+                      </a:r>
+                      <a:endParaRPr lang="en-US" sz="1600" b="0" i="0" u="none" strike="noStrike">
+                        <a:solidFill>
+                          <a:srgbClr val="000000"/>
+                        </a:solidFill>
+                        <a:effectLst/>
+                        <a:latin typeface="等线" panose="02010600030101010101" pitchFamily="2" charset="-122"/>
+                        <a:ea typeface="等线" panose="02010600030101010101" pitchFamily="2" charset="-122"/>
+                      </a:endParaRPr>
+                    </a:p>
+                  </a:txBody>
+                  <a:tcPr marL="6350" marR="6350" marT="6350" marB="0" anchor="ctr"/>
+                </a:tc>
+                <a:tc>
+                  <a:txBody>
+                    <a:bodyPr/>
+                    <a:lstStyle/>
+                    <a:p>
+                      <a:pPr algn="l" fontAlgn="ctr"/>
+                      <a:r>
+                        <a:rPr lang="en-US" sz="1600" u="none" strike="noStrike">
+                          <a:effectLst/>
+                        </a:rPr>
+                        <a:t>TreeMap</a:t>
+                      </a:r>
+                      <a:endParaRPr lang="en-US" sz="1600" b="0" i="0" u="none" strike="noStrike">
+                        <a:solidFill>
+                          <a:srgbClr val="000000"/>
+                        </a:solidFill>
+                        <a:effectLst/>
+                        <a:latin typeface="等线" panose="02010600030101010101" pitchFamily="2" charset="-122"/>
+                        <a:ea typeface="等线" panose="02010600030101010101" pitchFamily="2" charset="-122"/>
+                      </a:endParaRPr>
+                    </a:p>
+                  </a:txBody>
+                  <a:tcPr marL="6350" marR="6350" marT="6350" marB="0" anchor="ctr"/>
+                </a:tc>
+                <a:tc>
+                  <a:txBody>
+                    <a:bodyPr/>
+                    <a:lstStyle/>
+                    <a:p>
+                      <a:pPr algn="l" fontAlgn="ctr"/>
+                      <a:endParaRPr lang="zh-CN" altLang="en-US" sz="1600" b="0" i="0" u="none" strike="noStrike" dirty="0">
+                        <a:solidFill>
+                          <a:srgbClr val="000000"/>
+                        </a:solidFill>
+                        <a:effectLst/>
+                        <a:latin typeface="等线" panose="02010600030101010101" pitchFamily="2" charset="-122"/>
+                        <a:ea typeface="等线" panose="02010600030101010101" pitchFamily="2" charset="-122"/>
+                      </a:endParaRPr>
+                    </a:p>
+                  </a:txBody>
+                  <a:tcPr marL="6350" marR="6350" marT="6350" marB="0" anchor="ctr"/>
+                </a:tc>
+                <a:tc>
+                  <a:txBody>
+                    <a:bodyPr/>
+                    <a:lstStyle/>
+                    <a:p>
+                      <a:pPr algn="l" fontAlgn="ctr"/>
+                      <a:r>
+                        <a:rPr lang="en-US" sz="1600" u="none" strike="noStrike" dirty="0" err="1">
+                          <a:effectLst/>
+                        </a:rPr>
+                        <a:t>Collections.synchronizedSortedMap</a:t>
+                      </a:r>
+                      <a:endParaRPr lang="en-US" sz="1600" b="0" i="0" u="none" strike="noStrike" dirty="0">
+                        <a:solidFill>
+                          <a:srgbClr val="000000"/>
+                        </a:solidFill>
+                        <a:effectLst/>
+                        <a:latin typeface="等线" panose="02010600030101010101" pitchFamily="2" charset="-122"/>
+                        <a:ea typeface="等线" panose="02010600030101010101" pitchFamily="2" charset="-122"/>
+                      </a:endParaRPr>
+                    </a:p>
+                  </a:txBody>
+                  <a:tcPr marL="6350" marR="6350" marT="6350" marB="0" anchor="ctr"/>
+                </a:tc>
+                <a:tc>
+                  <a:txBody>
+                    <a:bodyPr/>
+                    <a:lstStyle/>
+                    <a:p>
+                      <a:pPr algn="l" fontAlgn="ctr"/>
+                      <a:r>
+                        <a:rPr lang="en-US" sz="1600" u="none" strike="noStrike" dirty="0" err="1">
+                          <a:effectLst/>
+                        </a:rPr>
+                        <a:t>ConcurrentSkipListMap</a:t>
+                      </a:r>
+                      <a:endParaRPr lang="en-US" sz="1600" b="0" i="0" u="none" strike="noStrike" dirty="0">
+                        <a:solidFill>
+                          <a:srgbClr val="000000"/>
+                        </a:solidFill>
+                        <a:effectLst/>
+                        <a:latin typeface="等线" panose="02010600030101010101" pitchFamily="2" charset="-122"/>
+                        <a:ea typeface="等线" panose="02010600030101010101" pitchFamily="2" charset="-122"/>
+                      </a:endParaRPr>
+                    </a:p>
+                  </a:txBody>
+                  <a:tcPr marL="6350" marR="6350" marT="6350" marB="0" anchor="ctr"/>
+                </a:tc>
+                <a:extLst>
+                  <a:ext uri="{0D108BD9-81ED-4DB2-BD59-A6C34878D82A}">
+                    <a16:rowId xmlns:a16="http://schemas.microsoft.com/office/drawing/2014/main" val="1086288020"/>
+                  </a:ext>
+                </a:extLst>
+              </a:tr>
+              <a:tr h="573097">
+                <a:tc>
+                  <a:txBody>
+                    <a:bodyPr/>
+                    <a:lstStyle/>
+                    <a:p>
+                      <a:pPr algn="l" fontAlgn="ctr"/>
+                      <a:r>
+                        <a:rPr lang="en-US" sz="1600" u="none" strike="noStrike">
+                          <a:effectLst/>
+                        </a:rPr>
+                        <a:t>SortedSet</a:t>
+                      </a:r>
+                      <a:endParaRPr lang="en-US" sz="1600" b="0" i="0" u="none" strike="noStrike">
+                        <a:solidFill>
+                          <a:srgbClr val="000000"/>
+                        </a:solidFill>
+                        <a:effectLst/>
+                        <a:latin typeface="等线" panose="02010600030101010101" pitchFamily="2" charset="-122"/>
+                        <a:ea typeface="等线" panose="02010600030101010101" pitchFamily="2" charset="-122"/>
+                      </a:endParaRPr>
+                    </a:p>
+                  </a:txBody>
+                  <a:tcPr marL="6350" marR="6350" marT="6350" marB="0" anchor="ctr"/>
+                </a:tc>
+                <a:tc>
+                  <a:txBody>
+                    <a:bodyPr/>
+                    <a:lstStyle/>
+                    <a:p>
+                      <a:pPr algn="l" fontAlgn="ctr"/>
+                      <a:r>
+                        <a:rPr lang="en-US" sz="1600" u="none" strike="noStrike">
+                          <a:effectLst/>
+                        </a:rPr>
+                        <a:t>TreeSet</a:t>
+                      </a:r>
+                      <a:endParaRPr lang="en-US" sz="1600" b="0" i="0" u="none" strike="noStrike">
+                        <a:solidFill>
+                          <a:srgbClr val="000000"/>
+                        </a:solidFill>
+                        <a:effectLst/>
+                        <a:latin typeface="等线" panose="02010600030101010101" pitchFamily="2" charset="-122"/>
+                        <a:ea typeface="等线" panose="02010600030101010101" pitchFamily="2" charset="-122"/>
+                      </a:endParaRPr>
+                    </a:p>
+                  </a:txBody>
+                  <a:tcPr marL="6350" marR="6350" marT="6350" marB="0" anchor="ctr"/>
+                </a:tc>
+                <a:tc>
+                  <a:txBody>
+                    <a:bodyPr/>
+                    <a:lstStyle/>
+                    <a:p>
+                      <a:pPr algn="l" fontAlgn="ctr"/>
+                      <a:r>
+                        <a:rPr lang="zh-CN" altLang="en-US" sz="1600" u="none" strike="noStrike">
+                          <a:effectLst/>
+                        </a:rPr>
+                        <a:t>　</a:t>
+                      </a:r>
+                      <a:endParaRPr lang="zh-CN" altLang="en-US" sz="1600" b="0" i="0" u="none" strike="noStrike">
+                        <a:solidFill>
+                          <a:srgbClr val="000000"/>
+                        </a:solidFill>
+                        <a:effectLst/>
+                        <a:latin typeface="等线" panose="02010600030101010101" pitchFamily="2" charset="-122"/>
+                        <a:ea typeface="等线" panose="02010600030101010101" pitchFamily="2" charset="-122"/>
+                      </a:endParaRPr>
+                    </a:p>
+                  </a:txBody>
+                  <a:tcPr marL="6350" marR="6350" marT="6350" marB="0" anchor="ctr"/>
+                </a:tc>
+                <a:tc>
+                  <a:txBody>
+                    <a:bodyPr/>
+                    <a:lstStyle/>
+                    <a:p>
+                      <a:pPr algn="l" fontAlgn="ctr"/>
+                      <a:r>
+                        <a:rPr lang="en-US" sz="1600" u="none" strike="noStrike" dirty="0" err="1">
+                          <a:effectLst/>
+                        </a:rPr>
+                        <a:t>Collections.synchronizedSortedSet</a:t>
+                      </a:r>
+                      <a:endParaRPr lang="en-US" sz="1600" b="0" i="0" u="none" strike="noStrike" dirty="0">
+                        <a:solidFill>
+                          <a:srgbClr val="000000"/>
+                        </a:solidFill>
+                        <a:effectLst/>
+                        <a:latin typeface="等线" panose="02010600030101010101" pitchFamily="2" charset="-122"/>
+                        <a:ea typeface="等线" panose="02010600030101010101" pitchFamily="2" charset="-122"/>
+                      </a:endParaRPr>
+                    </a:p>
+                  </a:txBody>
+                  <a:tcPr marL="6350" marR="6350" marT="6350" marB="0" anchor="ctr"/>
+                </a:tc>
+                <a:tc>
+                  <a:txBody>
+                    <a:bodyPr/>
+                    <a:lstStyle/>
+                    <a:p>
+                      <a:pPr algn="l" fontAlgn="ctr"/>
+                      <a:r>
+                        <a:rPr lang="en-US" sz="1600" u="none" strike="noStrike" dirty="0" err="1">
+                          <a:effectLst/>
+                        </a:rPr>
+                        <a:t>ConcurrentSkipListSet</a:t>
+                      </a:r>
+                      <a:endParaRPr lang="en-US" sz="1600" b="0" i="0" u="none" strike="noStrike" dirty="0">
+                        <a:solidFill>
+                          <a:srgbClr val="000000"/>
+                        </a:solidFill>
+                        <a:effectLst/>
+                        <a:latin typeface="等线" panose="02010600030101010101" pitchFamily="2" charset="-122"/>
+                        <a:ea typeface="等线" panose="02010600030101010101" pitchFamily="2" charset="-122"/>
+                      </a:endParaRPr>
+                    </a:p>
+                  </a:txBody>
+                  <a:tcPr marL="6350" marR="6350" marT="6350" marB="0" anchor="ctr"/>
+                </a:tc>
+                <a:extLst>
+                  <a:ext uri="{0D108BD9-81ED-4DB2-BD59-A6C34878D82A}">
+                    <a16:rowId xmlns:a16="http://schemas.microsoft.com/office/drawing/2014/main" val="1372982260"/>
+                  </a:ext>
+                </a:extLst>
+              </a:tr>
+            </a:tbl>
+          </a:graphicData>
+        </a:graphic>
+      </p:graphicFrame>
     </p:spTree>
     <p:extLst>
       <p:ext uri="{BB962C8B-B14F-4D97-AF65-F5344CB8AC3E}">
-        <p14:creationId xmlns:p14="http://schemas.microsoft.com/office/powerpoint/2010/main" val="427415900"/>
+        <p14:creationId xmlns:p14="http://schemas.microsoft.com/office/powerpoint/2010/main" val="2886360486"/>
       </p:ext>
     </p:extLst>
   </p:cSld>
@@ -9875,6 +16124,248 @@
           <a:chExt cx="0" cy="0"/>
         </a:xfrm>
       </p:grpSpPr>
+      <p:sp>
+        <p:nvSpPr>
+          <p:cNvPr id="2" name="标题 1">
+            <a:extLst>
+              <a:ext uri="{FF2B5EF4-FFF2-40B4-BE49-F238E27FC236}">
+                <a16:creationId xmlns:a16="http://schemas.microsoft.com/office/drawing/2014/main" id="{B44B5624-ABDA-423E-A81B-4F87424C0D93}"/>
+              </a:ext>
+            </a:extLst>
+          </p:cNvPr>
+          <p:cNvSpPr>
+            <a:spLocks noGrp="1"/>
+          </p:cNvSpPr>
+          <p:nvPr>
+            <p:ph type="title"/>
+          </p:nvPr>
+        </p:nvSpPr>
+        <p:spPr/>
+        <p:txBody>
+          <a:bodyPr/>
+          <a:lstStyle/>
+          <a:p>
+            <a:r>
+              <a:rPr lang="zh-CN" altLang="en-US" dirty="0"/>
+              <a:t>阻塞队列</a:t>
+            </a:r>
+          </a:p>
+        </p:txBody>
+      </p:sp>
+      <p:sp>
+        <p:nvSpPr>
+          <p:cNvPr id="3" name="内容占位符 2">
+            <a:extLst>
+              <a:ext uri="{FF2B5EF4-FFF2-40B4-BE49-F238E27FC236}">
+                <a16:creationId xmlns:a16="http://schemas.microsoft.com/office/drawing/2014/main" id="{269E27E6-0F91-4121-895E-578D80664193}"/>
+              </a:ext>
+            </a:extLst>
+          </p:cNvPr>
+          <p:cNvSpPr>
+            <a:spLocks noGrp="1"/>
+          </p:cNvSpPr>
+          <p:nvPr>
+            <p:ph idx="1"/>
+          </p:nvPr>
+        </p:nvSpPr>
+        <p:spPr/>
+        <p:txBody>
+          <a:bodyPr>
+            <a:normAutofit/>
+          </a:bodyPr>
+          <a:lstStyle/>
+          <a:p>
+            <a:pPr marL="0" indent="0">
+              <a:buNone/>
+            </a:pPr>
+            <a:r>
+              <a:rPr lang="en-US" altLang="zh-CN" dirty="0" err="1"/>
+              <a:t>BlockingQueue</a:t>
+            </a:r>
+            <a:r>
+              <a:rPr lang="zh-CN" altLang="en-US" dirty="0"/>
+              <a:t>：生产者</a:t>
+            </a:r>
+            <a:r>
+              <a:rPr lang="en-US" altLang="zh-CN" dirty="0"/>
+              <a:t>-</a:t>
+            </a:r>
+            <a:r>
+              <a:rPr lang="zh-CN" altLang="en-US" dirty="0"/>
+              <a:t>消费者模式，只有</a:t>
+            </a:r>
+            <a:r>
+              <a:rPr lang="en-US" altLang="zh-CN" dirty="0"/>
+              <a:t>put</a:t>
+            </a:r>
+            <a:r>
+              <a:rPr lang="zh-CN" altLang="en-US" dirty="0"/>
+              <a:t>和</a:t>
+            </a:r>
+            <a:r>
+              <a:rPr lang="en-US" altLang="zh-CN" dirty="0"/>
+              <a:t>take</a:t>
+            </a:r>
+            <a:r>
+              <a:rPr lang="zh-CN" altLang="en-US" dirty="0"/>
+              <a:t>方法能阻塞</a:t>
+            </a:r>
+            <a:endParaRPr lang="en-US" altLang="zh-CN" dirty="0"/>
+          </a:p>
+          <a:p>
+            <a:pPr>
+              <a:buFont typeface="Wingdings" panose="05000000000000000000" pitchFamily="2" charset="2"/>
+              <a:buChar char="l"/>
+            </a:pPr>
+            <a:r>
+              <a:rPr lang="en-US" altLang="zh-CN" dirty="0" err="1"/>
+              <a:t>ArrayBlockingQueue</a:t>
+            </a:r>
+            <a:r>
+              <a:rPr lang="zh-CN" altLang="en-US" dirty="0"/>
+              <a:t>：有界</a:t>
+            </a:r>
+            <a:endParaRPr lang="en-US" altLang="zh-CN" dirty="0"/>
+          </a:p>
+          <a:p>
+            <a:pPr>
+              <a:buFont typeface="Wingdings" panose="05000000000000000000" pitchFamily="2" charset="2"/>
+              <a:buChar char="l"/>
+            </a:pPr>
+            <a:r>
+              <a:rPr lang="en-US" altLang="zh-CN" dirty="0" err="1"/>
+              <a:t>LinkedBlockingQueue</a:t>
+            </a:r>
+            <a:r>
+              <a:rPr lang="zh-CN" altLang="en-US" dirty="0"/>
+              <a:t>：无界</a:t>
+            </a:r>
+            <a:endParaRPr lang="en-US" altLang="zh-CN" dirty="0"/>
+          </a:p>
+          <a:p>
+            <a:pPr>
+              <a:buFont typeface="Wingdings" panose="05000000000000000000" pitchFamily="2" charset="2"/>
+              <a:buChar char="l"/>
+            </a:pPr>
+            <a:r>
+              <a:rPr lang="en-US" altLang="zh-CN" dirty="0" err="1"/>
+              <a:t>PriorityBlockingQueue</a:t>
+            </a:r>
+            <a:r>
+              <a:rPr lang="zh-CN" altLang="en-US" dirty="0"/>
+              <a:t>：排序</a:t>
+            </a:r>
+            <a:endParaRPr lang="en-US" altLang="zh-CN" dirty="0"/>
+          </a:p>
+          <a:p>
+            <a:pPr marL="0" indent="0">
+              <a:buNone/>
+            </a:pPr>
+            <a:endParaRPr lang="en-US" altLang="zh-CN" dirty="0"/>
+          </a:p>
+          <a:p>
+            <a:pPr marL="0" indent="0">
+              <a:buNone/>
+            </a:pPr>
+            <a:r>
+              <a:rPr lang="zh-CN" altLang="en-US" dirty="0"/>
+              <a:t>恢复中断状态：</a:t>
+            </a:r>
+            <a:r>
+              <a:rPr lang="en-US" altLang="zh-CN" dirty="0" err="1"/>
+              <a:t>BlockingQueueRecoverInterceptedStatusDemo</a:t>
+            </a:r>
+            <a:endParaRPr lang="en-US" altLang="zh-CN" dirty="0"/>
+          </a:p>
+          <a:p>
+            <a:pPr marL="0" indent="0">
+              <a:buNone/>
+            </a:pPr>
+            <a:endParaRPr lang="en-US" altLang="zh-CN" dirty="0"/>
+          </a:p>
+          <a:p>
+            <a:pPr marL="0" indent="0">
+              <a:buNone/>
+            </a:pPr>
+            <a:r>
+              <a:rPr lang="zh-CN" altLang="en-US" dirty="0"/>
+              <a:t>线程池中的应用：</a:t>
+            </a:r>
+            <a:r>
+              <a:rPr lang="en-US" altLang="zh-CN" dirty="0" err="1"/>
+              <a:t>java.util.concurrent.ThreadPoolExecutor#workQueue</a:t>
+            </a:r>
+            <a:endParaRPr lang="zh-CN" altLang="en-US" dirty="0"/>
+          </a:p>
+        </p:txBody>
+      </p:sp>
+    </p:spTree>
+    <p:extLst>
+      <p:ext uri="{BB962C8B-B14F-4D97-AF65-F5344CB8AC3E}">
+        <p14:creationId xmlns:p14="http://schemas.microsoft.com/office/powerpoint/2010/main" val="427415900"/>
+      </p:ext>
+    </p:extLst>
+  </p:cSld>
+  <p:clrMapOvr>
+    <a:masterClrMapping/>
+  </p:clrMapOvr>
+</p:sld>
+</file>
+
+<file path=ppt/slides/slide33.xml><?xml version="1.0" encoding="utf-8"?>
+<p:sld xmlns:a="http://schemas.openxmlformats.org/drawingml/2006/main" xmlns:r="http://schemas.openxmlformats.org/officeDocument/2006/relationships" xmlns:p="http://schemas.openxmlformats.org/presentationml/2006/main">
+  <p:cSld>
+    <p:spTree>
+      <p:nvGrpSpPr>
+        <p:cNvPr id="1" name=""/>
+        <p:cNvGrpSpPr/>
+        <p:nvPr/>
+      </p:nvGrpSpPr>
+      <p:grpSpPr>
+        <a:xfrm>
+          <a:off x="0" y="0"/>
+          <a:ext cx="0" cy="0"/>
+          <a:chOff x="0" y="0"/>
+          <a:chExt cx="0" cy="0"/>
+        </a:xfrm>
+      </p:grpSpPr>
+      <p:sp>
+        <p:nvSpPr>
+          <p:cNvPr id="6" name="标题 1">
+            <a:extLst>
+              <a:ext uri="{FF2B5EF4-FFF2-40B4-BE49-F238E27FC236}">
+                <a16:creationId xmlns:a16="http://schemas.microsoft.com/office/drawing/2014/main" id="{69DC2B63-3BEA-42CC-8961-3ED29D2D80B4}"/>
+              </a:ext>
+            </a:extLst>
+          </p:cNvPr>
+          <p:cNvSpPr>
+            <a:spLocks noGrp="1"/>
+          </p:cNvSpPr>
+          <p:nvPr>
+            <p:ph type="title"/>
+          </p:nvPr>
+        </p:nvSpPr>
+        <p:spPr>
+          <a:xfrm>
+            <a:off x="989506" y="683393"/>
+            <a:ext cx="10515600" cy="1325562"/>
+          </a:xfrm>
+        </p:spPr>
+        <p:txBody>
+          <a:bodyPr/>
+          <a:lstStyle/>
+          <a:p>
+            <a:r>
+              <a:rPr lang="en-US" altLang="zh-CN" dirty="0" err="1"/>
+              <a:t>BlockingQueue</a:t>
+            </a:r>
+            <a:r>
+              <a:rPr lang="zh-CN" altLang="en-US" dirty="0"/>
+              <a:t>方法对比</a:t>
+            </a:r>
+          </a:p>
+        </p:txBody>
+      </p:sp>
       <p:graphicFrame>
         <p:nvGraphicFramePr>
           <p:cNvPr id="4" name="内容占位符 3">
@@ -10425,229 +16916,10 @@
           </a:graphicData>
         </a:graphic>
       </p:graphicFrame>
-      <p:sp>
-        <p:nvSpPr>
-          <p:cNvPr id="6" name="标题 1">
-            <a:extLst>
-              <a:ext uri="{FF2B5EF4-FFF2-40B4-BE49-F238E27FC236}">
-                <a16:creationId xmlns:a16="http://schemas.microsoft.com/office/drawing/2014/main" id="{69DC2B63-3BEA-42CC-8961-3ED29D2D80B4}"/>
-              </a:ext>
-            </a:extLst>
-          </p:cNvPr>
-          <p:cNvSpPr>
-            <a:spLocks noGrp="1"/>
-          </p:cNvSpPr>
-          <p:nvPr>
-            <p:ph type="title"/>
-          </p:nvPr>
-        </p:nvSpPr>
-        <p:spPr>
-          <a:xfrm>
-            <a:off x="989506" y="683393"/>
-            <a:ext cx="10515600" cy="1325562"/>
-          </a:xfrm>
-        </p:spPr>
-        <p:txBody>
-          <a:bodyPr/>
-          <a:lstStyle/>
-          <a:p>
-            <a:r>
-              <a:rPr lang="en-US" altLang="zh-CN" dirty="0" err="1"/>
-              <a:t>BlockingQueue</a:t>
-            </a:r>
-            <a:r>
-              <a:rPr lang="zh-CN" altLang="en-US" dirty="0"/>
-              <a:t>方法对比</a:t>
-            </a:r>
-          </a:p>
-        </p:txBody>
-      </p:sp>
     </p:spTree>
     <p:extLst>
       <p:ext uri="{BB962C8B-B14F-4D97-AF65-F5344CB8AC3E}">
         <p14:creationId xmlns:p14="http://schemas.microsoft.com/office/powerpoint/2010/main" val="423601319"/>
-      </p:ext>
-    </p:extLst>
-  </p:cSld>
-  <p:clrMapOvr>
-    <a:masterClrMapping/>
-  </p:clrMapOvr>
-</p:sld>
-</file>
-
-<file path=ppt/slides/slide33.xml><?xml version="1.0" encoding="utf-8"?>
-<p:sld xmlns:a="http://schemas.openxmlformats.org/drawingml/2006/main" xmlns:r="http://schemas.openxmlformats.org/officeDocument/2006/relationships" xmlns:p="http://schemas.openxmlformats.org/presentationml/2006/main">
-  <p:cSld>
-    <p:spTree>
-      <p:nvGrpSpPr>
-        <p:cNvPr id="1" name=""/>
-        <p:cNvGrpSpPr/>
-        <p:nvPr/>
-      </p:nvGrpSpPr>
-      <p:grpSpPr>
-        <a:xfrm>
-          <a:off x="0" y="0"/>
-          <a:ext cx="0" cy="0"/>
-          <a:chOff x="0" y="0"/>
-          <a:chExt cx="0" cy="0"/>
-        </a:xfrm>
-      </p:grpSpPr>
-      <p:sp>
-        <p:nvSpPr>
-          <p:cNvPr id="2" name="标题 1">
-            <a:extLst>
-              <a:ext uri="{FF2B5EF4-FFF2-40B4-BE49-F238E27FC236}">
-                <a16:creationId xmlns:a16="http://schemas.microsoft.com/office/drawing/2014/main" id="{F8F02A9A-0C9A-4D8D-A584-593BAD8E6E3D}"/>
-              </a:ext>
-            </a:extLst>
-          </p:cNvPr>
-          <p:cNvSpPr>
-            <a:spLocks noGrp="1"/>
-          </p:cNvSpPr>
-          <p:nvPr>
-            <p:ph type="title"/>
-          </p:nvPr>
-        </p:nvSpPr>
-        <p:spPr/>
-        <p:txBody>
-          <a:bodyPr/>
-          <a:lstStyle/>
-          <a:p>
-            <a:r>
-              <a:rPr lang="zh-CN" altLang="en-US" dirty="0"/>
-              <a:t>同步工具</a:t>
-            </a:r>
-          </a:p>
-        </p:txBody>
-      </p:sp>
-      <p:sp>
-        <p:nvSpPr>
-          <p:cNvPr id="3" name="内容占位符 2">
-            <a:extLst>
-              <a:ext uri="{FF2B5EF4-FFF2-40B4-BE49-F238E27FC236}">
-                <a16:creationId xmlns:a16="http://schemas.microsoft.com/office/drawing/2014/main" id="{A25AA25B-AD45-44E5-B557-DCF3E5C1E805}"/>
-              </a:ext>
-            </a:extLst>
-          </p:cNvPr>
-          <p:cNvSpPr>
-            <a:spLocks noGrp="1"/>
-          </p:cNvSpPr>
-          <p:nvPr>
-            <p:ph idx="1"/>
-          </p:nvPr>
-        </p:nvSpPr>
-        <p:spPr/>
-        <p:txBody>
-          <a:bodyPr>
-            <a:normAutofit/>
-          </a:bodyPr>
-          <a:lstStyle/>
-          <a:p>
-            <a:r>
-              <a:rPr lang="zh-CN" altLang="en-US" dirty="0"/>
-              <a:t>闭锁：</a:t>
-            </a:r>
-            <a:r>
-              <a:rPr lang="en-US" altLang="zh-CN" dirty="0"/>
-              <a:t> </a:t>
-            </a:r>
-            <a:r>
-              <a:rPr lang="en-US" altLang="zh-CN" dirty="0" err="1"/>
-              <a:t>CountDownLatch</a:t>
-            </a:r>
-            <a:endParaRPr lang="en-US" altLang="zh-CN" dirty="0"/>
-          </a:p>
-          <a:p>
-            <a:pPr marL="0" indent="0">
-              <a:buNone/>
-            </a:pPr>
-            <a:r>
-              <a:rPr lang="en-US" altLang="zh-CN" dirty="0" err="1"/>
-              <a:t>api</a:t>
-            </a:r>
-            <a:r>
-              <a:rPr lang="en-US" altLang="zh-CN" dirty="0"/>
-              <a:t>: countdown, await</a:t>
-            </a:r>
-          </a:p>
-          <a:p>
-            <a:pPr marL="0" indent="0">
-              <a:buNone/>
-            </a:pPr>
-            <a:r>
-              <a:rPr lang="zh-CN" altLang="en-US" dirty="0"/>
-              <a:t>示例：</a:t>
-            </a:r>
-            <a:r>
-              <a:rPr lang="en-US" altLang="zh-CN" dirty="0"/>
-              <a:t> </a:t>
-            </a:r>
-            <a:r>
-              <a:rPr lang="en-US" altLang="zh-CN" dirty="0" err="1"/>
-              <a:t>CountDownLatchDemo</a:t>
-            </a:r>
-            <a:endParaRPr lang="en-US" altLang="zh-CN" dirty="0"/>
-          </a:p>
-          <a:p>
-            <a:pPr marL="0" indent="0">
-              <a:buNone/>
-            </a:pPr>
-            <a:endParaRPr lang="en-US" altLang="zh-CN" dirty="0"/>
-          </a:p>
-          <a:p>
-            <a:r>
-              <a:rPr lang="zh-CN" altLang="en-US" dirty="0"/>
-              <a:t>未来任务：</a:t>
-            </a:r>
-            <a:r>
-              <a:rPr lang="en-US" altLang="zh-CN" dirty="0" err="1"/>
-              <a:t>FutureTask</a:t>
-            </a:r>
-            <a:endParaRPr lang="en-US" altLang="zh-CN" dirty="0"/>
-          </a:p>
-          <a:p>
-            <a:pPr marL="0" indent="0">
-              <a:buNone/>
-            </a:pPr>
-            <a:r>
-              <a:rPr lang="en-US" altLang="zh-CN" dirty="0" err="1"/>
-              <a:t>api</a:t>
-            </a:r>
-            <a:r>
-              <a:rPr lang="en-US" altLang="zh-CN" dirty="0"/>
-              <a:t>: constructor(Callable), get, run</a:t>
-            </a:r>
-          </a:p>
-          <a:p>
-            <a:pPr marL="0" indent="0">
-              <a:buNone/>
-            </a:pPr>
-            <a:r>
-              <a:rPr lang="zh-CN" altLang="en-US" dirty="0"/>
-              <a:t>示例：</a:t>
-            </a:r>
-            <a:r>
-              <a:rPr lang="en-US" altLang="zh-CN" dirty="0"/>
-              <a:t> </a:t>
-            </a:r>
-            <a:r>
-              <a:rPr lang="en-US" altLang="zh-CN" dirty="0" err="1"/>
-              <a:t>FutureTaskDemo</a:t>
-            </a:r>
-            <a:endParaRPr lang="en-US" altLang="zh-CN" dirty="0"/>
-          </a:p>
-          <a:p>
-            <a:pPr marL="0" indent="0">
-              <a:buNone/>
-            </a:pPr>
-            <a:endParaRPr lang="en-US" altLang="zh-CN" dirty="0"/>
-          </a:p>
-        </p:txBody>
-      </p:sp>
-    </p:spTree>
-    <p:extLst>
-      <p:ext uri="{BB962C8B-B14F-4D97-AF65-F5344CB8AC3E}">
-        <p14:creationId xmlns:p14="http://schemas.microsoft.com/office/powerpoint/2010/main" val="2117826024"/>
       </p:ext>
     </p:extLst>
   </p:cSld>
@@ -10676,6 +16948,188 @@
       </p:grpSpPr>
       <p:sp>
         <p:nvSpPr>
+          <p:cNvPr id="2" name="标题 1">
+            <a:extLst>
+              <a:ext uri="{FF2B5EF4-FFF2-40B4-BE49-F238E27FC236}">
+                <a16:creationId xmlns:a16="http://schemas.microsoft.com/office/drawing/2014/main" id="{F8F02A9A-0C9A-4D8D-A584-593BAD8E6E3D}"/>
+              </a:ext>
+            </a:extLst>
+          </p:cNvPr>
+          <p:cNvSpPr>
+            <a:spLocks noGrp="1"/>
+          </p:cNvSpPr>
+          <p:nvPr>
+            <p:ph type="title"/>
+          </p:nvPr>
+        </p:nvSpPr>
+        <p:spPr/>
+        <p:txBody>
+          <a:bodyPr/>
+          <a:lstStyle/>
+          <a:p>
+            <a:r>
+              <a:rPr lang="zh-CN" altLang="en-US" dirty="0"/>
+              <a:t>同步工具</a:t>
+            </a:r>
+          </a:p>
+        </p:txBody>
+      </p:sp>
+      <p:sp>
+        <p:nvSpPr>
+          <p:cNvPr id="3" name="内容占位符 2">
+            <a:extLst>
+              <a:ext uri="{FF2B5EF4-FFF2-40B4-BE49-F238E27FC236}">
+                <a16:creationId xmlns:a16="http://schemas.microsoft.com/office/drawing/2014/main" id="{A25AA25B-AD45-44E5-B557-DCF3E5C1E805}"/>
+              </a:ext>
+            </a:extLst>
+          </p:cNvPr>
+          <p:cNvSpPr>
+            <a:spLocks noGrp="1"/>
+          </p:cNvSpPr>
+          <p:nvPr>
+            <p:ph idx="1"/>
+          </p:nvPr>
+        </p:nvSpPr>
+        <p:spPr/>
+        <p:txBody>
+          <a:bodyPr>
+            <a:normAutofit/>
+          </a:bodyPr>
+          <a:lstStyle/>
+          <a:p>
+            <a:r>
+              <a:rPr lang="zh-CN" altLang="en-US" dirty="0"/>
+              <a:t>闭锁：</a:t>
+            </a:r>
+            <a:r>
+              <a:rPr lang="en-US" altLang="zh-CN" dirty="0"/>
+              <a:t> </a:t>
+            </a:r>
+            <a:r>
+              <a:rPr lang="en-US" altLang="zh-CN" dirty="0" err="1"/>
+              <a:t>CountDownLatch</a:t>
+            </a:r>
+            <a:endParaRPr lang="en-US" altLang="zh-CN" dirty="0"/>
+          </a:p>
+          <a:p>
+            <a:pPr marL="0" indent="0">
+              <a:buNone/>
+            </a:pPr>
+            <a:r>
+              <a:rPr lang="en-US" altLang="zh-CN" dirty="0" err="1"/>
+              <a:t>api</a:t>
+            </a:r>
+            <a:r>
+              <a:rPr lang="en-US" altLang="zh-CN" dirty="0"/>
+              <a:t>: countdown, await</a:t>
+            </a:r>
+          </a:p>
+          <a:p>
+            <a:pPr marL="0" indent="0">
+              <a:buNone/>
+            </a:pPr>
+            <a:r>
+              <a:rPr lang="zh-CN" altLang="en-US" dirty="0"/>
+              <a:t>示例：</a:t>
+            </a:r>
+            <a:r>
+              <a:rPr lang="en-US" altLang="zh-CN" dirty="0"/>
+              <a:t> </a:t>
+            </a:r>
+            <a:r>
+              <a:rPr lang="en-US" altLang="zh-CN" dirty="0" err="1"/>
+              <a:t>CountDownLatchDemo</a:t>
+            </a:r>
+            <a:endParaRPr lang="en-US" altLang="zh-CN" dirty="0"/>
+          </a:p>
+          <a:p>
+            <a:pPr marL="0" indent="0">
+              <a:buNone/>
+            </a:pPr>
+            <a:endParaRPr lang="en-US" altLang="zh-CN" dirty="0"/>
+          </a:p>
+          <a:p>
+            <a:r>
+              <a:rPr lang="zh-CN" altLang="en-US" dirty="0"/>
+              <a:t>未来任务：</a:t>
+            </a:r>
+            <a:r>
+              <a:rPr lang="en-US" altLang="zh-CN" dirty="0" err="1"/>
+              <a:t>FutureTask</a:t>
+            </a:r>
+            <a:endParaRPr lang="en-US" altLang="zh-CN" dirty="0"/>
+          </a:p>
+          <a:p>
+            <a:pPr marL="0" indent="0">
+              <a:buNone/>
+            </a:pPr>
+            <a:r>
+              <a:rPr lang="en-US" altLang="zh-CN" dirty="0" err="1"/>
+              <a:t>api</a:t>
+            </a:r>
+            <a:r>
+              <a:rPr lang="en-US" altLang="zh-CN" dirty="0"/>
+              <a:t>: constructor(Callable), get, run</a:t>
+            </a:r>
+          </a:p>
+          <a:p>
+            <a:pPr marL="0" indent="0">
+              <a:buNone/>
+            </a:pPr>
+            <a:r>
+              <a:rPr lang="zh-CN" altLang="en-US" dirty="0"/>
+              <a:t>示例：</a:t>
+            </a:r>
+            <a:r>
+              <a:rPr lang="en-US" altLang="zh-CN" dirty="0"/>
+              <a:t> </a:t>
+            </a:r>
+            <a:r>
+              <a:rPr lang="en-US" altLang="zh-CN" dirty="0" err="1"/>
+              <a:t>FutureTaskDemo</a:t>
+            </a:r>
+            <a:endParaRPr lang="en-US" altLang="zh-CN" dirty="0"/>
+          </a:p>
+          <a:p>
+            <a:pPr marL="0" indent="0">
+              <a:buNone/>
+            </a:pPr>
+            <a:endParaRPr lang="en-US" altLang="zh-CN" dirty="0"/>
+          </a:p>
+        </p:txBody>
+      </p:sp>
+    </p:spTree>
+    <p:extLst>
+      <p:ext uri="{BB962C8B-B14F-4D97-AF65-F5344CB8AC3E}">
+        <p14:creationId xmlns:p14="http://schemas.microsoft.com/office/powerpoint/2010/main" val="2117826024"/>
+      </p:ext>
+    </p:extLst>
+  </p:cSld>
+  <p:clrMapOvr>
+    <a:masterClrMapping/>
+  </p:clrMapOvr>
+</p:sld>
+</file>
+
+<file path=ppt/slides/slide35.xml><?xml version="1.0" encoding="utf-8"?>
+<p:sld xmlns:a="http://schemas.openxmlformats.org/drawingml/2006/main" xmlns:r="http://schemas.openxmlformats.org/officeDocument/2006/relationships" xmlns:p="http://schemas.openxmlformats.org/presentationml/2006/main">
+  <p:cSld>
+    <p:spTree>
+      <p:nvGrpSpPr>
+        <p:cNvPr id="1" name=""/>
+        <p:cNvGrpSpPr/>
+        <p:nvPr/>
+      </p:nvGrpSpPr>
+      <p:grpSpPr>
+        <a:xfrm>
+          <a:off x="0" y="0"/>
+          <a:ext cx="0" cy="0"/>
+          <a:chOff x="0" y="0"/>
+          <a:chExt cx="0" cy="0"/>
+        </a:xfrm>
+      </p:grpSpPr>
+      <p:sp>
+        <p:nvSpPr>
           <p:cNvPr id="3" name="内容占位符 2">
             <a:extLst>
               <a:ext uri="{FF2B5EF4-FFF2-40B4-BE49-F238E27FC236}">
@@ -10815,7 +17269,7 @@
 </p:sld>
 </file>
 
-<file path=ppt/slides/slide35.xml><?xml version="1.0" encoding="utf-8"?>
+<file path=ppt/slides/slide36.xml><?xml version="1.0" encoding="utf-8"?>
 <p:sld xmlns:a="http://schemas.openxmlformats.org/drawingml/2006/main" xmlns:r="http://schemas.openxmlformats.org/officeDocument/2006/relationships" xmlns:p="http://schemas.openxmlformats.org/presentationml/2006/main">
   <p:cSld>
     <p:spTree>
@@ -11363,9 +17817,14 @@
         </p:nvSpPr>
         <p:spPr/>
         <p:txBody>
-          <a:bodyPr/>
-          <a:lstStyle/>
-          <a:p>
+          <a:bodyPr>
+            <a:normAutofit/>
+          </a:bodyPr>
+          <a:lstStyle/>
+          <a:p>
+            <a:pPr marL="0" indent="0">
+              <a:buNone/>
+            </a:pPr>
             <a:r>
               <a:rPr lang="en-US" altLang="zh-CN" dirty="0"/>
               <a:t>jdk5</a:t>
@@ -11385,6 +17844,9 @@
             <a:endParaRPr lang="en-US" altLang="zh-CN" dirty="0"/>
           </a:p>
           <a:p>
+            <a:pPr marL="0" indent="0">
+              <a:buNone/>
+            </a:pPr>
             <a:r>
               <a:rPr lang="zh-CN" altLang="en-US" dirty="0"/>
               <a:t>演示：</a:t>
@@ -11395,8 +17857,9 @@
             </a:r>
           </a:p>
           <a:p>
-            <a:pPr marL="0" indent="0">
-              <a:buNone/>
+            <a:pPr>
+              <a:buFont typeface="Wingdings" panose="05000000000000000000" pitchFamily="2" charset="2"/>
+              <a:buChar char="Ø"/>
             </a:pPr>
             <a:r>
               <a:rPr lang="en-US" altLang="zh-CN" dirty="0" err="1"/>
@@ -11420,8 +17883,9 @@
             </a:r>
           </a:p>
           <a:p>
-            <a:pPr marL="0" indent="0">
-              <a:buNone/>
+            <a:pPr>
+              <a:buFont typeface="Wingdings" panose="05000000000000000000" pitchFamily="2" charset="2"/>
+              <a:buChar char="Ø"/>
             </a:pPr>
             <a:r>
               <a:rPr lang="en-US" altLang="zh-CN" dirty="0" err="1"/>
@@ -11442,8 +17906,9 @@
             <a:endParaRPr lang="en-US" altLang="zh-CN" dirty="0"/>
           </a:p>
           <a:p>
-            <a:pPr marL="0" indent="0">
-              <a:buNone/>
+            <a:pPr>
+              <a:buFont typeface="Wingdings" panose="05000000000000000000" pitchFamily="2" charset="2"/>
+              <a:buChar char="Ø"/>
             </a:pPr>
             <a:r>
               <a:rPr lang="en-US" altLang="zh-CN" dirty="0" err="1"/>
@@ -11480,8 +17945,9 @@
             <a:endParaRPr lang="en-US" altLang="zh-CN" dirty="0"/>
           </a:p>
           <a:p>
-            <a:pPr marL="0" indent="0">
-              <a:buNone/>
+            <a:pPr>
+              <a:buFont typeface="Wingdings" panose="05000000000000000000" pitchFamily="2" charset="2"/>
+              <a:buChar char="Ø"/>
             </a:pPr>
             <a:r>
               <a:rPr lang="en-US" altLang="zh-CN" dirty="0" err="1"/>
@@ -11852,9 +18318,6 @@
             <a:endParaRPr lang="en-US" altLang="zh-CN" dirty="0"/>
           </a:p>
           <a:p>
-            <a:pPr marL="0" indent="0">
-              <a:buNone/>
-            </a:pPr>
             <a:r>
               <a:rPr lang="zh-CN" altLang="en-US" dirty="0"/>
               <a:t>结论：</a:t>
@@ -12512,6 +18975,276 @@
 </file>
 
 <file path=ppt/theme/theme3.xml><?xml version="1.0" encoding="utf-8"?>
+<a:theme xmlns:a="http://schemas.openxmlformats.org/drawingml/2006/main" name="水汽尾迹">
+  <a:themeElements>
+    <a:clrScheme name="水汽尾迹">
+      <a:dk1>
+        <a:sysClr val="windowText" lastClr="000000"/>
+      </a:dk1>
+      <a:lt1>
+        <a:sysClr val="window" lastClr="FFFFFF"/>
+      </a:lt1>
+      <a:dk2>
+        <a:srgbClr val="454545"/>
+      </a:dk2>
+      <a:lt2>
+        <a:srgbClr val="DADADA"/>
+      </a:lt2>
+      <a:accent1>
+        <a:srgbClr val="DF2E28"/>
+      </a:accent1>
+      <a:accent2>
+        <a:srgbClr val="FE801A"/>
+      </a:accent2>
+      <a:accent3>
+        <a:srgbClr val="E9BF35"/>
+      </a:accent3>
+      <a:accent4>
+        <a:srgbClr val="81BB42"/>
+      </a:accent4>
+      <a:accent5>
+        <a:srgbClr val="32C7A9"/>
+      </a:accent5>
+      <a:accent6>
+        <a:srgbClr val="4A9BDC"/>
+      </a:accent6>
+      <a:hlink>
+        <a:srgbClr val="F0532B"/>
+      </a:hlink>
+      <a:folHlink>
+        <a:srgbClr val="F38B53"/>
+      </a:folHlink>
+    </a:clrScheme>
+    <a:fontScheme name="水汽尾迹">
+      <a:majorFont>
+        <a:latin typeface="Century Gothic" panose="020B0502020202020204"/>
+        <a:ea typeface=""/>
+        <a:cs typeface=""/>
+        <a:font script="Jpan" typeface="ＭＳ Ｐゴシック"/>
+        <a:font script="Hang" typeface="맑은 고딕"/>
+        <a:font script="Hans" typeface="宋体"/>
+        <a:font script="Hant" typeface="新細明體"/>
+        <a:font script="Arab" typeface="Times New Roman"/>
+        <a:font script="Hebr" typeface="Times New Roman"/>
+        <a:font script="Thai" typeface="Angsana New"/>
+        <a:font script="Ethi" typeface="Nyala"/>
+        <a:font script="Beng" typeface="Vrinda"/>
+        <a:font script="Gujr" typeface="Shruti"/>
+        <a:font script="Khmr" typeface="MoolBoran"/>
+        <a:font script="Knda" typeface="Tunga"/>
+        <a:font script="Guru" typeface="Raavi"/>
+        <a:font script="Cans" typeface="Euphemia"/>
+        <a:font script="Cher" typeface="Plantagenet Cherokee"/>
+        <a:font script="Yiii" typeface="Microsoft Yi Baiti"/>
+        <a:font script="Tibt" typeface="Microsoft Himalaya"/>
+        <a:font script="Thaa" typeface="MV Boli"/>
+        <a:font script="Deva" typeface="Mangal"/>
+        <a:font script="Telu" typeface="Gautami"/>
+        <a:font script="Taml" typeface="Latha"/>
+        <a:font script="Syrc" typeface="Estrangelo Edessa"/>
+        <a:font script="Orya" typeface="Kalinga"/>
+        <a:font script="Mlym" typeface="Kartika"/>
+        <a:font script="Laoo" typeface="DokChampa"/>
+        <a:font script="Sinh" typeface="Iskoola Pota"/>
+        <a:font script="Mong" typeface="Mongolian Baiti"/>
+        <a:font script="Viet" typeface="Times New Roman"/>
+        <a:font script="Uigh" typeface="Microsoft Uighur"/>
+        <a:font script="Geor" typeface="Sylfaen"/>
+      </a:majorFont>
+      <a:minorFont>
+        <a:latin typeface="Century Gothic" panose="020B0502020202020204"/>
+        <a:ea typeface=""/>
+        <a:cs typeface=""/>
+        <a:font script="Jpan" typeface="ＭＳ Ｐゴシック"/>
+        <a:font script="Hang" typeface="맑은 고딕"/>
+        <a:font script="Hans" typeface="宋体"/>
+        <a:font script="Hant" typeface="新細明體"/>
+        <a:font script="Arab" typeface="Arial"/>
+        <a:font script="Hebr" typeface="Arial"/>
+        <a:font script="Thai" typeface="Cordia New"/>
+        <a:font script="Ethi" typeface="Nyala"/>
+        <a:font script="Beng" typeface="Vrinda"/>
+        <a:font script="Gujr" typeface="Shruti"/>
+        <a:font script="Khmr" typeface="DaunPenh"/>
+        <a:font script="Knda" typeface="Tunga"/>
+        <a:font script="Guru" typeface="Raavi"/>
+        <a:font script="Cans" typeface="Euphemia"/>
+        <a:font script="Cher" typeface="Plantagenet Cherokee"/>
+        <a:font script="Yiii" typeface="Microsoft Yi Baiti"/>
+        <a:font script="Tibt" typeface="Microsoft Himalaya"/>
+        <a:font script="Thaa" typeface="MV Boli"/>
+        <a:font script="Deva" typeface="Mangal"/>
+        <a:font script="Telu" typeface="Gautami"/>
+        <a:font script="Taml" typeface="Latha"/>
+        <a:font script="Syrc" typeface="Estrangelo Edessa"/>
+        <a:font script="Orya" typeface="Kalinga"/>
+        <a:font script="Mlym" typeface="Kartika"/>
+        <a:font script="Laoo" typeface="DokChampa"/>
+        <a:font script="Sinh" typeface="Iskoola Pota"/>
+        <a:font script="Mong" typeface="Mongolian Baiti"/>
+        <a:font script="Viet" typeface="Arial"/>
+        <a:font script="Uigh" typeface="Microsoft Uighur"/>
+        <a:font script="Geor" typeface="Sylfaen"/>
+      </a:minorFont>
+    </a:fontScheme>
+    <a:fmtScheme name="水汽尾迹">
+      <a:fillStyleLst>
+        <a:solidFill>
+          <a:schemeClr val="phClr"/>
+        </a:solidFill>
+        <a:gradFill rotWithShape="1">
+          <a:gsLst>
+            <a:gs pos="0">
+              <a:schemeClr val="phClr">
+                <a:tint val="69000"/>
+                <a:alpha val="100000"/>
+                <a:satMod val="109000"/>
+                <a:lumMod val="110000"/>
+              </a:schemeClr>
+            </a:gs>
+            <a:gs pos="52000">
+              <a:schemeClr val="phClr">
+                <a:tint val="74000"/>
+                <a:satMod val="100000"/>
+                <a:lumMod val="104000"/>
+              </a:schemeClr>
+            </a:gs>
+            <a:gs pos="100000">
+              <a:schemeClr val="phClr">
+                <a:tint val="78000"/>
+                <a:satMod val="100000"/>
+                <a:lumMod val="100000"/>
+              </a:schemeClr>
+            </a:gs>
+          </a:gsLst>
+          <a:lin ang="5400000" scaled="0"/>
+        </a:gradFill>
+        <a:gradFill rotWithShape="1">
+          <a:gsLst>
+            <a:gs pos="0">
+              <a:schemeClr val="phClr">
+                <a:tint val="96000"/>
+                <a:satMod val="100000"/>
+                <a:lumMod val="104000"/>
+              </a:schemeClr>
+            </a:gs>
+            <a:gs pos="78000">
+              <a:schemeClr val="phClr">
+                <a:shade val="100000"/>
+                <a:satMod val="110000"/>
+                <a:lumMod val="100000"/>
+              </a:schemeClr>
+            </a:gs>
+          </a:gsLst>
+          <a:lin ang="5400000" scaled="0"/>
+        </a:gradFill>
+      </a:fillStyleLst>
+      <a:lnStyleLst>
+        <a:ln w="9525" cap="flat" cmpd="sng" algn="ctr">
+          <a:solidFill>
+            <a:schemeClr val="phClr"/>
+          </a:solidFill>
+          <a:prstDash val="solid"/>
+        </a:ln>
+        <a:ln w="12700" cap="flat" cmpd="sng" algn="ctr">
+          <a:solidFill>
+            <a:schemeClr val="phClr"/>
+          </a:solidFill>
+          <a:prstDash val="solid"/>
+        </a:ln>
+        <a:ln w="19050" cap="flat" cmpd="sng" algn="ctr">
+          <a:solidFill>
+            <a:schemeClr val="phClr"/>
+          </a:solidFill>
+          <a:prstDash val="solid"/>
+        </a:ln>
+      </a:lnStyleLst>
+      <a:effectStyleLst>
+        <a:effectStyle>
+          <a:effectLst/>
+        </a:effectStyle>
+        <a:effectStyle>
+          <a:effectLst/>
+          <a:scene3d>
+            <a:camera prst="orthographicFront">
+              <a:rot lat="0" lon="0" rev="0"/>
+            </a:camera>
+            <a:lightRig rig="threePt" dir="t"/>
+          </a:scene3d>
+          <a:sp3d>
+            <a:bevelT w="25400" h="12700"/>
+          </a:sp3d>
+        </a:effectStyle>
+        <a:effectStyle>
+          <a:effectLst>
+            <a:outerShdw blurRad="57150" dist="19050" dir="5400000" algn="ctr" rotWithShape="0">
+              <a:srgbClr val="000000">
+                <a:alpha val="48000"/>
+              </a:srgbClr>
+            </a:outerShdw>
+          </a:effectLst>
+          <a:scene3d>
+            <a:camera prst="orthographicFront">
+              <a:rot lat="0" lon="0" rev="0"/>
+            </a:camera>
+            <a:lightRig rig="threePt" dir="t"/>
+          </a:scene3d>
+          <a:sp3d>
+            <a:bevelT w="50800" h="25400"/>
+          </a:sp3d>
+        </a:effectStyle>
+      </a:effectStyleLst>
+      <a:bgFillStyleLst>
+        <a:solidFill>
+          <a:schemeClr val="phClr"/>
+        </a:solidFill>
+        <a:solidFill>
+          <a:schemeClr val="phClr">
+            <a:tint val="95000"/>
+            <a:satMod val="170000"/>
+          </a:schemeClr>
+        </a:solidFill>
+        <a:gradFill rotWithShape="1">
+          <a:gsLst>
+            <a:gs pos="0">
+              <a:schemeClr val="phClr">
+                <a:tint val="93000"/>
+                <a:shade val="98000"/>
+                <a:satMod val="150000"/>
+                <a:lumMod val="102000"/>
+              </a:schemeClr>
+            </a:gs>
+            <a:gs pos="50000">
+              <a:schemeClr val="phClr">
+                <a:tint val="98000"/>
+                <a:shade val="90000"/>
+                <a:satMod val="130000"/>
+                <a:lumMod val="103000"/>
+              </a:schemeClr>
+            </a:gs>
+            <a:gs pos="100000">
+              <a:schemeClr val="phClr">
+                <a:shade val="63000"/>
+                <a:satMod val="120000"/>
+              </a:schemeClr>
+            </a:gs>
+          </a:gsLst>
+          <a:lin ang="5400000" scaled="0"/>
+        </a:gradFill>
+      </a:bgFillStyleLst>
+    </a:fmtScheme>
+  </a:themeElements>
+  <a:objectDefaults/>
+  <a:extraClrSchemeLst/>
+  <a:extLst>
+    <a:ext uri="{05A4C25C-085E-4340-85A3-A5531E510DB2}">
+      <thm15:themeFamily xmlns:thm15="http://schemas.microsoft.com/office/thememl/2012/main" name="Vapor Trail" id="{4FDF2955-7D9C-493C-B9F9-C205151B46CD}" vid="{8F31A783-2159-4870-BC29-2BA7D038EA44}"/>
+    </a:ext>
+  </a:extLst>
+</a:theme>
+</file>
+
+<file path=ppt/theme/theme4.xml><?xml version="1.0" encoding="utf-8"?>
 <a:theme xmlns:a="http://schemas.openxmlformats.org/drawingml/2006/main" name="Office 主题​​">
   <a:themeElements>
     <a:clrScheme name="Office">

--- a/JAVA并发编程.pptx
+++ b/JAVA并发编程.pptx
@@ -4,48 +4,49 @@
   <p:sldMasterIdLst>
     <p:sldMasterId id="2147483789" r:id="rId1"/>
     <p:sldMasterId id="2147483819" r:id="rId2"/>
-    <p:sldMasterId id="2147483867" r:id="rId3"/>
+    <p:sldMasterId id="2147483939" r:id="rId3"/>
   </p:sldMasterIdLst>
   <p:notesMasterIdLst>
-    <p:notesMasterId r:id="rId40"/>
+    <p:notesMasterId r:id="rId41"/>
   </p:notesMasterIdLst>
   <p:sldIdLst>
     <p:sldId id="256" r:id="rId4"/>
-    <p:sldId id="261" r:id="rId5"/>
-    <p:sldId id="257" r:id="rId6"/>
-    <p:sldId id="262" r:id="rId7"/>
-    <p:sldId id="258" r:id="rId8"/>
-    <p:sldId id="297" r:id="rId9"/>
-    <p:sldId id="271" r:id="rId10"/>
-    <p:sldId id="272" r:id="rId11"/>
-    <p:sldId id="269" r:id="rId12"/>
-    <p:sldId id="283" r:id="rId13"/>
-    <p:sldId id="263" r:id="rId14"/>
-    <p:sldId id="266" r:id="rId15"/>
-    <p:sldId id="264" r:id="rId16"/>
-    <p:sldId id="267" r:id="rId17"/>
-    <p:sldId id="296" r:id="rId18"/>
-    <p:sldId id="268" r:id="rId19"/>
-    <p:sldId id="270" r:id="rId20"/>
-    <p:sldId id="275" r:id="rId21"/>
-    <p:sldId id="274" r:id="rId22"/>
-    <p:sldId id="277" r:id="rId23"/>
-    <p:sldId id="300" r:id="rId24"/>
-    <p:sldId id="279" r:id="rId25"/>
-    <p:sldId id="281" r:id="rId26"/>
-    <p:sldId id="280" r:id="rId27"/>
-    <p:sldId id="284" r:id="rId28"/>
-    <p:sldId id="285" r:id="rId29"/>
-    <p:sldId id="287" r:id="rId30"/>
-    <p:sldId id="288" r:id="rId31"/>
-    <p:sldId id="289" r:id="rId32"/>
-    <p:sldId id="290" r:id="rId33"/>
-    <p:sldId id="299" r:id="rId34"/>
-    <p:sldId id="291" r:id="rId35"/>
-    <p:sldId id="292" r:id="rId36"/>
-    <p:sldId id="293" r:id="rId37"/>
-    <p:sldId id="294" r:id="rId38"/>
-    <p:sldId id="295" r:id="rId39"/>
+    <p:sldId id="301" r:id="rId5"/>
+    <p:sldId id="261" r:id="rId6"/>
+    <p:sldId id="257" r:id="rId7"/>
+    <p:sldId id="262" r:id="rId8"/>
+    <p:sldId id="258" r:id="rId9"/>
+    <p:sldId id="297" r:id="rId10"/>
+    <p:sldId id="271" r:id="rId11"/>
+    <p:sldId id="272" r:id="rId12"/>
+    <p:sldId id="269" r:id="rId13"/>
+    <p:sldId id="283" r:id="rId14"/>
+    <p:sldId id="263" r:id="rId15"/>
+    <p:sldId id="266" r:id="rId16"/>
+    <p:sldId id="264" r:id="rId17"/>
+    <p:sldId id="267" r:id="rId18"/>
+    <p:sldId id="296" r:id="rId19"/>
+    <p:sldId id="268" r:id="rId20"/>
+    <p:sldId id="270" r:id="rId21"/>
+    <p:sldId id="275" r:id="rId22"/>
+    <p:sldId id="274" r:id="rId23"/>
+    <p:sldId id="277" r:id="rId24"/>
+    <p:sldId id="300" r:id="rId25"/>
+    <p:sldId id="279" r:id="rId26"/>
+    <p:sldId id="281" r:id="rId27"/>
+    <p:sldId id="280" r:id="rId28"/>
+    <p:sldId id="284" r:id="rId29"/>
+    <p:sldId id="285" r:id="rId30"/>
+    <p:sldId id="287" r:id="rId31"/>
+    <p:sldId id="288" r:id="rId32"/>
+    <p:sldId id="289" r:id="rId33"/>
+    <p:sldId id="290" r:id="rId34"/>
+    <p:sldId id="299" r:id="rId35"/>
+    <p:sldId id="291" r:id="rId36"/>
+    <p:sldId id="292" r:id="rId37"/>
+    <p:sldId id="293" r:id="rId38"/>
+    <p:sldId id="294" r:id="rId39"/>
+    <p:sldId id="295" r:id="rId40"/>
   </p:sldIdLst>
   <p:sldSz cx="12192000" cy="6858000"/>
   <p:notesSz cx="6858000" cy="9144000"/>
@@ -257,7 +258,7 @@
           <a:p>
             <a:fld id="{EA264B38-6F7B-44DA-9118-FA0766D896D2}" type="datetimeFigureOut">
               <a:rPr lang="zh-CN" altLang="en-US" smtClean="0"/>
-              <a:t>2018/8/6</a:t>
+              <a:t>2018/8/9</a:t>
             </a:fld>
             <a:endParaRPr lang="zh-CN" altLang="en-US"/>
           </a:p>
@@ -673,7 +674,7 @@
           <a:p>
             <a:fld id="{6BF73E33-EE5A-4E4F-B480-BA03FA448F43}" type="slidenum">
               <a:rPr lang="zh-CN" altLang="en-US" smtClean="0"/>
-              <a:t>13</a:t>
+              <a:t>14</a:t>
             </a:fld>
             <a:endParaRPr lang="zh-CN" altLang="en-US"/>
           </a:p>
@@ -834,7 +835,7 @@
           <a:p>
             <a:fld id="{C7DE3245-AFA4-488B-9D03-49FA6ABE44D9}" type="datetimeFigureOut">
               <a:rPr lang="zh-CN" altLang="en-US" smtClean="0"/>
-              <a:t>2018/8/6</a:t>
+              <a:t>2018/8/9</a:t>
             </a:fld>
             <a:endParaRPr lang="zh-CN" altLang="en-US"/>
           </a:p>
@@ -1004,7 +1005,7 @@
           <a:p>
             <a:fld id="{C7DE3245-AFA4-488B-9D03-49FA6ABE44D9}" type="datetimeFigureOut">
               <a:rPr lang="zh-CN" altLang="en-US" smtClean="0"/>
-              <a:t>2018/8/6</a:t>
+              <a:t>2018/8/9</a:t>
             </a:fld>
             <a:endParaRPr lang="zh-CN" altLang="en-US"/>
           </a:p>
@@ -1184,7 +1185,7 @@
           <a:p>
             <a:fld id="{C7DE3245-AFA4-488B-9D03-49FA6ABE44D9}" type="datetimeFigureOut">
               <a:rPr lang="zh-CN" altLang="en-US" smtClean="0"/>
-              <a:t>2018/8/6</a:t>
+              <a:t>2018/8/9</a:t>
             </a:fld>
             <a:endParaRPr lang="zh-CN" altLang="en-US"/>
           </a:p>
@@ -1387,7 +1388,7 @@
           <a:p>
             <a:fld id="{C7DE3245-AFA4-488B-9D03-49FA6ABE44D9}" type="datetimeFigureOut">
               <a:rPr lang="zh-CN" altLang="en-US" smtClean="0"/>
-              <a:t>2018/8/6</a:t>
+              <a:t>2018/8/9</a:t>
             </a:fld>
             <a:endParaRPr lang="zh-CN" altLang="en-US"/>
           </a:p>
@@ -1557,7 +1558,7 @@
           <a:p>
             <a:fld id="{C7DE3245-AFA4-488B-9D03-49FA6ABE44D9}" type="datetimeFigureOut">
               <a:rPr lang="zh-CN" altLang="en-US" smtClean="0"/>
-              <a:t>2018/8/6</a:t>
+              <a:t>2018/8/9</a:t>
             </a:fld>
             <a:endParaRPr lang="zh-CN" altLang="en-US"/>
           </a:p>
@@ -1808,7 +1809,7 @@
           <a:p>
             <a:fld id="{C7DE3245-AFA4-488B-9D03-49FA6ABE44D9}" type="datetimeFigureOut">
               <a:rPr lang="zh-CN" altLang="en-US" smtClean="0"/>
-              <a:t>2018/8/6</a:t>
+              <a:t>2018/8/9</a:t>
             </a:fld>
             <a:endParaRPr lang="zh-CN" altLang="en-US"/>
           </a:p>
@@ -2040,7 +2041,7 @@
           <a:p>
             <a:fld id="{C7DE3245-AFA4-488B-9D03-49FA6ABE44D9}" type="datetimeFigureOut">
               <a:rPr lang="zh-CN" altLang="en-US" smtClean="0"/>
-              <a:t>2018/8/6</a:t>
+              <a:t>2018/8/9</a:t>
             </a:fld>
             <a:endParaRPr lang="zh-CN" altLang="en-US"/>
           </a:p>
@@ -2387,7 +2388,7 @@
           <a:p>
             <a:fld id="{C7DE3245-AFA4-488B-9D03-49FA6ABE44D9}" type="datetimeFigureOut">
               <a:rPr lang="zh-CN" altLang="en-US" smtClean="0"/>
-              <a:t>2018/8/6</a:t>
+              <a:t>2018/8/9</a:t>
             </a:fld>
             <a:endParaRPr lang="zh-CN" altLang="en-US"/>
           </a:p>
@@ -2505,7 +2506,7 @@
           <a:p>
             <a:fld id="{C7DE3245-AFA4-488B-9D03-49FA6ABE44D9}" type="datetimeFigureOut">
               <a:rPr lang="zh-CN" altLang="en-US" smtClean="0"/>
-              <a:t>2018/8/6</a:t>
+              <a:t>2018/8/9</a:t>
             </a:fld>
             <a:endParaRPr lang="zh-CN" altLang="en-US"/>
           </a:p>
@@ -2623,7 +2624,7 @@
           <a:p>
             <a:fld id="{C7DE3245-AFA4-488B-9D03-49FA6ABE44D9}" type="datetimeFigureOut">
               <a:rPr lang="zh-CN" altLang="en-US" smtClean="0"/>
-              <a:t>2018/8/6</a:t>
+              <a:t>2018/8/9</a:t>
             </a:fld>
             <a:endParaRPr lang="zh-CN" altLang="en-US"/>
           </a:p>
@@ -2907,7 +2908,7 @@
           <a:p>
             <a:fld id="{C7DE3245-AFA4-488B-9D03-49FA6ABE44D9}" type="datetimeFigureOut">
               <a:rPr lang="zh-CN" altLang="en-US" smtClean="0"/>
-              <a:t>2018/8/6</a:t>
+              <a:t>2018/8/9</a:t>
             </a:fld>
             <a:endParaRPr lang="zh-CN" altLang="en-US"/>
           </a:p>
@@ -3077,7 +3078,7 @@
           <a:p>
             <a:fld id="{C7DE3245-AFA4-488B-9D03-49FA6ABE44D9}" type="datetimeFigureOut">
               <a:rPr lang="zh-CN" altLang="en-US" smtClean="0"/>
-              <a:t>2018/8/6</a:t>
+              <a:t>2018/8/9</a:t>
             </a:fld>
             <a:endParaRPr lang="zh-CN" altLang="en-US"/>
           </a:p>
@@ -3341,7 +3342,7 @@
           <a:p>
             <a:fld id="{C7DE3245-AFA4-488B-9D03-49FA6ABE44D9}" type="datetimeFigureOut">
               <a:rPr lang="zh-CN" altLang="en-US" smtClean="0"/>
-              <a:t>2018/8/6</a:t>
+              <a:t>2018/8/9</a:t>
             </a:fld>
             <a:endParaRPr lang="zh-CN" altLang="en-US"/>
           </a:p>
@@ -3511,7 +3512,7 @@
           <a:p>
             <a:fld id="{C7DE3245-AFA4-488B-9D03-49FA6ABE44D9}" type="datetimeFigureOut">
               <a:rPr lang="zh-CN" altLang="en-US" smtClean="0"/>
-              <a:t>2018/8/6</a:t>
+              <a:t>2018/8/9</a:t>
             </a:fld>
             <a:endParaRPr lang="zh-CN" altLang="en-US"/>
           </a:p>
@@ -3691,7 +3692,7 @@
           <a:p>
             <a:fld id="{C7DE3245-AFA4-488B-9D03-49FA6ABE44D9}" type="datetimeFigureOut">
               <a:rPr lang="zh-CN" altLang="en-US" smtClean="0"/>
-              <a:t>2018/8/6</a:t>
+              <a:t>2018/8/9</a:t>
             </a:fld>
             <a:endParaRPr lang="zh-CN" altLang="en-US"/>
           </a:p>
@@ -3922,7 +3923,7 @@
           <a:p>
             <a:fld id="{C7DE3245-AFA4-488B-9D03-49FA6ABE44D9}" type="datetimeFigureOut">
               <a:rPr lang="zh-CN" altLang="en-US" smtClean="0"/>
-              <a:t>2018/8/6</a:t>
+              <a:t>2018/8/9</a:t>
             </a:fld>
             <a:endParaRPr lang="zh-CN" altLang="en-US"/>
           </a:p>
@@ -3983,7 +3984,7 @@
     </p:spTree>
     <p:extLst>
       <p:ext uri="{BB962C8B-B14F-4D97-AF65-F5344CB8AC3E}">
-        <p14:creationId xmlns:p14="http://schemas.microsoft.com/office/powerpoint/2010/main" val="3964070625"/>
+        <p14:creationId xmlns:p14="http://schemas.microsoft.com/office/powerpoint/2010/main" val="1706748071"/>
       </p:ext>
     </p:extLst>
   </p:cSld>
@@ -4102,7 +4103,7 @@
           <a:p>
             <a:fld id="{C7DE3245-AFA4-488B-9D03-49FA6ABE44D9}" type="datetimeFigureOut">
               <a:rPr lang="zh-CN" altLang="en-US" smtClean="0"/>
-              <a:t>2018/8/6</a:t>
+              <a:t>2018/8/9</a:t>
             </a:fld>
             <a:endParaRPr lang="zh-CN" altLang="en-US"/>
           </a:p>
@@ -4153,7 +4154,7 @@
     </p:spTree>
     <p:extLst>
       <p:ext uri="{BB962C8B-B14F-4D97-AF65-F5344CB8AC3E}">
-        <p14:creationId xmlns:p14="http://schemas.microsoft.com/office/powerpoint/2010/main" val="3697493692"/>
+        <p14:creationId xmlns:p14="http://schemas.microsoft.com/office/powerpoint/2010/main" val="798935253"/>
       </p:ext>
     </p:extLst>
   </p:cSld>
@@ -4391,7 +4392,7 @@
           <a:p>
             <a:fld id="{C7DE3245-AFA4-488B-9D03-49FA6ABE44D9}" type="datetimeFigureOut">
               <a:rPr lang="zh-CN" altLang="en-US" smtClean="0"/>
-              <a:t>2018/8/6</a:t>
+              <a:t>2018/8/9</a:t>
             </a:fld>
             <a:endParaRPr lang="zh-CN" altLang="en-US"/>
           </a:p>
@@ -4452,7 +4453,7 @@
     </p:spTree>
     <p:extLst>
       <p:ext uri="{BB962C8B-B14F-4D97-AF65-F5344CB8AC3E}">
-        <p14:creationId xmlns:p14="http://schemas.microsoft.com/office/powerpoint/2010/main" val="476105444"/>
+        <p14:creationId xmlns:p14="http://schemas.microsoft.com/office/powerpoint/2010/main" val="3042259991"/>
       </p:ext>
     </p:extLst>
   </p:cSld>
@@ -4633,7 +4634,7 @@
           <a:p>
             <a:fld id="{C7DE3245-AFA4-488B-9D03-49FA6ABE44D9}" type="datetimeFigureOut">
               <a:rPr lang="zh-CN" altLang="en-US" smtClean="0"/>
-              <a:t>2018/8/6</a:t>
+              <a:t>2018/8/9</a:t>
             </a:fld>
             <a:endParaRPr lang="zh-CN" altLang="en-US"/>
           </a:p>
@@ -4684,7 +4685,7 @@
     </p:spTree>
     <p:extLst>
       <p:ext uri="{BB962C8B-B14F-4D97-AF65-F5344CB8AC3E}">
-        <p14:creationId xmlns:p14="http://schemas.microsoft.com/office/powerpoint/2010/main" val="3339166763"/>
+        <p14:creationId xmlns:p14="http://schemas.microsoft.com/office/powerpoint/2010/main" val="1107642950"/>
       </p:ext>
     </p:extLst>
   </p:cSld>
@@ -5012,7 +5013,7 @@
           <a:p>
             <a:fld id="{C7DE3245-AFA4-488B-9D03-49FA6ABE44D9}" type="datetimeFigureOut">
               <a:rPr lang="zh-CN" altLang="en-US" smtClean="0"/>
-              <a:t>2018/8/6</a:t>
+              <a:t>2018/8/9</a:t>
             </a:fld>
             <a:endParaRPr lang="zh-CN" altLang="en-US"/>
           </a:p>
@@ -5063,7 +5064,7 @@
     </p:spTree>
     <p:extLst>
       <p:ext uri="{BB962C8B-B14F-4D97-AF65-F5344CB8AC3E}">
-        <p14:creationId xmlns:p14="http://schemas.microsoft.com/office/powerpoint/2010/main" val="1665288372"/>
+        <p14:creationId xmlns:p14="http://schemas.microsoft.com/office/powerpoint/2010/main" val="2437476293"/>
       </p:ext>
     </p:extLst>
   </p:cSld>
@@ -5130,7 +5131,7 @@
           <a:p>
             <a:fld id="{C7DE3245-AFA4-488B-9D03-49FA6ABE44D9}" type="datetimeFigureOut">
               <a:rPr lang="zh-CN" altLang="en-US" smtClean="0"/>
-              <a:t>2018/8/6</a:t>
+              <a:t>2018/8/9</a:t>
             </a:fld>
             <a:endParaRPr lang="zh-CN" altLang="en-US"/>
           </a:p>
@@ -5181,7 +5182,7 @@
     </p:spTree>
     <p:extLst>
       <p:ext uri="{BB962C8B-B14F-4D97-AF65-F5344CB8AC3E}">
-        <p14:creationId xmlns:p14="http://schemas.microsoft.com/office/powerpoint/2010/main" val="2893697218"/>
+        <p14:creationId xmlns:p14="http://schemas.microsoft.com/office/powerpoint/2010/main" val="4249652106"/>
       </p:ext>
     </p:extLst>
   </p:cSld>
@@ -5225,7 +5226,7 @@
           <a:p>
             <a:fld id="{C7DE3245-AFA4-488B-9D03-49FA6ABE44D9}" type="datetimeFigureOut">
               <a:rPr lang="zh-CN" altLang="en-US" smtClean="0"/>
-              <a:t>2018/8/6</a:t>
+              <a:t>2018/8/9</a:t>
             </a:fld>
             <a:endParaRPr lang="zh-CN" altLang="en-US"/>
           </a:p>
@@ -5276,7 +5277,7 @@
     </p:spTree>
     <p:extLst>
       <p:ext uri="{BB962C8B-B14F-4D97-AF65-F5344CB8AC3E}">
-        <p14:creationId xmlns:p14="http://schemas.microsoft.com/office/powerpoint/2010/main" val="1871724490"/>
+        <p14:creationId xmlns:p14="http://schemas.microsoft.com/office/powerpoint/2010/main" val="2793562883"/>
       </p:ext>
     </p:extLst>
   </p:cSld>
@@ -5476,7 +5477,7 @@
           <a:p>
             <a:fld id="{C7DE3245-AFA4-488B-9D03-49FA6ABE44D9}" type="datetimeFigureOut">
               <a:rPr lang="zh-CN" altLang="en-US" smtClean="0"/>
-              <a:t>2018/8/6</a:t>
+              <a:t>2018/8/9</a:t>
             </a:fld>
             <a:endParaRPr lang="zh-CN" altLang="en-US"/>
           </a:p>
@@ -5725,7 +5726,7 @@
           <a:p>
             <a:fld id="{C7DE3245-AFA4-488B-9D03-49FA6ABE44D9}" type="datetimeFigureOut">
               <a:rPr lang="zh-CN" altLang="en-US" smtClean="0"/>
-              <a:t>2018/8/6</a:t>
+              <a:t>2018/8/9</a:t>
             </a:fld>
             <a:endParaRPr lang="zh-CN" altLang="en-US"/>
           </a:p>
@@ -5776,7 +5777,7 @@
     </p:spTree>
     <p:extLst>
       <p:ext uri="{BB962C8B-B14F-4D97-AF65-F5344CB8AC3E}">
-        <p14:creationId xmlns:p14="http://schemas.microsoft.com/office/powerpoint/2010/main" val="3135135291"/>
+        <p14:creationId xmlns:p14="http://schemas.microsoft.com/office/powerpoint/2010/main" val="2041987038"/>
       </p:ext>
     </p:extLst>
   </p:cSld>
@@ -5982,7 +5983,7 @@
           <a:p>
             <a:fld id="{C7DE3245-AFA4-488B-9D03-49FA6ABE44D9}" type="datetimeFigureOut">
               <a:rPr lang="zh-CN" altLang="en-US" smtClean="0"/>
-              <a:t>2018/8/6</a:t>
+              <a:t>2018/8/9</a:t>
             </a:fld>
             <a:endParaRPr lang="zh-CN" altLang="en-US"/>
           </a:p>
@@ -6033,7 +6034,7 @@
     </p:spTree>
     <p:extLst>
       <p:ext uri="{BB962C8B-B14F-4D97-AF65-F5344CB8AC3E}">
-        <p14:creationId xmlns:p14="http://schemas.microsoft.com/office/powerpoint/2010/main" val="3968635019"/>
+        <p14:creationId xmlns:p14="http://schemas.microsoft.com/office/powerpoint/2010/main" val="11890048"/>
       </p:ext>
     </p:extLst>
   </p:cSld>
@@ -6239,7 +6240,7 @@
           <a:p>
             <a:fld id="{C7DE3245-AFA4-488B-9D03-49FA6ABE44D9}" type="datetimeFigureOut">
               <a:rPr lang="zh-CN" altLang="en-US" smtClean="0"/>
-              <a:t>2018/8/6</a:t>
+              <a:t>2018/8/9</a:t>
             </a:fld>
             <a:endParaRPr lang="zh-CN" altLang="en-US"/>
           </a:p>
@@ -6290,7 +6291,7 @@
     </p:spTree>
     <p:extLst>
       <p:ext uri="{BB962C8B-B14F-4D97-AF65-F5344CB8AC3E}">
-        <p14:creationId xmlns:p14="http://schemas.microsoft.com/office/powerpoint/2010/main" val="206250368"/>
+        <p14:creationId xmlns:p14="http://schemas.microsoft.com/office/powerpoint/2010/main" val="719787637"/>
       </p:ext>
     </p:extLst>
   </p:cSld>
@@ -6470,7 +6471,7 @@
           <a:p>
             <a:fld id="{C7DE3245-AFA4-488B-9D03-49FA6ABE44D9}" type="datetimeFigureOut">
               <a:rPr lang="zh-CN" altLang="en-US" smtClean="0"/>
-              <a:t>2018/8/6</a:t>
+              <a:t>2018/8/9</a:t>
             </a:fld>
             <a:endParaRPr lang="zh-CN" altLang="en-US"/>
           </a:p>
@@ -6531,7 +6532,7 @@
     </p:spTree>
     <p:extLst>
       <p:ext uri="{BB962C8B-B14F-4D97-AF65-F5344CB8AC3E}">
-        <p14:creationId xmlns:p14="http://schemas.microsoft.com/office/powerpoint/2010/main" val="199217697"/>
+        <p14:creationId xmlns:p14="http://schemas.microsoft.com/office/powerpoint/2010/main" val="1485397403"/>
       </p:ext>
     </p:extLst>
   </p:cSld>
@@ -6780,7 +6781,7 @@
           <a:p>
             <a:fld id="{C7DE3245-AFA4-488B-9D03-49FA6ABE44D9}" type="datetimeFigureOut">
               <a:rPr lang="zh-CN" altLang="en-US" smtClean="0"/>
-              <a:t>2018/8/6</a:t>
+              <a:t>2018/8/9</a:t>
             </a:fld>
             <a:endParaRPr lang="zh-CN" altLang="en-US"/>
           </a:p>
@@ -7073,7 +7074,7 @@
     </p:spTree>
     <p:extLst>
       <p:ext uri="{BB962C8B-B14F-4D97-AF65-F5344CB8AC3E}">
-        <p14:creationId xmlns:p14="http://schemas.microsoft.com/office/powerpoint/2010/main" val="231936604"/>
+        <p14:creationId xmlns:p14="http://schemas.microsoft.com/office/powerpoint/2010/main" val="3056061775"/>
       </p:ext>
     </p:extLst>
   </p:cSld>
@@ -7253,7 +7254,7 @@
           <a:p>
             <a:fld id="{C7DE3245-AFA4-488B-9D03-49FA6ABE44D9}" type="datetimeFigureOut">
               <a:rPr lang="zh-CN" altLang="en-US" smtClean="0"/>
-              <a:t>2018/8/6</a:t>
+              <a:t>2018/8/9</a:t>
             </a:fld>
             <a:endParaRPr lang="zh-CN" altLang="en-US"/>
           </a:p>
@@ -7314,7 +7315,7 @@
     </p:spTree>
     <p:extLst>
       <p:ext uri="{BB962C8B-B14F-4D97-AF65-F5344CB8AC3E}">
-        <p14:creationId xmlns:p14="http://schemas.microsoft.com/office/powerpoint/2010/main" val="1937739170"/>
+        <p14:creationId xmlns:p14="http://schemas.microsoft.com/office/powerpoint/2010/main" val="3813291895"/>
       </p:ext>
     </p:extLst>
   </p:cSld>
@@ -7800,7 +7801,7 @@
           <a:p>
             <a:fld id="{C7DE3245-AFA4-488B-9D03-49FA6ABE44D9}" type="datetimeFigureOut">
               <a:rPr lang="zh-CN" altLang="en-US" smtClean="0"/>
-              <a:t>2018/8/6</a:t>
+              <a:t>2018/8/9</a:t>
             </a:fld>
             <a:endParaRPr lang="zh-CN" altLang="en-US"/>
           </a:p>
@@ -7851,7 +7852,7 @@
     </p:spTree>
     <p:extLst>
       <p:ext uri="{BB962C8B-B14F-4D97-AF65-F5344CB8AC3E}">
-        <p14:creationId xmlns:p14="http://schemas.microsoft.com/office/powerpoint/2010/main" val="3400830572"/>
+        <p14:creationId xmlns:p14="http://schemas.microsoft.com/office/powerpoint/2010/main" val="1002770260"/>
       </p:ext>
     </p:extLst>
   </p:cSld>
@@ -8574,7 +8575,7 @@
           <a:p>
             <a:fld id="{C7DE3245-AFA4-488B-9D03-49FA6ABE44D9}" type="datetimeFigureOut">
               <a:rPr lang="zh-CN" altLang="en-US" smtClean="0"/>
-              <a:t>2018/8/6</a:t>
+              <a:t>2018/8/9</a:t>
             </a:fld>
             <a:endParaRPr lang="zh-CN" altLang="en-US"/>
           </a:p>
@@ -8625,7 +8626,7 @@
     </p:spTree>
     <p:extLst>
       <p:ext uri="{BB962C8B-B14F-4D97-AF65-F5344CB8AC3E}">
-        <p14:creationId xmlns:p14="http://schemas.microsoft.com/office/powerpoint/2010/main" val="82051787"/>
+        <p14:creationId xmlns:p14="http://schemas.microsoft.com/office/powerpoint/2010/main" val="1433641690"/>
       </p:ext>
     </p:extLst>
   </p:cSld>
@@ -8749,7 +8750,7 @@
           <a:p>
             <a:fld id="{C7DE3245-AFA4-488B-9D03-49FA6ABE44D9}" type="datetimeFigureOut">
               <a:rPr lang="zh-CN" altLang="en-US" smtClean="0"/>
-              <a:t>2018/8/6</a:t>
+              <a:t>2018/8/9</a:t>
             </a:fld>
             <a:endParaRPr lang="zh-CN" altLang="en-US"/>
           </a:p>
@@ -8800,7 +8801,7 @@
     </p:spTree>
     <p:extLst>
       <p:ext uri="{BB962C8B-B14F-4D97-AF65-F5344CB8AC3E}">
-        <p14:creationId xmlns:p14="http://schemas.microsoft.com/office/powerpoint/2010/main" val="4078233873"/>
+        <p14:creationId xmlns:p14="http://schemas.microsoft.com/office/powerpoint/2010/main" val="4193753847"/>
       </p:ext>
     </p:extLst>
   </p:cSld>
@@ -8972,7 +8973,7 @@
           <a:p>
             <a:fld id="{C7DE3245-AFA4-488B-9D03-49FA6ABE44D9}" type="datetimeFigureOut">
               <a:rPr lang="zh-CN" altLang="en-US" smtClean="0"/>
-              <a:t>2018/8/6</a:t>
+              <a:t>2018/8/9</a:t>
             </a:fld>
             <a:endParaRPr lang="zh-CN" altLang="en-US"/>
           </a:p>
@@ -9033,7 +9034,7 @@
     </p:spTree>
     <p:extLst>
       <p:ext uri="{BB962C8B-B14F-4D97-AF65-F5344CB8AC3E}">
-        <p14:creationId xmlns:p14="http://schemas.microsoft.com/office/powerpoint/2010/main" val="3513838053"/>
+        <p14:creationId xmlns:p14="http://schemas.microsoft.com/office/powerpoint/2010/main" val="1341697066"/>
       </p:ext>
     </p:extLst>
   </p:cSld>
@@ -9214,7 +9215,7 @@
           <a:p>
             <a:fld id="{C7DE3245-AFA4-488B-9D03-49FA6ABE44D9}" type="datetimeFigureOut">
               <a:rPr lang="zh-CN" altLang="en-US" smtClean="0"/>
-              <a:t>2018/8/6</a:t>
+              <a:t>2018/8/9</a:t>
             </a:fld>
             <a:endParaRPr lang="zh-CN" altLang="en-US"/>
           </a:p>
@@ -9561,7 +9562,7 @@
           <a:p>
             <a:fld id="{C7DE3245-AFA4-488B-9D03-49FA6ABE44D9}" type="datetimeFigureOut">
               <a:rPr lang="zh-CN" altLang="en-US" smtClean="0"/>
-              <a:t>2018/8/6</a:t>
+              <a:t>2018/8/9</a:t>
             </a:fld>
             <a:endParaRPr lang="zh-CN" altLang="en-US"/>
           </a:p>
@@ -9679,7 +9680,7 @@
           <a:p>
             <a:fld id="{C7DE3245-AFA4-488B-9D03-49FA6ABE44D9}" type="datetimeFigureOut">
               <a:rPr lang="zh-CN" altLang="en-US" smtClean="0"/>
-              <a:t>2018/8/6</a:t>
+              <a:t>2018/8/9</a:t>
             </a:fld>
             <a:endParaRPr lang="zh-CN" altLang="en-US"/>
           </a:p>
@@ -9797,7 +9798,7 @@
           <a:p>
             <a:fld id="{C7DE3245-AFA4-488B-9D03-49FA6ABE44D9}" type="datetimeFigureOut">
               <a:rPr lang="zh-CN" altLang="en-US" smtClean="0"/>
-              <a:t>2018/8/6</a:t>
+              <a:t>2018/8/9</a:t>
             </a:fld>
             <a:endParaRPr lang="zh-CN" altLang="en-US"/>
           </a:p>
@@ -10081,7 +10082,7 @@
           <a:p>
             <a:fld id="{C7DE3245-AFA4-488B-9D03-49FA6ABE44D9}" type="datetimeFigureOut">
               <a:rPr lang="zh-CN" altLang="en-US" smtClean="0"/>
-              <a:t>2018/8/6</a:t>
+              <a:t>2018/8/9</a:t>
             </a:fld>
             <a:endParaRPr lang="zh-CN" altLang="en-US"/>
           </a:p>
@@ -10345,7 +10346,7 @@
           <a:p>
             <a:fld id="{C7DE3245-AFA4-488B-9D03-49FA6ABE44D9}" type="datetimeFigureOut">
               <a:rPr lang="zh-CN" altLang="en-US" smtClean="0"/>
-              <a:t>2018/8/6</a:t>
+              <a:t>2018/8/9</a:t>
             </a:fld>
             <a:endParaRPr lang="zh-CN" altLang="en-US"/>
           </a:p>
@@ -10559,7 +10560,7 @@
           <a:p>
             <a:fld id="{C7DE3245-AFA4-488B-9D03-49FA6ABE44D9}" type="datetimeFigureOut">
               <a:rPr lang="zh-CN" altLang="en-US" smtClean="0"/>
-              <a:t>2018/8/6</a:t>
+              <a:t>2018/8/9</a:t>
             </a:fld>
             <a:endParaRPr lang="zh-CN" altLang="en-US"/>
           </a:p>
@@ -11089,7 +11090,7 @@
           <a:p>
             <a:fld id="{C7DE3245-AFA4-488B-9D03-49FA6ABE44D9}" type="datetimeFigureOut">
               <a:rPr lang="zh-CN" altLang="en-US" smtClean="0"/>
-              <a:t>2018/8/6</a:t>
+              <a:t>2018/8/9</a:t>
             </a:fld>
             <a:endParaRPr lang="zh-CN" altLang="en-US"/>
           </a:p>
@@ -11648,7 +11649,7 @@
           <a:p>
             <a:fld id="{C7DE3245-AFA4-488B-9D03-49FA6ABE44D9}" type="datetimeFigureOut">
               <a:rPr lang="zh-CN" altLang="en-US" smtClean="0"/>
-              <a:t>2018/8/6</a:t>
+              <a:t>2018/8/9</a:t>
             </a:fld>
             <a:endParaRPr lang="zh-CN" altLang="en-US"/>
           </a:p>
@@ -11735,29 +11736,29 @@
     </p:spTree>
     <p:extLst>
       <p:ext uri="{BB962C8B-B14F-4D97-AF65-F5344CB8AC3E}">
-        <p14:creationId xmlns:p14="http://schemas.microsoft.com/office/powerpoint/2010/main" val="2387077425"/>
+        <p14:creationId xmlns:p14="http://schemas.microsoft.com/office/powerpoint/2010/main" val="3516197731"/>
       </p:ext>
     </p:extLst>
   </p:cSld>
   <p:clrMap bg1="dk1" tx1="lt1" bg2="dk2" tx2="lt2" accent1="accent1" accent2="accent2" accent3="accent3" accent4="accent4" accent5="accent5" accent6="accent6" hlink="hlink" folHlink="folHlink"/>
   <p:sldLayoutIdLst>
-    <p:sldLayoutId id="2147483868" r:id="rId1"/>
-    <p:sldLayoutId id="2147483869" r:id="rId2"/>
-    <p:sldLayoutId id="2147483870" r:id="rId3"/>
-    <p:sldLayoutId id="2147483871" r:id="rId4"/>
-    <p:sldLayoutId id="2147483872" r:id="rId5"/>
-    <p:sldLayoutId id="2147483873" r:id="rId6"/>
-    <p:sldLayoutId id="2147483874" r:id="rId7"/>
-    <p:sldLayoutId id="2147483875" r:id="rId8"/>
-    <p:sldLayoutId id="2147483876" r:id="rId9"/>
-    <p:sldLayoutId id="2147483877" r:id="rId10"/>
-    <p:sldLayoutId id="2147483878" r:id="rId11"/>
-    <p:sldLayoutId id="2147483879" r:id="rId12"/>
-    <p:sldLayoutId id="2147483880" r:id="rId13"/>
-    <p:sldLayoutId id="2147483881" r:id="rId14"/>
-    <p:sldLayoutId id="2147483882" r:id="rId15"/>
-    <p:sldLayoutId id="2147483883" r:id="rId16"/>
-    <p:sldLayoutId id="2147483884" r:id="rId17"/>
+    <p:sldLayoutId id="2147483940" r:id="rId1"/>
+    <p:sldLayoutId id="2147483941" r:id="rId2"/>
+    <p:sldLayoutId id="2147483942" r:id="rId3"/>
+    <p:sldLayoutId id="2147483943" r:id="rId4"/>
+    <p:sldLayoutId id="2147483944" r:id="rId5"/>
+    <p:sldLayoutId id="2147483945" r:id="rId6"/>
+    <p:sldLayoutId id="2147483946" r:id="rId7"/>
+    <p:sldLayoutId id="2147483947" r:id="rId8"/>
+    <p:sldLayoutId id="2147483948" r:id="rId9"/>
+    <p:sldLayoutId id="2147483949" r:id="rId10"/>
+    <p:sldLayoutId id="2147483950" r:id="rId11"/>
+    <p:sldLayoutId id="2147483951" r:id="rId12"/>
+    <p:sldLayoutId id="2147483952" r:id="rId13"/>
+    <p:sldLayoutId id="2147483953" r:id="rId14"/>
+    <p:sldLayoutId id="2147483954" r:id="rId15"/>
+    <p:sldLayoutId id="2147483955" r:id="rId16"/>
+    <p:sldLayoutId id="2147483956" r:id="rId17"/>
   </p:sldLayoutIdLst>
   <p:txStyles>
     <p:titleStyle>
@@ -12126,7 +12127,7 @@
           <p:cNvPr id="2" name="标题 1">
             <a:extLst>
               <a:ext uri="{FF2B5EF4-FFF2-40B4-BE49-F238E27FC236}">
-                <a16:creationId xmlns:a16="http://schemas.microsoft.com/office/drawing/2014/main" id="{ED8E4AA0-9D13-460A-B363-93F7240E58BA}"/>
+                <a16:creationId xmlns:a16="http://schemas.microsoft.com/office/drawing/2014/main" id="{47DFBBB4-ED41-4D16-A134-7675B2394A41}"/>
               </a:ext>
             </a:extLst>
           </p:cNvPr>
@@ -12144,74 +12145,68 @@
           <a:p>
             <a:r>
               <a:rPr lang="zh-CN" altLang="en-US" dirty="0"/>
-              <a:t>良好的编程习惯</a:t>
-            </a:r>
-          </a:p>
-        </p:txBody>
-      </p:sp>
-      <p:sp>
-        <p:nvSpPr>
-          <p:cNvPr id="5" name="矩形 4">
+              <a:t>判断题</a:t>
+            </a:r>
+          </a:p>
+        </p:txBody>
+      </p:sp>
+      <p:sp>
+        <p:nvSpPr>
+          <p:cNvPr id="3" name="内容占位符 2">
             <a:extLst>
               <a:ext uri="{FF2B5EF4-FFF2-40B4-BE49-F238E27FC236}">
-                <a16:creationId xmlns:a16="http://schemas.microsoft.com/office/drawing/2014/main" id="{F2C537D3-A129-43E1-9CA7-E857C0E956E2}"/>
+                <a16:creationId xmlns:a16="http://schemas.microsoft.com/office/drawing/2014/main" id="{5809F030-9203-4212-B057-DEB29C8719EE}"/>
               </a:ext>
             </a:extLst>
           </p:cNvPr>
-          <p:cNvSpPr/>
-          <p:nvPr/>
-        </p:nvSpPr>
-        <p:spPr>
-          <a:xfrm>
-            <a:off x="948361" y="2255065"/>
-            <a:ext cx="10120692" cy="769441"/>
-          </a:xfrm>
-          <a:prstGeom prst="rect">
-            <a:avLst/>
-          </a:prstGeom>
-          <a:noFill/>
-        </p:spPr>
-        <p:txBody>
-          <a:bodyPr wrap="square" lIns="91440" tIns="45720" rIns="91440" bIns="45720">
-            <a:spAutoFit/>
-            <a:scene3d>
-              <a:camera prst="orthographicFront"/>
-              <a:lightRig rig="soft" dir="t">
-                <a:rot lat="0" lon="0" rev="15600000"/>
-              </a:lightRig>
-            </a:scene3d>
-            <a:sp3d extrusionH="57150" prstMaterial="softEdge">
-              <a:bevelT w="25400" h="38100"/>
-            </a:sp3d>
-          </a:bodyPr>
-          <a:lstStyle/>
-          <a:p>
-            <a:pPr algn="ctr"/>
-            <a:r>
-              <a:rPr lang="zh-CN" altLang="en-US" sz="4400" b="1" dirty="0">
-                <a:ln/>
-                <a:solidFill>
-                  <a:schemeClr val="accent4"/>
-                </a:solidFill>
-              </a:rPr>
-              <a:t>除非需要可变，否则应将其声明为</a:t>
-            </a:r>
-            <a:r>
-              <a:rPr lang="en-US" altLang="zh-CN" sz="4400" b="1" dirty="0">
-                <a:ln/>
-                <a:solidFill>
-                  <a:schemeClr val="accent4"/>
-                </a:solidFill>
-              </a:rPr>
-              <a:t>final</a:t>
-            </a:r>
+          <p:cNvSpPr>
+            <a:spLocks noGrp="1"/>
+          </p:cNvSpPr>
+          <p:nvPr>
+            <p:ph idx="1"/>
+          </p:nvPr>
+        </p:nvSpPr>
+        <p:spPr/>
+        <p:txBody>
+          <a:bodyPr/>
+          <a:lstStyle/>
+          <a:p>
+            <a:pPr marL="0" indent="0">
+              <a:buNone/>
+            </a:pPr>
+            <a:r>
+              <a:rPr lang="zh-CN" altLang="en-US" dirty="0"/>
+              <a:t>是否线程安全？</a:t>
+            </a:r>
+            <a:endParaRPr lang="en-US" altLang="zh-CN" dirty="0"/>
+          </a:p>
+          <a:p>
+            <a:r>
+              <a:rPr lang="en-US" altLang="zh-CN" dirty="0" err="1"/>
+              <a:t>RaceConditionDemo</a:t>
+            </a:r>
+            <a:endParaRPr lang="en-US" altLang="zh-CN" dirty="0"/>
+          </a:p>
+          <a:p>
+            <a:r>
+              <a:rPr lang="en-US" altLang="zh-CN" dirty="0" err="1"/>
+              <a:t>NarrowAtomicScopeDemo</a:t>
+            </a:r>
+            <a:endParaRPr lang="en-US" altLang="zh-CN" dirty="0"/>
+          </a:p>
+          <a:p>
+            <a:r>
+              <a:rPr lang="en-US" altLang="zh-CN" dirty="0" err="1"/>
+              <a:t>LocalPrimitiveDemo</a:t>
+            </a:r>
+            <a:endParaRPr lang="zh-CN" altLang="en-US" dirty="0"/>
           </a:p>
         </p:txBody>
       </p:sp>
     </p:spTree>
     <p:extLst>
       <p:ext uri="{BB962C8B-B14F-4D97-AF65-F5344CB8AC3E}">
-        <p14:creationId xmlns:p14="http://schemas.microsoft.com/office/powerpoint/2010/main" val="1304624212"/>
+        <p14:creationId xmlns:p14="http://schemas.microsoft.com/office/powerpoint/2010/main" val="3135250068"/>
       </p:ext>
     </p:extLst>
   </p:cSld>
@@ -12243,7 +12238,7 @@
           <p:cNvPr id="2" name="标题 1">
             <a:extLst>
               <a:ext uri="{FF2B5EF4-FFF2-40B4-BE49-F238E27FC236}">
-                <a16:creationId xmlns:a16="http://schemas.microsoft.com/office/drawing/2014/main" id="{FA4A5899-2A07-4AD2-9D07-F1A9AC483535}"/>
+                <a16:creationId xmlns:a16="http://schemas.microsoft.com/office/drawing/2014/main" id="{ED8E4AA0-9D13-460A-B363-93F7240E58BA}"/>
               </a:ext>
             </a:extLst>
           </p:cNvPr>
@@ -12261,7 +12256,66 @@
           <a:p>
             <a:r>
               <a:rPr lang="zh-CN" altLang="en-US" dirty="0"/>
-              <a:t>二、对象的共享</a:t>
+              <a:t>良好的编程习惯</a:t>
+            </a:r>
+          </a:p>
+        </p:txBody>
+      </p:sp>
+      <p:sp>
+        <p:nvSpPr>
+          <p:cNvPr id="5" name="矩形 4">
+            <a:extLst>
+              <a:ext uri="{FF2B5EF4-FFF2-40B4-BE49-F238E27FC236}">
+                <a16:creationId xmlns:a16="http://schemas.microsoft.com/office/drawing/2014/main" id="{F2C537D3-A129-43E1-9CA7-E857C0E956E2}"/>
+              </a:ext>
+            </a:extLst>
+          </p:cNvPr>
+          <p:cNvSpPr/>
+          <p:nvPr/>
+        </p:nvSpPr>
+        <p:spPr>
+          <a:xfrm>
+            <a:off x="948361" y="2255065"/>
+            <a:ext cx="10120692" cy="769441"/>
+          </a:xfrm>
+          <a:prstGeom prst="rect">
+            <a:avLst/>
+          </a:prstGeom>
+          <a:noFill/>
+        </p:spPr>
+        <p:txBody>
+          <a:bodyPr wrap="square" lIns="91440" tIns="45720" rIns="91440" bIns="45720">
+            <a:spAutoFit/>
+            <a:scene3d>
+              <a:camera prst="orthographicFront"/>
+              <a:lightRig rig="soft" dir="t">
+                <a:rot lat="0" lon="0" rev="15600000"/>
+              </a:lightRig>
+            </a:scene3d>
+            <a:sp3d extrusionH="57150" prstMaterial="softEdge">
+              <a:bevelT w="25400" h="38100"/>
+            </a:sp3d>
+          </a:bodyPr>
+          <a:lstStyle/>
+          <a:p>
+            <a:pPr algn="ctr"/>
+            <a:r>
+              <a:rPr lang="zh-CN" altLang="en-US" sz="4400" b="1" dirty="0">
+                <a:ln/>
+                <a:solidFill>
+                  <a:schemeClr val="accent4"/>
+                </a:solidFill>
+              </a:rPr>
+              <a:t>除非需要可变，否则应将其声明为</a:t>
+            </a:r>
+            <a:r>
+              <a:rPr lang="en-US" altLang="zh-CN" sz="4400" b="1" dirty="0">
+                <a:ln/>
+                <a:solidFill>
+                  <a:schemeClr val="accent4"/>
+                </a:solidFill>
+              </a:rPr>
+              <a:t>final</a:t>
             </a:r>
           </a:p>
         </p:txBody>
@@ -12269,7 +12323,7 @@
     </p:spTree>
     <p:extLst>
       <p:ext uri="{BB962C8B-B14F-4D97-AF65-F5344CB8AC3E}">
-        <p14:creationId xmlns:p14="http://schemas.microsoft.com/office/powerpoint/2010/main" val="3910433703"/>
+        <p14:creationId xmlns:p14="http://schemas.microsoft.com/office/powerpoint/2010/main" val="1304624212"/>
       </p:ext>
     </p:extLst>
   </p:cSld>
@@ -12301,7 +12355,7 @@
           <p:cNvPr id="2" name="标题 1">
             <a:extLst>
               <a:ext uri="{FF2B5EF4-FFF2-40B4-BE49-F238E27FC236}">
-                <a16:creationId xmlns:a16="http://schemas.microsoft.com/office/drawing/2014/main" id="{6D30BCF9-1661-422C-836C-182749F5F05A}"/>
+                <a16:creationId xmlns:a16="http://schemas.microsoft.com/office/drawing/2014/main" id="{FA4A5899-2A07-4AD2-9D07-F1A9AC483535}"/>
               </a:ext>
             </a:extLst>
           </p:cNvPr>
@@ -12319,89 +12373,15 @@
           <a:p>
             <a:r>
               <a:rPr lang="zh-CN" altLang="en-US" dirty="0"/>
-              <a:t>可见性</a:t>
-            </a:r>
-          </a:p>
-        </p:txBody>
-      </p:sp>
-      <p:sp>
-        <p:nvSpPr>
-          <p:cNvPr id="3" name="内容占位符 2">
-            <a:extLst>
-              <a:ext uri="{FF2B5EF4-FFF2-40B4-BE49-F238E27FC236}">
-                <a16:creationId xmlns:a16="http://schemas.microsoft.com/office/drawing/2014/main" id="{8570B324-D1E1-4A41-9276-6EFC3F8E2FFF}"/>
-              </a:ext>
-            </a:extLst>
-          </p:cNvPr>
-          <p:cNvSpPr>
-            <a:spLocks noGrp="1"/>
-          </p:cNvSpPr>
-          <p:nvPr>
-            <p:ph idx="1"/>
-          </p:nvPr>
-        </p:nvSpPr>
-        <p:spPr/>
-        <p:txBody>
-          <a:bodyPr/>
-          <a:lstStyle/>
-          <a:p>
-            <a:r>
-              <a:rPr lang="zh-CN" altLang="en-US" dirty="0"/>
-              <a:t>可见性指一条线程能够看到另一条线程的变量的新值</a:t>
-            </a:r>
-            <a:endParaRPr lang="en-US" altLang="zh-CN" dirty="0"/>
-          </a:p>
-          <a:p>
-            <a:pPr marL="0" indent="0">
-              <a:buNone/>
-            </a:pPr>
-            <a:endParaRPr lang="en-US" altLang="zh-CN" dirty="0"/>
-          </a:p>
-          <a:p>
-            <a:r>
-              <a:rPr lang="zh-CN" altLang="en-US" dirty="0"/>
-              <a:t>演示：</a:t>
-            </a:r>
-            <a:r>
-              <a:rPr lang="en-US" altLang="zh-CN" dirty="0"/>
-              <a:t> </a:t>
-            </a:r>
-            <a:r>
-              <a:rPr lang="en-US" altLang="zh-CN" dirty="0" err="1"/>
-              <a:t>NoVisibilityDemo</a:t>
-            </a:r>
-            <a:endParaRPr lang="en-US" altLang="zh-CN" dirty="0"/>
-          </a:p>
-          <a:p>
-            <a:endParaRPr lang="en-US" altLang="zh-CN" dirty="0"/>
-          </a:p>
-          <a:p>
-            <a:r>
-              <a:rPr lang="zh-CN" altLang="en-US" dirty="0"/>
-              <a:t>为什么有可见性这个问题？</a:t>
-            </a:r>
-            <a:endParaRPr lang="en-US" altLang="zh-CN" dirty="0"/>
-          </a:p>
-          <a:p>
-            <a:pPr marL="0" indent="0">
-              <a:buNone/>
-            </a:pPr>
-            <a:r>
-              <a:rPr lang="en-US" altLang="zh-CN" dirty="0"/>
-              <a:t>-&gt;Java</a:t>
-            </a:r>
-            <a:r>
-              <a:rPr lang="zh-CN" altLang="en-US" dirty="0"/>
-              <a:t>内存模型决定的</a:t>
-            </a:r>
-            <a:endParaRPr lang="en-US" altLang="zh-CN" dirty="0"/>
+              <a:t>二、对象的共享</a:t>
+            </a:r>
           </a:p>
         </p:txBody>
       </p:sp>
     </p:spTree>
     <p:extLst>
       <p:ext uri="{BB962C8B-B14F-4D97-AF65-F5344CB8AC3E}">
-        <p14:creationId xmlns:p14="http://schemas.microsoft.com/office/powerpoint/2010/main" val="1690706940"/>
+        <p14:creationId xmlns:p14="http://schemas.microsoft.com/office/powerpoint/2010/main" val="3910433703"/>
       </p:ext>
     </p:extLst>
   </p:cSld>
@@ -12433,7 +12413,7 @@
           <p:cNvPr id="2" name="标题 1">
             <a:extLst>
               <a:ext uri="{FF2B5EF4-FFF2-40B4-BE49-F238E27FC236}">
-                <a16:creationId xmlns:a16="http://schemas.microsoft.com/office/drawing/2014/main" id="{1B055502-C736-4334-BEA0-B4A79C849B0C}"/>
+                <a16:creationId xmlns:a16="http://schemas.microsoft.com/office/drawing/2014/main" id="{6D30BCF9-1661-422C-836C-182749F5F05A}"/>
               </a:ext>
             </a:extLst>
           </p:cNvPr>
@@ -12450,234 +12430,90 @@
           <a:lstStyle/>
           <a:p>
             <a:r>
-              <a:rPr lang="en-US" altLang="zh-CN" dirty="0"/>
-              <a:t>Java</a:t>
-            </a:r>
-            <a:r>
               <a:rPr lang="zh-CN" altLang="en-US" dirty="0"/>
-              <a:t>内存模型</a:t>
-            </a:r>
-          </a:p>
-        </p:txBody>
-      </p:sp>
-      <p:pic>
-        <p:nvPicPr>
-          <p:cNvPr id="13" name="内容占位符 12">
+              <a:t>可见性</a:t>
+            </a:r>
+          </a:p>
+        </p:txBody>
+      </p:sp>
+      <p:sp>
+        <p:nvSpPr>
+          <p:cNvPr id="3" name="内容占位符 2">
             <a:extLst>
               <a:ext uri="{FF2B5EF4-FFF2-40B4-BE49-F238E27FC236}">
-                <a16:creationId xmlns:a16="http://schemas.microsoft.com/office/drawing/2014/main" id="{CD4B6CA4-2422-473B-A129-15E44D965C89}"/>
+                <a16:creationId xmlns:a16="http://schemas.microsoft.com/office/drawing/2014/main" id="{8570B324-D1E1-4A41-9276-6EFC3F8E2FFF}"/>
               </a:ext>
             </a:extLst>
           </p:cNvPr>
-          <p:cNvPicPr>
-            <a:picLocks noGrp="1" noChangeAspect="1"/>
-          </p:cNvPicPr>
+          <p:cNvSpPr>
+            <a:spLocks noGrp="1"/>
+          </p:cNvSpPr>
           <p:nvPr>
             <p:ph idx="1"/>
           </p:nvPr>
-        </p:nvPicPr>
-        <p:blipFill>
-          <a:blip r:embed="rId3"/>
-          <a:stretch>
-            <a:fillRect/>
-          </a:stretch>
-        </p:blipFill>
-        <p:spPr>
-          <a:xfrm>
-            <a:off x="5255727" y="1528762"/>
-            <a:ext cx="5695950" cy="3800475"/>
-          </a:xfrm>
-          <a:prstGeom prst="rect">
-            <a:avLst/>
-          </a:prstGeom>
-        </p:spPr>
-      </p:pic>
-      <p:sp>
-        <p:nvSpPr>
-          <p:cNvPr id="8" name="文本框 7">
-            <a:extLst>
-              <a:ext uri="{FF2B5EF4-FFF2-40B4-BE49-F238E27FC236}">
-                <a16:creationId xmlns:a16="http://schemas.microsoft.com/office/drawing/2014/main" id="{F2B8B8BA-42A7-43A6-85B4-44546AE50811}"/>
-              </a:ext>
-            </a:extLst>
-          </p:cNvPr>
-          <p:cNvSpPr txBox="1"/>
-          <p:nvPr/>
-        </p:nvSpPr>
-        <p:spPr>
-          <a:xfrm>
-            <a:off x="964096" y="1580321"/>
-            <a:ext cx="3889509" cy="4524315"/>
-          </a:xfrm>
-          <a:prstGeom prst="rect">
-            <a:avLst/>
-          </a:prstGeom>
-          <a:noFill/>
-        </p:spPr>
-        <p:txBody>
-          <a:bodyPr wrap="square" rtlCol="0">
-            <a:spAutoFit/>
-          </a:bodyPr>
-          <a:lstStyle/>
-          <a:p>
+        </p:nvSpPr>
+        <p:spPr/>
+        <p:txBody>
+          <a:bodyPr/>
+          <a:lstStyle/>
+          <a:p>
+            <a:r>
+              <a:rPr lang="zh-CN" altLang="en-US" dirty="0"/>
+              <a:t>可见性指一条线程能够看到另一条线程的变量的新值</a:t>
+            </a:r>
+            <a:endParaRPr lang="en-US" altLang="zh-CN" dirty="0"/>
+          </a:p>
+          <a:p>
+            <a:pPr marL="0" indent="0">
+              <a:buNone/>
+            </a:pPr>
+            <a:endParaRPr lang="en-US" altLang="zh-CN" dirty="0"/>
+          </a:p>
+          <a:p>
+            <a:r>
+              <a:rPr lang="zh-CN" altLang="en-US" dirty="0"/>
+              <a:t>演示：</a:t>
+            </a:r>
             <a:r>
               <a:rPr lang="en-US" altLang="zh-CN" dirty="0"/>
-              <a:t>Java</a:t>
-            </a:r>
+              <a:t> </a:t>
+            </a:r>
+            <a:r>
+              <a:rPr lang="en-US" altLang="zh-CN" dirty="0" err="1"/>
+              <a:t>NoVisibilityDemo</a:t>
+            </a:r>
+            <a:endParaRPr lang="en-US" altLang="zh-CN" dirty="0"/>
+          </a:p>
+          <a:p>
+            <a:endParaRPr lang="en-US" altLang="zh-CN" dirty="0"/>
+          </a:p>
+          <a:p>
             <a:r>
               <a:rPr lang="zh-CN" altLang="en-US" dirty="0"/>
-              <a:t>内存抽象为两种：</a:t>
+              <a:t>为什么有可见性这个问题？</a:t>
             </a:r>
             <a:endParaRPr lang="en-US" altLang="zh-CN" dirty="0"/>
           </a:p>
           <a:p>
+            <a:pPr marL="0" indent="0">
+              <a:buNone/>
+            </a:pPr>
+            <a:r>
+              <a:rPr lang="en-US" altLang="zh-CN" dirty="0"/>
+              <a:t>-&gt;Java</a:t>
+            </a:r>
             <a:r>
               <a:rPr lang="zh-CN" altLang="en-US" dirty="0"/>
-              <a:t>一种为工作内存，线程私有，每个线程只能跟自己的工作内存交互</a:t>
-            </a:r>
-            <a:r>
-              <a:rPr lang="en-US" altLang="zh-CN" dirty="0"/>
-              <a:t>;</a:t>
-            </a:r>
-            <a:r>
-              <a:rPr lang="zh-CN" altLang="en-US" dirty="0"/>
-              <a:t>相当于本地缓存。</a:t>
+              <a:t>内存模型决定的</a:t>
             </a:r>
             <a:endParaRPr lang="en-US" altLang="zh-CN" dirty="0"/>
-          </a:p>
-          <a:p>
-            <a:endParaRPr lang="en-US" altLang="zh-CN" dirty="0"/>
-          </a:p>
-          <a:p>
-            <a:r>
-              <a:rPr lang="zh-CN" altLang="en-US" dirty="0"/>
-              <a:t>一种为主内存，存放共享变量。工作内存只存放共享变量的副本。线程之间通过主内存共享变量。</a:t>
-            </a:r>
-            <a:endParaRPr lang="en-US" altLang="zh-CN" dirty="0"/>
-          </a:p>
-          <a:p>
-            <a:endParaRPr lang="en-US" altLang="zh-CN" dirty="0"/>
-          </a:p>
-          <a:p>
-            <a:r>
-              <a:rPr lang="zh-CN" altLang="en-US" dirty="0"/>
-              <a:t>当一条线程修改工作内存中的共享变量副本后，其他线程可能还是旧的，看不到前者工作内存的新值，于是产生可见性问题。</a:t>
-            </a:r>
-            <a:endParaRPr lang="en-US" altLang="zh-CN" dirty="0"/>
-          </a:p>
-          <a:p>
-            <a:endParaRPr lang="en-US" altLang="zh-CN" dirty="0"/>
-          </a:p>
-          <a:p>
-            <a:r>
-              <a:rPr lang="zh-CN" altLang="en-US" b="1" dirty="0"/>
-              <a:t>比喻： </a:t>
-            </a:r>
-            <a:r>
-              <a:rPr lang="en-US" altLang="zh-CN" b="1" dirty="0"/>
-              <a:t>Git</a:t>
-            </a:r>
-            <a:r>
-              <a:rPr lang="zh-CN" altLang="en-US" b="1" dirty="0"/>
-              <a:t>版本下的协作开发</a:t>
-            </a:r>
-            <a:endParaRPr lang="en-US" altLang="zh-CN" b="1" dirty="0"/>
-          </a:p>
-          <a:p>
-            <a:endParaRPr lang="en-US" altLang="zh-CN" dirty="0"/>
-          </a:p>
-        </p:txBody>
-      </p:sp>
-      <p:sp>
-        <p:nvSpPr>
-          <p:cNvPr id="9" name="文本框 8">
-            <a:extLst>
-              <a:ext uri="{FF2B5EF4-FFF2-40B4-BE49-F238E27FC236}">
-                <a16:creationId xmlns:a16="http://schemas.microsoft.com/office/drawing/2014/main" id="{4AF67ABE-8186-42AC-80A1-9B83D0960831}"/>
-              </a:ext>
-            </a:extLst>
-          </p:cNvPr>
-          <p:cNvSpPr txBox="1"/>
-          <p:nvPr/>
-        </p:nvSpPr>
-        <p:spPr>
-          <a:xfrm>
-            <a:off x="964095" y="5843449"/>
-            <a:ext cx="8925340" cy="923330"/>
-          </a:xfrm>
-          <a:prstGeom prst="rect">
-            <a:avLst/>
-          </a:prstGeom>
-          <a:noFill/>
-        </p:spPr>
-        <p:txBody>
-          <a:bodyPr wrap="square" rtlCol="0">
-            <a:spAutoFit/>
-          </a:bodyPr>
-          <a:lstStyle/>
-          <a:p>
-            <a:r>
-              <a:rPr lang="zh-CN" altLang="en-US" dirty="0"/>
-              <a:t>推论：某线程</a:t>
-            </a:r>
-            <a:r>
-              <a:rPr lang="en-US" altLang="zh-CN" dirty="0"/>
-              <a:t>1</a:t>
-            </a:r>
-            <a:r>
-              <a:rPr lang="zh-CN" altLang="en-US" dirty="0"/>
-              <a:t>将共享变量</a:t>
-            </a:r>
-            <a:r>
-              <a:rPr lang="en-US" altLang="zh-CN" dirty="0"/>
-              <a:t>X</a:t>
-            </a:r>
-            <a:r>
-              <a:rPr lang="zh-CN" altLang="en-US" dirty="0"/>
-              <a:t>副本修改完，然后将新值</a:t>
-            </a:r>
-            <a:r>
-              <a:rPr lang="en-US" altLang="zh-CN" dirty="0"/>
-              <a:t>push</a:t>
-            </a:r>
-            <a:r>
-              <a:rPr lang="zh-CN" altLang="en-US" dirty="0"/>
-              <a:t>到主内存，另一条线程</a:t>
-            </a:r>
-            <a:r>
-              <a:rPr lang="en-US" altLang="zh-CN" dirty="0"/>
-              <a:t>2</a:t>
-            </a:r>
-            <a:r>
-              <a:rPr lang="zh-CN" altLang="en-US" dirty="0"/>
-              <a:t>在修改</a:t>
-            </a:r>
-            <a:r>
-              <a:rPr lang="en-US" altLang="zh-CN" dirty="0"/>
-              <a:t>X</a:t>
-            </a:r>
-            <a:r>
-              <a:rPr lang="zh-CN" altLang="en-US" dirty="0"/>
-              <a:t>时要先到主内存</a:t>
-            </a:r>
-            <a:r>
-              <a:rPr lang="en-US" altLang="zh-CN" dirty="0"/>
-              <a:t>pull X</a:t>
-            </a:r>
-            <a:r>
-              <a:rPr lang="zh-CN" altLang="en-US" dirty="0"/>
-              <a:t>的新值，才能实现可见性。</a:t>
-            </a:r>
-          </a:p>
-          <a:p>
-            <a:endParaRPr lang="zh-CN" altLang="en-US" dirty="0"/>
           </a:p>
         </p:txBody>
       </p:sp>
     </p:spTree>
     <p:extLst>
       <p:ext uri="{BB962C8B-B14F-4D97-AF65-F5344CB8AC3E}">
-        <p14:creationId xmlns:p14="http://schemas.microsoft.com/office/powerpoint/2010/main" val="1620735717"/>
+        <p14:creationId xmlns:p14="http://schemas.microsoft.com/office/powerpoint/2010/main" val="1690706940"/>
       </p:ext>
     </p:extLst>
   </p:cSld>
@@ -12709,7 +12545,7 @@
           <p:cNvPr id="2" name="标题 1">
             <a:extLst>
               <a:ext uri="{FF2B5EF4-FFF2-40B4-BE49-F238E27FC236}">
-                <a16:creationId xmlns:a16="http://schemas.microsoft.com/office/drawing/2014/main" id="{645EBF28-949C-48F7-97AF-0287E355EF83}"/>
+                <a16:creationId xmlns:a16="http://schemas.microsoft.com/office/drawing/2014/main" id="{1B055502-C736-4334-BEA0-B4A79C849B0C}"/>
               </a:ext>
             </a:extLst>
           </p:cNvPr>
@@ -12726,164 +12562,226 @@
           <a:lstStyle/>
           <a:p>
             <a:r>
+              <a:rPr lang="en-US" altLang="zh-CN" dirty="0"/>
+              <a:t>Java</a:t>
+            </a:r>
+            <a:r>
               <a:rPr lang="zh-CN" altLang="en-US" dirty="0"/>
-              <a:t>线程什么时候</a:t>
-            </a:r>
-            <a:r>
-              <a:rPr lang="en-US" altLang="zh-CN" dirty="0"/>
-              <a:t>push</a:t>
-            </a:r>
-            <a:r>
-              <a:rPr lang="zh-CN" altLang="en-US" dirty="0"/>
-              <a:t>和</a:t>
-            </a:r>
-            <a:r>
-              <a:rPr lang="en-US" altLang="zh-CN" dirty="0"/>
-              <a:t>pull</a:t>
-            </a:r>
-            <a:endParaRPr lang="zh-CN" altLang="en-US" dirty="0"/>
-          </a:p>
-        </p:txBody>
-      </p:sp>
-      <p:sp>
-        <p:nvSpPr>
-          <p:cNvPr id="3" name="内容占位符 2">
+              <a:t>内存模型</a:t>
+            </a:r>
+          </a:p>
+        </p:txBody>
+      </p:sp>
+      <p:pic>
+        <p:nvPicPr>
+          <p:cNvPr id="13" name="内容占位符 12">
             <a:extLst>
               <a:ext uri="{FF2B5EF4-FFF2-40B4-BE49-F238E27FC236}">
-                <a16:creationId xmlns:a16="http://schemas.microsoft.com/office/drawing/2014/main" id="{72DB7F54-7A94-425D-A491-FC363F063AFE}"/>
+                <a16:creationId xmlns:a16="http://schemas.microsoft.com/office/drawing/2014/main" id="{CD4B6CA4-2422-473B-A129-15E44D965C89}"/>
               </a:ext>
             </a:extLst>
           </p:cNvPr>
-          <p:cNvSpPr>
-            <a:spLocks noGrp="1"/>
-          </p:cNvSpPr>
+          <p:cNvPicPr>
+            <a:picLocks noGrp="1" noChangeAspect="1"/>
+          </p:cNvPicPr>
           <p:nvPr>
             <p:ph idx="1"/>
           </p:nvPr>
-        </p:nvSpPr>
-        <p:spPr/>
-        <p:txBody>
-          <a:bodyPr>
-            <a:normAutofit/>
+        </p:nvPicPr>
+        <p:blipFill>
+          <a:blip r:embed="rId3"/>
+          <a:stretch>
+            <a:fillRect/>
+          </a:stretch>
+        </p:blipFill>
+        <p:spPr>
+          <a:xfrm>
+            <a:off x="5331927" y="1811648"/>
+            <a:ext cx="5695950" cy="3800475"/>
+          </a:xfrm>
+          <a:prstGeom prst="rect">
+            <a:avLst/>
+          </a:prstGeom>
+        </p:spPr>
+      </p:pic>
+      <p:sp>
+        <p:nvSpPr>
+          <p:cNvPr id="8" name="文本框 7">
+            <a:extLst>
+              <a:ext uri="{FF2B5EF4-FFF2-40B4-BE49-F238E27FC236}">
+                <a16:creationId xmlns:a16="http://schemas.microsoft.com/office/drawing/2014/main" id="{F2B8B8BA-42A7-43A6-85B4-44546AE50811}"/>
+              </a:ext>
+            </a:extLst>
+          </p:cNvPr>
+          <p:cNvSpPr txBox="1"/>
+          <p:nvPr/>
+        </p:nvSpPr>
+        <p:spPr>
+          <a:xfrm>
+            <a:off x="964096" y="1580321"/>
+            <a:ext cx="3889509" cy="4524315"/>
+          </a:xfrm>
+          <a:prstGeom prst="rect">
+            <a:avLst/>
+          </a:prstGeom>
+          <a:noFill/>
+        </p:spPr>
+        <p:txBody>
+          <a:bodyPr wrap="square" rtlCol="0">
+            <a:spAutoFit/>
           </a:bodyPr>
           <a:lstStyle/>
           <a:p>
             <a:r>
+              <a:rPr lang="en-US" altLang="zh-CN" dirty="0"/>
+              <a:t>Java</a:t>
+            </a:r>
+            <a:r>
               <a:rPr lang="zh-CN" altLang="en-US" dirty="0"/>
-              <a:t>时机：</a:t>
+              <a:t>内存抽象为两种：</a:t>
             </a:r>
             <a:endParaRPr lang="en-US" altLang="zh-CN" dirty="0"/>
           </a:p>
           <a:p>
-            <a:pPr marL="0" indent="0">
-              <a:buNone/>
-            </a:pPr>
             <a:r>
               <a:rPr lang="zh-CN" altLang="en-US" dirty="0"/>
-              <a:t>加锁时</a:t>
+              <a:t>一种为工作内存，线程私有，每个线程只能跟自己的工作内存交互</a:t>
             </a:r>
             <a:r>
               <a:rPr lang="en-US" altLang="zh-CN" dirty="0"/>
-              <a:t>pull, volatile</a:t>
+              <a:t>;</a:t>
             </a:r>
             <a:r>
               <a:rPr lang="zh-CN" altLang="en-US" dirty="0"/>
-              <a:t>变量读时</a:t>
+              <a:t>相当于本地缓存。</a:t>
+            </a:r>
+            <a:endParaRPr lang="en-US" altLang="zh-CN" dirty="0"/>
+          </a:p>
+          <a:p>
+            <a:endParaRPr lang="en-US" altLang="zh-CN" dirty="0"/>
+          </a:p>
+          <a:p>
+            <a:r>
+              <a:rPr lang="zh-CN" altLang="en-US" dirty="0"/>
+              <a:t>一种为主内存，存放共享变量。工作内存只存放共享变量的副本。线程之间通过主内存共享变量。</a:t>
+            </a:r>
+            <a:endParaRPr lang="en-US" altLang="zh-CN" dirty="0"/>
+          </a:p>
+          <a:p>
+            <a:endParaRPr lang="en-US" altLang="zh-CN" dirty="0"/>
+          </a:p>
+          <a:p>
+            <a:r>
+              <a:rPr lang="zh-CN" altLang="en-US" dirty="0"/>
+              <a:t>当一条线程修改工作内存中的共享变量副本后，其他线程可能还是旧的，看不到前者工作内存的新值，于是产生可见性问题。</a:t>
+            </a:r>
+            <a:endParaRPr lang="en-US" altLang="zh-CN" dirty="0"/>
+          </a:p>
+          <a:p>
+            <a:endParaRPr lang="en-US" altLang="zh-CN" dirty="0"/>
+          </a:p>
+          <a:p>
+            <a:r>
+              <a:rPr lang="zh-CN" altLang="en-US" b="1" dirty="0"/>
+              <a:t>比喻： </a:t>
+            </a:r>
+            <a:r>
+              <a:rPr lang="en-US" altLang="zh-CN" b="1" dirty="0"/>
+              <a:t>Git</a:t>
+            </a:r>
+            <a:r>
+              <a:rPr lang="zh-CN" altLang="en-US" b="1" dirty="0"/>
+              <a:t>版本下的协作开发</a:t>
+            </a:r>
+            <a:endParaRPr lang="en-US" altLang="zh-CN" b="1" dirty="0"/>
+          </a:p>
+          <a:p>
+            <a:endParaRPr lang="en-US" altLang="zh-CN" dirty="0"/>
+          </a:p>
+        </p:txBody>
+      </p:sp>
+      <p:sp>
+        <p:nvSpPr>
+          <p:cNvPr id="9" name="文本框 8">
+            <a:extLst>
+              <a:ext uri="{FF2B5EF4-FFF2-40B4-BE49-F238E27FC236}">
+                <a16:creationId xmlns:a16="http://schemas.microsoft.com/office/drawing/2014/main" id="{4AF67ABE-8186-42AC-80A1-9B83D0960831}"/>
+              </a:ext>
+            </a:extLst>
+          </p:cNvPr>
+          <p:cNvSpPr txBox="1"/>
+          <p:nvPr/>
+        </p:nvSpPr>
+        <p:spPr>
+          <a:xfrm>
+            <a:off x="964095" y="5843449"/>
+            <a:ext cx="8925340" cy="923330"/>
+          </a:xfrm>
+          <a:prstGeom prst="rect">
+            <a:avLst/>
+          </a:prstGeom>
+          <a:noFill/>
+        </p:spPr>
+        <p:txBody>
+          <a:bodyPr wrap="square" rtlCol="0">
+            <a:spAutoFit/>
+          </a:bodyPr>
+          <a:lstStyle/>
+          <a:p>
+            <a:r>
+              <a:rPr lang="zh-CN" altLang="en-US" dirty="0"/>
+              <a:t>推论：某线程</a:t>
             </a:r>
             <a:r>
               <a:rPr lang="en-US" altLang="zh-CN" dirty="0"/>
-              <a:t>pull</a:t>
-            </a:r>
-          </a:p>
-          <a:p>
-            <a:pPr marL="0" indent="0">
-              <a:buNone/>
-            </a:pPr>
+              <a:t>1</a:t>
+            </a:r>
             <a:r>
               <a:rPr lang="zh-CN" altLang="en-US" dirty="0"/>
-              <a:t>解锁时</a:t>
+              <a:t>将共享变量</a:t>
             </a:r>
             <a:r>
               <a:rPr lang="en-US" altLang="zh-CN" dirty="0"/>
-              <a:t>push, volatile</a:t>
+              <a:t>X</a:t>
             </a:r>
             <a:r>
               <a:rPr lang="zh-CN" altLang="en-US" dirty="0"/>
-              <a:t>变量写时</a:t>
+              <a:t>副本修改完，然后将新值</a:t>
             </a:r>
             <a:r>
               <a:rPr lang="en-US" altLang="zh-CN" dirty="0"/>
               <a:t>push</a:t>
             </a:r>
-          </a:p>
-          <a:p>
-            <a:pPr marL="0" indent="0">
-              <a:buNone/>
-            </a:pPr>
-            <a:endParaRPr lang="en-US" altLang="zh-CN" dirty="0"/>
-          </a:p>
-          <a:p>
             <a:r>
               <a:rPr lang="zh-CN" altLang="en-US" dirty="0"/>
-              <a:t>推论：</a:t>
-            </a:r>
-            <a:endParaRPr lang="en-US" altLang="zh-CN" dirty="0"/>
-          </a:p>
-          <a:p>
-            <a:pPr marL="0" indent="0">
-              <a:buNone/>
-            </a:pPr>
+              <a:t>到主内存，另一条线程</a:t>
+            </a:r>
             <a:r>
               <a:rPr lang="en-US" altLang="zh-CN" dirty="0"/>
-              <a:t>synchronized</a:t>
+              <a:t>2</a:t>
             </a:r>
             <a:r>
               <a:rPr lang="zh-CN" altLang="en-US" dirty="0"/>
-              <a:t>、</a:t>
+              <a:t>在修改</a:t>
             </a:r>
             <a:r>
               <a:rPr lang="en-US" altLang="zh-CN" dirty="0"/>
-              <a:t>volatile</a:t>
+              <a:t>X</a:t>
             </a:r>
             <a:r>
               <a:rPr lang="zh-CN" altLang="en-US" dirty="0"/>
-              <a:t>能保证可见性</a:t>
-            </a:r>
-            <a:endParaRPr lang="en-US" altLang="zh-CN" dirty="0"/>
-          </a:p>
-          <a:p>
-            <a:pPr marL="0" indent="0">
-              <a:buNone/>
-            </a:pPr>
-            <a:endParaRPr lang="en-US" altLang="zh-CN" dirty="0"/>
-          </a:p>
-          <a:p>
+              <a:t>时要先到主内存</a:t>
+            </a:r>
+            <a:r>
+              <a:rPr lang="en-US" altLang="zh-CN" dirty="0"/>
+              <a:t>pull X</a:t>
+            </a:r>
             <a:r>
               <a:rPr lang="zh-CN" altLang="en-US" dirty="0"/>
-              <a:t>验证： </a:t>
-            </a:r>
-            <a:r>
-              <a:rPr lang="en-US" altLang="zh-CN" dirty="0" err="1"/>
-              <a:t>VisibilityBySyncDemo</a:t>
-            </a:r>
-            <a:r>
-              <a:rPr lang="zh-CN" altLang="en-US" dirty="0"/>
-              <a:t>，</a:t>
-            </a:r>
-            <a:r>
-              <a:rPr lang="en-US" altLang="zh-CN" dirty="0"/>
-              <a:t> </a:t>
-            </a:r>
-            <a:r>
-              <a:rPr lang="en-US" altLang="zh-CN" dirty="0" err="1"/>
-              <a:t>VisibilityByVolatileDemo</a:t>
-            </a:r>
-            <a:endParaRPr lang="en-US" altLang="zh-CN" dirty="0"/>
-          </a:p>
-          <a:p>
-            <a:pPr marL="0" indent="0">
-              <a:buNone/>
-            </a:pPr>
+              <a:t>的新值，才能实现可见性。</a:t>
+            </a:r>
+          </a:p>
+          <a:p>
             <a:endParaRPr lang="zh-CN" altLang="en-US" dirty="0"/>
           </a:p>
         </p:txBody>
@@ -12891,7 +12789,7 @@
     </p:spTree>
     <p:extLst>
       <p:ext uri="{BB962C8B-B14F-4D97-AF65-F5344CB8AC3E}">
-        <p14:creationId xmlns:p14="http://schemas.microsoft.com/office/powerpoint/2010/main" val="2296196705"/>
+        <p14:creationId xmlns:p14="http://schemas.microsoft.com/office/powerpoint/2010/main" val="1620735717"/>
       </p:ext>
     </p:extLst>
   </p:cSld>
@@ -12923,7 +12821,7 @@
           <p:cNvPr id="2" name="标题 1">
             <a:extLst>
               <a:ext uri="{FF2B5EF4-FFF2-40B4-BE49-F238E27FC236}">
-                <a16:creationId xmlns:a16="http://schemas.microsoft.com/office/drawing/2014/main" id="{6F26562C-CCD9-4519-A8EA-48472B99229D}"/>
+                <a16:creationId xmlns:a16="http://schemas.microsoft.com/office/drawing/2014/main" id="{645EBF28-949C-48F7-97AF-0287E355EF83}"/>
               </a:ext>
             </a:extLst>
           </p:cNvPr>
@@ -12940,114 +12838,172 @@
           <a:lstStyle/>
           <a:p>
             <a:r>
+              <a:rPr lang="zh-CN" altLang="en-US" dirty="0"/>
+              <a:t>线程什么时候</a:t>
+            </a:r>
+            <a:r>
               <a:rPr lang="en-US" altLang="zh-CN" dirty="0"/>
-              <a:t>JVM</a:t>
+              <a:t>push</a:t>
             </a:r>
             <a:r>
               <a:rPr lang="zh-CN" altLang="en-US" dirty="0"/>
-              <a:t>内存结构</a:t>
-            </a:r>
-          </a:p>
-        </p:txBody>
-      </p:sp>
-      <p:pic>
-        <p:nvPicPr>
-          <p:cNvPr id="4" name="内容占位符 3">
+              <a:t>和</a:t>
+            </a:r>
+            <a:r>
+              <a:rPr lang="en-US" altLang="zh-CN" dirty="0"/>
+              <a:t>pull</a:t>
+            </a:r>
+            <a:endParaRPr lang="zh-CN" altLang="en-US" dirty="0"/>
+          </a:p>
+        </p:txBody>
+      </p:sp>
+      <p:sp>
+        <p:nvSpPr>
+          <p:cNvPr id="3" name="内容占位符 2">
             <a:extLst>
               <a:ext uri="{FF2B5EF4-FFF2-40B4-BE49-F238E27FC236}">
-                <a16:creationId xmlns:a16="http://schemas.microsoft.com/office/drawing/2014/main" id="{E1D627CA-ED54-422A-AE37-1E049460A91E}"/>
+                <a16:creationId xmlns:a16="http://schemas.microsoft.com/office/drawing/2014/main" id="{72DB7F54-7A94-425D-A491-FC363F063AFE}"/>
               </a:ext>
             </a:extLst>
           </p:cNvPr>
-          <p:cNvPicPr>
-            <a:picLocks noGrp="1" noChangeAspect="1"/>
-          </p:cNvPicPr>
+          <p:cNvSpPr>
+            <a:spLocks noGrp="1"/>
+          </p:cNvSpPr>
           <p:nvPr>
             <p:ph idx="1"/>
           </p:nvPr>
-        </p:nvPicPr>
-        <p:blipFill>
-          <a:blip r:embed="rId2"/>
-          <a:stretch>
-            <a:fillRect/>
-          </a:stretch>
-        </p:blipFill>
-        <p:spPr>
-          <a:xfrm>
-            <a:off x="4712151" y="2024922"/>
-            <a:ext cx="5610225" cy="3362325"/>
-          </a:xfrm>
-          <a:prstGeom prst="rect">
-            <a:avLst/>
-          </a:prstGeom>
-        </p:spPr>
-      </p:pic>
-      <p:sp>
-        <p:nvSpPr>
-          <p:cNvPr id="5" name="文本框 4">
-            <a:extLst>
-              <a:ext uri="{FF2B5EF4-FFF2-40B4-BE49-F238E27FC236}">
-                <a16:creationId xmlns:a16="http://schemas.microsoft.com/office/drawing/2014/main" id="{7FBC87AD-0CFE-4350-820B-79EEBDB70D73}"/>
-              </a:ext>
-            </a:extLst>
-          </p:cNvPr>
-          <p:cNvSpPr txBox="1"/>
-          <p:nvPr/>
-        </p:nvSpPr>
-        <p:spPr>
-          <a:xfrm>
-            <a:off x="952901" y="2098306"/>
-            <a:ext cx="3272590" cy="2677656"/>
-          </a:xfrm>
-          <a:prstGeom prst="rect">
-            <a:avLst/>
-          </a:prstGeom>
-          <a:noFill/>
-        </p:spPr>
-        <p:txBody>
-          <a:bodyPr wrap="square" rtlCol="0">
-            <a:spAutoFit/>
+        </p:nvSpPr>
+        <p:spPr/>
+        <p:txBody>
+          <a:bodyPr>
+            <a:normAutofit/>
           </a:bodyPr>
           <a:lstStyle/>
           <a:p>
-            <a:pPr marL="285750" indent="-285750">
-              <a:buFont typeface="Arial" panose="020B0604020202020204" pitchFamily="34" charset="0"/>
-              <a:buChar char="•"/>
+            <a:r>
+              <a:rPr lang="zh-CN" altLang="en-US" dirty="0"/>
+              <a:t>时机：</a:t>
+            </a:r>
+            <a:endParaRPr lang="en-US" altLang="zh-CN" dirty="0"/>
+          </a:p>
+          <a:p>
+            <a:pPr marL="0" indent="0">
+              <a:buNone/>
             </a:pPr>
             <a:r>
-              <a:rPr lang="zh-CN" altLang="en-US" sz="2400" dirty="0"/>
-              <a:t>堆为共享内存区域，对象</a:t>
-            </a:r>
-            <a:r>
-              <a:rPr lang="en-US" altLang="zh-CN" sz="2400" dirty="0"/>
-              <a:t>new</a:t>
-            </a:r>
-            <a:r>
-              <a:rPr lang="zh-CN" altLang="en-US" sz="2400" dirty="0"/>
-              <a:t>在堆上</a:t>
-            </a:r>
-            <a:endParaRPr lang="en-US" altLang="zh-CN" sz="2400" dirty="0"/>
-          </a:p>
-          <a:p>
-            <a:endParaRPr lang="en-US" altLang="zh-CN" sz="2400" dirty="0"/>
-          </a:p>
-          <a:p>
-            <a:pPr marL="285750" indent="-285750">
-              <a:buFont typeface="Arial" panose="020B0604020202020204" pitchFamily="34" charset="0"/>
-              <a:buChar char="•"/>
+              <a:rPr lang="zh-CN" altLang="en-US" dirty="0"/>
+              <a:t>加锁时</a:t>
+            </a:r>
+            <a:r>
+              <a:rPr lang="en-US" altLang="zh-CN" dirty="0"/>
+              <a:t>pull, volatile</a:t>
+            </a:r>
+            <a:r>
+              <a:rPr lang="zh-CN" altLang="en-US" dirty="0"/>
+              <a:t>变量读时</a:t>
+            </a:r>
+            <a:r>
+              <a:rPr lang="en-US" altLang="zh-CN" dirty="0"/>
+              <a:t>pull</a:t>
+            </a:r>
+          </a:p>
+          <a:p>
+            <a:pPr marL="0" indent="0">
+              <a:buNone/>
             </a:pPr>
             <a:r>
-              <a:rPr lang="zh-CN" altLang="en-US" sz="2400" dirty="0"/>
-              <a:t>基本变量和局部变量分配置在栈上，每个线程对应一个栈，方法在栈中执行，</a:t>
-            </a:r>
-            <a:endParaRPr lang="en-US" altLang="zh-CN" sz="2400" dirty="0"/>
+              <a:rPr lang="zh-CN" altLang="en-US" dirty="0"/>
+              <a:t>解锁时</a:t>
+            </a:r>
+            <a:r>
+              <a:rPr lang="en-US" altLang="zh-CN" dirty="0"/>
+              <a:t>push, volatile</a:t>
+            </a:r>
+            <a:r>
+              <a:rPr lang="zh-CN" altLang="en-US" dirty="0"/>
+              <a:t>变量写时</a:t>
+            </a:r>
+            <a:r>
+              <a:rPr lang="en-US" altLang="zh-CN" dirty="0"/>
+              <a:t>push</a:t>
+            </a:r>
+          </a:p>
+          <a:p>
+            <a:pPr marL="0" indent="0">
+              <a:buNone/>
+            </a:pPr>
+            <a:endParaRPr lang="en-US" altLang="zh-CN" dirty="0"/>
+          </a:p>
+          <a:p>
+            <a:r>
+              <a:rPr lang="zh-CN" altLang="en-US" dirty="0"/>
+              <a:t>推论：</a:t>
+            </a:r>
+            <a:endParaRPr lang="en-US" altLang="zh-CN" dirty="0"/>
+          </a:p>
+          <a:p>
+            <a:pPr marL="0" indent="0">
+              <a:buNone/>
+            </a:pPr>
+            <a:r>
+              <a:rPr lang="en-US" altLang="zh-CN" dirty="0"/>
+              <a:t>synchronized</a:t>
+            </a:r>
+            <a:r>
+              <a:rPr lang="zh-CN" altLang="en-US" dirty="0"/>
+              <a:t>、</a:t>
+            </a:r>
+            <a:r>
+              <a:rPr lang="en-US" altLang="zh-CN" dirty="0"/>
+              <a:t>volatile</a:t>
+            </a:r>
+            <a:r>
+              <a:rPr lang="zh-CN" altLang="en-US" dirty="0"/>
+              <a:t>能保证可见性</a:t>
+            </a:r>
+            <a:endParaRPr lang="en-US" altLang="zh-CN" dirty="0"/>
+          </a:p>
+          <a:p>
+            <a:pPr marL="0" indent="0">
+              <a:buNone/>
+            </a:pPr>
+            <a:endParaRPr lang="en-US" altLang="zh-CN" dirty="0"/>
+          </a:p>
+          <a:p>
+            <a:r>
+              <a:rPr lang="zh-CN" altLang="en-US" dirty="0"/>
+              <a:t>验证： </a:t>
+            </a:r>
+            <a:r>
+              <a:rPr lang="en-US" altLang="zh-CN" dirty="0" err="1"/>
+              <a:t>VisibilityBySyncDemo</a:t>
+            </a:r>
+            <a:r>
+              <a:rPr lang="zh-CN" altLang="en-US" dirty="0"/>
+              <a:t>，</a:t>
+            </a:r>
+            <a:r>
+              <a:rPr lang="en-US" altLang="zh-CN" dirty="0"/>
+              <a:t> </a:t>
+            </a:r>
+            <a:r>
+              <a:rPr lang="en-US" altLang="zh-CN" dirty="0" err="1"/>
+              <a:t>VisibilityByVolatileDemo</a:t>
+            </a:r>
+            <a:endParaRPr lang="en-US" altLang="zh-CN" dirty="0"/>
+          </a:p>
+          <a:p>
+            <a:pPr marL="0" indent="0">
+              <a:buNone/>
+            </a:pPr>
+            <a:endParaRPr lang="zh-CN" altLang="en-US" dirty="0"/>
           </a:p>
         </p:txBody>
       </p:sp>
     </p:spTree>
     <p:extLst>
       <p:ext uri="{BB962C8B-B14F-4D97-AF65-F5344CB8AC3E}">
-        <p14:creationId xmlns:p14="http://schemas.microsoft.com/office/powerpoint/2010/main" val="1758250124"/>
+        <p14:creationId xmlns:p14="http://schemas.microsoft.com/office/powerpoint/2010/main" val="2296196705"/>
       </p:ext>
     </p:extLst>
   </p:cSld>
@@ -13079,7 +13035,7 @@
           <p:cNvPr id="2" name="标题 1">
             <a:extLst>
               <a:ext uri="{FF2B5EF4-FFF2-40B4-BE49-F238E27FC236}">
-                <a16:creationId xmlns:a16="http://schemas.microsoft.com/office/drawing/2014/main" id="{C330FEF5-2FC0-4187-A790-D63A9381E8F3}"/>
+                <a16:creationId xmlns:a16="http://schemas.microsoft.com/office/drawing/2014/main" id="{6F26562C-CCD9-4519-A8EA-48472B99229D}"/>
               </a:ext>
             </a:extLst>
           </p:cNvPr>
@@ -13097,29 +13053,21 @@
           <a:p>
             <a:r>
               <a:rPr lang="en-US" altLang="zh-CN" dirty="0"/>
-              <a:t>JMM</a:t>
+              <a:t>JVM</a:t>
             </a:r>
             <a:r>
               <a:rPr lang="zh-CN" altLang="en-US" dirty="0"/>
-              <a:t>与</a:t>
-            </a:r>
-            <a:r>
-              <a:rPr lang="en-US" altLang="zh-CN" dirty="0"/>
-              <a:t>JVM</a:t>
-            </a:r>
-            <a:r>
-              <a:rPr lang="zh-CN" altLang="en-US" dirty="0"/>
-              <a:t>内存区域划分的联系</a:t>
+              <a:t>内存结构</a:t>
             </a:r>
           </a:p>
         </p:txBody>
       </p:sp>
       <p:pic>
         <p:nvPicPr>
-          <p:cNvPr id="6" name="内容占位符 3">
+          <p:cNvPr id="4" name="内容占位符 3">
             <a:extLst>
               <a:ext uri="{FF2B5EF4-FFF2-40B4-BE49-F238E27FC236}">
-                <a16:creationId xmlns:a16="http://schemas.microsoft.com/office/drawing/2014/main" id="{00815C9E-1291-48FC-801C-D9BD30366411}"/>
+                <a16:creationId xmlns:a16="http://schemas.microsoft.com/office/drawing/2014/main" id="{E1D627CA-ED54-422A-AE37-1E049460A91E}"/>
               </a:ext>
             </a:extLst>
           </p:cNvPr>
@@ -13138,8 +13086,8 @@
         </p:blipFill>
         <p:spPr>
           <a:xfrm>
-            <a:off x="5044206" y="1691322"/>
-            <a:ext cx="4580355" cy="4351338"/>
+            <a:off x="4712151" y="2024922"/>
+            <a:ext cx="5610225" cy="3362325"/>
           </a:xfrm>
           <a:prstGeom prst="rect">
             <a:avLst/>
@@ -13148,10 +13096,10 @@
       </p:pic>
       <p:sp>
         <p:nvSpPr>
-          <p:cNvPr id="7" name="文本框 6">
+          <p:cNvPr id="5" name="文本框 4">
             <a:extLst>
               <a:ext uri="{FF2B5EF4-FFF2-40B4-BE49-F238E27FC236}">
-                <a16:creationId xmlns:a16="http://schemas.microsoft.com/office/drawing/2014/main" id="{63EAE4D0-5F4B-4730-840A-B218C320E064}"/>
+                <a16:creationId xmlns:a16="http://schemas.microsoft.com/office/drawing/2014/main" id="{7FBC87AD-0CFE-4350-820B-79EEBDB70D73}"/>
               </a:ext>
             </a:extLst>
           </p:cNvPr>
@@ -13160,8 +13108,8 @@
         </p:nvSpPr>
         <p:spPr>
           <a:xfrm>
-            <a:off x="1045046" y="1976573"/>
-            <a:ext cx="3469202" cy="2677656"/>
+            <a:off x="952901" y="2098306"/>
+            <a:ext cx="3272590" cy="2677656"/>
           </a:xfrm>
           <a:prstGeom prst="rect">
             <a:avLst/>
@@ -13179,14 +13127,21 @@
               <a:buChar char="•"/>
             </a:pPr>
             <a:r>
-              <a:rPr lang="en-US" altLang="zh-CN" sz="2800" dirty="0"/>
-              <a:t>JMM</a:t>
-            </a:r>
-            <a:r>
-              <a:rPr lang="zh-CN" altLang="en-US" sz="2800" dirty="0"/>
-              <a:t>是抽象出来的，真实不存在</a:t>
-            </a:r>
-            <a:endParaRPr lang="en-US" altLang="zh-CN" sz="2800" dirty="0"/>
+              <a:rPr lang="zh-CN" altLang="en-US" sz="2400" dirty="0"/>
+              <a:t>堆为共享内存区域，对象</a:t>
+            </a:r>
+            <a:r>
+              <a:rPr lang="en-US" altLang="zh-CN" sz="2400" dirty="0"/>
+              <a:t>new</a:t>
+            </a:r>
+            <a:r>
+              <a:rPr lang="zh-CN" altLang="en-US" sz="2400" dirty="0"/>
+              <a:t>在堆上</a:t>
+            </a:r>
+            <a:endParaRPr lang="en-US" altLang="zh-CN" sz="2400" dirty="0"/>
+          </a:p>
+          <a:p>
+            <a:endParaRPr lang="en-US" altLang="zh-CN" sz="2400" dirty="0"/>
           </a:p>
           <a:p>
             <a:pPr marL="285750" indent="-285750">
@@ -13194,27 +13149,17 @@
               <a:buChar char="•"/>
             </a:pPr>
             <a:r>
-              <a:rPr lang="zh-CN" altLang="en-US" sz="2800" dirty="0"/>
-              <a:t>堆、方法区等构成主内存</a:t>
-            </a:r>
-            <a:endParaRPr lang="en-US" altLang="zh-CN" sz="2800" dirty="0"/>
-          </a:p>
-          <a:p>
-            <a:pPr marL="285750" indent="-285750">
-              <a:buFont typeface="Arial" panose="020B0604020202020204" pitchFamily="34" charset="0"/>
-              <a:buChar char="•"/>
-            </a:pPr>
-            <a:r>
-              <a:rPr lang="zh-CN" altLang="en-US" sz="2800" dirty="0"/>
-              <a:t>寄存器、栈等构成工作内存</a:t>
-            </a:r>
+              <a:rPr lang="zh-CN" altLang="en-US" sz="2400" dirty="0"/>
+              <a:t>基本变量和局部变量分配置在栈上，每个线程对应一个栈，方法在栈中执行，</a:t>
+            </a:r>
+            <a:endParaRPr lang="en-US" altLang="zh-CN" sz="2400" dirty="0"/>
           </a:p>
         </p:txBody>
       </p:sp>
     </p:spTree>
     <p:extLst>
       <p:ext uri="{BB962C8B-B14F-4D97-AF65-F5344CB8AC3E}">
-        <p14:creationId xmlns:p14="http://schemas.microsoft.com/office/powerpoint/2010/main" val="1548609389"/>
+        <p14:creationId xmlns:p14="http://schemas.microsoft.com/office/powerpoint/2010/main" val="1758250124"/>
       </p:ext>
     </p:extLst>
   </p:cSld>
@@ -13246,7 +13191,7 @@
           <p:cNvPr id="2" name="标题 1">
             <a:extLst>
               <a:ext uri="{FF2B5EF4-FFF2-40B4-BE49-F238E27FC236}">
-                <a16:creationId xmlns:a16="http://schemas.microsoft.com/office/drawing/2014/main" id="{1C183E19-B016-4D1A-984F-42D966F9172A}"/>
+                <a16:creationId xmlns:a16="http://schemas.microsoft.com/office/drawing/2014/main" id="{C330FEF5-2FC0-4187-A790-D63A9381E8F3}"/>
               </a:ext>
             </a:extLst>
           </p:cNvPr>
@@ -13264,7 +13209,7 @@
           <a:p>
             <a:r>
               <a:rPr lang="en-US" altLang="zh-CN" dirty="0"/>
-              <a:t>synchronized</a:t>
+              <a:t>JMM</a:t>
             </a:r>
             <a:r>
               <a:rPr lang="zh-CN" altLang="en-US" dirty="0"/>
@@ -13272,65 +13217,116 @@
             </a:r>
             <a:r>
               <a:rPr lang="en-US" altLang="zh-CN" dirty="0"/>
-              <a:t>volatile</a:t>
+              <a:t>JVM</a:t>
             </a:r>
             <a:r>
               <a:rPr lang="zh-CN" altLang="en-US" dirty="0"/>
-              <a:t>的区别</a:t>
-            </a:r>
-          </a:p>
-        </p:txBody>
-      </p:sp>
-      <p:sp>
-        <p:nvSpPr>
-          <p:cNvPr id="3" name="内容占位符 2">
+              <a:t>内存区域划分的联系</a:t>
+            </a:r>
+          </a:p>
+        </p:txBody>
+      </p:sp>
+      <p:pic>
+        <p:nvPicPr>
+          <p:cNvPr id="6" name="内容占位符 3">
             <a:extLst>
               <a:ext uri="{FF2B5EF4-FFF2-40B4-BE49-F238E27FC236}">
-                <a16:creationId xmlns:a16="http://schemas.microsoft.com/office/drawing/2014/main" id="{1F31CB4A-073E-4647-9B1D-05E5F6B2956B}"/>
+                <a16:creationId xmlns:a16="http://schemas.microsoft.com/office/drawing/2014/main" id="{00815C9E-1291-48FC-801C-D9BD30366411}"/>
               </a:ext>
             </a:extLst>
           </p:cNvPr>
-          <p:cNvSpPr>
-            <a:spLocks noGrp="1"/>
-          </p:cNvSpPr>
+          <p:cNvPicPr>
+            <a:picLocks noGrp="1" noChangeAspect="1"/>
+          </p:cNvPicPr>
           <p:nvPr>
             <p:ph idx="1"/>
           </p:nvPr>
-        </p:nvSpPr>
-        <p:spPr/>
-        <p:txBody>
-          <a:bodyPr>
-            <a:normAutofit/>
+        </p:nvPicPr>
+        <p:blipFill>
+          <a:blip r:embed="rId2"/>
+          <a:stretch>
+            <a:fillRect/>
+          </a:stretch>
+        </p:blipFill>
+        <p:spPr>
+          <a:xfrm>
+            <a:off x="5559695" y="2069314"/>
+            <a:ext cx="4236118" cy="4024313"/>
+          </a:xfrm>
+          <a:prstGeom prst="rect">
+            <a:avLst/>
+          </a:prstGeom>
+        </p:spPr>
+      </p:pic>
+      <p:sp>
+        <p:nvSpPr>
+          <p:cNvPr id="7" name="文本框 6">
+            <a:extLst>
+              <a:ext uri="{FF2B5EF4-FFF2-40B4-BE49-F238E27FC236}">
+                <a16:creationId xmlns:a16="http://schemas.microsoft.com/office/drawing/2014/main" id="{63EAE4D0-5F4B-4730-840A-B218C320E064}"/>
+              </a:ext>
+            </a:extLst>
+          </p:cNvPr>
+          <p:cNvSpPr txBox="1"/>
+          <p:nvPr/>
+        </p:nvSpPr>
+        <p:spPr>
+          <a:xfrm>
+            <a:off x="1045046" y="1976573"/>
+            <a:ext cx="3469202" cy="2677656"/>
+          </a:xfrm>
+          <a:prstGeom prst="rect">
+            <a:avLst/>
+          </a:prstGeom>
+          <a:noFill/>
+        </p:spPr>
+        <p:txBody>
+          <a:bodyPr wrap="square" rtlCol="0">
+            <a:spAutoFit/>
           </a:bodyPr>
           <a:lstStyle/>
           <a:p>
-            <a:r>
-              <a:rPr lang="en-US" altLang="zh-CN" dirty="0"/>
-              <a:t>volatile: </a:t>
-            </a:r>
-            <a:r>
-              <a:rPr lang="zh-CN" altLang="en-US" dirty="0"/>
-              <a:t>仅能保证可见性</a:t>
-            </a:r>
-            <a:endParaRPr lang="en-US" altLang="zh-CN" dirty="0"/>
-          </a:p>
-          <a:p>
-            <a:r>
-              <a:rPr lang="en-US" altLang="zh-CN" dirty="0"/>
-              <a:t>synchronized: </a:t>
-            </a:r>
-            <a:r>
-              <a:rPr lang="zh-CN" altLang="en-US" dirty="0"/>
-              <a:t>可见性，原子性</a:t>
-            </a:r>
-            <a:endParaRPr lang="en-US" altLang="zh-CN" dirty="0"/>
+            <a:pPr marL="285750" indent="-285750">
+              <a:buFont typeface="Arial" panose="020B0604020202020204" pitchFamily="34" charset="0"/>
+              <a:buChar char="•"/>
+            </a:pPr>
+            <a:r>
+              <a:rPr lang="en-US" altLang="zh-CN" sz="2800" dirty="0"/>
+              <a:t>JMM</a:t>
+            </a:r>
+            <a:r>
+              <a:rPr lang="zh-CN" altLang="en-US" sz="2800" dirty="0"/>
+              <a:t>是抽象出来的，真实不存在</a:t>
+            </a:r>
+            <a:endParaRPr lang="en-US" altLang="zh-CN" sz="2800" dirty="0"/>
+          </a:p>
+          <a:p>
+            <a:pPr marL="285750" indent="-285750">
+              <a:buFont typeface="Arial" panose="020B0604020202020204" pitchFamily="34" charset="0"/>
+              <a:buChar char="•"/>
+            </a:pPr>
+            <a:r>
+              <a:rPr lang="zh-CN" altLang="en-US" sz="2800" dirty="0"/>
+              <a:t>堆、方法区等构成主内存</a:t>
+            </a:r>
+            <a:endParaRPr lang="en-US" altLang="zh-CN" sz="2800" dirty="0"/>
+          </a:p>
+          <a:p>
+            <a:pPr marL="285750" indent="-285750">
+              <a:buFont typeface="Arial" panose="020B0604020202020204" pitchFamily="34" charset="0"/>
+              <a:buChar char="•"/>
+            </a:pPr>
+            <a:r>
+              <a:rPr lang="zh-CN" altLang="en-US" sz="2800" dirty="0"/>
+              <a:t>寄存器、栈等构成工作内存</a:t>
+            </a:r>
           </a:p>
         </p:txBody>
       </p:sp>
     </p:spTree>
     <p:extLst>
       <p:ext uri="{BB962C8B-B14F-4D97-AF65-F5344CB8AC3E}">
-        <p14:creationId xmlns:p14="http://schemas.microsoft.com/office/powerpoint/2010/main" val="2003684436"/>
+        <p14:creationId xmlns:p14="http://schemas.microsoft.com/office/powerpoint/2010/main" val="1548609389"/>
       </p:ext>
     </p:extLst>
   </p:cSld>
@@ -13359,118 +13355,94 @@
       </p:grpSpPr>
       <p:sp>
         <p:nvSpPr>
-          <p:cNvPr id="4" name="文本框 3">
+          <p:cNvPr id="2" name="标题 1">
             <a:extLst>
               <a:ext uri="{FF2B5EF4-FFF2-40B4-BE49-F238E27FC236}">
-                <a16:creationId xmlns:a16="http://schemas.microsoft.com/office/drawing/2014/main" id="{77C3BB61-4C1A-4BCA-B8EA-4288602A6361}"/>
+                <a16:creationId xmlns:a16="http://schemas.microsoft.com/office/drawing/2014/main" id="{1C183E19-B016-4D1A-984F-42D966F9172A}"/>
               </a:ext>
             </a:extLst>
           </p:cNvPr>
-          <p:cNvSpPr txBox="1"/>
-          <p:nvPr/>
-        </p:nvSpPr>
-        <p:spPr>
-          <a:xfrm>
-            <a:off x="2136911" y="1520686"/>
-            <a:ext cx="8736497" cy="3477875"/>
-          </a:xfrm>
-          <a:prstGeom prst="rect">
-            <a:avLst/>
-          </a:prstGeom>
-          <a:noFill/>
-        </p:spPr>
-        <p:txBody>
-          <a:bodyPr wrap="square" rtlCol="0">
-            <a:spAutoFit/>
-            <a:scene3d>
-              <a:camera prst="orthographicFront"/>
-              <a:lightRig rig="soft" dir="t">
-                <a:rot lat="0" lon="0" rev="15600000"/>
-              </a:lightRig>
-            </a:scene3d>
-            <a:sp3d extrusionH="57150" prstMaterial="softEdge">
-              <a:bevelT w="25400" h="38100"/>
-            </a:sp3d>
+          <p:cNvSpPr>
+            <a:spLocks noGrp="1"/>
+          </p:cNvSpPr>
+          <p:nvPr>
+            <p:ph type="title"/>
+          </p:nvPr>
+        </p:nvSpPr>
+        <p:spPr/>
+        <p:txBody>
+          <a:bodyPr/>
+          <a:lstStyle/>
+          <a:p>
+            <a:r>
+              <a:rPr lang="en-US" altLang="zh-CN" dirty="0"/>
+              <a:t>synchronized</a:t>
+            </a:r>
+            <a:r>
+              <a:rPr lang="zh-CN" altLang="en-US" dirty="0"/>
+              <a:t>与</a:t>
+            </a:r>
+            <a:r>
+              <a:rPr lang="en-US" altLang="zh-CN" dirty="0"/>
+              <a:t>volatile</a:t>
+            </a:r>
+            <a:r>
+              <a:rPr lang="zh-CN" altLang="en-US" dirty="0"/>
+              <a:t>的区别</a:t>
+            </a:r>
+          </a:p>
+        </p:txBody>
+      </p:sp>
+      <p:sp>
+        <p:nvSpPr>
+          <p:cNvPr id="3" name="内容占位符 2">
+            <a:extLst>
+              <a:ext uri="{FF2B5EF4-FFF2-40B4-BE49-F238E27FC236}">
+                <a16:creationId xmlns:a16="http://schemas.microsoft.com/office/drawing/2014/main" id="{1F31CB4A-073E-4647-9B1D-05E5F6B2956B}"/>
+              </a:ext>
+            </a:extLst>
+          </p:cNvPr>
+          <p:cNvSpPr>
+            <a:spLocks noGrp="1"/>
+          </p:cNvSpPr>
+          <p:nvPr>
+            <p:ph idx="1"/>
+          </p:nvPr>
+        </p:nvSpPr>
+        <p:spPr/>
+        <p:txBody>
+          <a:bodyPr>
+            <a:normAutofit/>
           </a:bodyPr>
           <a:lstStyle/>
           <a:p>
             <a:r>
-              <a:rPr lang="zh-CN" altLang="en-US" sz="4400" dirty="0">
-                <a:ln w="0"/>
-                <a:solidFill>
-                  <a:schemeClr val="accent1"/>
-                </a:solidFill>
-                <a:effectLst>
-                  <a:outerShdw blurRad="38100" dist="25400" dir="5400000" algn="ctr" rotWithShape="0">
-                    <a:srgbClr val="6E747A">
-                      <a:alpha val="43000"/>
-                    </a:srgbClr>
-                  </a:outerShdw>
-                </a:effectLst>
-              </a:rPr>
-              <a:t>前面所讲：局部，面向过程</a:t>
-            </a:r>
-            <a:endParaRPr lang="en-US" altLang="zh-CN" sz="4400" dirty="0">
-              <a:ln w="0"/>
-              <a:solidFill>
-                <a:schemeClr val="accent1"/>
-              </a:solidFill>
-              <a:effectLst>
-                <a:outerShdw blurRad="38100" dist="25400" dir="5400000" algn="ctr" rotWithShape="0">
-                  <a:srgbClr val="6E747A">
-                    <a:alpha val="43000"/>
-                  </a:srgbClr>
-                </a:outerShdw>
-              </a:effectLst>
-            </a:endParaRPr>
-          </a:p>
-          <a:p>
-            <a:endParaRPr lang="en-US" altLang="zh-CN" sz="4400" dirty="0">
-              <a:ln w="0"/>
-              <a:solidFill>
-                <a:schemeClr val="accent1"/>
-              </a:solidFill>
-              <a:effectLst>
-                <a:outerShdw blurRad="38100" dist="25400" dir="5400000" algn="ctr" rotWithShape="0">
-                  <a:srgbClr val="6E747A">
-                    <a:alpha val="43000"/>
-                  </a:srgbClr>
-                </a:outerShdw>
-              </a:effectLst>
-            </a:endParaRPr>
-          </a:p>
-          <a:p>
-            <a:r>
-              <a:rPr lang="zh-CN" altLang="en-US" sz="4400" dirty="0">
-                <a:ln w="0"/>
-                <a:solidFill>
-                  <a:schemeClr val="accent1"/>
-                </a:solidFill>
-                <a:effectLst>
-                  <a:outerShdw blurRad="38100" dist="25400" dir="5400000" algn="ctr" rotWithShape="0">
-                    <a:srgbClr val="6E747A">
-                      <a:alpha val="43000"/>
-                    </a:srgbClr>
-                  </a:outerShdw>
-                </a:effectLst>
-              </a:rPr>
-              <a:t>问：面向对象，如何设计一个线程安全的类？</a:t>
-            </a:r>
-          </a:p>
-          <a:p>
-            <a:endParaRPr lang="en-US" altLang="zh-CN" sz="4400" b="1" dirty="0">
-              <a:ln/>
-              <a:solidFill>
-                <a:schemeClr val="accent4"/>
-              </a:solidFill>
-            </a:endParaRPr>
+              <a:rPr lang="en-US" altLang="zh-CN" dirty="0"/>
+              <a:t>volatile: </a:t>
+            </a:r>
+            <a:r>
+              <a:rPr lang="zh-CN" altLang="en-US" dirty="0"/>
+              <a:t>仅能保证可见性</a:t>
+            </a:r>
+            <a:endParaRPr lang="en-US" altLang="zh-CN" dirty="0"/>
+          </a:p>
+          <a:p>
+            <a:r>
+              <a:rPr lang="en-US" altLang="zh-CN" dirty="0"/>
+              <a:t>synchronized: </a:t>
+            </a:r>
+            <a:r>
+              <a:rPr lang="zh-CN" altLang="en-US" dirty="0"/>
+              <a:t>可见性，原子性</a:t>
+            </a:r>
+            <a:endParaRPr lang="en-US" altLang="zh-CN" dirty="0"/>
           </a:p>
         </p:txBody>
       </p:sp>
     </p:spTree>
     <p:extLst>
       <p:ext uri="{BB962C8B-B14F-4D97-AF65-F5344CB8AC3E}">
-        <p14:creationId xmlns:p14="http://schemas.microsoft.com/office/powerpoint/2010/main" val="445277244"/>
+        <p14:creationId xmlns:p14="http://schemas.microsoft.com/office/powerpoint/2010/main" val="2003684436"/>
       </p:ext>
     </p:extLst>
   </p:cSld>
@@ -13499,36 +13471,106 @@
       </p:grpSpPr>
       <p:sp>
         <p:nvSpPr>
-          <p:cNvPr id="2" name="标题 1">
+          <p:cNvPr id="4" name="文本框 3">
             <a:extLst>
               <a:ext uri="{FF2B5EF4-FFF2-40B4-BE49-F238E27FC236}">
-                <a16:creationId xmlns:a16="http://schemas.microsoft.com/office/drawing/2014/main" id="{036468BC-EB6B-4967-8B00-C7784E09020E}"/>
+                <a16:creationId xmlns:a16="http://schemas.microsoft.com/office/drawing/2014/main" id="{77C3BB61-4C1A-4BCA-B8EA-4288602A6361}"/>
               </a:ext>
             </a:extLst>
           </p:cNvPr>
-          <p:cNvSpPr>
-            <a:spLocks noGrp="1"/>
-          </p:cNvSpPr>
-          <p:nvPr>
-            <p:ph type="title"/>
-          </p:nvPr>
-        </p:nvSpPr>
-        <p:spPr/>
-        <p:txBody>
-          <a:bodyPr/>
-          <a:lstStyle/>
-          <a:p>
-            <a:r>
-              <a:rPr lang="zh-CN" altLang="en-US" dirty="0"/>
-              <a:t>三、设计线程安全类</a:t>
-            </a:r>
+          <p:cNvSpPr txBox="1"/>
+          <p:nvPr/>
+        </p:nvSpPr>
+        <p:spPr>
+          <a:xfrm>
+            <a:off x="2136911" y="1520686"/>
+            <a:ext cx="8736497" cy="3477875"/>
+          </a:xfrm>
+          <a:prstGeom prst="rect">
+            <a:avLst/>
+          </a:prstGeom>
+          <a:noFill/>
+        </p:spPr>
+        <p:txBody>
+          <a:bodyPr wrap="square" rtlCol="0">
+            <a:spAutoFit/>
+            <a:scene3d>
+              <a:camera prst="orthographicFront"/>
+              <a:lightRig rig="soft" dir="t">
+                <a:rot lat="0" lon="0" rev="15600000"/>
+              </a:lightRig>
+            </a:scene3d>
+            <a:sp3d extrusionH="57150" prstMaterial="softEdge">
+              <a:bevelT w="25400" h="38100"/>
+            </a:sp3d>
+          </a:bodyPr>
+          <a:lstStyle/>
+          <a:p>
+            <a:r>
+              <a:rPr lang="zh-CN" altLang="en-US" sz="4400" dirty="0">
+                <a:ln w="0"/>
+                <a:effectLst>
+                  <a:outerShdw blurRad="38100" dist="19050" dir="2700000" algn="tl" rotWithShape="0">
+                    <a:schemeClr val="dk1">
+                      <a:alpha val="40000"/>
+                    </a:schemeClr>
+                  </a:outerShdw>
+                </a:effectLst>
+              </a:rPr>
+              <a:t>前面所讲：局部，面向过程</a:t>
+            </a:r>
+            <a:endParaRPr lang="en-US" altLang="zh-CN" sz="4400" dirty="0">
+              <a:ln w="0"/>
+              <a:effectLst>
+                <a:outerShdw blurRad="38100" dist="19050" dir="2700000" algn="tl" rotWithShape="0">
+                  <a:schemeClr val="dk1">
+                    <a:alpha val="40000"/>
+                  </a:schemeClr>
+                </a:outerShdw>
+              </a:effectLst>
+            </a:endParaRPr>
+          </a:p>
+          <a:p>
+            <a:endParaRPr lang="en-US" altLang="zh-CN" sz="4400" dirty="0">
+              <a:ln w="0"/>
+              <a:effectLst>
+                <a:outerShdw blurRad="38100" dist="19050" dir="2700000" algn="tl" rotWithShape="0">
+                  <a:schemeClr val="dk1">
+                    <a:alpha val="40000"/>
+                  </a:schemeClr>
+                </a:outerShdw>
+              </a:effectLst>
+            </a:endParaRPr>
+          </a:p>
+          <a:p>
+            <a:r>
+              <a:rPr lang="zh-CN" altLang="en-US" sz="4400" dirty="0">
+                <a:ln w="0"/>
+                <a:effectLst>
+                  <a:outerShdw blurRad="38100" dist="19050" dir="2700000" algn="tl" rotWithShape="0">
+                    <a:schemeClr val="dk1">
+                      <a:alpha val="40000"/>
+                    </a:schemeClr>
+                  </a:outerShdw>
+                </a:effectLst>
+              </a:rPr>
+              <a:t>问：面向对象，如何设计一个线程安全的类？</a:t>
+            </a:r>
+          </a:p>
+          <a:p>
+            <a:endParaRPr lang="en-US" altLang="zh-CN" sz="4400" b="1" dirty="0">
+              <a:ln/>
+              <a:solidFill>
+                <a:schemeClr val="accent4"/>
+              </a:solidFill>
+            </a:endParaRPr>
           </a:p>
         </p:txBody>
       </p:sp>
     </p:spTree>
     <p:extLst>
       <p:ext uri="{BB962C8B-B14F-4D97-AF65-F5344CB8AC3E}">
-        <p14:creationId xmlns:p14="http://schemas.microsoft.com/office/powerpoint/2010/main" val="3061455566"/>
+        <p14:creationId xmlns:p14="http://schemas.microsoft.com/office/powerpoint/2010/main" val="445277244"/>
       </p:ext>
     </p:extLst>
   </p:cSld>
@@ -13560,7 +13602,7 @@
           <p:cNvPr id="2" name="标题 1">
             <a:extLst>
               <a:ext uri="{FF2B5EF4-FFF2-40B4-BE49-F238E27FC236}">
-                <a16:creationId xmlns:a16="http://schemas.microsoft.com/office/drawing/2014/main" id="{CCB6A096-6ABF-48D6-8087-682CDC6220F0}"/>
+                <a16:creationId xmlns:a16="http://schemas.microsoft.com/office/drawing/2014/main" id="{E36E3DA8-FD09-4C65-8B69-1FE1214309A9}"/>
               </a:ext>
             </a:extLst>
           </p:cNvPr>
@@ -13578,15 +13620,58 @@
           <a:p>
             <a:r>
               <a:rPr lang="zh-CN" altLang="en-US" dirty="0"/>
-              <a:t>一、线程安全</a:t>
-            </a:r>
+              <a:t>目的</a:t>
+            </a:r>
+          </a:p>
+        </p:txBody>
+      </p:sp>
+      <p:sp>
+        <p:nvSpPr>
+          <p:cNvPr id="3" name="内容占位符 2">
+            <a:extLst>
+              <a:ext uri="{FF2B5EF4-FFF2-40B4-BE49-F238E27FC236}">
+                <a16:creationId xmlns:a16="http://schemas.microsoft.com/office/drawing/2014/main" id="{918F4638-76EF-4779-984B-FDFD833422FE}"/>
+              </a:ext>
+            </a:extLst>
+          </p:cNvPr>
+          <p:cNvSpPr>
+            <a:spLocks noGrp="1"/>
+          </p:cNvSpPr>
+          <p:nvPr>
+            <p:ph idx="1"/>
+          </p:nvPr>
+        </p:nvSpPr>
+        <p:spPr/>
+        <p:txBody>
+          <a:bodyPr/>
+          <a:lstStyle/>
+          <a:p>
+            <a:r>
+              <a:rPr lang="zh-CN" altLang="en-US" dirty="0"/>
+              <a:t>平时写代码时有线程安全方面的意识</a:t>
+            </a:r>
+            <a:endParaRPr lang="en-US" altLang="zh-CN" dirty="0"/>
+          </a:p>
+          <a:p>
+            <a:r>
+              <a:rPr lang="zh-CN" altLang="en-US"/>
+              <a:t>能够辨别出线程不安全的代码</a:t>
+            </a:r>
+            <a:endParaRPr lang="en-US" altLang="zh-CN" dirty="0"/>
+          </a:p>
+          <a:p>
+            <a:r>
+              <a:rPr lang="zh-CN" altLang="en-US" dirty="0"/>
+              <a:t>知道常见的保证线程安全的策略</a:t>
+            </a:r>
+            <a:endParaRPr lang="en-US" altLang="zh-CN" dirty="0"/>
           </a:p>
         </p:txBody>
       </p:sp>
     </p:spTree>
     <p:extLst>
       <p:ext uri="{BB962C8B-B14F-4D97-AF65-F5344CB8AC3E}">
-        <p14:creationId xmlns:p14="http://schemas.microsoft.com/office/powerpoint/2010/main" val="2331414263"/>
+        <p14:creationId xmlns:p14="http://schemas.microsoft.com/office/powerpoint/2010/main" val="961721197"/>
       </p:ext>
     </p:extLst>
   </p:cSld>
@@ -13618,7 +13703,7 @@
           <p:cNvPr id="2" name="标题 1">
             <a:extLst>
               <a:ext uri="{FF2B5EF4-FFF2-40B4-BE49-F238E27FC236}">
-                <a16:creationId xmlns:a16="http://schemas.microsoft.com/office/drawing/2014/main" id="{983DF41B-EF1B-4900-B15B-35CA4D6A7E69}"/>
+                <a16:creationId xmlns:a16="http://schemas.microsoft.com/office/drawing/2014/main" id="{036468BC-EB6B-4967-8B00-C7784E09020E}"/>
               </a:ext>
             </a:extLst>
           </p:cNvPr>
@@ -13636,83 +13721,15 @@
           <a:p>
             <a:r>
               <a:rPr lang="zh-CN" altLang="en-US" dirty="0"/>
-              <a:t>安全类设计</a:t>
-            </a:r>
-          </a:p>
-        </p:txBody>
-      </p:sp>
-      <p:sp>
-        <p:nvSpPr>
-          <p:cNvPr id="3" name="内容占位符 2">
-            <a:extLst>
-              <a:ext uri="{FF2B5EF4-FFF2-40B4-BE49-F238E27FC236}">
-                <a16:creationId xmlns:a16="http://schemas.microsoft.com/office/drawing/2014/main" id="{20DE328D-CCF0-41E5-AA00-F5E4CDD24993}"/>
-              </a:ext>
-            </a:extLst>
-          </p:cNvPr>
-          <p:cNvSpPr>
-            <a:spLocks noGrp="1"/>
-          </p:cNvSpPr>
-          <p:nvPr>
-            <p:ph idx="1"/>
-          </p:nvPr>
-        </p:nvSpPr>
-        <p:spPr/>
-        <p:txBody>
-          <a:bodyPr/>
-          <a:lstStyle/>
-          <a:p>
-            <a:r>
-              <a:rPr lang="zh-CN" altLang="en-US" dirty="0"/>
-              <a:t>线程安全类：安全指线程安全，外部只能通过成员方法来修改对象状态，成员方法都是原子性的。</a:t>
-            </a:r>
-            <a:endParaRPr lang="en-US" altLang="zh-CN" dirty="0"/>
-          </a:p>
-          <a:p>
-            <a:endParaRPr lang="en-US" altLang="zh-CN" dirty="0"/>
-          </a:p>
-          <a:p>
-            <a:r>
-              <a:rPr lang="zh-CN" altLang="en-US" dirty="0"/>
-              <a:t>强一致：对象内部状态始终是一致</a:t>
-            </a:r>
-            <a:r>
-              <a:rPr lang="en-US" altLang="zh-CN" dirty="0"/>
-              <a:t>, </a:t>
-            </a:r>
-            <a:r>
-              <a:rPr lang="en-US" altLang="zh-CN" dirty="0" err="1"/>
-              <a:t>StrongConsistencyPosition</a:t>
-            </a:r>
-            <a:endParaRPr lang="en-US" altLang="zh-CN" dirty="0"/>
-          </a:p>
-          <a:p>
-            <a:r>
-              <a:rPr lang="zh-CN" altLang="en-US" dirty="0"/>
-              <a:t>弱一致：对象内部状态有时不一致</a:t>
-            </a:r>
-            <a:r>
-              <a:rPr lang="en-US" altLang="zh-CN" dirty="0"/>
-              <a:t>, </a:t>
-            </a:r>
-            <a:r>
-              <a:rPr lang="en-US" altLang="zh-CN" dirty="0" err="1"/>
-              <a:t>WeakConsistencyPosition</a:t>
-            </a:r>
-            <a:endParaRPr lang="en-US" altLang="zh-CN" dirty="0"/>
-          </a:p>
-          <a:p>
-            <a:endParaRPr lang="en-US" altLang="zh-CN" dirty="0"/>
-          </a:p>
-          <a:p>
-            <a:endParaRPr lang="en-US" altLang="zh-CN" dirty="0"/>
+              <a:t>三、设计线程安全类</a:t>
+            </a:r>
           </a:p>
         </p:txBody>
       </p:sp>
     </p:spTree>
     <p:extLst>
       <p:ext uri="{BB962C8B-B14F-4D97-AF65-F5344CB8AC3E}">
-        <p14:creationId xmlns:p14="http://schemas.microsoft.com/office/powerpoint/2010/main" val="2937549950"/>
+        <p14:creationId xmlns:p14="http://schemas.microsoft.com/office/powerpoint/2010/main" val="3061455566"/>
       </p:ext>
     </p:extLst>
   </p:cSld>
@@ -13744,7 +13761,7 @@
           <p:cNvPr id="2" name="标题 1">
             <a:extLst>
               <a:ext uri="{FF2B5EF4-FFF2-40B4-BE49-F238E27FC236}">
-                <a16:creationId xmlns:a16="http://schemas.microsoft.com/office/drawing/2014/main" id="{4E990C44-3F0C-4D38-9714-A3C5E386361B}"/>
+                <a16:creationId xmlns:a16="http://schemas.microsoft.com/office/drawing/2014/main" id="{983DF41B-EF1B-4900-B15B-35CA4D6A7E69}"/>
               </a:ext>
             </a:extLst>
           </p:cNvPr>
@@ -13762,7 +13779,7 @@
           <a:p>
             <a:r>
               <a:rPr lang="zh-CN" altLang="en-US" dirty="0"/>
-              <a:t>具体设计方法</a:t>
+              <a:t>安全类设计</a:t>
             </a:r>
           </a:p>
         </p:txBody>
@@ -13772,7 +13789,7 @@
           <p:cNvPr id="3" name="内容占位符 2">
             <a:extLst>
               <a:ext uri="{FF2B5EF4-FFF2-40B4-BE49-F238E27FC236}">
-                <a16:creationId xmlns:a16="http://schemas.microsoft.com/office/drawing/2014/main" id="{8CDE4E5E-2F4C-43D4-A384-AAB21C7DC013}"/>
+                <a16:creationId xmlns:a16="http://schemas.microsoft.com/office/drawing/2014/main" id="{20DE328D-CCF0-41E5-AA00-F5E4CDD24993}"/>
               </a:ext>
             </a:extLst>
           </p:cNvPr>
@@ -13790,75 +13807,55 @@
           <a:p>
             <a:r>
               <a:rPr lang="zh-CN" altLang="en-US" dirty="0"/>
-              <a:t>内置锁：</a:t>
+              <a:t>线程安全类：安全指线程安全，外部只能通过成员方法来修改对象状态，成员方法都是原子性的。</a:t>
+            </a:r>
+            <a:endParaRPr lang="en-US" altLang="zh-CN" dirty="0"/>
+          </a:p>
+          <a:p>
+            <a:endParaRPr lang="en-US" altLang="zh-CN" dirty="0"/>
+          </a:p>
+          <a:p>
+            <a:r>
+              <a:rPr lang="zh-CN" altLang="en-US" dirty="0"/>
+              <a:t>强一致：对象内部状态始终是一致</a:t>
+            </a:r>
+            <a:r>
+              <a:rPr lang="en-US" altLang="zh-CN" dirty="0"/>
+              <a:t>, </a:t>
             </a:r>
             <a:r>
               <a:rPr lang="en-US" altLang="zh-CN" dirty="0" err="1"/>
-              <a:t>SafeHashSetBySync</a:t>
-            </a:r>
+              <a:t>StrongConsistencyPosition</a:t>
+            </a:r>
+            <a:endParaRPr lang="en-US" altLang="zh-CN" dirty="0"/>
+          </a:p>
+          <a:p>
             <a:r>
               <a:rPr lang="zh-CN" altLang="en-US" dirty="0"/>
-              <a:t>，</a:t>
+              <a:t>弱一致：对象内部状态有时不一致</a:t>
+            </a:r>
+            <a:r>
+              <a:rPr lang="en-US" altLang="zh-CN" dirty="0"/>
+              <a:t>, </a:t>
             </a:r>
             <a:r>
               <a:rPr lang="en-US" altLang="zh-CN" dirty="0" err="1"/>
-              <a:t>SafeCounterByMonitorPattern</a:t>
+              <a:t>WeakConsistencyPosition</a:t>
             </a:r>
             <a:endParaRPr lang="en-US" altLang="zh-CN" dirty="0"/>
           </a:p>
           <a:p>
-            <a:r>
-              <a:rPr lang="zh-CN" altLang="en-US" dirty="0"/>
-              <a:t>不变性：</a:t>
-            </a:r>
-            <a:r>
-              <a:rPr lang="en-US" altLang="zh-CN" dirty="0" err="1"/>
-              <a:t>SafeOneStatusByFinal</a:t>
-            </a:r>
             <a:endParaRPr lang="en-US" altLang="zh-CN" dirty="0"/>
           </a:p>
           <a:p>
-            <a:r>
-              <a:rPr lang="en-US" altLang="zh-CN" dirty="0"/>
-              <a:t>copy: </a:t>
-            </a:r>
-            <a:r>
-              <a:rPr lang="en-US" altLang="zh-CN" dirty="0" err="1"/>
-              <a:t>SafeMultiDimStatusByCopy</a:t>
-            </a:r>
-            <a:r>
-              <a:rPr lang="en-US" altLang="zh-CN" dirty="0"/>
-              <a:t> </a:t>
-            </a:r>
-          </a:p>
-          <a:p>
-            <a:r>
-              <a:rPr lang="en-US" altLang="zh-CN" dirty="0"/>
-              <a:t>CAS: </a:t>
-            </a:r>
-            <a:r>
-              <a:rPr lang="en-US" altLang="zh-CN" dirty="0" err="1"/>
-              <a:t>SafeCounterByCAS</a:t>
-            </a:r>
             <a:endParaRPr lang="en-US" altLang="zh-CN" dirty="0"/>
-          </a:p>
-          <a:p>
-            <a:r>
-              <a:rPr lang="en-US" altLang="zh-CN" dirty="0"/>
-              <a:t>AQS: </a:t>
-            </a:r>
-            <a:r>
-              <a:rPr lang="en-US" altLang="zh-CN" dirty="0" err="1"/>
-              <a:t>SafeMultiDimStatusByAQS</a:t>
-            </a:r>
-            <a:endParaRPr lang="zh-CN" altLang="en-US" dirty="0"/>
           </a:p>
         </p:txBody>
       </p:sp>
     </p:spTree>
     <p:extLst>
       <p:ext uri="{BB962C8B-B14F-4D97-AF65-F5344CB8AC3E}">
-        <p14:creationId xmlns:p14="http://schemas.microsoft.com/office/powerpoint/2010/main" val="2030900263"/>
+        <p14:creationId xmlns:p14="http://schemas.microsoft.com/office/powerpoint/2010/main" val="2937549950"/>
       </p:ext>
     </p:extLst>
   </p:cSld>
@@ -13890,7 +13887,7 @@
           <p:cNvPr id="2" name="标题 1">
             <a:extLst>
               <a:ext uri="{FF2B5EF4-FFF2-40B4-BE49-F238E27FC236}">
-                <a16:creationId xmlns:a16="http://schemas.microsoft.com/office/drawing/2014/main" id="{FCD323CB-FA43-4278-B3D4-4F02822E2206}"/>
+                <a16:creationId xmlns:a16="http://schemas.microsoft.com/office/drawing/2014/main" id="{4E990C44-3F0C-4D38-9714-A3C5E386361B}"/>
               </a:ext>
             </a:extLst>
           </p:cNvPr>
@@ -13908,7 +13905,7 @@
           <a:p>
             <a:r>
               <a:rPr lang="zh-CN" altLang="en-US" dirty="0"/>
-              <a:t>深安全类设计</a:t>
+              <a:t>具体设计方法</a:t>
             </a:r>
           </a:p>
         </p:txBody>
@@ -13918,7 +13915,7 @@
           <p:cNvPr id="3" name="内容占位符 2">
             <a:extLst>
               <a:ext uri="{FF2B5EF4-FFF2-40B4-BE49-F238E27FC236}">
-                <a16:creationId xmlns:a16="http://schemas.microsoft.com/office/drawing/2014/main" id="{4F5792FF-6D49-4B06-8986-3BBD9FB7DDDC}"/>
+                <a16:creationId xmlns:a16="http://schemas.microsoft.com/office/drawing/2014/main" id="{8CDE4E5E-2F4C-43D4-A384-AAB21C7DC013}"/>
               </a:ext>
             </a:extLst>
           </p:cNvPr>
@@ -13936,38 +13933,67 @@
           <a:p>
             <a:r>
               <a:rPr lang="zh-CN" altLang="en-US" dirty="0"/>
-              <a:t>深安全类：安全类中的引用型成员变量的类型也为安全类</a:t>
+              <a:t>内置锁：</a:t>
+            </a:r>
+            <a:r>
+              <a:rPr lang="en-US" altLang="zh-CN" dirty="0" err="1"/>
+              <a:t>SafeHashSetBySync</a:t>
+            </a:r>
+            <a:r>
+              <a:rPr lang="zh-CN" altLang="en-US" dirty="0"/>
+              <a:t>，</a:t>
+            </a:r>
+            <a:r>
+              <a:rPr lang="en-US" altLang="zh-CN" dirty="0" err="1"/>
+              <a:t>SafeCounterByMonitorPattern</a:t>
             </a:r>
             <a:endParaRPr lang="en-US" altLang="zh-CN" dirty="0"/>
           </a:p>
           <a:p>
+            <a:r>
+              <a:rPr lang="zh-CN" altLang="en-US" dirty="0"/>
+              <a:t>不变性：</a:t>
+            </a:r>
+            <a:r>
+              <a:rPr lang="en-US" altLang="zh-CN" dirty="0" err="1"/>
+              <a:t>SafeOneStatusByFinal</a:t>
+            </a:r>
             <a:endParaRPr lang="en-US" altLang="zh-CN" dirty="0"/>
           </a:p>
           <a:p>
             <a:r>
-              <a:rPr lang="zh-CN" altLang="en-US" dirty="0"/>
-              <a:t>方法：嵌套</a:t>
+              <a:rPr lang="en-US" altLang="zh-CN" dirty="0"/>
+              <a:t>copy: </a:t>
+            </a:r>
+            <a:r>
+              <a:rPr lang="en-US" altLang="zh-CN" dirty="0" err="1"/>
+              <a:t>SafeMultiDimStatusByCopy</a:t>
+            </a:r>
+            <a:r>
+              <a:rPr lang="en-US" altLang="zh-CN" dirty="0"/>
+              <a:t> </a:t>
+            </a:r>
+          </a:p>
+          <a:p>
+            <a:r>
+              <a:rPr lang="en-US" altLang="zh-CN" dirty="0"/>
+              <a:t>CAS: </a:t>
+            </a:r>
+            <a:r>
+              <a:rPr lang="en-US" altLang="zh-CN" dirty="0" err="1"/>
+              <a:t>SafeCounterByCAS</a:t>
             </a:r>
             <a:endParaRPr lang="en-US" altLang="zh-CN" dirty="0"/>
           </a:p>
           <a:p>
-            <a:pPr marL="0" indent="0">
-              <a:buNone/>
-            </a:pPr>
-            <a:endParaRPr lang="en-US" altLang="zh-CN" dirty="0"/>
-          </a:p>
-          <a:p>
-            <a:r>
-              <a:rPr lang="zh-CN" altLang="en-US" dirty="0"/>
-              <a:t>演示：</a:t>
+            <a:r>
+              <a:rPr lang="en-US" altLang="zh-CN" dirty="0"/>
+              <a:t>AQS: </a:t>
             </a:r>
             <a:r>
               <a:rPr lang="en-US" altLang="zh-CN" dirty="0" err="1"/>
-              <a:t>DeepSafeStatus</a:t>
-            </a:r>
-            <a:endParaRPr lang="en-US" altLang="zh-CN" dirty="0"/>
-          </a:p>
-          <a:p>
+              <a:t>SafeMultiDimStatusByAQS</a:t>
+            </a:r>
             <a:endParaRPr lang="zh-CN" altLang="en-US" dirty="0"/>
           </a:p>
         </p:txBody>
@@ -13975,7 +14001,7 @@
     </p:spTree>
     <p:extLst>
       <p:ext uri="{BB962C8B-B14F-4D97-AF65-F5344CB8AC3E}">
-        <p14:creationId xmlns:p14="http://schemas.microsoft.com/office/powerpoint/2010/main" val="3162420583"/>
+        <p14:creationId xmlns:p14="http://schemas.microsoft.com/office/powerpoint/2010/main" val="2030900263"/>
       </p:ext>
     </p:extLst>
   </p:cSld>
@@ -14007,7 +14033,7 @@
           <p:cNvPr id="2" name="标题 1">
             <a:extLst>
               <a:ext uri="{FF2B5EF4-FFF2-40B4-BE49-F238E27FC236}">
-                <a16:creationId xmlns:a16="http://schemas.microsoft.com/office/drawing/2014/main" id="{9A3C2EE5-8AE5-4BDD-992D-848B36F17D57}"/>
+                <a16:creationId xmlns:a16="http://schemas.microsoft.com/office/drawing/2014/main" id="{FCD323CB-FA43-4278-B3D4-4F02822E2206}"/>
               </a:ext>
             </a:extLst>
           </p:cNvPr>
@@ -14025,7 +14051,7 @@
           <a:p>
             <a:r>
               <a:rPr lang="zh-CN" altLang="en-US" dirty="0"/>
-              <a:t>扩展已有安全类</a:t>
+              <a:t>深安全类设计</a:t>
             </a:r>
           </a:p>
         </p:txBody>
@@ -14035,7 +14061,7 @@
           <p:cNvPr id="3" name="内容占位符 2">
             <a:extLst>
               <a:ext uri="{FF2B5EF4-FFF2-40B4-BE49-F238E27FC236}">
-                <a16:creationId xmlns:a16="http://schemas.microsoft.com/office/drawing/2014/main" id="{AE98A123-21CB-4C61-882F-CC0945FB061C}"/>
+                <a16:creationId xmlns:a16="http://schemas.microsoft.com/office/drawing/2014/main" id="{4F5792FF-6D49-4B06-8986-3BBD9FB7DDDC}"/>
               </a:ext>
             </a:extLst>
           </p:cNvPr>
@@ -14053,59 +14079,46 @@
           <a:p>
             <a:r>
               <a:rPr lang="zh-CN" altLang="en-US" dirty="0"/>
-              <a:t>案例：给</a:t>
-            </a:r>
-            <a:r>
-              <a:rPr lang="en-US" altLang="zh-CN" dirty="0"/>
-              <a:t>Vector</a:t>
-            </a:r>
+              <a:t>深安全类：安全类中的引用型成员变量的类型也为安全类</a:t>
+            </a:r>
+            <a:endParaRPr lang="en-US" altLang="zh-CN" dirty="0"/>
+          </a:p>
+          <a:p>
+            <a:endParaRPr lang="en-US" altLang="zh-CN" dirty="0"/>
+          </a:p>
+          <a:p>
             <a:r>
               <a:rPr lang="zh-CN" altLang="en-US" dirty="0"/>
-              <a:t>增加 </a:t>
+              <a:t>方法：嵌套</a:t>
+            </a:r>
+            <a:endParaRPr lang="en-US" altLang="zh-CN" dirty="0"/>
+          </a:p>
+          <a:p>
+            <a:pPr marL="0" indent="0">
+              <a:buNone/>
+            </a:pPr>
+            <a:endParaRPr lang="en-US" altLang="zh-CN" dirty="0"/>
+          </a:p>
+          <a:p>
+            <a:r>
+              <a:rPr lang="zh-CN" altLang="en-US" dirty="0"/>
+              <a:t>演示：</a:t>
             </a:r>
             <a:r>
               <a:rPr lang="en-US" altLang="zh-CN" dirty="0" err="1"/>
-              <a:t>addIfAbsent</a:t>
+              <a:t>DeepSafeStatus</a:t>
             </a:r>
             <a:endParaRPr lang="en-US" altLang="zh-CN" dirty="0"/>
           </a:p>
           <a:p>
-            <a:pPr marL="0" indent="0">
-              <a:buNone/>
-            </a:pPr>
-            <a:r>
-              <a:rPr lang="zh-CN" altLang="en-US" dirty="0"/>
-              <a:t>继承：</a:t>
-            </a:r>
-            <a:r>
-              <a:rPr lang="en-US" altLang="zh-CN" dirty="0" err="1"/>
-              <a:t>MyVectorByExtend</a:t>
-            </a:r>
-            <a:endParaRPr lang="en-US" altLang="zh-CN" dirty="0"/>
-          </a:p>
-          <a:p>
-            <a:pPr marL="0" indent="0">
-              <a:buNone/>
-            </a:pPr>
-            <a:r>
-              <a:rPr lang="zh-CN" altLang="en-US" dirty="0"/>
-              <a:t>组合：</a:t>
-            </a:r>
-            <a:r>
-              <a:rPr lang="en-US" altLang="zh-CN" dirty="0" err="1"/>
-              <a:t>MyVectorByComposing</a:t>
-            </a:r>
-            <a:r>
-              <a:rPr lang="en-US" altLang="zh-CN" dirty="0"/>
-              <a:t> </a:t>
-            </a:r>
+            <a:endParaRPr lang="zh-CN" altLang="en-US" dirty="0"/>
           </a:p>
         </p:txBody>
       </p:sp>
     </p:spTree>
     <p:extLst>
       <p:ext uri="{BB962C8B-B14F-4D97-AF65-F5344CB8AC3E}">
-        <p14:creationId xmlns:p14="http://schemas.microsoft.com/office/powerpoint/2010/main" val="3147640785"/>
+        <p14:creationId xmlns:p14="http://schemas.microsoft.com/office/powerpoint/2010/main" val="3162420583"/>
       </p:ext>
     </p:extLst>
   </p:cSld>
@@ -14137,7 +14150,7 @@
           <p:cNvPr id="2" name="标题 1">
             <a:extLst>
               <a:ext uri="{FF2B5EF4-FFF2-40B4-BE49-F238E27FC236}">
-                <a16:creationId xmlns:a16="http://schemas.microsoft.com/office/drawing/2014/main" id="{7167F7D3-E7BB-44C9-917C-4D3460A1D0A7}"/>
+                <a16:creationId xmlns:a16="http://schemas.microsoft.com/office/drawing/2014/main" id="{9A3C2EE5-8AE5-4BDD-992D-848B36F17D57}"/>
               </a:ext>
             </a:extLst>
           </p:cNvPr>
@@ -14155,7 +14168,7 @@
           <a:p>
             <a:r>
               <a:rPr lang="zh-CN" altLang="en-US" dirty="0"/>
-              <a:t>案例</a:t>
+              <a:t>扩展已有安全类</a:t>
             </a:r>
           </a:p>
         </p:txBody>
@@ -14165,7 +14178,7 @@
           <p:cNvPr id="3" name="内容占位符 2">
             <a:extLst>
               <a:ext uri="{FF2B5EF4-FFF2-40B4-BE49-F238E27FC236}">
-                <a16:creationId xmlns:a16="http://schemas.microsoft.com/office/drawing/2014/main" id="{6AE5DE7A-9546-43CA-8B43-78846D1C98FE}"/>
+                <a16:creationId xmlns:a16="http://schemas.microsoft.com/office/drawing/2014/main" id="{AE98A123-21CB-4C61-882F-CC0945FB061C}"/>
               </a:ext>
             </a:extLst>
           </p:cNvPr>
@@ -14181,37 +14194,66 @@
           <a:bodyPr/>
           <a:lstStyle/>
           <a:p>
+            <a:pPr marL="0" indent="0">
+              <a:buNone/>
+            </a:pPr>
             <a:r>
               <a:rPr lang="zh-CN" altLang="en-US" dirty="0"/>
-              <a:t>车辆追踪系统</a:t>
+              <a:t>案例：给</a:t>
+            </a:r>
+            <a:r>
+              <a:rPr lang="en-US" altLang="zh-CN" dirty="0"/>
+              <a:t>Vector</a:t>
+            </a:r>
+            <a:r>
+              <a:rPr lang="zh-CN" altLang="en-US" dirty="0"/>
+              <a:t>增加 </a:t>
+            </a:r>
+            <a:r>
+              <a:rPr lang="en-US" altLang="zh-CN" dirty="0" err="1"/>
+              <a:t>addIfAbsent</a:t>
             </a:r>
             <a:endParaRPr lang="en-US" altLang="zh-CN" dirty="0"/>
           </a:p>
           <a:p>
-            <a:pPr marL="0" indent="0">
-              <a:buNone/>
+            <a:pPr>
+              <a:buFont typeface="Wingdings" panose="05000000000000000000" pitchFamily="2" charset="2"/>
+              <a:buChar char="l"/>
             </a:pPr>
             <a:r>
               <a:rPr lang="zh-CN" altLang="en-US" dirty="0"/>
-              <a:t>描述见</a:t>
+              <a:t>继承：</a:t>
+            </a:r>
+            <a:r>
+              <a:rPr lang="en-US" altLang="zh-CN" dirty="0" err="1"/>
+              <a:t>MyVectorByExtend</a:t>
+            </a:r>
+            <a:endParaRPr lang="en-US" altLang="zh-CN" dirty="0"/>
+          </a:p>
+          <a:p>
+            <a:pPr>
+              <a:buFont typeface="Wingdings" panose="05000000000000000000" pitchFamily="2" charset="2"/>
+              <a:buChar char="l"/>
+            </a:pPr>
+            <a:r>
+              <a:rPr lang="zh-CN" altLang="en-US" dirty="0"/>
+              <a:t>组合：</a:t>
+            </a:r>
+            <a:r>
+              <a:rPr lang="en-US" altLang="zh-CN" dirty="0" err="1"/>
+              <a:t>MyVectorByComposing</a:t>
             </a:r>
             <a:r>
               <a:rPr lang="en-US" altLang="zh-CN" dirty="0"/>
-              <a:t>package-info.java</a:t>
-            </a:r>
-          </a:p>
-          <a:p>
-            <a:pPr marL="0" indent="0">
-              <a:buNone/>
-            </a:pPr>
-            <a:endParaRPr lang="en-US" altLang="zh-CN" dirty="0"/>
+              <a:t> </a:t>
+            </a:r>
           </a:p>
         </p:txBody>
       </p:sp>
     </p:spTree>
     <p:extLst>
       <p:ext uri="{BB962C8B-B14F-4D97-AF65-F5344CB8AC3E}">
-        <p14:creationId xmlns:p14="http://schemas.microsoft.com/office/powerpoint/2010/main" val="1324002931"/>
+        <p14:creationId xmlns:p14="http://schemas.microsoft.com/office/powerpoint/2010/main" val="3147640785"/>
       </p:ext>
     </p:extLst>
   </p:cSld>
@@ -14243,7 +14285,7 @@
           <p:cNvPr id="2" name="标题 1">
             <a:extLst>
               <a:ext uri="{FF2B5EF4-FFF2-40B4-BE49-F238E27FC236}">
-                <a16:creationId xmlns:a16="http://schemas.microsoft.com/office/drawing/2014/main" id="{976D412D-DED7-4C59-98F7-5CC01AD68164}"/>
+                <a16:creationId xmlns:a16="http://schemas.microsoft.com/office/drawing/2014/main" id="{7167F7D3-E7BB-44C9-917C-4D3460A1D0A7}"/>
               </a:ext>
             </a:extLst>
           </p:cNvPr>
@@ -14261,15 +14303,66 @@
           <a:p>
             <a:r>
               <a:rPr lang="zh-CN" altLang="en-US" dirty="0"/>
-              <a:t>四、基础构建模块</a:t>
-            </a:r>
+              <a:t>案例</a:t>
+            </a:r>
+          </a:p>
+        </p:txBody>
+      </p:sp>
+      <p:sp>
+        <p:nvSpPr>
+          <p:cNvPr id="3" name="内容占位符 2">
+            <a:extLst>
+              <a:ext uri="{FF2B5EF4-FFF2-40B4-BE49-F238E27FC236}">
+                <a16:creationId xmlns:a16="http://schemas.microsoft.com/office/drawing/2014/main" id="{6AE5DE7A-9546-43CA-8B43-78846D1C98FE}"/>
+              </a:ext>
+            </a:extLst>
+          </p:cNvPr>
+          <p:cNvSpPr>
+            <a:spLocks noGrp="1"/>
+          </p:cNvSpPr>
+          <p:nvPr>
+            <p:ph idx="1"/>
+          </p:nvPr>
+        </p:nvSpPr>
+        <p:spPr/>
+        <p:txBody>
+          <a:bodyPr/>
+          <a:lstStyle/>
+          <a:p>
+            <a:pPr marL="0" indent="0">
+              <a:buNone/>
+            </a:pPr>
+            <a:r>
+              <a:rPr lang="zh-CN" altLang="en-US" dirty="0"/>
+              <a:t>车辆追踪系统</a:t>
+            </a:r>
+            <a:endParaRPr lang="en-US" altLang="zh-CN" dirty="0"/>
+          </a:p>
+          <a:p>
+            <a:pPr marL="0" indent="0">
+              <a:buNone/>
+            </a:pPr>
+            <a:r>
+              <a:rPr lang="zh-CN" altLang="en-US" dirty="0"/>
+              <a:t>描述见</a:t>
+            </a:r>
+            <a:r>
+              <a:rPr lang="en-US" altLang="zh-CN" dirty="0"/>
+              <a:t>package-info.java</a:t>
+            </a:r>
+          </a:p>
+          <a:p>
+            <a:pPr marL="0" indent="0">
+              <a:buNone/>
+            </a:pPr>
+            <a:endParaRPr lang="en-US" altLang="zh-CN" dirty="0"/>
           </a:p>
         </p:txBody>
       </p:sp>
     </p:spTree>
     <p:extLst>
       <p:ext uri="{BB962C8B-B14F-4D97-AF65-F5344CB8AC3E}">
-        <p14:creationId xmlns:p14="http://schemas.microsoft.com/office/powerpoint/2010/main" val="4205606506"/>
+        <p14:creationId xmlns:p14="http://schemas.microsoft.com/office/powerpoint/2010/main" val="1324002931"/>
       </p:ext>
     </p:extLst>
   </p:cSld>
@@ -14301,7 +14394,7 @@
           <p:cNvPr id="2" name="标题 1">
             <a:extLst>
               <a:ext uri="{FF2B5EF4-FFF2-40B4-BE49-F238E27FC236}">
-                <a16:creationId xmlns:a16="http://schemas.microsoft.com/office/drawing/2014/main" id="{2ED01804-F336-4632-87C7-BE48E1AFCEBD}"/>
+                <a16:creationId xmlns:a16="http://schemas.microsoft.com/office/drawing/2014/main" id="{976D412D-DED7-4C59-98F7-5CC01AD68164}"/>
               </a:ext>
             </a:extLst>
           </p:cNvPr>
@@ -14319,121 +14412,15 @@
           <a:p>
             <a:r>
               <a:rPr lang="zh-CN" altLang="en-US" dirty="0"/>
-              <a:t>同步容器</a:t>
-            </a:r>
-          </a:p>
-        </p:txBody>
-      </p:sp>
-      <p:sp>
-        <p:nvSpPr>
-          <p:cNvPr id="3" name="内容占位符 2">
-            <a:extLst>
-              <a:ext uri="{FF2B5EF4-FFF2-40B4-BE49-F238E27FC236}">
-                <a16:creationId xmlns:a16="http://schemas.microsoft.com/office/drawing/2014/main" id="{FABC3246-6234-4B89-92ED-E3070AF6BFDD}"/>
-              </a:ext>
-            </a:extLst>
-          </p:cNvPr>
-          <p:cNvSpPr>
-            <a:spLocks noGrp="1"/>
-          </p:cNvSpPr>
-          <p:nvPr>
-            <p:ph idx="1"/>
-          </p:nvPr>
-        </p:nvSpPr>
-        <p:spPr/>
-        <p:txBody>
-          <a:bodyPr/>
-          <a:lstStyle/>
-          <a:p>
-            <a:r>
-              <a:rPr lang="en-US" altLang="zh-CN" dirty="0"/>
-              <a:t>Vector</a:t>
-            </a:r>
-            <a:r>
-              <a:rPr lang="zh-CN" altLang="en-US" dirty="0"/>
-              <a:t>：实现</a:t>
-            </a:r>
-            <a:r>
-              <a:rPr lang="en-US" altLang="zh-CN" dirty="0"/>
-              <a:t>List</a:t>
-            </a:r>
-            <a:r>
-              <a:rPr lang="zh-CN" altLang="en-US" dirty="0"/>
-              <a:t>接口，用法如</a:t>
-            </a:r>
-            <a:r>
-              <a:rPr lang="en-US" altLang="zh-CN" dirty="0"/>
-              <a:t>List</a:t>
-            </a:r>
-          </a:p>
-          <a:p>
-            <a:r>
-              <a:rPr lang="en-US" altLang="zh-CN" dirty="0" err="1"/>
-              <a:t>HashTable</a:t>
-            </a:r>
-            <a:r>
-              <a:rPr lang="zh-CN" altLang="en-US" dirty="0"/>
-              <a:t>：实现</a:t>
-            </a:r>
-            <a:r>
-              <a:rPr lang="en-US" altLang="zh-CN" dirty="0"/>
-              <a:t>Map</a:t>
-            </a:r>
-            <a:r>
-              <a:rPr lang="zh-CN" altLang="en-US" dirty="0"/>
-              <a:t>接口</a:t>
-            </a:r>
-            <a:endParaRPr lang="en-US" altLang="zh-CN" dirty="0"/>
-          </a:p>
-          <a:p>
-            <a:r>
-              <a:rPr lang="en-US" altLang="zh-CN" dirty="0" err="1"/>
-              <a:t>Collections.synchronizedXxx</a:t>
-            </a:r>
-            <a:r>
-              <a:rPr lang="en-US" altLang="zh-CN" dirty="0"/>
-              <a:t>()</a:t>
-            </a:r>
-            <a:r>
-              <a:rPr lang="zh-CN" altLang="en-US" dirty="0"/>
-              <a:t>：实现</a:t>
-            </a:r>
-            <a:r>
-              <a:rPr lang="en-US" altLang="zh-CN" dirty="0"/>
-              <a:t>Xxx</a:t>
-            </a:r>
-            <a:r>
-              <a:rPr lang="zh-CN" altLang="en-US" dirty="0"/>
-              <a:t>接口，代理模式</a:t>
-            </a:r>
-            <a:endParaRPr lang="en-US" altLang="zh-CN" dirty="0"/>
-          </a:p>
-          <a:p>
-            <a:endParaRPr lang="en-US" altLang="zh-CN" dirty="0"/>
-          </a:p>
-          <a:p>
-            <a:r>
-              <a:rPr lang="zh-CN" altLang="en-US" dirty="0"/>
-              <a:t>特征：都使用内置锁，容器中每个方法都是同步方法，被认为线程安全</a:t>
-            </a:r>
-            <a:endParaRPr lang="en-US" altLang="zh-CN" dirty="0"/>
-          </a:p>
-          <a:p>
-            <a:endParaRPr lang="en-US" altLang="zh-CN" dirty="0"/>
-          </a:p>
-          <a:p>
-            <a:r>
-              <a:rPr lang="zh-CN" altLang="en-US" dirty="0"/>
-              <a:t>问：既然它们是线程安全的，我们使用它时就不需要考虑线程安全问题吗？</a:t>
-            </a:r>
-            <a:endParaRPr lang="en-US" altLang="zh-CN" dirty="0"/>
+              <a:t>四、基础构建模块</a:t>
+            </a:r>
           </a:p>
         </p:txBody>
       </p:sp>
     </p:spTree>
     <p:extLst>
       <p:ext uri="{BB962C8B-B14F-4D97-AF65-F5344CB8AC3E}">
-        <p14:creationId xmlns:p14="http://schemas.microsoft.com/office/powerpoint/2010/main" val="675159733"/>
+        <p14:creationId xmlns:p14="http://schemas.microsoft.com/office/powerpoint/2010/main" val="4205606506"/>
       </p:ext>
     </p:extLst>
   </p:cSld>
@@ -14462,10 +14449,38 @@
       </p:grpSpPr>
       <p:sp>
         <p:nvSpPr>
+          <p:cNvPr id="2" name="标题 1">
+            <a:extLst>
+              <a:ext uri="{FF2B5EF4-FFF2-40B4-BE49-F238E27FC236}">
+                <a16:creationId xmlns:a16="http://schemas.microsoft.com/office/drawing/2014/main" id="{2ED01804-F336-4632-87C7-BE48E1AFCEBD}"/>
+              </a:ext>
+            </a:extLst>
+          </p:cNvPr>
+          <p:cNvSpPr>
+            <a:spLocks noGrp="1"/>
+          </p:cNvSpPr>
+          <p:nvPr>
+            <p:ph type="title"/>
+          </p:nvPr>
+        </p:nvSpPr>
+        <p:spPr/>
+        <p:txBody>
+          <a:bodyPr/>
+          <a:lstStyle/>
+          <a:p>
+            <a:r>
+              <a:rPr lang="zh-CN" altLang="en-US" dirty="0"/>
+              <a:t>同步容器</a:t>
+            </a:r>
+          </a:p>
+        </p:txBody>
+      </p:sp>
+      <p:sp>
+        <p:nvSpPr>
           <p:cNvPr id="3" name="内容占位符 2">
             <a:extLst>
               <a:ext uri="{FF2B5EF4-FFF2-40B4-BE49-F238E27FC236}">
-                <a16:creationId xmlns:a16="http://schemas.microsoft.com/office/drawing/2014/main" id="{6C8D6579-CFF0-49AC-8120-A26572A8705A}"/>
+                <a16:creationId xmlns:a16="http://schemas.microsoft.com/office/drawing/2014/main" id="{FABC3246-6234-4B89-92ED-E3070AF6BFDD}"/>
               </a:ext>
             </a:extLst>
           </p:cNvPr>
@@ -14476,107 +14491,100 @@
             <p:ph idx="1"/>
           </p:nvPr>
         </p:nvSpPr>
-        <p:spPr>
-          <a:xfrm>
-            <a:off x="931755" y="1058779"/>
-            <a:ext cx="10515600" cy="4351337"/>
-          </a:xfrm>
-        </p:spPr>
-        <p:txBody>
-          <a:bodyPr/>
-          <a:lstStyle/>
-          <a:p>
-            <a:pPr marL="0" indent="0">
-              <a:buNone/>
-            </a:pPr>
+        <p:spPr/>
+        <p:txBody>
+          <a:bodyPr/>
+          <a:lstStyle/>
+          <a:p>
+            <a:r>
+              <a:rPr lang="en-US" altLang="zh-CN" dirty="0"/>
+              <a:t>Vector</a:t>
+            </a:r>
             <a:r>
               <a:rPr lang="zh-CN" altLang="en-US" dirty="0"/>
-              <a:t>使用同步容器常见问题，以</a:t>
+              <a:t>：实现</a:t>
             </a:r>
             <a:r>
               <a:rPr lang="en-US" altLang="zh-CN" dirty="0"/>
-              <a:t>vector</a:t>
+              <a:t>List</a:t>
             </a:r>
             <a:r>
               <a:rPr lang="zh-CN" altLang="en-US" dirty="0"/>
-              <a:t>为例：</a:t>
+              <a:t>接口，用法如</a:t>
+            </a:r>
+            <a:r>
+              <a:rPr lang="en-US" altLang="zh-CN" dirty="0"/>
+              <a:t>List</a:t>
+            </a:r>
+          </a:p>
+          <a:p>
+            <a:r>
+              <a:rPr lang="en-US" altLang="zh-CN" dirty="0" err="1"/>
+              <a:t>HashTable</a:t>
+            </a:r>
+            <a:r>
+              <a:rPr lang="zh-CN" altLang="en-US" dirty="0"/>
+              <a:t>：实现</a:t>
+            </a:r>
+            <a:r>
+              <a:rPr lang="en-US" altLang="zh-CN" dirty="0"/>
+              <a:t>Map</a:t>
+            </a:r>
+            <a:r>
+              <a:rPr lang="zh-CN" altLang="en-US" dirty="0"/>
+              <a:t>接口</a:t>
             </a:r>
             <a:endParaRPr lang="en-US" altLang="zh-CN" dirty="0"/>
           </a:p>
           <a:p>
-            <a:pPr>
-              <a:buFont typeface="Wingdings" panose="05000000000000000000" pitchFamily="2" charset="2"/>
-              <a:buChar char="l"/>
-            </a:pPr>
+            <a:r>
+              <a:rPr lang="en-US" altLang="zh-CN" dirty="0" err="1"/>
+              <a:t>Collections.synchronizedXxx</a:t>
+            </a:r>
+            <a:r>
+              <a:rPr lang="en-US" altLang="zh-CN" dirty="0"/>
+              <a:t>()</a:t>
+            </a:r>
             <a:r>
               <a:rPr lang="zh-CN" altLang="en-US" dirty="0"/>
-              <a:t>复合操作非原子：</a:t>
-            </a:r>
-            <a:r>
-              <a:rPr lang="en-US" altLang="zh-CN" dirty="0" err="1"/>
-              <a:t>VectorCompoundOptProblemDemo</a:t>
+              <a:t>：实现</a:t>
+            </a:r>
+            <a:r>
+              <a:rPr lang="en-US" altLang="zh-CN" dirty="0"/>
+              <a:t>Xxx</a:t>
+            </a:r>
+            <a:r>
+              <a:rPr lang="zh-CN" altLang="en-US" dirty="0"/>
+              <a:t>接口，代理模式</a:t>
             </a:r>
             <a:endParaRPr lang="en-US" altLang="zh-CN" dirty="0"/>
           </a:p>
           <a:p>
-            <a:pPr>
-              <a:buFont typeface="Wingdings" panose="05000000000000000000" pitchFamily="2" charset="2"/>
-              <a:buChar char="l"/>
-            </a:pPr>
-            <a:r>
-              <a:rPr lang="en-US" altLang="zh-CN" dirty="0"/>
-              <a:t>for</a:t>
-            </a:r>
+            <a:endParaRPr lang="en-US" altLang="zh-CN" dirty="0"/>
+          </a:p>
+          <a:p>
             <a:r>
               <a:rPr lang="zh-CN" altLang="en-US" dirty="0"/>
-              <a:t>循环中竞态条件非原子：</a:t>
-            </a:r>
-            <a:r>
-              <a:rPr lang="en-US" altLang="zh-CN" dirty="0"/>
-              <a:t> </a:t>
-            </a:r>
-            <a:r>
-              <a:rPr lang="en-US" altLang="zh-CN" dirty="0" err="1"/>
-              <a:t>ProblemInForLoopDemo</a:t>
+              <a:t>特征：都使用内置锁，容器中每个方法都是同步方法，被认为线程安全</a:t>
             </a:r>
             <a:endParaRPr lang="en-US" altLang="zh-CN" dirty="0"/>
           </a:p>
           <a:p>
-            <a:pPr>
-              <a:buFont typeface="Wingdings" panose="05000000000000000000" pitchFamily="2" charset="2"/>
-              <a:buChar char="l"/>
-            </a:pPr>
+            <a:endParaRPr lang="en-US" altLang="zh-CN" dirty="0"/>
+          </a:p>
+          <a:p>
             <a:r>
               <a:rPr lang="zh-CN" altLang="en-US" dirty="0"/>
-              <a:t>使用迭代器时并发修改异常：</a:t>
-            </a:r>
-            <a:r>
-              <a:rPr lang="en-US" altLang="zh-CN" dirty="0" err="1"/>
-              <a:t>ConcurrentModificationExceptionProblemDemo</a:t>
+              <a:t>问：既然它们是线程安全的，我们使用它时就不需要考虑线程安全问题吗？</a:t>
             </a:r>
             <a:endParaRPr lang="en-US" altLang="zh-CN" dirty="0"/>
-          </a:p>
-          <a:p>
-            <a:pPr>
-              <a:buFont typeface="Wingdings" panose="05000000000000000000" pitchFamily="2" charset="2"/>
-              <a:buChar char="l"/>
-            </a:pPr>
-            <a:r>
-              <a:rPr lang="zh-CN" altLang="en-US" dirty="0"/>
-              <a:t>隐藏迭代器并发修改异常：</a:t>
-            </a:r>
-            <a:r>
-              <a:rPr lang="en-US" altLang="zh-CN" dirty="0" err="1"/>
-              <a:t>HiddenIteratorDemo</a:t>
-            </a:r>
-            <a:endParaRPr lang="zh-CN" altLang="en-US" dirty="0"/>
           </a:p>
         </p:txBody>
       </p:sp>
     </p:spTree>
     <p:extLst>
       <p:ext uri="{BB962C8B-B14F-4D97-AF65-F5344CB8AC3E}">
-        <p14:creationId xmlns:p14="http://schemas.microsoft.com/office/powerpoint/2010/main" val="1191919528"/>
+        <p14:creationId xmlns:p14="http://schemas.microsoft.com/office/powerpoint/2010/main" val="675159733"/>
       </p:ext>
     </p:extLst>
   </p:cSld>
@@ -14605,6 +14613,149 @@
       </p:grpSpPr>
       <p:sp>
         <p:nvSpPr>
+          <p:cNvPr id="3" name="内容占位符 2">
+            <a:extLst>
+              <a:ext uri="{FF2B5EF4-FFF2-40B4-BE49-F238E27FC236}">
+                <a16:creationId xmlns:a16="http://schemas.microsoft.com/office/drawing/2014/main" id="{6C8D6579-CFF0-49AC-8120-A26572A8705A}"/>
+              </a:ext>
+            </a:extLst>
+          </p:cNvPr>
+          <p:cNvSpPr>
+            <a:spLocks noGrp="1"/>
+          </p:cNvSpPr>
+          <p:nvPr>
+            <p:ph idx="1"/>
+          </p:nvPr>
+        </p:nvSpPr>
+        <p:spPr>
+          <a:xfrm>
+            <a:off x="931755" y="1058779"/>
+            <a:ext cx="10515600" cy="4351337"/>
+          </a:xfrm>
+        </p:spPr>
+        <p:txBody>
+          <a:bodyPr/>
+          <a:lstStyle/>
+          <a:p>
+            <a:pPr marL="0" indent="0">
+              <a:buNone/>
+            </a:pPr>
+            <a:r>
+              <a:rPr lang="zh-CN" altLang="en-US" dirty="0"/>
+              <a:t>使用同步容器常见问题，以</a:t>
+            </a:r>
+            <a:r>
+              <a:rPr lang="en-US" altLang="zh-CN" dirty="0"/>
+              <a:t>vector</a:t>
+            </a:r>
+            <a:r>
+              <a:rPr lang="zh-CN" altLang="en-US" dirty="0"/>
+              <a:t>为例：</a:t>
+            </a:r>
+            <a:endParaRPr lang="en-US" altLang="zh-CN" dirty="0"/>
+          </a:p>
+          <a:p>
+            <a:pPr>
+              <a:buFont typeface="Wingdings" panose="05000000000000000000" pitchFamily="2" charset="2"/>
+              <a:buChar char="l"/>
+            </a:pPr>
+            <a:r>
+              <a:rPr lang="zh-CN" altLang="en-US" dirty="0"/>
+              <a:t>复合操作非原子：</a:t>
+            </a:r>
+            <a:r>
+              <a:rPr lang="en-US" altLang="zh-CN" dirty="0" err="1"/>
+              <a:t>VectorCompoundOptProblemDemo</a:t>
+            </a:r>
+            <a:endParaRPr lang="en-US" altLang="zh-CN" dirty="0"/>
+          </a:p>
+          <a:p>
+            <a:pPr>
+              <a:buFont typeface="Wingdings" panose="05000000000000000000" pitchFamily="2" charset="2"/>
+              <a:buChar char="l"/>
+            </a:pPr>
+            <a:r>
+              <a:rPr lang="en-US" altLang="zh-CN" dirty="0"/>
+              <a:t>for</a:t>
+            </a:r>
+            <a:r>
+              <a:rPr lang="zh-CN" altLang="en-US" dirty="0"/>
+              <a:t>循环中竞态条件非原子：</a:t>
+            </a:r>
+            <a:r>
+              <a:rPr lang="en-US" altLang="zh-CN" dirty="0"/>
+              <a:t> </a:t>
+            </a:r>
+            <a:r>
+              <a:rPr lang="en-US" altLang="zh-CN" dirty="0" err="1"/>
+              <a:t>ProblemInForLoopDemo</a:t>
+            </a:r>
+            <a:endParaRPr lang="en-US" altLang="zh-CN" dirty="0"/>
+          </a:p>
+          <a:p>
+            <a:pPr>
+              <a:buFont typeface="Wingdings" panose="05000000000000000000" pitchFamily="2" charset="2"/>
+              <a:buChar char="l"/>
+            </a:pPr>
+            <a:r>
+              <a:rPr lang="zh-CN" altLang="en-US" dirty="0"/>
+              <a:t>使用迭代器时并发修改异常：</a:t>
+            </a:r>
+            <a:r>
+              <a:rPr lang="en-US" altLang="zh-CN" dirty="0" err="1"/>
+              <a:t>ConcurrentModificationExceptionProblemDemo</a:t>
+            </a:r>
+            <a:endParaRPr lang="en-US" altLang="zh-CN" dirty="0"/>
+          </a:p>
+          <a:p>
+            <a:pPr>
+              <a:buFont typeface="Wingdings" panose="05000000000000000000" pitchFamily="2" charset="2"/>
+              <a:buChar char="l"/>
+            </a:pPr>
+            <a:r>
+              <a:rPr lang="zh-CN" altLang="en-US" dirty="0"/>
+              <a:t>隐藏迭代器并发修改异常：</a:t>
+            </a:r>
+            <a:r>
+              <a:rPr lang="en-US" altLang="zh-CN" dirty="0" err="1"/>
+              <a:t>HiddenIteratorDemo</a:t>
+            </a:r>
+            <a:endParaRPr lang="zh-CN" altLang="en-US" dirty="0"/>
+          </a:p>
+        </p:txBody>
+      </p:sp>
+    </p:spTree>
+    <p:extLst>
+      <p:ext uri="{BB962C8B-B14F-4D97-AF65-F5344CB8AC3E}">
+        <p14:creationId xmlns:p14="http://schemas.microsoft.com/office/powerpoint/2010/main" val="1191919528"/>
+      </p:ext>
+    </p:extLst>
+  </p:cSld>
+  <p:clrMapOvr>
+    <a:masterClrMapping/>
+  </p:clrMapOvr>
+</p:sld>
+</file>
+
+<file path=ppt/slides/slide29.xml><?xml version="1.0" encoding="utf-8"?>
+<p:sld xmlns:a="http://schemas.openxmlformats.org/drawingml/2006/main" xmlns:r="http://schemas.openxmlformats.org/officeDocument/2006/relationships" xmlns:p="http://schemas.openxmlformats.org/presentationml/2006/main">
+  <p:cSld>
+    <p:spTree>
+      <p:nvGrpSpPr>
+        <p:cNvPr id="1" name=""/>
+        <p:cNvGrpSpPr/>
+        <p:nvPr/>
+      </p:nvGrpSpPr>
+      <p:grpSpPr>
+        <a:xfrm>
+          <a:off x="0" y="0"/>
+          <a:ext cx="0" cy="0"/>
+          <a:chOff x="0" y="0"/>
+          <a:chExt cx="0" cy="0"/>
+        </a:xfrm>
+      </p:grpSpPr>
+      <p:sp>
+        <p:nvSpPr>
           <p:cNvPr id="2" name="标题 1">
             <a:extLst>
               <a:ext uri="{FF2B5EF4-FFF2-40B4-BE49-F238E27FC236}">
@@ -14782,7 +14933,65 @@
 </p:sld>
 </file>
 
-<file path=ppt/slides/slide29.xml><?xml version="1.0" encoding="utf-8"?>
+<file path=ppt/slides/slide3.xml><?xml version="1.0" encoding="utf-8"?>
+<p:sld xmlns:a="http://schemas.openxmlformats.org/drawingml/2006/main" xmlns:r="http://schemas.openxmlformats.org/officeDocument/2006/relationships" xmlns:p="http://schemas.openxmlformats.org/presentationml/2006/main">
+  <p:cSld>
+    <p:spTree>
+      <p:nvGrpSpPr>
+        <p:cNvPr id="1" name=""/>
+        <p:cNvGrpSpPr/>
+        <p:nvPr/>
+      </p:nvGrpSpPr>
+      <p:grpSpPr>
+        <a:xfrm>
+          <a:off x="0" y="0"/>
+          <a:ext cx="0" cy="0"/>
+          <a:chOff x="0" y="0"/>
+          <a:chExt cx="0" cy="0"/>
+        </a:xfrm>
+      </p:grpSpPr>
+      <p:sp>
+        <p:nvSpPr>
+          <p:cNvPr id="2" name="标题 1">
+            <a:extLst>
+              <a:ext uri="{FF2B5EF4-FFF2-40B4-BE49-F238E27FC236}">
+                <a16:creationId xmlns:a16="http://schemas.microsoft.com/office/drawing/2014/main" id="{CCB6A096-6ABF-48D6-8087-682CDC6220F0}"/>
+              </a:ext>
+            </a:extLst>
+          </p:cNvPr>
+          <p:cNvSpPr>
+            <a:spLocks noGrp="1"/>
+          </p:cNvSpPr>
+          <p:nvPr>
+            <p:ph type="title"/>
+          </p:nvPr>
+        </p:nvSpPr>
+        <p:spPr/>
+        <p:txBody>
+          <a:bodyPr/>
+          <a:lstStyle/>
+          <a:p>
+            <a:r>
+              <a:rPr lang="zh-CN" altLang="en-US" dirty="0"/>
+              <a:t>一、线程安全</a:t>
+            </a:r>
+          </a:p>
+        </p:txBody>
+      </p:sp>
+    </p:spTree>
+    <p:extLst>
+      <p:ext uri="{BB962C8B-B14F-4D97-AF65-F5344CB8AC3E}">
+        <p14:creationId xmlns:p14="http://schemas.microsoft.com/office/powerpoint/2010/main" val="2331414263"/>
+      </p:ext>
+    </p:extLst>
+  </p:cSld>
+  <p:clrMapOvr>
+    <a:masterClrMapping/>
+  </p:clrMapOvr>
+</p:sld>
+</file>
+
+<file path=ppt/slides/slide30.xml><?xml version="1.0" encoding="utf-8"?>
 <p:sld xmlns:a="http://schemas.openxmlformats.org/drawingml/2006/main" xmlns:r="http://schemas.openxmlformats.org/officeDocument/2006/relationships" xmlns:p="http://schemas.openxmlformats.org/presentationml/2006/main">
   <p:cSld>
     <p:spTree>
@@ -14872,314 +15081,6 @@
 </p:sld>
 </file>
 
-<file path=ppt/slides/slide3.xml><?xml version="1.0" encoding="utf-8"?>
-<p:sld xmlns:a="http://schemas.openxmlformats.org/drawingml/2006/main" xmlns:r="http://schemas.openxmlformats.org/officeDocument/2006/relationships" xmlns:p="http://schemas.openxmlformats.org/presentationml/2006/main">
-  <p:cSld>
-    <p:spTree>
-      <p:nvGrpSpPr>
-        <p:cNvPr id="1" name=""/>
-        <p:cNvGrpSpPr/>
-        <p:nvPr/>
-      </p:nvGrpSpPr>
-      <p:grpSpPr>
-        <a:xfrm>
-          <a:off x="0" y="0"/>
-          <a:ext cx="0" cy="0"/>
-          <a:chOff x="0" y="0"/>
-          <a:chExt cx="0" cy="0"/>
-        </a:xfrm>
-      </p:grpSpPr>
-      <p:sp>
-        <p:nvSpPr>
-          <p:cNvPr id="2" name="标题 1">
-            <a:extLst>
-              <a:ext uri="{FF2B5EF4-FFF2-40B4-BE49-F238E27FC236}">
-                <a16:creationId xmlns:a16="http://schemas.microsoft.com/office/drawing/2014/main" id="{619D2ECA-F6E3-4A11-A0B8-D90C50DD85B3}"/>
-              </a:ext>
-            </a:extLst>
-          </p:cNvPr>
-          <p:cNvSpPr>
-            <a:spLocks noGrp="1"/>
-          </p:cNvSpPr>
-          <p:nvPr>
-            <p:ph type="title"/>
-          </p:nvPr>
-        </p:nvSpPr>
-        <p:spPr/>
-        <p:txBody>
-          <a:bodyPr/>
-          <a:lstStyle/>
-          <a:p>
-            <a:r>
-              <a:rPr lang="zh-CN" altLang="en-US" dirty="0"/>
-              <a:t>什么是线程安全</a:t>
-            </a:r>
-          </a:p>
-        </p:txBody>
-      </p:sp>
-      <p:sp>
-        <p:nvSpPr>
-          <p:cNvPr id="3" name="内容占位符 2">
-            <a:extLst>
-              <a:ext uri="{FF2B5EF4-FFF2-40B4-BE49-F238E27FC236}">
-                <a16:creationId xmlns:a16="http://schemas.microsoft.com/office/drawing/2014/main" id="{9B9F4CB5-49B3-43D2-9C1F-C70022C68CDB}"/>
-              </a:ext>
-            </a:extLst>
-          </p:cNvPr>
-          <p:cNvSpPr>
-            <a:spLocks noGrp="1"/>
-          </p:cNvSpPr>
-          <p:nvPr>
-            <p:ph idx="1"/>
-          </p:nvPr>
-        </p:nvSpPr>
-        <p:spPr/>
-        <p:txBody>
-          <a:bodyPr>
-            <a:normAutofit/>
-          </a:bodyPr>
-          <a:lstStyle/>
-          <a:p>
-            <a:r>
-              <a:rPr lang="zh-CN" altLang="en-US" dirty="0"/>
-              <a:t>演示：</a:t>
-            </a:r>
-            <a:r>
-              <a:rPr lang="en-US" altLang="zh-CN" dirty="0" err="1"/>
-              <a:t>UnsafeDemo</a:t>
-            </a:r>
-            <a:r>
-              <a:rPr lang="en-US" altLang="zh-CN" dirty="0"/>
-              <a:t>, </a:t>
-            </a:r>
-            <a:r>
-              <a:rPr lang="en-US" altLang="zh-CN" dirty="0" err="1"/>
-              <a:t>UnsafeCarPositionDemo</a:t>
-            </a:r>
-            <a:endParaRPr lang="en-US" altLang="zh-CN" dirty="0"/>
-          </a:p>
-          <a:p>
-            <a:r>
-              <a:rPr lang="zh-CN" altLang="en-US" dirty="0"/>
-              <a:t>结论：多线程下，对共享、可变的数据的非原子操作导致线程安全问题。</a:t>
-            </a:r>
-            <a:endParaRPr lang="en-US" altLang="zh-CN" dirty="0"/>
-          </a:p>
-          <a:p>
-            <a:r>
-              <a:rPr lang="zh-CN" altLang="en-US" dirty="0"/>
-              <a:t>表现：共享数据在一个线程操作过程中，被另一个线程窜改</a:t>
-            </a:r>
-            <a:endParaRPr lang="en-US" altLang="zh-CN" dirty="0"/>
-          </a:p>
-          <a:p>
-            <a:r>
-              <a:rPr lang="zh-CN" altLang="en-US" dirty="0"/>
-              <a:t>窜改结果：</a:t>
-            </a:r>
-            <a:endParaRPr lang="en-US" altLang="zh-CN" dirty="0"/>
-          </a:p>
-          <a:p>
-            <a:pPr lvl="1">
-              <a:buFont typeface="Wingdings" panose="05000000000000000000" pitchFamily="2" charset="2"/>
-              <a:buChar char="Ø"/>
-            </a:pPr>
-            <a:r>
-              <a:rPr lang="zh-CN" altLang="en-US" dirty="0"/>
-              <a:t>时间上看，共享数据前后不一致，体现在基本数据类型。如</a:t>
-            </a:r>
-            <a:r>
-              <a:rPr lang="en-US" altLang="zh-CN" dirty="0"/>
-              <a:t> </a:t>
-            </a:r>
-            <a:r>
-              <a:rPr lang="en-US" altLang="zh-CN" dirty="0" err="1"/>
-              <a:t>UnsafeDemo</a:t>
-            </a:r>
-            <a:endParaRPr lang="en-US" altLang="zh-CN" dirty="0"/>
-          </a:p>
-          <a:p>
-            <a:pPr lvl="1">
-              <a:buFont typeface="Wingdings" panose="05000000000000000000" pitchFamily="2" charset="2"/>
-              <a:buChar char="Ø"/>
-            </a:pPr>
-            <a:r>
-              <a:rPr lang="zh-CN" altLang="en-US" dirty="0"/>
-              <a:t>空间上看，共享数据不同部分不一致，体现在对象，还有</a:t>
-            </a:r>
-            <a:r>
-              <a:rPr lang="en-US" altLang="zh-CN" dirty="0"/>
-              <a:t>64</a:t>
-            </a:r>
-            <a:r>
-              <a:rPr lang="zh-CN" altLang="en-US" dirty="0"/>
-              <a:t>位的基本数据类型</a:t>
-            </a:r>
-            <a:r>
-              <a:rPr lang="en-US" altLang="zh-CN" dirty="0"/>
-              <a:t>long, double</a:t>
-            </a:r>
-            <a:r>
-              <a:rPr lang="zh-CN" altLang="en-US" dirty="0"/>
-              <a:t>。如</a:t>
-            </a:r>
-            <a:r>
-              <a:rPr lang="en-US" altLang="zh-CN" dirty="0" err="1"/>
-              <a:t>UnsafeCarPositionDemo</a:t>
-            </a:r>
-            <a:endParaRPr lang="en-US" altLang="zh-CN" dirty="0"/>
-          </a:p>
-          <a:p>
-            <a:pPr marL="0" indent="0">
-              <a:buNone/>
-            </a:pPr>
-            <a:endParaRPr lang="en-US" altLang="zh-CN" dirty="0"/>
-          </a:p>
-          <a:p>
-            <a:pPr marL="0" indent="0">
-              <a:buNone/>
-            </a:pPr>
-            <a:endParaRPr lang="en-US" altLang="zh-CN" dirty="0"/>
-          </a:p>
-          <a:p>
-            <a:pPr marL="0" indent="0">
-              <a:buNone/>
-            </a:pPr>
-            <a:endParaRPr lang="en-US" altLang="zh-CN" dirty="0"/>
-          </a:p>
-        </p:txBody>
-      </p:sp>
-    </p:spTree>
-    <p:extLst>
-      <p:ext uri="{BB962C8B-B14F-4D97-AF65-F5344CB8AC3E}">
-        <p14:creationId xmlns:p14="http://schemas.microsoft.com/office/powerpoint/2010/main" val="2993929486"/>
-      </p:ext>
-    </p:extLst>
-  </p:cSld>
-  <p:clrMapOvr>
-    <a:masterClrMapping/>
-  </p:clrMapOvr>
-</p:sld>
-</file>
-
-<file path=ppt/slides/slide30.xml><?xml version="1.0" encoding="utf-8"?>
-<p:sld xmlns:a="http://schemas.openxmlformats.org/drawingml/2006/main" xmlns:r="http://schemas.openxmlformats.org/officeDocument/2006/relationships" xmlns:p="http://schemas.openxmlformats.org/presentationml/2006/main">
-  <p:cSld>
-    <p:spTree>
-      <p:nvGrpSpPr>
-        <p:cNvPr id="1" name=""/>
-        <p:cNvGrpSpPr/>
-        <p:nvPr/>
-      </p:nvGrpSpPr>
-      <p:grpSpPr>
-        <a:xfrm>
-          <a:off x="0" y="0"/>
-          <a:ext cx="0" cy="0"/>
-          <a:chOff x="0" y="0"/>
-          <a:chExt cx="0" cy="0"/>
-        </a:xfrm>
-      </p:grpSpPr>
-      <p:sp>
-        <p:nvSpPr>
-          <p:cNvPr id="3" name="内容占位符 2">
-            <a:extLst>
-              <a:ext uri="{FF2B5EF4-FFF2-40B4-BE49-F238E27FC236}">
-                <a16:creationId xmlns:a16="http://schemas.microsoft.com/office/drawing/2014/main" id="{4C205ECD-2DBE-4FA4-9EF1-D442722AE33C}"/>
-              </a:ext>
-            </a:extLst>
-          </p:cNvPr>
-          <p:cNvSpPr>
-            <a:spLocks noGrp="1"/>
-          </p:cNvSpPr>
-          <p:nvPr>
-            <p:ph idx="1"/>
-          </p:nvPr>
-        </p:nvSpPr>
-        <p:spPr>
-          <a:xfrm>
-            <a:off x="845127" y="741146"/>
-            <a:ext cx="10515600" cy="5438992"/>
-          </a:xfrm>
-        </p:spPr>
-        <p:txBody>
-          <a:bodyPr/>
-          <a:lstStyle/>
-          <a:p>
-            <a:r>
-              <a:rPr lang="en-US" altLang="zh-CN" dirty="0" err="1"/>
-              <a:t>CopyOnWriteList</a:t>
-            </a:r>
-            <a:r>
-              <a:rPr lang="zh-CN" altLang="en-US" dirty="0"/>
-              <a:t>：</a:t>
-            </a:r>
-            <a:endParaRPr lang="en-US" altLang="zh-CN" dirty="0"/>
-          </a:p>
-          <a:p>
-            <a:pPr marL="0" indent="0">
-              <a:buNone/>
-            </a:pPr>
-            <a:r>
-              <a:rPr lang="zh-CN" altLang="en-US" dirty="0"/>
-              <a:t>适合“读远大于写”：使用</a:t>
-            </a:r>
-            <a:r>
-              <a:rPr lang="en-US" altLang="zh-CN" dirty="0"/>
-              <a:t>AQS</a:t>
-            </a:r>
-            <a:r>
-              <a:rPr lang="zh-CN" altLang="en-US" dirty="0"/>
-              <a:t>，并在写入时复制，不会有</a:t>
-            </a:r>
-            <a:r>
-              <a:rPr lang="en-US" altLang="zh-CN" dirty="0" err="1"/>
-              <a:t>ConcurrentModificationException</a:t>
-            </a:r>
-            <a:r>
-              <a:rPr lang="zh-CN" altLang="en-US" dirty="0"/>
-              <a:t>，容器多时复制开销大</a:t>
-            </a:r>
-            <a:endParaRPr lang="en-US" altLang="zh-CN" dirty="0"/>
-          </a:p>
-          <a:p>
-            <a:pPr marL="0" indent="0">
-              <a:buNone/>
-            </a:pPr>
-            <a:endParaRPr lang="en-US" altLang="zh-CN" dirty="0"/>
-          </a:p>
-          <a:p>
-            <a:pPr marL="0" indent="0">
-              <a:buNone/>
-            </a:pPr>
-            <a:r>
-              <a:rPr lang="zh-CN" altLang="en-US" dirty="0"/>
-              <a:t>示例：</a:t>
-            </a:r>
-            <a:r>
-              <a:rPr lang="en-US" altLang="zh-CN" dirty="0"/>
-              <a:t> </a:t>
-            </a:r>
-            <a:r>
-              <a:rPr lang="en-US" altLang="zh-CN" dirty="0" err="1"/>
-              <a:t>ConcurrentListExample</a:t>
-            </a:r>
-            <a:endParaRPr lang="en-US" altLang="zh-CN" dirty="0"/>
-          </a:p>
-        </p:txBody>
-      </p:sp>
-    </p:spTree>
-    <p:extLst>
-      <p:ext uri="{BB962C8B-B14F-4D97-AF65-F5344CB8AC3E}">
-        <p14:creationId xmlns:p14="http://schemas.microsoft.com/office/powerpoint/2010/main" val="1523894816"/>
-      </p:ext>
-    </p:extLst>
-  </p:cSld>
-  <p:clrMapOvr>
-    <a:masterClrMapping/>
-  </p:clrMapOvr>
-</p:sld>
-</file>
-
 <file path=ppt/slides/slide31.xml><?xml version="1.0" encoding="utf-8"?>
 <p:sld xmlns:a="http://schemas.openxmlformats.org/drawingml/2006/main" xmlns:r="http://schemas.openxmlformats.org/officeDocument/2006/relationships" xmlns:p="http://schemas.openxmlformats.org/presentationml/2006/main">
   <p:cSld>
@@ -15199,6 +15100,124 @@
       </p:grpSpPr>
       <p:sp>
         <p:nvSpPr>
+          <p:cNvPr id="3" name="内容占位符 2">
+            <a:extLst>
+              <a:ext uri="{FF2B5EF4-FFF2-40B4-BE49-F238E27FC236}">
+                <a16:creationId xmlns:a16="http://schemas.microsoft.com/office/drawing/2014/main" id="{4C205ECD-2DBE-4FA4-9EF1-D442722AE33C}"/>
+              </a:ext>
+            </a:extLst>
+          </p:cNvPr>
+          <p:cNvSpPr>
+            <a:spLocks noGrp="1"/>
+          </p:cNvSpPr>
+          <p:nvPr>
+            <p:ph idx="1"/>
+          </p:nvPr>
+        </p:nvSpPr>
+        <p:spPr>
+          <a:xfrm>
+            <a:off x="845127" y="741146"/>
+            <a:ext cx="10515600" cy="5438992"/>
+          </a:xfrm>
+        </p:spPr>
+        <p:txBody>
+          <a:bodyPr/>
+          <a:lstStyle/>
+          <a:p>
+            <a:r>
+              <a:rPr lang="en-US" altLang="zh-CN" dirty="0" err="1"/>
+              <a:t>CopyOnWriteList</a:t>
+            </a:r>
+            <a:r>
+              <a:rPr lang="zh-CN" altLang="en-US" dirty="0"/>
+              <a:t>：</a:t>
+            </a:r>
+            <a:endParaRPr lang="en-US" altLang="zh-CN" dirty="0"/>
+          </a:p>
+          <a:p>
+            <a:pPr marL="0" indent="0">
+              <a:buNone/>
+            </a:pPr>
+            <a:r>
+              <a:rPr lang="zh-CN" altLang="en-US" dirty="0"/>
+              <a:t>适合“读远大于写”：使用</a:t>
+            </a:r>
+            <a:r>
+              <a:rPr lang="en-US" altLang="zh-CN" dirty="0"/>
+              <a:t>AQS</a:t>
+            </a:r>
+            <a:r>
+              <a:rPr lang="zh-CN" altLang="en-US" dirty="0"/>
+              <a:t>，并在写入时复制，不会有</a:t>
+            </a:r>
+            <a:r>
+              <a:rPr lang="en-US" altLang="zh-CN" dirty="0" err="1"/>
+              <a:t>ConcurrentModificationException</a:t>
+            </a:r>
+            <a:r>
+              <a:rPr lang="zh-CN" altLang="en-US" dirty="0"/>
+              <a:t>，容器多时复制开销大</a:t>
+            </a:r>
+            <a:endParaRPr lang="en-US" altLang="zh-CN" dirty="0"/>
+          </a:p>
+          <a:p>
+            <a:pPr marL="0" indent="0">
+              <a:buNone/>
+            </a:pPr>
+            <a:endParaRPr lang="en-US" altLang="zh-CN" dirty="0"/>
+          </a:p>
+          <a:p>
+            <a:pPr marL="0" indent="0">
+              <a:buNone/>
+            </a:pPr>
+            <a:r>
+              <a:rPr lang="zh-CN" altLang="en-US" dirty="0"/>
+              <a:t>示例：</a:t>
+            </a:r>
+            <a:r>
+              <a:rPr lang="en-US" altLang="zh-CN" dirty="0"/>
+              <a:t> </a:t>
+            </a:r>
+            <a:r>
+              <a:rPr lang="en-US" altLang="zh-CN" dirty="0" err="1"/>
+              <a:t>ConcurrentListExample</a:t>
+            </a:r>
+            <a:endParaRPr lang="en-US" altLang="zh-CN" dirty="0"/>
+          </a:p>
+        </p:txBody>
+      </p:sp>
+    </p:spTree>
+    <p:extLst>
+      <p:ext uri="{BB962C8B-B14F-4D97-AF65-F5344CB8AC3E}">
+        <p14:creationId xmlns:p14="http://schemas.microsoft.com/office/powerpoint/2010/main" val="1523894816"/>
+      </p:ext>
+    </p:extLst>
+  </p:cSld>
+  <p:clrMapOvr>
+    <a:masterClrMapping/>
+  </p:clrMapOvr>
+</p:sld>
+</file>
+
+<file path=ppt/slides/slide32.xml><?xml version="1.0" encoding="utf-8"?>
+<p:sld xmlns:a="http://schemas.openxmlformats.org/drawingml/2006/main" xmlns:r="http://schemas.openxmlformats.org/officeDocument/2006/relationships" xmlns:p="http://schemas.openxmlformats.org/presentationml/2006/main">
+  <p:cSld>
+    <p:spTree>
+      <p:nvGrpSpPr>
+        <p:cNvPr id="1" name=""/>
+        <p:cNvGrpSpPr/>
+        <p:nvPr/>
+      </p:nvGrpSpPr>
+      <p:grpSpPr>
+        <a:xfrm>
+          <a:off x="0" y="0"/>
+          <a:ext cx="0" cy="0"/>
+          <a:chOff x="0" y="0"/>
+          <a:chExt cx="0" cy="0"/>
+        </a:xfrm>
+      </p:grpSpPr>
+      <p:sp>
+        <p:nvSpPr>
           <p:cNvPr id="2" name="标题 1">
             <a:extLst>
               <a:ext uri="{FF2B5EF4-FFF2-40B4-BE49-F238E27FC236}">
@@ -15241,7 +15260,7 @@
             <p:ph idx="1"/>
             <p:extLst>
               <p:ext uri="{D42A27DB-BD31-4B8C-83A1-F6EECF244321}">
-                <p14:modId xmlns:p14="http://schemas.microsoft.com/office/powerpoint/2010/main" val="4172273063"/>
+                <p14:modId xmlns:p14="http://schemas.microsoft.com/office/powerpoint/2010/main" val="1480727794"/>
               </p:ext>
             </p:extLst>
           </p:nvPr>
@@ -15301,12 +15320,12 @@
                     <a:p>
                       <a:pPr algn="l" fontAlgn="ctr"/>
                       <a:r>
-                        <a:rPr lang="zh-CN" altLang="en-US" sz="1600" u="none" strike="noStrike" dirty="0">
+                        <a:rPr lang="zh-CN" altLang="en-US" sz="1600" b="1" u="none" strike="noStrike" dirty="0">
                           <a:effectLst/>
                         </a:rPr>
                         <a:t>集合接口</a:t>
                       </a:r>
-                      <a:endParaRPr lang="zh-CN" altLang="en-US" sz="1600" b="0" i="0" u="none" strike="noStrike" dirty="0">
+                      <a:endParaRPr lang="zh-CN" altLang="en-US" sz="1600" b="1" i="0" u="none" strike="noStrike" dirty="0">
                         <a:solidFill>
                           <a:srgbClr val="000000"/>
                         </a:solidFill>
@@ -15318,10 +15337,7 @@
                   </a:txBody>
                   <a:tcPr marL="6350" marR="6350" marT="6350" marB="0" anchor="ctr">
                     <a:solidFill>
-                      <a:schemeClr val="accent1">
-                        <a:lumMod val="60000"/>
-                        <a:lumOff val="40000"/>
-                      </a:schemeClr>
+                      <a:srgbClr val="0070C0"/>
                     </a:solidFill>
                   </a:tcPr>
                 </a:tc>
@@ -15332,12 +15348,12 @@
                     <a:p>
                       <a:pPr algn="l" fontAlgn="ctr"/>
                       <a:r>
-                        <a:rPr lang="zh-CN" altLang="en-US" sz="1600" u="none" strike="noStrike" dirty="0">
+                        <a:rPr lang="zh-CN" altLang="en-US" sz="1600" b="1" u="none" strike="noStrike" dirty="0">
                           <a:effectLst/>
                         </a:rPr>
                         <a:t>线程不安全</a:t>
                       </a:r>
-                      <a:endParaRPr lang="zh-CN" altLang="en-US" sz="1600" b="0" i="0" u="none" strike="noStrike" dirty="0">
+                      <a:endParaRPr lang="zh-CN" altLang="en-US" sz="1600" b="1" i="0" u="none" strike="noStrike" dirty="0">
                         <a:solidFill>
                           <a:srgbClr val="000000"/>
                         </a:solidFill>
@@ -15349,10 +15365,7 @@
                   </a:txBody>
                   <a:tcPr marL="6350" marR="6350" marT="6350" marB="0" anchor="ctr">
                     <a:solidFill>
-                      <a:schemeClr val="accent1">
-                        <a:lumMod val="60000"/>
-                        <a:lumOff val="40000"/>
-                      </a:schemeClr>
+                      <a:srgbClr val="0070C0"/>
                     </a:solidFill>
                   </a:tcPr>
                 </a:tc>
@@ -15363,12 +15376,12 @@
                     <a:p>
                       <a:pPr algn="l" fontAlgn="ctr"/>
                       <a:r>
-                        <a:rPr lang="zh-CN" altLang="en-US" sz="1600" u="none" strike="noStrike" dirty="0">
+                        <a:rPr lang="zh-CN" altLang="en-US" sz="1600" b="1" u="none" strike="noStrike" dirty="0">
                           <a:effectLst/>
                         </a:rPr>
                         <a:t>同步容器</a:t>
                       </a:r>
-                      <a:endParaRPr lang="zh-CN" altLang="en-US" sz="1600" b="0" i="0" u="none" strike="noStrike" dirty="0">
+                      <a:endParaRPr lang="zh-CN" altLang="en-US" sz="1600" b="1" i="0" u="none" strike="noStrike" dirty="0">
                         <a:solidFill>
                           <a:srgbClr val="000000"/>
                         </a:solidFill>
@@ -15380,10 +15393,7 @@
                   </a:txBody>
                   <a:tcPr marL="6350" marR="6350" marT="6350" marB="0" anchor="ctr">
                     <a:solidFill>
-                      <a:schemeClr val="accent1">
-                        <a:lumMod val="60000"/>
-                        <a:lumOff val="40000"/>
-                      </a:schemeClr>
+                      <a:srgbClr val="0070C0"/>
                     </a:solidFill>
                   </a:tcPr>
                 </a:tc>
@@ -15394,24 +15404,24 @@
                     <a:p>
                       <a:pPr algn="l" fontAlgn="ctr"/>
                       <a:r>
-                        <a:rPr lang="zh-CN" altLang="en-US" sz="1600" u="none" strike="noStrike" dirty="0">
+                        <a:rPr lang="zh-CN" altLang="en-US" sz="1600" b="1" u="none" strike="noStrike" dirty="0">
                           <a:effectLst/>
                         </a:rPr>
                         <a:t>同步容器（</a:t>
                       </a:r>
                       <a:r>
-                        <a:rPr lang="en-US" altLang="zh-CN" sz="1600" u="none" strike="noStrike" dirty="0" err="1">
+                        <a:rPr lang="en-US" altLang="zh-CN" sz="1600" b="1" u="none" strike="noStrike" dirty="0" err="1">
                           <a:effectLst/>
                         </a:rPr>
                         <a:t>Collections.synchronizedXxx</a:t>
                       </a:r>
                       <a:r>
-                        <a:rPr lang="zh-CN" altLang="en-US" sz="1600" u="none" strike="noStrike" dirty="0">
+                        <a:rPr lang="zh-CN" altLang="en-US" sz="1600" b="1" u="none" strike="noStrike" dirty="0">
                           <a:effectLst/>
                         </a:rPr>
                         <a:t>）</a:t>
                       </a:r>
-                      <a:endParaRPr lang="en-US" sz="1600" b="0" i="0" u="none" strike="noStrike" dirty="0">
+                      <a:endParaRPr lang="en-US" sz="1600" b="1" i="0" u="none" strike="noStrike" dirty="0">
                         <a:solidFill>
                           <a:srgbClr val="000000"/>
                         </a:solidFill>
@@ -15423,10 +15433,7 @@
                   </a:txBody>
                   <a:tcPr marL="6350" marR="6350" marT="6350" marB="0" anchor="ctr">
                     <a:solidFill>
-                      <a:schemeClr val="accent1">
-                        <a:lumMod val="60000"/>
-                        <a:lumOff val="40000"/>
-                      </a:schemeClr>
+                      <a:srgbClr val="0070C0"/>
                     </a:solidFill>
                   </a:tcPr>
                 </a:tc>
@@ -15437,12 +15444,12 @@
                     <a:p>
                       <a:pPr algn="l" fontAlgn="ctr"/>
                       <a:r>
-                        <a:rPr lang="zh-CN" altLang="en-US" sz="1600" u="none" strike="noStrike" dirty="0">
+                        <a:rPr lang="zh-CN" altLang="en-US" sz="1600" b="1" u="none" strike="noStrike" dirty="0">
                           <a:effectLst/>
                         </a:rPr>
                         <a:t>并发容器</a:t>
                       </a:r>
-                      <a:endParaRPr lang="zh-CN" altLang="en-US" sz="1600" b="0" i="0" u="none" strike="noStrike" dirty="0">
+                      <a:endParaRPr lang="zh-CN" altLang="en-US" sz="1600" b="1" i="0" u="none" strike="noStrike" dirty="0">
                         <a:solidFill>
                           <a:srgbClr val="000000"/>
                         </a:solidFill>
@@ -15454,10 +15461,7 @@
                   </a:txBody>
                   <a:tcPr marL="6350" marR="6350" marT="6350" marB="0" anchor="ctr">
                     <a:solidFill>
-                      <a:schemeClr val="accent1">
-                        <a:lumMod val="60000"/>
-                        <a:lumOff val="40000"/>
-                      </a:schemeClr>
+                      <a:srgbClr val="0070C0"/>
                     </a:solidFill>
                   </a:tcPr>
                 </a:tc>
@@ -15523,12 +15527,12 @@
                     <a:p>
                       <a:pPr algn="l" fontAlgn="ctr"/>
                       <a:r>
-                        <a:rPr lang="en-US" sz="1600" u="none" strike="noStrike">
+                        <a:rPr lang="en-US" sz="1600" u="none" strike="noStrike" dirty="0">
                           <a:effectLst/>
                         </a:rPr>
                         <a:t>Vector</a:t>
                       </a:r>
-                      <a:endParaRPr lang="en-US" sz="1600" b="0" i="0" u="none" strike="noStrike">
+                      <a:endParaRPr lang="en-US" sz="1600" b="0" i="0" u="none" strike="noStrike" dirty="0">
                         <a:solidFill>
                           <a:srgbClr val="000000"/>
                         </a:solidFill>
@@ -16107,7 +16111,7 @@
 </p:sld>
 </file>
 
-<file path=ppt/slides/slide32.xml><?xml version="1.0" encoding="utf-8"?>
+<file path=ppt/slides/slide33.xml><?xml version="1.0" encoding="utf-8"?>
 <p:sld xmlns:a="http://schemas.openxmlformats.org/drawingml/2006/main" xmlns:r="http://schemas.openxmlformats.org/officeDocument/2006/relationships" xmlns:p="http://schemas.openxmlformats.org/presentationml/2006/main">
   <p:cSld>
     <p:spTree>
@@ -16312,7 +16316,7 @@
 </p:sld>
 </file>
 
-<file path=ppt/slides/slide33.xml><?xml version="1.0" encoding="utf-8"?>
+<file path=ppt/slides/slide34.xml><?xml version="1.0" encoding="utf-8"?>
 <p:sld xmlns:a="http://schemas.openxmlformats.org/drawingml/2006/main" xmlns:r="http://schemas.openxmlformats.org/officeDocument/2006/relationships" xmlns:p="http://schemas.openxmlformats.org/presentationml/2006/main">
   <p:cSld>
     <p:spTree>
@@ -16929,188 +16933,6 @@
 </p:sld>
 </file>
 
-<file path=ppt/slides/slide34.xml><?xml version="1.0" encoding="utf-8"?>
-<p:sld xmlns:a="http://schemas.openxmlformats.org/drawingml/2006/main" xmlns:r="http://schemas.openxmlformats.org/officeDocument/2006/relationships" xmlns:p="http://schemas.openxmlformats.org/presentationml/2006/main">
-  <p:cSld>
-    <p:spTree>
-      <p:nvGrpSpPr>
-        <p:cNvPr id="1" name=""/>
-        <p:cNvGrpSpPr/>
-        <p:nvPr/>
-      </p:nvGrpSpPr>
-      <p:grpSpPr>
-        <a:xfrm>
-          <a:off x="0" y="0"/>
-          <a:ext cx="0" cy="0"/>
-          <a:chOff x="0" y="0"/>
-          <a:chExt cx="0" cy="0"/>
-        </a:xfrm>
-      </p:grpSpPr>
-      <p:sp>
-        <p:nvSpPr>
-          <p:cNvPr id="2" name="标题 1">
-            <a:extLst>
-              <a:ext uri="{FF2B5EF4-FFF2-40B4-BE49-F238E27FC236}">
-                <a16:creationId xmlns:a16="http://schemas.microsoft.com/office/drawing/2014/main" id="{F8F02A9A-0C9A-4D8D-A584-593BAD8E6E3D}"/>
-              </a:ext>
-            </a:extLst>
-          </p:cNvPr>
-          <p:cNvSpPr>
-            <a:spLocks noGrp="1"/>
-          </p:cNvSpPr>
-          <p:nvPr>
-            <p:ph type="title"/>
-          </p:nvPr>
-        </p:nvSpPr>
-        <p:spPr/>
-        <p:txBody>
-          <a:bodyPr/>
-          <a:lstStyle/>
-          <a:p>
-            <a:r>
-              <a:rPr lang="zh-CN" altLang="en-US" dirty="0"/>
-              <a:t>同步工具</a:t>
-            </a:r>
-          </a:p>
-        </p:txBody>
-      </p:sp>
-      <p:sp>
-        <p:nvSpPr>
-          <p:cNvPr id="3" name="内容占位符 2">
-            <a:extLst>
-              <a:ext uri="{FF2B5EF4-FFF2-40B4-BE49-F238E27FC236}">
-                <a16:creationId xmlns:a16="http://schemas.microsoft.com/office/drawing/2014/main" id="{A25AA25B-AD45-44E5-B557-DCF3E5C1E805}"/>
-              </a:ext>
-            </a:extLst>
-          </p:cNvPr>
-          <p:cNvSpPr>
-            <a:spLocks noGrp="1"/>
-          </p:cNvSpPr>
-          <p:nvPr>
-            <p:ph idx="1"/>
-          </p:nvPr>
-        </p:nvSpPr>
-        <p:spPr/>
-        <p:txBody>
-          <a:bodyPr>
-            <a:normAutofit/>
-          </a:bodyPr>
-          <a:lstStyle/>
-          <a:p>
-            <a:r>
-              <a:rPr lang="zh-CN" altLang="en-US" dirty="0"/>
-              <a:t>闭锁：</a:t>
-            </a:r>
-            <a:r>
-              <a:rPr lang="en-US" altLang="zh-CN" dirty="0"/>
-              <a:t> </a:t>
-            </a:r>
-            <a:r>
-              <a:rPr lang="en-US" altLang="zh-CN" dirty="0" err="1"/>
-              <a:t>CountDownLatch</a:t>
-            </a:r>
-            <a:endParaRPr lang="en-US" altLang="zh-CN" dirty="0"/>
-          </a:p>
-          <a:p>
-            <a:pPr marL="0" indent="0">
-              <a:buNone/>
-            </a:pPr>
-            <a:r>
-              <a:rPr lang="en-US" altLang="zh-CN" dirty="0" err="1"/>
-              <a:t>api</a:t>
-            </a:r>
-            <a:r>
-              <a:rPr lang="en-US" altLang="zh-CN" dirty="0"/>
-              <a:t>: countdown, await</a:t>
-            </a:r>
-          </a:p>
-          <a:p>
-            <a:pPr marL="0" indent="0">
-              <a:buNone/>
-            </a:pPr>
-            <a:r>
-              <a:rPr lang="zh-CN" altLang="en-US" dirty="0"/>
-              <a:t>示例：</a:t>
-            </a:r>
-            <a:r>
-              <a:rPr lang="en-US" altLang="zh-CN" dirty="0"/>
-              <a:t> </a:t>
-            </a:r>
-            <a:r>
-              <a:rPr lang="en-US" altLang="zh-CN" dirty="0" err="1"/>
-              <a:t>CountDownLatchDemo</a:t>
-            </a:r>
-            <a:endParaRPr lang="en-US" altLang="zh-CN" dirty="0"/>
-          </a:p>
-          <a:p>
-            <a:pPr marL="0" indent="0">
-              <a:buNone/>
-            </a:pPr>
-            <a:endParaRPr lang="en-US" altLang="zh-CN" dirty="0"/>
-          </a:p>
-          <a:p>
-            <a:r>
-              <a:rPr lang="zh-CN" altLang="en-US" dirty="0"/>
-              <a:t>未来任务：</a:t>
-            </a:r>
-            <a:r>
-              <a:rPr lang="en-US" altLang="zh-CN" dirty="0" err="1"/>
-              <a:t>FutureTask</a:t>
-            </a:r>
-            <a:endParaRPr lang="en-US" altLang="zh-CN" dirty="0"/>
-          </a:p>
-          <a:p>
-            <a:pPr marL="0" indent="0">
-              <a:buNone/>
-            </a:pPr>
-            <a:r>
-              <a:rPr lang="en-US" altLang="zh-CN" dirty="0" err="1"/>
-              <a:t>api</a:t>
-            </a:r>
-            <a:r>
-              <a:rPr lang="en-US" altLang="zh-CN" dirty="0"/>
-              <a:t>: constructor(Callable), get, run</a:t>
-            </a:r>
-          </a:p>
-          <a:p>
-            <a:pPr marL="0" indent="0">
-              <a:buNone/>
-            </a:pPr>
-            <a:r>
-              <a:rPr lang="zh-CN" altLang="en-US" dirty="0"/>
-              <a:t>示例：</a:t>
-            </a:r>
-            <a:r>
-              <a:rPr lang="en-US" altLang="zh-CN" dirty="0"/>
-              <a:t> </a:t>
-            </a:r>
-            <a:r>
-              <a:rPr lang="en-US" altLang="zh-CN" dirty="0" err="1"/>
-              <a:t>FutureTaskDemo</a:t>
-            </a:r>
-            <a:endParaRPr lang="en-US" altLang="zh-CN" dirty="0"/>
-          </a:p>
-          <a:p>
-            <a:pPr marL="0" indent="0">
-              <a:buNone/>
-            </a:pPr>
-            <a:endParaRPr lang="en-US" altLang="zh-CN" dirty="0"/>
-          </a:p>
-        </p:txBody>
-      </p:sp>
-    </p:spTree>
-    <p:extLst>
-      <p:ext uri="{BB962C8B-B14F-4D97-AF65-F5344CB8AC3E}">
-        <p14:creationId xmlns:p14="http://schemas.microsoft.com/office/powerpoint/2010/main" val="2117826024"/>
-      </p:ext>
-    </p:extLst>
-  </p:cSld>
-  <p:clrMapOvr>
-    <a:masterClrMapping/>
-  </p:clrMapOvr>
-</p:sld>
-</file>
-
 <file path=ppt/slides/slide35.xml><?xml version="1.0" encoding="utf-8"?>
 <p:sld xmlns:a="http://schemas.openxmlformats.org/drawingml/2006/main" xmlns:r="http://schemas.openxmlformats.org/officeDocument/2006/relationships" xmlns:p="http://schemas.openxmlformats.org/presentationml/2006/main">
   <p:cSld>
@@ -17130,6 +16952,188 @@
       </p:grpSpPr>
       <p:sp>
         <p:nvSpPr>
+          <p:cNvPr id="2" name="标题 1">
+            <a:extLst>
+              <a:ext uri="{FF2B5EF4-FFF2-40B4-BE49-F238E27FC236}">
+                <a16:creationId xmlns:a16="http://schemas.microsoft.com/office/drawing/2014/main" id="{F8F02A9A-0C9A-4D8D-A584-593BAD8E6E3D}"/>
+              </a:ext>
+            </a:extLst>
+          </p:cNvPr>
+          <p:cNvSpPr>
+            <a:spLocks noGrp="1"/>
+          </p:cNvSpPr>
+          <p:nvPr>
+            <p:ph type="title"/>
+          </p:nvPr>
+        </p:nvSpPr>
+        <p:spPr/>
+        <p:txBody>
+          <a:bodyPr/>
+          <a:lstStyle/>
+          <a:p>
+            <a:r>
+              <a:rPr lang="zh-CN" altLang="en-US" dirty="0"/>
+              <a:t>同步工具</a:t>
+            </a:r>
+          </a:p>
+        </p:txBody>
+      </p:sp>
+      <p:sp>
+        <p:nvSpPr>
+          <p:cNvPr id="3" name="内容占位符 2">
+            <a:extLst>
+              <a:ext uri="{FF2B5EF4-FFF2-40B4-BE49-F238E27FC236}">
+                <a16:creationId xmlns:a16="http://schemas.microsoft.com/office/drawing/2014/main" id="{A25AA25B-AD45-44E5-B557-DCF3E5C1E805}"/>
+              </a:ext>
+            </a:extLst>
+          </p:cNvPr>
+          <p:cNvSpPr>
+            <a:spLocks noGrp="1"/>
+          </p:cNvSpPr>
+          <p:nvPr>
+            <p:ph idx="1"/>
+          </p:nvPr>
+        </p:nvSpPr>
+        <p:spPr/>
+        <p:txBody>
+          <a:bodyPr>
+            <a:normAutofit/>
+          </a:bodyPr>
+          <a:lstStyle/>
+          <a:p>
+            <a:r>
+              <a:rPr lang="zh-CN" altLang="en-US" dirty="0"/>
+              <a:t>闭锁：</a:t>
+            </a:r>
+            <a:r>
+              <a:rPr lang="en-US" altLang="zh-CN" dirty="0"/>
+              <a:t> </a:t>
+            </a:r>
+            <a:r>
+              <a:rPr lang="en-US" altLang="zh-CN" dirty="0" err="1"/>
+              <a:t>CountDownLatch</a:t>
+            </a:r>
+            <a:endParaRPr lang="en-US" altLang="zh-CN" dirty="0"/>
+          </a:p>
+          <a:p>
+            <a:pPr marL="0" indent="0">
+              <a:buNone/>
+            </a:pPr>
+            <a:r>
+              <a:rPr lang="en-US" altLang="zh-CN" dirty="0" err="1"/>
+              <a:t>api</a:t>
+            </a:r>
+            <a:r>
+              <a:rPr lang="en-US" altLang="zh-CN" dirty="0"/>
+              <a:t>: countdown, await</a:t>
+            </a:r>
+          </a:p>
+          <a:p>
+            <a:pPr marL="0" indent="0">
+              <a:buNone/>
+            </a:pPr>
+            <a:r>
+              <a:rPr lang="zh-CN" altLang="en-US" dirty="0"/>
+              <a:t>示例：</a:t>
+            </a:r>
+            <a:r>
+              <a:rPr lang="en-US" altLang="zh-CN" dirty="0"/>
+              <a:t> </a:t>
+            </a:r>
+            <a:r>
+              <a:rPr lang="en-US" altLang="zh-CN" dirty="0" err="1"/>
+              <a:t>CountDownLatchDemo</a:t>
+            </a:r>
+            <a:endParaRPr lang="en-US" altLang="zh-CN" dirty="0"/>
+          </a:p>
+          <a:p>
+            <a:pPr marL="0" indent="0">
+              <a:buNone/>
+            </a:pPr>
+            <a:endParaRPr lang="en-US" altLang="zh-CN" dirty="0"/>
+          </a:p>
+          <a:p>
+            <a:r>
+              <a:rPr lang="zh-CN" altLang="en-US" dirty="0"/>
+              <a:t>未来任务：</a:t>
+            </a:r>
+            <a:r>
+              <a:rPr lang="en-US" altLang="zh-CN" dirty="0" err="1"/>
+              <a:t>FutureTask</a:t>
+            </a:r>
+            <a:endParaRPr lang="en-US" altLang="zh-CN" dirty="0"/>
+          </a:p>
+          <a:p>
+            <a:pPr marL="0" indent="0">
+              <a:buNone/>
+            </a:pPr>
+            <a:r>
+              <a:rPr lang="en-US" altLang="zh-CN" dirty="0" err="1"/>
+              <a:t>api</a:t>
+            </a:r>
+            <a:r>
+              <a:rPr lang="en-US" altLang="zh-CN" dirty="0"/>
+              <a:t>: constructor(Callable), get, run</a:t>
+            </a:r>
+          </a:p>
+          <a:p>
+            <a:pPr marL="0" indent="0">
+              <a:buNone/>
+            </a:pPr>
+            <a:r>
+              <a:rPr lang="zh-CN" altLang="en-US" dirty="0"/>
+              <a:t>示例：</a:t>
+            </a:r>
+            <a:r>
+              <a:rPr lang="en-US" altLang="zh-CN" dirty="0"/>
+              <a:t> </a:t>
+            </a:r>
+            <a:r>
+              <a:rPr lang="en-US" altLang="zh-CN" dirty="0" err="1"/>
+              <a:t>FutureTaskDemo</a:t>
+            </a:r>
+            <a:endParaRPr lang="en-US" altLang="zh-CN" dirty="0"/>
+          </a:p>
+          <a:p>
+            <a:pPr marL="0" indent="0">
+              <a:buNone/>
+            </a:pPr>
+            <a:endParaRPr lang="en-US" altLang="zh-CN" dirty="0"/>
+          </a:p>
+        </p:txBody>
+      </p:sp>
+    </p:spTree>
+    <p:extLst>
+      <p:ext uri="{BB962C8B-B14F-4D97-AF65-F5344CB8AC3E}">
+        <p14:creationId xmlns:p14="http://schemas.microsoft.com/office/powerpoint/2010/main" val="2117826024"/>
+      </p:ext>
+    </p:extLst>
+  </p:cSld>
+  <p:clrMapOvr>
+    <a:masterClrMapping/>
+  </p:clrMapOvr>
+</p:sld>
+</file>
+
+<file path=ppt/slides/slide36.xml><?xml version="1.0" encoding="utf-8"?>
+<p:sld xmlns:a="http://schemas.openxmlformats.org/drawingml/2006/main" xmlns:r="http://schemas.openxmlformats.org/officeDocument/2006/relationships" xmlns:p="http://schemas.openxmlformats.org/presentationml/2006/main">
+  <p:cSld>
+    <p:spTree>
+      <p:nvGrpSpPr>
+        <p:cNvPr id="1" name=""/>
+        <p:cNvGrpSpPr/>
+        <p:nvPr/>
+      </p:nvGrpSpPr>
+      <p:grpSpPr>
+        <a:xfrm>
+          <a:off x="0" y="0"/>
+          <a:ext cx="0" cy="0"/>
+          <a:chOff x="0" y="0"/>
+          <a:chExt cx="0" cy="0"/>
+        </a:xfrm>
+      </p:grpSpPr>
+      <p:sp>
+        <p:nvSpPr>
           <p:cNvPr id="3" name="内容占位符 2">
             <a:extLst>
               <a:ext uri="{FF2B5EF4-FFF2-40B4-BE49-F238E27FC236}">
@@ -17146,8 +17150,8 @@
         </p:nvSpPr>
         <p:spPr>
           <a:xfrm>
-            <a:off x="845127" y="808522"/>
-            <a:ext cx="10515600" cy="5371615"/>
+            <a:off x="845126" y="1494503"/>
+            <a:ext cx="10520963" cy="4685634"/>
           </a:xfrm>
         </p:spPr>
         <p:txBody>
@@ -17269,7 +17273,7 @@
 </p:sld>
 </file>
 
-<file path=ppt/slides/slide36.xml><?xml version="1.0" encoding="utf-8"?>
+<file path=ppt/slides/slide37.xml><?xml version="1.0" encoding="utf-8"?>
 <p:sld xmlns:a="http://schemas.openxmlformats.org/drawingml/2006/main" xmlns:r="http://schemas.openxmlformats.org/officeDocument/2006/relationships" xmlns:p="http://schemas.openxmlformats.org/presentationml/2006/main">
   <p:cSld>
     <p:spTree>
@@ -17398,7 +17402,7 @@
           <p:cNvPr id="2" name="标题 1">
             <a:extLst>
               <a:ext uri="{FF2B5EF4-FFF2-40B4-BE49-F238E27FC236}">
-                <a16:creationId xmlns:a16="http://schemas.microsoft.com/office/drawing/2014/main" id="{FFCB74EB-3F4A-415C-B445-DD5E0E9EEE65}"/>
+                <a16:creationId xmlns:a16="http://schemas.microsoft.com/office/drawing/2014/main" id="{619D2ECA-F6E3-4A11-A0B8-D90C50DD85B3}"/>
               </a:ext>
             </a:extLst>
           </p:cNvPr>
@@ -17416,7 +17420,7 @@
           <a:p>
             <a:r>
               <a:rPr lang="zh-CN" altLang="en-US" dirty="0"/>
-              <a:t>如何保证线程安全？</a:t>
+              <a:t>什么是线程安全</a:t>
             </a:r>
           </a:p>
         </p:txBody>
@@ -17426,7 +17430,7 @@
           <p:cNvPr id="3" name="内容占位符 2">
             <a:extLst>
               <a:ext uri="{FF2B5EF4-FFF2-40B4-BE49-F238E27FC236}">
-                <a16:creationId xmlns:a16="http://schemas.microsoft.com/office/drawing/2014/main" id="{EFA26EBE-DFFB-437C-8F99-E2EBE1332CFF}"/>
+                <a16:creationId xmlns:a16="http://schemas.microsoft.com/office/drawing/2014/main" id="{9B9F4CB5-49B3-43D2-9C1F-C70022C68CDB}"/>
               </a:ext>
             </a:extLst>
           </p:cNvPr>
@@ -17439,52 +17443,99 @@
         </p:nvSpPr>
         <p:spPr/>
         <p:txBody>
-          <a:bodyPr/>
+          <a:bodyPr>
+            <a:normAutofit/>
+          </a:bodyPr>
           <a:lstStyle/>
           <a:p>
             <a:r>
               <a:rPr lang="zh-CN" altLang="en-US" dirty="0"/>
-              <a:t>内置锁 </a:t>
+              <a:t>演示：</a:t>
+            </a:r>
+            <a:r>
+              <a:rPr lang="en-US" altLang="zh-CN" dirty="0" err="1"/>
+              <a:t>UnsafeDemo</a:t>
             </a:r>
             <a:r>
               <a:rPr lang="en-US" altLang="zh-CN" dirty="0"/>
-              <a:t>synchronized</a:t>
-            </a:r>
+              <a:t>, </a:t>
+            </a:r>
+            <a:r>
+              <a:rPr lang="en-US" altLang="zh-CN" dirty="0" err="1"/>
+              <a:t>UnsafeCarPositionDemo</a:t>
+            </a:r>
+            <a:endParaRPr lang="en-US" altLang="zh-CN" dirty="0"/>
           </a:p>
           <a:p>
             <a:r>
               <a:rPr lang="zh-CN" altLang="en-US" dirty="0"/>
-              <a:t>原子类</a:t>
-            </a:r>
-            <a:r>
-              <a:rPr lang="en-US" altLang="zh-CN" dirty="0" err="1"/>
-              <a:t>AtomicInteger</a:t>
+              <a:t>结论：多线程下，对共享、可变的数据的非原子操作导致线程安全问题。</a:t>
             </a:r>
             <a:endParaRPr lang="en-US" altLang="zh-CN" dirty="0"/>
           </a:p>
           <a:p>
             <a:r>
               <a:rPr lang="zh-CN" altLang="en-US" dirty="0"/>
-              <a:t>线程封闭</a:t>
-            </a:r>
-            <a:r>
-              <a:rPr lang="en-US" altLang="zh-CN" dirty="0" err="1"/>
-              <a:t>ThreadLocal</a:t>
+              <a:t>表现：共享数据在一个线程操作过程中，被另一个线程窜改</a:t>
+            </a:r>
+            <a:endParaRPr lang="en-US" altLang="zh-CN" dirty="0"/>
+          </a:p>
+          <a:p>
+            <a:r>
+              <a:rPr lang="zh-CN" altLang="en-US" dirty="0"/>
+              <a:t>窜改结果：</a:t>
+            </a:r>
+            <a:endParaRPr lang="en-US" altLang="zh-CN" dirty="0"/>
+          </a:p>
+          <a:p>
+            <a:pPr lvl="1">
+              <a:buFont typeface="Wingdings" panose="05000000000000000000" pitchFamily="2" charset="2"/>
+              <a:buChar char="Ø"/>
+            </a:pPr>
+            <a:r>
+              <a:rPr lang="zh-CN" altLang="en-US" dirty="0"/>
+              <a:t>时间上看，共享数据前后不一致，体现在基本数据类型。如</a:t>
             </a:r>
             <a:r>
               <a:rPr lang="en-US" altLang="zh-CN" dirty="0"/>
               <a:t> </a:t>
             </a:r>
-          </a:p>
-          <a:p>
+            <a:r>
+              <a:rPr lang="en-US" altLang="zh-CN" dirty="0" err="1"/>
+              <a:t>UnsafeDemo</a:t>
+            </a:r>
+            <a:endParaRPr lang="en-US" altLang="zh-CN" dirty="0"/>
+          </a:p>
+          <a:p>
+            <a:pPr lvl="1">
+              <a:buFont typeface="Wingdings" panose="05000000000000000000" pitchFamily="2" charset="2"/>
+              <a:buChar char="Ø"/>
+            </a:pPr>
             <a:r>
               <a:rPr lang="zh-CN" altLang="en-US" dirty="0"/>
-              <a:t>不可变</a:t>
+              <a:t>空间上看，共享数据不同部分不一致，体现在对象，还有</a:t>
             </a:r>
             <a:r>
               <a:rPr lang="en-US" altLang="zh-CN" dirty="0"/>
-              <a:t>final</a:t>
-            </a:r>
+              <a:t>64</a:t>
+            </a:r>
+            <a:r>
+              <a:rPr lang="zh-CN" altLang="en-US" dirty="0"/>
+              <a:t>位的基本数据类型</a:t>
+            </a:r>
+            <a:r>
+              <a:rPr lang="en-US" altLang="zh-CN" dirty="0"/>
+              <a:t>long, double</a:t>
+            </a:r>
+            <a:r>
+              <a:rPr lang="zh-CN" altLang="en-US" dirty="0"/>
+              <a:t>。如</a:t>
+            </a:r>
+            <a:r>
+              <a:rPr lang="en-US" altLang="zh-CN" dirty="0" err="1"/>
+              <a:t>UnsafeCarPositionDemo</a:t>
+            </a:r>
+            <a:endParaRPr lang="en-US" altLang="zh-CN" dirty="0"/>
           </a:p>
           <a:p>
             <a:pPr marL="0" indent="0">
@@ -17502,14 +17553,14 @@
             <a:pPr marL="0" indent="0">
               <a:buNone/>
             </a:pPr>
-            <a:endParaRPr lang="zh-CN" altLang="en-US" dirty="0"/>
+            <a:endParaRPr lang="en-US" altLang="zh-CN" dirty="0"/>
           </a:p>
         </p:txBody>
       </p:sp>
     </p:spTree>
     <p:extLst>
       <p:ext uri="{BB962C8B-B14F-4D97-AF65-F5344CB8AC3E}">
-        <p14:creationId xmlns:p14="http://schemas.microsoft.com/office/powerpoint/2010/main" val="1001971766"/>
+        <p14:creationId xmlns:p14="http://schemas.microsoft.com/office/powerpoint/2010/main" val="2993929486"/>
       </p:ext>
     </p:extLst>
   </p:cSld>
@@ -17541,7 +17592,7 @@
           <p:cNvPr id="2" name="标题 1">
             <a:extLst>
               <a:ext uri="{FF2B5EF4-FFF2-40B4-BE49-F238E27FC236}">
-                <a16:creationId xmlns:a16="http://schemas.microsoft.com/office/drawing/2014/main" id="{72490BE1-6337-4EEE-BC5B-B5560F699FC8}"/>
+                <a16:creationId xmlns:a16="http://schemas.microsoft.com/office/drawing/2014/main" id="{FFCB74EB-3F4A-415C-B445-DD5E0E9EEE65}"/>
               </a:ext>
             </a:extLst>
           </p:cNvPr>
@@ -17559,7 +17610,7 @@
           <a:p>
             <a:r>
               <a:rPr lang="zh-CN" altLang="en-US" dirty="0"/>
-              <a:t>内置锁</a:t>
+              <a:t>如何保证线程安全？</a:t>
             </a:r>
           </a:p>
         </p:txBody>
@@ -17569,7 +17620,7 @@
           <p:cNvPr id="3" name="内容占位符 2">
             <a:extLst>
               <a:ext uri="{FF2B5EF4-FFF2-40B4-BE49-F238E27FC236}">
-                <a16:creationId xmlns:a16="http://schemas.microsoft.com/office/drawing/2014/main" id="{6983FF52-8A3C-4519-9A31-9827BBFBDEBC}"/>
+                <a16:creationId xmlns:a16="http://schemas.microsoft.com/office/drawing/2014/main" id="{EFA26EBE-DFFB-437C-8F99-E2EBE1332CFF}"/>
               </a:ext>
             </a:extLst>
           </p:cNvPr>
@@ -17582,169 +17633,77 @@
         </p:nvSpPr>
         <p:spPr/>
         <p:txBody>
-          <a:bodyPr>
-            <a:normAutofit/>
-          </a:bodyPr>
-          <a:lstStyle/>
-          <a:p>
-            <a:pPr marL="0" indent="0">
-              <a:buNone/>
-            </a:pPr>
+          <a:bodyPr/>
+          <a:lstStyle/>
+          <a:p>
             <a:r>
               <a:rPr lang="zh-CN" altLang="en-US" dirty="0"/>
-              <a:t>内置锁即</a:t>
+              <a:t>内置锁 </a:t>
             </a:r>
             <a:r>
               <a:rPr lang="en-US" altLang="zh-CN" dirty="0"/>
               <a:t>synchronized</a:t>
             </a:r>
+          </a:p>
+          <a:p>
             <a:r>
               <a:rPr lang="zh-CN" altLang="en-US" dirty="0"/>
-              <a:t>， 又叫监控器</a:t>
+              <a:t>原子类</a:t>
+            </a:r>
+            <a:r>
+              <a:rPr lang="en-US" altLang="zh-CN" dirty="0" err="1"/>
+              <a:t>AtomicInteger</a:t>
+            </a:r>
+            <a:endParaRPr lang="en-US" altLang="zh-CN" dirty="0"/>
+          </a:p>
+          <a:p>
+            <a:r>
+              <a:rPr lang="zh-CN" altLang="en-US" dirty="0"/>
+              <a:t>线程封闭</a:t>
+            </a:r>
+            <a:r>
+              <a:rPr lang="en-US" altLang="zh-CN" dirty="0" err="1"/>
+              <a:t>ThreadLocal</a:t>
             </a:r>
             <a:r>
               <a:rPr lang="en-US" altLang="zh-CN" dirty="0"/>
-              <a:t>monitor</a:t>
+              <a:t> </a:t>
+            </a:r>
+          </a:p>
+          <a:p>
+            <a:r>
+              <a:rPr lang="zh-CN" altLang="en-US" dirty="0"/>
+              <a:t>不可变</a:t>
+            </a:r>
+            <a:r>
+              <a:rPr lang="en-US" altLang="zh-CN" dirty="0"/>
+              <a:t>final</a:t>
             </a:r>
           </a:p>
           <a:p>
             <a:pPr marL="0" indent="0">
               <a:buNone/>
             </a:pPr>
-            <a:r>
-              <a:rPr lang="zh-CN" altLang="en-US" dirty="0"/>
-              <a:t>字节码指令：</a:t>
-            </a:r>
-            <a:r>
-              <a:rPr lang="en-US" altLang="zh-CN" dirty="0" err="1"/>
-              <a:t>monitorenter</a:t>
-            </a:r>
-            <a:r>
-              <a:rPr lang="en-US" altLang="zh-CN" dirty="0"/>
-              <a:t>, </a:t>
-            </a:r>
-            <a:r>
-              <a:rPr lang="en-US" altLang="zh-CN" dirty="0" err="1"/>
-              <a:t>monitorexit</a:t>
-            </a:r>
-            <a:r>
-              <a:rPr lang="en-US" altLang="zh-CN" dirty="0"/>
-              <a:t> : </a:t>
-            </a:r>
-            <a:r>
-              <a:rPr lang="en-US" altLang="zh-CN" dirty="0" err="1"/>
-              <a:t>SynchronizedForJavap</a:t>
-            </a:r>
             <a:endParaRPr lang="en-US" altLang="zh-CN" dirty="0"/>
           </a:p>
           <a:p>
             <a:pPr marL="0" indent="0">
               <a:buNone/>
             </a:pPr>
-            <a:r>
-              <a:rPr lang="zh-CN" altLang="en-US" dirty="0"/>
-              <a:t>可重入：同一条线程可再次进入</a:t>
-            </a:r>
-            <a:r>
-              <a:rPr lang="en-US" altLang="zh-CN" dirty="0"/>
-              <a:t>:  </a:t>
-            </a:r>
-            <a:r>
-              <a:rPr lang="en-US" altLang="zh-CN" dirty="0" err="1"/>
-              <a:t>MonitorReenterDemo</a:t>
-            </a:r>
             <a:endParaRPr lang="en-US" altLang="zh-CN" dirty="0"/>
           </a:p>
           <a:p>
             <a:pPr marL="0" indent="0">
               <a:buNone/>
             </a:pPr>
-            <a:r>
-              <a:rPr lang="zh-CN" altLang="en-US" dirty="0"/>
-              <a:t>原理：</a:t>
-            </a:r>
-            <a:endParaRPr lang="en-US" altLang="zh-CN" dirty="0"/>
-          </a:p>
-          <a:p>
-            <a:pPr marL="0" indent="0">
-              <a:buNone/>
-            </a:pPr>
-            <a:r>
-              <a:rPr lang="zh-CN" altLang="en-US" dirty="0"/>
-              <a:t>堆中对象多出两个监视字段：</a:t>
-            </a:r>
-            <a:endParaRPr lang="en-US" altLang="zh-CN" dirty="0"/>
-          </a:p>
-          <a:p>
-            <a:pPr marL="0" indent="0">
-              <a:buNone/>
-            </a:pPr>
-            <a:r>
-              <a:rPr lang="en-US" altLang="zh-CN" dirty="0"/>
-              <a:t>	</a:t>
-            </a:r>
-            <a:r>
-              <a:rPr lang="zh-CN" altLang="en-US" dirty="0"/>
-              <a:t>拥有锁的线程：</a:t>
-            </a:r>
-            <a:r>
-              <a:rPr lang="en-US" altLang="zh-CN" dirty="0"/>
-              <a:t>&lt;</a:t>
-            </a:r>
-            <a:r>
-              <a:rPr lang="zh-CN" altLang="en-US" dirty="0"/>
-              <a:t>线程</a:t>
-            </a:r>
-            <a:r>
-              <a:rPr lang="en-US" altLang="zh-CN" dirty="0"/>
-              <a:t>ID&gt;</a:t>
-            </a:r>
-          </a:p>
-          <a:p>
-            <a:pPr marL="0" indent="0">
-              <a:buNone/>
-            </a:pPr>
-            <a:r>
-              <a:rPr lang="en-US" altLang="zh-CN" dirty="0"/>
-              <a:t>	</a:t>
-            </a:r>
-            <a:r>
-              <a:rPr lang="zh-CN" altLang="en-US" dirty="0"/>
-              <a:t>拥有锁的线程重入次数：</a:t>
-            </a:r>
-            <a:r>
-              <a:rPr lang="en-US" altLang="zh-CN" dirty="0"/>
-              <a:t>&lt;</a:t>
-            </a:r>
-            <a:r>
-              <a:rPr lang="zh-CN" altLang="en-US" dirty="0"/>
-              <a:t>数字</a:t>
-            </a:r>
-            <a:r>
-              <a:rPr lang="en-US" altLang="zh-CN" dirty="0"/>
-              <a:t>&gt;</a:t>
-            </a:r>
-          </a:p>
-          <a:p>
-            <a:pPr marL="0" indent="0">
-              <a:buNone/>
-            </a:pPr>
-            <a:r>
-              <a:rPr lang="en-US" altLang="zh-CN" dirty="0"/>
-              <a:t>	</a:t>
-            </a:r>
-            <a:r>
-              <a:rPr lang="zh-CN" altLang="en-US" dirty="0"/>
-              <a:t>。。。</a:t>
-            </a:r>
-            <a:endParaRPr lang="en-US" altLang="zh-CN" dirty="0"/>
+            <a:endParaRPr lang="zh-CN" altLang="en-US" dirty="0"/>
           </a:p>
         </p:txBody>
       </p:sp>
     </p:spTree>
     <p:extLst>
       <p:ext uri="{BB962C8B-B14F-4D97-AF65-F5344CB8AC3E}">
-        <p14:creationId xmlns:p14="http://schemas.microsoft.com/office/powerpoint/2010/main" val="3318008977"/>
+        <p14:creationId xmlns:p14="http://schemas.microsoft.com/office/powerpoint/2010/main" val="1001971766"/>
       </p:ext>
     </p:extLst>
   </p:cSld>
@@ -17776,7 +17735,7 @@
           <p:cNvPr id="2" name="标题 1">
             <a:extLst>
               <a:ext uri="{FF2B5EF4-FFF2-40B4-BE49-F238E27FC236}">
-                <a16:creationId xmlns:a16="http://schemas.microsoft.com/office/drawing/2014/main" id="{3E856EEF-6D8D-4FA6-BFDC-1E48EEA3D2BE}"/>
+                <a16:creationId xmlns:a16="http://schemas.microsoft.com/office/drawing/2014/main" id="{72490BE1-6337-4EEE-BC5B-B5560F699FC8}"/>
               </a:ext>
             </a:extLst>
           </p:cNvPr>
@@ -17794,7 +17753,7 @@
           <a:p>
             <a:r>
               <a:rPr lang="zh-CN" altLang="en-US" dirty="0"/>
-              <a:t>原子类</a:t>
+              <a:t>内置锁</a:t>
             </a:r>
           </a:p>
         </p:txBody>
@@ -17804,7 +17763,7 @@
           <p:cNvPr id="3" name="内容占位符 2">
             <a:extLst>
               <a:ext uri="{FF2B5EF4-FFF2-40B4-BE49-F238E27FC236}">
-                <a16:creationId xmlns:a16="http://schemas.microsoft.com/office/drawing/2014/main" id="{A5E2796D-5D5A-424B-90E5-D9CF57E135FC}"/>
+                <a16:creationId xmlns:a16="http://schemas.microsoft.com/office/drawing/2014/main" id="{6983FF52-8A3C-4519-9A31-9827BBFBDEBC}"/>
               </a:ext>
             </a:extLst>
           </p:cNvPr>
@@ -17826,20 +17785,67 @@
               <a:buNone/>
             </a:pPr>
             <a:r>
+              <a:rPr lang="zh-CN" altLang="en-US" dirty="0"/>
+              <a:t>内置锁即</a:t>
+            </a:r>
+            <a:r>
               <a:rPr lang="en-US" altLang="zh-CN" dirty="0"/>
-              <a:t>jdk5</a:t>
+              <a:t>synchronized</a:t>
             </a:r>
             <a:r>
               <a:rPr lang="zh-CN" altLang="en-US" dirty="0"/>
-              <a:t>开始提供的原子包：</a:t>
+              <a:t>， 又叫监控器</a:t>
+            </a:r>
+            <a:r>
+              <a:rPr lang="en-US" altLang="zh-CN" dirty="0"/>
+              <a:t>monitor</a:t>
+            </a:r>
+          </a:p>
+          <a:p>
+            <a:pPr marL="0" indent="0">
+              <a:buNone/>
+            </a:pPr>
+            <a:r>
+              <a:rPr lang="zh-CN" altLang="en-US" dirty="0"/>
+              <a:t>字节码指令：</a:t>
             </a:r>
             <a:r>
               <a:rPr lang="en-US" altLang="zh-CN" dirty="0" err="1"/>
-              <a:t>java.util.concurrent.atomic</a:t>
-            </a:r>
+              <a:t>monitorenter</a:t>
+            </a:r>
+            <a:r>
+              <a:rPr lang="en-US" altLang="zh-CN" dirty="0"/>
+              <a:t>, </a:t>
+            </a:r>
+            <a:r>
+              <a:rPr lang="en-US" altLang="zh-CN" dirty="0" err="1"/>
+              <a:t>monitorexit</a:t>
+            </a:r>
+            <a:r>
+              <a:rPr lang="en-US" altLang="zh-CN" dirty="0"/>
+              <a:t> : </a:t>
+            </a:r>
+            <a:r>
+              <a:rPr lang="en-US" altLang="zh-CN" dirty="0" err="1"/>
+              <a:t>SynchronizedForJavap</a:t>
+            </a:r>
+            <a:endParaRPr lang="en-US" altLang="zh-CN" dirty="0"/>
+          </a:p>
+          <a:p>
+            <a:pPr marL="0" indent="0">
+              <a:buNone/>
+            </a:pPr>
             <a:r>
               <a:rPr lang="zh-CN" altLang="en-US" dirty="0"/>
-              <a:t>，其中类中的成员方法都是原子的</a:t>
+              <a:t>可重入：同一条线程可再次进入</a:t>
+            </a:r>
+            <a:r>
+              <a:rPr lang="en-US" altLang="zh-CN" dirty="0"/>
+              <a:t>:  </a:t>
+            </a:r>
+            <a:r>
+              <a:rPr lang="en-US" altLang="zh-CN" dirty="0" err="1"/>
+              <a:t>MonitorReenterDemo</a:t>
             </a:r>
             <a:endParaRPr lang="en-US" altLang="zh-CN" dirty="0"/>
           </a:p>
@@ -17847,149 +17853,92 @@
             <a:pPr marL="0" indent="0">
               <a:buNone/>
             </a:pPr>
-            <a:r>
-              <a:rPr lang="zh-CN" altLang="en-US" dirty="0"/>
-              <a:t>演示：</a:t>
-            </a:r>
-            <a:r>
-              <a:rPr lang="en-US" altLang="zh-CN" dirty="0"/>
-              <a:t> </a:t>
-            </a:r>
-          </a:p>
-          <a:p>
-            <a:pPr>
-              <a:buFont typeface="Wingdings" panose="05000000000000000000" pitchFamily="2" charset="2"/>
-              <a:buChar char="Ø"/>
-            </a:pPr>
-            <a:r>
-              <a:rPr lang="en-US" altLang="zh-CN" dirty="0" err="1"/>
-              <a:t>AtomicInteger</a:t>
-            </a:r>
-            <a:r>
-              <a:rPr lang="zh-CN" altLang="en-US" dirty="0"/>
-              <a:t>：</a:t>
-            </a:r>
-            <a:r>
-              <a:rPr lang="en-US" altLang="zh-CN" dirty="0" err="1"/>
-              <a:t>SafeAtomicObjectCounterDemo</a:t>
-            </a:r>
-            <a:r>
-              <a:rPr lang="zh-CN" altLang="en-US" dirty="0"/>
-              <a:t>。原理：乐观锁</a:t>
-            </a:r>
-            <a:r>
-              <a:rPr lang="en-US" altLang="zh-CN" dirty="0"/>
-              <a:t>CAS</a:t>
-            </a:r>
-          </a:p>
-          <a:p>
-            <a:pPr>
-              <a:buFont typeface="Wingdings" panose="05000000000000000000" pitchFamily="2" charset="2"/>
-              <a:buChar char="Ø"/>
-            </a:pPr>
-            <a:r>
-              <a:rPr lang="en-US" altLang="zh-CN" dirty="0" err="1"/>
-              <a:t>AtomicIntegerFieldUpdater</a:t>
-            </a:r>
-            <a:r>
-              <a:rPr lang="zh-CN" altLang="en-US" dirty="0"/>
-              <a:t>：</a:t>
-            </a:r>
-            <a:r>
-              <a:rPr lang="en-US" altLang="zh-CN" dirty="0" err="1"/>
-              <a:t>AtomicFieldUpdaterExample</a:t>
-            </a:r>
-            <a:r>
-              <a:rPr lang="zh-CN" altLang="en-US" dirty="0"/>
-              <a:t>。原理同上</a:t>
-            </a:r>
-            <a:endParaRPr lang="en-US" altLang="zh-CN" dirty="0"/>
-          </a:p>
-          <a:p>
-            <a:pPr>
-              <a:buFont typeface="Wingdings" panose="05000000000000000000" pitchFamily="2" charset="2"/>
-              <a:buChar char="Ø"/>
-            </a:pPr>
-            <a:r>
-              <a:rPr lang="en-US" altLang="zh-CN" dirty="0" err="1"/>
-              <a:t>LongAdder</a:t>
-            </a:r>
-            <a:r>
-              <a:rPr lang="zh-CN" altLang="en-US" dirty="0"/>
-              <a:t>：高并发胜过</a:t>
-            </a:r>
-            <a:r>
-              <a:rPr lang="en-US" altLang="zh-CN" dirty="0" err="1"/>
-              <a:t>AtomicLong</a:t>
-            </a:r>
-            <a:r>
-              <a:rPr lang="zh-CN" altLang="en-US" dirty="0"/>
-              <a:t>，仅累加</a:t>
-            </a:r>
-            <a:r>
-              <a:rPr lang="en-US" altLang="zh-CN" dirty="0"/>
-              <a:t>. </a:t>
-            </a:r>
             <a:r>
               <a:rPr lang="zh-CN" altLang="en-US" dirty="0"/>
               <a:t>原理：</a:t>
             </a:r>
+            <a:endParaRPr lang="en-US" altLang="zh-CN" dirty="0"/>
+          </a:p>
+          <a:p>
+            <a:pPr marL="0" indent="0">
+              <a:buNone/>
+            </a:pPr>
+            <a:r>
+              <a:rPr lang="zh-CN" altLang="en-US" dirty="0"/>
+              <a:t>堆中对象多出两个监视字段：</a:t>
+            </a:r>
+            <a:endParaRPr lang="en-US" altLang="zh-CN" dirty="0"/>
+          </a:p>
+          <a:p>
+            <a:pPr marL="0" indent="0">
+              <a:buNone/>
+            </a:pPr>
             <a:r>
               <a:rPr lang="en-US" altLang="zh-CN" dirty="0"/>
-              <a:t>CAS+</a:t>
+              <a:t>	</a:t>
             </a:r>
             <a:r>
               <a:rPr lang="zh-CN" altLang="en-US" dirty="0"/>
-              <a:t>分散存储</a:t>
+              <a:t>拥有锁的线程：</a:t>
+            </a:r>
+            <a:r>
+              <a:rPr lang="en-US" altLang="zh-CN" dirty="0"/>
+              <a:t>&lt;</a:t>
+            </a:r>
+            <a:r>
+              <a:rPr lang="zh-CN" altLang="en-US" dirty="0"/>
+              <a:t>线程</a:t>
+            </a:r>
+            <a:r>
+              <a:rPr lang="en-US" altLang="zh-CN" dirty="0"/>
+              <a:t>ID&gt;</a:t>
+            </a:r>
+          </a:p>
+          <a:p>
+            <a:pPr marL="0" indent="0">
+              <a:buNone/>
+            </a:pPr>
+            <a:r>
+              <a:rPr lang="en-US" altLang="zh-CN" dirty="0"/>
+              <a:t>	</a:t>
+            </a:r>
+            <a:r>
+              <a:rPr lang="zh-CN" altLang="en-US" dirty="0"/>
+              <a:t>拥有锁的线程重入次数：</a:t>
+            </a:r>
+            <a:r>
+              <a:rPr lang="en-US" altLang="zh-CN" dirty="0"/>
+              <a:t>&lt;</a:t>
+            </a:r>
+            <a:r>
+              <a:rPr lang="zh-CN" altLang="en-US" dirty="0"/>
+              <a:t>数字</a:t>
+            </a:r>
+            <a:r>
+              <a:rPr lang="en-US" altLang="zh-CN" dirty="0"/>
+              <a:t>&gt;</a:t>
+            </a:r>
+          </a:p>
+          <a:p>
+            <a:pPr marL="0" indent="0">
+              <a:buNone/>
+            </a:pPr>
+            <a:r>
+              <a:rPr lang="en-US" altLang="zh-CN" dirty="0"/>
+              <a:t>	</a:t>
+            </a:r>
+            <a:r>
+              <a:rPr lang="zh-CN" altLang="en-US" dirty="0"/>
+              <a:t>。。。</a:t>
             </a:r>
             <a:endParaRPr lang="en-US" altLang="zh-CN" dirty="0"/>
-          </a:p>
-          <a:p>
-            <a:pPr>
-              <a:buFont typeface="Wingdings" panose="05000000000000000000" pitchFamily="2" charset="2"/>
-              <a:buChar char="Ø"/>
-            </a:pPr>
-            <a:r>
-              <a:rPr lang="en-US" altLang="zh-CN" dirty="0" err="1"/>
-              <a:t>LongAccumulator</a:t>
-            </a:r>
-            <a:r>
-              <a:rPr lang="en-US" altLang="zh-CN" dirty="0"/>
-              <a:t>: </a:t>
-            </a:r>
-            <a:r>
-              <a:rPr lang="zh-CN" altLang="en-US" dirty="0"/>
-              <a:t>类似</a:t>
-            </a:r>
-            <a:r>
-              <a:rPr lang="en-US" altLang="zh-CN" dirty="0" err="1"/>
-              <a:t>LongAdder</a:t>
-            </a:r>
-            <a:r>
-              <a:rPr lang="en-US" altLang="zh-CN" dirty="0"/>
-              <a:t>, </a:t>
-            </a:r>
-            <a:r>
-              <a:rPr lang="zh-CN" altLang="en-US" dirty="0"/>
-              <a:t>但可以指定累计逻辑，适合无序累计（即满足交换律）。原理同上</a:t>
-            </a:r>
-            <a:endParaRPr lang="en-US" altLang="zh-CN" dirty="0"/>
-          </a:p>
-          <a:p>
-            <a:pPr marL="0" indent="0">
-              <a:buNone/>
-            </a:pPr>
-            <a:endParaRPr lang="en-US" altLang="zh-CN" dirty="0"/>
-          </a:p>
-          <a:p>
-            <a:endParaRPr lang="zh-CN" altLang="en-US" dirty="0"/>
           </a:p>
         </p:txBody>
       </p:sp>
     </p:spTree>
     <p:extLst>
       <p:ext uri="{BB962C8B-B14F-4D97-AF65-F5344CB8AC3E}">
-        <p14:creationId xmlns:p14="http://schemas.microsoft.com/office/powerpoint/2010/main" val="313331630"/>
+        <p14:creationId xmlns:p14="http://schemas.microsoft.com/office/powerpoint/2010/main" val="3318008977"/>
       </p:ext>
     </p:extLst>
   </p:cSld>
@@ -18021,7 +17970,7 @@
           <p:cNvPr id="2" name="标题 1">
             <a:extLst>
               <a:ext uri="{FF2B5EF4-FFF2-40B4-BE49-F238E27FC236}">
-                <a16:creationId xmlns:a16="http://schemas.microsoft.com/office/drawing/2014/main" id="{D08EB409-9660-43DB-B9AA-448FE13D9A83}"/>
+                <a16:creationId xmlns:a16="http://schemas.microsoft.com/office/drawing/2014/main" id="{3E856EEF-6D8D-4FA6-BFDC-1E48EEA3D2BE}"/>
               </a:ext>
             </a:extLst>
           </p:cNvPr>
@@ -18039,7 +17988,7 @@
           <a:p>
             <a:r>
               <a:rPr lang="zh-CN" altLang="en-US" dirty="0"/>
-              <a:t>线程封闭</a:t>
+              <a:t>原子类</a:t>
             </a:r>
           </a:p>
         </p:txBody>
@@ -18049,7 +17998,7 @@
           <p:cNvPr id="3" name="内容占位符 2">
             <a:extLst>
               <a:ext uri="{FF2B5EF4-FFF2-40B4-BE49-F238E27FC236}">
-                <a16:creationId xmlns:a16="http://schemas.microsoft.com/office/drawing/2014/main" id="{E3A18B6A-B16E-4CAA-8EF9-8468C7420CA3}"/>
+                <a16:creationId xmlns:a16="http://schemas.microsoft.com/office/drawing/2014/main" id="{A5E2796D-5D5A-424B-90E5-D9CF57E135FC}"/>
               </a:ext>
             </a:extLst>
           </p:cNvPr>
@@ -18071,10 +18020,35 @@
               <a:buNone/>
             </a:pPr>
             <a:r>
+              <a:rPr lang="en-US" altLang="zh-CN" dirty="0"/>
+              <a:t>jdk5</a:t>
+            </a:r>
+            <a:r>
               <a:rPr lang="zh-CN" altLang="en-US" dirty="0"/>
-              <a:t>线程封闭指变量只有所在线程能访问到，相当于“封闭于”所在线程内部。其他线程无法访问到。</a:t>
+              <a:t>开始提供的原子包：</a:t>
+            </a:r>
+            <a:r>
+              <a:rPr lang="en-US" altLang="zh-CN" dirty="0" err="1"/>
+              <a:t>java.util.concurrent.atomic</a:t>
+            </a:r>
+            <a:r>
+              <a:rPr lang="zh-CN" altLang="en-US" dirty="0"/>
+              <a:t>，其中类中的成员方法都是原子的</a:t>
             </a:r>
             <a:endParaRPr lang="en-US" altLang="zh-CN" dirty="0"/>
+          </a:p>
+          <a:p>
+            <a:pPr marL="0" indent="0">
+              <a:buNone/>
+            </a:pPr>
+            <a:r>
+              <a:rPr lang="zh-CN" altLang="en-US" dirty="0"/>
+              <a:t>演示：</a:t>
+            </a:r>
+            <a:r>
+              <a:rPr lang="en-US" altLang="zh-CN" dirty="0"/>
+              <a:t> </a:t>
+            </a:r>
           </a:p>
           <a:p>
             <a:pPr>
@@ -18082,28 +18056,25 @@
               <a:buChar char="Ø"/>
             </a:pPr>
             <a:r>
+              <a:rPr lang="en-US" altLang="zh-CN" dirty="0" err="1"/>
+              <a:t>AtomicInteger</a:t>
+            </a:r>
+            <a:r>
               <a:rPr lang="zh-CN" altLang="en-US" dirty="0"/>
-              <a:t>局部变量</a:t>
-            </a:r>
-            <a:endParaRPr lang="en-US" altLang="zh-CN" dirty="0"/>
-          </a:p>
-          <a:p>
-            <a:pPr marL="0" indent="0">
-              <a:buNone/>
-            </a:pPr>
+              <a:t>：</a:t>
+            </a:r>
+            <a:r>
+              <a:rPr lang="en-US" altLang="zh-CN" dirty="0" err="1"/>
+              <a:t>SafeAtomicObjectCounterDemo</a:t>
+            </a:r>
             <a:r>
               <a:rPr lang="zh-CN" altLang="en-US" dirty="0"/>
-              <a:t>演示：</a:t>
+              <a:t>。原理：乐观锁</a:t>
             </a:r>
             <a:r>
               <a:rPr lang="en-US" altLang="zh-CN" dirty="0"/>
-              <a:t> </a:t>
-            </a:r>
-            <a:r>
-              <a:rPr lang="en-US" altLang="zh-CN" dirty="0" err="1"/>
-              <a:t>LocalPrimitiveDemo</a:t>
-            </a:r>
-            <a:endParaRPr lang="en-US" altLang="zh-CN" dirty="0"/>
+              <a:t>CAS</a:t>
+            </a:r>
           </a:p>
           <a:p>
             <a:pPr>
@@ -18111,90 +18082,108 @@
               <a:buChar char="Ø"/>
             </a:pPr>
             <a:r>
+              <a:rPr lang="en-US" altLang="zh-CN" dirty="0" err="1"/>
+              <a:t>AtomicIntegerFieldUpdater</a:t>
+            </a:r>
+            <a:r>
               <a:rPr lang="zh-CN" altLang="en-US" dirty="0"/>
-              <a:t>线程本地技术 </a:t>
+              <a:t>：</a:t>
             </a:r>
             <a:r>
               <a:rPr lang="en-US" altLang="zh-CN" dirty="0" err="1"/>
-              <a:t>ThreadLocal</a:t>
+              <a:t>AtomicFieldUpdaterExample</a:t>
             </a:r>
             <a:r>
               <a:rPr lang="zh-CN" altLang="en-US" dirty="0"/>
-              <a:t>（线程本地对象）</a:t>
+              <a:t>。原理同上</a:t>
             </a:r>
             <a:endParaRPr lang="en-US" altLang="zh-CN" dirty="0"/>
           </a:p>
           <a:p>
+            <a:pPr>
+              <a:buFont typeface="Wingdings" panose="05000000000000000000" pitchFamily="2" charset="2"/>
+              <a:buChar char="Ø"/>
+            </a:pPr>
+            <a:r>
+              <a:rPr lang="en-US" altLang="zh-CN" dirty="0" err="1"/>
+              <a:t>LongAdder</a:t>
+            </a:r>
+            <a:r>
+              <a:rPr lang="zh-CN" altLang="en-US" dirty="0"/>
+              <a:t>：高并发胜过</a:t>
+            </a:r>
+            <a:r>
+              <a:rPr lang="en-US" altLang="zh-CN" dirty="0" err="1"/>
+              <a:t>AtomicLong</a:t>
+            </a:r>
+            <a:r>
+              <a:rPr lang="zh-CN" altLang="en-US" dirty="0"/>
+              <a:t>，仅累加</a:t>
+            </a:r>
+            <a:r>
+              <a:rPr lang="en-US" altLang="zh-CN" dirty="0"/>
+              <a:t>. </a:t>
+            </a:r>
+            <a:r>
+              <a:rPr lang="zh-CN" altLang="en-US" dirty="0"/>
+              <a:t>原理：</a:t>
+            </a:r>
+            <a:r>
+              <a:rPr lang="en-US" altLang="zh-CN" dirty="0"/>
+              <a:t>CAS+</a:t>
+            </a:r>
+            <a:r>
+              <a:rPr lang="zh-CN" altLang="en-US" dirty="0"/>
+              <a:t>分散存储</a:t>
+            </a:r>
+            <a:endParaRPr lang="en-US" altLang="zh-CN" dirty="0"/>
+          </a:p>
+          <a:p>
+            <a:pPr>
+              <a:buFont typeface="Wingdings" panose="05000000000000000000" pitchFamily="2" charset="2"/>
+              <a:buChar char="Ø"/>
+            </a:pPr>
+            <a:r>
+              <a:rPr lang="en-US" altLang="zh-CN" dirty="0" err="1"/>
+              <a:t>LongAccumulator</a:t>
+            </a:r>
+            <a:r>
+              <a:rPr lang="en-US" altLang="zh-CN" dirty="0"/>
+              <a:t>: </a:t>
+            </a:r>
+            <a:r>
+              <a:rPr lang="zh-CN" altLang="en-US" dirty="0"/>
+              <a:t>类似</a:t>
+            </a:r>
+            <a:r>
+              <a:rPr lang="en-US" altLang="zh-CN" dirty="0" err="1"/>
+              <a:t>LongAdder</a:t>
+            </a:r>
+            <a:r>
+              <a:rPr lang="en-US" altLang="zh-CN" dirty="0"/>
+              <a:t>, </a:t>
+            </a:r>
+            <a:r>
+              <a:rPr lang="zh-CN" altLang="en-US" dirty="0"/>
+              <a:t>但可以指定累计逻辑，适合无序累计（即满足交换律）。原理同上</a:t>
+            </a:r>
+            <a:endParaRPr lang="en-US" altLang="zh-CN" dirty="0"/>
+          </a:p>
+          <a:p>
             <a:pPr marL="0" indent="0">
               <a:buNone/>
             </a:pPr>
-            <a:r>
-              <a:rPr lang="zh-CN" altLang="en-US" dirty="0"/>
-              <a:t>演示：</a:t>
-            </a:r>
-            <a:r>
-              <a:rPr lang="en-US" altLang="zh-CN" dirty="0"/>
-              <a:t> </a:t>
-            </a:r>
-            <a:r>
-              <a:rPr lang="en-US" altLang="zh-CN" dirty="0" err="1"/>
-              <a:t>ThreadLocalDemo</a:t>
-            </a:r>
             <a:endParaRPr lang="en-US" altLang="zh-CN" dirty="0"/>
           </a:p>
           <a:p>
-            <a:pPr marL="0" indent="0">
-              <a:buNone/>
-            </a:pPr>
-            <a:r>
-              <a:rPr lang="zh-CN" altLang="en-US" dirty="0"/>
-              <a:t>简易原理：</a:t>
-            </a:r>
-            <a:r>
-              <a:rPr lang="en-US" altLang="zh-CN" dirty="0"/>
-              <a:t>Map&lt;</a:t>
-            </a:r>
-            <a:r>
-              <a:rPr lang="en-US" altLang="zh-CN" dirty="0" err="1"/>
-              <a:t>Thread,Object</a:t>
-            </a:r>
-            <a:r>
-              <a:rPr lang="en-US" altLang="zh-CN" dirty="0"/>
-              <a:t>&gt; </a:t>
-            </a:r>
-          </a:p>
-          <a:p>
-            <a:pPr marL="0" indent="0">
-              <a:buNone/>
-            </a:pPr>
-            <a:r>
-              <a:rPr lang="zh-CN" altLang="en-US" dirty="0"/>
-              <a:t>简易模拟：</a:t>
-            </a:r>
-            <a:r>
-              <a:rPr lang="en-US" altLang="zh-CN" dirty="0"/>
-              <a:t> </a:t>
-            </a:r>
-            <a:r>
-              <a:rPr lang="en-US" altLang="zh-CN" dirty="0" err="1"/>
-              <a:t>MyThreadLocal</a:t>
-            </a:r>
-            <a:r>
-              <a:rPr lang="zh-CN" altLang="en-US" dirty="0"/>
-              <a:t>，</a:t>
-            </a:r>
-            <a:r>
-              <a:rPr lang="en-US" altLang="zh-CN" dirty="0" err="1"/>
-              <a:t>MyThreadLocalDemo</a:t>
-            </a:r>
-            <a:endParaRPr lang="en-US" altLang="zh-CN" dirty="0"/>
+            <a:endParaRPr lang="zh-CN" altLang="en-US" dirty="0"/>
           </a:p>
         </p:txBody>
       </p:sp>
     </p:spTree>
     <p:extLst>
       <p:ext uri="{BB962C8B-B14F-4D97-AF65-F5344CB8AC3E}">
-        <p14:creationId xmlns:p14="http://schemas.microsoft.com/office/powerpoint/2010/main" val="3528820548"/>
+        <p14:creationId xmlns:p14="http://schemas.microsoft.com/office/powerpoint/2010/main" val="313331630"/>
       </p:ext>
     </p:extLst>
   </p:cSld>
@@ -18226,7 +18215,7 @@
           <p:cNvPr id="2" name="标题 1">
             <a:extLst>
               <a:ext uri="{FF2B5EF4-FFF2-40B4-BE49-F238E27FC236}">
-                <a16:creationId xmlns:a16="http://schemas.microsoft.com/office/drawing/2014/main" id="{86C8203E-85E0-4723-8D0D-838C9A42B886}"/>
+                <a16:creationId xmlns:a16="http://schemas.microsoft.com/office/drawing/2014/main" id="{D08EB409-9660-43DB-B9AA-448FE13D9A83}"/>
               </a:ext>
             </a:extLst>
           </p:cNvPr>
@@ -18244,7 +18233,7 @@
           <a:p>
             <a:r>
               <a:rPr lang="zh-CN" altLang="en-US" dirty="0"/>
-              <a:t>不变性</a:t>
+              <a:t>线程封闭</a:t>
             </a:r>
           </a:p>
         </p:txBody>
@@ -18254,7 +18243,7 @@
           <p:cNvPr id="3" name="内容占位符 2">
             <a:extLst>
               <a:ext uri="{FF2B5EF4-FFF2-40B4-BE49-F238E27FC236}">
-                <a16:creationId xmlns:a16="http://schemas.microsoft.com/office/drawing/2014/main" id="{B9ACAEAA-3D26-4A0B-91C4-F99F36A0BAB8}"/>
+                <a16:creationId xmlns:a16="http://schemas.microsoft.com/office/drawing/2014/main" id="{E3A18B6A-B16E-4CAA-8EF9-8468C7420CA3}"/>
               </a:ext>
             </a:extLst>
           </p:cNvPr>
@@ -18272,73 +18261,125 @@
           </a:bodyPr>
           <a:lstStyle/>
           <a:p>
+            <a:pPr marL="0" indent="0">
+              <a:buNone/>
+            </a:pPr>
             <a:r>
               <a:rPr lang="zh-CN" altLang="en-US" dirty="0"/>
-              <a:t>不可变对象是线程安全的，因为其他线程无法窜改。</a:t>
+              <a:t>线程封闭指变量只有所在线程能访问到，相当于“封闭于”所在线程内部。其他线程无法访问到。</a:t>
             </a:r>
             <a:endParaRPr lang="en-US" altLang="zh-CN" dirty="0"/>
           </a:p>
           <a:p>
+            <a:pPr>
+              <a:buFont typeface="Wingdings" panose="05000000000000000000" pitchFamily="2" charset="2"/>
+              <a:buChar char="Ø"/>
+            </a:pPr>
+            <a:r>
+              <a:rPr lang="zh-CN" altLang="en-US" dirty="0"/>
+              <a:t>局部变量</a:t>
+            </a:r>
+            <a:endParaRPr lang="en-US" altLang="zh-CN" dirty="0"/>
+          </a:p>
+          <a:p>
+            <a:pPr marL="0" indent="0">
+              <a:buNone/>
+            </a:pPr>
             <a:r>
               <a:rPr lang="zh-CN" altLang="en-US" dirty="0"/>
               <a:t>演示：</a:t>
             </a:r>
+            <a:r>
+              <a:rPr lang="en-US" altLang="zh-CN" dirty="0"/>
+              <a:t> </a:t>
+            </a:r>
+            <a:r>
+              <a:rPr lang="en-US" altLang="zh-CN" dirty="0" err="1"/>
+              <a:t>LocalPrimitiveDemo</a:t>
+            </a:r>
             <a:endParaRPr lang="en-US" altLang="zh-CN" dirty="0"/>
           </a:p>
           <a:p>
+            <a:pPr>
+              <a:buFont typeface="Wingdings" panose="05000000000000000000" pitchFamily="2" charset="2"/>
+              <a:buChar char="Ø"/>
+            </a:pPr>
+            <a:r>
+              <a:rPr lang="zh-CN" altLang="en-US" dirty="0"/>
+              <a:t>线程本地技术 </a:t>
+            </a:r>
+            <a:r>
+              <a:rPr lang="en-US" altLang="zh-CN" dirty="0" err="1"/>
+              <a:t>ThreadLocal</a:t>
+            </a:r>
+            <a:r>
+              <a:rPr lang="zh-CN" altLang="en-US" dirty="0"/>
+              <a:t>（线程本地对象）</a:t>
+            </a:r>
+            <a:endParaRPr lang="en-US" altLang="zh-CN" dirty="0"/>
+          </a:p>
+          <a:p>
             <a:pPr marL="0" indent="0">
               <a:buNone/>
             </a:pPr>
             <a:r>
+              <a:rPr lang="zh-CN" altLang="en-US" dirty="0"/>
+              <a:t>演示：</a:t>
+            </a:r>
+            <a:r>
+              <a:rPr lang="en-US" altLang="zh-CN" dirty="0"/>
+              <a:t> </a:t>
+            </a:r>
+            <a:r>
               <a:rPr lang="en-US" altLang="zh-CN" dirty="0" err="1"/>
-              <a:t>UnsafeMutableDemo</a:t>
-            </a:r>
+              <a:t>ThreadLocalDemo</a:t>
+            </a:r>
+            <a:endParaRPr lang="en-US" altLang="zh-CN" dirty="0"/>
+          </a:p>
+          <a:p>
+            <a:pPr marL="0" indent="0">
+              <a:buNone/>
+            </a:pPr>
             <a:r>
               <a:rPr lang="zh-CN" altLang="en-US" dirty="0"/>
-              <a:t>、</a:t>
+              <a:t>简易原理：</a:t>
+            </a:r>
+            <a:r>
+              <a:rPr lang="en-US" altLang="zh-CN" dirty="0"/>
+              <a:t>Map&lt;</a:t>
             </a:r>
             <a:r>
               <a:rPr lang="en-US" altLang="zh-CN" dirty="0" err="1"/>
-              <a:t>MutableDemo</a:t>
-            </a:r>
+              <a:t>Thread,Object</a:t>
+            </a:r>
+            <a:r>
+              <a:rPr lang="en-US" altLang="zh-CN" dirty="0"/>
+              <a:t>&gt; </a:t>
+            </a:r>
+          </a:p>
+          <a:p>
+            <a:pPr marL="0" indent="0">
+              <a:buNone/>
+            </a:pPr>
             <a:r>
               <a:rPr lang="zh-CN" altLang="en-US" dirty="0"/>
-              <a:t>、</a:t>
+              <a:t>简易模拟：</a:t>
+            </a:r>
+            <a:r>
+              <a:rPr lang="en-US" altLang="zh-CN" dirty="0"/>
+              <a:t> </a:t>
             </a:r>
             <a:r>
               <a:rPr lang="en-US" altLang="zh-CN" dirty="0" err="1"/>
-              <a:t>ImmutableDemo</a:t>
-            </a:r>
-            <a:endParaRPr lang="en-US" altLang="zh-CN" dirty="0"/>
-          </a:p>
-          <a:p>
-            <a:pPr marL="0" indent="0">
-              <a:buNone/>
-            </a:pPr>
-            <a:endParaRPr lang="en-US" altLang="zh-CN" dirty="0"/>
-          </a:p>
-          <a:p>
+              <a:t>MyThreadLocal</a:t>
+            </a:r>
             <a:r>
               <a:rPr lang="zh-CN" altLang="en-US" dirty="0"/>
-              <a:t>结论：</a:t>
-            </a:r>
-            <a:endParaRPr lang="en-US" altLang="zh-CN" dirty="0"/>
-          </a:p>
-          <a:p>
-            <a:pPr marL="0" indent="0">
-              <a:buNone/>
-            </a:pPr>
-            <a:r>
-              <a:rPr lang="zh-CN" altLang="en-US" dirty="0"/>
-              <a:t>借助</a:t>
-            </a:r>
-            <a:r>
-              <a:rPr lang="en-US" altLang="zh-CN" dirty="0"/>
-              <a:t>volatile</a:t>
-            </a:r>
-            <a:r>
-              <a:rPr lang="zh-CN" altLang="en-US" dirty="0"/>
-              <a:t>不变容器可实现无锁化</a:t>
+              <a:t>，</a:t>
+            </a:r>
+            <a:r>
+              <a:rPr lang="en-US" altLang="zh-CN" dirty="0" err="1"/>
+              <a:t>MyThreadLocalDemo</a:t>
             </a:r>
             <a:endParaRPr lang="en-US" altLang="zh-CN" dirty="0"/>
           </a:p>
@@ -18347,7 +18388,7 @@
     </p:spTree>
     <p:extLst>
       <p:ext uri="{BB962C8B-B14F-4D97-AF65-F5344CB8AC3E}">
-        <p14:creationId xmlns:p14="http://schemas.microsoft.com/office/powerpoint/2010/main" val="3617254777"/>
+        <p14:creationId xmlns:p14="http://schemas.microsoft.com/office/powerpoint/2010/main" val="3528820548"/>
       </p:ext>
     </p:extLst>
   </p:cSld>
@@ -18379,7 +18420,7 @@
           <p:cNvPr id="2" name="标题 1">
             <a:extLst>
               <a:ext uri="{FF2B5EF4-FFF2-40B4-BE49-F238E27FC236}">
-                <a16:creationId xmlns:a16="http://schemas.microsoft.com/office/drawing/2014/main" id="{47DFBBB4-ED41-4D16-A134-7675B2394A41}"/>
+                <a16:creationId xmlns:a16="http://schemas.microsoft.com/office/drawing/2014/main" id="{86C8203E-85E0-4723-8D0D-838C9A42B886}"/>
               </a:ext>
             </a:extLst>
           </p:cNvPr>
@@ -18397,7 +18438,7 @@
           <a:p>
             <a:r>
               <a:rPr lang="zh-CN" altLang="en-US" dirty="0"/>
-              <a:t>判断题</a:t>
+              <a:t>不变性</a:t>
             </a:r>
           </a:p>
         </p:txBody>
@@ -18407,7 +18448,7 @@
           <p:cNvPr id="3" name="内容占位符 2">
             <a:extLst>
               <a:ext uri="{FF2B5EF4-FFF2-40B4-BE49-F238E27FC236}">
-                <a16:creationId xmlns:a16="http://schemas.microsoft.com/office/drawing/2014/main" id="{5809F030-9203-4212-B057-DEB29C8719EE}"/>
+                <a16:creationId xmlns:a16="http://schemas.microsoft.com/office/drawing/2014/main" id="{B9ACAEAA-3D26-4A0B-91C4-F99F36A0BAB8}"/>
               </a:ext>
             </a:extLst>
           </p:cNvPr>
@@ -18420,45 +18461,87 @@
         </p:nvSpPr>
         <p:spPr/>
         <p:txBody>
-          <a:bodyPr/>
-          <a:lstStyle/>
+          <a:bodyPr>
+            <a:normAutofit/>
+          </a:bodyPr>
+          <a:lstStyle/>
+          <a:p>
+            <a:r>
+              <a:rPr lang="zh-CN" altLang="en-US" dirty="0"/>
+              <a:t>不可变对象是线程安全的，因为其他线程无法窜改。</a:t>
+            </a:r>
+            <a:endParaRPr lang="en-US" altLang="zh-CN" dirty="0"/>
+          </a:p>
+          <a:p>
+            <a:r>
+              <a:rPr lang="zh-CN" altLang="en-US" dirty="0"/>
+              <a:t>演示：</a:t>
+            </a:r>
+            <a:endParaRPr lang="en-US" altLang="zh-CN" dirty="0"/>
+          </a:p>
           <a:p>
             <a:pPr marL="0" indent="0">
               <a:buNone/>
             </a:pPr>
             <a:r>
+              <a:rPr lang="en-US" altLang="zh-CN" dirty="0" err="1"/>
+              <a:t>UnsafeMutableDemo</a:t>
+            </a:r>
+            <a:r>
               <a:rPr lang="zh-CN" altLang="en-US" dirty="0"/>
-              <a:t>是否线程安全？</a:t>
+              <a:t>、</a:t>
+            </a:r>
+            <a:r>
+              <a:rPr lang="en-US" altLang="zh-CN" dirty="0" err="1"/>
+              <a:t>MutableDemo</a:t>
+            </a:r>
+            <a:r>
+              <a:rPr lang="zh-CN" altLang="en-US" dirty="0"/>
+              <a:t>、</a:t>
+            </a:r>
+            <a:r>
+              <a:rPr lang="en-US" altLang="zh-CN" dirty="0" err="1"/>
+              <a:t>ImmutableDemo</a:t>
             </a:r>
             <a:endParaRPr lang="en-US" altLang="zh-CN" dirty="0"/>
           </a:p>
           <a:p>
-            <a:r>
-              <a:rPr lang="en-US" altLang="zh-CN" dirty="0" err="1"/>
-              <a:t>RaceConditionDemo</a:t>
-            </a:r>
+            <a:pPr marL="0" indent="0">
+              <a:buNone/>
+            </a:pPr>
             <a:endParaRPr lang="en-US" altLang="zh-CN" dirty="0"/>
           </a:p>
           <a:p>
             <a:r>
-              <a:rPr lang="en-US" altLang="zh-CN" dirty="0" err="1"/>
-              <a:t>NarrowAtomicScopeDemo</a:t>
+              <a:rPr lang="zh-CN" altLang="en-US" dirty="0"/>
+              <a:t>结论：</a:t>
             </a:r>
             <a:endParaRPr lang="en-US" altLang="zh-CN" dirty="0"/>
           </a:p>
           <a:p>
-            <a:r>
-              <a:rPr lang="en-US" altLang="zh-CN" dirty="0" err="1"/>
-              <a:t>LocalPrimitiveDemo</a:t>
-            </a:r>
-            <a:endParaRPr lang="zh-CN" altLang="en-US" dirty="0"/>
+            <a:pPr marL="0" indent="0">
+              <a:buNone/>
+            </a:pPr>
+            <a:r>
+              <a:rPr lang="zh-CN" altLang="en-US" dirty="0"/>
+              <a:t>借助</a:t>
+            </a:r>
+            <a:r>
+              <a:rPr lang="en-US" altLang="zh-CN" dirty="0"/>
+              <a:t>volatile</a:t>
+            </a:r>
+            <a:r>
+              <a:rPr lang="zh-CN" altLang="en-US" dirty="0"/>
+              <a:t>不变容器可实现无锁化</a:t>
+            </a:r>
+            <a:endParaRPr lang="en-US" altLang="zh-CN" dirty="0"/>
           </a:p>
         </p:txBody>
       </p:sp>
     </p:spTree>
     <p:extLst>
       <p:ext uri="{BB962C8B-B14F-4D97-AF65-F5344CB8AC3E}">
-        <p14:creationId xmlns:p14="http://schemas.microsoft.com/office/powerpoint/2010/main" val="3135250068"/>
+        <p14:creationId xmlns:p14="http://schemas.microsoft.com/office/powerpoint/2010/main" val="3617254777"/>
       </p:ext>
     </p:extLst>
   </p:cSld>

--- a/JAVA并发编程.pptx
+++ b/JAVA并发编程.pptx
@@ -13654,7 +13654,7 @@
           </a:p>
           <a:p>
             <a:r>
-              <a:rPr lang="zh-CN" altLang="en-US"/>
+              <a:rPr lang="zh-CN" altLang="en-US" dirty="0"/>
               <a:t>能够辨别出线程不安全的代码</a:t>
             </a:r>
             <a:endParaRPr lang="en-US" altLang="zh-CN" dirty="0"/>

--- a/JAVA并发编程.pptx
+++ b/JAVA并发编程.pptx
@@ -7,7 +7,7 @@
     <p:sldMasterId id="2147483939" r:id="rId3"/>
   </p:sldMasterIdLst>
   <p:notesMasterIdLst>
-    <p:notesMasterId r:id="rId41"/>
+    <p:notesMasterId r:id="rId46"/>
   </p:notesMasterIdLst>
   <p:sldIdLst>
     <p:sldId id="256" r:id="rId4"/>
@@ -23,30 +23,35 @@
     <p:sldId id="283" r:id="rId14"/>
     <p:sldId id="263" r:id="rId15"/>
     <p:sldId id="266" r:id="rId16"/>
-    <p:sldId id="264" r:id="rId17"/>
-    <p:sldId id="267" r:id="rId18"/>
-    <p:sldId id="296" r:id="rId19"/>
-    <p:sldId id="268" r:id="rId20"/>
-    <p:sldId id="270" r:id="rId21"/>
-    <p:sldId id="275" r:id="rId22"/>
-    <p:sldId id="274" r:id="rId23"/>
-    <p:sldId id="277" r:id="rId24"/>
-    <p:sldId id="300" r:id="rId25"/>
-    <p:sldId id="279" r:id="rId26"/>
-    <p:sldId id="281" r:id="rId27"/>
-    <p:sldId id="280" r:id="rId28"/>
-    <p:sldId id="284" r:id="rId29"/>
-    <p:sldId id="285" r:id="rId30"/>
-    <p:sldId id="287" r:id="rId31"/>
-    <p:sldId id="288" r:id="rId32"/>
-    <p:sldId id="289" r:id="rId33"/>
-    <p:sldId id="290" r:id="rId34"/>
-    <p:sldId id="299" r:id="rId35"/>
-    <p:sldId id="291" r:id="rId36"/>
-    <p:sldId id="292" r:id="rId37"/>
-    <p:sldId id="293" r:id="rId38"/>
-    <p:sldId id="294" r:id="rId39"/>
-    <p:sldId id="295" r:id="rId40"/>
+    <p:sldId id="296" r:id="rId17"/>
+    <p:sldId id="308" r:id="rId18"/>
+    <p:sldId id="304" r:id="rId19"/>
+    <p:sldId id="306" r:id="rId20"/>
+    <p:sldId id="264" r:id="rId21"/>
+    <p:sldId id="268" r:id="rId22"/>
+    <p:sldId id="307" r:id="rId23"/>
+    <p:sldId id="267" r:id="rId24"/>
+    <p:sldId id="270" r:id="rId25"/>
+    <p:sldId id="275" r:id="rId26"/>
+    <p:sldId id="274" r:id="rId27"/>
+    <p:sldId id="277" r:id="rId28"/>
+    <p:sldId id="300" r:id="rId29"/>
+    <p:sldId id="279" r:id="rId30"/>
+    <p:sldId id="281" r:id="rId31"/>
+    <p:sldId id="280" r:id="rId32"/>
+    <p:sldId id="284" r:id="rId33"/>
+    <p:sldId id="285" r:id="rId34"/>
+    <p:sldId id="287" r:id="rId35"/>
+    <p:sldId id="288" r:id="rId36"/>
+    <p:sldId id="289" r:id="rId37"/>
+    <p:sldId id="290" r:id="rId38"/>
+    <p:sldId id="299" r:id="rId39"/>
+    <p:sldId id="291" r:id="rId40"/>
+    <p:sldId id="292" r:id="rId41"/>
+    <p:sldId id="293" r:id="rId42"/>
+    <p:sldId id="294" r:id="rId43"/>
+    <p:sldId id="295" r:id="rId44"/>
+    <p:sldId id="302" r:id="rId45"/>
   </p:sldIdLst>
   <p:sldSz cx="12192000" cy="6858000"/>
   <p:notesSz cx="6858000" cy="9144000"/>
@@ -258,7 +263,7 @@
           <a:p>
             <a:fld id="{EA264B38-6F7B-44DA-9118-FA0766D896D2}" type="datetimeFigureOut">
               <a:rPr lang="zh-CN" altLang="en-US" smtClean="0"/>
-              <a:t>2018/8/9</a:t>
+              <a:t>2018/8/10</a:t>
             </a:fld>
             <a:endParaRPr lang="zh-CN" altLang="en-US"/>
           </a:p>
@@ -674,7 +679,7 @@
           <a:p>
             <a:fld id="{6BF73E33-EE5A-4E4F-B480-BA03FA448F43}" type="slidenum">
               <a:rPr lang="zh-CN" altLang="en-US" smtClean="0"/>
-              <a:t>14</a:t>
+              <a:t>18</a:t>
             </a:fld>
             <a:endParaRPr lang="zh-CN" altLang="en-US"/>
           </a:p>
@@ -835,7 +840,7 @@
           <a:p>
             <a:fld id="{C7DE3245-AFA4-488B-9D03-49FA6ABE44D9}" type="datetimeFigureOut">
               <a:rPr lang="zh-CN" altLang="en-US" smtClean="0"/>
-              <a:t>2018/8/9</a:t>
+              <a:t>2018/8/10</a:t>
             </a:fld>
             <a:endParaRPr lang="zh-CN" altLang="en-US"/>
           </a:p>
@@ -1005,7 +1010,7 @@
           <a:p>
             <a:fld id="{C7DE3245-AFA4-488B-9D03-49FA6ABE44D9}" type="datetimeFigureOut">
               <a:rPr lang="zh-CN" altLang="en-US" smtClean="0"/>
-              <a:t>2018/8/9</a:t>
+              <a:t>2018/8/10</a:t>
             </a:fld>
             <a:endParaRPr lang="zh-CN" altLang="en-US"/>
           </a:p>
@@ -1185,7 +1190,7 @@
           <a:p>
             <a:fld id="{C7DE3245-AFA4-488B-9D03-49FA6ABE44D9}" type="datetimeFigureOut">
               <a:rPr lang="zh-CN" altLang="en-US" smtClean="0"/>
-              <a:t>2018/8/9</a:t>
+              <a:t>2018/8/10</a:t>
             </a:fld>
             <a:endParaRPr lang="zh-CN" altLang="en-US"/>
           </a:p>
@@ -1388,7 +1393,7 @@
           <a:p>
             <a:fld id="{C7DE3245-AFA4-488B-9D03-49FA6ABE44D9}" type="datetimeFigureOut">
               <a:rPr lang="zh-CN" altLang="en-US" smtClean="0"/>
-              <a:t>2018/8/9</a:t>
+              <a:t>2018/8/10</a:t>
             </a:fld>
             <a:endParaRPr lang="zh-CN" altLang="en-US"/>
           </a:p>
@@ -1558,7 +1563,7 @@
           <a:p>
             <a:fld id="{C7DE3245-AFA4-488B-9D03-49FA6ABE44D9}" type="datetimeFigureOut">
               <a:rPr lang="zh-CN" altLang="en-US" smtClean="0"/>
-              <a:t>2018/8/9</a:t>
+              <a:t>2018/8/10</a:t>
             </a:fld>
             <a:endParaRPr lang="zh-CN" altLang="en-US"/>
           </a:p>
@@ -1809,7 +1814,7 @@
           <a:p>
             <a:fld id="{C7DE3245-AFA4-488B-9D03-49FA6ABE44D9}" type="datetimeFigureOut">
               <a:rPr lang="zh-CN" altLang="en-US" smtClean="0"/>
-              <a:t>2018/8/9</a:t>
+              <a:t>2018/8/10</a:t>
             </a:fld>
             <a:endParaRPr lang="zh-CN" altLang="en-US"/>
           </a:p>
@@ -2041,7 +2046,7 @@
           <a:p>
             <a:fld id="{C7DE3245-AFA4-488B-9D03-49FA6ABE44D9}" type="datetimeFigureOut">
               <a:rPr lang="zh-CN" altLang="en-US" smtClean="0"/>
-              <a:t>2018/8/9</a:t>
+              <a:t>2018/8/10</a:t>
             </a:fld>
             <a:endParaRPr lang="zh-CN" altLang="en-US"/>
           </a:p>
@@ -2388,7 +2393,7 @@
           <a:p>
             <a:fld id="{C7DE3245-AFA4-488B-9D03-49FA6ABE44D9}" type="datetimeFigureOut">
               <a:rPr lang="zh-CN" altLang="en-US" smtClean="0"/>
-              <a:t>2018/8/9</a:t>
+              <a:t>2018/8/10</a:t>
             </a:fld>
             <a:endParaRPr lang="zh-CN" altLang="en-US"/>
           </a:p>
@@ -2506,7 +2511,7 @@
           <a:p>
             <a:fld id="{C7DE3245-AFA4-488B-9D03-49FA6ABE44D9}" type="datetimeFigureOut">
               <a:rPr lang="zh-CN" altLang="en-US" smtClean="0"/>
-              <a:t>2018/8/9</a:t>
+              <a:t>2018/8/10</a:t>
             </a:fld>
             <a:endParaRPr lang="zh-CN" altLang="en-US"/>
           </a:p>
@@ -2624,7 +2629,7 @@
           <a:p>
             <a:fld id="{C7DE3245-AFA4-488B-9D03-49FA6ABE44D9}" type="datetimeFigureOut">
               <a:rPr lang="zh-CN" altLang="en-US" smtClean="0"/>
-              <a:t>2018/8/9</a:t>
+              <a:t>2018/8/10</a:t>
             </a:fld>
             <a:endParaRPr lang="zh-CN" altLang="en-US"/>
           </a:p>
@@ -2908,7 +2913,7 @@
           <a:p>
             <a:fld id="{C7DE3245-AFA4-488B-9D03-49FA6ABE44D9}" type="datetimeFigureOut">
               <a:rPr lang="zh-CN" altLang="en-US" smtClean="0"/>
-              <a:t>2018/8/9</a:t>
+              <a:t>2018/8/10</a:t>
             </a:fld>
             <a:endParaRPr lang="zh-CN" altLang="en-US"/>
           </a:p>
@@ -3078,7 +3083,7 @@
           <a:p>
             <a:fld id="{C7DE3245-AFA4-488B-9D03-49FA6ABE44D9}" type="datetimeFigureOut">
               <a:rPr lang="zh-CN" altLang="en-US" smtClean="0"/>
-              <a:t>2018/8/9</a:t>
+              <a:t>2018/8/10</a:t>
             </a:fld>
             <a:endParaRPr lang="zh-CN" altLang="en-US"/>
           </a:p>
@@ -3342,7 +3347,7 @@
           <a:p>
             <a:fld id="{C7DE3245-AFA4-488B-9D03-49FA6ABE44D9}" type="datetimeFigureOut">
               <a:rPr lang="zh-CN" altLang="en-US" smtClean="0"/>
-              <a:t>2018/8/9</a:t>
+              <a:t>2018/8/10</a:t>
             </a:fld>
             <a:endParaRPr lang="zh-CN" altLang="en-US"/>
           </a:p>
@@ -3512,7 +3517,7 @@
           <a:p>
             <a:fld id="{C7DE3245-AFA4-488B-9D03-49FA6ABE44D9}" type="datetimeFigureOut">
               <a:rPr lang="zh-CN" altLang="en-US" smtClean="0"/>
-              <a:t>2018/8/9</a:t>
+              <a:t>2018/8/10</a:t>
             </a:fld>
             <a:endParaRPr lang="zh-CN" altLang="en-US"/>
           </a:p>
@@ -3692,7 +3697,7 @@
           <a:p>
             <a:fld id="{C7DE3245-AFA4-488B-9D03-49FA6ABE44D9}" type="datetimeFigureOut">
               <a:rPr lang="zh-CN" altLang="en-US" smtClean="0"/>
-              <a:t>2018/8/9</a:t>
+              <a:t>2018/8/10</a:t>
             </a:fld>
             <a:endParaRPr lang="zh-CN" altLang="en-US"/>
           </a:p>
@@ -3923,7 +3928,7 @@
           <a:p>
             <a:fld id="{C7DE3245-AFA4-488B-9D03-49FA6ABE44D9}" type="datetimeFigureOut">
               <a:rPr lang="zh-CN" altLang="en-US" smtClean="0"/>
-              <a:t>2018/8/9</a:t>
+              <a:t>2018/8/10</a:t>
             </a:fld>
             <a:endParaRPr lang="zh-CN" altLang="en-US"/>
           </a:p>
@@ -4103,7 +4108,7 @@
           <a:p>
             <a:fld id="{C7DE3245-AFA4-488B-9D03-49FA6ABE44D9}" type="datetimeFigureOut">
               <a:rPr lang="zh-CN" altLang="en-US" smtClean="0"/>
-              <a:t>2018/8/9</a:t>
+              <a:t>2018/8/10</a:t>
             </a:fld>
             <a:endParaRPr lang="zh-CN" altLang="en-US"/>
           </a:p>
@@ -4392,7 +4397,7 @@
           <a:p>
             <a:fld id="{C7DE3245-AFA4-488B-9D03-49FA6ABE44D9}" type="datetimeFigureOut">
               <a:rPr lang="zh-CN" altLang="en-US" smtClean="0"/>
-              <a:t>2018/8/9</a:t>
+              <a:t>2018/8/10</a:t>
             </a:fld>
             <a:endParaRPr lang="zh-CN" altLang="en-US"/>
           </a:p>
@@ -4634,7 +4639,7 @@
           <a:p>
             <a:fld id="{C7DE3245-AFA4-488B-9D03-49FA6ABE44D9}" type="datetimeFigureOut">
               <a:rPr lang="zh-CN" altLang="en-US" smtClean="0"/>
-              <a:t>2018/8/9</a:t>
+              <a:t>2018/8/10</a:t>
             </a:fld>
             <a:endParaRPr lang="zh-CN" altLang="en-US"/>
           </a:p>
@@ -5013,7 +5018,7 @@
           <a:p>
             <a:fld id="{C7DE3245-AFA4-488B-9D03-49FA6ABE44D9}" type="datetimeFigureOut">
               <a:rPr lang="zh-CN" altLang="en-US" smtClean="0"/>
-              <a:t>2018/8/9</a:t>
+              <a:t>2018/8/10</a:t>
             </a:fld>
             <a:endParaRPr lang="zh-CN" altLang="en-US"/>
           </a:p>
@@ -5131,7 +5136,7 @@
           <a:p>
             <a:fld id="{C7DE3245-AFA4-488B-9D03-49FA6ABE44D9}" type="datetimeFigureOut">
               <a:rPr lang="zh-CN" altLang="en-US" smtClean="0"/>
-              <a:t>2018/8/9</a:t>
+              <a:t>2018/8/10</a:t>
             </a:fld>
             <a:endParaRPr lang="zh-CN" altLang="en-US"/>
           </a:p>
@@ -5226,7 +5231,7 @@
           <a:p>
             <a:fld id="{C7DE3245-AFA4-488B-9D03-49FA6ABE44D9}" type="datetimeFigureOut">
               <a:rPr lang="zh-CN" altLang="en-US" smtClean="0"/>
-              <a:t>2018/8/9</a:t>
+              <a:t>2018/8/10</a:t>
             </a:fld>
             <a:endParaRPr lang="zh-CN" altLang="en-US"/>
           </a:p>
@@ -5477,7 +5482,7 @@
           <a:p>
             <a:fld id="{C7DE3245-AFA4-488B-9D03-49FA6ABE44D9}" type="datetimeFigureOut">
               <a:rPr lang="zh-CN" altLang="en-US" smtClean="0"/>
-              <a:t>2018/8/9</a:t>
+              <a:t>2018/8/10</a:t>
             </a:fld>
             <a:endParaRPr lang="zh-CN" altLang="en-US"/>
           </a:p>
@@ -5726,7 +5731,7 @@
           <a:p>
             <a:fld id="{C7DE3245-AFA4-488B-9D03-49FA6ABE44D9}" type="datetimeFigureOut">
               <a:rPr lang="zh-CN" altLang="en-US" smtClean="0"/>
-              <a:t>2018/8/9</a:t>
+              <a:t>2018/8/10</a:t>
             </a:fld>
             <a:endParaRPr lang="zh-CN" altLang="en-US"/>
           </a:p>
@@ -5983,7 +5988,7 @@
           <a:p>
             <a:fld id="{C7DE3245-AFA4-488B-9D03-49FA6ABE44D9}" type="datetimeFigureOut">
               <a:rPr lang="zh-CN" altLang="en-US" smtClean="0"/>
-              <a:t>2018/8/9</a:t>
+              <a:t>2018/8/10</a:t>
             </a:fld>
             <a:endParaRPr lang="zh-CN" altLang="en-US"/>
           </a:p>
@@ -6240,7 +6245,7 @@
           <a:p>
             <a:fld id="{C7DE3245-AFA4-488B-9D03-49FA6ABE44D9}" type="datetimeFigureOut">
               <a:rPr lang="zh-CN" altLang="en-US" smtClean="0"/>
-              <a:t>2018/8/9</a:t>
+              <a:t>2018/8/10</a:t>
             </a:fld>
             <a:endParaRPr lang="zh-CN" altLang="en-US"/>
           </a:p>
@@ -6471,7 +6476,7 @@
           <a:p>
             <a:fld id="{C7DE3245-AFA4-488B-9D03-49FA6ABE44D9}" type="datetimeFigureOut">
               <a:rPr lang="zh-CN" altLang="en-US" smtClean="0"/>
-              <a:t>2018/8/9</a:t>
+              <a:t>2018/8/10</a:t>
             </a:fld>
             <a:endParaRPr lang="zh-CN" altLang="en-US"/>
           </a:p>
@@ -6781,7 +6786,7 @@
           <a:p>
             <a:fld id="{C7DE3245-AFA4-488B-9D03-49FA6ABE44D9}" type="datetimeFigureOut">
               <a:rPr lang="zh-CN" altLang="en-US" smtClean="0"/>
-              <a:t>2018/8/9</a:t>
+              <a:t>2018/8/10</a:t>
             </a:fld>
             <a:endParaRPr lang="zh-CN" altLang="en-US"/>
           </a:p>
@@ -7254,7 +7259,7 @@
           <a:p>
             <a:fld id="{C7DE3245-AFA4-488B-9D03-49FA6ABE44D9}" type="datetimeFigureOut">
               <a:rPr lang="zh-CN" altLang="en-US" smtClean="0"/>
-              <a:t>2018/8/9</a:t>
+              <a:t>2018/8/10</a:t>
             </a:fld>
             <a:endParaRPr lang="zh-CN" altLang="en-US"/>
           </a:p>
@@ -7801,7 +7806,7 @@
           <a:p>
             <a:fld id="{C7DE3245-AFA4-488B-9D03-49FA6ABE44D9}" type="datetimeFigureOut">
               <a:rPr lang="zh-CN" altLang="en-US" smtClean="0"/>
-              <a:t>2018/8/9</a:t>
+              <a:t>2018/8/10</a:t>
             </a:fld>
             <a:endParaRPr lang="zh-CN" altLang="en-US"/>
           </a:p>
@@ -8575,7 +8580,7 @@
           <a:p>
             <a:fld id="{C7DE3245-AFA4-488B-9D03-49FA6ABE44D9}" type="datetimeFigureOut">
               <a:rPr lang="zh-CN" altLang="en-US" smtClean="0"/>
-              <a:t>2018/8/9</a:t>
+              <a:t>2018/8/10</a:t>
             </a:fld>
             <a:endParaRPr lang="zh-CN" altLang="en-US"/>
           </a:p>
@@ -8750,7 +8755,7 @@
           <a:p>
             <a:fld id="{C7DE3245-AFA4-488B-9D03-49FA6ABE44D9}" type="datetimeFigureOut">
               <a:rPr lang="zh-CN" altLang="en-US" smtClean="0"/>
-              <a:t>2018/8/9</a:t>
+              <a:t>2018/8/10</a:t>
             </a:fld>
             <a:endParaRPr lang="zh-CN" altLang="en-US"/>
           </a:p>
@@ -8973,7 +8978,7 @@
           <a:p>
             <a:fld id="{C7DE3245-AFA4-488B-9D03-49FA6ABE44D9}" type="datetimeFigureOut">
               <a:rPr lang="zh-CN" altLang="en-US" smtClean="0"/>
-              <a:t>2018/8/9</a:t>
+              <a:t>2018/8/10</a:t>
             </a:fld>
             <a:endParaRPr lang="zh-CN" altLang="en-US"/>
           </a:p>
@@ -9215,7 +9220,7 @@
           <a:p>
             <a:fld id="{C7DE3245-AFA4-488B-9D03-49FA6ABE44D9}" type="datetimeFigureOut">
               <a:rPr lang="zh-CN" altLang="en-US" smtClean="0"/>
-              <a:t>2018/8/9</a:t>
+              <a:t>2018/8/10</a:t>
             </a:fld>
             <a:endParaRPr lang="zh-CN" altLang="en-US"/>
           </a:p>
@@ -9562,7 +9567,7 @@
           <a:p>
             <a:fld id="{C7DE3245-AFA4-488B-9D03-49FA6ABE44D9}" type="datetimeFigureOut">
               <a:rPr lang="zh-CN" altLang="en-US" smtClean="0"/>
-              <a:t>2018/8/9</a:t>
+              <a:t>2018/8/10</a:t>
             </a:fld>
             <a:endParaRPr lang="zh-CN" altLang="en-US"/>
           </a:p>
@@ -9680,7 +9685,7 @@
           <a:p>
             <a:fld id="{C7DE3245-AFA4-488B-9D03-49FA6ABE44D9}" type="datetimeFigureOut">
               <a:rPr lang="zh-CN" altLang="en-US" smtClean="0"/>
-              <a:t>2018/8/9</a:t>
+              <a:t>2018/8/10</a:t>
             </a:fld>
             <a:endParaRPr lang="zh-CN" altLang="en-US"/>
           </a:p>
@@ -9798,7 +9803,7 @@
           <a:p>
             <a:fld id="{C7DE3245-AFA4-488B-9D03-49FA6ABE44D9}" type="datetimeFigureOut">
               <a:rPr lang="zh-CN" altLang="en-US" smtClean="0"/>
-              <a:t>2018/8/9</a:t>
+              <a:t>2018/8/10</a:t>
             </a:fld>
             <a:endParaRPr lang="zh-CN" altLang="en-US"/>
           </a:p>
@@ -10082,7 +10087,7 @@
           <a:p>
             <a:fld id="{C7DE3245-AFA4-488B-9D03-49FA6ABE44D9}" type="datetimeFigureOut">
               <a:rPr lang="zh-CN" altLang="en-US" smtClean="0"/>
-              <a:t>2018/8/9</a:t>
+              <a:t>2018/8/10</a:t>
             </a:fld>
             <a:endParaRPr lang="zh-CN" altLang="en-US"/>
           </a:p>
@@ -10346,7 +10351,7 @@
           <a:p>
             <a:fld id="{C7DE3245-AFA4-488B-9D03-49FA6ABE44D9}" type="datetimeFigureOut">
               <a:rPr lang="zh-CN" altLang="en-US" smtClean="0"/>
-              <a:t>2018/8/9</a:t>
+              <a:t>2018/8/10</a:t>
             </a:fld>
             <a:endParaRPr lang="zh-CN" altLang="en-US"/>
           </a:p>
@@ -10560,7 +10565,7 @@
           <a:p>
             <a:fld id="{C7DE3245-AFA4-488B-9D03-49FA6ABE44D9}" type="datetimeFigureOut">
               <a:rPr lang="zh-CN" altLang="en-US" smtClean="0"/>
-              <a:t>2018/8/9</a:t>
+              <a:t>2018/8/10</a:t>
             </a:fld>
             <a:endParaRPr lang="zh-CN" altLang="en-US"/>
           </a:p>
@@ -11090,7 +11095,7 @@
           <a:p>
             <a:fld id="{C7DE3245-AFA4-488B-9D03-49FA6ABE44D9}" type="datetimeFigureOut">
               <a:rPr lang="zh-CN" altLang="en-US" smtClean="0"/>
-              <a:t>2018/8/9</a:t>
+              <a:t>2018/8/10</a:t>
             </a:fld>
             <a:endParaRPr lang="zh-CN" altLang="en-US"/>
           </a:p>
@@ -11649,7 +11654,7 @@
           <a:p>
             <a:fld id="{C7DE3245-AFA4-488B-9D03-49FA6ABE44D9}" type="datetimeFigureOut">
               <a:rPr lang="zh-CN" altLang="en-US" smtClean="0"/>
-              <a:t>2018/8/9</a:t>
+              <a:t>2018/8/10</a:t>
             </a:fld>
             <a:endParaRPr lang="zh-CN" altLang="en-US"/>
           </a:p>
@@ -12545,7 +12550,7 @@
           <p:cNvPr id="2" name="标题 1">
             <a:extLst>
               <a:ext uri="{FF2B5EF4-FFF2-40B4-BE49-F238E27FC236}">
-                <a16:creationId xmlns:a16="http://schemas.microsoft.com/office/drawing/2014/main" id="{1B055502-C736-4334-BEA0-B4A79C849B0C}"/>
+                <a16:creationId xmlns:a16="http://schemas.microsoft.com/office/drawing/2014/main" id="{6F26562C-CCD9-4519-A8EA-48472B99229D}"/>
               </a:ext>
             </a:extLst>
           </p:cNvPr>
@@ -12563,21 +12568,102 @@
           <a:p>
             <a:r>
               <a:rPr lang="en-US" altLang="zh-CN" dirty="0"/>
-              <a:t>Java</a:t>
+              <a:t>JVM</a:t>
             </a:r>
             <a:r>
               <a:rPr lang="zh-CN" altLang="en-US" dirty="0"/>
-              <a:t>内存模型</a:t>
-            </a:r>
+              <a:t>内存结构</a:t>
+            </a:r>
+          </a:p>
+        </p:txBody>
+      </p:sp>
+      <p:sp>
+        <p:nvSpPr>
+          <p:cNvPr id="5" name="文本框 4">
+            <a:extLst>
+              <a:ext uri="{FF2B5EF4-FFF2-40B4-BE49-F238E27FC236}">
+                <a16:creationId xmlns:a16="http://schemas.microsoft.com/office/drawing/2014/main" id="{7FBC87AD-0CFE-4350-820B-79EEBDB70D73}"/>
+              </a:ext>
+            </a:extLst>
+          </p:cNvPr>
+          <p:cNvSpPr txBox="1"/>
+          <p:nvPr/>
+        </p:nvSpPr>
+        <p:spPr>
+          <a:xfrm>
+            <a:off x="952901" y="2098306"/>
+            <a:ext cx="3272590" cy="3785652"/>
+          </a:xfrm>
+          <a:prstGeom prst="rect">
+            <a:avLst/>
+          </a:prstGeom>
+          <a:noFill/>
+        </p:spPr>
+        <p:txBody>
+          <a:bodyPr wrap="square" rtlCol="0">
+            <a:spAutoFit/>
+          </a:bodyPr>
+          <a:lstStyle/>
+          <a:p>
+            <a:pPr marL="285750" indent="-285750">
+              <a:buFont typeface="Arial" panose="020B0604020202020204" pitchFamily="34" charset="0"/>
+              <a:buChar char="•"/>
+            </a:pPr>
+            <a:r>
+              <a:rPr lang="zh-CN" altLang="en-US" sz="2400" dirty="0"/>
+              <a:t>堆：为共享，对象</a:t>
+            </a:r>
+            <a:r>
+              <a:rPr lang="en-US" altLang="zh-CN" sz="2400" dirty="0"/>
+              <a:t>new</a:t>
+            </a:r>
+            <a:r>
+              <a:rPr lang="zh-CN" altLang="en-US" sz="2400" dirty="0"/>
+              <a:t>在堆上</a:t>
+            </a:r>
+            <a:endParaRPr lang="en-US" altLang="zh-CN" sz="2400" dirty="0"/>
+          </a:p>
+          <a:p>
+            <a:pPr marL="285750" indent="-285750">
+              <a:buFont typeface="Arial" panose="020B0604020202020204" pitchFamily="34" charset="0"/>
+              <a:buChar char="•"/>
+            </a:pPr>
+            <a:r>
+              <a:rPr lang="zh-CN" altLang="en-US" sz="2400" dirty="0"/>
+              <a:t>栈：基本变量和局部变量，每个线程对应一个栈，方法在栈中执行</a:t>
+            </a:r>
+            <a:endParaRPr lang="en-US" altLang="zh-CN" sz="2400" dirty="0"/>
+          </a:p>
+          <a:p>
+            <a:pPr marL="285750" indent="-285750">
+              <a:buFont typeface="Arial" panose="020B0604020202020204" pitchFamily="34" charset="0"/>
+              <a:buChar char="•"/>
+            </a:pPr>
+            <a:r>
+              <a:rPr lang="zh-CN" altLang="en-US" sz="2400" dirty="0"/>
+              <a:t>程序计数器：指令行号</a:t>
+            </a:r>
+            <a:endParaRPr lang="en-US" altLang="zh-CN" sz="2400" dirty="0"/>
+          </a:p>
+          <a:p>
+            <a:pPr marL="285750" indent="-285750">
+              <a:buFont typeface="Arial" panose="020B0604020202020204" pitchFamily="34" charset="0"/>
+              <a:buChar char="•"/>
+            </a:pPr>
+            <a:r>
+              <a:rPr lang="zh-CN" altLang="en-US" sz="2400" dirty="0"/>
+              <a:t>方法区：类信息，常量池</a:t>
+            </a:r>
+            <a:endParaRPr lang="en-US" altLang="zh-CN" sz="2400" dirty="0"/>
           </a:p>
         </p:txBody>
       </p:sp>
       <p:pic>
         <p:nvPicPr>
-          <p:cNvPr id="13" name="内容占位符 12">
+          <p:cNvPr id="9" name="内容占位符 8">
             <a:extLst>
               <a:ext uri="{FF2B5EF4-FFF2-40B4-BE49-F238E27FC236}">
-                <a16:creationId xmlns:a16="http://schemas.microsoft.com/office/drawing/2014/main" id="{CD4B6CA4-2422-473B-A129-15E44D965C89}"/>
+                <a16:creationId xmlns:a16="http://schemas.microsoft.com/office/drawing/2014/main" id="{77A76366-3AD0-405D-AA4D-629DA5D0AC20}"/>
               </a:ext>
             </a:extLst>
           </p:cNvPr>
@@ -12589,207 +12675,25 @@
           </p:nvPr>
         </p:nvPicPr>
         <p:blipFill>
-          <a:blip r:embed="rId3"/>
+          <a:blip r:embed="rId2"/>
           <a:stretch>
             <a:fillRect/>
           </a:stretch>
         </p:blipFill>
         <p:spPr>
           <a:xfrm>
-            <a:off x="5331927" y="1811648"/>
-            <a:ext cx="5695950" cy="3800475"/>
+            <a:off x="4374578" y="2069314"/>
+            <a:ext cx="7354122" cy="4024313"/>
           </a:xfrm>
           <a:prstGeom prst="rect">
             <a:avLst/>
           </a:prstGeom>
         </p:spPr>
       </p:pic>
-      <p:sp>
-        <p:nvSpPr>
-          <p:cNvPr id="8" name="文本框 7">
-            <a:extLst>
-              <a:ext uri="{FF2B5EF4-FFF2-40B4-BE49-F238E27FC236}">
-                <a16:creationId xmlns:a16="http://schemas.microsoft.com/office/drawing/2014/main" id="{F2B8B8BA-42A7-43A6-85B4-44546AE50811}"/>
-              </a:ext>
-            </a:extLst>
-          </p:cNvPr>
-          <p:cNvSpPr txBox="1"/>
-          <p:nvPr/>
-        </p:nvSpPr>
-        <p:spPr>
-          <a:xfrm>
-            <a:off x="964096" y="1580321"/>
-            <a:ext cx="3889509" cy="4524315"/>
-          </a:xfrm>
-          <a:prstGeom prst="rect">
-            <a:avLst/>
-          </a:prstGeom>
-          <a:noFill/>
-        </p:spPr>
-        <p:txBody>
-          <a:bodyPr wrap="square" rtlCol="0">
-            <a:spAutoFit/>
-          </a:bodyPr>
-          <a:lstStyle/>
-          <a:p>
-            <a:r>
-              <a:rPr lang="en-US" altLang="zh-CN" dirty="0"/>
-              <a:t>Java</a:t>
-            </a:r>
-            <a:r>
-              <a:rPr lang="zh-CN" altLang="en-US" dirty="0"/>
-              <a:t>内存抽象为两种：</a:t>
-            </a:r>
-            <a:endParaRPr lang="en-US" altLang="zh-CN" dirty="0"/>
-          </a:p>
-          <a:p>
-            <a:r>
-              <a:rPr lang="zh-CN" altLang="en-US" dirty="0"/>
-              <a:t>一种为工作内存，线程私有，每个线程只能跟自己的工作内存交互</a:t>
-            </a:r>
-            <a:r>
-              <a:rPr lang="en-US" altLang="zh-CN" dirty="0"/>
-              <a:t>;</a:t>
-            </a:r>
-            <a:r>
-              <a:rPr lang="zh-CN" altLang="en-US" dirty="0"/>
-              <a:t>相当于本地缓存。</a:t>
-            </a:r>
-            <a:endParaRPr lang="en-US" altLang="zh-CN" dirty="0"/>
-          </a:p>
-          <a:p>
-            <a:endParaRPr lang="en-US" altLang="zh-CN" dirty="0"/>
-          </a:p>
-          <a:p>
-            <a:r>
-              <a:rPr lang="zh-CN" altLang="en-US" dirty="0"/>
-              <a:t>一种为主内存，存放共享变量。工作内存只存放共享变量的副本。线程之间通过主内存共享变量。</a:t>
-            </a:r>
-            <a:endParaRPr lang="en-US" altLang="zh-CN" dirty="0"/>
-          </a:p>
-          <a:p>
-            <a:endParaRPr lang="en-US" altLang="zh-CN" dirty="0"/>
-          </a:p>
-          <a:p>
-            <a:r>
-              <a:rPr lang="zh-CN" altLang="en-US" dirty="0"/>
-              <a:t>当一条线程修改工作内存中的共享变量副本后，其他线程可能还是旧的，看不到前者工作内存的新值，于是产生可见性问题。</a:t>
-            </a:r>
-            <a:endParaRPr lang="en-US" altLang="zh-CN" dirty="0"/>
-          </a:p>
-          <a:p>
-            <a:endParaRPr lang="en-US" altLang="zh-CN" dirty="0"/>
-          </a:p>
-          <a:p>
-            <a:r>
-              <a:rPr lang="zh-CN" altLang="en-US" b="1" dirty="0"/>
-              <a:t>比喻： </a:t>
-            </a:r>
-            <a:r>
-              <a:rPr lang="en-US" altLang="zh-CN" b="1" dirty="0"/>
-              <a:t>Git</a:t>
-            </a:r>
-            <a:r>
-              <a:rPr lang="zh-CN" altLang="en-US" b="1" dirty="0"/>
-              <a:t>版本下的协作开发</a:t>
-            </a:r>
-            <a:endParaRPr lang="en-US" altLang="zh-CN" b="1" dirty="0"/>
-          </a:p>
-          <a:p>
-            <a:endParaRPr lang="en-US" altLang="zh-CN" dirty="0"/>
-          </a:p>
-        </p:txBody>
-      </p:sp>
-      <p:sp>
-        <p:nvSpPr>
-          <p:cNvPr id="9" name="文本框 8">
-            <a:extLst>
-              <a:ext uri="{FF2B5EF4-FFF2-40B4-BE49-F238E27FC236}">
-                <a16:creationId xmlns:a16="http://schemas.microsoft.com/office/drawing/2014/main" id="{4AF67ABE-8186-42AC-80A1-9B83D0960831}"/>
-              </a:ext>
-            </a:extLst>
-          </p:cNvPr>
-          <p:cNvSpPr txBox="1"/>
-          <p:nvPr/>
-        </p:nvSpPr>
-        <p:spPr>
-          <a:xfrm>
-            <a:off x="964095" y="5843449"/>
-            <a:ext cx="8925340" cy="923330"/>
-          </a:xfrm>
-          <a:prstGeom prst="rect">
-            <a:avLst/>
-          </a:prstGeom>
-          <a:noFill/>
-        </p:spPr>
-        <p:txBody>
-          <a:bodyPr wrap="square" rtlCol="0">
-            <a:spAutoFit/>
-          </a:bodyPr>
-          <a:lstStyle/>
-          <a:p>
-            <a:r>
-              <a:rPr lang="zh-CN" altLang="en-US" dirty="0"/>
-              <a:t>推论：某线程</a:t>
-            </a:r>
-            <a:r>
-              <a:rPr lang="en-US" altLang="zh-CN" dirty="0"/>
-              <a:t>1</a:t>
-            </a:r>
-            <a:r>
-              <a:rPr lang="zh-CN" altLang="en-US" dirty="0"/>
-              <a:t>将共享变量</a:t>
-            </a:r>
-            <a:r>
-              <a:rPr lang="en-US" altLang="zh-CN" dirty="0"/>
-              <a:t>X</a:t>
-            </a:r>
-            <a:r>
-              <a:rPr lang="zh-CN" altLang="en-US" dirty="0"/>
-              <a:t>副本修改完，然后将新值</a:t>
-            </a:r>
-            <a:r>
-              <a:rPr lang="en-US" altLang="zh-CN" dirty="0"/>
-              <a:t>push</a:t>
-            </a:r>
-            <a:r>
-              <a:rPr lang="zh-CN" altLang="en-US" dirty="0"/>
-              <a:t>到主内存，另一条线程</a:t>
-            </a:r>
-            <a:r>
-              <a:rPr lang="en-US" altLang="zh-CN" dirty="0"/>
-              <a:t>2</a:t>
-            </a:r>
-            <a:r>
-              <a:rPr lang="zh-CN" altLang="en-US" dirty="0"/>
-              <a:t>在修改</a:t>
-            </a:r>
-            <a:r>
-              <a:rPr lang="en-US" altLang="zh-CN" dirty="0"/>
-              <a:t>X</a:t>
-            </a:r>
-            <a:r>
-              <a:rPr lang="zh-CN" altLang="en-US" dirty="0"/>
-              <a:t>时要先到主内存</a:t>
-            </a:r>
-            <a:r>
-              <a:rPr lang="en-US" altLang="zh-CN" dirty="0"/>
-              <a:t>pull X</a:t>
-            </a:r>
-            <a:r>
-              <a:rPr lang="zh-CN" altLang="en-US" dirty="0"/>
-              <a:t>的新值，才能实现可见性。</a:t>
-            </a:r>
-          </a:p>
-          <a:p>
-            <a:endParaRPr lang="zh-CN" altLang="en-US" dirty="0"/>
-          </a:p>
-        </p:txBody>
-      </p:sp>
     </p:spTree>
     <p:extLst>
       <p:ext uri="{BB962C8B-B14F-4D97-AF65-F5344CB8AC3E}">
-        <p14:creationId xmlns:p14="http://schemas.microsoft.com/office/powerpoint/2010/main" val="1620735717"/>
+        <p14:creationId xmlns:p14="http://schemas.microsoft.com/office/powerpoint/2010/main" val="1758250124"/>
       </p:ext>
     </p:extLst>
   </p:cSld>
@@ -12821,7 +12725,7 @@
           <p:cNvPr id="2" name="标题 1">
             <a:extLst>
               <a:ext uri="{FF2B5EF4-FFF2-40B4-BE49-F238E27FC236}">
-                <a16:creationId xmlns:a16="http://schemas.microsoft.com/office/drawing/2014/main" id="{645EBF28-949C-48F7-97AF-0287E355EF83}"/>
+                <a16:creationId xmlns:a16="http://schemas.microsoft.com/office/drawing/2014/main" id="{14B81580-15B6-477D-B1A0-7A127CDA4C43}"/>
               </a:ext>
             </a:extLst>
           </p:cNvPr>
@@ -12839,171 +12743,64 @@
           <a:p>
             <a:r>
               <a:rPr lang="zh-CN" altLang="en-US" dirty="0"/>
-              <a:t>线程什么时候</a:t>
-            </a:r>
-            <a:r>
-              <a:rPr lang="en-US" altLang="zh-CN" dirty="0"/>
-              <a:t>push</a:t>
-            </a:r>
-            <a:r>
-              <a:rPr lang="zh-CN" altLang="en-US" dirty="0"/>
-              <a:t>和</a:t>
-            </a:r>
-            <a:r>
-              <a:rPr lang="en-US" altLang="zh-CN" dirty="0"/>
-              <a:t>pull</a:t>
-            </a:r>
-            <a:endParaRPr lang="zh-CN" altLang="en-US" dirty="0"/>
-          </a:p>
-        </p:txBody>
-      </p:sp>
-      <p:sp>
-        <p:nvSpPr>
-          <p:cNvPr id="3" name="内容占位符 2">
+              <a:t>堆栈关系</a:t>
+            </a:r>
+          </a:p>
+        </p:txBody>
+      </p:sp>
+      <p:pic>
+        <p:nvPicPr>
+          <p:cNvPr id="4" name="Picture 2" descr="https://pic1.zhimg.com/80/v2-bd607bd9a5598a8330ad329033e04b91_hd.jpg">
             <a:extLst>
               <a:ext uri="{FF2B5EF4-FFF2-40B4-BE49-F238E27FC236}">
-                <a16:creationId xmlns:a16="http://schemas.microsoft.com/office/drawing/2014/main" id="{72DB7F54-7A94-425D-A491-FC363F063AFE}"/>
+                <a16:creationId xmlns:a16="http://schemas.microsoft.com/office/drawing/2014/main" id="{C0C13F9D-BE32-4457-98C2-50277CAF0A83}"/>
               </a:ext>
             </a:extLst>
           </p:cNvPr>
-          <p:cNvSpPr>
-            <a:spLocks noGrp="1"/>
-          </p:cNvSpPr>
+          <p:cNvPicPr>
+            <a:picLocks noGrp="1" noChangeAspect="1" noChangeArrowheads="1"/>
+          </p:cNvPicPr>
           <p:nvPr>
             <p:ph idx="1"/>
           </p:nvPr>
-        </p:nvSpPr>
-        <p:spPr/>
-        <p:txBody>
-          <a:bodyPr>
-            <a:normAutofit/>
-          </a:bodyPr>
-          <a:lstStyle/>
-          <a:p>
-            <a:r>
-              <a:rPr lang="zh-CN" altLang="en-US" dirty="0"/>
-              <a:t>时机：</a:t>
-            </a:r>
-            <a:endParaRPr lang="en-US" altLang="zh-CN" dirty="0"/>
-          </a:p>
-          <a:p>
-            <a:pPr marL="0" indent="0">
-              <a:buNone/>
-            </a:pPr>
-            <a:r>
-              <a:rPr lang="zh-CN" altLang="en-US" dirty="0"/>
-              <a:t>加锁时</a:t>
-            </a:r>
-            <a:r>
-              <a:rPr lang="en-US" altLang="zh-CN" dirty="0"/>
-              <a:t>pull, volatile</a:t>
-            </a:r>
-            <a:r>
-              <a:rPr lang="zh-CN" altLang="en-US" dirty="0"/>
-              <a:t>变量读时</a:t>
-            </a:r>
-            <a:r>
-              <a:rPr lang="en-US" altLang="zh-CN" dirty="0"/>
-              <a:t>pull</a:t>
-            </a:r>
-          </a:p>
-          <a:p>
-            <a:pPr marL="0" indent="0">
-              <a:buNone/>
-            </a:pPr>
-            <a:r>
-              <a:rPr lang="zh-CN" altLang="en-US" dirty="0"/>
-              <a:t>解锁时</a:t>
-            </a:r>
-            <a:r>
-              <a:rPr lang="en-US" altLang="zh-CN" dirty="0"/>
-              <a:t>push, volatile</a:t>
-            </a:r>
-            <a:r>
-              <a:rPr lang="zh-CN" altLang="en-US" dirty="0"/>
-              <a:t>变量写时</a:t>
-            </a:r>
-            <a:r>
-              <a:rPr lang="en-US" altLang="zh-CN" dirty="0"/>
-              <a:t>push</a:t>
-            </a:r>
-          </a:p>
-          <a:p>
-            <a:pPr marL="0" indent="0">
-              <a:buNone/>
-            </a:pPr>
-            <a:endParaRPr lang="en-US" altLang="zh-CN" dirty="0"/>
-          </a:p>
-          <a:p>
-            <a:r>
-              <a:rPr lang="zh-CN" altLang="en-US" dirty="0"/>
-              <a:t>推论：</a:t>
-            </a:r>
-            <a:endParaRPr lang="en-US" altLang="zh-CN" dirty="0"/>
-          </a:p>
-          <a:p>
-            <a:pPr marL="0" indent="0">
-              <a:buNone/>
-            </a:pPr>
-            <a:r>
-              <a:rPr lang="en-US" altLang="zh-CN" dirty="0"/>
-              <a:t>synchronized</a:t>
-            </a:r>
-            <a:r>
-              <a:rPr lang="zh-CN" altLang="en-US" dirty="0"/>
-              <a:t>、</a:t>
-            </a:r>
-            <a:r>
-              <a:rPr lang="en-US" altLang="zh-CN" dirty="0"/>
-              <a:t>volatile</a:t>
-            </a:r>
-            <a:r>
-              <a:rPr lang="zh-CN" altLang="en-US" dirty="0"/>
-              <a:t>能保证可见性</a:t>
-            </a:r>
-            <a:endParaRPr lang="en-US" altLang="zh-CN" dirty="0"/>
-          </a:p>
-          <a:p>
-            <a:pPr marL="0" indent="0">
-              <a:buNone/>
-            </a:pPr>
-            <a:endParaRPr lang="en-US" altLang="zh-CN" dirty="0"/>
-          </a:p>
-          <a:p>
-            <a:r>
-              <a:rPr lang="zh-CN" altLang="en-US" dirty="0"/>
-              <a:t>验证： </a:t>
-            </a:r>
-            <a:r>
-              <a:rPr lang="en-US" altLang="zh-CN" dirty="0" err="1"/>
-              <a:t>VisibilityBySyncDemo</a:t>
-            </a:r>
-            <a:r>
-              <a:rPr lang="zh-CN" altLang="en-US" dirty="0"/>
-              <a:t>，</a:t>
-            </a:r>
-            <a:r>
-              <a:rPr lang="en-US" altLang="zh-CN" dirty="0"/>
-              <a:t> </a:t>
-            </a:r>
-            <a:r>
-              <a:rPr lang="en-US" altLang="zh-CN" dirty="0" err="1"/>
-              <a:t>VisibilityByVolatileDemo</a:t>
-            </a:r>
-            <a:endParaRPr lang="en-US" altLang="zh-CN" dirty="0"/>
-          </a:p>
-          <a:p>
-            <a:pPr marL="0" indent="0">
-              <a:buNone/>
-            </a:pPr>
-            <a:endParaRPr lang="zh-CN" altLang="en-US" dirty="0"/>
-          </a:p>
-        </p:txBody>
-      </p:sp>
+        </p:nvPicPr>
+        <p:blipFill>
+          <a:blip r:embed="rId2">
+            <a:extLst>
+              <a:ext uri="{28A0092B-C50C-407E-A947-70E740481C1C}">
+                <a14:useLocalDpi xmlns:a14="http://schemas.microsoft.com/office/drawing/2010/main" val="0"/>
+              </a:ext>
+            </a:extLst>
+          </a:blip>
+          <a:srcRect/>
+          <a:stretch>
+            <a:fillRect/>
+          </a:stretch>
+        </p:blipFill>
+        <p:spPr bwMode="auto">
+          <a:xfrm>
+            <a:off x="3716283" y="2193925"/>
+            <a:ext cx="4759433" cy="4024313"/>
+          </a:xfrm>
+          <a:prstGeom prst="rect">
+            <a:avLst/>
+          </a:prstGeom>
+          <a:noFill/>
+          <a:extLst>
+            <a:ext uri="{909E8E84-426E-40DD-AFC4-6F175D3DCCD1}">
+              <a14:hiddenFill xmlns:a14="http://schemas.microsoft.com/office/drawing/2010/main">
+                <a:solidFill>
+                  <a:srgbClr val="FFFFFF"/>
+                </a:solidFill>
+              </a14:hiddenFill>
+            </a:ext>
+          </a:extLst>
+        </p:spPr>
+      </p:pic>
     </p:spTree>
     <p:extLst>
       <p:ext uri="{BB962C8B-B14F-4D97-AF65-F5344CB8AC3E}">
-        <p14:creationId xmlns:p14="http://schemas.microsoft.com/office/powerpoint/2010/main" val="2296196705"/>
+        <p14:creationId xmlns:p14="http://schemas.microsoft.com/office/powerpoint/2010/main" val="1105599362"/>
       </p:ext>
     </p:extLst>
   </p:cSld>
@@ -13035,7 +12832,7 @@
           <p:cNvPr id="2" name="标题 1">
             <a:extLst>
               <a:ext uri="{FF2B5EF4-FFF2-40B4-BE49-F238E27FC236}">
-                <a16:creationId xmlns:a16="http://schemas.microsoft.com/office/drawing/2014/main" id="{6F26562C-CCD9-4519-A8EA-48472B99229D}"/>
+                <a16:creationId xmlns:a16="http://schemas.microsoft.com/office/drawing/2014/main" id="{0ACC9EF1-DE0A-4C87-B767-313C26E7AE14}"/>
               </a:ext>
             </a:extLst>
           </p:cNvPr>
@@ -13052,22 +12849,18 @@
           <a:lstStyle/>
           <a:p>
             <a:r>
-              <a:rPr lang="en-US" altLang="zh-CN" dirty="0"/>
-              <a:t>JVM</a:t>
-            </a:r>
-            <a:r>
               <a:rPr lang="zh-CN" altLang="en-US" dirty="0"/>
-              <a:t>内存结构</a:t>
+              <a:t>硬件内存结构</a:t>
             </a:r>
           </a:p>
         </p:txBody>
       </p:sp>
       <p:pic>
         <p:nvPicPr>
-          <p:cNvPr id="4" name="内容占位符 3">
+          <p:cNvPr id="5" name="内容占位符 4">
             <a:extLst>
               <a:ext uri="{FF2B5EF4-FFF2-40B4-BE49-F238E27FC236}">
-                <a16:creationId xmlns:a16="http://schemas.microsoft.com/office/drawing/2014/main" id="{E1D627CA-ED54-422A-AE37-1E049460A91E}"/>
+                <a16:creationId xmlns:a16="http://schemas.microsoft.com/office/drawing/2014/main" id="{13B205FE-F4C3-4590-8F39-CC0DC9EE738C}"/>
               </a:ext>
             </a:extLst>
           </p:cNvPr>
@@ -13086,80 +12879,18 @@
         </p:blipFill>
         <p:spPr>
           <a:xfrm>
-            <a:off x="4712151" y="2024922"/>
-            <a:ext cx="5610225" cy="3362325"/>
+            <a:off x="2895600" y="2143506"/>
+            <a:ext cx="6919705" cy="4206741"/>
           </a:xfrm>
           <a:prstGeom prst="rect">
             <a:avLst/>
           </a:prstGeom>
         </p:spPr>
       </p:pic>
-      <p:sp>
-        <p:nvSpPr>
-          <p:cNvPr id="5" name="文本框 4">
-            <a:extLst>
-              <a:ext uri="{FF2B5EF4-FFF2-40B4-BE49-F238E27FC236}">
-                <a16:creationId xmlns:a16="http://schemas.microsoft.com/office/drawing/2014/main" id="{7FBC87AD-0CFE-4350-820B-79EEBDB70D73}"/>
-              </a:ext>
-            </a:extLst>
-          </p:cNvPr>
-          <p:cNvSpPr txBox="1"/>
-          <p:nvPr/>
-        </p:nvSpPr>
-        <p:spPr>
-          <a:xfrm>
-            <a:off x="952901" y="2098306"/>
-            <a:ext cx="3272590" cy="2677656"/>
-          </a:xfrm>
-          <a:prstGeom prst="rect">
-            <a:avLst/>
-          </a:prstGeom>
-          <a:noFill/>
-        </p:spPr>
-        <p:txBody>
-          <a:bodyPr wrap="square" rtlCol="0">
-            <a:spAutoFit/>
-          </a:bodyPr>
-          <a:lstStyle/>
-          <a:p>
-            <a:pPr marL="285750" indent="-285750">
-              <a:buFont typeface="Arial" panose="020B0604020202020204" pitchFamily="34" charset="0"/>
-              <a:buChar char="•"/>
-            </a:pPr>
-            <a:r>
-              <a:rPr lang="zh-CN" altLang="en-US" sz="2400" dirty="0"/>
-              <a:t>堆为共享内存区域，对象</a:t>
-            </a:r>
-            <a:r>
-              <a:rPr lang="en-US" altLang="zh-CN" sz="2400" dirty="0"/>
-              <a:t>new</a:t>
-            </a:r>
-            <a:r>
-              <a:rPr lang="zh-CN" altLang="en-US" sz="2400" dirty="0"/>
-              <a:t>在堆上</a:t>
-            </a:r>
-            <a:endParaRPr lang="en-US" altLang="zh-CN" sz="2400" dirty="0"/>
-          </a:p>
-          <a:p>
-            <a:endParaRPr lang="en-US" altLang="zh-CN" sz="2400" dirty="0"/>
-          </a:p>
-          <a:p>
-            <a:pPr marL="285750" indent="-285750">
-              <a:buFont typeface="Arial" panose="020B0604020202020204" pitchFamily="34" charset="0"/>
-              <a:buChar char="•"/>
-            </a:pPr>
-            <a:r>
-              <a:rPr lang="zh-CN" altLang="en-US" sz="2400" dirty="0"/>
-              <a:t>基本变量和局部变量分配置在栈上，每个线程对应一个栈，方法在栈中执行，</a:t>
-            </a:r>
-            <a:endParaRPr lang="en-US" altLang="zh-CN" sz="2400" dirty="0"/>
-          </a:p>
-        </p:txBody>
-      </p:sp>
     </p:spTree>
     <p:extLst>
       <p:ext uri="{BB962C8B-B14F-4D97-AF65-F5344CB8AC3E}">
-        <p14:creationId xmlns:p14="http://schemas.microsoft.com/office/powerpoint/2010/main" val="1758250124"/>
+        <p14:creationId xmlns:p14="http://schemas.microsoft.com/office/powerpoint/2010/main" val="40158584"/>
       </p:ext>
     </p:extLst>
   </p:cSld>
@@ -13191,7 +12922,7 @@
           <p:cNvPr id="2" name="标题 1">
             <a:extLst>
               <a:ext uri="{FF2B5EF4-FFF2-40B4-BE49-F238E27FC236}">
-                <a16:creationId xmlns:a16="http://schemas.microsoft.com/office/drawing/2014/main" id="{C330FEF5-2FC0-4187-A790-D63A9381E8F3}"/>
+                <a16:creationId xmlns:a16="http://schemas.microsoft.com/office/drawing/2014/main" id="{F42FB678-E5E0-4ACD-B1C7-174E6C9CFD8D}"/>
               </a:ext>
             </a:extLst>
           </p:cNvPr>
@@ -13208,30 +12939,18 @@
           <a:lstStyle/>
           <a:p>
             <a:r>
-              <a:rPr lang="en-US" altLang="zh-CN" dirty="0"/>
-              <a:t>JMM</a:t>
-            </a:r>
-            <a:r>
               <a:rPr lang="zh-CN" altLang="en-US" dirty="0"/>
-              <a:t>与</a:t>
-            </a:r>
-            <a:r>
-              <a:rPr lang="en-US" altLang="zh-CN" dirty="0"/>
-              <a:t>JVM</a:t>
-            </a:r>
-            <a:r>
-              <a:rPr lang="zh-CN" altLang="en-US" dirty="0"/>
-              <a:t>内存区域划分的联系</a:t>
+              <a:t>缓存一致性协议</a:t>
             </a:r>
           </a:p>
         </p:txBody>
       </p:sp>
       <p:pic>
         <p:nvPicPr>
-          <p:cNvPr id="6" name="内容占位符 3">
+          <p:cNvPr id="7" name="内容占位符 6">
             <a:extLst>
               <a:ext uri="{FF2B5EF4-FFF2-40B4-BE49-F238E27FC236}">
-                <a16:creationId xmlns:a16="http://schemas.microsoft.com/office/drawing/2014/main" id="{00815C9E-1291-48FC-801C-D9BD30366411}"/>
+                <a16:creationId xmlns:a16="http://schemas.microsoft.com/office/drawing/2014/main" id="{5822D70F-FAD1-46CA-AC55-B90AB442048A}"/>
               </a:ext>
             </a:extLst>
           </p:cNvPr>
@@ -13250,83 +12969,18 @@
         </p:blipFill>
         <p:spPr>
           <a:xfrm>
-            <a:off x="5559695" y="2069314"/>
-            <a:ext cx="4236118" cy="4024313"/>
+            <a:off x="1809750" y="2577306"/>
+            <a:ext cx="8572500" cy="3257550"/>
           </a:xfrm>
           <a:prstGeom prst="rect">
             <a:avLst/>
           </a:prstGeom>
         </p:spPr>
       </p:pic>
-      <p:sp>
-        <p:nvSpPr>
-          <p:cNvPr id="7" name="文本框 6">
-            <a:extLst>
-              <a:ext uri="{FF2B5EF4-FFF2-40B4-BE49-F238E27FC236}">
-                <a16:creationId xmlns:a16="http://schemas.microsoft.com/office/drawing/2014/main" id="{63EAE4D0-5F4B-4730-840A-B218C320E064}"/>
-              </a:ext>
-            </a:extLst>
-          </p:cNvPr>
-          <p:cNvSpPr txBox="1"/>
-          <p:nvPr/>
-        </p:nvSpPr>
-        <p:spPr>
-          <a:xfrm>
-            <a:off x="1045046" y="1976573"/>
-            <a:ext cx="3469202" cy="2677656"/>
-          </a:xfrm>
-          <a:prstGeom prst="rect">
-            <a:avLst/>
-          </a:prstGeom>
-          <a:noFill/>
-        </p:spPr>
-        <p:txBody>
-          <a:bodyPr wrap="square" rtlCol="0">
-            <a:spAutoFit/>
-          </a:bodyPr>
-          <a:lstStyle/>
-          <a:p>
-            <a:pPr marL="285750" indent="-285750">
-              <a:buFont typeface="Arial" panose="020B0604020202020204" pitchFamily="34" charset="0"/>
-              <a:buChar char="•"/>
-            </a:pPr>
-            <a:r>
-              <a:rPr lang="en-US" altLang="zh-CN" sz="2800" dirty="0"/>
-              <a:t>JMM</a:t>
-            </a:r>
-            <a:r>
-              <a:rPr lang="zh-CN" altLang="en-US" sz="2800" dirty="0"/>
-              <a:t>是抽象出来的，真实不存在</a:t>
-            </a:r>
-            <a:endParaRPr lang="en-US" altLang="zh-CN" sz="2800" dirty="0"/>
-          </a:p>
-          <a:p>
-            <a:pPr marL="285750" indent="-285750">
-              <a:buFont typeface="Arial" panose="020B0604020202020204" pitchFamily="34" charset="0"/>
-              <a:buChar char="•"/>
-            </a:pPr>
-            <a:r>
-              <a:rPr lang="zh-CN" altLang="en-US" sz="2800" dirty="0"/>
-              <a:t>堆、方法区等构成主内存</a:t>
-            </a:r>
-            <a:endParaRPr lang="en-US" altLang="zh-CN" sz="2800" dirty="0"/>
-          </a:p>
-          <a:p>
-            <a:pPr marL="285750" indent="-285750">
-              <a:buFont typeface="Arial" panose="020B0604020202020204" pitchFamily="34" charset="0"/>
-              <a:buChar char="•"/>
-            </a:pPr>
-            <a:r>
-              <a:rPr lang="zh-CN" altLang="en-US" sz="2800" dirty="0"/>
-              <a:t>寄存器、栈等构成工作内存</a:t>
-            </a:r>
-          </a:p>
-        </p:txBody>
-      </p:sp>
     </p:spTree>
     <p:extLst>
       <p:ext uri="{BB962C8B-B14F-4D97-AF65-F5344CB8AC3E}">
-        <p14:creationId xmlns:p14="http://schemas.microsoft.com/office/powerpoint/2010/main" val="1548609389"/>
+        <p14:creationId xmlns:p14="http://schemas.microsoft.com/office/powerpoint/2010/main" val="4209931550"/>
       </p:ext>
     </p:extLst>
   </p:cSld>
@@ -13358,7 +13012,7 @@
           <p:cNvPr id="2" name="标题 1">
             <a:extLst>
               <a:ext uri="{FF2B5EF4-FFF2-40B4-BE49-F238E27FC236}">
-                <a16:creationId xmlns:a16="http://schemas.microsoft.com/office/drawing/2014/main" id="{1C183E19-B016-4D1A-984F-42D966F9172A}"/>
+                <a16:creationId xmlns:a16="http://schemas.microsoft.com/office/drawing/2014/main" id="{1B055502-C736-4334-BEA0-B4A79C849B0C}"/>
               </a:ext>
             </a:extLst>
           </p:cNvPr>
@@ -13376,65 +13030,166 @@
           <a:p>
             <a:r>
               <a:rPr lang="en-US" altLang="zh-CN" dirty="0"/>
-              <a:t>synchronized</a:t>
+              <a:t>Java</a:t>
             </a:r>
             <a:r>
               <a:rPr lang="zh-CN" altLang="en-US" dirty="0"/>
-              <a:t>与</a:t>
+              <a:t>内存模型（</a:t>
             </a:r>
             <a:r>
               <a:rPr lang="en-US" altLang="zh-CN" dirty="0"/>
-              <a:t>volatile</a:t>
+              <a:t>JMM</a:t>
             </a:r>
             <a:r>
               <a:rPr lang="zh-CN" altLang="en-US" dirty="0"/>
-              <a:t>的区别</a:t>
-            </a:r>
-          </a:p>
-        </p:txBody>
-      </p:sp>
-      <p:sp>
-        <p:nvSpPr>
-          <p:cNvPr id="3" name="内容占位符 2">
+              <a:t>）</a:t>
+            </a:r>
+          </a:p>
+        </p:txBody>
+      </p:sp>
+      <p:pic>
+        <p:nvPicPr>
+          <p:cNvPr id="13" name="内容占位符 12">
             <a:extLst>
               <a:ext uri="{FF2B5EF4-FFF2-40B4-BE49-F238E27FC236}">
-                <a16:creationId xmlns:a16="http://schemas.microsoft.com/office/drawing/2014/main" id="{1F31CB4A-073E-4647-9B1D-05E5F6B2956B}"/>
+                <a16:creationId xmlns:a16="http://schemas.microsoft.com/office/drawing/2014/main" id="{CD4B6CA4-2422-473B-A129-15E44D965C89}"/>
               </a:ext>
             </a:extLst>
           </p:cNvPr>
-          <p:cNvSpPr>
-            <a:spLocks noGrp="1"/>
-          </p:cNvSpPr>
+          <p:cNvPicPr>
+            <a:picLocks noGrp="1" noChangeAspect="1"/>
+          </p:cNvPicPr>
           <p:nvPr>
             <p:ph idx="1"/>
           </p:nvPr>
-        </p:nvSpPr>
-        <p:spPr/>
-        <p:txBody>
-          <a:bodyPr>
-            <a:normAutofit/>
+        </p:nvPicPr>
+        <p:blipFill>
+          <a:blip r:embed="rId3"/>
+          <a:stretch>
+            <a:fillRect/>
+          </a:stretch>
+        </p:blipFill>
+        <p:spPr>
+          <a:xfrm>
+            <a:off x="5331927" y="1811648"/>
+            <a:ext cx="5695950" cy="3800475"/>
+          </a:xfrm>
+          <a:prstGeom prst="rect">
+            <a:avLst/>
+          </a:prstGeom>
+        </p:spPr>
+      </p:pic>
+      <p:sp>
+        <p:nvSpPr>
+          <p:cNvPr id="8" name="文本框 7">
+            <a:extLst>
+              <a:ext uri="{FF2B5EF4-FFF2-40B4-BE49-F238E27FC236}">
+                <a16:creationId xmlns:a16="http://schemas.microsoft.com/office/drawing/2014/main" id="{F2B8B8BA-42A7-43A6-85B4-44546AE50811}"/>
+              </a:ext>
+            </a:extLst>
+          </p:cNvPr>
+          <p:cNvSpPr txBox="1"/>
+          <p:nvPr/>
+        </p:nvSpPr>
+        <p:spPr>
+          <a:xfrm>
+            <a:off x="964096" y="1580321"/>
+            <a:ext cx="3889509" cy="4524315"/>
+          </a:xfrm>
+          <a:prstGeom prst="rect">
+            <a:avLst/>
+          </a:prstGeom>
+          <a:noFill/>
+        </p:spPr>
+        <p:txBody>
+          <a:bodyPr wrap="square" rtlCol="0">
+            <a:spAutoFit/>
           </a:bodyPr>
           <a:lstStyle/>
           <a:p>
             <a:r>
               <a:rPr lang="en-US" altLang="zh-CN" dirty="0"/>
-              <a:t>volatile: </a:t>
+              <a:t>JMM</a:t>
             </a:r>
             <a:r>
               <a:rPr lang="zh-CN" altLang="en-US" dirty="0"/>
-              <a:t>仅能保证可见性</a:t>
+              <a:t>意义：屏蔽各硬件内存结构的差异</a:t>
             </a:r>
             <a:endParaRPr lang="en-US" altLang="zh-CN" dirty="0"/>
           </a:p>
           <a:p>
+            <a:endParaRPr lang="en-US" altLang="zh-CN" dirty="0"/>
+          </a:p>
+          <a:p>
+            <a:r>
+              <a:rPr lang="zh-CN" altLang="en-US" dirty="0"/>
+              <a:t>工作内存：线程私有，每个线程只能跟自己的工作内存交互</a:t>
+            </a:r>
             <a:r>
               <a:rPr lang="en-US" altLang="zh-CN" dirty="0"/>
-              <a:t>synchronized: </a:t>
+              <a:t>;</a:t>
             </a:r>
             <a:r>
               <a:rPr lang="zh-CN" altLang="en-US" dirty="0"/>
-              <a:t>可见性，原子性</a:t>
-            </a:r>
+              <a:t>相当于本地缓存。</a:t>
+            </a:r>
+            <a:endParaRPr lang="en-US" altLang="zh-CN" dirty="0"/>
+          </a:p>
+          <a:p>
+            <a:endParaRPr lang="en-US" altLang="zh-CN" dirty="0"/>
+          </a:p>
+          <a:p>
+            <a:r>
+              <a:rPr lang="zh-CN" altLang="en-US" dirty="0"/>
+              <a:t>主内存：存放共享变量。工作内存只存放共享变量的副本。线程之间通过主内存共享变量。</a:t>
+            </a:r>
+            <a:endParaRPr lang="en-US" altLang="zh-CN" dirty="0"/>
+          </a:p>
+          <a:p>
+            <a:endParaRPr lang="en-US" altLang="zh-CN" dirty="0"/>
+          </a:p>
+          <a:p>
+            <a:r>
+              <a:rPr lang="zh-CN" altLang="en-US" dirty="0"/>
+              <a:t>问题：副本可能不一致，产生可见性问题</a:t>
+            </a:r>
+            <a:endParaRPr lang="en-US" altLang="zh-CN" dirty="0"/>
+          </a:p>
+          <a:p>
+            <a:endParaRPr lang="en-US" altLang="zh-CN" dirty="0"/>
+          </a:p>
+          <a:p>
+            <a:r>
+              <a:rPr lang="zh-CN" altLang="en-US" b="1" dirty="0">
+                <a:solidFill>
+                  <a:srgbClr val="00B0F0"/>
+                </a:solidFill>
+              </a:rPr>
+              <a:t>比喻： </a:t>
+            </a:r>
+            <a:r>
+              <a:rPr lang="en-US" altLang="zh-CN" b="1" dirty="0">
+                <a:solidFill>
+                  <a:srgbClr val="00B0F0"/>
+                </a:solidFill>
+              </a:rPr>
+              <a:t>Git</a:t>
+            </a:r>
+            <a:r>
+              <a:rPr lang="zh-CN" altLang="en-US" b="1" dirty="0">
+                <a:solidFill>
+                  <a:srgbClr val="00B0F0"/>
+                </a:solidFill>
+              </a:rPr>
+              <a:t>版本管理下的协作开发</a:t>
+            </a:r>
+            <a:endParaRPr lang="en-US" altLang="zh-CN" b="1" dirty="0">
+              <a:solidFill>
+                <a:srgbClr val="00B0F0"/>
+              </a:solidFill>
+            </a:endParaRPr>
+          </a:p>
+          <a:p>
             <a:endParaRPr lang="en-US" altLang="zh-CN" dirty="0"/>
           </a:p>
         </p:txBody>
@@ -13442,7 +13197,7 @@
     </p:spTree>
     <p:extLst>
       <p:ext uri="{BB962C8B-B14F-4D97-AF65-F5344CB8AC3E}">
-        <p14:creationId xmlns:p14="http://schemas.microsoft.com/office/powerpoint/2010/main" val="2003684436"/>
+        <p14:creationId xmlns:p14="http://schemas.microsoft.com/office/powerpoint/2010/main" val="1620735717"/>
       </p:ext>
     </p:extLst>
   </p:cSld>
@@ -13471,10 +13226,82 @@
       </p:grpSpPr>
       <p:sp>
         <p:nvSpPr>
-          <p:cNvPr id="4" name="文本框 3">
+          <p:cNvPr id="2" name="标题 1">
             <a:extLst>
               <a:ext uri="{FF2B5EF4-FFF2-40B4-BE49-F238E27FC236}">
-                <a16:creationId xmlns:a16="http://schemas.microsoft.com/office/drawing/2014/main" id="{77C3BB61-4C1A-4BCA-B8EA-4288602A6361}"/>
+                <a16:creationId xmlns:a16="http://schemas.microsoft.com/office/drawing/2014/main" id="{C330FEF5-2FC0-4187-A790-D63A9381E8F3}"/>
+              </a:ext>
+            </a:extLst>
+          </p:cNvPr>
+          <p:cNvSpPr>
+            <a:spLocks noGrp="1"/>
+          </p:cNvSpPr>
+          <p:nvPr>
+            <p:ph type="title"/>
+          </p:nvPr>
+        </p:nvSpPr>
+        <p:spPr/>
+        <p:txBody>
+          <a:bodyPr/>
+          <a:lstStyle/>
+          <a:p>
+            <a:r>
+              <a:rPr lang="en-US" altLang="zh-CN" dirty="0"/>
+              <a:t>JMM</a:t>
+            </a:r>
+            <a:r>
+              <a:rPr lang="zh-CN" altLang="en-US" dirty="0"/>
+              <a:t>与</a:t>
+            </a:r>
+            <a:r>
+              <a:rPr lang="en-US" altLang="zh-CN" dirty="0"/>
+              <a:t>JVM</a:t>
+            </a:r>
+            <a:r>
+              <a:rPr lang="zh-CN" altLang="en-US" dirty="0"/>
+              <a:t>内存区域的关系</a:t>
+            </a:r>
+          </a:p>
+        </p:txBody>
+      </p:sp>
+      <p:pic>
+        <p:nvPicPr>
+          <p:cNvPr id="6" name="内容占位符 3">
+            <a:extLst>
+              <a:ext uri="{FF2B5EF4-FFF2-40B4-BE49-F238E27FC236}">
+                <a16:creationId xmlns:a16="http://schemas.microsoft.com/office/drawing/2014/main" id="{00815C9E-1291-48FC-801C-D9BD30366411}"/>
+              </a:ext>
+            </a:extLst>
+          </p:cNvPr>
+          <p:cNvPicPr>
+            <a:picLocks noGrp="1" noChangeAspect="1"/>
+          </p:cNvPicPr>
+          <p:nvPr>
+            <p:ph idx="1"/>
+          </p:nvPr>
+        </p:nvPicPr>
+        <p:blipFill>
+          <a:blip r:embed="rId2"/>
+          <a:stretch>
+            <a:fillRect/>
+          </a:stretch>
+        </p:blipFill>
+        <p:spPr>
+          <a:xfrm>
+            <a:off x="5559695" y="2069314"/>
+            <a:ext cx="4236118" cy="4024313"/>
+          </a:xfrm>
+          <a:prstGeom prst="rect">
+            <a:avLst/>
+          </a:prstGeom>
+        </p:spPr>
+      </p:pic>
+      <p:sp>
+        <p:nvSpPr>
+          <p:cNvPr id="7" name="文本框 6">
+            <a:extLst>
+              <a:ext uri="{FF2B5EF4-FFF2-40B4-BE49-F238E27FC236}">
+                <a16:creationId xmlns:a16="http://schemas.microsoft.com/office/drawing/2014/main" id="{63EAE4D0-5F4B-4730-840A-B218C320E064}"/>
               </a:ext>
             </a:extLst>
           </p:cNvPr>
@@ -13483,8 +13310,8 @@
         </p:nvSpPr>
         <p:spPr>
           <a:xfrm>
-            <a:off x="2136911" y="1520686"/>
-            <a:ext cx="8736497" cy="3477875"/>
+            <a:off x="1045046" y="1976573"/>
+            <a:ext cx="3469202" cy="2677656"/>
           </a:xfrm>
           <a:prstGeom prst="rect">
             <a:avLst/>
@@ -13494,83 +13321,50 @@
         <p:txBody>
           <a:bodyPr wrap="square" rtlCol="0">
             <a:spAutoFit/>
-            <a:scene3d>
-              <a:camera prst="orthographicFront"/>
-              <a:lightRig rig="soft" dir="t">
-                <a:rot lat="0" lon="0" rev="15600000"/>
-              </a:lightRig>
-            </a:scene3d>
-            <a:sp3d extrusionH="57150" prstMaterial="softEdge">
-              <a:bevelT w="25400" h="38100"/>
-            </a:sp3d>
           </a:bodyPr>
           <a:lstStyle/>
           <a:p>
-            <a:r>
-              <a:rPr lang="zh-CN" altLang="en-US" sz="4400" dirty="0">
-                <a:ln w="0"/>
-                <a:effectLst>
-                  <a:outerShdw blurRad="38100" dist="19050" dir="2700000" algn="tl" rotWithShape="0">
-                    <a:schemeClr val="dk1">
-                      <a:alpha val="40000"/>
-                    </a:schemeClr>
-                  </a:outerShdw>
-                </a:effectLst>
-              </a:rPr>
-              <a:t>前面所讲：局部，面向过程</a:t>
-            </a:r>
-            <a:endParaRPr lang="en-US" altLang="zh-CN" sz="4400" dirty="0">
-              <a:ln w="0"/>
-              <a:effectLst>
-                <a:outerShdw blurRad="38100" dist="19050" dir="2700000" algn="tl" rotWithShape="0">
-                  <a:schemeClr val="dk1">
-                    <a:alpha val="40000"/>
-                  </a:schemeClr>
-                </a:outerShdw>
-              </a:effectLst>
-            </a:endParaRPr>
-          </a:p>
-          <a:p>
-            <a:endParaRPr lang="en-US" altLang="zh-CN" sz="4400" dirty="0">
-              <a:ln w="0"/>
-              <a:effectLst>
-                <a:outerShdw blurRad="38100" dist="19050" dir="2700000" algn="tl" rotWithShape="0">
-                  <a:schemeClr val="dk1">
-                    <a:alpha val="40000"/>
-                  </a:schemeClr>
-                </a:outerShdw>
-              </a:effectLst>
-            </a:endParaRPr>
-          </a:p>
-          <a:p>
-            <a:r>
-              <a:rPr lang="zh-CN" altLang="en-US" sz="4400" dirty="0">
-                <a:ln w="0"/>
-                <a:effectLst>
-                  <a:outerShdw blurRad="38100" dist="19050" dir="2700000" algn="tl" rotWithShape="0">
-                    <a:schemeClr val="dk1">
-                      <a:alpha val="40000"/>
-                    </a:schemeClr>
-                  </a:outerShdw>
-                </a:effectLst>
-              </a:rPr>
-              <a:t>问：面向对象，如何设计一个线程安全的类？</a:t>
-            </a:r>
-          </a:p>
-          <a:p>
-            <a:endParaRPr lang="en-US" altLang="zh-CN" sz="4400" b="1" dirty="0">
-              <a:ln/>
-              <a:solidFill>
-                <a:schemeClr val="accent4"/>
-              </a:solidFill>
-            </a:endParaRPr>
+            <a:pPr marL="285750" indent="-285750">
+              <a:buFont typeface="Arial" panose="020B0604020202020204" pitchFamily="34" charset="0"/>
+              <a:buChar char="•"/>
+            </a:pPr>
+            <a:r>
+              <a:rPr lang="zh-CN" altLang="en-US" sz="2800" dirty="0"/>
+              <a:t>堆、方法区等构成主内存</a:t>
+            </a:r>
+            <a:endParaRPr lang="en-US" altLang="zh-CN" sz="2800" dirty="0"/>
+          </a:p>
+          <a:p>
+            <a:pPr marL="285750" indent="-285750">
+              <a:buFont typeface="Arial" panose="020B0604020202020204" pitchFamily="34" charset="0"/>
+              <a:buChar char="•"/>
+            </a:pPr>
+            <a:r>
+              <a:rPr lang="zh-CN" altLang="en-US" sz="2800" dirty="0"/>
+              <a:t>寄存器、栈等构成工作内存</a:t>
+            </a:r>
+            <a:endParaRPr lang="en-US" altLang="zh-CN" sz="2800" dirty="0"/>
+          </a:p>
+          <a:p>
+            <a:pPr marL="285750" indent="-285750">
+              <a:buFont typeface="Arial" panose="020B0604020202020204" pitchFamily="34" charset="0"/>
+              <a:buChar char="•"/>
+            </a:pPr>
+            <a:r>
+              <a:rPr lang="en-US" altLang="zh-CN" sz="2800" dirty="0"/>
+              <a:t>JMM</a:t>
+            </a:r>
+            <a:r>
+              <a:rPr lang="zh-CN" altLang="en-US" sz="2800" dirty="0"/>
+              <a:t>是抽象的，真实不存在</a:t>
+            </a:r>
           </a:p>
         </p:txBody>
       </p:sp>
     </p:spTree>
     <p:extLst>
       <p:ext uri="{BB962C8B-B14F-4D97-AF65-F5344CB8AC3E}">
-        <p14:creationId xmlns:p14="http://schemas.microsoft.com/office/powerpoint/2010/main" val="445277244"/>
+        <p14:creationId xmlns:p14="http://schemas.microsoft.com/office/powerpoint/2010/main" val="1548609389"/>
       </p:ext>
     </p:extLst>
   </p:cSld>
@@ -13703,7 +13497,7 @@
           <p:cNvPr id="2" name="标题 1">
             <a:extLst>
               <a:ext uri="{FF2B5EF4-FFF2-40B4-BE49-F238E27FC236}">
-                <a16:creationId xmlns:a16="http://schemas.microsoft.com/office/drawing/2014/main" id="{036468BC-EB6B-4967-8B00-C7784E09020E}"/>
+                <a16:creationId xmlns:a16="http://schemas.microsoft.com/office/drawing/2014/main" id="{DD543482-2A94-485D-B932-CCAEEC5FB1D0}"/>
               </a:ext>
             </a:extLst>
           </p:cNvPr>
@@ -13720,16 +13514,49 @@
           <a:lstStyle/>
           <a:p>
             <a:r>
-              <a:rPr lang="zh-CN" altLang="en-US" dirty="0"/>
-              <a:t>三、设计线程安全类</a:t>
-            </a:r>
-          </a:p>
-        </p:txBody>
-      </p:sp>
+              <a:rPr lang="zh-CN" altLang="en-US"/>
+              <a:t>线程、工作内存与主内存的交互</a:t>
+            </a:r>
+            <a:endParaRPr lang="zh-CN" altLang="en-US" dirty="0"/>
+          </a:p>
+        </p:txBody>
+      </p:sp>
+      <p:pic>
+        <p:nvPicPr>
+          <p:cNvPr id="7" name="内容占位符 6">
+            <a:extLst>
+              <a:ext uri="{FF2B5EF4-FFF2-40B4-BE49-F238E27FC236}">
+                <a16:creationId xmlns:a16="http://schemas.microsoft.com/office/drawing/2014/main" id="{4B8BDF18-C91A-43AA-BAC7-3668787F154F}"/>
+              </a:ext>
+            </a:extLst>
+          </p:cNvPr>
+          <p:cNvPicPr>
+            <a:picLocks noGrp="1" noChangeAspect="1"/>
+          </p:cNvPicPr>
+          <p:nvPr>
+            <p:ph idx="1"/>
+          </p:nvPr>
+        </p:nvPicPr>
+        <p:blipFill>
+          <a:blip r:embed="rId2"/>
+          <a:stretch>
+            <a:fillRect/>
+          </a:stretch>
+        </p:blipFill>
+        <p:spPr>
+          <a:xfrm>
+            <a:off x="2534577" y="2193925"/>
+            <a:ext cx="7122845" cy="4024313"/>
+          </a:xfrm>
+          <a:prstGeom prst="rect">
+            <a:avLst/>
+          </a:prstGeom>
+        </p:spPr>
+      </p:pic>
     </p:spTree>
     <p:extLst>
       <p:ext uri="{BB962C8B-B14F-4D97-AF65-F5344CB8AC3E}">
-        <p14:creationId xmlns:p14="http://schemas.microsoft.com/office/powerpoint/2010/main" val="3061455566"/>
+        <p14:creationId xmlns:p14="http://schemas.microsoft.com/office/powerpoint/2010/main" val="2534919529"/>
       </p:ext>
     </p:extLst>
   </p:cSld>
@@ -13761,7 +13588,7 @@
           <p:cNvPr id="2" name="标题 1">
             <a:extLst>
               <a:ext uri="{FF2B5EF4-FFF2-40B4-BE49-F238E27FC236}">
-                <a16:creationId xmlns:a16="http://schemas.microsoft.com/office/drawing/2014/main" id="{983DF41B-EF1B-4900-B15B-35CA4D6A7E69}"/>
+                <a16:creationId xmlns:a16="http://schemas.microsoft.com/office/drawing/2014/main" id="{645EBF28-949C-48F7-97AF-0287E355EF83}"/>
               </a:ext>
             </a:extLst>
           </p:cNvPr>
@@ -13779,8 +13606,21 @@
           <a:p>
             <a:r>
               <a:rPr lang="zh-CN" altLang="en-US" dirty="0"/>
-              <a:t>安全类设计</a:t>
-            </a:r>
+              <a:t>线程什么时候</a:t>
+            </a:r>
+            <a:r>
+              <a:rPr lang="en-US" altLang="zh-CN" dirty="0"/>
+              <a:t>push</a:t>
+            </a:r>
+            <a:r>
+              <a:rPr lang="zh-CN" altLang="en-US" dirty="0"/>
+              <a:t>和</a:t>
+            </a:r>
+            <a:r>
+              <a:rPr lang="en-US" altLang="zh-CN" dirty="0"/>
+              <a:t>pull</a:t>
+            </a:r>
+            <a:endParaRPr lang="zh-CN" altLang="en-US" dirty="0"/>
           </a:p>
         </p:txBody>
       </p:sp>
@@ -13789,7 +13629,7 @@
           <p:cNvPr id="3" name="内容占位符 2">
             <a:extLst>
               <a:ext uri="{FF2B5EF4-FFF2-40B4-BE49-F238E27FC236}">
-                <a16:creationId xmlns:a16="http://schemas.microsoft.com/office/drawing/2014/main" id="{20DE328D-CCF0-41E5-AA00-F5E4CDD24993}"/>
+                <a16:creationId xmlns:a16="http://schemas.microsoft.com/office/drawing/2014/main" id="{72DB7F54-7A94-425D-A491-FC363F063AFE}"/>
               </a:ext>
             </a:extLst>
           </p:cNvPr>
@@ -13802,60 +13642,135 @@
         </p:nvSpPr>
         <p:spPr/>
         <p:txBody>
-          <a:bodyPr/>
+          <a:bodyPr>
+            <a:normAutofit/>
+          </a:bodyPr>
           <a:lstStyle/>
           <a:p>
             <a:r>
               <a:rPr lang="zh-CN" altLang="en-US" dirty="0"/>
-              <a:t>线程安全类：安全指线程安全，外部只能通过成员方法来修改对象状态，成员方法都是原子性的。</a:t>
+              <a:t>时机：</a:t>
             </a:r>
             <a:endParaRPr lang="en-US" altLang="zh-CN" dirty="0"/>
           </a:p>
           <a:p>
+            <a:pPr marL="0" indent="0">
+              <a:buNone/>
+            </a:pPr>
+            <a:r>
+              <a:rPr lang="zh-CN" altLang="en-US" dirty="0"/>
+              <a:t>加内置锁时</a:t>
+            </a:r>
+            <a:r>
+              <a:rPr lang="en-US" altLang="zh-CN" dirty="0"/>
+              <a:t>pull, volatile</a:t>
+            </a:r>
+            <a:r>
+              <a:rPr lang="zh-CN" altLang="en-US" dirty="0"/>
+              <a:t>变量读时</a:t>
+            </a:r>
+            <a:r>
+              <a:rPr lang="en-US" altLang="zh-CN" dirty="0"/>
+              <a:t>pull</a:t>
+            </a:r>
+          </a:p>
+          <a:p>
+            <a:pPr marL="0" indent="0">
+              <a:buNone/>
+            </a:pPr>
+            <a:r>
+              <a:rPr lang="zh-CN" altLang="en-US" dirty="0"/>
+              <a:t>解内置锁时</a:t>
+            </a:r>
+            <a:r>
+              <a:rPr lang="en-US" altLang="zh-CN" dirty="0"/>
+              <a:t>push, volatile</a:t>
+            </a:r>
+            <a:r>
+              <a:rPr lang="zh-CN" altLang="en-US" dirty="0"/>
+              <a:t>变量写时</a:t>
+            </a:r>
+            <a:r>
+              <a:rPr lang="en-US" altLang="zh-CN" dirty="0"/>
+              <a:t>push</a:t>
+            </a:r>
+          </a:p>
+          <a:p>
+            <a:pPr marL="0" indent="0">
+              <a:buNone/>
+            </a:pPr>
             <a:endParaRPr lang="en-US" altLang="zh-CN" dirty="0"/>
           </a:p>
           <a:p>
             <a:r>
               <a:rPr lang="zh-CN" altLang="en-US" dirty="0"/>
-              <a:t>强一致：对象内部状态始终是一致</a:t>
-            </a:r>
+              <a:t>推论：</a:t>
+            </a:r>
+            <a:endParaRPr lang="en-US" altLang="zh-CN" dirty="0"/>
+          </a:p>
+          <a:p>
+            <a:pPr marL="0" indent="0">
+              <a:buNone/>
+            </a:pPr>
             <a:r>
               <a:rPr lang="en-US" altLang="zh-CN" dirty="0"/>
-              <a:t>, </a:t>
+              <a:t>synchronized</a:t>
+            </a:r>
+            <a:r>
+              <a:rPr lang="zh-CN" altLang="en-US" dirty="0"/>
+              <a:t>、</a:t>
+            </a:r>
+            <a:r>
+              <a:rPr lang="en-US" altLang="zh-CN" dirty="0"/>
+              <a:t>volatile</a:t>
+            </a:r>
+            <a:r>
+              <a:rPr lang="zh-CN" altLang="en-US" dirty="0"/>
+              <a:t>能保证可见性</a:t>
+            </a:r>
+            <a:endParaRPr lang="en-US" altLang="zh-CN" dirty="0"/>
+          </a:p>
+          <a:p>
+            <a:pPr marL="0" indent="0">
+              <a:buNone/>
+            </a:pPr>
+            <a:endParaRPr lang="en-US" altLang="zh-CN" dirty="0"/>
+          </a:p>
+          <a:p>
+            <a:r>
+              <a:rPr lang="zh-CN" altLang="en-US" dirty="0"/>
+              <a:t>验证： </a:t>
             </a:r>
             <a:r>
               <a:rPr lang="en-US" altLang="zh-CN" dirty="0" err="1"/>
-              <a:t>StrongConsistencyPosition</a:t>
+              <a:t>VisibilityBySyncDemo</a:t>
+            </a:r>
+            <a:r>
+              <a:rPr lang="zh-CN" altLang="en-US" dirty="0"/>
+              <a:t>，</a:t>
+            </a:r>
+            <a:r>
+              <a:rPr lang="en-US" altLang="zh-CN" dirty="0"/>
+              <a:t> </a:t>
+            </a:r>
+            <a:r>
+              <a:rPr lang="en-US" altLang="zh-CN" dirty="0" err="1"/>
+              <a:t>VisibilityByVolatileDemo</a:t>
             </a:r>
             <a:endParaRPr lang="en-US" altLang="zh-CN" dirty="0"/>
           </a:p>
           <a:p>
-            <a:r>
-              <a:rPr lang="zh-CN" altLang="en-US" dirty="0"/>
-              <a:t>弱一致：对象内部状态有时不一致</a:t>
-            </a:r>
-            <a:r>
-              <a:rPr lang="en-US" altLang="zh-CN" dirty="0"/>
-              <a:t>, </a:t>
-            </a:r>
-            <a:r>
-              <a:rPr lang="en-US" altLang="zh-CN" dirty="0" err="1"/>
-              <a:t>WeakConsistencyPosition</a:t>
-            </a:r>
-            <a:endParaRPr lang="en-US" altLang="zh-CN" dirty="0"/>
-          </a:p>
-          <a:p>
-            <a:endParaRPr lang="en-US" altLang="zh-CN" dirty="0"/>
-          </a:p>
-          <a:p>
-            <a:endParaRPr lang="en-US" altLang="zh-CN" dirty="0"/>
+            <a:pPr marL="0" indent="0">
+              <a:buNone/>
+            </a:pPr>
+            <a:endParaRPr lang="zh-CN" altLang="en-US" dirty="0"/>
           </a:p>
         </p:txBody>
       </p:sp>
     </p:spTree>
     <p:extLst>
       <p:ext uri="{BB962C8B-B14F-4D97-AF65-F5344CB8AC3E}">
-        <p14:creationId xmlns:p14="http://schemas.microsoft.com/office/powerpoint/2010/main" val="2937549950"/>
+        <p14:creationId xmlns:p14="http://schemas.microsoft.com/office/powerpoint/2010/main" val="2296196705"/>
       </p:ext>
     </p:extLst>
   </p:cSld>
@@ -13887,7 +13802,7 @@
           <p:cNvPr id="2" name="标题 1">
             <a:extLst>
               <a:ext uri="{FF2B5EF4-FFF2-40B4-BE49-F238E27FC236}">
-                <a16:creationId xmlns:a16="http://schemas.microsoft.com/office/drawing/2014/main" id="{4E990C44-3F0C-4D38-9714-A3C5E386361B}"/>
+                <a16:creationId xmlns:a16="http://schemas.microsoft.com/office/drawing/2014/main" id="{1C183E19-B016-4D1A-984F-42D966F9172A}"/>
               </a:ext>
             </a:extLst>
           </p:cNvPr>
@@ -13904,8 +13819,20 @@
           <a:lstStyle/>
           <a:p>
             <a:r>
+              <a:rPr lang="en-US" altLang="zh-CN" dirty="0"/>
+              <a:t>synchronized</a:t>
+            </a:r>
+            <a:r>
               <a:rPr lang="zh-CN" altLang="en-US" dirty="0"/>
-              <a:t>具体设计方法</a:t>
+              <a:t>与</a:t>
+            </a:r>
+            <a:r>
+              <a:rPr lang="en-US" altLang="zh-CN" dirty="0"/>
+              <a:t>volatile</a:t>
+            </a:r>
+            <a:r>
+              <a:rPr lang="zh-CN" altLang="en-US" dirty="0"/>
+              <a:t>的区别</a:t>
             </a:r>
           </a:p>
         </p:txBody>
@@ -13915,7 +13842,7 @@
           <p:cNvPr id="3" name="内容占位符 2">
             <a:extLst>
               <a:ext uri="{FF2B5EF4-FFF2-40B4-BE49-F238E27FC236}">
-                <a16:creationId xmlns:a16="http://schemas.microsoft.com/office/drawing/2014/main" id="{8CDE4E5E-2F4C-43D4-A384-AAB21C7DC013}"/>
+                <a16:creationId xmlns:a16="http://schemas.microsoft.com/office/drawing/2014/main" id="{1F31CB4A-073E-4647-9B1D-05E5F6B2956B}"/>
               </a:ext>
             </a:extLst>
           </p:cNvPr>
@@ -13928,80 +13855,38 @@
         </p:nvSpPr>
         <p:spPr/>
         <p:txBody>
-          <a:bodyPr/>
-          <a:lstStyle/>
-          <a:p>
+          <a:bodyPr>
+            <a:normAutofit/>
+          </a:bodyPr>
+          <a:lstStyle/>
+          <a:p>
+            <a:r>
+              <a:rPr lang="en-US" altLang="zh-CN" dirty="0"/>
+              <a:t>volatile: </a:t>
+            </a:r>
             <a:r>
               <a:rPr lang="zh-CN" altLang="en-US" dirty="0"/>
-              <a:t>内置锁：</a:t>
-            </a:r>
-            <a:r>
-              <a:rPr lang="en-US" altLang="zh-CN" dirty="0" err="1"/>
-              <a:t>SafeHashSetBySync</a:t>
+              <a:t>仅能保证可见性</a:t>
+            </a:r>
+            <a:endParaRPr lang="en-US" altLang="zh-CN" dirty="0"/>
+          </a:p>
+          <a:p>
+            <a:r>
+              <a:rPr lang="en-US" altLang="zh-CN" dirty="0"/>
+              <a:t>synchronized: </a:t>
             </a:r>
             <a:r>
               <a:rPr lang="zh-CN" altLang="en-US" dirty="0"/>
-              <a:t>，</a:t>
-            </a:r>
-            <a:r>
-              <a:rPr lang="en-US" altLang="zh-CN" dirty="0" err="1"/>
-              <a:t>SafeCounterByMonitorPattern</a:t>
+              <a:t>可见性，原子性</a:t>
             </a:r>
             <a:endParaRPr lang="en-US" altLang="zh-CN" dirty="0"/>
-          </a:p>
-          <a:p>
-            <a:r>
-              <a:rPr lang="zh-CN" altLang="en-US" dirty="0"/>
-              <a:t>不变性：</a:t>
-            </a:r>
-            <a:r>
-              <a:rPr lang="en-US" altLang="zh-CN" dirty="0" err="1"/>
-              <a:t>SafeOneStatusByFinal</a:t>
-            </a:r>
-            <a:endParaRPr lang="en-US" altLang="zh-CN" dirty="0"/>
-          </a:p>
-          <a:p>
-            <a:r>
-              <a:rPr lang="en-US" altLang="zh-CN" dirty="0"/>
-              <a:t>copy: </a:t>
-            </a:r>
-            <a:r>
-              <a:rPr lang="en-US" altLang="zh-CN" dirty="0" err="1"/>
-              <a:t>SafeMultiDimStatusByCopy</a:t>
-            </a:r>
-            <a:r>
-              <a:rPr lang="en-US" altLang="zh-CN" dirty="0"/>
-              <a:t> </a:t>
-            </a:r>
-          </a:p>
-          <a:p>
-            <a:r>
-              <a:rPr lang="en-US" altLang="zh-CN" dirty="0"/>
-              <a:t>CAS: </a:t>
-            </a:r>
-            <a:r>
-              <a:rPr lang="en-US" altLang="zh-CN" dirty="0" err="1"/>
-              <a:t>SafeCounterByCAS</a:t>
-            </a:r>
-            <a:endParaRPr lang="en-US" altLang="zh-CN" dirty="0"/>
-          </a:p>
-          <a:p>
-            <a:r>
-              <a:rPr lang="en-US" altLang="zh-CN" dirty="0"/>
-              <a:t>AQS: </a:t>
-            </a:r>
-            <a:r>
-              <a:rPr lang="en-US" altLang="zh-CN" dirty="0" err="1"/>
-              <a:t>SafeMultiDimStatusByAQS</a:t>
-            </a:r>
-            <a:endParaRPr lang="zh-CN" altLang="en-US" dirty="0"/>
           </a:p>
         </p:txBody>
       </p:sp>
     </p:spTree>
     <p:extLst>
       <p:ext uri="{BB962C8B-B14F-4D97-AF65-F5344CB8AC3E}">
-        <p14:creationId xmlns:p14="http://schemas.microsoft.com/office/powerpoint/2010/main" val="2030900263"/>
+        <p14:creationId xmlns:p14="http://schemas.microsoft.com/office/powerpoint/2010/main" val="2003684436"/>
       </p:ext>
     </p:extLst>
   </p:cSld>
@@ -14030,95 +13915,106 @@
       </p:grpSpPr>
       <p:sp>
         <p:nvSpPr>
-          <p:cNvPr id="2" name="标题 1">
+          <p:cNvPr id="4" name="文本框 3">
             <a:extLst>
               <a:ext uri="{FF2B5EF4-FFF2-40B4-BE49-F238E27FC236}">
-                <a16:creationId xmlns:a16="http://schemas.microsoft.com/office/drawing/2014/main" id="{FCD323CB-FA43-4278-B3D4-4F02822E2206}"/>
+                <a16:creationId xmlns:a16="http://schemas.microsoft.com/office/drawing/2014/main" id="{77C3BB61-4C1A-4BCA-B8EA-4288602A6361}"/>
               </a:ext>
             </a:extLst>
           </p:cNvPr>
-          <p:cNvSpPr>
-            <a:spLocks noGrp="1"/>
-          </p:cNvSpPr>
-          <p:nvPr>
-            <p:ph type="title"/>
-          </p:nvPr>
-        </p:nvSpPr>
-        <p:spPr/>
-        <p:txBody>
-          <a:bodyPr/>
-          <a:lstStyle/>
-          <a:p>
-            <a:r>
-              <a:rPr lang="zh-CN" altLang="en-US" dirty="0"/>
-              <a:t>深安全类设计</a:t>
-            </a:r>
-          </a:p>
-        </p:txBody>
-      </p:sp>
-      <p:sp>
-        <p:nvSpPr>
-          <p:cNvPr id="3" name="内容占位符 2">
-            <a:extLst>
-              <a:ext uri="{FF2B5EF4-FFF2-40B4-BE49-F238E27FC236}">
-                <a16:creationId xmlns:a16="http://schemas.microsoft.com/office/drawing/2014/main" id="{4F5792FF-6D49-4B06-8986-3BBD9FB7DDDC}"/>
-              </a:ext>
-            </a:extLst>
-          </p:cNvPr>
-          <p:cNvSpPr>
-            <a:spLocks noGrp="1"/>
-          </p:cNvSpPr>
-          <p:nvPr>
-            <p:ph idx="1"/>
-          </p:nvPr>
-        </p:nvSpPr>
-        <p:spPr/>
-        <p:txBody>
-          <a:bodyPr/>
-          <a:lstStyle/>
-          <a:p>
-            <a:r>
-              <a:rPr lang="zh-CN" altLang="en-US" dirty="0"/>
-              <a:t>深安全类：安全类中的引用型成员变量的类型也为安全类</a:t>
-            </a:r>
-            <a:endParaRPr lang="en-US" altLang="zh-CN" dirty="0"/>
-          </a:p>
-          <a:p>
-            <a:endParaRPr lang="en-US" altLang="zh-CN" dirty="0"/>
-          </a:p>
-          <a:p>
-            <a:r>
-              <a:rPr lang="zh-CN" altLang="en-US" dirty="0"/>
-              <a:t>方法：嵌套</a:t>
-            </a:r>
-            <a:endParaRPr lang="en-US" altLang="zh-CN" dirty="0"/>
-          </a:p>
-          <a:p>
-            <a:pPr marL="0" indent="0">
-              <a:buNone/>
-            </a:pPr>
-            <a:endParaRPr lang="en-US" altLang="zh-CN" dirty="0"/>
-          </a:p>
-          <a:p>
-            <a:r>
-              <a:rPr lang="zh-CN" altLang="en-US" dirty="0"/>
-              <a:t>演示：</a:t>
-            </a:r>
-            <a:r>
-              <a:rPr lang="en-US" altLang="zh-CN" dirty="0" err="1"/>
-              <a:t>DeepSafeStatus</a:t>
-            </a:r>
-            <a:endParaRPr lang="en-US" altLang="zh-CN" dirty="0"/>
-          </a:p>
-          <a:p>
-            <a:endParaRPr lang="zh-CN" altLang="en-US" dirty="0"/>
+          <p:cNvSpPr txBox="1"/>
+          <p:nvPr/>
+        </p:nvSpPr>
+        <p:spPr>
+          <a:xfrm>
+            <a:off x="2136911" y="1520686"/>
+            <a:ext cx="8736497" cy="3477875"/>
+          </a:xfrm>
+          <a:prstGeom prst="rect">
+            <a:avLst/>
+          </a:prstGeom>
+          <a:noFill/>
+        </p:spPr>
+        <p:txBody>
+          <a:bodyPr wrap="square" rtlCol="0">
+            <a:spAutoFit/>
+            <a:scene3d>
+              <a:camera prst="orthographicFront"/>
+              <a:lightRig rig="soft" dir="t">
+                <a:rot lat="0" lon="0" rev="15600000"/>
+              </a:lightRig>
+            </a:scene3d>
+            <a:sp3d extrusionH="57150" prstMaterial="softEdge">
+              <a:bevelT w="25400" h="38100"/>
+            </a:sp3d>
+          </a:bodyPr>
+          <a:lstStyle/>
+          <a:p>
+            <a:r>
+              <a:rPr lang="zh-CN" altLang="en-US" sz="4400" dirty="0">
+                <a:ln w="0"/>
+                <a:effectLst>
+                  <a:outerShdw blurRad="38100" dist="19050" dir="2700000" algn="tl" rotWithShape="0">
+                    <a:schemeClr val="dk1">
+                      <a:alpha val="40000"/>
+                    </a:schemeClr>
+                  </a:outerShdw>
+                </a:effectLst>
+              </a:rPr>
+              <a:t>前面所讲：局部，面向过程</a:t>
+            </a:r>
+            <a:endParaRPr lang="en-US" altLang="zh-CN" sz="4400" dirty="0">
+              <a:ln w="0"/>
+              <a:effectLst>
+                <a:outerShdw blurRad="38100" dist="19050" dir="2700000" algn="tl" rotWithShape="0">
+                  <a:schemeClr val="dk1">
+                    <a:alpha val="40000"/>
+                  </a:schemeClr>
+                </a:outerShdw>
+              </a:effectLst>
+            </a:endParaRPr>
+          </a:p>
+          <a:p>
+            <a:endParaRPr lang="en-US" altLang="zh-CN" sz="4400" dirty="0">
+              <a:ln w="0"/>
+              <a:effectLst>
+                <a:outerShdw blurRad="38100" dist="19050" dir="2700000" algn="tl" rotWithShape="0">
+                  <a:schemeClr val="dk1">
+                    <a:alpha val="40000"/>
+                  </a:schemeClr>
+                </a:outerShdw>
+              </a:effectLst>
+            </a:endParaRPr>
+          </a:p>
+          <a:p>
+            <a:r>
+              <a:rPr lang="zh-CN" altLang="en-US" sz="4400" dirty="0">
+                <a:ln w="0"/>
+                <a:effectLst>
+                  <a:outerShdw blurRad="38100" dist="19050" dir="2700000" algn="tl" rotWithShape="0">
+                    <a:schemeClr val="dk1">
+                      <a:alpha val="40000"/>
+                    </a:schemeClr>
+                  </a:outerShdw>
+                </a:effectLst>
+              </a:rPr>
+              <a:t>问：面向对象，如何设计一个线程安全的类？</a:t>
+            </a:r>
+          </a:p>
+          <a:p>
+            <a:endParaRPr lang="en-US" altLang="zh-CN" sz="4400" b="1" dirty="0">
+              <a:ln/>
+              <a:solidFill>
+                <a:schemeClr val="accent4"/>
+              </a:solidFill>
+            </a:endParaRPr>
           </a:p>
         </p:txBody>
       </p:sp>
     </p:spTree>
     <p:extLst>
       <p:ext uri="{BB962C8B-B14F-4D97-AF65-F5344CB8AC3E}">
-        <p14:creationId xmlns:p14="http://schemas.microsoft.com/office/powerpoint/2010/main" val="3162420583"/>
+        <p14:creationId xmlns:p14="http://schemas.microsoft.com/office/powerpoint/2010/main" val="445277244"/>
       </p:ext>
     </p:extLst>
   </p:cSld>
@@ -14150,7 +14046,7 @@
           <p:cNvPr id="2" name="标题 1">
             <a:extLst>
               <a:ext uri="{FF2B5EF4-FFF2-40B4-BE49-F238E27FC236}">
-                <a16:creationId xmlns:a16="http://schemas.microsoft.com/office/drawing/2014/main" id="{9A3C2EE5-8AE5-4BDD-992D-848B36F17D57}"/>
+                <a16:creationId xmlns:a16="http://schemas.microsoft.com/office/drawing/2014/main" id="{036468BC-EB6B-4967-8B00-C7784E09020E}"/>
               </a:ext>
             </a:extLst>
           </p:cNvPr>
@@ -14168,84 +14064,7 @@
           <a:p>
             <a:r>
               <a:rPr lang="zh-CN" altLang="en-US" dirty="0"/>
-              <a:t>扩展已有安全类</a:t>
-            </a:r>
-          </a:p>
-        </p:txBody>
-      </p:sp>
-      <p:sp>
-        <p:nvSpPr>
-          <p:cNvPr id="3" name="内容占位符 2">
-            <a:extLst>
-              <a:ext uri="{FF2B5EF4-FFF2-40B4-BE49-F238E27FC236}">
-                <a16:creationId xmlns:a16="http://schemas.microsoft.com/office/drawing/2014/main" id="{AE98A123-21CB-4C61-882F-CC0945FB061C}"/>
-              </a:ext>
-            </a:extLst>
-          </p:cNvPr>
-          <p:cNvSpPr>
-            <a:spLocks noGrp="1"/>
-          </p:cNvSpPr>
-          <p:nvPr>
-            <p:ph idx="1"/>
-          </p:nvPr>
-        </p:nvSpPr>
-        <p:spPr/>
-        <p:txBody>
-          <a:bodyPr/>
-          <a:lstStyle/>
-          <a:p>
-            <a:pPr marL="0" indent="0">
-              <a:buNone/>
-            </a:pPr>
-            <a:r>
-              <a:rPr lang="zh-CN" altLang="en-US" dirty="0"/>
-              <a:t>案例：给</a:t>
-            </a:r>
-            <a:r>
-              <a:rPr lang="en-US" altLang="zh-CN" dirty="0"/>
-              <a:t>Vector</a:t>
-            </a:r>
-            <a:r>
-              <a:rPr lang="zh-CN" altLang="en-US" dirty="0"/>
-              <a:t>增加 </a:t>
-            </a:r>
-            <a:r>
-              <a:rPr lang="en-US" altLang="zh-CN" dirty="0" err="1"/>
-              <a:t>addIfAbsent</a:t>
-            </a:r>
-            <a:endParaRPr lang="en-US" altLang="zh-CN" dirty="0"/>
-          </a:p>
-          <a:p>
-            <a:pPr>
-              <a:buFont typeface="Wingdings" panose="05000000000000000000" pitchFamily="2" charset="2"/>
-              <a:buChar char="l"/>
-            </a:pPr>
-            <a:r>
-              <a:rPr lang="zh-CN" altLang="en-US" dirty="0"/>
-              <a:t>继承：</a:t>
-            </a:r>
-            <a:r>
-              <a:rPr lang="en-US" altLang="zh-CN" dirty="0" err="1"/>
-              <a:t>MyVectorByExtend</a:t>
-            </a:r>
-            <a:endParaRPr lang="en-US" altLang="zh-CN" dirty="0"/>
-          </a:p>
-          <a:p>
-            <a:pPr>
-              <a:buFont typeface="Wingdings" panose="05000000000000000000" pitchFamily="2" charset="2"/>
-              <a:buChar char="l"/>
-            </a:pPr>
-            <a:r>
-              <a:rPr lang="zh-CN" altLang="en-US" dirty="0"/>
-              <a:t>组合：</a:t>
-            </a:r>
-            <a:r>
-              <a:rPr lang="en-US" altLang="zh-CN" dirty="0" err="1"/>
-              <a:t>MyVectorByComposing</a:t>
-            </a:r>
-            <a:r>
-              <a:rPr lang="en-US" altLang="zh-CN" dirty="0"/>
-              <a:t> </a:t>
+              <a:t>三、设计线程安全类</a:t>
             </a:r>
           </a:p>
         </p:txBody>
@@ -14253,7 +14072,7 @@
     </p:spTree>
     <p:extLst>
       <p:ext uri="{BB962C8B-B14F-4D97-AF65-F5344CB8AC3E}">
-        <p14:creationId xmlns:p14="http://schemas.microsoft.com/office/powerpoint/2010/main" val="3147640785"/>
+        <p14:creationId xmlns:p14="http://schemas.microsoft.com/office/powerpoint/2010/main" val="3061455566"/>
       </p:ext>
     </p:extLst>
   </p:cSld>
@@ -14285,7 +14104,7 @@
           <p:cNvPr id="2" name="标题 1">
             <a:extLst>
               <a:ext uri="{FF2B5EF4-FFF2-40B4-BE49-F238E27FC236}">
-                <a16:creationId xmlns:a16="http://schemas.microsoft.com/office/drawing/2014/main" id="{7167F7D3-E7BB-44C9-917C-4D3460A1D0A7}"/>
+                <a16:creationId xmlns:a16="http://schemas.microsoft.com/office/drawing/2014/main" id="{983DF41B-EF1B-4900-B15B-35CA4D6A7E69}"/>
               </a:ext>
             </a:extLst>
           </p:cNvPr>
@@ -14303,7 +14122,7 @@
           <a:p>
             <a:r>
               <a:rPr lang="zh-CN" altLang="en-US" dirty="0"/>
-              <a:t>案例</a:t>
+              <a:t>安全类设计</a:t>
             </a:r>
           </a:p>
         </p:txBody>
@@ -14313,7 +14132,7 @@
           <p:cNvPr id="3" name="内容占位符 2">
             <a:extLst>
               <a:ext uri="{FF2B5EF4-FFF2-40B4-BE49-F238E27FC236}">
-                <a16:creationId xmlns:a16="http://schemas.microsoft.com/office/drawing/2014/main" id="{6AE5DE7A-9546-43CA-8B43-78846D1C98FE}"/>
+                <a16:creationId xmlns:a16="http://schemas.microsoft.com/office/drawing/2014/main" id="{20DE328D-CCF0-41E5-AA00-F5E4CDD24993}"/>
               </a:ext>
             </a:extLst>
           </p:cNvPr>
@@ -14329,32 +14148,49 @@
           <a:bodyPr/>
           <a:lstStyle/>
           <a:p>
-            <a:pPr marL="0" indent="0">
-              <a:buNone/>
-            </a:pPr>
             <a:r>
               <a:rPr lang="zh-CN" altLang="en-US" dirty="0"/>
-              <a:t>车辆追踪系统</a:t>
+              <a:t>线程安全类：安全指线程安全，外部只能通过成员方法来修改对象状态，成员方法都是原子性的。</a:t>
             </a:r>
             <a:endParaRPr lang="en-US" altLang="zh-CN" dirty="0"/>
           </a:p>
           <a:p>
-            <a:pPr marL="0" indent="0">
-              <a:buNone/>
-            </a:pPr>
+            <a:endParaRPr lang="en-US" altLang="zh-CN" dirty="0"/>
+          </a:p>
+          <a:p>
             <a:r>
               <a:rPr lang="zh-CN" altLang="en-US" dirty="0"/>
-              <a:t>描述见</a:t>
+              <a:t>强一致：对象内部状态始终是一致</a:t>
             </a:r>
             <a:r>
               <a:rPr lang="en-US" altLang="zh-CN" dirty="0"/>
-              <a:t>package-info.java</a:t>
-            </a:r>
-          </a:p>
-          <a:p>
-            <a:pPr marL="0" indent="0">
-              <a:buNone/>
-            </a:pPr>
+              <a:t>, </a:t>
+            </a:r>
+            <a:r>
+              <a:rPr lang="en-US" altLang="zh-CN" dirty="0" err="1"/>
+              <a:t>StrongConsistencyPosition</a:t>
+            </a:r>
+            <a:endParaRPr lang="en-US" altLang="zh-CN" dirty="0"/>
+          </a:p>
+          <a:p>
+            <a:r>
+              <a:rPr lang="zh-CN" altLang="en-US" dirty="0"/>
+              <a:t>弱一致：对象内部状态有时不一致</a:t>
+            </a:r>
+            <a:r>
+              <a:rPr lang="en-US" altLang="zh-CN" dirty="0"/>
+              <a:t>, </a:t>
+            </a:r>
+            <a:r>
+              <a:rPr lang="en-US" altLang="zh-CN" dirty="0" err="1"/>
+              <a:t>WeakConsistencyPosition</a:t>
+            </a:r>
+            <a:endParaRPr lang="en-US" altLang="zh-CN" dirty="0"/>
+          </a:p>
+          <a:p>
+            <a:endParaRPr lang="en-US" altLang="zh-CN" dirty="0"/>
+          </a:p>
+          <a:p>
             <a:endParaRPr lang="en-US" altLang="zh-CN" dirty="0"/>
           </a:p>
         </p:txBody>
@@ -14362,7 +14198,7 @@
     </p:spTree>
     <p:extLst>
       <p:ext uri="{BB962C8B-B14F-4D97-AF65-F5344CB8AC3E}">
-        <p14:creationId xmlns:p14="http://schemas.microsoft.com/office/powerpoint/2010/main" val="1324002931"/>
+        <p14:creationId xmlns:p14="http://schemas.microsoft.com/office/powerpoint/2010/main" val="2937549950"/>
       </p:ext>
     </p:extLst>
   </p:cSld>
@@ -14394,7 +14230,7 @@
           <p:cNvPr id="2" name="标题 1">
             <a:extLst>
               <a:ext uri="{FF2B5EF4-FFF2-40B4-BE49-F238E27FC236}">
-                <a16:creationId xmlns:a16="http://schemas.microsoft.com/office/drawing/2014/main" id="{976D412D-DED7-4C59-98F7-5CC01AD68164}"/>
+                <a16:creationId xmlns:a16="http://schemas.microsoft.com/office/drawing/2014/main" id="{4E990C44-3F0C-4D38-9714-A3C5E386361B}"/>
               </a:ext>
             </a:extLst>
           </p:cNvPr>
@@ -14412,15 +14248,103 @@
           <a:p>
             <a:r>
               <a:rPr lang="zh-CN" altLang="en-US" dirty="0"/>
-              <a:t>四、基础构建模块</a:t>
-            </a:r>
+              <a:t>具体设计方法</a:t>
+            </a:r>
+          </a:p>
+        </p:txBody>
+      </p:sp>
+      <p:sp>
+        <p:nvSpPr>
+          <p:cNvPr id="3" name="内容占位符 2">
+            <a:extLst>
+              <a:ext uri="{FF2B5EF4-FFF2-40B4-BE49-F238E27FC236}">
+                <a16:creationId xmlns:a16="http://schemas.microsoft.com/office/drawing/2014/main" id="{8CDE4E5E-2F4C-43D4-A384-AAB21C7DC013}"/>
+              </a:ext>
+            </a:extLst>
+          </p:cNvPr>
+          <p:cNvSpPr>
+            <a:spLocks noGrp="1"/>
+          </p:cNvSpPr>
+          <p:nvPr>
+            <p:ph idx="1"/>
+          </p:nvPr>
+        </p:nvSpPr>
+        <p:spPr/>
+        <p:txBody>
+          <a:bodyPr/>
+          <a:lstStyle/>
+          <a:p>
+            <a:r>
+              <a:rPr lang="zh-CN" altLang="en-US" dirty="0"/>
+              <a:t>内置锁：</a:t>
+            </a:r>
+            <a:r>
+              <a:rPr lang="en-US" altLang="zh-CN" dirty="0" err="1"/>
+              <a:t>SafeHashSetBySync</a:t>
+            </a:r>
+            <a:r>
+              <a:rPr lang="zh-CN" altLang="en-US" dirty="0"/>
+              <a:t>，</a:t>
+            </a:r>
+            <a:r>
+              <a:rPr lang="en-US" altLang="zh-CN" dirty="0" err="1"/>
+              <a:t>SafeCounterByMonitorPattern</a:t>
+            </a:r>
+            <a:endParaRPr lang="en-US" altLang="zh-CN" dirty="0"/>
+          </a:p>
+          <a:p>
+            <a:r>
+              <a:rPr lang="zh-CN" altLang="en-US" dirty="0"/>
+              <a:t>不变性：</a:t>
+            </a:r>
+            <a:r>
+              <a:rPr lang="en-US" altLang="zh-CN" dirty="0" err="1"/>
+              <a:t>SafeOneStatusByFinal</a:t>
+            </a:r>
+            <a:endParaRPr lang="en-US" altLang="zh-CN" dirty="0"/>
+          </a:p>
+          <a:p>
+            <a:r>
+              <a:rPr lang="en-US" altLang="zh-CN" dirty="0"/>
+              <a:t>copy: </a:t>
+            </a:r>
+            <a:r>
+              <a:rPr lang="en-US" altLang="zh-CN" dirty="0" err="1"/>
+              <a:t>SafeMultiDimStatusByCopy</a:t>
+            </a:r>
+            <a:r>
+              <a:rPr lang="en-US" altLang="zh-CN" dirty="0"/>
+              <a:t> </a:t>
+            </a:r>
+          </a:p>
+          <a:p>
+            <a:r>
+              <a:rPr lang="en-US" altLang="zh-CN" dirty="0"/>
+              <a:t>CAS: </a:t>
+            </a:r>
+            <a:r>
+              <a:rPr lang="en-US" altLang="zh-CN" dirty="0" err="1"/>
+              <a:t>SafeCounterByCAS</a:t>
+            </a:r>
+            <a:endParaRPr lang="en-US" altLang="zh-CN" dirty="0"/>
+          </a:p>
+          <a:p>
+            <a:r>
+              <a:rPr lang="en-US" altLang="zh-CN" dirty="0"/>
+              <a:t>AQS: </a:t>
+            </a:r>
+            <a:r>
+              <a:rPr lang="en-US" altLang="zh-CN" dirty="0" err="1"/>
+              <a:t>SafeMultiDimStatusByAQS</a:t>
+            </a:r>
+            <a:endParaRPr lang="zh-CN" altLang="en-US" dirty="0"/>
           </a:p>
         </p:txBody>
       </p:sp>
     </p:spTree>
     <p:extLst>
       <p:ext uri="{BB962C8B-B14F-4D97-AF65-F5344CB8AC3E}">
-        <p14:creationId xmlns:p14="http://schemas.microsoft.com/office/powerpoint/2010/main" val="4205606506"/>
+        <p14:creationId xmlns:p14="http://schemas.microsoft.com/office/powerpoint/2010/main" val="2030900263"/>
       </p:ext>
     </p:extLst>
   </p:cSld>
@@ -14452,7 +14376,7 @@
           <p:cNvPr id="2" name="标题 1">
             <a:extLst>
               <a:ext uri="{FF2B5EF4-FFF2-40B4-BE49-F238E27FC236}">
-                <a16:creationId xmlns:a16="http://schemas.microsoft.com/office/drawing/2014/main" id="{2ED01804-F336-4632-87C7-BE48E1AFCEBD}"/>
+                <a16:creationId xmlns:a16="http://schemas.microsoft.com/office/drawing/2014/main" id="{FCD323CB-FA43-4278-B3D4-4F02822E2206}"/>
               </a:ext>
             </a:extLst>
           </p:cNvPr>
@@ -14470,7 +14394,7 @@
           <a:p>
             <a:r>
               <a:rPr lang="zh-CN" altLang="en-US" dirty="0"/>
-              <a:t>同步容器</a:t>
+              <a:t>深安全类设计</a:t>
             </a:r>
           </a:p>
         </p:txBody>
@@ -14480,7 +14404,7 @@
           <p:cNvPr id="3" name="内容占位符 2">
             <a:extLst>
               <a:ext uri="{FF2B5EF4-FFF2-40B4-BE49-F238E27FC236}">
-                <a16:creationId xmlns:a16="http://schemas.microsoft.com/office/drawing/2014/main" id="{FABC3246-6234-4B89-92ED-E3070AF6BFDD}"/>
+                <a16:creationId xmlns:a16="http://schemas.microsoft.com/office/drawing/2014/main" id="{4F5792FF-6D49-4B06-8986-3BBD9FB7DDDC}"/>
               </a:ext>
             </a:extLst>
           </p:cNvPr>
@@ -14497,94 +14421,47 @@
           <a:lstStyle/>
           <a:p>
             <a:r>
-              <a:rPr lang="en-US" altLang="zh-CN" dirty="0"/>
-              <a:t>Vector</a:t>
-            </a:r>
-            <a:r>
               <a:rPr lang="zh-CN" altLang="en-US" dirty="0"/>
-              <a:t>：实现</a:t>
-            </a:r>
-            <a:r>
-              <a:rPr lang="en-US" altLang="zh-CN" dirty="0"/>
-              <a:t>List</a:t>
-            </a:r>
+              <a:t>深安全类：安全类中的引用型成员变量的类型也为安全类</a:t>
+            </a:r>
+            <a:endParaRPr lang="en-US" altLang="zh-CN" dirty="0"/>
+          </a:p>
+          <a:p>
+            <a:endParaRPr lang="en-US" altLang="zh-CN" dirty="0"/>
+          </a:p>
+          <a:p>
             <a:r>
               <a:rPr lang="zh-CN" altLang="en-US" dirty="0"/>
-              <a:t>接口，用法如</a:t>
-            </a:r>
-            <a:r>
-              <a:rPr lang="en-US" altLang="zh-CN" dirty="0"/>
-              <a:t>List</a:t>
-            </a:r>
-          </a:p>
-          <a:p>
+              <a:t>方法：嵌套</a:t>
+            </a:r>
+            <a:endParaRPr lang="en-US" altLang="zh-CN" dirty="0"/>
+          </a:p>
+          <a:p>
+            <a:pPr marL="0" indent="0">
+              <a:buNone/>
+            </a:pPr>
+            <a:endParaRPr lang="en-US" altLang="zh-CN" dirty="0"/>
+          </a:p>
+          <a:p>
+            <a:r>
+              <a:rPr lang="zh-CN" altLang="en-US" dirty="0"/>
+              <a:t>演示：</a:t>
+            </a:r>
             <a:r>
               <a:rPr lang="en-US" altLang="zh-CN" dirty="0" err="1"/>
-              <a:t>HashTable</a:t>
-            </a:r>
-            <a:r>
-              <a:rPr lang="zh-CN" altLang="en-US" dirty="0"/>
-              <a:t>：实现</a:t>
-            </a:r>
-            <a:r>
-              <a:rPr lang="en-US" altLang="zh-CN" dirty="0"/>
-              <a:t>Map</a:t>
-            </a:r>
-            <a:r>
-              <a:rPr lang="zh-CN" altLang="en-US" dirty="0"/>
-              <a:t>接口</a:t>
+              <a:t>DeepSafeStatus</a:t>
             </a:r>
             <a:endParaRPr lang="en-US" altLang="zh-CN" dirty="0"/>
           </a:p>
           <a:p>
-            <a:r>
-              <a:rPr lang="en-US" altLang="zh-CN" dirty="0" err="1"/>
-              <a:t>Collections.synchronizedXxx</a:t>
-            </a:r>
-            <a:r>
-              <a:rPr lang="en-US" altLang="zh-CN" dirty="0"/>
-              <a:t>()</a:t>
-            </a:r>
-            <a:r>
-              <a:rPr lang="zh-CN" altLang="en-US" dirty="0"/>
-              <a:t>：实现</a:t>
-            </a:r>
-            <a:r>
-              <a:rPr lang="en-US" altLang="zh-CN" dirty="0"/>
-              <a:t>Xxx</a:t>
-            </a:r>
-            <a:r>
-              <a:rPr lang="zh-CN" altLang="en-US" dirty="0"/>
-              <a:t>接口，代理模式</a:t>
-            </a:r>
-            <a:endParaRPr lang="en-US" altLang="zh-CN" dirty="0"/>
-          </a:p>
-          <a:p>
-            <a:endParaRPr lang="en-US" altLang="zh-CN" dirty="0"/>
-          </a:p>
-          <a:p>
-            <a:r>
-              <a:rPr lang="zh-CN" altLang="en-US" dirty="0"/>
-              <a:t>特征：都使用内置锁，容器中每个方法都是同步方法，被认为线程安全</a:t>
-            </a:r>
-            <a:endParaRPr lang="en-US" altLang="zh-CN" dirty="0"/>
-          </a:p>
-          <a:p>
-            <a:endParaRPr lang="en-US" altLang="zh-CN" dirty="0"/>
-          </a:p>
-          <a:p>
-            <a:r>
-              <a:rPr lang="zh-CN" altLang="en-US" dirty="0"/>
-              <a:t>问：既然它们是线程安全的，我们使用它时就不需要考虑线程安全问题吗？</a:t>
-            </a:r>
-            <a:endParaRPr lang="en-US" altLang="zh-CN" dirty="0"/>
+            <a:endParaRPr lang="zh-CN" altLang="en-US" dirty="0"/>
           </a:p>
         </p:txBody>
       </p:sp>
     </p:spTree>
     <p:extLst>
       <p:ext uri="{BB962C8B-B14F-4D97-AF65-F5344CB8AC3E}">
-        <p14:creationId xmlns:p14="http://schemas.microsoft.com/office/powerpoint/2010/main" val="675159733"/>
+        <p14:creationId xmlns:p14="http://schemas.microsoft.com/office/powerpoint/2010/main" val="3162420583"/>
       </p:ext>
     </p:extLst>
   </p:cSld>
@@ -14613,10 +14490,38 @@
       </p:grpSpPr>
       <p:sp>
         <p:nvSpPr>
+          <p:cNvPr id="2" name="标题 1">
+            <a:extLst>
+              <a:ext uri="{FF2B5EF4-FFF2-40B4-BE49-F238E27FC236}">
+                <a16:creationId xmlns:a16="http://schemas.microsoft.com/office/drawing/2014/main" id="{9A3C2EE5-8AE5-4BDD-992D-848B36F17D57}"/>
+              </a:ext>
+            </a:extLst>
+          </p:cNvPr>
+          <p:cNvSpPr>
+            <a:spLocks noGrp="1"/>
+          </p:cNvSpPr>
+          <p:nvPr>
+            <p:ph type="title"/>
+          </p:nvPr>
+        </p:nvSpPr>
+        <p:spPr/>
+        <p:txBody>
+          <a:bodyPr/>
+          <a:lstStyle/>
+          <a:p>
+            <a:r>
+              <a:rPr lang="zh-CN" altLang="en-US" dirty="0"/>
+              <a:t>扩展已有安全类</a:t>
+            </a:r>
+          </a:p>
+        </p:txBody>
+      </p:sp>
+      <p:sp>
+        <p:nvSpPr>
           <p:cNvPr id="3" name="内容占位符 2">
             <a:extLst>
               <a:ext uri="{FF2B5EF4-FFF2-40B4-BE49-F238E27FC236}">
-                <a16:creationId xmlns:a16="http://schemas.microsoft.com/office/drawing/2014/main" id="{6C8D6579-CFF0-49AC-8120-A26572A8705A}"/>
+                <a16:creationId xmlns:a16="http://schemas.microsoft.com/office/drawing/2014/main" id="{AE98A123-21CB-4C61-882F-CC0945FB061C}"/>
               </a:ext>
             </a:extLst>
           </p:cNvPr>
@@ -14627,12 +14532,7 @@
             <p:ph idx="1"/>
           </p:nvPr>
         </p:nvSpPr>
-        <p:spPr>
-          <a:xfrm>
-            <a:off x="931755" y="1058779"/>
-            <a:ext cx="10515600" cy="4351337"/>
-          </a:xfrm>
-        </p:spPr>
+        <p:spPr/>
         <p:txBody>
           <a:bodyPr/>
           <a:lstStyle/>
@@ -14642,15 +14542,19 @@
             </a:pPr>
             <a:r>
               <a:rPr lang="zh-CN" altLang="en-US" dirty="0"/>
-              <a:t>使用同步容器常见问题，以</a:t>
+              <a:t>案例：给</a:t>
             </a:r>
             <a:r>
               <a:rPr lang="en-US" altLang="zh-CN" dirty="0"/>
-              <a:t>vector</a:t>
+              <a:t>Vector</a:t>
             </a:r>
             <a:r>
               <a:rPr lang="zh-CN" altLang="en-US" dirty="0"/>
-              <a:t>为例：</a:t>
+              <a:t>增加 </a:t>
+            </a:r>
+            <a:r>
+              <a:rPr lang="en-US" altLang="zh-CN" dirty="0" err="1"/>
+              <a:t>addIfAbsent</a:t>
             </a:r>
             <a:endParaRPr lang="en-US" altLang="zh-CN" dirty="0"/>
           </a:p>
@@ -14661,11 +14565,11 @@
             </a:pPr>
             <a:r>
               <a:rPr lang="zh-CN" altLang="en-US" dirty="0"/>
-              <a:t>复合操作非原子：</a:t>
+              <a:t>继承：</a:t>
             </a:r>
             <a:r>
               <a:rPr lang="en-US" altLang="zh-CN" dirty="0" err="1"/>
-              <a:t>VectorCompoundOptProblemDemo</a:t>
+              <a:t>MyVectorByExtend</a:t>
             </a:r>
             <a:endParaRPr lang="en-US" altLang="zh-CN" dirty="0"/>
           </a:p>
@@ -14675,59 +14579,24 @@
               <a:buChar char="l"/>
             </a:pPr>
             <a:r>
-              <a:rPr lang="en-US" altLang="zh-CN" dirty="0"/>
-              <a:t>for</a:t>
-            </a:r>
-            <a:r>
               <a:rPr lang="zh-CN" altLang="en-US" dirty="0"/>
-              <a:t>循环中竞态条件非原子：</a:t>
+              <a:t>组合：</a:t>
+            </a:r>
+            <a:r>
+              <a:rPr lang="en-US" altLang="zh-CN" dirty="0" err="1"/>
+              <a:t>MyVectorByComposing</a:t>
             </a:r>
             <a:r>
               <a:rPr lang="en-US" altLang="zh-CN" dirty="0"/>
               <a:t> </a:t>
             </a:r>
-            <a:r>
-              <a:rPr lang="en-US" altLang="zh-CN" dirty="0" err="1"/>
-              <a:t>ProblemInForLoopDemo</a:t>
-            </a:r>
-            <a:endParaRPr lang="en-US" altLang="zh-CN" dirty="0"/>
-          </a:p>
-          <a:p>
-            <a:pPr>
-              <a:buFont typeface="Wingdings" panose="05000000000000000000" pitchFamily="2" charset="2"/>
-              <a:buChar char="l"/>
-            </a:pPr>
-            <a:r>
-              <a:rPr lang="zh-CN" altLang="en-US" dirty="0"/>
-              <a:t>使用迭代器时并发修改异常：</a:t>
-            </a:r>
-            <a:r>
-              <a:rPr lang="en-US" altLang="zh-CN" dirty="0" err="1"/>
-              <a:t>ConcurrentModificationExceptionProblemDemo</a:t>
-            </a:r>
-            <a:endParaRPr lang="en-US" altLang="zh-CN" dirty="0"/>
-          </a:p>
-          <a:p>
-            <a:pPr>
-              <a:buFont typeface="Wingdings" panose="05000000000000000000" pitchFamily="2" charset="2"/>
-              <a:buChar char="l"/>
-            </a:pPr>
-            <a:r>
-              <a:rPr lang="zh-CN" altLang="en-US" dirty="0"/>
-              <a:t>隐藏迭代器并发修改异常：</a:t>
-            </a:r>
-            <a:r>
-              <a:rPr lang="en-US" altLang="zh-CN" dirty="0" err="1"/>
-              <a:t>HiddenIteratorDemo</a:t>
-            </a:r>
-            <a:endParaRPr lang="zh-CN" altLang="en-US" dirty="0"/>
           </a:p>
         </p:txBody>
       </p:sp>
     </p:spTree>
     <p:extLst>
       <p:ext uri="{BB962C8B-B14F-4D97-AF65-F5344CB8AC3E}">
-        <p14:creationId xmlns:p14="http://schemas.microsoft.com/office/powerpoint/2010/main" val="1191919528"/>
+        <p14:creationId xmlns:p14="http://schemas.microsoft.com/office/powerpoint/2010/main" val="3147640785"/>
       </p:ext>
     </p:extLst>
   </p:cSld>
@@ -14759,7 +14628,7 @@
           <p:cNvPr id="2" name="标题 1">
             <a:extLst>
               <a:ext uri="{FF2B5EF4-FFF2-40B4-BE49-F238E27FC236}">
-                <a16:creationId xmlns:a16="http://schemas.microsoft.com/office/drawing/2014/main" id="{17ECD078-8830-4A04-8FD1-9AFE3F73C44D}"/>
+                <a16:creationId xmlns:a16="http://schemas.microsoft.com/office/drawing/2014/main" id="{7167F7D3-E7BB-44C9-917C-4D3460A1D0A7}"/>
               </a:ext>
             </a:extLst>
           </p:cNvPr>
@@ -14777,7 +14646,7 @@
           <a:p>
             <a:r>
               <a:rPr lang="zh-CN" altLang="en-US" dirty="0"/>
-              <a:t>并发容器</a:t>
+              <a:t>案例</a:t>
             </a:r>
           </a:p>
         </p:txBody>
@@ -14787,7 +14656,7 @@
           <p:cNvPr id="3" name="内容占位符 2">
             <a:extLst>
               <a:ext uri="{FF2B5EF4-FFF2-40B4-BE49-F238E27FC236}">
-                <a16:creationId xmlns:a16="http://schemas.microsoft.com/office/drawing/2014/main" id="{A04D797A-A026-40E7-87A9-3C2EA0FB33B5}"/>
+                <a16:creationId xmlns:a16="http://schemas.microsoft.com/office/drawing/2014/main" id="{6AE5DE7A-9546-43CA-8B43-78846D1C98FE}"/>
               </a:ext>
             </a:extLst>
           </p:cNvPr>
@@ -14803,127 +14672,40 @@
           <a:bodyPr/>
           <a:lstStyle/>
           <a:p>
-            <a:r>
-              <a:rPr lang="en-US" altLang="zh-CN" dirty="0" err="1"/>
-              <a:t>ConcurrentHashMap</a:t>
+            <a:pPr marL="0" indent="0">
+              <a:buNone/>
+            </a:pPr>
+            <a:r>
+              <a:rPr lang="zh-CN" altLang="en-US" dirty="0"/>
+              <a:t>车辆追踪系统</a:t>
+            </a:r>
+            <a:endParaRPr lang="en-US" altLang="zh-CN" dirty="0"/>
+          </a:p>
+          <a:p>
+            <a:pPr marL="0" indent="0">
+              <a:buNone/>
+            </a:pPr>
+            <a:r>
+              <a:rPr lang="zh-CN" altLang="en-US" dirty="0"/>
+              <a:t>描述见</a:t>
             </a:r>
             <a:r>
               <a:rPr lang="en-US" altLang="zh-CN" dirty="0"/>
-              <a:t>: </a:t>
+              <a:t>package-info.java</a:t>
             </a:r>
           </a:p>
           <a:p>
             <a:pPr marL="0" indent="0">
               <a:buNone/>
             </a:pPr>
-            <a:r>
-              <a:rPr lang="zh-CN" altLang="en-US" dirty="0"/>
-              <a:t>高并发：</a:t>
-            </a:r>
-            <a:r>
-              <a:rPr lang="en-US" altLang="zh-CN" dirty="0"/>
-              <a:t>put</a:t>
-            </a:r>
-            <a:r>
-              <a:rPr lang="zh-CN" altLang="en-US" dirty="0"/>
-              <a:t>和</a:t>
-            </a:r>
-            <a:r>
-              <a:rPr lang="en-US" altLang="zh-CN" dirty="0"/>
-              <a:t>get</a:t>
-            </a:r>
-            <a:r>
-              <a:rPr lang="zh-CN" altLang="en-US" dirty="0"/>
-              <a:t>等操作使用分段锁；不会产生</a:t>
-            </a:r>
-            <a:r>
-              <a:rPr lang="en-US" altLang="zh-CN" dirty="0" err="1"/>
-              <a:t>ConcurrentModificationException</a:t>
-            </a:r>
             <a:endParaRPr lang="en-US" altLang="zh-CN" dirty="0"/>
-          </a:p>
-          <a:p>
-            <a:pPr marL="0" indent="0">
-              <a:buNone/>
-            </a:pPr>
-            <a:r>
-              <a:rPr lang="zh-CN" altLang="en-US" dirty="0"/>
-              <a:t>弱一致性：</a:t>
-            </a:r>
-            <a:r>
-              <a:rPr lang="en-US" altLang="zh-CN" dirty="0"/>
-              <a:t>size()</a:t>
-            </a:r>
-            <a:r>
-              <a:rPr lang="zh-CN" altLang="en-US" dirty="0"/>
-              <a:t>和</a:t>
-            </a:r>
-            <a:r>
-              <a:rPr lang="en-US" altLang="zh-CN" dirty="0"/>
-              <a:t>empty()</a:t>
-            </a:r>
-            <a:r>
-              <a:rPr lang="zh-CN" altLang="en-US" dirty="0"/>
-              <a:t>等不实时。</a:t>
-            </a:r>
-            <a:r>
-              <a:rPr lang="en-US" altLang="zh-CN" dirty="0"/>
-              <a:t>size</a:t>
-            </a:r>
-            <a:r>
-              <a:rPr lang="zh-CN" altLang="en-US" dirty="0"/>
-              <a:t>原因：</a:t>
-            </a:r>
-            <a:r>
-              <a:rPr lang="en-US" altLang="zh-CN" dirty="0"/>
-              <a:t>size</a:t>
-            </a:r>
-            <a:r>
-              <a:rPr lang="zh-CN" altLang="en-US" dirty="0"/>
-              <a:t>按线程分散于子</a:t>
-            </a:r>
-            <a:r>
-              <a:rPr lang="en-US" altLang="zh-CN" dirty="0"/>
-              <a:t>size</a:t>
-            </a:r>
-            <a:r>
-              <a:rPr lang="zh-CN" altLang="en-US" dirty="0"/>
-              <a:t>数组中，求</a:t>
-            </a:r>
-            <a:r>
-              <a:rPr lang="en-US" altLang="zh-CN" dirty="0"/>
-              <a:t>size</a:t>
-            </a:r>
-            <a:r>
-              <a:rPr lang="zh-CN" altLang="en-US" dirty="0"/>
-              <a:t>时累计</a:t>
-            </a:r>
-            <a:endParaRPr lang="en-US" altLang="zh-CN" dirty="0"/>
-          </a:p>
-          <a:p>
-            <a:pPr marL="0" indent="0">
-              <a:buNone/>
-            </a:pPr>
-            <a:r>
-              <a:rPr lang="zh-CN" altLang="en-US" dirty="0"/>
-              <a:t>示例：</a:t>
-            </a:r>
-            <a:r>
-              <a:rPr lang="en-US" altLang="zh-CN" dirty="0"/>
-              <a:t> </a:t>
-            </a:r>
-            <a:r>
-              <a:rPr lang="en-US" altLang="zh-CN" dirty="0" err="1"/>
-              <a:t>ConcurrentHashMapExample</a:t>
-            </a:r>
-            <a:endParaRPr lang="zh-CN" altLang="en-US" dirty="0"/>
           </a:p>
         </p:txBody>
       </p:sp>
     </p:spTree>
     <p:extLst>
       <p:ext uri="{BB962C8B-B14F-4D97-AF65-F5344CB8AC3E}">
-        <p14:creationId xmlns:p14="http://schemas.microsoft.com/office/powerpoint/2010/main" val="281312091"/>
+        <p14:creationId xmlns:p14="http://schemas.microsoft.com/office/powerpoint/2010/main" val="1324002931"/>
       </p:ext>
     </p:extLst>
   </p:cSld>
@@ -15013,6 +14795,567 @@
           <p:cNvPr id="2" name="标题 1">
             <a:extLst>
               <a:ext uri="{FF2B5EF4-FFF2-40B4-BE49-F238E27FC236}">
+                <a16:creationId xmlns:a16="http://schemas.microsoft.com/office/drawing/2014/main" id="{976D412D-DED7-4C59-98F7-5CC01AD68164}"/>
+              </a:ext>
+            </a:extLst>
+          </p:cNvPr>
+          <p:cNvSpPr>
+            <a:spLocks noGrp="1"/>
+          </p:cNvSpPr>
+          <p:nvPr>
+            <p:ph type="title"/>
+          </p:nvPr>
+        </p:nvSpPr>
+        <p:spPr/>
+        <p:txBody>
+          <a:bodyPr/>
+          <a:lstStyle/>
+          <a:p>
+            <a:r>
+              <a:rPr lang="zh-CN" altLang="en-US" dirty="0"/>
+              <a:t>四、基础构建模块</a:t>
+            </a:r>
+          </a:p>
+        </p:txBody>
+      </p:sp>
+    </p:spTree>
+    <p:extLst>
+      <p:ext uri="{BB962C8B-B14F-4D97-AF65-F5344CB8AC3E}">
+        <p14:creationId xmlns:p14="http://schemas.microsoft.com/office/powerpoint/2010/main" val="4205606506"/>
+      </p:ext>
+    </p:extLst>
+  </p:cSld>
+  <p:clrMapOvr>
+    <a:masterClrMapping/>
+  </p:clrMapOvr>
+</p:sld>
+</file>
+
+<file path=ppt/slides/slide31.xml><?xml version="1.0" encoding="utf-8"?>
+<p:sld xmlns:a="http://schemas.openxmlformats.org/drawingml/2006/main" xmlns:r="http://schemas.openxmlformats.org/officeDocument/2006/relationships" xmlns:p="http://schemas.openxmlformats.org/presentationml/2006/main">
+  <p:cSld>
+    <p:spTree>
+      <p:nvGrpSpPr>
+        <p:cNvPr id="1" name=""/>
+        <p:cNvGrpSpPr/>
+        <p:nvPr/>
+      </p:nvGrpSpPr>
+      <p:grpSpPr>
+        <a:xfrm>
+          <a:off x="0" y="0"/>
+          <a:ext cx="0" cy="0"/>
+          <a:chOff x="0" y="0"/>
+          <a:chExt cx="0" cy="0"/>
+        </a:xfrm>
+      </p:grpSpPr>
+      <p:sp>
+        <p:nvSpPr>
+          <p:cNvPr id="2" name="标题 1">
+            <a:extLst>
+              <a:ext uri="{FF2B5EF4-FFF2-40B4-BE49-F238E27FC236}">
+                <a16:creationId xmlns:a16="http://schemas.microsoft.com/office/drawing/2014/main" id="{2ED01804-F336-4632-87C7-BE48E1AFCEBD}"/>
+              </a:ext>
+            </a:extLst>
+          </p:cNvPr>
+          <p:cNvSpPr>
+            <a:spLocks noGrp="1"/>
+          </p:cNvSpPr>
+          <p:nvPr>
+            <p:ph type="title"/>
+          </p:nvPr>
+        </p:nvSpPr>
+        <p:spPr/>
+        <p:txBody>
+          <a:bodyPr/>
+          <a:lstStyle/>
+          <a:p>
+            <a:r>
+              <a:rPr lang="zh-CN" altLang="en-US" dirty="0"/>
+              <a:t>同步容器</a:t>
+            </a:r>
+          </a:p>
+        </p:txBody>
+      </p:sp>
+      <p:sp>
+        <p:nvSpPr>
+          <p:cNvPr id="3" name="内容占位符 2">
+            <a:extLst>
+              <a:ext uri="{FF2B5EF4-FFF2-40B4-BE49-F238E27FC236}">
+                <a16:creationId xmlns:a16="http://schemas.microsoft.com/office/drawing/2014/main" id="{FABC3246-6234-4B89-92ED-E3070AF6BFDD}"/>
+              </a:ext>
+            </a:extLst>
+          </p:cNvPr>
+          <p:cNvSpPr>
+            <a:spLocks noGrp="1"/>
+          </p:cNvSpPr>
+          <p:nvPr>
+            <p:ph idx="1"/>
+          </p:nvPr>
+        </p:nvSpPr>
+        <p:spPr/>
+        <p:txBody>
+          <a:bodyPr/>
+          <a:lstStyle/>
+          <a:p>
+            <a:r>
+              <a:rPr lang="en-US" altLang="zh-CN" dirty="0"/>
+              <a:t>Vector</a:t>
+            </a:r>
+            <a:r>
+              <a:rPr lang="zh-CN" altLang="en-US" dirty="0"/>
+              <a:t>：实现</a:t>
+            </a:r>
+            <a:r>
+              <a:rPr lang="en-US" altLang="zh-CN" dirty="0"/>
+              <a:t>List</a:t>
+            </a:r>
+            <a:r>
+              <a:rPr lang="zh-CN" altLang="en-US" dirty="0"/>
+              <a:t>接口，用法如</a:t>
+            </a:r>
+            <a:r>
+              <a:rPr lang="en-US" altLang="zh-CN" dirty="0"/>
+              <a:t>List</a:t>
+            </a:r>
+          </a:p>
+          <a:p>
+            <a:r>
+              <a:rPr lang="en-US" altLang="zh-CN" dirty="0" err="1"/>
+              <a:t>HashTable</a:t>
+            </a:r>
+            <a:r>
+              <a:rPr lang="zh-CN" altLang="en-US" dirty="0"/>
+              <a:t>：实现</a:t>
+            </a:r>
+            <a:r>
+              <a:rPr lang="en-US" altLang="zh-CN" dirty="0"/>
+              <a:t>Map</a:t>
+            </a:r>
+            <a:r>
+              <a:rPr lang="zh-CN" altLang="en-US" dirty="0"/>
+              <a:t>接口</a:t>
+            </a:r>
+            <a:endParaRPr lang="en-US" altLang="zh-CN" dirty="0"/>
+          </a:p>
+          <a:p>
+            <a:r>
+              <a:rPr lang="en-US" altLang="zh-CN" dirty="0" err="1"/>
+              <a:t>Collections.synchronizedXxx</a:t>
+            </a:r>
+            <a:r>
+              <a:rPr lang="en-US" altLang="zh-CN" dirty="0"/>
+              <a:t>()</a:t>
+            </a:r>
+            <a:r>
+              <a:rPr lang="zh-CN" altLang="en-US" dirty="0"/>
+              <a:t>：实现</a:t>
+            </a:r>
+            <a:r>
+              <a:rPr lang="en-US" altLang="zh-CN" dirty="0"/>
+              <a:t>Xxx</a:t>
+            </a:r>
+            <a:r>
+              <a:rPr lang="zh-CN" altLang="en-US" dirty="0"/>
+              <a:t>接口，代理模式</a:t>
+            </a:r>
+            <a:endParaRPr lang="en-US" altLang="zh-CN" dirty="0"/>
+          </a:p>
+          <a:p>
+            <a:endParaRPr lang="en-US" altLang="zh-CN" dirty="0"/>
+          </a:p>
+          <a:p>
+            <a:r>
+              <a:rPr lang="zh-CN" altLang="en-US" dirty="0"/>
+              <a:t>特征：都使用内置锁，容器中每个方法都是同步方法，被认为线程安全</a:t>
+            </a:r>
+            <a:endParaRPr lang="en-US" altLang="zh-CN" dirty="0"/>
+          </a:p>
+          <a:p>
+            <a:endParaRPr lang="en-US" altLang="zh-CN" dirty="0"/>
+          </a:p>
+          <a:p>
+            <a:r>
+              <a:rPr lang="zh-CN" altLang="en-US" dirty="0"/>
+              <a:t>问：既然它们是线程安全的，我们使用它时就不需要考虑线程安全问题吗？</a:t>
+            </a:r>
+            <a:endParaRPr lang="en-US" altLang="zh-CN" dirty="0"/>
+          </a:p>
+        </p:txBody>
+      </p:sp>
+    </p:spTree>
+    <p:extLst>
+      <p:ext uri="{BB962C8B-B14F-4D97-AF65-F5344CB8AC3E}">
+        <p14:creationId xmlns:p14="http://schemas.microsoft.com/office/powerpoint/2010/main" val="675159733"/>
+      </p:ext>
+    </p:extLst>
+  </p:cSld>
+  <p:clrMapOvr>
+    <a:masterClrMapping/>
+  </p:clrMapOvr>
+</p:sld>
+</file>
+
+<file path=ppt/slides/slide32.xml><?xml version="1.0" encoding="utf-8"?>
+<p:sld xmlns:a="http://schemas.openxmlformats.org/drawingml/2006/main" xmlns:r="http://schemas.openxmlformats.org/officeDocument/2006/relationships" xmlns:p="http://schemas.openxmlformats.org/presentationml/2006/main">
+  <p:cSld>
+    <p:spTree>
+      <p:nvGrpSpPr>
+        <p:cNvPr id="1" name=""/>
+        <p:cNvGrpSpPr/>
+        <p:nvPr/>
+      </p:nvGrpSpPr>
+      <p:grpSpPr>
+        <a:xfrm>
+          <a:off x="0" y="0"/>
+          <a:ext cx="0" cy="0"/>
+          <a:chOff x="0" y="0"/>
+          <a:chExt cx="0" cy="0"/>
+        </a:xfrm>
+      </p:grpSpPr>
+      <p:sp>
+        <p:nvSpPr>
+          <p:cNvPr id="3" name="内容占位符 2">
+            <a:extLst>
+              <a:ext uri="{FF2B5EF4-FFF2-40B4-BE49-F238E27FC236}">
+                <a16:creationId xmlns:a16="http://schemas.microsoft.com/office/drawing/2014/main" id="{6C8D6579-CFF0-49AC-8120-A26572A8705A}"/>
+              </a:ext>
+            </a:extLst>
+          </p:cNvPr>
+          <p:cNvSpPr>
+            <a:spLocks noGrp="1"/>
+          </p:cNvSpPr>
+          <p:nvPr>
+            <p:ph idx="1"/>
+          </p:nvPr>
+        </p:nvSpPr>
+        <p:spPr>
+          <a:xfrm>
+            <a:off x="931755" y="1058779"/>
+            <a:ext cx="10515600" cy="4351337"/>
+          </a:xfrm>
+        </p:spPr>
+        <p:txBody>
+          <a:bodyPr/>
+          <a:lstStyle/>
+          <a:p>
+            <a:pPr marL="0" indent="0">
+              <a:buNone/>
+            </a:pPr>
+            <a:r>
+              <a:rPr lang="zh-CN" altLang="en-US" dirty="0"/>
+              <a:t>使用同步容器常见问题，以</a:t>
+            </a:r>
+            <a:r>
+              <a:rPr lang="en-US" altLang="zh-CN" dirty="0"/>
+              <a:t>vector</a:t>
+            </a:r>
+            <a:r>
+              <a:rPr lang="zh-CN" altLang="en-US" dirty="0"/>
+              <a:t>为例：</a:t>
+            </a:r>
+            <a:endParaRPr lang="en-US" altLang="zh-CN" dirty="0"/>
+          </a:p>
+          <a:p>
+            <a:pPr>
+              <a:buFont typeface="Wingdings" panose="05000000000000000000" pitchFamily="2" charset="2"/>
+              <a:buChar char="l"/>
+            </a:pPr>
+            <a:r>
+              <a:rPr lang="zh-CN" altLang="en-US" dirty="0"/>
+              <a:t>复合操作非原子：</a:t>
+            </a:r>
+            <a:r>
+              <a:rPr lang="en-US" altLang="zh-CN" dirty="0" err="1"/>
+              <a:t>VectorCompoundOptProblemDemo</a:t>
+            </a:r>
+            <a:endParaRPr lang="en-US" altLang="zh-CN" dirty="0"/>
+          </a:p>
+          <a:p>
+            <a:pPr>
+              <a:buFont typeface="Wingdings" panose="05000000000000000000" pitchFamily="2" charset="2"/>
+              <a:buChar char="l"/>
+            </a:pPr>
+            <a:r>
+              <a:rPr lang="en-US" altLang="zh-CN" dirty="0"/>
+              <a:t>for</a:t>
+            </a:r>
+            <a:r>
+              <a:rPr lang="zh-CN" altLang="en-US" dirty="0"/>
+              <a:t>循环中竞态条件非原子：</a:t>
+            </a:r>
+            <a:r>
+              <a:rPr lang="en-US" altLang="zh-CN" dirty="0"/>
+              <a:t> </a:t>
+            </a:r>
+            <a:r>
+              <a:rPr lang="en-US" altLang="zh-CN" dirty="0" err="1"/>
+              <a:t>ProblemInForLoopDemo</a:t>
+            </a:r>
+            <a:endParaRPr lang="en-US" altLang="zh-CN" dirty="0"/>
+          </a:p>
+          <a:p>
+            <a:pPr>
+              <a:buFont typeface="Wingdings" panose="05000000000000000000" pitchFamily="2" charset="2"/>
+              <a:buChar char="l"/>
+            </a:pPr>
+            <a:r>
+              <a:rPr lang="zh-CN" altLang="en-US" dirty="0"/>
+              <a:t>使用迭代器时并发修改异常：</a:t>
+            </a:r>
+            <a:r>
+              <a:rPr lang="en-US" altLang="zh-CN" dirty="0" err="1"/>
+              <a:t>ConcurrentModificationExceptionProblemDemo</a:t>
+            </a:r>
+            <a:endParaRPr lang="en-US" altLang="zh-CN" dirty="0"/>
+          </a:p>
+          <a:p>
+            <a:pPr>
+              <a:buFont typeface="Wingdings" panose="05000000000000000000" pitchFamily="2" charset="2"/>
+              <a:buChar char="l"/>
+            </a:pPr>
+            <a:r>
+              <a:rPr lang="zh-CN" altLang="en-US" dirty="0"/>
+              <a:t>隐藏迭代器并发修改异常：</a:t>
+            </a:r>
+            <a:r>
+              <a:rPr lang="en-US" altLang="zh-CN" dirty="0" err="1"/>
+              <a:t>HiddenIteratorDemo</a:t>
+            </a:r>
+            <a:endParaRPr lang="zh-CN" altLang="en-US" dirty="0"/>
+          </a:p>
+        </p:txBody>
+      </p:sp>
+    </p:spTree>
+    <p:extLst>
+      <p:ext uri="{BB962C8B-B14F-4D97-AF65-F5344CB8AC3E}">
+        <p14:creationId xmlns:p14="http://schemas.microsoft.com/office/powerpoint/2010/main" val="1191919528"/>
+      </p:ext>
+    </p:extLst>
+  </p:cSld>
+  <p:clrMapOvr>
+    <a:masterClrMapping/>
+  </p:clrMapOvr>
+</p:sld>
+</file>
+
+<file path=ppt/slides/slide33.xml><?xml version="1.0" encoding="utf-8"?>
+<p:sld xmlns:a="http://schemas.openxmlformats.org/drawingml/2006/main" xmlns:r="http://schemas.openxmlformats.org/officeDocument/2006/relationships" xmlns:p="http://schemas.openxmlformats.org/presentationml/2006/main">
+  <p:cSld>
+    <p:spTree>
+      <p:nvGrpSpPr>
+        <p:cNvPr id="1" name=""/>
+        <p:cNvGrpSpPr/>
+        <p:nvPr/>
+      </p:nvGrpSpPr>
+      <p:grpSpPr>
+        <a:xfrm>
+          <a:off x="0" y="0"/>
+          <a:ext cx="0" cy="0"/>
+          <a:chOff x="0" y="0"/>
+          <a:chExt cx="0" cy="0"/>
+        </a:xfrm>
+      </p:grpSpPr>
+      <p:sp>
+        <p:nvSpPr>
+          <p:cNvPr id="2" name="标题 1">
+            <a:extLst>
+              <a:ext uri="{FF2B5EF4-FFF2-40B4-BE49-F238E27FC236}">
+                <a16:creationId xmlns:a16="http://schemas.microsoft.com/office/drawing/2014/main" id="{17ECD078-8830-4A04-8FD1-9AFE3F73C44D}"/>
+              </a:ext>
+            </a:extLst>
+          </p:cNvPr>
+          <p:cNvSpPr>
+            <a:spLocks noGrp="1"/>
+          </p:cNvSpPr>
+          <p:nvPr>
+            <p:ph type="title"/>
+          </p:nvPr>
+        </p:nvSpPr>
+        <p:spPr/>
+        <p:txBody>
+          <a:bodyPr/>
+          <a:lstStyle/>
+          <a:p>
+            <a:r>
+              <a:rPr lang="zh-CN" altLang="en-US" dirty="0"/>
+              <a:t>并发容器</a:t>
+            </a:r>
+          </a:p>
+        </p:txBody>
+      </p:sp>
+      <p:sp>
+        <p:nvSpPr>
+          <p:cNvPr id="3" name="内容占位符 2">
+            <a:extLst>
+              <a:ext uri="{FF2B5EF4-FFF2-40B4-BE49-F238E27FC236}">
+                <a16:creationId xmlns:a16="http://schemas.microsoft.com/office/drawing/2014/main" id="{A04D797A-A026-40E7-87A9-3C2EA0FB33B5}"/>
+              </a:ext>
+            </a:extLst>
+          </p:cNvPr>
+          <p:cNvSpPr>
+            <a:spLocks noGrp="1"/>
+          </p:cNvSpPr>
+          <p:nvPr>
+            <p:ph idx="1"/>
+          </p:nvPr>
+        </p:nvSpPr>
+        <p:spPr/>
+        <p:txBody>
+          <a:bodyPr/>
+          <a:lstStyle/>
+          <a:p>
+            <a:r>
+              <a:rPr lang="en-US" altLang="zh-CN" dirty="0" err="1"/>
+              <a:t>ConcurrentHashMap</a:t>
+            </a:r>
+            <a:r>
+              <a:rPr lang="en-US" altLang="zh-CN" dirty="0"/>
+              <a:t>: </a:t>
+            </a:r>
+          </a:p>
+          <a:p>
+            <a:pPr marL="0" indent="0">
+              <a:buNone/>
+            </a:pPr>
+            <a:r>
+              <a:rPr lang="zh-CN" altLang="en-US" dirty="0"/>
+              <a:t>高并发：</a:t>
+            </a:r>
+            <a:r>
+              <a:rPr lang="en-US" altLang="zh-CN" dirty="0"/>
+              <a:t>put</a:t>
+            </a:r>
+            <a:r>
+              <a:rPr lang="zh-CN" altLang="en-US" dirty="0"/>
+              <a:t>和</a:t>
+            </a:r>
+            <a:r>
+              <a:rPr lang="en-US" altLang="zh-CN" dirty="0"/>
+              <a:t>get</a:t>
+            </a:r>
+            <a:r>
+              <a:rPr lang="zh-CN" altLang="en-US" dirty="0"/>
+              <a:t>等操作使用分段锁；不会产生</a:t>
+            </a:r>
+            <a:r>
+              <a:rPr lang="en-US" altLang="zh-CN" dirty="0" err="1"/>
+              <a:t>ConcurrentModificationException</a:t>
+            </a:r>
+            <a:endParaRPr lang="en-US" altLang="zh-CN" dirty="0"/>
+          </a:p>
+          <a:p>
+            <a:pPr marL="0" indent="0">
+              <a:buNone/>
+            </a:pPr>
+            <a:r>
+              <a:rPr lang="zh-CN" altLang="en-US" dirty="0"/>
+              <a:t>弱一致性：</a:t>
+            </a:r>
+            <a:r>
+              <a:rPr lang="en-US" altLang="zh-CN" dirty="0"/>
+              <a:t>size()</a:t>
+            </a:r>
+            <a:r>
+              <a:rPr lang="zh-CN" altLang="en-US" dirty="0"/>
+              <a:t>和</a:t>
+            </a:r>
+            <a:r>
+              <a:rPr lang="en-US" altLang="zh-CN" dirty="0"/>
+              <a:t>empty()</a:t>
+            </a:r>
+            <a:r>
+              <a:rPr lang="zh-CN" altLang="en-US" dirty="0"/>
+              <a:t>等不实时。</a:t>
+            </a:r>
+            <a:r>
+              <a:rPr lang="en-US" altLang="zh-CN" dirty="0"/>
+              <a:t>size</a:t>
+            </a:r>
+            <a:r>
+              <a:rPr lang="zh-CN" altLang="en-US" dirty="0"/>
+              <a:t>原因：</a:t>
+            </a:r>
+            <a:r>
+              <a:rPr lang="en-US" altLang="zh-CN" dirty="0"/>
+              <a:t>size</a:t>
+            </a:r>
+            <a:r>
+              <a:rPr lang="zh-CN" altLang="en-US" dirty="0"/>
+              <a:t>按线程分散于子</a:t>
+            </a:r>
+            <a:r>
+              <a:rPr lang="en-US" altLang="zh-CN" dirty="0"/>
+              <a:t>size</a:t>
+            </a:r>
+            <a:r>
+              <a:rPr lang="zh-CN" altLang="en-US" dirty="0"/>
+              <a:t>数组中，求</a:t>
+            </a:r>
+            <a:r>
+              <a:rPr lang="en-US" altLang="zh-CN" dirty="0"/>
+              <a:t>size</a:t>
+            </a:r>
+            <a:r>
+              <a:rPr lang="zh-CN" altLang="en-US" dirty="0"/>
+              <a:t>时累计</a:t>
+            </a:r>
+            <a:endParaRPr lang="en-US" altLang="zh-CN" dirty="0"/>
+          </a:p>
+          <a:p>
+            <a:pPr marL="0" indent="0">
+              <a:buNone/>
+            </a:pPr>
+            <a:r>
+              <a:rPr lang="zh-CN" altLang="en-US" dirty="0"/>
+              <a:t>示例：</a:t>
+            </a:r>
+            <a:r>
+              <a:rPr lang="en-US" altLang="zh-CN" dirty="0"/>
+              <a:t> </a:t>
+            </a:r>
+            <a:r>
+              <a:rPr lang="en-US" altLang="zh-CN" dirty="0" err="1"/>
+              <a:t>ConcurrentHashMapExample</a:t>
+            </a:r>
+            <a:endParaRPr lang="zh-CN" altLang="en-US" dirty="0"/>
+          </a:p>
+        </p:txBody>
+      </p:sp>
+    </p:spTree>
+    <p:extLst>
+      <p:ext uri="{BB962C8B-B14F-4D97-AF65-F5344CB8AC3E}">
+        <p14:creationId xmlns:p14="http://schemas.microsoft.com/office/powerpoint/2010/main" val="281312091"/>
+      </p:ext>
+    </p:extLst>
+  </p:cSld>
+  <p:clrMapOvr>
+    <a:masterClrMapping/>
+  </p:clrMapOvr>
+</p:sld>
+</file>
+
+<file path=ppt/slides/slide34.xml><?xml version="1.0" encoding="utf-8"?>
+<p:sld xmlns:a="http://schemas.openxmlformats.org/drawingml/2006/main" xmlns:r="http://schemas.openxmlformats.org/officeDocument/2006/relationships" xmlns:p="http://schemas.openxmlformats.org/presentationml/2006/main">
+  <p:cSld>
+    <p:spTree>
+      <p:nvGrpSpPr>
+        <p:cNvPr id="1" name=""/>
+        <p:cNvGrpSpPr/>
+        <p:nvPr/>
+      </p:nvGrpSpPr>
+      <p:grpSpPr>
+        <a:xfrm>
+          <a:off x="0" y="0"/>
+          <a:ext cx="0" cy="0"/>
+          <a:chOff x="0" y="0"/>
+          <a:chExt cx="0" cy="0"/>
+        </a:xfrm>
+      </p:grpSpPr>
+      <p:sp>
+        <p:nvSpPr>
+          <p:cNvPr id="2" name="标题 1">
+            <a:extLst>
+              <a:ext uri="{FF2B5EF4-FFF2-40B4-BE49-F238E27FC236}">
                 <a16:creationId xmlns:a16="http://schemas.microsoft.com/office/drawing/2014/main" id="{9CFFF5D4-68F5-4302-B104-21548B738013}"/>
               </a:ext>
             </a:extLst>
@@ -15081,7 +15424,7 @@
 </p:sld>
 </file>
 
-<file path=ppt/slides/slide31.xml><?xml version="1.0" encoding="utf-8"?>
+<file path=ppt/slides/slide35.xml><?xml version="1.0" encoding="utf-8"?>
 <p:sld xmlns:a="http://schemas.openxmlformats.org/drawingml/2006/main" xmlns:r="http://schemas.openxmlformats.org/officeDocument/2006/relationships" xmlns:p="http://schemas.openxmlformats.org/presentationml/2006/main">
   <p:cSld>
     <p:spTree>
@@ -15199,7 +15542,7 @@
 </p:sld>
 </file>
 
-<file path=ppt/slides/slide32.xml><?xml version="1.0" encoding="utf-8"?>
+<file path=ppt/slides/slide36.xml><?xml version="1.0" encoding="utf-8"?>
 <p:sld xmlns:a="http://schemas.openxmlformats.org/drawingml/2006/main" xmlns:r="http://schemas.openxmlformats.org/officeDocument/2006/relationships" xmlns:p="http://schemas.openxmlformats.org/presentationml/2006/main">
   <p:cSld>
     <p:spTree>
@@ -16111,7 +16454,7 @@
 </p:sld>
 </file>
 
-<file path=ppt/slides/slide33.xml><?xml version="1.0" encoding="utf-8"?>
+<file path=ppt/slides/slide37.xml><?xml version="1.0" encoding="utf-8"?>
 <p:sld xmlns:a="http://schemas.openxmlformats.org/drawingml/2006/main" xmlns:r="http://schemas.openxmlformats.org/officeDocument/2006/relationships" xmlns:p="http://schemas.openxmlformats.org/presentationml/2006/main">
   <p:cSld>
     <p:spTree>
@@ -16316,7 +16659,7 @@
 </p:sld>
 </file>
 
-<file path=ppt/slides/slide34.xml><?xml version="1.0" encoding="utf-8"?>
+<file path=ppt/slides/slide38.xml><?xml version="1.0" encoding="utf-8"?>
 <p:sld xmlns:a="http://schemas.openxmlformats.org/drawingml/2006/main" xmlns:r="http://schemas.openxmlformats.org/officeDocument/2006/relationships" xmlns:p="http://schemas.openxmlformats.org/presentationml/2006/main">
   <p:cSld>
     <p:spTree>
@@ -16933,7 +17276,7 @@
 </p:sld>
 </file>
 
-<file path=ppt/slides/slide35.xml><?xml version="1.0" encoding="utf-8"?>
+<file path=ppt/slides/slide39.xml><?xml version="1.0" encoding="utf-8"?>
 <p:sld xmlns:a="http://schemas.openxmlformats.org/drawingml/2006/main" xmlns:r="http://schemas.openxmlformats.org/officeDocument/2006/relationships" xmlns:p="http://schemas.openxmlformats.org/presentationml/2006/main">
   <p:cSld>
     <p:spTree>
@@ -17106,271 +17449,6 @@
     <p:extLst>
       <p:ext uri="{BB962C8B-B14F-4D97-AF65-F5344CB8AC3E}">
         <p14:creationId xmlns:p14="http://schemas.microsoft.com/office/powerpoint/2010/main" val="2117826024"/>
-      </p:ext>
-    </p:extLst>
-  </p:cSld>
-  <p:clrMapOvr>
-    <a:masterClrMapping/>
-  </p:clrMapOvr>
-</p:sld>
-</file>
-
-<file path=ppt/slides/slide36.xml><?xml version="1.0" encoding="utf-8"?>
-<p:sld xmlns:a="http://schemas.openxmlformats.org/drawingml/2006/main" xmlns:r="http://schemas.openxmlformats.org/officeDocument/2006/relationships" xmlns:p="http://schemas.openxmlformats.org/presentationml/2006/main">
-  <p:cSld>
-    <p:spTree>
-      <p:nvGrpSpPr>
-        <p:cNvPr id="1" name=""/>
-        <p:cNvGrpSpPr/>
-        <p:nvPr/>
-      </p:nvGrpSpPr>
-      <p:grpSpPr>
-        <a:xfrm>
-          <a:off x="0" y="0"/>
-          <a:ext cx="0" cy="0"/>
-          <a:chOff x="0" y="0"/>
-          <a:chExt cx="0" cy="0"/>
-        </a:xfrm>
-      </p:grpSpPr>
-      <p:sp>
-        <p:nvSpPr>
-          <p:cNvPr id="3" name="内容占位符 2">
-            <a:extLst>
-              <a:ext uri="{FF2B5EF4-FFF2-40B4-BE49-F238E27FC236}">
-                <a16:creationId xmlns:a16="http://schemas.microsoft.com/office/drawing/2014/main" id="{8B25E363-34AF-47E1-A332-A6D79349D725}"/>
-              </a:ext>
-            </a:extLst>
-          </p:cNvPr>
-          <p:cNvSpPr>
-            <a:spLocks noGrp="1"/>
-          </p:cNvSpPr>
-          <p:nvPr>
-            <p:ph idx="1"/>
-          </p:nvPr>
-        </p:nvSpPr>
-        <p:spPr>
-          <a:xfrm>
-            <a:off x="845126" y="1494503"/>
-            <a:ext cx="10520963" cy="4685634"/>
-          </a:xfrm>
-        </p:spPr>
-        <p:txBody>
-          <a:bodyPr/>
-          <a:lstStyle/>
-          <a:p>
-            <a:r>
-              <a:rPr lang="zh-CN" altLang="en-US" dirty="0"/>
-              <a:t>信号量：</a:t>
-            </a:r>
-            <a:r>
-              <a:rPr lang="en-US" altLang="zh-CN" dirty="0"/>
-              <a:t>Semaphore: </a:t>
-            </a:r>
-            <a:r>
-              <a:rPr lang="zh-CN" altLang="en-US" dirty="0"/>
-              <a:t>许可证</a:t>
-            </a:r>
-            <a:endParaRPr lang="en-US" altLang="zh-CN" dirty="0"/>
-          </a:p>
-          <a:p>
-            <a:pPr marL="0" indent="0">
-              <a:buNone/>
-            </a:pPr>
-            <a:r>
-              <a:rPr lang="en-US" altLang="zh-CN" dirty="0" err="1"/>
-              <a:t>api</a:t>
-            </a:r>
-            <a:r>
-              <a:rPr lang="en-US" altLang="zh-CN" dirty="0"/>
-              <a:t>: </a:t>
-            </a:r>
-            <a:r>
-              <a:rPr lang="en-US" altLang="zh-CN" dirty="0" err="1"/>
-              <a:t>aquire</a:t>
-            </a:r>
-            <a:r>
-              <a:rPr lang="en-US" altLang="zh-CN" dirty="0"/>
-              <a:t>, release</a:t>
-            </a:r>
-          </a:p>
-          <a:p>
-            <a:pPr marL="0" indent="0">
-              <a:buNone/>
-            </a:pPr>
-            <a:r>
-              <a:rPr lang="zh-CN" altLang="en-US" dirty="0"/>
-              <a:t>示例：</a:t>
-            </a:r>
-            <a:r>
-              <a:rPr lang="en-US" altLang="zh-CN" dirty="0"/>
-              <a:t> </a:t>
-            </a:r>
-            <a:r>
-              <a:rPr lang="en-US" altLang="zh-CN" dirty="0" err="1"/>
-              <a:t>SemaphoreDemo</a:t>
-            </a:r>
-            <a:endParaRPr lang="en-US" altLang="zh-CN" dirty="0"/>
-          </a:p>
-          <a:p>
-            <a:pPr marL="0" indent="0">
-              <a:buNone/>
-            </a:pPr>
-            <a:endParaRPr lang="en-US" altLang="zh-CN" dirty="0"/>
-          </a:p>
-          <a:p>
-            <a:r>
-              <a:rPr lang="zh-CN" altLang="en-US" dirty="0"/>
-              <a:t>循环栅栏：</a:t>
-            </a:r>
-            <a:r>
-              <a:rPr lang="en-US" altLang="zh-CN" dirty="0" err="1"/>
-              <a:t>CyclicBarrier</a:t>
-            </a:r>
-            <a:endParaRPr lang="en-US" altLang="zh-CN" dirty="0"/>
-          </a:p>
-          <a:p>
-            <a:pPr marL="0" indent="0">
-              <a:buNone/>
-            </a:pPr>
-            <a:r>
-              <a:rPr lang="en-US" altLang="zh-CN" dirty="0" err="1"/>
-              <a:t>api</a:t>
-            </a:r>
-            <a:r>
-              <a:rPr lang="en-US" altLang="zh-CN" dirty="0"/>
-              <a:t>: await</a:t>
-            </a:r>
-          </a:p>
-          <a:p>
-            <a:pPr marL="0" indent="0">
-              <a:buNone/>
-            </a:pPr>
-            <a:r>
-              <a:rPr lang="zh-CN" altLang="en-US" dirty="0"/>
-              <a:t>示例：</a:t>
-            </a:r>
-            <a:r>
-              <a:rPr lang="en-US" altLang="zh-CN" dirty="0" err="1"/>
-              <a:t>SemaphoreDemo</a:t>
-            </a:r>
-            <a:endParaRPr lang="en-US" altLang="zh-CN" dirty="0"/>
-          </a:p>
-          <a:p>
-            <a:endParaRPr lang="zh-CN" altLang="en-US" dirty="0"/>
-          </a:p>
-        </p:txBody>
-      </p:sp>
-    </p:spTree>
-    <p:extLst>
-      <p:ext uri="{BB962C8B-B14F-4D97-AF65-F5344CB8AC3E}">
-        <p14:creationId xmlns:p14="http://schemas.microsoft.com/office/powerpoint/2010/main" val="3165687488"/>
-      </p:ext>
-    </p:extLst>
-  </p:cSld>
-  <p:clrMapOvr>
-    <a:masterClrMapping/>
-  </p:clrMapOvr>
-</p:sld>
-</file>
-
-<file path=ppt/slides/slide37.xml><?xml version="1.0" encoding="utf-8"?>
-<p:sld xmlns:a="http://schemas.openxmlformats.org/drawingml/2006/main" xmlns:r="http://schemas.openxmlformats.org/officeDocument/2006/relationships" xmlns:p="http://schemas.openxmlformats.org/presentationml/2006/main">
-  <p:cSld>
-    <p:spTree>
-      <p:nvGrpSpPr>
-        <p:cNvPr id="1" name=""/>
-        <p:cNvGrpSpPr/>
-        <p:nvPr/>
-      </p:nvGrpSpPr>
-      <p:grpSpPr>
-        <a:xfrm>
-          <a:off x="0" y="0"/>
-          <a:ext cx="0" cy="0"/>
-          <a:chOff x="0" y="0"/>
-          <a:chExt cx="0" cy="0"/>
-        </a:xfrm>
-      </p:grpSpPr>
-      <p:sp>
-        <p:nvSpPr>
-          <p:cNvPr id="2" name="标题 1">
-            <a:extLst>
-              <a:ext uri="{FF2B5EF4-FFF2-40B4-BE49-F238E27FC236}">
-                <a16:creationId xmlns:a16="http://schemas.microsoft.com/office/drawing/2014/main" id="{1220919B-FFB9-464D-993C-7B828467F814}"/>
-              </a:ext>
-            </a:extLst>
-          </p:cNvPr>
-          <p:cNvSpPr>
-            <a:spLocks noGrp="1"/>
-          </p:cNvSpPr>
-          <p:nvPr>
-            <p:ph type="title"/>
-          </p:nvPr>
-        </p:nvSpPr>
-        <p:spPr/>
-        <p:txBody>
-          <a:bodyPr/>
-          <a:lstStyle/>
-          <a:p>
-            <a:r>
-              <a:rPr lang="zh-CN" altLang="en-US" dirty="0"/>
-              <a:t>记忆器设计</a:t>
-            </a:r>
-          </a:p>
-        </p:txBody>
-      </p:sp>
-      <p:sp>
-        <p:nvSpPr>
-          <p:cNvPr id="3" name="内容占位符 2">
-            <a:extLst>
-              <a:ext uri="{FF2B5EF4-FFF2-40B4-BE49-F238E27FC236}">
-                <a16:creationId xmlns:a16="http://schemas.microsoft.com/office/drawing/2014/main" id="{F3F81063-F0D1-4078-9FF5-4A1F42FBD266}"/>
-              </a:ext>
-            </a:extLst>
-          </p:cNvPr>
-          <p:cNvSpPr>
-            <a:spLocks noGrp="1"/>
-          </p:cNvSpPr>
-          <p:nvPr>
-            <p:ph idx="1"/>
-          </p:nvPr>
-        </p:nvSpPr>
-        <p:spPr/>
-        <p:txBody>
-          <a:bodyPr/>
-          <a:lstStyle/>
-          <a:p>
-            <a:r>
-              <a:rPr lang="zh-CN" altLang="en-US" dirty="0"/>
-              <a:t>通过代理模式实现的一种结果缓存</a:t>
-            </a:r>
-            <a:endParaRPr lang="en-US" altLang="zh-CN" dirty="0"/>
-          </a:p>
-          <a:p>
-            <a:pPr marL="0" indent="0">
-              <a:buNone/>
-            </a:pPr>
-            <a:r>
-              <a:rPr lang="zh-CN" altLang="en-US" dirty="0"/>
-              <a:t>设计过程：</a:t>
-            </a:r>
-            <a:r>
-              <a:rPr lang="en-US" altLang="zh-CN" dirty="0" err="1"/>
-              <a:t>MemoizerVx</a:t>
-            </a:r>
-            <a:endParaRPr lang="en-US" altLang="zh-CN" dirty="0"/>
-          </a:p>
-          <a:p>
-            <a:pPr marL="0" indent="0">
-              <a:buNone/>
-            </a:pPr>
-            <a:endParaRPr lang="zh-CN" altLang="en-US" dirty="0"/>
-          </a:p>
-        </p:txBody>
-      </p:sp>
-    </p:spTree>
-    <p:extLst>
-      <p:ext uri="{BB962C8B-B14F-4D97-AF65-F5344CB8AC3E}">
-        <p14:creationId xmlns:p14="http://schemas.microsoft.com/office/powerpoint/2010/main" val="730394264"/>
       </p:ext>
     </p:extLst>
   </p:cSld>
@@ -17570,6 +17648,439 @@
 </p:sld>
 </file>
 
+<file path=ppt/slides/slide40.xml><?xml version="1.0" encoding="utf-8"?>
+<p:sld xmlns:a="http://schemas.openxmlformats.org/drawingml/2006/main" xmlns:r="http://schemas.openxmlformats.org/officeDocument/2006/relationships" xmlns:p="http://schemas.openxmlformats.org/presentationml/2006/main">
+  <p:cSld>
+    <p:spTree>
+      <p:nvGrpSpPr>
+        <p:cNvPr id="1" name=""/>
+        <p:cNvGrpSpPr/>
+        <p:nvPr/>
+      </p:nvGrpSpPr>
+      <p:grpSpPr>
+        <a:xfrm>
+          <a:off x="0" y="0"/>
+          <a:ext cx="0" cy="0"/>
+          <a:chOff x="0" y="0"/>
+          <a:chExt cx="0" cy="0"/>
+        </a:xfrm>
+      </p:grpSpPr>
+      <p:sp>
+        <p:nvSpPr>
+          <p:cNvPr id="3" name="内容占位符 2">
+            <a:extLst>
+              <a:ext uri="{FF2B5EF4-FFF2-40B4-BE49-F238E27FC236}">
+                <a16:creationId xmlns:a16="http://schemas.microsoft.com/office/drawing/2014/main" id="{8B25E363-34AF-47E1-A332-A6D79349D725}"/>
+              </a:ext>
+            </a:extLst>
+          </p:cNvPr>
+          <p:cNvSpPr>
+            <a:spLocks noGrp="1"/>
+          </p:cNvSpPr>
+          <p:nvPr>
+            <p:ph idx="1"/>
+          </p:nvPr>
+        </p:nvSpPr>
+        <p:spPr>
+          <a:xfrm>
+            <a:off x="845126" y="1494503"/>
+            <a:ext cx="10520963" cy="4685634"/>
+          </a:xfrm>
+        </p:spPr>
+        <p:txBody>
+          <a:bodyPr/>
+          <a:lstStyle/>
+          <a:p>
+            <a:r>
+              <a:rPr lang="zh-CN" altLang="en-US" dirty="0"/>
+              <a:t>信号量：</a:t>
+            </a:r>
+            <a:r>
+              <a:rPr lang="en-US" altLang="zh-CN" dirty="0"/>
+              <a:t>Semaphore: </a:t>
+            </a:r>
+            <a:r>
+              <a:rPr lang="zh-CN" altLang="en-US" dirty="0"/>
+              <a:t>许可证</a:t>
+            </a:r>
+            <a:endParaRPr lang="en-US" altLang="zh-CN" dirty="0"/>
+          </a:p>
+          <a:p>
+            <a:pPr marL="0" indent="0">
+              <a:buNone/>
+            </a:pPr>
+            <a:r>
+              <a:rPr lang="en-US" altLang="zh-CN" dirty="0" err="1"/>
+              <a:t>api</a:t>
+            </a:r>
+            <a:r>
+              <a:rPr lang="en-US" altLang="zh-CN" dirty="0"/>
+              <a:t>: </a:t>
+            </a:r>
+            <a:r>
+              <a:rPr lang="en-US" altLang="zh-CN" dirty="0" err="1"/>
+              <a:t>aquire</a:t>
+            </a:r>
+            <a:r>
+              <a:rPr lang="en-US" altLang="zh-CN" dirty="0"/>
+              <a:t>, release</a:t>
+            </a:r>
+          </a:p>
+          <a:p>
+            <a:pPr marL="0" indent="0">
+              <a:buNone/>
+            </a:pPr>
+            <a:r>
+              <a:rPr lang="zh-CN" altLang="en-US" dirty="0"/>
+              <a:t>示例：</a:t>
+            </a:r>
+            <a:r>
+              <a:rPr lang="en-US" altLang="zh-CN" dirty="0"/>
+              <a:t> </a:t>
+            </a:r>
+            <a:r>
+              <a:rPr lang="en-US" altLang="zh-CN" dirty="0" err="1"/>
+              <a:t>SemaphoreDemo</a:t>
+            </a:r>
+            <a:endParaRPr lang="en-US" altLang="zh-CN" dirty="0"/>
+          </a:p>
+          <a:p>
+            <a:pPr marL="0" indent="0">
+              <a:buNone/>
+            </a:pPr>
+            <a:endParaRPr lang="en-US" altLang="zh-CN" dirty="0"/>
+          </a:p>
+          <a:p>
+            <a:r>
+              <a:rPr lang="zh-CN" altLang="en-US" dirty="0"/>
+              <a:t>循环栅栏：</a:t>
+            </a:r>
+            <a:r>
+              <a:rPr lang="en-US" altLang="zh-CN" dirty="0" err="1"/>
+              <a:t>CyclicBarrier</a:t>
+            </a:r>
+            <a:endParaRPr lang="en-US" altLang="zh-CN" dirty="0"/>
+          </a:p>
+          <a:p>
+            <a:pPr marL="0" indent="0">
+              <a:buNone/>
+            </a:pPr>
+            <a:r>
+              <a:rPr lang="en-US" altLang="zh-CN" dirty="0" err="1"/>
+              <a:t>api</a:t>
+            </a:r>
+            <a:r>
+              <a:rPr lang="en-US" altLang="zh-CN" dirty="0"/>
+              <a:t>: await</a:t>
+            </a:r>
+          </a:p>
+          <a:p>
+            <a:pPr marL="0" indent="0">
+              <a:buNone/>
+            </a:pPr>
+            <a:r>
+              <a:rPr lang="zh-CN" altLang="en-US" dirty="0"/>
+              <a:t>示例：</a:t>
+            </a:r>
+            <a:r>
+              <a:rPr lang="en-US" altLang="zh-CN" dirty="0" err="1"/>
+              <a:t>SemaphoreDemo</a:t>
+            </a:r>
+            <a:endParaRPr lang="en-US" altLang="zh-CN" dirty="0"/>
+          </a:p>
+          <a:p>
+            <a:endParaRPr lang="zh-CN" altLang="en-US" dirty="0"/>
+          </a:p>
+        </p:txBody>
+      </p:sp>
+    </p:spTree>
+    <p:extLst>
+      <p:ext uri="{BB962C8B-B14F-4D97-AF65-F5344CB8AC3E}">
+        <p14:creationId xmlns:p14="http://schemas.microsoft.com/office/powerpoint/2010/main" val="3165687488"/>
+      </p:ext>
+    </p:extLst>
+  </p:cSld>
+  <p:clrMapOvr>
+    <a:masterClrMapping/>
+  </p:clrMapOvr>
+</p:sld>
+</file>
+
+<file path=ppt/slides/slide41.xml><?xml version="1.0" encoding="utf-8"?>
+<p:sld xmlns:a="http://schemas.openxmlformats.org/drawingml/2006/main" xmlns:r="http://schemas.openxmlformats.org/officeDocument/2006/relationships" xmlns:p="http://schemas.openxmlformats.org/presentationml/2006/main">
+  <p:cSld>
+    <p:spTree>
+      <p:nvGrpSpPr>
+        <p:cNvPr id="1" name=""/>
+        <p:cNvGrpSpPr/>
+        <p:nvPr/>
+      </p:nvGrpSpPr>
+      <p:grpSpPr>
+        <a:xfrm>
+          <a:off x="0" y="0"/>
+          <a:ext cx="0" cy="0"/>
+          <a:chOff x="0" y="0"/>
+          <a:chExt cx="0" cy="0"/>
+        </a:xfrm>
+      </p:grpSpPr>
+      <p:sp>
+        <p:nvSpPr>
+          <p:cNvPr id="2" name="标题 1">
+            <a:extLst>
+              <a:ext uri="{FF2B5EF4-FFF2-40B4-BE49-F238E27FC236}">
+                <a16:creationId xmlns:a16="http://schemas.microsoft.com/office/drawing/2014/main" id="{1220919B-FFB9-464D-993C-7B828467F814}"/>
+              </a:ext>
+            </a:extLst>
+          </p:cNvPr>
+          <p:cNvSpPr>
+            <a:spLocks noGrp="1"/>
+          </p:cNvSpPr>
+          <p:nvPr>
+            <p:ph type="title"/>
+          </p:nvPr>
+        </p:nvSpPr>
+        <p:spPr/>
+        <p:txBody>
+          <a:bodyPr/>
+          <a:lstStyle/>
+          <a:p>
+            <a:r>
+              <a:rPr lang="zh-CN" altLang="en-US" dirty="0"/>
+              <a:t>记忆器设计</a:t>
+            </a:r>
+          </a:p>
+        </p:txBody>
+      </p:sp>
+      <p:sp>
+        <p:nvSpPr>
+          <p:cNvPr id="3" name="内容占位符 2">
+            <a:extLst>
+              <a:ext uri="{FF2B5EF4-FFF2-40B4-BE49-F238E27FC236}">
+                <a16:creationId xmlns:a16="http://schemas.microsoft.com/office/drawing/2014/main" id="{F3F81063-F0D1-4078-9FF5-4A1F42FBD266}"/>
+              </a:ext>
+            </a:extLst>
+          </p:cNvPr>
+          <p:cNvSpPr>
+            <a:spLocks noGrp="1"/>
+          </p:cNvSpPr>
+          <p:nvPr>
+            <p:ph idx="1"/>
+          </p:nvPr>
+        </p:nvSpPr>
+        <p:spPr/>
+        <p:txBody>
+          <a:bodyPr/>
+          <a:lstStyle/>
+          <a:p>
+            <a:pPr marL="0" indent="0">
+              <a:buNone/>
+            </a:pPr>
+            <a:r>
+              <a:rPr lang="zh-CN" altLang="en-US" dirty="0"/>
+              <a:t>通过代理模式实现的一种结果缓存</a:t>
+            </a:r>
+            <a:endParaRPr lang="en-US" altLang="zh-CN" dirty="0"/>
+          </a:p>
+          <a:p>
+            <a:r>
+              <a:rPr lang="zh-CN" altLang="en-US" dirty="0"/>
+              <a:t>设计过程：</a:t>
+            </a:r>
+            <a:r>
+              <a:rPr lang="en-US" altLang="zh-CN" dirty="0" err="1"/>
+              <a:t>MemoizerVx</a:t>
+            </a:r>
+            <a:endParaRPr lang="en-US" altLang="zh-CN" dirty="0"/>
+          </a:p>
+          <a:p>
+            <a:pPr marL="0" indent="0">
+              <a:buNone/>
+            </a:pPr>
+            <a:endParaRPr lang="zh-CN" altLang="en-US" dirty="0"/>
+          </a:p>
+        </p:txBody>
+      </p:sp>
+    </p:spTree>
+    <p:extLst>
+      <p:ext uri="{BB962C8B-B14F-4D97-AF65-F5344CB8AC3E}">
+        <p14:creationId xmlns:p14="http://schemas.microsoft.com/office/powerpoint/2010/main" val="730394264"/>
+      </p:ext>
+    </p:extLst>
+  </p:cSld>
+  <p:clrMapOvr>
+    <a:masterClrMapping/>
+  </p:clrMapOvr>
+</p:sld>
+</file>
+
+<file path=ppt/slides/slide42.xml><?xml version="1.0" encoding="utf-8"?>
+<p:sld xmlns:a="http://schemas.openxmlformats.org/drawingml/2006/main" xmlns:r="http://schemas.openxmlformats.org/officeDocument/2006/relationships" xmlns:p="http://schemas.openxmlformats.org/presentationml/2006/main">
+  <p:cSld>
+    <p:spTree>
+      <p:nvGrpSpPr>
+        <p:cNvPr id="1" name=""/>
+        <p:cNvGrpSpPr/>
+        <p:nvPr/>
+      </p:nvGrpSpPr>
+      <p:grpSpPr>
+        <a:xfrm>
+          <a:off x="0" y="0"/>
+          <a:ext cx="0" cy="0"/>
+          <a:chOff x="0" y="0"/>
+          <a:chExt cx="0" cy="0"/>
+        </a:xfrm>
+      </p:grpSpPr>
+      <p:sp>
+        <p:nvSpPr>
+          <p:cNvPr id="2" name="标题 1">
+            <a:extLst>
+              <a:ext uri="{FF2B5EF4-FFF2-40B4-BE49-F238E27FC236}">
+                <a16:creationId xmlns:a16="http://schemas.microsoft.com/office/drawing/2014/main" id="{25C759F5-0A67-40AF-BF0C-70D1CAA6A33D}"/>
+              </a:ext>
+            </a:extLst>
+          </p:cNvPr>
+          <p:cNvSpPr>
+            <a:spLocks noGrp="1"/>
+          </p:cNvSpPr>
+          <p:nvPr>
+            <p:ph type="title"/>
+          </p:nvPr>
+        </p:nvSpPr>
+        <p:spPr/>
+        <p:txBody>
+          <a:bodyPr/>
+          <a:lstStyle/>
+          <a:p>
+            <a:r>
+              <a:rPr lang="zh-CN" altLang="en-US" dirty="0"/>
+              <a:t>资料</a:t>
+            </a:r>
+          </a:p>
+        </p:txBody>
+      </p:sp>
+      <p:pic>
+        <p:nvPicPr>
+          <p:cNvPr id="5" name="内容占位符 4">
+            <a:extLst>
+              <a:ext uri="{FF2B5EF4-FFF2-40B4-BE49-F238E27FC236}">
+                <a16:creationId xmlns:a16="http://schemas.microsoft.com/office/drawing/2014/main" id="{A95A2784-BC4F-4C1F-8060-2AF22E78802A}"/>
+              </a:ext>
+            </a:extLst>
+          </p:cNvPr>
+          <p:cNvPicPr>
+            <a:picLocks noGrp="1" noChangeAspect="1"/>
+          </p:cNvPicPr>
+          <p:nvPr>
+            <p:ph idx="1"/>
+          </p:nvPr>
+        </p:nvPicPr>
+        <p:blipFill>
+          <a:blip r:embed="rId2"/>
+          <a:stretch>
+            <a:fillRect/>
+          </a:stretch>
+        </p:blipFill>
+        <p:spPr>
+          <a:xfrm>
+            <a:off x="1309282" y="1780129"/>
+            <a:ext cx="3401541" cy="4132619"/>
+          </a:xfrm>
+          <a:prstGeom prst="rect">
+            <a:avLst/>
+          </a:prstGeom>
+        </p:spPr>
+      </p:pic>
+      <p:pic>
+        <p:nvPicPr>
+          <p:cNvPr id="6" name="图片 5">
+            <a:extLst>
+              <a:ext uri="{FF2B5EF4-FFF2-40B4-BE49-F238E27FC236}">
+                <a16:creationId xmlns:a16="http://schemas.microsoft.com/office/drawing/2014/main" id="{F7696454-EA88-42C3-B183-AC83B8D01AAF}"/>
+              </a:ext>
+            </a:extLst>
+          </p:cNvPr>
+          <p:cNvPicPr>
+            <a:picLocks noChangeAspect="1"/>
+          </p:cNvPicPr>
+          <p:nvPr/>
+        </p:nvPicPr>
+        <p:blipFill>
+          <a:blip r:embed="rId3"/>
+          <a:stretch>
+            <a:fillRect/>
+          </a:stretch>
+        </p:blipFill>
+        <p:spPr>
+          <a:xfrm>
+            <a:off x="5698435" y="1780129"/>
+            <a:ext cx="3157330" cy="4183851"/>
+          </a:xfrm>
+          <a:prstGeom prst="rect">
+            <a:avLst/>
+          </a:prstGeom>
+        </p:spPr>
+      </p:pic>
+      <p:sp>
+        <p:nvSpPr>
+          <p:cNvPr id="3" name="文本框 2">
+            <a:extLst>
+              <a:ext uri="{FF2B5EF4-FFF2-40B4-BE49-F238E27FC236}">
+                <a16:creationId xmlns:a16="http://schemas.microsoft.com/office/drawing/2014/main" id="{645D91AC-B83E-4D18-AEE8-1CAF91C18109}"/>
+              </a:ext>
+            </a:extLst>
+          </p:cNvPr>
+          <p:cNvSpPr txBox="1"/>
+          <p:nvPr/>
+        </p:nvSpPr>
+        <p:spPr>
+          <a:xfrm>
+            <a:off x="1133061" y="6097605"/>
+            <a:ext cx="9809922" cy="646331"/>
+          </a:xfrm>
+          <a:prstGeom prst="rect">
+            <a:avLst/>
+          </a:prstGeom>
+          <a:noFill/>
+        </p:spPr>
+        <p:txBody>
+          <a:bodyPr wrap="square" rtlCol="0">
+            <a:spAutoFit/>
+          </a:bodyPr>
+          <a:lstStyle/>
+          <a:p>
+            <a:r>
+              <a:rPr lang="en-US" altLang="zh-CN" dirty="0" err="1"/>
+              <a:t>github</a:t>
+            </a:r>
+            <a:r>
+              <a:rPr lang="en-US" altLang="zh-CN" dirty="0"/>
+              <a:t> example</a:t>
+            </a:r>
+            <a:r>
+              <a:rPr lang="zh-CN" altLang="en-US" dirty="0"/>
+              <a:t>：</a:t>
+            </a:r>
+            <a:r>
+              <a:rPr lang="en-US" altLang="zh-CN" dirty="0"/>
+              <a:t>https://github.com/eugenp/tutorials/tree/master/core-java-concurrenc</a:t>
+            </a:r>
+            <a:endParaRPr lang="zh-CN" altLang="en-US" dirty="0"/>
+          </a:p>
+        </p:txBody>
+      </p:sp>
+    </p:spTree>
+    <p:extLst>
+      <p:ext uri="{BB962C8B-B14F-4D97-AF65-F5344CB8AC3E}">
+        <p14:creationId xmlns:p14="http://schemas.microsoft.com/office/powerpoint/2010/main" val="2205695823"/>
+      </p:ext>
+    </p:extLst>
+  </p:cSld>
+  <p:clrMapOvr>
+    <a:masterClrMapping/>
+  </p:clrMapOvr>
+</p:sld>
+</file>
+
 <file path=ppt/slides/slide5.xml><?xml version="1.0" encoding="utf-8"?>
 <p:sld xmlns:a="http://schemas.openxmlformats.org/drawingml/2006/main" xmlns:r="http://schemas.openxmlformats.org/officeDocument/2006/relationships" xmlns:p="http://schemas.openxmlformats.org/presentationml/2006/main">
   <p:cSld>
@@ -17638,12 +18149,41 @@
           <a:p>
             <a:r>
               <a:rPr lang="zh-CN" altLang="en-US" dirty="0"/>
-              <a:t>内置锁 </a:t>
+              <a:t>加锁：内置锁 </a:t>
             </a:r>
             <a:r>
               <a:rPr lang="en-US" altLang="zh-CN" dirty="0"/>
               <a:t>synchronized</a:t>
             </a:r>
+            <a:r>
+              <a:rPr lang="zh-CN" altLang="en-US" dirty="0"/>
+              <a:t>，独占锁</a:t>
+            </a:r>
+            <a:r>
+              <a:rPr lang="en-US" altLang="zh-CN" dirty="0"/>
+              <a:t>AQS</a:t>
+            </a:r>
+            <a:r>
+              <a:rPr lang="zh-CN" altLang="en-US" dirty="0"/>
+              <a:t>（</a:t>
+            </a:r>
+            <a:r>
+              <a:rPr lang="en-US" altLang="zh-CN" dirty="0" err="1"/>
+              <a:t>ReentrantLock</a:t>
+            </a:r>
+            <a:r>
+              <a:rPr lang="zh-CN" altLang="en-US" dirty="0"/>
+              <a:t>，</a:t>
+            </a:r>
+            <a:r>
+              <a:rPr lang="en-US" altLang="zh-CN" dirty="0" err="1"/>
+              <a:t>ReentrantReadWriteLock</a:t>
+            </a:r>
+            <a:r>
+              <a:rPr lang="zh-CN" altLang="en-US" dirty="0"/>
+              <a:t>）</a:t>
+            </a:r>
+            <a:endParaRPr lang="en-US" altLang="zh-CN" dirty="0"/>
           </a:p>
           <a:p>
             <a:r>
@@ -17794,12 +18334,45 @@
             </a:r>
             <a:r>
               <a:rPr lang="zh-CN" altLang="en-US" dirty="0"/>
-              <a:t>， 又叫监控器</a:t>
+              <a:t>， 又叫监视器（</a:t>
             </a:r>
             <a:r>
               <a:rPr lang="en-US" altLang="zh-CN" dirty="0"/>
-              <a:t>monitor</a:t>
-            </a:r>
+              <a:t> monitor </a:t>
+            </a:r>
+            <a:r>
+              <a:rPr lang="zh-CN" altLang="en-US" dirty="0"/>
+              <a:t>）</a:t>
+            </a:r>
+            <a:endParaRPr lang="en-US" altLang="zh-CN" dirty="0"/>
+          </a:p>
+          <a:p>
+            <a:pPr marL="0" indent="0">
+              <a:buNone/>
+            </a:pPr>
+            <a:r>
+              <a:rPr lang="zh-CN" altLang="en-US" dirty="0"/>
+              <a:t>可重入：同一条线程可再次进入</a:t>
+            </a:r>
+            <a:r>
+              <a:rPr lang="en-US" altLang="zh-CN" dirty="0"/>
+              <a:t>:  </a:t>
+            </a:r>
+            <a:r>
+              <a:rPr lang="en-US" altLang="zh-CN" dirty="0" err="1"/>
+              <a:t>MonitorReenterDemo</a:t>
+            </a:r>
+            <a:endParaRPr lang="en-US" altLang="zh-CN" dirty="0"/>
+          </a:p>
+          <a:p>
+            <a:pPr marL="0" indent="0">
+              <a:buNone/>
+            </a:pPr>
+            <a:r>
+              <a:rPr lang="zh-CN" altLang="en-US" dirty="0"/>
+              <a:t>原理：</a:t>
+            </a:r>
+            <a:endParaRPr lang="en-US" altLang="zh-CN" dirty="0"/>
           </a:p>
           <a:p>
             <a:pPr marL="0" indent="0">
@@ -17828,34 +18401,6 @@
             <a:r>
               <a:rPr lang="en-US" altLang="zh-CN" dirty="0" err="1"/>
               <a:t>SynchronizedForJavap</a:t>
-            </a:r>
-            <a:endParaRPr lang="en-US" altLang="zh-CN" dirty="0"/>
-          </a:p>
-          <a:p>
-            <a:pPr marL="0" indent="0">
-              <a:buNone/>
-            </a:pPr>
-            <a:r>
-              <a:rPr lang="zh-CN" altLang="en-US" dirty="0"/>
-              <a:t>可重入：同一条线程可再次进入</a:t>
-            </a:r>
-            <a:r>
-              <a:rPr lang="en-US" altLang="zh-CN" dirty="0"/>
-              <a:t>:  </a:t>
-            </a:r>
-            <a:r>
-              <a:rPr lang="en-US" altLang="zh-CN" dirty="0" err="1"/>
-              <a:t>MonitorReenterDemo</a:t>
-            </a:r>
-            <a:endParaRPr lang="en-US" altLang="zh-CN" dirty="0"/>
-          </a:p>
-          <a:p>
-            <a:pPr marL="0" indent="0">
-              <a:buNone/>
-            </a:pPr>
-            <a:r>
-              <a:rPr lang="zh-CN" altLang="en-US" dirty="0"/>
-              <a:t>原理：</a:t>
             </a:r>
             <a:endParaRPr lang="en-US" altLang="zh-CN" dirty="0"/>
           </a:p>

--- a/JAVA并发编程.pptx
+++ b/JAVA并发编程.pptx
@@ -689,6 +689,102 @@
     <p:extLst>
       <p:ext uri="{BB962C8B-B14F-4D97-AF65-F5344CB8AC3E}">
         <p14:creationId xmlns:p14="http://schemas.microsoft.com/office/powerpoint/2010/main" val="3084994229"/>
+      </p:ext>
+    </p:extLst>
+  </p:cSld>
+  <p:clrMapOvr>
+    <a:masterClrMapping/>
+  </p:clrMapOvr>
+</p:notes>
+</file>
+
+<file path=ppt/notesSlides/notesSlide3.xml><?xml version="1.0" encoding="utf-8"?>
+<p:notes xmlns:a="http://schemas.openxmlformats.org/drawingml/2006/main" xmlns:r="http://schemas.openxmlformats.org/officeDocument/2006/relationships" xmlns:p="http://schemas.openxmlformats.org/presentationml/2006/main">
+  <p:cSld>
+    <p:spTree>
+      <p:nvGrpSpPr>
+        <p:cNvPr id="1" name=""/>
+        <p:cNvGrpSpPr/>
+        <p:nvPr/>
+      </p:nvGrpSpPr>
+      <p:grpSpPr>
+        <a:xfrm>
+          <a:off x="0" y="0"/>
+          <a:ext cx="0" cy="0"/>
+          <a:chOff x="0" y="0"/>
+          <a:chExt cx="0" cy="0"/>
+        </a:xfrm>
+      </p:grpSpPr>
+      <p:sp>
+        <p:nvSpPr>
+          <p:cNvPr id="2" name="幻灯片图像占位符 1"/>
+          <p:cNvSpPr>
+            <a:spLocks noGrp="1" noRot="1" noChangeAspect="1"/>
+          </p:cNvSpPr>
+          <p:nvPr>
+            <p:ph type="sldImg"/>
+          </p:nvPr>
+        </p:nvSpPr>
+        <p:spPr/>
+      </p:sp>
+      <p:sp>
+        <p:nvSpPr>
+          <p:cNvPr id="3" name="备注占位符 2"/>
+          <p:cNvSpPr>
+            <a:spLocks noGrp="1"/>
+          </p:cNvSpPr>
+          <p:nvPr>
+            <p:ph type="body" idx="1"/>
+          </p:nvPr>
+        </p:nvSpPr>
+        <p:spPr/>
+        <p:txBody>
+          <a:bodyPr/>
+          <a:lstStyle/>
+          <a:p>
+            <a:r>
+              <a:rPr lang="zh-CN" altLang="en-US"/>
+              <a:t>看各同步</a:t>
+            </a:r>
+            <a:r>
+              <a:rPr lang="zh-CN" altLang="en-US" dirty="0"/>
+              <a:t>容器</a:t>
+            </a:r>
+            <a:r>
+              <a:rPr lang="en-US" altLang="zh-CN" dirty="0"/>
+              <a:t>API</a:t>
+            </a:r>
+            <a:endParaRPr lang="zh-CN" altLang="en-US" dirty="0"/>
+          </a:p>
+        </p:txBody>
+      </p:sp>
+      <p:sp>
+        <p:nvSpPr>
+          <p:cNvPr id="4" name="灯片编号占位符 3"/>
+          <p:cNvSpPr>
+            <a:spLocks noGrp="1"/>
+          </p:cNvSpPr>
+          <p:nvPr>
+            <p:ph type="sldNum" sz="quarter" idx="10"/>
+          </p:nvPr>
+        </p:nvSpPr>
+        <p:spPr/>
+        <p:txBody>
+          <a:bodyPr/>
+          <a:lstStyle/>
+          <a:p>
+            <a:fld id="{6BF73E33-EE5A-4E4F-B480-BA03FA448F43}" type="slidenum">
+              <a:rPr lang="zh-CN" altLang="en-US" smtClean="0"/>
+              <a:t>31</a:t>
+            </a:fld>
+            <a:endParaRPr lang="zh-CN" altLang="en-US"/>
+          </a:p>
+        </p:txBody>
+      </p:sp>
+    </p:spTree>
+    <p:extLst>
+      <p:ext uri="{BB962C8B-B14F-4D97-AF65-F5344CB8AC3E}">
+        <p14:creationId xmlns:p14="http://schemas.microsoft.com/office/powerpoint/2010/main" val="1993585456"/>
       </p:ext>
     </p:extLst>
   </p:cSld>
@@ -13514,10 +13610,9 @@
           <a:lstStyle/>
           <a:p>
             <a:r>
-              <a:rPr lang="zh-CN" altLang="en-US"/>
+              <a:rPr lang="zh-CN" altLang="en-US" dirty="0"/>
               <a:t>线程、工作内存与主内存的交互</a:t>
             </a:r>
-            <a:endParaRPr lang="zh-CN" altLang="en-US" dirty="0"/>
           </a:p>
         </p:txBody>
       </p:sp>
